--- a/Pr�sentation/Pr�sentation_NUI.pptx
+++ b/Pr�sentation/Pr�sentation_NUI.pptx
@@ -204,7 +204,7 @@
             <a:fld id="{2203E90B-0CDC-4675-8BC8-ABC960C3C4BD}" type="datetimeFigureOut">
               <a:rPr lang="fr-FR" smtClean="0"/>
               <a:pPr/>
-              <a:t>09/12/2011</a:t>
+              <a:t>12/12/2011</a:t>
             </a:fld>
             <a:endParaRPr lang="fr-FR"/>
           </a:p>
@@ -855,7 +855,7 @@
             <a:fld id="{7FE745BF-AED8-4079-86B5-94776AA709CD}" type="datetime1">
               <a:rPr lang="fr-FR" smtClean="0"/>
               <a:pPr/>
-              <a:t>09/12/2011</a:t>
+              <a:t>12/12/2011</a:t>
             </a:fld>
             <a:endParaRPr lang="fr-FR" dirty="0"/>
           </a:p>
@@ -1022,7 +1022,7 @@
             <a:fld id="{8BADFC06-5AC4-476A-8FD2-54DE0E426D90}" type="datetime1">
               <a:rPr lang="fr-FR" smtClean="0"/>
               <a:pPr/>
-              <a:t>09/12/2011</a:t>
+              <a:t>12/12/2011</a:t>
             </a:fld>
             <a:endParaRPr lang="fr-FR" dirty="0"/>
           </a:p>
@@ -1199,7 +1199,7 @@
             <a:fld id="{271E89F4-7B08-401C-94CC-1E6E90A77743}" type="datetime1">
               <a:rPr lang="fr-FR" smtClean="0"/>
               <a:pPr/>
-              <a:t>09/12/2011</a:t>
+              <a:t>12/12/2011</a:t>
             </a:fld>
             <a:endParaRPr lang="fr-FR" dirty="0"/>
           </a:p>
@@ -1370,7 +1370,7 @@
             <a:fld id="{B8D51CD3-FD0B-4398-96D6-10844A344A7A}" type="datetime1">
               <a:rPr lang="fr-FR" smtClean="0"/>
               <a:pPr/>
-              <a:t>09/12/2011</a:t>
+              <a:t>12/12/2011</a:t>
             </a:fld>
             <a:endParaRPr lang="fr-FR" dirty="0"/>
           </a:p>
@@ -1827,7 +1827,7 @@
             <a:fld id="{5272A46D-708F-4429-9728-C0AAA1D8ED70}" type="datetime1">
               <a:rPr lang="fr-FR" smtClean="0"/>
               <a:pPr/>
-              <a:t>09/12/2011</a:t>
+              <a:t>12/12/2011</a:t>
             </a:fld>
             <a:endParaRPr lang="fr-FR" dirty="0"/>
           </a:p>
@@ -2093,7 +2093,7 @@
             <a:fld id="{85176319-0B46-44DD-88B8-E7F3AAD4F2DF}" type="datetime1">
               <a:rPr lang="fr-FR" smtClean="0"/>
               <a:pPr/>
-              <a:t>09/12/2011</a:t>
+              <a:t>12/12/2011</a:t>
             </a:fld>
             <a:endParaRPr lang="fr-FR" dirty="0"/>
           </a:p>
@@ -2469,7 +2469,7 @@
             <a:fld id="{2587345E-05A6-495C-A1A1-170A1A91A394}" type="datetime1">
               <a:rPr lang="fr-FR" smtClean="0"/>
               <a:pPr/>
-              <a:t>09/12/2011</a:t>
+              <a:t>12/12/2011</a:t>
             </a:fld>
             <a:endParaRPr lang="fr-FR" dirty="0"/>
           </a:p>
@@ -2593,7 +2593,7 @@
             <a:fld id="{172809C5-74F0-4FD7-9204-0F8A8FB1929B}" type="datetime1">
               <a:rPr lang="fr-FR" smtClean="0"/>
               <a:pPr/>
-              <a:t>09/12/2011</a:t>
+              <a:t>12/12/2011</a:t>
             </a:fld>
             <a:endParaRPr lang="fr-FR" dirty="0"/>
           </a:p>
@@ -2685,7 +2685,7 @@
             <a:fld id="{7786A093-8429-44F1-808A-11360C2CAA55}" type="datetime1">
               <a:rPr lang="fr-FR" smtClean="0"/>
               <a:pPr/>
-              <a:t>09/12/2011</a:t>
+              <a:t>12/12/2011</a:t>
             </a:fld>
             <a:endParaRPr lang="fr-FR" dirty="0"/>
           </a:p>
@@ -2936,7 +2936,7 @@
             <a:fld id="{FE18F5A1-6F3E-41A1-AC38-A5948C92E970}" type="datetime1">
               <a:rPr lang="fr-FR" smtClean="0"/>
               <a:pPr/>
-              <a:t>09/12/2011</a:t>
+              <a:t>12/12/2011</a:t>
             </a:fld>
             <a:endParaRPr lang="fr-FR" dirty="0"/>
           </a:p>
@@ -3197,7 +3197,7 @@
             <a:fld id="{42D0C6D8-1219-406E-8CD6-FA778B9D3E63}" type="datetime1">
               <a:rPr lang="fr-FR" smtClean="0"/>
               <a:pPr/>
-              <a:t>09/12/2011</a:t>
+              <a:t>12/12/2011</a:t>
             </a:fld>
             <a:endParaRPr lang="fr-FR" dirty="0"/>
           </a:p>
@@ -3603,7 +3603,7 @@
             <a:fld id="{CC7C295D-0E21-434D-B466-C466C8EF3B27}" type="datetime1">
               <a:rPr lang="fr-FR" smtClean="0"/>
               <a:pPr/>
-              <a:t>09/12/2011</a:t>
+              <a:t>12/12/2011</a:t>
             </a:fld>
             <a:endParaRPr lang="fr-FR" dirty="0"/>
           </a:p>
@@ -4571,7 +4571,15 @@
           <a:p>
             <a:r>
               <a:rPr lang="en-US" dirty="0" smtClean="0"/>
-              <a:t>“Boom” of the touch devices</a:t>
+              <a:t>“Boom” of </a:t>
+            </a:r>
+            <a:r>
+              <a:rPr lang="en-US" dirty="0" smtClean="0"/>
+              <a:t>touch </a:t>
+            </a:r>
+            <a:r>
+              <a:rPr lang="en-US" dirty="0" smtClean="0"/>
+              <a:t>devices</a:t>
             </a:r>
           </a:p>
         </p:txBody>
@@ -4725,8 +4733,9 @@
           <a:p>
             <a:r>
               <a:rPr lang="en-US" dirty="0" smtClean="0"/>
-              <a:t>Nobody uses the Kinect as a camera but only as a gaming device</a:t>
-            </a:r>
+              <a:t>General public doesn't use the Kinect as a camera but only as a gaming device</a:t>
+            </a:r>
+            <a:endParaRPr lang="en-US" dirty="0" smtClean="0"/>
           </a:p>
         </p:txBody>
       </p:sp>
@@ -4940,10 +4949,10 @@
           <a:lstStyle/>
           <a:p>
             <a:r>
-              <a:rPr lang="en-US" smtClean="0"/>
-              <a:t>Approach solution</a:t>
-            </a:r>
-            <a:endParaRPr lang="en-US"/>
+              <a:rPr lang="en-US" dirty="0" smtClean="0"/>
+              <a:t>Implemented Solution</a:t>
+            </a:r>
+            <a:endParaRPr lang="en-US" dirty="0"/>
           </a:p>
         </p:txBody>
       </p:sp>
@@ -4959,12 +4968,18 @@
         </p:nvSpPr>
         <p:spPr/>
         <p:txBody>
-          <a:bodyPr/>
+          <a:bodyPr>
+            <a:normAutofit lnSpcReduction="10000"/>
+          </a:bodyPr>
           <a:lstStyle/>
           <a:p>
             <a:r>
               <a:rPr lang="en-US" dirty="0" smtClean="0"/>
-              <a:t>Limitations due to distance, accuracy, recognition…</a:t>
+              <a:t>Considering limitations </a:t>
+            </a:r>
+            <a:r>
+              <a:rPr lang="en-US" dirty="0" smtClean="0"/>
+              <a:t>due to distance, accuracy, recognition…</a:t>
             </a:r>
           </a:p>
           <a:p>
@@ -4972,26 +4987,167 @@
               <a:buNone/>
             </a:pPr>
             <a:r>
+              <a:rPr lang="en-US" dirty="0" smtClean="0">
+                <a:solidFill>
+                  <a:srgbClr val="FF0000"/>
+                </a:solidFill>
+              </a:rPr>
+              <a:t>[à </a:t>
+            </a:r>
+            <a:r>
+              <a:rPr lang="en-US" dirty="0" err="1" smtClean="0">
+                <a:solidFill>
+                  <a:srgbClr val="FF0000"/>
+                </a:solidFill>
+              </a:rPr>
+              <a:t>mettre</a:t>
+            </a:r>
+            <a:r>
+              <a:rPr lang="en-US" dirty="0" smtClean="0">
+                <a:solidFill>
+                  <a:srgbClr val="FF0000"/>
+                </a:solidFill>
+              </a:rPr>
+              <a:t> </a:t>
+            </a:r>
+            <a:r>
+              <a:rPr lang="en-US" dirty="0" err="1" smtClean="0">
+                <a:solidFill>
+                  <a:srgbClr val="FF0000"/>
+                </a:solidFill>
+              </a:rPr>
+              <a:t>ici</a:t>
+            </a:r>
+            <a:r>
+              <a:rPr lang="en-US" dirty="0" smtClean="0">
+                <a:solidFill>
+                  <a:srgbClr val="FF0000"/>
+                </a:solidFill>
+              </a:rPr>
+              <a:t>, un screen du </a:t>
+            </a:r>
+            <a:r>
+              <a:rPr lang="en-US" dirty="0" err="1" smtClean="0">
+                <a:solidFill>
+                  <a:srgbClr val="FF0000"/>
+                </a:solidFill>
+              </a:rPr>
+              <a:t>squelette</a:t>
+            </a:r>
+            <a:r>
+              <a:rPr lang="en-US" dirty="0" smtClean="0">
+                <a:solidFill>
+                  <a:srgbClr val="FF0000"/>
+                </a:solidFill>
+              </a:rPr>
+              <a:t> </a:t>
+            </a:r>
+            <a:r>
+              <a:rPr lang="en-US" dirty="0" err="1" smtClean="0">
+                <a:solidFill>
+                  <a:srgbClr val="FF0000"/>
+                </a:solidFill>
+              </a:rPr>
+              <a:t>affiché</a:t>
+            </a:r>
+            <a:r>
+              <a:rPr lang="en-US" dirty="0" smtClean="0">
+                <a:solidFill>
+                  <a:srgbClr val="FF0000"/>
+                </a:solidFill>
+              </a:rPr>
+              <a:t> par la </a:t>
+            </a:r>
+            <a:r>
+              <a:rPr lang="en-US" dirty="0" err="1" smtClean="0">
+                <a:solidFill>
+                  <a:srgbClr val="FF0000"/>
+                </a:solidFill>
+              </a:rPr>
+              <a:t>kinect</a:t>
+            </a:r>
+            <a:r>
+              <a:rPr lang="en-US" dirty="0" smtClean="0">
+                <a:solidFill>
+                  <a:srgbClr val="FF0000"/>
+                </a:solidFill>
+              </a:rPr>
+              <a:t> </a:t>
+            </a:r>
+            <a:r>
+              <a:rPr lang="en-US" dirty="0" err="1" smtClean="0">
+                <a:solidFill>
+                  <a:srgbClr val="FF0000"/>
+                </a:solidFill>
+              </a:rPr>
+              <a:t>quand</a:t>
+            </a:r>
+            <a:r>
+              <a:rPr lang="en-US" dirty="0" smtClean="0">
+                <a:solidFill>
+                  <a:srgbClr val="FF0000"/>
+                </a:solidFill>
+              </a:rPr>
+              <a:t> on </a:t>
+            </a:r>
+            <a:r>
+              <a:rPr lang="en-US" dirty="0" err="1" smtClean="0">
+                <a:solidFill>
+                  <a:srgbClr val="FF0000"/>
+                </a:solidFill>
+              </a:rPr>
+              <a:t>est</a:t>
+            </a:r>
+            <a:r>
+              <a:rPr lang="en-US" dirty="0" smtClean="0">
+                <a:solidFill>
+                  <a:srgbClr val="FF0000"/>
+                </a:solidFill>
+              </a:rPr>
+              <a:t> </a:t>
+            </a:r>
+            <a:r>
+              <a:rPr lang="en-US" dirty="0" err="1" smtClean="0">
+                <a:solidFill>
+                  <a:srgbClr val="FF0000"/>
+                </a:solidFill>
+              </a:rPr>
+              <a:t>assis</a:t>
+            </a:r>
+            <a:r>
+              <a:rPr lang="en-US" dirty="0" smtClean="0">
+                <a:solidFill>
+                  <a:srgbClr val="FF0000"/>
+                </a:solidFill>
+              </a:rPr>
+              <a:t>]</a:t>
+            </a:r>
+          </a:p>
+          <a:p>
+            <a:pPr lvl="1">
+              <a:buNone/>
+            </a:pPr>
+            <a:endParaRPr lang="en-US" dirty="0" smtClean="0">
+              <a:solidFill>
+                <a:srgbClr val="FF0000"/>
+              </a:solidFill>
+            </a:endParaRPr>
+          </a:p>
+          <a:p>
+            <a:r>
               <a:rPr lang="en-US" dirty="0" smtClean="0"/>
-              <a:t>(screen skeleton </a:t>
-            </a:r>
-            <a:r>
-              <a:rPr lang="en-US" smtClean="0"/>
-              <a:t>assis)</a:t>
-            </a:r>
+              <a:t>Must be responsive : running in Real Time</a:t>
+            </a:r>
+          </a:p>
+          <a:p>
             <a:endParaRPr lang="en-US" dirty="0" smtClean="0"/>
           </a:p>
           <a:p>
             <a:r>
               <a:rPr lang="en-US" dirty="0" smtClean="0"/>
-              <a:t>Use of the graphical card to palliate the lack of performance of the CPU</a:t>
-            </a:r>
-          </a:p>
-          <a:p>
-            <a:r>
-              <a:rPr lang="en-US" dirty="0" smtClean="0"/>
-              <a:t>DirectX rendition</a:t>
-            </a:r>
+              <a:t>Able to be bound with 3D rendering (via DirectX 9)</a:t>
+            </a:r>
+            <a:endParaRPr lang="en-US" dirty="0" smtClean="0"/>
           </a:p>
         </p:txBody>
       </p:sp>
@@ -5060,10 +5216,10 @@
           <a:lstStyle/>
           <a:p>
             <a:r>
-              <a:rPr lang="en-US" smtClean="0"/>
+              <a:rPr lang="en-US" dirty="0" smtClean="0"/>
               <a:t>Theory</a:t>
             </a:r>
-            <a:endParaRPr lang="en-US"/>
+            <a:endParaRPr lang="en-US" dirty="0"/>
           </a:p>
         </p:txBody>
       </p:sp>
@@ -5079,13 +5235,34 @@
         </p:nvSpPr>
         <p:spPr/>
         <p:txBody>
-          <a:bodyPr/>
+          <a:bodyPr>
+            <a:normAutofit lnSpcReduction="10000"/>
+          </a:bodyPr>
           <a:lstStyle/>
           <a:p>
             <a:r>
               <a:rPr lang="en-US" dirty="0" smtClean="0"/>
-              <a:t>Hand/movement recognition</a:t>
-            </a:r>
+              <a:t>The algorithm requires only depth data from the Kinect</a:t>
+            </a:r>
+          </a:p>
+          <a:p>
+            <a:endParaRPr lang="en-US" dirty="0" smtClean="0"/>
+          </a:p>
+          <a:p>
+            <a:r>
+              <a:rPr lang="en-US" dirty="0" smtClean="0"/>
+              <a:t>Pixels are filtered based on their distance from the sensor and grouped by blobs</a:t>
+            </a:r>
+          </a:p>
+          <a:p>
+            <a:endParaRPr lang="en-US" dirty="0" smtClean="0"/>
+          </a:p>
+          <a:p>
+            <a:r>
+              <a:rPr lang="en-US" dirty="0" smtClean="0"/>
+              <a:t>The 4 biggest blobs are tracked by the software as potential cursors</a:t>
+            </a:r>
+            <a:endParaRPr lang="en-US" dirty="0" smtClean="0"/>
           </a:p>
           <a:p>
             <a:endParaRPr lang="en-US" dirty="0" smtClean="0"/>

--- a/Pr�sentation/Pr�sentation_NUI.pptx
+++ b/Pr�sentation/Pr�sentation_NUI.pptx
@@ -5,7 +5,7 @@
     <p:sldMasterId id="2147483684" r:id="rId1"/>
   </p:sldMasterIdLst>
   <p:notesMasterIdLst>
-    <p:notesMasterId r:id="rId14"/>
+    <p:notesMasterId r:id="rId15"/>
   </p:notesMasterIdLst>
   <p:sldIdLst>
     <p:sldId id="256" r:id="rId2"/>
@@ -20,6 +20,7 @@
     <p:sldId id="266" r:id="rId11"/>
     <p:sldId id="262" r:id="rId12"/>
     <p:sldId id="265" r:id="rId13"/>
+    <p:sldId id="268" r:id="rId14"/>
   </p:sldIdLst>
   <p:sldSz cx="9144000" cy="6858000" type="screen4x3"/>
   <p:notesSz cx="6858000" cy="9144000"/>
@@ -4223,7 +4224,7 @@
           <a:p>
             <a:r>
               <a:rPr lang="en-US" dirty="0" smtClean="0"/>
-              <a:t>Demo Web browser</a:t>
+              <a:t>Demonstration Web browser</a:t>
             </a:r>
             <a:endParaRPr lang="en-US" dirty="0"/>
           </a:p>
@@ -4313,10 +4314,86 @@
         </p:nvSpPr>
         <p:spPr/>
         <p:txBody>
-          <a:bodyPr/>
-          <a:lstStyle/>
-          <a:p>
-            <a:endParaRPr lang="fr-FR"/>
+          <a:bodyPr>
+            <a:normAutofit fontScale="85000" lnSpcReduction="20000"/>
+          </a:bodyPr>
+          <a:lstStyle/>
+          <a:p>
+            <a:r>
+              <a:rPr lang="en-US" dirty="0" smtClean="0"/>
+              <a:t>Features offered by the Kinect</a:t>
+            </a:r>
+          </a:p>
+          <a:p>
+            <a:pPr lvl="1"/>
+            <a:r>
+              <a:rPr lang="en-US" dirty="0" smtClean="0"/>
+              <a:t>Depth data</a:t>
+            </a:r>
+          </a:p>
+          <a:p>
+            <a:pPr lvl="1"/>
+            <a:r>
+              <a:rPr lang="en-US" dirty="0" smtClean="0"/>
+              <a:t>Color data</a:t>
+            </a:r>
+          </a:p>
+          <a:p>
+            <a:pPr lvl="1"/>
+            <a:r>
+              <a:rPr lang="en-US" dirty="0" smtClean="0"/>
+              <a:t>Skeleton recognition</a:t>
+            </a:r>
+          </a:p>
+          <a:p>
+            <a:pPr lvl="1">
+              <a:buNone/>
+            </a:pPr>
+            <a:endParaRPr lang="en-US" dirty="0" smtClean="0"/>
+          </a:p>
+          <a:p>
+            <a:r>
+              <a:rPr lang="en-US" dirty="0" smtClean="0"/>
+              <a:t>Limitations</a:t>
+            </a:r>
+          </a:p>
+          <a:p>
+            <a:pPr lvl="1"/>
+            <a:r>
+              <a:rPr lang="en-US" dirty="0" smtClean="0"/>
+              <a:t>Distance</a:t>
+            </a:r>
+          </a:p>
+          <a:p>
+            <a:pPr lvl="1"/>
+            <a:r>
+              <a:rPr lang="en-US" dirty="0" smtClean="0"/>
+              <a:t>Accuracy</a:t>
+            </a:r>
+          </a:p>
+          <a:p>
+            <a:pPr lvl="1">
+              <a:buNone/>
+            </a:pPr>
+            <a:endParaRPr lang="en-US" dirty="0" smtClean="0"/>
+          </a:p>
+          <a:p>
+            <a:r>
+              <a:rPr lang="en-US" dirty="0" smtClean="0"/>
+              <a:t>“Easy-to-use” camera</a:t>
+            </a:r>
+          </a:p>
+          <a:p>
+            <a:endParaRPr lang="en-US" dirty="0" smtClean="0"/>
+          </a:p>
+          <a:p>
+            <a:r>
+              <a:rPr lang="en-US" dirty="0" smtClean="0"/>
+              <a:t>Kinect 2 in development</a:t>
+            </a:r>
+          </a:p>
+          <a:p>
+            <a:endParaRPr lang="fr-FR" dirty="0"/>
           </a:p>
         </p:txBody>
       </p:sp>
@@ -4339,6 +4416,84 @@
               <a:rPr lang="fr-FR" smtClean="0"/>
               <a:pPr/>
               <a:t>12</a:t>
+            </a:fld>
+            <a:endParaRPr lang="fr-FR" dirty="0"/>
+          </a:p>
+        </p:txBody>
+      </p:sp>
+    </p:spTree>
+  </p:cSld>
+  <p:clrMapOvr>
+    <a:masterClrMapping/>
+  </p:clrMapOvr>
+</p:sld>
+</file>
+
+<file path=ppt/slides/slide13.xml><?xml version="1.0" encoding="utf-8"?>
+<p:sld xmlns:a="http://schemas.openxmlformats.org/drawingml/2006/main" xmlns:r="http://schemas.openxmlformats.org/officeDocument/2006/relationships" xmlns:p="http://schemas.openxmlformats.org/presentationml/2006/main">
+  <p:cSld>
+    <p:spTree>
+      <p:nvGrpSpPr>
+        <p:cNvPr id="1" name=""/>
+        <p:cNvGrpSpPr/>
+        <p:nvPr/>
+      </p:nvGrpSpPr>
+      <p:grpSpPr>
+        <a:xfrm>
+          <a:off x="0" y="0"/>
+          <a:ext cx="0" cy="0"/>
+          <a:chOff x="0" y="0"/>
+          <a:chExt cx="0" cy="0"/>
+        </a:xfrm>
+      </p:grpSpPr>
+      <p:sp>
+        <p:nvSpPr>
+          <p:cNvPr id="5" name="Titre 4"/>
+          <p:cNvSpPr>
+            <a:spLocks noGrp="1"/>
+          </p:cNvSpPr>
+          <p:nvPr>
+            <p:ph type="title"/>
+          </p:nvPr>
+        </p:nvSpPr>
+        <p:spPr>
+          <a:xfrm>
+            <a:off x="611560" y="2708920"/>
+            <a:ext cx="7470648" cy="1143000"/>
+          </a:xfrm>
+        </p:spPr>
+        <p:txBody>
+          <a:bodyPr/>
+          <a:lstStyle/>
+          <a:p>
+            <a:pPr algn="ctr"/>
+            <a:r>
+              <a:rPr lang="en-US" dirty="0" smtClean="0"/>
+              <a:t>Thank you for your attention</a:t>
+            </a:r>
+            <a:endParaRPr lang="en-US" dirty="0"/>
+          </a:p>
+        </p:txBody>
+      </p:sp>
+      <p:sp>
+        <p:nvSpPr>
+          <p:cNvPr id="4" name="Espace réservé du numéro de diapositive 3"/>
+          <p:cNvSpPr>
+            <a:spLocks noGrp="1"/>
+          </p:cNvSpPr>
+          <p:nvPr>
+            <p:ph type="sldNum" sz="quarter" idx="11"/>
+          </p:nvPr>
+        </p:nvSpPr>
+        <p:spPr/>
+        <p:txBody>
+          <a:bodyPr/>
+          <a:lstStyle/>
+          <a:p>
+            <a:fld id="{AB9DB7C7-3B7A-421A-AF98-AB9FC2185CD3}" type="slidenum">
+              <a:rPr lang="fr-FR" smtClean="0"/>
+              <a:pPr/>
+              <a:t>13</a:t>
             </a:fld>
             <a:endParaRPr lang="fr-FR" dirty="0"/>
           </a:p>
@@ -4427,7 +4582,7 @@
           <a:p>
             <a:r>
               <a:rPr lang="en-US" dirty="0" smtClean="0"/>
-              <a:t>Approach solution</a:t>
+              <a:t>Implemented solution</a:t>
             </a:r>
           </a:p>
           <a:p>
@@ -4435,6 +4590,7 @@
               <a:rPr lang="en-US" dirty="0" smtClean="0"/>
               <a:t>Theory/Technical</a:t>
             </a:r>
+            <a:endParaRPr lang="en-US" dirty="0" smtClean="0"/>
           </a:p>
           <a:p>
             <a:r>
@@ -4571,15 +4727,7 @@
           <a:p>
             <a:r>
               <a:rPr lang="en-US" dirty="0" smtClean="0"/>
-              <a:t>“Boom” of </a:t>
-            </a:r>
-            <a:r>
-              <a:rPr lang="en-US" dirty="0" smtClean="0"/>
-              <a:t>touch </a:t>
-            </a:r>
-            <a:r>
-              <a:rPr lang="en-US" dirty="0" smtClean="0"/>
-              <a:t>devices</a:t>
+              <a:t>“Boom” of touch devices</a:t>
             </a:r>
           </a:p>
         </p:txBody>
@@ -4735,7 +4883,6 @@
               <a:rPr lang="en-US" dirty="0" smtClean="0"/>
               <a:t>General public doesn't use the Kinect as a camera but only as a gaming device</a:t>
             </a:r>
-            <a:endParaRPr lang="en-US" dirty="0" smtClean="0"/>
           </a:p>
         </p:txBody>
       </p:sp>
@@ -4975,11 +5122,7 @@
           <a:p>
             <a:r>
               <a:rPr lang="en-US" dirty="0" smtClean="0"/>
-              <a:t>Considering limitations </a:t>
-            </a:r>
-            <a:r>
-              <a:rPr lang="en-US" dirty="0" smtClean="0"/>
-              <a:t>due to distance, accuracy, recognition…</a:t>
+              <a:t>Considering limitations due to distance, accuracy, recognition…</a:t>
             </a:r>
           </a:p>
           <a:p>
@@ -5147,7 +5290,6 @@
               <a:rPr lang="en-US" dirty="0" smtClean="0"/>
               <a:t>Able to be bound with 3D rendering (via DirectX 9)</a:t>
             </a:r>
-            <a:endParaRPr lang="en-US" dirty="0" smtClean="0"/>
           </a:p>
         </p:txBody>
       </p:sp>
@@ -5262,7 +5404,6 @@
               <a:rPr lang="en-US" dirty="0" smtClean="0"/>
               <a:t>The 4 biggest blobs are tracked by the software as potential cursors</a:t>
             </a:r>
-            <a:endParaRPr lang="en-US" dirty="0" smtClean="0"/>
           </a:p>
           <a:p>
             <a:endParaRPr lang="en-US" dirty="0" smtClean="0"/>

--- a/Pr�sentation/Pr�sentation_NUI.pptx
+++ b/Pr�sentation/Pr�sentation_NUI.pptx
@@ -5,7 +5,7 @@
     <p:sldMasterId id="2147483684" r:id="rId1"/>
   </p:sldMasterIdLst>
   <p:notesMasterIdLst>
-    <p:notesMasterId r:id="rId15"/>
+    <p:notesMasterId r:id="rId16"/>
   </p:notesMasterIdLst>
   <p:sldIdLst>
     <p:sldId id="256" r:id="rId2"/>
@@ -14,13 +14,14 @@
     <p:sldId id="259" r:id="rId5"/>
     <p:sldId id="260" r:id="rId6"/>
     <p:sldId id="261" r:id="rId7"/>
-    <p:sldId id="263" r:id="rId8"/>
-    <p:sldId id="264" r:id="rId9"/>
-    <p:sldId id="267" r:id="rId10"/>
-    <p:sldId id="266" r:id="rId11"/>
-    <p:sldId id="262" r:id="rId12"/>
-    <p:sldId id="265" r:id="rId13"/>
-    <p:sldId id="268" r:id="rId14"/>
+    <p:sldId id="269" r:id="rId8"/>
+    <p:sldId id="263" r:id="rId9"/>
+    <p:sldId id="264" r:id="rId10"/>
+    <p:sldId id="267" r:id="rId11"/>
+    <p:sldId id="266" r:id="rId12"/>
+    <p:sldId id="262" r:id="rId13"/>
+    <p:sldId id="265" r:id="rId14"/>
+    <p:sldId id="268" r:id="rId15"/>
   </p:sldIdLst>
   <p:sldSz cx="9144000" cy="6858000" type="screen4x3"/>
   <p:notesSz cx="6858000" cy="9144000"/>
@@ -4110,6 +4111,256 @@
       </p:grpSpPr>
       <p:sp>
         <p:nvSpPr>
+          <p:cNvPr id="2" name="Titre 1"/>
+          <p:cNvSpPr>
+            <a:spLocks noGrp="1"/>
+          </p:cNvSpPr>
+          <p:nvPr>
+            <p:ph type="title"/>
+          </p:nvPr>
+        </p:nvSpPr>
+        <p:spPr/>
+        <p:txBody>
+          <a:bodyPr/>
+          <a:lstStyle/>
+          <a:p>
+            <a:r>
+              <a:rPr lang="en-US" dirty="0" smtClean="0"/>
+              <a:t>Technical</a:t>
+            </a:r>
+            <a:endParaRPr lang="en-US" dirty="0"/>
+          </a:p>
+        </p:txBody>
+      </p:sp>
+      <p:sp>
+        <p:nvSpPr>
+          <p:cNvPr id="3" name="Espace réservé du contenu 2"/>
+          <p:cNvSpPr>
+            <a:spLocks noGrp="1"/>
+          </p:cNvSpPr>
+          <p:nvPr>
+            <p:ph idx="1"/>
+          </p:nvPr>
+        </p:nvSpPr>
+        <p:spPr/>
+        <p:txBody>
+          <a:bodyPr>
+            <a:normAutofit fontScale="92500" lnSpcReduction="20000"/>
+          </a:bodyPr>
+          <a:lstStyle/>
+          <a:p>
+            <a:r>
+              <a:rPr lang="en-US" dirty="0" smtClean="0"/>
+              <a:t>Kinect depth acquisition </a:t>
+            </a:r>
+            <a:r>
+              <a:rPr lang="en-US" dirty="0" smtClean="0">
+                <a:solidFill>
+                  <a:srgbClr val="FFC000"/>
+                </a:solidFill>
+              </a:rPr>
+              <a:t>(</a:t>
+            </a:r>
+            <a:r>
+              <a:rPr lang="en-US" dirty="0" smtClean="0">
+                <a:solidFill>
+                  <a:srgbClr val="FFC000"/>
+                </a:solidFill>
+              </a:rPr>
+              <a:t>CPU - Driver)</a:t>
+            </a:r>
+            <a:endParaRPr lang="en-US" dirty="0" smtClean="0">
+              <a:solidFill>
+                <a:srgbClr val="FFC000"/>
+              </a:solidFill>
+            </a:endParaRPr>
+          </a:p>
+          <a:p>
+            <a:r>
+              <a:rPr lang="en-US" dirty="0" smtClean="0"/>
+              <a:t>Depth filtering and scaling </a:t>
+            </a:r>
+            <a:r>
+              <a:rPr lang="en-US" dirty="0" smtClean="0">
+                <a:solidFill>
+                  <a:srgbClr val="FFFF00"/>
+                </a:solidFill>
+              </a:rPr>
+              <a:t>(GPU)</a:t>
+            </a:r>
+          </a:p>
+          <a:p>
+            <a:r>
+              <a:rPr lang="en-US" dirty="0" smtClean="0"/>
+              <a:t>Region extracting </a:t>
+            </a:r>
+            <a:r>
+              <a:rPr lang="en-US" dirty="0" smtClean="0">
+                <a:solidFill>
+                  <a:srgbClr val="FFFF00"/>
+                </a:solidFill>
+              </a:rPr>
+              <a:t>(GPU)</a:t>
+            </a:r>
+          </a:p>
+          <a:p>
+            <a:r>
+              <a:rPr lang="en-US" dirty="0" smtClean="0"/>
+              <a:t>Borders gradients </a:t>
+            </a:r>
+            <a:r>
+              <a:rPr lang="en-US" dirty="0" smtClean="0">
+                <a:solidFill>
+                  <a:srgbClr val="FFFF00"/>
+                </a:solidFill>
+              </a:rPr>
+              <a:t>(GPU)</a:t>
+            </a:r>
+          </a:p>
+          <a:p>
+            <a:r>
+              <a:rPr lang="en-US" dirty="0" smtClean="0"/>
+              <a:t>Blobs counting and directions approximation </a:t>
+            </a:r>
+            <a:r>
+              <a:rPr lang="en-US" dirty="0" smtClean="0">
+                <a:solidFill>
+                  <a:srgbClr val="FF0000"/>
+                </a:solidFill>
+              </a:rPr>
+              <a:t>(CPU)</a:t>
+            </a:r>
+          </a:p>
+          <a:p>
+            <a:r>
+              <a:rPr lang="en-US" dirty="0" smtClean="0"/>
+              <a:t>Tracking of the 4 main Blobs </a:t>
+            </a:r>
+            <a:r>
+              <a:rPr lang="en-US" dirty="0" smtClean="0">
+                <a:solidFill>
+                  <a:srgbClr val="FF0000"/>
+                </a:solidFill>
+              </a:rPr>
+              <a:t>(CPU)</a:t>
+            </a:r>
+          </a:p>
+          <a:p>
+            <a:r>
+              <a:rPr lang="en-US" dirty="0" smtClean="0"/>
+              <a:t>Gesture recognition and web pages rendering </a:t>
+            </a:r>
+            <a:r>
+              <a:rPr lang="en-US" dirty="0" smtClean="0">
+                <a:solidFill>
+                  <a:srgbClr val="FF0000"/>
+                </a:solidFill>
+              </a:rPr>
+              <a:t>(CPU)</a:t>
+            </a:r>
+          </a:p>
+          <a:p>
+            <a:r>
+              <a:rPr lang="en-US" dirty="0" smtClean="0"/>
+              <a:t>Final composition for the UI </a:t>
+            </a:r>
+            <a:r>
+              <a:rPr lang="en-US" dirty="0" smtClean="0">
+                <a:solidFill>
+                  <a:srgbClr val="FFFF00"/>
+                </a:solidFill>
+              </a:rPr>
+              <a:t>(GPU)</a:t>
+            </a:r>
+            <a:endParaRPr lang="en-US" dirty="0">
+              <a:solidFill>
+                <a:srgbClr val="FFFF00"/>
+              </a:solidFill>
+            </a:endParaRPr>
+          </a:p>
+        </p:txBody>
+      </p:sp>
+      <p:sp>
+        <p:nvSpPr>
+          <p:cNvPr id="4" name="Espace réservé du numéro de diapositive 3"/>
+          <p:cNvSpPr>
+            <a:spLocks noGrp="1"/>
+          </p:cNvSpPr>
+          <p:nvPr>
+            <p:ph type="sldNum" sz="quarter" idx="12"/>
+          </p:nvPr>
+        </p:nvSpPr>
+        <p:spPr/>
+        <p:txBody>
+          <a:bodyPr/>
+          <a:lstStyle/>
+          <a:p>
+            <a:fld id="{AB9DB7C7-3B7A-421A-AF98-AB9FC2185CD3}" type="slidenum">
+              <a:rPr lang="en-US" smtClean="0"/>
+              <a:pPr/>
+              <a:t>10</a:t>
+            </a:fld>
+            <a:endParaRPr lang="en-US"/>
+          </a:p>
+        </p:txBody>
+      </p:sp>
+      <p:sp>
+        <p:nvSpPr>
+          <p:cNvPr id="5" name="ZoneTexte 4"/>
+          <p:cNvSpPr txBox="1"/>
+          <p:nvPr/>
+        </p:nvSpPr>
+        <p:spPr>
+          <a:xfrm>
+            <a:off x="4067944" y="6396335"/>
+            <a:ext cx="4032448" cy="461665"/>
+          </a:xfrm>
+          <a:prstGeom prst="rect">
+            <a:avLst/>
+          </a:prstGeom>
+          <a:noFill/>
+        </p:spPr>
+        <p:txBody>
+          <a:bodyPr wrap="square" rtlCol="0">
+            <a:spAutoFit/>
+          </a:bodyPr>
+          <a:lstStyle/>
+          <a:p>
+            <a:r>
+              <a:rPr lang="fr-FR" sz="2400" dirty="0" smtClean="0"/>
+              <a:t>Total Time : 10 – 18 ms</a:t>
+            </a:r>
+            <a:endParaRPr lang="fr-FR" sz="2400" dirty="0"/>
+          </a:p>
+        </p:txBody>
+      </p:sp>
+    </p:spTree>
+  </p:cSld>
+  <p:clrMapOvr>
+    <a:masterClrMapping/>
+  </p:clrMapOvr>
+</p:sld>
+</file>
+
+<file path=ppt/slides/slide11.xml><?xml version="1.0" encoding="utf-8"?>
+<p:sld xmlns:a="http://schemas.openxmlformats.org/drawingml/2006/main" xmlns:r="http://schemas.openxmlformats.org/officeDocument/2006/relationships" xmlns:p="http://schemas.openxmlformats.org/presentationml/2006/main">
+  <p:cSld>
+    <p:spTree>
+      <p:nvGrpSpPr>
+        <p:cNvPr id="1" name=""/>
+        <p:cNvGrpSpPr/>
+        <p:nvPr/>
+      </p:nvGrpSpPr>
+      <p:grpSpPr>
+        <a:xfrm>
+          <a:off x="0" y="0"/>
+          <a:ext cx="0" cy="0"/>
+          <a:chOff x="0" y="0"/>
+          <a:chExt cx="0" cy="0"/>
+        </a:xfrm>
+      </p:grpSpPr>
+      <p:sp>
+        <p:nvSpPr>
           <p:cNvPr id="7" name="Espace réservé du contenu 6"/>
           <p:cNvSpPr>
             <a:spLocks noGrp="1"/>
@@ -4167,101 +4418,6 @@
 </p:sld>
 </file>
 
-<file path=ppt/slides/slide11.xml><?xml version="1.0" encoding="utf-8"?>
-<p:sld xmlns:a="http://schemas.openxmlformats.org/drawingml/2006/main" xmlns:r="http://schemas.openxmlformats.org/officeDocument/2006/relationships" xmlns:p="http://schemas.openxmlformats.org/presentationml/2006/main">
-  <p:cSld>
-    <p:spTree>
-      <p:nvGrpSpPr>
-        <p:cNvPr id="1" name=""/>
-        <p:cNvGrpSpPr/>
-        <p:nvPr/>
-      </p:nvGrpSpPr>
-      <p:grpSpPr>
-        <a:xfrm>
-          <a:off x="0" y="0"/>
-          <a:ext cx="0" cy="0"/>
-          <a:chOff x="0" y="0"/>
-          <a:chExt cx="0" cy="0"/>
-        </a:xfrm>
-      </p:grpSpPr>
-      <p:sp>
-        <p:nvSpPr>
-          <p:cNvPr id="2" name="Titre 1"/>
-          <p:cNvSpPr>
-            <a:spLocks noGrp="1"/>
-          </p:cNvSpPr>
-          <p:nvPr>
-            <p:ph type="title"/>
-          </p:nvPr>
-        </p:nvSpPr>
-        <p:spPr/>
-        <p:txBody>
-          <a:bodyPr/>
-          <a:lstStyle/>
-          <a:p>
-            <a:r>
-              <a:rPr lang="en-US" smtClean="0"/>
-              <a:t>Results</a:t>
-            </a:r>
-            <a:endParaRPr lang="en-US"/>
-          </a:p>
-        </p:txBody>
-      </p:sp>
-      <p:sp>
-        <p:nvSpPr>
-          <p:cNvPr id="3" name="Espace réservé du contenu 2"/>
-          <p:cNvSpPr>
-            <a:spLocks noGrp="1"/>
-          </p:cNvSpPr>
-          <p:nvPr>
-            <p:ph idx="1"/>
-          </p:nvPr>
-        </p:nvSpPr>
-        <p:spPr/>
-        <p:txBody>
-          <a:bodyPr/>
-          <a:lstStyle/>
-          <a:p>
-            <a:r>
-              <a:rPr lang="en-US" dirty="0" smtClean="0"/>
-              <a:t>Demonstration Web browser</a:t>
-            </a:r>
-            <a:endParaRPr lang="en-US" dirty="0"/>
-          </a:p>
-        </p:txBody>
-      </p:sp>
-      <p:sp>
-        <p:nvSpPr>
-          <p:cNvPr id="4" name="Espace réservé du numéro de diapositive 3"/>
-          <p:cNvSpPr>
-            <a:spLocks noGrp="1"/>
-          </p:cNvSpPr>
-          <p:nvPr>
-            <p:ph type="sldNum" sz="quarter" idx="12"/>
-          </p:nvPr>
-        </p:nvSpPr>
-        <p:spPr/>
-        <p:txBody>
-          <a:bodyPr/>
-          <a:lstStyle/>
-          <a:p>
-            <a:fld id="{AB9DB7C7-3B7A-421A-AF98-AB9FC2185CD3}" type="slidenum">
-              <a:rPr lang="en-US" smtClean="0"/>
-              <a:pPr/>
-              <a:t>11</a:t>
-            </a:fld>
-            <a:endParaRPr lang="en-US"/>
-          </a:p>
-        </p:txBody>
-      </p:sp>
-    </p:spTree>
-  </p:cSld>
-  <p:clrMapOvr>
-    <a:masterClrMapping/>
-  </p:clrMapOvr>
-</p:sld>
-</file>
-
 <file path=ppt/slides/slide12.xml><?xml version="1.0" encoding="utf-8"?>
 <p:sld xmlns:a="http://schemas.openxmlformats.org/drawingml/2006/main" xmlns:r="http://schemas.openxmlformats.org/officeDocument/2006/relationships" xmlns:p="http://schemas.openxmlformats.org/presentationml/2006/main">
   <p:cSld>
@@ -4295,10 +4451,10 @@
           <a:lstStyle/>
           <a:p>
             <a:r>
-              <a:rPr lang="fr-FR" dirty="0" smtClean="0"/>
-              <a:t>Conclusion</a:t>
-            </a:r>
-            <a:endParaRPr lang="fr-FR" dirty="0"/>
+              <a:rPr lang="en-US" smtClean="0"/>
+              <a:t>Results</a:t>
+            </a:r>
+            <a:endParaRPr lang="en-US"/>
           </a:p>
         </p:txBody>
       </p:sp>
@@ -4314,86 +4470,14 @@
         </p:nvSpPr>
         <p:spPr/>
         <p:txBody>
-          <a:bodyPr>
-            <a:normAutofit fontScale="85000" lnSpcReduction="20000"/>
-          </a:bodyPr>
+          <a:bodyPr/>
           <a:lstStyle/>
           <a:p>
             <a:r>
               <a:rPr lang="en-US" dirty="0" smtClean="0"/>
-              <a:t>Features offered by the Kinect</a:t>
-            </a:r>
-          </a:p>
-          <a:p>
-            <a:pPr lvl="1"/>
-            <a:r>
-              <a:rPr lang="en-US" dirty="0" smtClean="0"/>
-              <a:t>Depth data</a:t>
-            </a:r>
-          </a:p>
-          <a:p>
-            <a:pPr lvl="1"/>
-            <a:r>
-              <a:rPr lang="en-US" dirty="0" smtClean="0"/>
-              <a:t>Color data</a:t>
-            </a:r>
-          </a:p>
-          <a:p>
-            <a:pPr lvl="1"/>
-            <a:r>
-              <a:rPr lang="en-US" dirty="0" smtClean="0"/>
-              <a:t>Skeleton recognition</a:t>
-            </a:r>
-          </a:p>
-          <a:p>
-            <a:pPr lvl="1">
-              <a:buNone/>
-            </a:pPr>
-            <a:endParaRPr lang="en-US" dirty="0" smtClean="0"/>
-          </a:p>
-          <a:p>
-            <a:r>
-              <a:rPr lang="en-US" dirty="0" smtClean="0"/>
-              <a:t>Limitations</a:t>
-            </a:r>
-          </a:p>
-          <a:p>
-            <a:pPr lvl="1"/>
-            <a:r>
-              <a:rPr lang="en-US" dirty="0" smtClean="0"/>
-              <a:t>Distance</a:t>
-            </a:r>
-          </a:p>
-          <a:p>
-            <a:pPr lvl="1"/>
-            <a:r>
-              <a:rPr lang="en-US" dirty="0" smtClean="0"/>
-              <a:t>Accuracy</a:t>
-            </a:r>
-          </a:p>
-          <a:p>
-            <a:pPr lvl="1">
-              <a:buNone/>
-            </a:pPr>
-            <a:endParaRPr lang="en-US" dirty="0" smtClean="0"/>
-          </a:p>
-          <a:p>
-            <a:r>
-              <a:rPr lang="en-US" dirty="0" smtClean="0"/>
-              <a:t>“Easy-to-use” camera</a:t>
-            </a:r>
-          </a:p>
-          <a:p>
-            <a:endParaRPr lang="en-US" dirty="0" smtClean="0"/>
-          </a:p>
-          <a:p>
-            <a:r>
-              <a:rPr lang="en-US" dirty="0" smtClean="0"/>
-              <a:t>Kinect 2 in development</a:t>
-            </a:r>
-          </a:p>
-          <a:p>
-            <a:endParaRPr lang="fr-FR" dirty="0"/>
+              <a:t>Demonstration Web browser</a:t>
+            </a:r>
+            <a:endParaRPr lang="en-US" dirty="0"/>
           </a:p>
         </p:txBody>
       </p:sp>
@@ -4413,11 +4497,11 @@
           <a:lstStyle/>
           <a:p>
             <a:fld id="{AB9DB7C7-3B7A-421A-AF98-AB9FC2185CD3}" type="slidenum">
-              <a:rPr lang="fr-FR" smtClean="0"/>
+              <a:rPr lang="en-US" smtClean="0"/>
               <a:pPr/>
               <a:t>12</a:t>
             </a:fld>
-            <a:endParaRPr lang="fr-FR" dirty="0"/>
+            <a:endParaRPr lang="en-US"/>
           </a:p>
         </p:txBody>
       </p:sp>
@@ -4448,6 +4532,173 @@
       </p:grpSpPr>
       <p:sp>
         <p:nvSpPr>
+          <p:cNvPr id="2" name="Titre 1"/>
+          <p:cNvSpPr>
+            <a:spLocks noGrp="1"/>
+          </p:cNvSpPr>
+          <p:nvPr>
+            <p:ph type="title"/>
+          </p:nvPr>
+        </p:nvSpPr>
+        <p:spPr/>
+        <p:txBody>
+          <a:bodyPr/>
+          <a:lstStyle/>
+          <a:p>
+            <a:r>
+              <a:rPr lang="fr-FR" dirty="0" smtClean="0"/>
+              <a:t>Conclusion</a:t>
+            </a:r>
+            <a:endParaRPr lang="fr-FR" dirty="0"/>
+          </a:p>
+        </p:txBody>
+      </p:sp>
+      <p:sp>
+        <p:nvSpPr>
+          <p:cNvPr id="3" name="Espace réservé du contenu 2"/>
+          <p:cNvSpPr>
+            <a:spLocks noGrp="1"/>
+          </p:cNvSpPr>
+          <p:nvPr>
+            <p:ph idx="1"/>
+          </p:nvPr>
+        </p:nvSpPr>
+        <p:spPr/>
+        <p:txBody>
+          <a:bodyPr>
+            <a:normAutofit fontScale="85000" lnSpcReduction="20000"/>
+          </a:bodyPr>
+          <a:lstStyle/>
+          <a:p>
+            <a:r>
+              <a:rPr lang="en-US" dirty="0" smtClean="0"/>
+              <a:t>Features offered by the Kinect</a:t>
+            </a:r>
+          </a:p>
+          <a:p>
+            <a:pPr lvl="1"/>
+            <a:r>
+              <a:rPr lang="en-US" dirty="0" smtClean="0"/>
+              <a:t>Depth data</a:t>
+            </a:r>
+          </a:p>
+          <a:p>
+            <a:pPr lvl="1"/>
+            <a:r>
+              <a:rPr lang="en-US" dirty="0" smtClean="0"/>
+              <a:t>Color data</a:t>
+            </a:r>
+          </a:p>
+          <a:p>
+            <a:pPr lvl="1"/>
+            <a:r>
+              <a:rPr lang="en-US" dirty="0" smtClean="0"/>
+              <a:t>Skeleton recognition</a:t>
+            </a:r>
+          </a:p>
+          <a:p>
+            <a:pPr lvl="1">
+              <a:buNone/>
+            </a:pPr>
+            <a:endParaRPr lang="en-US" dirty="0" smtClean="0"/>
+          </a:p>
+          <a:p>
+            <a:r>
+              <a:rPr lang="en-US" dirty="0" smtClean="0"/>
+              <a:t>Limitations</a:t>
+            </a:r>
+          </a:p>
+          <a:p>
+            <a:pPr lvl="1"/>
+            <a:r>
+              <a:rPr lang="en-US" dirty="0" smtClean="0"/>
+              <a:t>Distance</a:t>
+            </a:r>
+          </a:p>
+          <a:p>
+            <a:pPr lvl="1"/>
+            <a:r>
+              <a:rPr lang="en-US" dirty="0" smtClean="0"/>
+              <a:t>Accuracy when not standing up</a:t>
+            </a:r>
+          </a:p>
+          <a:p>
+            <a:pPr lvl="1">
+              <a:buNone/>
+            </a:pPr>
+            <a:endParaRPr lang="en-US" dirty="0" smtClean="0"/>
+          </a:p>
+          <a:p>
+            <a:r>
+              <a:rPr lang="en-US" dirty="0" smtClean="0"/>
+              <a:t>“Easy-to-use” camera</a:t>
+            </a:r>
+          </a:p>
+          <a:p>
+            <a:endParaRPr lang="en-US" dirty="0" smtClean="0"/>
+          </a:p>
+          <a:p>
+            <a:r>
+              <a:rPr lang="en-US" dirty="0" smtClean="0"/>
+              <a:t>Kinect 2 in development</a:t>
+            </a:r>
+          </a:p>
+          <a:p>
+            <a:endParaRPr lang="fr-FR" dirty="0"/>
+          </a:p>
+        </p:txBody>
+      </p:sp>
+      <p:sp>
+        <p:nvSpPr>
+          <p:cNvPr id="4" name="Espace réservé du numéro de diapositive 3"/>
+          <p:cNvSpPr>
+            <a:spLocks noGrp="1"/>
+          </p:cNvSpPr>
+          <p:nvPr>
+            <p:ph type="sldNum" sz="quarter" idx="12"/>
+          </p:nvPr>
+        </p:nvSpPr>
+        <p:spPr/>
+        <p:txBody>
+          <a:bodyPr/>
+          <a:lstStyle/>
+          <a:p>
+            <a:fld id="{AB9DB7C7-3B7A-421A-AF98-AB9FC2185CD3}" type="slidenum">
+              <a:rPr lang="fr-FR" smtClean="0"/>
+              <a:pPr/>
+              <a:t>13</a:t>
+            </a:fld>
+            <a:endParaRPr lang="fr-FR" dirty="0"/>
+          </a:p>
+        </p:txBody>
+      </p:sp>
+    </p:spTree>
+  </p:cSld>
+  <p:clrMapOvr>
+    <a:masterClrMapping/>
+  </p:clrMapOvr>
+</p:sld>
+</file>
+
+<file path=ppt/slides/slide14.xml><?xml version="1.0" encoding="utf-8"?>
+<p:sld xmlns:a="http://schemas.openxmlformats.org/drawingml/2006/main" xmlns:r="http://schemas.openxmlformats.org/officeDocument/2006/relationships" xmlns:p="http://schemas.openxmlformats.org/presentationml/2006/main">
+  <p:cSld>
+    <p:spTree>
+      <p:nvGrpSpPr>
+        <p:cNvPr id="1" name=""/>
+        <p:cNvGrpSpPr/>
+        <p:nvPr/>
+      </p:nvGrpSpPr>
+      <p:grpSpPr>
+        <a:xfrm>
+          <a:off x="0" y="0"/>
+          <a:ext cx="0" cy="0"/>
+          <a:chOff x="0" y="0"/>
+          <a:chExt cx="0" cy="0"/>
+        </a:xfrm>
+      </p:grpSpPr>
+      <p:sp>
+        <p:nvSpPr>
           <p:cNvPr id="5" name="Titre 4"/>
           <p:cNvSpPr>
             <a:spLocks noGrp="1"/>
@@ -4493,7 +4744,7 @@
             <a:fld id="{AB9DB7C7-3B7A-421A-AF98-AB9FC2185CD3}" type="slidenum">
               <a:rPr lang="fr-FR" smtClean="0"/>
               <a:pPr/>
-              <a:t>13</a:t>
+              <a:t>14</a:t>
             </a:fld>
             <a:endParaRPr lang="fr-FR" dirty="0"/>
           </a:p>
@@ -4590,7 +4841,6 @@
               <a:rPr lang="en-US" dirty="0" smtClean="0"/>
               <a:t>Theory/Technical</a:t>
             </a:r>
-            <a:endParaRPr lang="en-US" dirty="0" smtClean="0"/>
           </a:p>
           <a:p>
             <a:r>
@@ -5116,166 +5366,9 @@
         <p:spPr/>
         <p:txBody>
           <a:bodyPr>
-            <a:normAutofit lnSpcReduction="10000"/>
+            <a:normAutofit/>
           </a:bodyPr>
           <a:lstStyle/>
-          <a:p>
-            <a:r>
-              <a:rPr lang="en-US" dirty="0" smtClean="0"/>
-              <a:t>Considering limitations due to distance, accuracy, recognition…</a:t>
-            </a:r>
-          </a:p>
-          <a:p>
-            <a:pPr lvl="1">
-              <a:buNone/>
-            </a:pPr>
-            <a:r>
-              <a:rPr lang="en-US" dirty="0" smtClean="0">
-                <a:solidFill>
-                  <a:srgbClr val="FF0000"/>
-                </a:solidFill>
-              </a:rPr>
-              <a:t>[à </a:t>
-            </a:r>
-            <a:r>
-              <a:rPr lang="en-US" dirty="0" err="1" smtClean="0">
-                <a:solidFill>
-                  <a:srgbClr val="FF0000"/>
-                </a:solidFill>
-              </a:rPr>
-              <a:t>mettre</a:t>
-            </a:r>
-            <a:r>
-              <a:rPr lang="en-US" dirty="0" smtClean="0">
-                <a:solidFill>
-                  <a:srgbClr val="FF0000"/>
-                </a:solidFill>
-              </a:rPr>
-              <a:t> </a:t>
-            </a:r>
-            <a:r>
-              <a:rPr lang="en-US" dirty="0" err="1" smtClean="0">
-                <a:solidFill>
-                  <a:srgbClr val="FF0000"/>
-                </a:solidFill>
-              </a:rPr>
-              <a:t>ici</a:t>
-            </a:r>
-            <a:r>
-              <a:rPr lang="en-US" dirty="0" smtClean="0">
-                <a:solidFill>
-                  <a:srgbClr val="FF0000"/>
-                </a:solidFill>
-              </a:rPr>
-              <a:t>, un screen du </a:t>
-            </a:r>
-            <a:r>
-              <a:rPr lang="en-US" dirty="0" err="1" smtClean="0">
-                <a:solidFill>
-                  <a:srgbClr val="FF0000"/>
-                </a:solidFill>
-              </a:rPr>
-              <a:t>squelette</a:t>
-            </a:r>
-            <a:r>
-              <a:rPr lang="en-US" dirty="0" smtClean="0">
-                <a:solidFill>
-                  <a:srgbClr val="FF0000"/>
-                </a:solidFill>
-              </a:rPr>
-              <a:t> </a:t>
-            </a:r>
-            <a:r>
-              <a:rPr lang="en-US" dirty="0" err="1" smtClean="0">
-                <a:solidFill>
-                  <a:srgbClr val="FF0000"/>
-                </a:solidFill>
-              </a:rPr>
-              <a:t>affiché</a:t>
-            </a:r>
-            <a:r>
-              <a:rPr lang="en-US" dirty="0" smtClean="0">
-                <a:solidFill>
-                  <a:srgbClr val="FF0000"/>
-                </a:solidFill>
-              </a:rPr>
-              <a:t> par la </a:t>
-            </a:r>
-            <a:r>
-              <a:rPr lang="en-US" dirty="0" err="1" smtClean="0">
-                <a:solidFill>
-                  <a:srgbClr val="FF0000"/>
-                </a:solidFill>
-              </a:rPr>
-              <a:t>kinect</a:t>
-            </a:r>
-            <a:r>
-              <a:rPr lang="en-US" dirty="0" smtClean="0">
-                <a:solidFill>
-                  <a:srgbClr val="FF0000"/>
-                </a:solidFill>
-              </a:rPr>
-              <a:t> </a:t>
-            </a:r>
-            <a:r>
-              <a:rPr lang="en-US" dirty="0" err="1" smtClean="0">
-                <a:solidFill>
-                  <a:srgbClr val="FF0000"/>
-                </a:solidFill>
-              </a:rPr>
-              <a:t>quand</a:t>
-            </a:r>
-            <a:r>
-              <a:rPr lang="en-US" dirty="0" smtClean="0">
-                <a:solidFill>
-                  <a:srgbClr val="FF0000"/>
-                </a:solidFill>
-              </a:rPr>
-              <a:t> on </a:t>
-            </a:r>
-            <a:r>
-              <a:rPr lang="en-US" dirty="0" err="1" smtClean="0">
-                <a:solidFill>
-                  <a:srgbClr val="FF0000"/>
-                </a:solidFill>
-              </a:rPr>
-              <a:t>est</a:t>
-            </a:r>
-            <a:r>
-              <a:rPr lang="en-US" dirty="0" smtClean="0">
-                <a:solidFill>
-                  <a:srgbClr val="FF0000"/>
-                </a:solidFill>
-              </a:rPr>
-              <a:t> </a:t>
-            </a:r>
-            <a:r>
-              <a:rPr lang="en-US" dirty="0" err="1" smtClean="0">
-                <a:solidFill>
-                  <a:srgbClr val="FF0000"/>
-                </a:solidFill>
-              </a:rPr>
-              <a:t>assis</a:t>
-            </a:r>
-            <a:r>
-              <a:rPr lang="en-US" dirty="0" smtClean="0">
-                <a:solidFill>
-                  <a:srgbClr val="FF0000"/>
-                </a:solidFill>
-              </a:rPr>
-              <a:t>]</a:t>
-            </a:r>
-          </a:p>
-          <a:p>
-            <a:pPr lvl="1">
-              <a:buNone/>
-            </a:pPr>
-            <a:endParaRPr lang="en-US" dirty="0" smtClean="0">
-              <a:solidFill>
-                <a:srgbClr val="FF0000"/>
-              </a:solidFill>
-            </a:endParaRPr>
-          </a:p>
           <a:p>
             <a:r>
               <a:rPr lang="en-US" dirty="0" smtClean="0"/>
@@ -5359,7 +5452,7 @@
           <a:p>
             <a:r>
               <a:rPr lang="en-US" dirty="0" smtClean="0"/>
-              <a:t>Theory</a:t>
+              <a:t>Implemented Solution</a:t>
             </a:r>
             <a:endParaRPr lang="en-US" dirty="0"/>
           </a:p>
@@ -5367,57 +5460,6 @@
       </p:sp>
       <p:sp>
         <p:nvSpPr>
-          <p:cNvPr id="3" name="Espace réservé du contenu 2"/>
-          <p:cNvSpPr>
-            <a:spLocks noGrp="1"/>
-          </p:cNvSpPr>
-          <p:nvPr>
-            <p:ph idx="1"/>
-          </p:nvPr>
-        </p:nvSpPr>
-        <p:spPr/>
-        <p:txBody>
-          <a:bodyPr>
-            <a:normAutofit lnSpcReduction="10000"/>
-          </a:bodyPr>
-          <a:lstStyle/>
-          <a:p>
-            <a:r>
-              <a:rPr lang="en-US" dirty="0" smtClean="0"/>
-              <a:t>The algorithm requires only depth data from the Kinect</a:t>
-            </a:r>
-          </a:p>
-          <a:p>
-            <a:endParaRPr lang="en-US" dirty="0" smtClean="0"/>
-          </a:p>
-          <a:p>
-            <a:r>
-              <a:rPr lang="en-US" dirty="0" smtClean="0"/>
-              <a:t>Pixels are filtered based on their distance from the sensor and grouped by blobs</a:t>
-            </a:r>
-          </a:p>
-          <a:p>
-            <a:endParaRPr lang="en-US" dirty="0" smtClean="0"/>
-          </a:p>
-          <a:p>
-            <a:r>
-              <a:rPr lang="en-US" dirty="0" smtClean="0"/>
-              <a:t>The 4 biggest blobs are tracked by the software as potential cursors</a:t>
-            </a:r>
-          </a:p>
-          <a:p>
-            <a:endParaRPr lang="en-US" dirty="0" smtClean="0"/>
-          </a:p>
-          <a:p>
-            <a:endParaRPr lang="en-US" dirty="0" smtClean="0"/>
-          </a:p>
-          <a:p>
-            <a:endParaRPr lang="en-US" dirty="0"/>
-          </a:p>
-        </p:txBody>
-      </p:sp>
-      <p:sp>
-        <p:nvSpPr>
           <p:cNvPr id="4" name="Espace réservé du numéro de diapositive 3"/>
           <p:cNvSpPr>
             <a:spLocks noGrp="1"/>
@@ -5432,11 +5474,107 @@
           <a:lstStyle/>
           <a:p>
             <a:fld id="{AB9DB7C7-3B7A-421A-AF98-AB9FC2185CD3}" type="slidenum">
-              <a:rPr lang="en-US" smtClean="0"/>
+              <a:rPr lang="fr-FR" smtClean="0"/>
               <a:pPr/>
               <a:t>7</a:t>
             </a:fld>
-            <a:endParaRPr lang="en-US"/>
+            <a:endParaRPr lang="fr-FR" dirty="0"/>
+          </a:p>
+        </p:txBody>
+      </p:sp>
+      <p:pic>
+        <p:nvPicPr>
+          <p:cNvPr id="2051" name="Picture 3"/>
+          <p:cNvPicPr>
+            <a:picLocks noGrp="1" noChangeAspect="1" noChangeArrowheads="1"/>
+          </p:cNvPicPr>
+          <p:nvPr>
+            <p:ph idx="1"/>
+          </p:nvPr>
+        </p:nvPicPr>
+        <p:blipFill>
+          <a:blip r:embed="rId2" cstate="print"/>
+          <a:srcRect/>
+          <a:stretch>
+            <a:fillRect/>
+          </a:stretch>
+        </p:blipFill>
+        <p:spPr bwMode="auto">
+          <a:xfrm>
+            <a:off x="467544" y="2924944"/>
+            <a:ext cx="7467600" cy="3039229"/>
+          </a:xfrm>
+          <a:prstGeom prst="rect">
+            <a:avLst/>
+          </a:prstGeom>
+          <a:noFill/>
+          <a:ln w="9525">
+            <a:noFill/>
+            <a:miter lim="800000"/>
+            <a:headEnd/>
+            <a:tailEnd/>
+          </a:ln>
+        </p:spPr>
+      </p:pic>
+      <p:sp>
+        <p:nvSpPr>
+          <p:cNvPr id="8" name="Espace réservé du contenu 2"/>
+          <p:cNvSpPr txBox="1">
+            <a:spLocks/>
+          </p:cNvSpPr>
+          <p:nvPr/>
+        </p:nvSpPr>
+        <p:spPr>
+          <a:xfrm>
+            <a:off x="457200" y="1600200"/>
+            <a:ext cx="7467600" cy="4525963"/>
+          </a:xfrm>
+          <a:prstGeom prst="rect">
+            <a:avLst/>
+          </a:prstGeom>
+        </p:spPr>
+        <p:txBody>
+          <a:bodyPr vert="horz">
+            <a:normAutofit/>
+          </a:bodyPr>
+          <a:lstStyle/>
+          <a:p>
+            <a:pPr marL="420624" marR="0" lvl="0" indent="-384048" algn="l" defTabSz="914400" rtl="0" eaLnBrk="1" fontAlgn="auto" latinLnBrk="0" hangingPunct="1">
+              <a:lnSpc>
+                <a:spcPct val="100000"/>
+              </a:lnSpc>
+              <a:spcBef>
+                <a:spcPct val="20000"/>
+              </a:spcBef>
+              <a:spcAft>
+                <a:spcPts val="0"/>
+              </a:spcAft>
+              <a:buClr>
+                <a:schemeClr val="accent1"/>
+              </a:buClr>
+              <a:buSzPct val="80000"/>
+              <a:buFont typeface="Wingdings 2"/>
+              <a:buChar char=""/>
+              <a:tabLst/>
+              <a:defRPr/>
+            </a:pPr>
+            <a:r>
+              <a:rPr kumimoji="0" lang="en-US" sz="3000" b="0" i="0" u="none" strike="noStrike" kern="1200" cap="none" spc="0" normalizeH="0" baseline="0" noProof="0" dirty="0" smtClean="0">
+                <a:ln>
+                  <a:noFill/>
+                </a:ln>
+                <a:solidFill>
+                  <a:schemeClr val="tx1"/>
+                </a:solidFill>
+                <a:effectLst/>
+                <a:uLnTx/>
+                <a:uFillTx/>
+                <a:latin typeface="+mn-lt"/>
+                <a:ea typeface="+mn-ea"/>
+                <a:cs typeface="+mn-cs"/>
+              </a:rPr>
+              <a:t>Considering limitations due to distance, accuracy, recognition…</a:t>
+            </a:r>
           </a:p>
         </p:txBody>
       </p:sp>
@@ -5481,10 +5619,10 @@
           <a:lstStyle/>
           <a:p>
             <a:r>
-              <a:rPr lang="en-US" smtClean="0"/>
-              <a:t>Technical</a:t>
-            </a:r>
-            <a:endParaRPr lang="en-US"/>
+              <a:rPr lang="en-US" dirty="0" smtClean="0"/>
+              <a:t>Theory</a:t>
+            </a:r>
+            <a:endParaRPr lang="en-US" dirty="0"/>
           </a:p>
         </p:txBody>
       </p:sp>
@@ -5501,21 +5639,22 @@
         <p:spPr/>
         <p:txBody>
           <a:bodyPr>
-            <a:normAutofit fontScale="92500" lnSpcReduction="10000"/>
+            <a:normAutofit lnSpcReduction="10000"/>
           </a:bodyPr>
           <a:lstStyle/>
           <a:p>
             <a:r>
               <a:rPr lang="en-US" dirty="0" smtClean="0"/>
-              <a:t>Everything must run at 30 fps to match </a:t>
-            </a:r>
-            <a:r>
-              <a:rPr lang="en-US" dirty="0" err="1" smtClean="0"/>
-              <a:t>Kinect’s</a:t>
-            </a:r>
+              <a:t>The algorithm requires only depth data from the Kinect</a:t>
+            </a:r>
+          </a:p>
+          <a:p>
+            <a:endParaRPr lang="en-US" dirty="0" smtClean="0"/>
+          </a:p>
+          <a:p>
             <a:r>
               <a:rPr lang="en-US" dirty="0" smtClean="0"/>
-              <a:t> Speed (approx. 33ms for everything)</a:t>
+              <a:t>Pixels are filtered based on their distance from the sensor and grouped by blobs</a:t>
             </a:r>
           </a:p>
           <a:p>
@@ -5524,17 +5663,16 @@
           <a:p>
             <a:r>
               <a:rPr lang="en-US" dirty="0" smtClean="0"/>
-              <a:t>Using the horsepower of the graphic card when possible (only simple tasks done on the CPU)</a:t>
+              <a:t>The 4 biggest blobs are tracked by the software as potential cursors</a:t>
             </a:r>
           </a:p>
           <a:p>
             <a:endParaRPr lang="en-US" dirty="0" smtClean="0"/>
           </a:p>
           <a:p>
-            <a:r>
-              <a:rPr lang="en-US" dirty="0" smtClean="0"/>
-              <a:t>The 3D scene is again rendered and composed on the graphic card</a:t>
-            </a:r>
+            <a:endParaRPr lang="en-US" dirty="0" smtClean="0"/>
+          </a:p>
+          <a:p>
             <a:endParaRPr lang="en-US" dirty="0"/>
           </a:p>
         </p:txBody>
@@ -5604,145 +5742,61 @@
           <a:lstStyle/>
           <a:p>
             <a:r>
+              <a:rPr lang="en-US" smtClean="0"/>
+              <a:t>Technical</a:t>
+            </a:r>
+            <a:endParaRPr lang="en-US"/>
+          </a:p>
+        </p:txBody>
+      </p:sp>
+      <p:sp>
+        <p:nvSpPr>
+          <p:cNvPr id="3" name="Espace réservé du contenu 2"/>
+          <p:cNvSpPr>
+            <a:spLocks noGrp="1"/>
+          </p:cNvSpPr>
+          <p:nvPr>
+            <p:ph idx="1"/>
+          </p:nvPr>
+        </p:nvSpPr>
+        <p:spPr/>
+        <p:txBody>
+          <a:bodyPr>
+            <a:normAutofit fontScale="92500" lnSpcReduction="10000"/>
+          </a:bodyPr>
+          <a:lstStyle/>
+          <a:p>
+            <a:r>
               <a:rPr lang="en-US" dirty="0" smtClean="0"/>
-              <a:t>Technical</a:t>
+              <a:t>Everything must run at 30 fps to match </a:t>
+            </a:r>
+            <a:r>
+              <a:rPr lang="en-US" dirty="0" err="1" smtClean="0"/>
+              <a:t>Kinect’s</a:t>
+            </a:r>
+            <a:r>
+              <a:rPr lang="en-US" dirty="0" smtClean="0"/>
+              <a:t> Speed (approx. 33ms for everything)</a:t>
+            </a:r>
+          </a:p>
+          <a:p>
+            <a:endParaRPr lang="en-US" dirty="0" smtClean="0"/>
+          </a:p>
+          <a:p>
+            <a:r>
+              <a:rPr lang="en-US" dirty="0" smtClean="0"/>
+              <a:t>Using the horsepower of the graphic card when possible (only simple tasks done on the CPU)</a:t>
+            </a:r>
+          </a:p>
+          <a:p>
+            <a:endParaRPr lang="en-US" dirty="0" smtClean="0"/>
+          </a:p>
+          <a:p>
+            <a:r>
+              <a:rPr lang="en-US" dirty="0" smtClean="0"/>
+              <a:t>The 3D scene is again rendered and composed on the graphic card</a:t>
             </a:r>
             <a:endParaRPr lang="en-US" dirty="0"/>
-          </a:p>
-        </p:txBody>
-      </p:sp>
-      <p:sp>
-        <p:nvSpPr>
-          <p:cNvPr id="3" name="Espace réservé du contenu 2"/>
-          <p:cNvSpPr>
-            <a:spLocks noGrp="1"/>
-          </p:cNvSpPr>
-          <p:nvPr>
-            <p:ph idx="1"/>
-          </p:nvPr>
-        </p:nvSpPr>
-        <p:spPr/>
-        <p:txBody>
-          <a:bodyPr>
-            <a:normAutofit fontScale="92500" lnSpcReduction="20000"/>
-          </a:bodyPr>
-          <a:lstStyle/>
-          <a:p>
-            <a:r>
-              <a:rPr lang="en-US" dirty="0" smtClean="0"/>
-              <a:t>Kinect depth acquisition </a:t>
-            </a:r>
-            <a:r>
-              <a:rPr lang="en-US" dirty="0" smtClean="0">
-                <a:solidFill>
-                  <a:srgbClr val="FF0000"/>
-                </a:solidFill>
-              </a:rPr>
-              <a:t>(CPU)</a:t>
-            </a:r>
-          </a:p>
-          <a:p>
-            <a:r>
-              <a:rPr lang="en-US" dirty="0" smtClean="0"/>
-              <a:t>Depth filtering and scaling </a:t>
-            </a:r>
-            <a:r>
-              <a:rPr lang="en-US" dirty="0" smtClean="0">
-                <a:solidFill>
-                  <a:srgbClr val="FFFF00"/>
-                </a:solidFill>
-              </a:rPr>
-              <a:t>(GPU)</a:t>
-            </a:r>
-          </a:p>
-          <a:p>
-            <a:r>
-              <a:rPr lang="en-US" dirty="0" smtClean="0"/>
-              <a:t>Region extracting </a:t>
-            </a:r>
-            <a:r>
-              <a:rPr lang="en-US" dirty="0" smtClean="0">
-                <a:solidFill>
-                  <a:srgbClr val="FFFF00"/>
-                </a:solidFill>
-              </a:rPr>
-              <a:t>(GPU)</a:t>
-            </a:r>
-          </a:p>
-          <a:p>
-            <a:r>
-              <a:rPr lang="en-US" dirty="0" smtClean="0"/>
-              <a:t>Borders gradients </a:t>
-            </a:r>
-            <a:r>
-              <a:rPr lang="en-US" dirty="0" smtClean="0">
-                <a:solidFill>
-                  <a:srgbClr val="FFFF00"/>
-                </a:solidFill>
-              </a:rPr>
-              <a:t>(GPU)</a:t>
-            </a:r>
-          </a:p>
-          <a:p>
-            <a:r>
-              <a:rPr lang="en-US" dirty="0" smtClean="0"/>
-              <a:t>Blobs counting and directions approximation </a:t>
-            </a:r>
-            <a:r>
-              <a:rPr lang="en-US" dirty="0" smtClean="0">
-                <a:solidFill>
-                  <a:srgbClr val="FF0000"/>
-                </a:solidFill>
-              </a:rPr>
-              <a:t>(CPU)</a:t>
-            </a:r>
-          </a:p>
-          <a:p>
-            <a:r>
-              <a:rPr lang="en-US" dirty="0" smtClean="0"/>
-              <a:t>Tracking of the 4 main Blobs </a:t>
-            </a:r>
-            <a:r>
-              <a:rPr lang="en-US" dirty="0" smtClean="0">
-                <a:solidFill>
-                  <a:srgbClr val="FF0000"/>
-                </a:solidFill>
-              </a:rPr>
-              <a:t>(CPU)</a:t>
-            </a:r>
-          </a:p>
-          <a:p>
-            <a:r>
-              <a:rPr lang="en-US" dirty="0" smtClean="0"/>
-              <a:t>Gesture recognition and web pages rendering </a:t>
-            </a:r>
-            <a:r>
-              <a:rPr lang="en-US" dirty="0" smtClean="0">
-                <a:solidFill>
-                  <a:srgbClr val="FF0000"/>
-                </a:solidFill>
-              </a:rPr>
-              <a:t>(CPU)</a:t>
-            </a:r>
-          </a:p>
-          <a:p>
-            <a:r>
-              <a:rPr lang="en-US" dirty="0" smtClean="0"/>
-              <a:t>Final composition for the UI </a:t>
-            </a:r>
-            <a:r>
-              <a:rPr lang="en-US" dirty="0" smtClean="0">
-                <a:solidFill>
-                  <a:srgbClr val="FFFF00"/>
-                </a:solidFill>
-              </a:rPr>
-              <a:t>(GPU)</a:t>
-            </a:r>
-            <a:endParaRPr lang="en-US" dirty="0">
-              <a:solidFill>
-                <a:srgbClr val="FFFF00"/>
-              </a:solidFill>
-            </a:endParaRPr>
           </a:p>
         </p:txBody>
       </p:sp>
@@ -5767,36 +5821,6 @@
               <a:t>9</a:t>
             </a:fld>
             <a:endParaRPr lang="en-US"/>
-          </a:p>
-        </p:txBody>
-      </p:sp>
-      <p:sp>
-        <p:nvSpPr>
-          <p:cNvPr id="5" name="ZoneTexte 4"/>
-          <p:cNvSpPr txBox="1"/>
-          <p:nvPr/>
-        </p:nvSpPr>
-        <p:spPr>
-          <a:xfrm>
-            <a:off x="4067944" y="6396335"/>
-            <a:ext cx="4032448" cy="461665"/>
-          </a:xfrm>
-          <a:prstGeom prst="rect">
-            <a:avLst/>
-          </a:prstGeom>
-          <a:noFill/>
-        </p:spPr>
-        <p:txBody>
-          <a:bodyPr wrap="square" rtlCol="0">
-            <a:spAutoFit/>
-          </a:bodyPr>
-          <a:lstStyle/>
-          <a:p>
-            <a:r>
-              <a:rPr lang="fr-FR" sz="2400" dirty="0" smtClean="0"/>
-              <a:t>Total Time : 10 – 18 ms</a:t>
-            </a:r>
-            <a:endParaRPr lang="fr-FR" sz="2400" dirty="0"/>
           </a:p>
         </p:txBody>
       </p:sp>

--- a/Pr�sentation/Pr�sentation_NUI.pptx
+++ b/Pr�sentation/Pr�sentation_NUI.pptx
@@ -4159,21 +4159,8 @@
                   <a:srgbClr val="FFC000"/>
                 </a:solidFill>
               </a:rPr>
-              <a:t>(</a:t>
-            </a:r>
-            <a:r>
-              <a:rPr lang="en-US" dirty="0" smtClean="0">
-                <a:solidFill>
-                  <a:srgbClr val="FFC000"/>
-                </a:solidFill>
-              </a:rPr>
-              <a:t>CPU - Driver)</a:t>
-            </a:r>
-            <a:endParaRPr lang="en-US" dirty="0" smtClean="0">
-              <a:solidFill>
-                <a:srgbClr val="FFC000"/>
-              </a:solidFill>
-            </a:endParaRPr>
+              <a:t>(CPU - Driver)</a:t>
+            </a:r>
           </a:p>
           <a:p>
             <a:r>

--- a/Pr�sentation/Pr�sentation_NUI.pptx
+++ b/Pr�sentation/Pr�sentation_NUI.pptx
@@ -206,7 +206,7 @@
             <a:fld id="{2203E90B-0CDC-4675-8BC8-ABC960C3C4BD}" type="datetimeFigureOut">
               <a:rPr lang="fr-FR" smtClean="0"/>
               <a:pPr/>
-              <a:t>12/12/2011</a:t>
+              <a:t>14/12/2011</a:t>
             </a:fld>
             <a:endParaRPr lang="fr-FR"/>
           </a:p>
@@ -857,7 +857,7 @@
             <a:fld id="{7FE745BF-AED8-4079-86B5-94776AA709CD}" type="datetime1">
               <a:rPr lang="fr-FR" smtClean="0"/>
               <a:pPr/>
-              <a:t>12/12/2011</a:t>
+              <a:t>14/12/2011</a:t>
             </a:fld>
             <a:endParaRPr lang="fr-FR" dirty="0"/>
           </a:p>
@@ -1024,7 +1024,7 @@
             <a:fld id="{8BADFC06-5AC4-476A-8FD2-54DE0E426D90}" type="datetime1">
               <a:rPr lang="fr-FR" smtClean="0"/>
               <a:pPr/>
-              <a:t>12/12/2011</a:t>
+              <a:t>14/12/2011</a:t>
             </a:fld>
             <a:endParaRPr lang="fr-FR" dirty="0"/>
           </a:p>
@@ -1201,7 +1201,7 @@
             <a:fld id="{271E89F4-7B08-401C-94CC-1E6E90A77743}" type="datetime1">
               <a:rPr lang="fr-FR" smtClean="0"/>
               <a:pPr/>
-              <a:t>12/12/2011</a:t>
+              <a:t>14/12/2011</a:t>
             </a:fld>
             <a:endParaRPr lang="fr-FR" dirty="0"/>
           </a:p>
@@ -1372,7 +1372,7 @@
             <a:fld id="{B8D51CD3-FD0B-4398-96D6-10844A344A7A}" type="datetime1">
               <a:rPr lang="fr-FR" smtClean="0"/>
               <a:pPr/>
-              <a:t>12/12/2011</a:t>
+              <a:t>14/12/2011</a:t>
             </a:fld>
             <a:endParaRPr lang="fr-FR" dirty="0"/>
           </a:p>
@@ -1829,7 +1829,7 @@
             <a:fld id="{5272A46D-708F-4429-9728-C0AAA1D8ED70}" type="datetime1">
               <a:rPr lang="fr-FR" smtClean="0"/>
               <a:pPr/>
-              <a:t>12/12/2011</a:t>
+              <a:t>14/12/2011</a:t>
             </a:fld>
             <a:endParaRPr lang="fr-FR" dirty="0"/>
           </a:p>
@@ -2095,7 +2095,7 @@
             <a:fld id="{85176319-0B46-44DD-88B8-E7F3AAD4F2DF}" type="datetime1">
               <a:rPr lang="fr-FR" smtClean="0"/>
               <a:pPr/>
-              <a:t>12/12/2011</a:t>
+              <a:t>14/12/2011</a:t>
             </a:fld>
             <a:endParaRPr lang="fr-FR" dirty="0"/>
           </a:p>
@@ -2471,7 +2471,7 @@
             <a:fld id="{2587345E-05A6-495C-A1A1-170A1A91A394}" type="datetime1">
               <a:rPr lang="fr-FR" smtClean="0"/>
               <a:pPr/>
-              <a:t>12/12/2011</a:t>
+              <a:t>14/12/2011</a:t>
             </a:fld>
             <a:endParaRPr lang="fr-FR" dirty="0"/>
           </a:p>
@@ -2595,7 +2595,7 @@
             <a:fld id="{172809C5-74F0-4FD7-9204-0F8A8FB1929B}" type="datetime1">
               <a:rPr lang="fr-FR" smtClean="0"/>
               <a:pPr/>
-              <a:t>12/12/2011</a:t>
+              <a:t>14/12/2011</a:t>
             </a:fld>
             <a:endParaRPr lang="fr-FR" dirty="0"/>
           </a:p>
@@ -2687,7 +2687,7 @@
             <a:fld id="{7786A093-8429-44F1-808A-11360C2CAA55}" type="datetime1">
               <a:rPr lang="fr-FR" smtClean="0"/>
               <a:pPr/>
-              <a:t>12/12/2011</a:t>
+              <a:t>14/12/2011</a:t>
             </a:fld>
             <a:endParaRPr lang="fr-FR" dirty="0"/>
           </a:p>
@@ -2938,7 +2938,7 @@
             <a:fld id="{FE18F5A1-6F3E-41A1-AC38-A5948C92E970}" type="datetime1">
               <a:rPr lang="fr-FR" smtClean="0"/>
               <a:pPr/>
-              <a:t>12/12/2011</a:t>
+              <a:t>14/12/2011</a:t>
             </a:fld>
             <a:endParaRPr lang="fr-FR" dirty="0"/>
           </a:p>
@@ -3199,7 +3199,7 @@
             <a:fld id="{42D0C6D8-1219-406E-8CD6-FA778B9D3E63}" type="datetime1">
               <a:rPr lang="fr-FR" smtClean="0"/>
               <a:pPr/>
-              <a:t>12/12/2011</a:t>
+              <a:t>14/12/2011</a:t>
             </a:fld>
             <a:endParaRPr lang="fr-FR" dirty="0"/>
           </a:p>
@@ -3605,7 +3605,7 @@
             <a:fld id="{CC7C295D-0E21-434D-B466-C466C8EF3B27}" type="datetime1">
               <a:rPr lang="fr-FR" smtClean="0"/>
               <a:pPr/>
-              <a:t>12/12/2011</a:t>
+              <a:t>14/12/2011</a:t>
             </a:fld>
             <a:endParaRPr lang="fr-FR" dirty="0"/>
           </a:p>
@@ -5105,20 +5105,37 @@
           <a:lstStyle/>
           <a:p>
             <a:r>
+              <a:rPr lang="en-US" smtClean="0"/>
+              <a:t>« Touch screen era</a:t>
+            </a:r>
+            <a:r>
+              <a:rPr lang="en-US" smtClean="0"/>
+              <a:t> </a:t>
+            </a:r>
+            <a:r>
+              <a:rPr lang="en-US" smtClean="0"/>
+              <a:t>»</a:t>
+            </a:r>
+            <a:endParaRPr lang="en-US" smtClean="0"/>
+          </a:p>
+          <a:p>
+            <a:r>
               <a:rPr lang="en-US" dirty="0" smtClean="0"/>
-              <a:t>New way to interact with computer</a:t>
-            </a:r>
-          </a:p>
-          <a:p>
+              <a:t>New </a:t>
+            </a:r>
             <a:r>
               <a:rPr lang="en-US" dirty="0" smtClean="0"/>
-              <a:t>« Touch screen era »</a:t>
+              <a:t>way to interact with computer</a:t>
             </a:r>
           </a:p>
           <a:p>
             <a:r>
               <a:rPr lang="en-US" dirty="0" smtClean="0"/>
-              <a:t>General public doesn't use the Kinect as a camera but only as a gaming device</a:t>
+              <a:t>General </a:t>
+            </a:r>
+            <a:r>
+              <a:rPr lang="en-US" dirty="0" smtClean="0"/>
+              <a:t>public doesn't use the Kinect as a camera but only as a gaming device</a:t>
             </a:r>
           </a:p>
         </p:txBody>

--- a/Pr�sentation/Pr�sentation_NUI.pptx
+++ b/Pr�sentation/Pr�sentation_NUI.pptx
@@ -206,7 +206,7 @@
             <a:fld id="{2203E90B-0CDC-4675-8BC8-ABC960C3C4BD}" type="datetimeFigureOut">
               <a:rPr lang="fr-FR" smtClean="0"/>
               <a:pPr/>
-              <a:t>14/12/2011</a:t>
+              <a:t>15/12/2011</a:t>
             </a:fld>
             <a:endParaRPr lang="fr-FR"/>
           </a:p>
@@ -472,6 +472,549 @@
 </p:notesMaster>
 </file>
 
+<file path=ppt/notesSlides/notesSlide1.xml><?xml version="1.0" encoding="utf-8"?>
+<p:notes xmlns:a="http://schemas.openxmlformats.org/drawingml/2006/main" xmlns:r="http://schemas.openxmlformats.org/officeDocument/2006/relationships" xmlns:p="http://schemas.openxmlformats.org/presentationml/2006/main">
+  <p:cSld>
+    <p:spTree>
+      <p:nvGrpSpPr>
+        <p:cNvPr id="1" name=""/>
+        <p:cNvGrpSpPr/>
+        <p:nvPr/>
+      </p:nvGrpSpPr>
+      <p:grpSpPr>
+        <a:xfrm>
+          <a:off x="0" y="0"/>
+          <a:ext cx="0" cy="0"/>
+          <a:chOff x="0" y="0"/>
+          <a:chExt cx="0" cy="0"/>
+        </a:xfrm>
+      </p:grpSpPr>
+      <p:sp>
+        <p:nvSpPr>
+          <p:cNvPr id="2" name="Espace réservé de l'image des diapositives 1"/>
+          <p:cNvSpPr>
+            <a:spLocks noGrp="1" noRot="1" noChangeAspect="1"/>
+          </p:cNvSpPr>
+          <p:nvPr>
+            <p:ph type="sldImg"/>
+          </p:nvPr>
+        </p:nvSpPr>
+        <p:spPr/>
+      </p:sp>
+      <p:sp>
+        <p:nvSpPr>
+          <p:cNvPr id="3" name="Espace réservé des commentaires 2"/>
+          <p:cNvSpPr>
+            <a:spLocks noGrp="1"/>
+          </p:cNvSpPr>
+          <p:nvPr>
+            <p:ph type="body" idx="1"/>
+          </p:nvPr>
+        </p:nvSpPr>
+        <p:spPr/>
+        <p:txBody>
+          <a:bodyPr>
+            <a:normAutofit/>
+          </a:bodyPr>
+          <a:lstStyle/>
+          <a:p>
+            <a:r>
+              <a:rPr lang="fr-FR" dirty="0" smtClean="0"/>
+              <a:t>Rajouter une image pour comparer les </a:t>
+            </a:r>
+            <a:r>
+              <a:rPr lang="fr-FR" dirty="0" err="1" smtClean="0"/>
+              <a:t>ui</a:t>
+            </a:r>
+            <a:r>
+              <a:rPr lang="fr-FR" dirty="0" smtClean="0"/>
+              <a:t> 2D et 3D</a:t>
+            </a:r>
+            <a:endParaRPr lang="fr-FR" dirty="0"/>
+          </a:p>
+        </p:txBody>
+      </p:sp>
+      <p:sp>
+        <p:nvSpPr>
+          <p:cNvPr id="4" name="Espace réservé du numéro de diapositive 3"/>
+          <p:cNvSpPr>
+            <a:spLocks noGrp="1"/>
+          </p:cNvSpPr>
+          <p:nvPr>
+            <p:ph type="sldNum" sz="quarter" idx="10"/>
+          </p:nvPr>
+        </p:nvSpPr>
+        <p:spPr/>
+        <p:txBody>
+          <a:bodyPr/>
+          <a:lstStyle/>
+          <a:p>
+            <a:fld id="{2AC8731D-2D87-440C-8698-DB210FC0FD5A}" type="slidenum">
+              <a:rPr lang="fr-FR" smtClean="0"/>
+              <a:pPr/>
+              <a:t>6</a:t>
+            </a:fld>
+            <a:endParaRPr lang="fr-FR"/>
+          </a:p>
+        </p:txBody>
+      </p:sp>
+    </p:spTree>
+  </p:cSld>
+  <p:clrMapOvr>
+    <a:masterClrMapping/>
+  </p:clrMapOvr>
+</p:notes>
+</file>
+
+<file path=ppt/notesSlides/notesSlide2.xml><?xml version="1.0" encoding="utf-8"?>
+<p:notes xmlns:a="http://schemas.openxmlformats.org/drawingml/2006/main" xmlns:r="http://schemas.openxmlformats.org/officeDocument/2006/relationships" xmlns:p="http://schemas.openxmlformats.org/presentationml/2006/main">
+  <p:cSld>
+    <p:spTree>
+      <p:nvGrpSpPr>
+        <p:cNvPr id="1" name=""/>
+        <p:cNvGrpSpPr/>
+        <p:nvPr/>
+      </p:nvGrpSpPr>
+      <p:grpSpPr>
+        <a:xfrm>
+          <a:off x="0" y="0"/>
+          <a:ext cx="0" cy="0"/>
+          <a:chOff x="0" y="0"/>
+          <a:chExt cx="0" cy="0"/>
+        </a:xfrm>
+      </p:grpSpPr>
+      <p:sp>
+        <p:nvSpPr>
+          <p:cNvPr id="2" name="Espace réservé de l'image des diapositives 1"/>
+          <p:cNvSpPr>
+            <a:spLocks noGrp="1" noRot="1" noChangeAspect="1"/>
+          </p:cNvSpPr>
+          <p:nvPr>
+            <p:ph type="sldImg"/>
+          </p:nvPr>
+        </p:nvSpPr>
+        <p:spPr/>
+      </p:sp>
+      <p:sp>
+        <p:nvSpPr>
+          <p:cNvPr id="3" name="Espace réservé des commentaires 2"/>
+          <p:cNvSpPr>
+            <a:spLocks noGrp="1"/>
+          </p:cNvSpPr>
+          <p:nvPr>
+            <p:ph type="body" idx="1"/>
+          </p:nvPr>
+        </p:nvSpPr>
+        <p:spPr/>
+        <p:txBody>
+          <a:bodyPr>
+            <a:normAutofit/>
+          </a:bodyPr>
+          <a:lstStyle/>
+          <a:p>
+            <a:r>
+              <a:rPr lang="fr-FR" dirty="0" err="1" smtClean="0"/>
+              <a:t>Explains</a:t>
+            </a:r>
+            <a:r>
+              <a:rPr lang="fr-FR" dirty="0" smtClean="0"/>
+              <a:t> </a:t>
+            </a:r>
+            <a:r>
+              <a:rPr lang="fr-FR" dirty="0" err="1" smtClean="0"/>
+              <a:t>that</a:t>
+            </a:r>
+            <a:r>
+              <a:rPr lang="fr-FR" dirty="0" smtClean="0"/>
+              <a:t> the hands</a:t>
+            </a:r>
+            <a:r>
+              <a:rPr lang="fr-FR" baseline="0" dirty="0" smtClean="0"/>
+              <a:t> are </a:t>
+            </a:r>
+            <a:r>
+              <a:rPr lang="fr-FR" baseline="0" dirty="0" err="1" smtClean="0"/>
+              <a:t>used</a:t>
+            </a:r>
+            <a:r>
+              <a:rPr lang="fr-FR" baseline="0" dirty="0" smtClean="0"/>
+              <a:t> to control </a:t>
+            </a:r>
+            <a:r>
+              <a:rPr lang="fr-FR" baseline="0" dirty="0" err="1" smtClean="0"/>
+              <a:t>cursors</a:t>
+            </a:r>
+            <a:endParaRPr lang="fr-FR" baseline="0" dirty="0" smtClean="0"/>
+          </a:p>
+          <a:p>
+            <a:r>
+              <a:rPr lang="fr-FR" baseline="0" dirty="0" smtClean="0"/>
+              <a:t>Dire quels sont les 3 types de data </a:t>
+            </a:r>
+            <a:r>
+              <a:rPr lang="fr-FR" baseline="0" dirty="0" err="1" smtClean="0"/>
+              <a:t>fournits</a:t>
+            </a:r>
+            <a:r>
+              <a:rPr lang="fr-FR" baseline="0" dirty="0" smtClean="0"/>
+              <a:t> par la Kinect avant de dire qu’on utilise que le </a:t>
+            </a:r>
+            <a:r>
+              <a:rPr lang="fr-FR" baseline="0" dirty="0" err="1" smtClean="0"/>
+              <a:t>channel</a:t>
+            </a:r>
+            <a:r>
+              <a:rPr lang="fr-FR" baseline="0" dirty="0" smtClean="0"/>
+              <a:t> </a:t>
+            </a:r>
+            <a:r>
+              <a:rPr lang="fr-FR" baseline="0" dirty="0" err="1" smtClean="0"/>
+              <a:t>depth</a:t>
+            </a:r>
+            <a:r>
+              <a:rPr lang="fr-FR" baseline="0" dirty="0" smtClean="0"/>
+              <a:t> et que c’est parce que la </a:t>
+            </a:r>
+            <a:r>
+              <a:rPr lang="fr-FR" baseline="0" dirty="0" err="1" smtClean="0"/>
+              <a:t>video</a:t>
+            </a:r>
+            <a:r>
+              <a:rPr lang="fr-FR" baseline="0" dirty="0" smtClean="0"/>
+              <a:t> n’est pas pratique et que squelette est moisi quand on est assis</a:t>
+            </a:r>
+            <a:endParaRPr lang="fr-FR" dirty="0"/>
+          </a:p>
+        </p:txBody>
+      </p:sp>
+      <p:sp>
+        <p:nvSpPr>
+          <p:cNvPr id="4" name="Espace réservé du numéro de diapositive 3"/>
+          <p:cNvSpPr>
+            <a:spLocks noGrp="1"/>
+          </p:cNvSpPr>
+          <p:nvPr>
+            <p:ph type="sldNum" sz="quarter" idx="10"/>
+          </p:nvPr>
+        </p:nvSpPr>
+        <p:spPr/>
+        <p:txBody>
+          <a:bodyPr/>
+          <a:lstStyle/>
+          <a:p>
+            <a:fld id="{2AC8731D-2D87-440C-8698-DB210FC0FD5A}" type="slidenum">
+              <a:rPr lang="fr-FR" smtClean="0"/>
+              <a:pPr/>
+              <a:t>8</a:t>
+            </a:fld>
+            <a:endParaRPr lang="fr-FR"/>
+          </a:p>
+        </p:txBody>
+      </p:sp>
+    </p:spTree>
+  </p:cSld>
+  <p:clrMapOvr>
+    <a:masterClrMapping/>
+  </p:clrMapOvr>
+</p:notes>
+</file>
+
+<file path=ppt/notesSlides/notesSlide3.xml><?xml version="1.0" encoding="utf-8"?>
+<p:notes xmlns:a="http://schemas.openxmlformats.org/drawingml/2006/main" xmlns:r="http://schemas.openxmlformats.org/officeDocument/2006/relationships" xmlns:p="http://schemas.openxmlformats.org/presentationml/2006/main">
+  <p:cSld>
+    <p:spTree>
+      <p:nvGrpSpPr>
+        <p:cNvPr id="1" name=""/>
+        <p:cNvGrpSpPr/>
+        <p:nvPr/>
+      </p:nvGrpSpPr>
+      <p:grpSpPr>
+        <a:xfrm>
+          <a:off x="0" y="0"/>
+          <a:ext cx="0" cy="0"/>
+          <a:chOff x="0" y="0"/>
+          <a:chExt cx="0" cy="0"/>
+        </a:xfrm>
+      </p:grpSpPr>
+      <p:sp>
+        <p:nvSpPr>
+          <p:cNvPr id="2" name="Espace réservé de l'image des diapositives 1"/>
+          <p:cNvSpPr>
+            <a:spLocks noGrp="1" noRot="1" noChangeAspect="1"/>
+          </p:cNvSpPr>
+          <p:nvPr>
+            <p:ph type="sldImg"/>
+          </p:nvPr>
+        </p:nvSpPr>
+        <p:spPr/>
+      </p:sp>
+      <p:sp>
+        <p:nvSpPr>
+          <p:cNvPr id="3" name="Espace réservé des commentaires 2"/>
+          <p:cNvSpPr>
+            <a:spLocks noGrp="1"/>
+          </p:cNvSpPr>
+          <p:nvPr>
+            <p:ph type="body" idx="1"/>
+          </p:nvPr>
+        </p:nvSpPr>
+        <p:spPr/>
+        <p:txBody>
+          <a:bodyPr>
+            <a:normAutofit/>
+          </a:bodyPr>
+          <a:lstStyle/>
+          <a:p>
+            <a:r>
+              <a:rPr lang="fr-FR" dirty="0" smtClean="0"/>
+              <a:t>Dire que les 5 premières étapes sont les plus importantes du</a:t>
+            </a:r>
+            <a:r>
+              <a:rPr lang="fr-FR" baseline="0" dirty="0" smtClean="0"/>
+              <a:t> point de vue real time, et dire ensuite que je vais l’expliquer en détail dans le </a:t>
+            </a:r>
+            <a:r>
+              <a:rPr lang="fr-FR" baseline="0" dirty="0" err="1" smtClean="0"/>
+              <a:t>slide</a:t>
+            </a:r>
+            <a:r>
+              <a:rPr lang="fr-FR" baseline="0" dirty="0" smtClean="0"/>
+              <a:t> suivant</a:t>
+            </a:r>
+            <a:endParaRPr lang="fr-FR" dirty="0"/>
+          </a:p>
+        </p:txBody>
+      </p:sp>
+      <p:sp>
+        <p:nvSpPr>
+          <p:cNvPr id="4" name="Espace réservé du numéro de diapositive 3"/>
+          <p:cNvSpPr>
+            <a:spLocks noGrp="1"/>
+          </p:cNvSpPr>
+          <p:nvPr>
+            <p:ph type="sldNum" sz="quarter" idx="10"/>
+          </p:nvPr>
+        </p:nvSpPr>
+        <p:spPr/>
+        <p:txBody>
+          <a:bodyPr/>
+          <a:lstStyle/>
+          <a:p>
+            <a:fld id="{2AC8731D-2D87-440C-8698-DB210FC0FD5A}" type="slidenum">
+              <a:rPr lang="fr-FR" smtClean="0"/>
+              <a:pPr/>
+              <a:t>10</a:t>
+            </a:fld>
+            <a:endParaRPr lang="fr-FR"/>
+          </a:p>
+        </p:txBody>
+      </p:sp>
+    </p:spTree>
+  </p:cSld>
+  <p:clrMapOvr>
+    <a:masterClrMapping/>
+  </p:clrMapOvr>
+</p:notes>
+</file>
+
+<file path=ppt/notesSlides/notesSlide4.xml><?xml version="1.0" encoding="utf-8"?>
+<p:notes xmlns:a="http://schemas.openxmlformats.org/drawingml/2006/main" xmlns:r="http://schemas.openxmlformats.org/officeDocument/2006/relationships" xmlns:p="http://schemas.openxmlformats.org/presentationml/2006/main">
+  <p:cSld>
+    <p:spTree>
+      <p:nvGrpSpPr>
+        <p:cNvPr id="1" name=""/>
+        <p:cNvGrpSpPr/>
+        <p:nvPr/>
+      </p:nvGrpSpPr>
+      <p:grpSpPr>
+        <a:xfrm>
+          <a:off x="0" y="0"/>
+          <a:ext cx="0" cy="0"/>
+          <a:chOff x="0" y="0"/>
+          <a:chExt cx="0" cy="0"/>
+        </a:xfrm>
+      </p:grpSpPr>
+      <p:sp>
+        <p:nvSpPr>
+          <p:cNvPr id="2" name="Espace réservé de l'image des diapositives 1"/>
+          <p:cNvSpPr>
+            <a:spLocks noGrp="1" noRot="1" noChangeAspect="1"/>
+          </p:cNvSpPr>
+          <p:nvPr>
+            <p:ph type="sldImg"/>
+          </p:nvPr>
+        </p:nvSpPr>
+        <p:spPr/>
+      </p:sp>
+      <p:sp>
+        <p:nvSpPr>
+          <p:cNvPr id="3" name="Espace réservé des commentaires 2"/>
+          <p:cNvSpPr>
+            <a:spLocks noGrp="1"/>
+          </p:cNvSpPr>
+          <p:nvPr>
+            <p:ph type="body" idx="1"/>
+          </p:nvPr>
+        </p:nvSpPr>
+        <p:spPr/>
+        <p:txBody>
+          <a:bodyPr>
+            <a:normAutofit/>
+          </a:bodyPr>
+          <a:lstStyle/>
+          <a:p>
+            <a:r>
+              <a:rPr lang="fr-FR" dirty="0" smtClean="0"/>
+              <a:t>Mettre des légendes</a:t>
+            </a:r>
+          </a:p>
+          <a:p>
+            <a:r>
+              <a:rPr lang="fr-FR" dirty="0" smtClean="0"/>
+              <a:t>Expliquer</a:t>
+            </a:r>
+            <a:r>
+              <a:rPr lang="fr-FR" baseline="0" dirty="0" smtClean="0"/>
+              <a:t> que la main est obtenue à partir de la distance et de l’orientation des blobs</a:t>
+            </a:r>
+            <a:endParaRPr lang="fr-FR" dirty="0"/>
+          </a:p>
+        </p:txBody>
+      </p:sp>
+      <p:sp>
+        <p:nvSpPr>
+          <p:cNvPr id="4" name="Espace réservé du numéro de diapositive 3"/>
+          <p:cNvSpPr>
+            <a:spLocks noGrp="1"/>
+          </p:cNvSpPr>
+          <p:nvPr>
+            <p:ph type="sldNum" sz="quarter" idx="10"/>
+          </p:nvPr>
+        </p:nvSpPr>
+        <p:spPr/>
+        <p:txBody>
+          <a:bodyPr/>
+          <a:lstStyle/>
+          <a:p>
+            <a:fld id="{2AC8731D-2D87-440C-8698-DB210FC0FD5A}" type="slidenum">
+              <a:rPr lang="fr-FR" smtClean="0"/>
+              <a:pPr/>
+              <a:t>11</a:t>
+            </a:fld>
+            <a:endParaRPr lang="fr-FR"/>
+          </a:p>
+        </p:txBody>
+      </p:sp>
+    </p:spTree>
+  </p:cSld>
+  <p:clrMapOvr>
+    <a:masterClrMapping/>
+  </p:clrMapOvr>
+</p:notes>
+</file>
+
+<file path=ppt/notesSlides/notesSlide5.xml><?xml version="1.0" encoding="utf-8"?>
+<p:notes xmlns:a="http://schemas.openxmlformats.org/drawingml/2006/main" xmlns:r="http://schemas.openxmlformats.org/officeDocument/2006/relationships" xmlns:p="http://schemas.openxmlformats.org/presentationml/2006/main">
+  <p:cSld>
+    <p:spTree>
+      <p:nvGrpSpPr>
+        <p:cNvPr id="1" name=""/>
+        <p:cNvGrpSpPr/>
+        <p:nvPr/>
+      </p:nvGrpSpPr>
+      <p:grpSpPr>
+        <a:xfrm>
+          <a:off x="0" y="0"/>
+          <a:ext cx="0" cy="0"/>
+          <a:chOff x="0" y="0"/>
+          <a:chExt cx="0" cy="0"/>
+        </a:xfrm>
+      </p:grpSpPr>
+      <p:sp>
+        <p:nvSpPr>
+          <p:cNvPr id="2" name="Espace réservé de l'image des diapositives 1"/>
+          <p:cNvSpPr>
+            <a:spLocks noGrp="1" noRot="1" noChangeAspect="1"/>
+          </p:cNvSpPr>
+          <p:nvPr>
+            <p:ph type="sldImg"/>
+          </p:nvPr>
+        </p:nvSpPr>
+        <p:spPr/>
+      </p:sp>
+      <p:sp>
+        <p:nvSpPr>
+          <p:cNvPr id="3" name="Espace réservé des commentaires 2"/>
+          <p:cNvSpPr>
+            <a:spLocks noGrp="1"/>
+          </p:cNvSpPr>
+          <p:nvPr>
+            <p:ph type="body" idx="1"/>
+          </p:nvPr>
+        </p:nvSpPr>
+        <p:spPr/>
+        <p:txBody>
+          <a:bodyPr>
+            <a:normAutofit/>
+          </a:bodyPr>
+          <a:lstStyle/>
+          <a:p>
+            <a:r>
+              <a:rPr lang="fr-FR" dirty="0" smtClean="0"/>
+              <a:t>Mettre les </a:t>
+            </a:r>
+            <a:r>
+              <a:rPr lang="fr-FR" dirty="0" err="1" smtClean="0"/>
+              <a:t>specs</a:t>
+            </a:r>
+            <a:r>
+              <a:rPr lang="fr-FR" dirty="0" smtClean="0"/>
+              <a:t> « </a:t>
+            </a:r>
+            <a:r>
+              <a:rPr lang="fr-FR" dirty="0" err="1" smtClean="0"/>
+              <a:t>rumors</a:t>
+            </a:r>
+            <a:r>
+              <a:rPr lang="fr-FR" dirty="0" smtClean="0"/>
+              <a:t> » de la Kinect 2 (pour le fun)</a:t>
+            </a:r>
+            <a:endParaRPr lang="fr-FR" dirty="0"/>
+          </a:p>
+        </p:txBody>
+      </p:sp>
+      <p:sp>
+        <p:nvSpPr>
+          <p:cNvPr id="4" name="Espace réservé du numéro de diapositive 3"/>
+          <p:cNvSpPr>
+            <a:spLocks noGrp="1"/>
+          </p:cNvSpPr>
+          <p:nvPr>
+            <p:ph type="sldNum" sz="quarter" idx="10"/>
+          </p:nvPr>
+        </p:nvSpPr>
+        <p:spPr/>
+        <p:txBody>
+          <a:bodyPr/>
+          <a:lstStyle/>
+          <a:p>
+            <a:fld id="{2AC8731D-2D87-440C-8698-DB210FC0FD5A}" type="slidenum">
+              <a:rPr lang="fr-FR" smtClean="0"/>
+              <a:pPr/>
+              <a:t>13</a:t>
+            </a:fld>
+            <a:endParaRPr lang="fr-FR"/>
+          </a:p>
+        </p:txBody>
+      </p:sp>
+    </p:spTree>
+  </p:cSld>
+  <p:clrMapOvr>
+    <a:masterClrMapping/>
+  </p:clrMapOvr>
+</p:notes>
+</file>
+
 <file path=ppt/slideLayouts/slideLayout1.xml><?xml version="1.0" encoding="utf-8"?>
 <p:sldLayout xmlns:a="http://schemas.openxmlformats.org/drawingml/2006/main" xmlns:r="http://schemas.openxmlformats.org/officeDocument/2006/relationships" xmlns:p="http://schemas.openxmlformats.org/presentationml/2006/main" showMasterSp="0" type="title" preserve="1">
   <p:cSld name="Diapositive de titre">
@@ -857,7 +1400,7 @@
             <a:fld id="{7FE745BF-AED8-4079-86B5-94776AA709CD}" type="datetime1">
               <a:rPr lang="fr-FR" smtClean="0"/>
               <a:pPr/>
-              <a:t>14/12/2011</a:t>
+              <a:t>15/12/2011</a:t>
             </a:fld>
             <a:endParaRPr lang="fr-FR" dirty="0"/>
           </a:p>
@@ -1024,7 +1567,7 @@
             <a:fld id="{8BADFC06-5AC4-476A-8FD2-54DE0E426D90}" type="datetime1">
               <a:rPr lang="fr-FR" smtClean="0"/>
               <a:pPr/>
-              <a:t>14/12/2011</a:t>
+              <a:t>15/12/2011</a:t>
             </a:fld>
             <a:endParaRPr lang="fr-FR" dirty="0"/>
           </a:p>
@@ -1201,7 +1744,7 @@
             <a:fld id="{271E89F4-7B08-401C-94CC-1E6E90A77743}" type="datetime1">
               <a:rPr lang="fr-FR" smtClean="0"/>
               <a:pPr/>
-              <a:t>14/12/2011</a:t>
+              <a:t>15/12/2011</a:t>
             </a:fld>
             <a:endParaRPr lang="fr-FR" dirty="0"/>
           </a:p>
@@ -1372,7 +1915,7 @@
             <a:fld id="{B8D51CD3-FD0B-4398-96D6-10844A344A7A}" type="datetime1">
               <a:rPr lang="fr-FR" smtClean="0"/>
               <a:pPr/>
-              <a:t>14/12/2011</a:t>
+              <a:t>15/12/2011</a:t>
             </a:fld>
             <a:endParaRPr lang="fr-FR" dirty="0"/>
           </a:p>
@@ -1829,7 +2372,7 @@
             <a:fld id="{5272A46D-708F-4429-9728-C0AAA1D8ED70}" type="datetime1">
               <a:rPr lang="fr-FR" smtClean="0"/>
               <a:pPr/>
-              <a:t>14/12/2011</a:t>
+              <a:t>15/12/2011</a:t>
             </a:fld>
             <a:endParaRPr lang="fr-FR" dirty="0"/>
           </a:p>
@@ -2095,7 +2638,7 @@
             <a:fld id="{85176319-0B46-44DD-88B8-E7F3AAD4F2DF}" type="datetime1">
               <a:rPr lang="fr-FR" smtClean="0"/>
               <a:pPr/>
-              <a:t>14/12/2011</a:t>
+              <a:t>15/12/2011</a:t>
             </a:fld>
             <a:endParaRPr lang="fr-FR" dirty="0"/>
           </a:p>
@@ -2471,7 +3014,7 @@
             <a:fld id="{2587345E-05A6-495C-A1A1-170A1A91A394}" type="datetime1">
               <a:rPr lang="fr-FR" smtClean="0"/>
               <a:pPr/>
-              <a:t>14/12/2011</a:t>
+              <a:t>15/12/2011</a:t>
             </a:fld>
             <a:endParaRPr lang="fr-FR" dirty="0"/>
           </a:p>
@@ -2595,7 +3138,7 @@
             <a:fld id="{172809C5-74F0-4FD7-9204-0F8A8FB1929B}" type="datetime1">
               <a:rPr lang="fr-FR" smtClean="0"/>
               <a:pPr/>
-              <a:t>14/12/2011</a:t>
+              <a:t>15/12/2011</a:t>
             </a:fld>
             <a:endParaRPr lang="fr-FR" dirty="0"/>
           </a:p>
@@ -2687,7 +3230,7 @@
             <a:fld id="{7786A093-8429-44F1-808A-11360C2CAA55}" type="datetime1">
               <a:rPr lang="fr-FR" smtClean="0"/>
               <a:pPr/>
-              <a:t>14/12/2011</a:t>
+              <a:t>15/12/2011</a:t>
             </a:fld>
             <a:endParaRPr lang="fr-FR" dirty="0"/>
           </a:p>
@@ -2938,7 +3481,7 @@
             <a:fld id="{FE18F5A1-6F3E-41A1-AC38-A5948C92E970}" type="datetime1">
               <a:rPr lang="fr-FR" smtClean="0"/>
               <a:pPr/>
-              <a:t>14/12/2011</a:t>
+              <a:t>15/12/2011</a:t>
             </a:fld>
             <a:endParaRPr lang="fr-FR" dirty="0"/>
           </a:p>
@@ -3199,7 +3742,7 @@
             <a:fld id="{42D0C6D8-1219-406E-8CD6-FA778B9D3E63}" type="datetime1">
               <a:rPr lang="fr-FR" smtClean="0"/>
               <a:pPr/>
-              <a:t>14/12/2011</a:t>
+              <a:t>15/12/2011</a:t>
             </a:fld>
             <a:endParaRPr lang="fr-FR" dirty="0"/>
           </a:p>
@@ -3605,7 +4148,7 @@
             <a:fld id="{CC7C295D-0E21-434D-B466-C466C8EF3B27}" type="datetime1">
               <a:rPr lang="fr-FR" smtClean="0"/>
               <a:pPr/>
-              <a:t>14/12/2011</a:t>
+              <a:t>15/12/2011</a:t>
             </a:fld>
             <a:endParaRPr lang="fr-FR" dirty="0"/>
           </a:p>
@@ -4089,6 +4632,13 @@
   <p:clrMapOvr>
     <a:masterClrMapping/>
   </p:clrMapOvr>
+  <p:timing>
+    <p:tnLst>
+      <p:par>
+        <p:cTn id="1" dur="indefinite" restart="never" nodeType="tmRoot"/>
+      </p:par>
+    </p:tnLst>
+  </p:timing>
 </p:sld>
 </file>
 
@@ -4111,6 +4661,49 @@
       </p:grpSpPr>
       <p:sp>
         <p:nvSpPr>
+          <p:cNvPr id="6" name="Rectangle 5"/>
+          <p:cNvSpPr/>
+          <p:nvPr/>
+        </p:nvSpPr>
+        <p:spPr>
+          <a:xfrm>
+            <a:off x="251520" y="1484784"/>
+            <a:ext cx="7128792" cy="2664296"/>
+          </a:xfrm>
+          <a:prstGeom prst="rect">
+            <a:avLst/>
+          </a:prstGeom>
+          <a:solidFill>
+            <a:schemeClr val="accent2"/>
+          </a:solidFill>
+        </p:spPr>
+        <p:style>
+          <a:lnRef idx="2">
+            <a:schemeClr val="accent1">
+              <a:shade val="50000"/>
+            </a:schemeClr>
+          </a:lnRef>
+          <a:fillRef idx="1">
+            <a:schemeClr val="accent1"/>
+          </a:fillRef>
+          <a:effectRef idx="0">
+            <a:schemeClr val="accent1"/>
+          </a:effectRef>
+          <a:fontRef idx="minor">
+            <a:schemeClr val="lt1"/>
+          </a:fontRef>
+        </p:style>
+        <p:txBody>
+          <a:bodyPr rtlCol="0" anchor="ctr"/>
+          <a:lstStyle/>
+          <a:p>
+            <a:pPr algn="ctr"/>
+            <a:endParaRPr lang="fr-FR"/>
+          </a:p>
+        </p:txBody>
+      </p:sp>
+      <p:sp>
+        <p:nvSpPr>
           <p:cNvPr id="2" name="Titre 1"/>
           <p:cNvSpPr>
             <a:spLocks noGrp="1"/>
@@ -4121,12 +4714,25 @@
         </p:nvSpPr>
         <p:spPr/>
         <p:txBody>
-          <a:bodyPr/>
+          <a:bodyPr>
+            <a:normAutofit fontScale="90000"/>
+          </a:bodyPr>
           <a:lstStyle/>
           <a:p>
             <a:r>
               <a:rPr lang="en-US" dirty="0" smtClean="0"/>
               <a:t>Technical</a:t>
+            </a:r>
+            <a:br>
+              <a:rPr lang="en-US" dirty="0" smtClean="0"/>
+            </a:br>
+            <a:r>
+              <a:rPr lang="en-US" dirty="0" smtClean="0"/>
+              <a:t>	</a:t>
+            </a:r>
+            <a:r>
+              <a:rPr lang="en-US" dirty="0" smtClean="0"/>
+              <a:t>Implemented algorithm</a:t>
             </a:r>
             <a:endParaRPr lang="en-US" dirty="0"/>
           </a:p>
@@ -4221,7 +4827,15 @@
           <a:p>
             <a:r>
               <a:rPr lang="en-US" dirty="0" smtClean="0"/>
-              <a:t>Tracking of the 4 main Blobs </a:t>
+              <a:t>Tracking of the </a:t>
+            </a:r>
+            <a:r>
+              <a:rPr lang="en-US" dirty="0" smtClean="0"/>
+              <a:t>N </a:t>
+            </a:r>
+            <a:r>
+              <a:rPr lang="en-US" dirty="0" smtClean="0"/>
+              <a:t>main Blobs </a:t>
             </a:r>
             <a:r>
               <a:rPr lang="en-US" dirty="0" smtClean="0">
@@ -4288,36 +4902,6 @@
               <a:t>10</a:t>
             </a:fld>
             <a:endParaRPr lang="en-US"/>
-          </a:p>
-        </p:txBody>
-      </p:sp>
-      <p:sp>
-        <p:nvSpPr>
-          <p:cNvPr id="5" name="ZoneTexte 4"/>
-          <p:cNvSpPr txBox="1"/>
-          <p:nvPr/>
-        </p:nvSpPr>
-        <p:spPr>
-          <a:xfrm>
-            <a:off x="4067944" y="6396335"/>
-            <a:ext cx="4032448" cy="461665"/>
-          </a:xfrm>
-          <a:prstGeom prst="rect">
-            <a:avLst/>
-          </a:prstGeom>
-          <a:noFill/>
-        </p:spPr>
-        <p:txBody>
-          <a:bodyPr wrap="square" rtlCol="0">
-            <a:spAutoFit/>
-          </a:bodyPr>
-          <a:lstStyle/>
-          <a:p>
-            <a:r>
-              <a:rPr lang="fr-FR" sz="2400" dirty="0" smtClean="0"/>
-              <a:t>Total Time : 10 – 18 ms</a:t>
-            </a:r>
-            <a:endParaRPr lang="fr-FR" sz="2400" dirty="0"/>
           </a:p>
         </p:txBody>
       </p:sp>
@@ -4374,7 +4958,7 @@
           <p:nvPr/>
         </p:nvPicPr>
         <p:blipFill>
-          <a:blip r:embed="rId2" cstate="print"/>
+          <a:blip r:embed="rId3" cstate="print"/>
           <a:srcRect/>
           <a:stretch>
             <a:fillRect/>
@@ -4447,29 +5031,6 @@
       </p:sp>
       <p:sp>
         <p:nvSpPr>
-          <p:cNvPr id="3" name="Espace réservé du contenu 2"/>
-          <p:cNvSpPr>
-            <a:spLocks noGrp="1"/>
-          </p:cNvSpPr>
-          <p:nvPr>
-            <p:ph idx="1"/>
-          </p:nvPr>
-        </p:nvSpPr>
-        <p:spPr/>
-        <p:txBody>
-          <a:bodyPr/>
-          <a:lstStyle/>
-          <a:p>
-            <a:r>
-              <a:rPr lang="en-US" dirty="0" smtClean="0"/>
-              <a:t>Demonstration Web browser</a:t>
-            </a:r>
-            <a:endParaRPr lang="en-US" dirty="0"/>
-          </a:p>
-        </p:txBody>
-      </p:sp>
-      <p:sp>
-        <p:nvSpPr>
           <p:cNvPr id="4" name="Espace réservé du numéro de diapositive 3"/>
           <p:cNvSpPr>
             <a:spLocks noGrp="1"/>
@@ -4489,6 +5050,139 @@
               <a:t>12</a:t>
             </a:fld>
             <a:endParaRPr lang="en-US"/>
+          </a:p>
+        </p:txBody>
+      </p:sp>
+      <p:sp>
+        <p:nvSpPr>
+          <p:cNvPr id="5" name="ZoneTexte 4"/>
+          <p:cNvSpPr txBox="1"/>
+          <p:nvPr/>
+        </p:nvSpPr>
+        <p:spPr>
+          <a:xfrm>
+            <a:off x="611560" y="1484784"/>
+            <a:ext cx="7200800" cy="3416320"/>
+          </a:xfrm>
+          <a:prstGeom prst="rect">
+            <a:avLst/>
+          </a:prstGeom>
+          <a:noFill/>
+        </p:spPr>
+        <p:txBody>
+          <a:bodyPr wrap="square" rtlCol="0">
+            <a:spAutoFit/>
+          </a:bodyPr>
+          <a:lstStyle/>
+          <a:p>
+            <a:r>
+              <a:rPr lang="fr-FR" sz="2400" dirty="0" smtClean="0">
+                <a:solidFill>
+                  <a:srgbClr val="FF0000"/>
+                </a:solidFill>
+              </a:rPr>
+              <a:t>Total </a:t>
+            </a:r>
+            <a:r>
+              <a:rPr lang="fr-FR" sz="2400" dirty="0" smtClean="0">
+                <a:solidFill>
+                  <a:srgbClr val="FF0000"/>
+                </a:solidFill>
+              </a:rPr>
+              <a:t>Time of the </a:t>
+            </a:r>
+            <a:r>
+              <a:rPr lang="fr-FR" sz="2400" dirty="0" err="1" smtClean="0">
+                <a:solidFill>
+                  <a:srgbClr val="FF0000"/>
+                </a:solidFill>
+              </a:rPr>
+              <a:t>Algorithm</a:t>
+            </a:r>
+            <a:r>
+              <a:rPr lang="fr-FR" sz="2400" dirty="0" smtClean="0">
+                <a:solidFill>
+                  <a:srgbClr val="FF0000"/>
+                </a:solidFill>
+              </a:rPr>
+              <a:t> </a:t>
+            </a:r>
+            <a:r>
+              <a:rPr lang="fr-FR" sz="2400" dirty="0" smtClean="0">
+                <a:solidFill>
+                  <a:srgbClr val="FF0000"/>
+                </a:solidFill>
+              </a:rPr>
+              <a:t>: 10 – 18 </a:t>
+            </a:r>
+            <a:r>
+              <a:rPr lang="fr-FR" sz="2400" dirty="0" smtClean="0">
+                <a:solidFill>
+                  <a:srgbClr val="FF0000"/>
+                </a:solidFill>
+              </a:rPr>
+              <a:t>ms</a:t>
+            </a:r>
+            <a:br>
+              <a:rPr lang="fr-FR" sz="2400" dirty="0" smtClean="0">
+                <a:solidFill>
+                  <a:srgbClr val="FF0000"/>
+                </a:solidFill>
+              </a:rPr>
+            </a:br>
+            <a:r>
+              <a:rPr lang="fr-FR" sz="2400" dirty="0" smtClean="0">
+                <a:solidFill>
+                  <a:srgbClr val="FF0000"/>
+                </a:solidFill>
+              </a:rPr>
+              <a:t/>
+            </a:r>
+            <a:br>
+              <a:rPr lang="fr-FR" sz="2400" dirty="0" smtClean="0">
+                <a:solidFill>
+                  <a:srgbClr val="FF0000"/>
+                </a:solidFill>
+              </a:rPr>
+            </a:br>
+            <a:r>
+              <a:rPr lang="fr-FR" sz="2400" dirty="0" smtClean="0">
+                <a:solidFill>
+                  <a:srgbClr val="FF0000"/>
+                </a:solidFill>
+              </a:rPr>
+              <a:t>Voir si on peut comparer avec un graph la vitesse d’exécution d’un filtre par exemple entre la CG et le CPU</a:t>
+            </a:r>
+          </a:p>
+          <a:p>
+            <a:endParaRPr lang="fr-FR" sz="2400" dirty="0" smtClean="0">
+              <a:solidFill>
+                <a:srgbClr val="FF0000"/>
+              </a:solidFill>
+            </a:endParaRPr>
+          </a:p>
+          <a:p>
+            <a:r>
+              <a:rPr lang="fr-FR" sz="2400" dirty="0" smtClean="0">
+                <a:solidFill>
+                  <a:srgbClr val="FF0000"/>
+                </a:solidFill>
+              </a:rPr>
+              <a:t>Dire aussi ce qui se passe si on utilise que 2 blobs et pas 4, ou 6, etc. Genre un graph reco</a:t>
+            </a:r>
+            <a:r>
+              <a:rPr lang="fr-FR" sz="2400" dirty="0" smtClean="0">
+                <a:solidFill>
+                  <a:srgbClr val="FF0000"/>
+                </a:solidFill>
+              </a:rPr>
+              <a:t>gnition rate en fonction du nb de blobs</a:t>
+            </a:r>
+            <a:endParaRPr lang="fr-FR" sz="2400" dirty="0">
+              <a:solidFill>
+                <a:srgbClr val="FF0000"/>
+              </a:solidFill>
+            </a:endParaRPr>
           </a:p>
         </p:txBody>
       </p:sp>
@@ -4872,6 +5566,13 @@
   <p:clrMapOvr>
     <a:masterClrMapping/>
   </p:clrMapOvr>
+  <p:timing>
+    <p:tnLst>
+      <p:par>
+        <p:cTn id="1" dur="indefinite" restart="never" nodeType="tmRoot"/>
+      </p:par>
+    </p:tnLst>
+  </p:timing>
 </p:sld>
 </file>
 
@@ -5046,6 +5747,13 @@
   <p:clrMapOvr>
     <a:masterClrMapping/>
   </p:clrMapOvr>
+  <p:timing>
+    <p:tnLst>
+      <p:par>
+        <p:cTn id="1" dur="indefinite" restart="never" nodeType="tmRoot"/>
+      </p:par>
+    </p:tnLst>
+  </p:timing>
 </p:sld>
 </file>
 
@@ -5099,43 +5807,31 @@
             <p:ph sz="half" idx="1"/>
           </p:nvPr>
         </p:nvSpPr>
-        <p:spPr/>
+        <p:spPr>
+          <a:xfrm>
+            <a:off x="457200" y="1600200"/>
+            <a:ext cx="4186808" cy="4525963"/>
+          </a:xfrm>
+        </p:spPr>
         <p:txBody>
           <a:bodyPr/>
           <a:lstStyle/>
           <a:p>
             <a:r>
-              <a:rPr lang="en-US" smtClean="0"/>
-              <a:t>« Touch screen era</a:t>
-            </a:r>
-            <a:r>
-              <a:rPr lang="en-US" smtClean="0"/>
-              <a:t> </a:t>
-            </a:r>
-            <a:r>
-              <a:rPr lang="en-US" smtClean="0"/>
-              <a:t>»</a:t>
-            </a:r>
-            <a:endParaRPr lang="en-US" smtClean="0"/>
-          </a:p>
-          <a:p>
-            <a:r>
               <a:rPr lang="en-US" dirty="0" smtClean="0"/>
-              <a:t>New </a:t>
-            </a:r>
+              <a:t>« Touch screen era »</a:t>
+            </a:r>
+          </a:p>
+          <a:p>
             <a:r>
               <a:rPr lang="en-US" dirty="0" smtClean="0"/>
-              <a:t>way to interact with computer</a:t>
+              <a:t>New way to interact with computer</a:t>
             </a:r>
           </a:p>
           <a:p>
             <a:r>
               <a:rPr lang="en-US" dirty="0" smtClean="0"/>
-              <a:t>General </a:t>
-            </a:r>
-            <a:r>
-              <a:rPr lang="en-US" dirty="0" smtClean="0"/>
-              <a:t>public doesn't use the Kinect as a camera but only as a gaming device</a:t>
+              <a:t>General public doesn't use the Kinect as a camera but only as a gaming device</a:t>
             </a:r>
           </a:p>
         </p:txBody>
@@ -5192,6 +5888,13 @@
   <p:clrMapOvr>
     <a:masterClrMapping/>
   </p:clrMapOvr>
+  <p:timing>
+    <p:tnLst>
+      <p:par>
+        <p:cTn id="1" dur="indefinite" restart="never" nodeType="tmRoot"/>
+      </p:par>
+    </p:tnLst>
+  </p:timing>
 </p:sld>
 </file>
 
@@ -5314,6 +6017,13 @@
   <p:clrMapOvr>
     <a:masterClrMapping/>
   </p:clrMapOvr>
+  <p:timing>
+    <p:tnLst>
+      <p:par>
+        <p:cTn id="1" dur="indefinite" restart="never" nodeType="tmRoot"/>
+      </p:par>
+    </p:tnLst>
+  </p:timing>
 </p:sld>
 </file>
 
@@ -5351,7 +6061,7 @@
           <a:p>
             <a:r>
               <a:rPr lang="en-US" dirty="0" smtClean="0"/>
-              <a:t>Implemented Solution</a:t>
+              <a:t>Solution</a:t>
             </a:r>
             <a:endParaRPr lang="en-US" dirty="0"/>
           </a:p>
@@ -5376,17 +6086,35 @@
           <a:p>
             <a:r>
               <a:rPr lang="en-US" dirty="0" smtClean="0"/>
-              <a:t>Must be responsive : running in Real Time</a:t>
-            </a:r>
-          </a:p>
-          <a:p>
+              <a:t>Must be responsive : running in Real </a:t>
+            </a:r>
+            <a:r>
+              <a:rPr lang="en-US" dirty="0" smtClean="0"/>
+              <a:t>Time (</a:t>
+            </a:r>
+            <a:r>
+              <a:rPr lang="en-US" dirty="0" smtClean="0"/>
+              <a:t>30 </a:t>
+            </a:r>
+            <a:r>
+              <a:rPr lang="en-US" dirty="0" smtClean="0"/>
+              <a:t>fps)</a:t>
+            </a:r>
             <a:endParaRPr lang="en-US" dirty="0" smtClean="0"/>
           </a:p>
           <a:p>
+            <a:endParaRPr lang="en-US" dirty="0" smtClean="0"/>
+          </a:p>
+          <a:p>
             <a:r>
               <a:rPr lang="en-US" dirty="0" smtClean="0"/>
-              <a:t>Able to be bound with 3D rendering (via DirectX 9)</a:t>
-            </a:r>
+              <a:t>Able to be bound with </a:t>
+            </a:r>
+            <a:r>
+              <a:rPr lang="en-US" dirty="0" smtClean="0"/>
+              <a:t>3D window system</a:t>
+            </a:r>
+            <a:endParaRPr lang="en-US" dirty="0" smtClean="0"/>
           </a:p>
         </p:txBody>
       </p:sp>
@@ -5419,6 +6147,13 @@
   <p:clrMapOvr>
     <a:masterClrMapping/>
   </p:clrMapOvr>
+  <p:timing>
+    <p:tnLst>
+      <p:par>
+        <p:cTn id="1" dur="indefinite" restart="never" nodeType="tmRoot"/>
+      </p:par>
+    </p:tnLst>
+  </p:timing>
 </p:sld>
 </file>
 
@@ -5456,7 +6191,7 @@
           <a:p>
             <a:r>
               <a:rPr lang="en-US" dirty="0" smtClean="0"/>
-              <a:t>Implemented Solution</a:t>
+              <a:t>Solution</a:t>
             </a:r>
             <a:endParaRPr lang="en-US" dirty="0"/>
           </a:p>
@@ -5577,7 +6312,151 @@
                 <a:ea typeface="+mn-ea"/>
                 <a:cs typeface="+mn-cs"/>
               </a:rPr>
-              <a:t>Considering limitations due to distance, accuracy, recognition…</a:t>
+              <a:t>Considering </a:t>
+            </a:r>
+            <a:r>
+              <a:rPr kumimoji="0" lang="en-US" sz="3000" b="0" i="0" u="none" strike="noStrike" kern="1200" cap="none" spc="0" normalizeH="0" baseline="0" noProof="0" dirty="0" err="1" smtClean="0">
+                <a:ln>
+                  <a:noFill/>
+                </a:ln>
+                <a:solidFill>
+                  <a:schemeClr val="tx1"/>
+                </a:solidFill>
+                <a:effectLst/>
+                <a:uLnTx/>
+                <a:uFillTx/>
+                <a:latin typeface="+mn-lt"/>
+                <a:ea typeface="+mn-ea"/>
+                <a:cs typeface="+mn-cs"/>
+              </a:rPr>
+              <a:t>Kinect’s</a:t>
+            </a:r>
+            <a:r>
+              <a:rPr kumimoji="0" lang="en-US" sz="3000" b="0" i="0" u="none" strike="noStrike" kern="1200" cap="none" spc="0" normalizeH="0" baseline="0" noProof="0" dirty="0" smtClean="0">
+                <a:ln>
+                  <a:noFill/>
+                </a:ln>
+                <a:solidFill>
+                  <a:schemeClr val="tx1"/>
+                </a:solidFill>
+                <a:effectLst/>
+                <a:uLnTx/>
+                <a:uFillTx/>
+                <a:latin typeface="+mn-lt"/>
+                <a:ea typeface="+mn-ea"/>
+                <a:cs typeface="+mn-cs"/>
+              </a:rPr>
+              <a:t> limitations:</a:t>
+            </a:r>
+          </a:p>
+          <a:p>
+            <a:pPr marL="877824" lvl="1" indent="-384048">
+              <a:spcBef>
+                <a:spcPct val="20000"/>
+              </a:spcBef>
+              <a:buClr>
+                <a:schemeClr val="accent1"/>
+              </a:buClr>
+              <a:buSzPct val="80000"/>
+              <a:buFont typeface="Wingdings 2"/>
+              <a:buChar char=""/>
+              <a:defRPr/>
+            </a:pPr>
+            <a:r>
+              <a:rPr kumimoji="0" lang="en-US" sz="3000" b="0" i="0" u="none" strike="noStrike" kern="1200" cap="none" spc="0" normalizeH="0" baseline="0" noProof="0" dirty="0" smtClean="0">
+                <a:ln>
+                  <a:noFill/>
+                </a:ln>
+                <a:solidFill>
+                  <a:schemeClr val="tx1"/>
+                </a:solidFill>
+                <a:effectLst/>
+                <a:uLnTx/>
+                <a:uFillTx/>
+                <a:latin typeface="+mn-lt"/>
+                <a:ea typeface="+mn-ea"/>
+                <a:cs typeface="+mn-cs"/>
+              </a:rPr>
+              <a:t>Distance</a:t>
+            </a:r>
+          </a:p>
+          <a:p>
+            <a:pPr marL="877824" lvl="1" indent="-384048">
+              <a:spcBef>
+                <a:spcPct val="20000"/>
+              </a:spcBef>
+              <a:buClr>
+                <a:schemeClr val="accent1"/>
+              </a:buClr>
+              <a:buSzPct val="80000"/>
+              <a:buFont typeface="Wingdings 2"/>
+              <a:buChar char=""/>
+              <a:defRPr/>
+            </a:pPr>
+            <a:r>
+              <a:rPr kumimoji="0" lang="en-US" sz="3000" b="0" i="0" u="none" strike="noStrike" kern="1200" cap="none" spc="0" normalizeH="0" baseline="0" noProof="0" dirty="0" smtClean="0">
+                <a:ln>
+                  <a:noFill/>
+                </a:ln>
+                <a:solidFill>
+                  <a:schemeClr val="tx1"/>
+                </a:solidFill>
+                <a:effectLst/>
+                <a:uLnTx/>
+                <a:uFillTx/>
+                <a:latin typeface="+mn-lt"/>
+                <a:ea typeface="+mn-ea"/>
+                <a:cs typeface="+mn-cs"/>
+              </a:rPr>
+              <a:t>Accuracy</a:t>
+            </a:r>
+          </a:p>
+          <a:p>
+            <a:pPr marL="877824" lvl="1" indent="-384048">
+              <a:spcBef>
+                <a:spcPct val="20000"/>
+              </a:spcBef>
+              <a:buClr>
+                <a:schemeClr val="accent1"/>
+              </a:buClr>
+              <a:buSzPct val="80000"/>
+              <a:buFont typeface="Wingdings 2"/>
+              <a:buChar char=""/>
+              <a:defRPr/>
+            </a:pPr>
+            <a:r>
+              <a:rPr kumimoji="0" lang="en-US" sz="3000" b="0" i="0" u="none" strike="noStrike" kern="1200" cap="none" spc="0" normalizeH="0" baseline="0" noProof="0" dirty="0" smtClean="0">
+                <a:ln>
+                  <a:noFill/>
+                </a:ln>
+                <a:solidFill>
+                  <a:schemeClr val="tx1"/>
+                </a:solidFill>
+                <a:effectLst/>
+                <a:uLnTx/>
+                <a:uFillTx/>
+                <a:latin typeface="+mn-lt"/>
+                <a:ea typeface="+mn-ea"/>
+                <a:cs typeface="+mn-cs"/>
+              </a:rPr>
+              <a:t>Recognition</a:t>
+            </a:r>
+            <a:r>
+              <a:rPr kumimoji="0" lang="en-US" sz="3000" b="0" i="0" u="none" strike="noStrike" kern="1200" cap="none" spc="0" normalizeH="0" baseline="0" noProof="0" dirty="0" smtClean="0">
+                <a:ln>
+                  <a:noFill/>
+                </a:ln>
+                <a:solidFill>
+                  <a:schemeClr val="tx1"/>
+                </a:solidFill>
+                <a:effectLst/>
+                <a:uLnTx/>
+                <a:uFillTx/>
+                <a:latin typeface="+mn-lt"/>
+                <a:ea typeface="+mn-ea"/>
+                <a:cs typeface="+mn-cs"/>
+              </a:rPr>
+              <a:t>…</a:t>
             </a:r>
           </a:p>
         </p:txBody>
@@ -5587,6 +6466,13 @@
   <p:clrMapOvr>
     <a:masterClrMapping/>
   </p:clrMapOvr>
+  <p:timing>
+    <p:tnLst>
+      <p:par>
+        <p:cTn id="1" dur="indefinite" restart="never" nodeType="tmRoot"/>
+      </p:par>
+    </p:tnLst>
+  </p:timing>
 </p:sld>
 </file>
 
@@ -5619,13 +6505,26 @@
         </p:nvSpPr>
         <p:spPr/>
         <p:txBody>
-          <a:bodyPr/>
+          <a:bodyPr>
+            <a:normAutofit fontScale="90000"/>
+          </a:bodyPr>
           <a:lstStyle/>
           <a:p>
             <a:r>
               <a:rPr lang="en-US" dirty="0" smtClean="0"/>
               <a:t>Theory</a:t>
             </a:r>
+            <a:br>
+              <a:rPr lang="en-US" dirty="0" smtClean="0"/>
+            </a:br>
+            <a:r>
+              <a:rPr lang="en-US" dirty="0" smtClean="0"/>
+              <a:t>	</a:t>
+            </a:r>
+            <a:r>
+              <a:rPr lang="en-US" dirty="0" smtClean="0"/>
+              <a:t>Recognizing hand</a:t>
+            </a:r>
             <a:endParaRPr lang="en-US" dirty="0"/>
           </a:p>
         </p:txBody>
@@ -5643,7 +6542,7 @@
         <p:spPr/>
         <p:txBody>
           <a:bodyPr>
-            <a:normAutofit lnSpcReduction="10000"/>
+            <a:normAutofit fontScale="92500" lnSpcReduction="20000"/>
           </a:bodyPr>
           <a:lstStyle/>
           <a:p>
@@ -5658,8 +6557,105 @@
           <a:p>
             <a:r>
               <a:rPr lang="en-US" dirty="0" smtClean="0"/>
-              <a:t>Pixels are filtered based on their distance from the sensor and grouped by blobs</a:t>
-            </a:r>
+              <a:t>Pixels are filtered based on their distance from the sensor and grouped by </a:t>
+            </a:r>
+            <a:r>
+              <a:rPr lang="en-US" dirty="0" smtClean="0"/>
+              <a:t>blobs </a:t>
+            </a:r>
+            <a:r>
+              <a:rPr lang="en-US" dirty="0" smtClean="0">
+                <a:solidFill>
+                  <a:srgbClr val="FF0000"/>
+                </a:solidFill>
+              </a:rPr>
+              <a:t>[because en </a:t>
+            </a:r>
+            <a:r>
+              <a:rPr lang="en-US" dirty="0" err="1" smtClean="0">
+                <a:solidFill>
+                  <a:srgbClr val="FF0000"/>
+                </a:solidFill>
+              </a:rPr>
+              <a:t>général</a:t>
+            </a:r>
+            <a:r>
+              <a:rPr lang="en-US" dirty="0" smtClean="0">
+                <a:solidFill>
+                  <a:srgbClr val="FF0000"/>
+                </a:solidFill>
+              </a:rPr>
+              <a:t> les gens </a:t>
+            </a:r>
+            <a:r>
+              <a:rPr lang="en-US" dirty="0" err="1" smtClean="0">
+                <a:solidFill>
+                  <a:srgbClr val="FF0000"/>
+                </a:solidFill>
+              </a:rPr>
+              <a:t>mettent</a:t>
+            </a:r>
+            <a:r>
+              <a:rPr lang="en-US" dirty="0" smtClean="0">
+                <a:solidFill>
+                  <a:srgbClr val="FF0000"/>
+                </a:solidFill>
+              </a:rPr>
+              <a:t> </a:t>
+            </a:r>
+            <a:r>
+              <a:rPr lang="en-US" dirty="0" err="1" smtClean="0">
+                <a:solidFill>
+                  <a:srgbClr val="FF0000"/>
+                </a:solidFill>
+              </a:rPr>
+              <a:t>leur</a:t>
+            </a:r>
+            <a:r>
+              <a:rPr lang="en-US" dirty="0" smtClean="0">
+                <a:solidFill>
+                  <a:srgbClr val="FF0000"/>
+                </a:solidFill>
+              </a:rPr>
+              <a:t> mains </a:t>
+            </a:r>
+            <a:r>
+              <a:rPr lang="en-US" dirty="0" err="1" smtClean="0">
+                <a:solidFill>
+                  <a:srgbClr val="FF0000"/>
+                </a:solidFill>
+              </a:rPr>
+              <a:t>devant</a:t>
+            </a:r>
+            <a:r>
+              <a:rPr lang="en-US" dirty="0" smtClean="0">
+                <a:solidFill>
+                  <a:srgbClr val="FF0000"/>
+                </a:solidFill>
+              </a:rPr>
+              <a:t> </a:t>
+            </a:r>
+            <a:r>
+              <a:rPr lang="en-US" dirty="0" err="1" smtClean="0">
+                <a:solidFill>
+                  <a:srgbClr val="FF0000"/>
+                </a:solidFill>
+              </a:rPr>
+              <a:t>leur</a:t>
+            </a:r>
+            <a:r>
+              <a:rPr lang="en-US" dirty="0" smtClean="0">
+                <a:solidFill>
+                  <a:srgbClr val="FF0000"/>
+                </a:solidFill>
+              </a:rPr>
+              <a:t> corps]</a:t>
+            </a:r>
+            <a:endParaRPr lang="en-US" dirty="0" smtClean="0">
+              <a:solidFill>
+                <a:srgbClr val="FF0000"/>
+              </a:solidFill>
+            </a:endParaRPr>
           </a:p>
           <a:p>
             <a:endParaRPr lang="en-US" dirty="0" smtClean="0"/>
@@ -5667,8 +6663,33 @@
           <a:p>
             <a:r>
               <a:rPr lang="en-US" dirty="0" smtClean="0"/>
-              <a:t>The 4 biggest blobs are tracked by the software as potential cursors</a:t>
-            </a:r>
+              <a:t>The </a:t>
+            </a:r>
+            <a:r>
+              <a:rPr lang="en-US" dirty="0" smtClean="0"/>
+              <a:t>N biggest </a:t>
+            </a:r>
+            <a:r>
+              <a:rPr lang="en-US" dirty="0" smtClean="0"/>
+              <a:t>blobs are tracked by the software as potential </a:t>
+            </a:r>
+            <a:r>
+              <a:rPr lang="en-US" dirty="0" smtClean="0"/>
+              <a:t>hands candidates </a:t>
+            </a:r>
+            <a:r>
+              <a:rPr lang="en-US" dirty="0" smtClean="0">
+                <a:solidFill>
+                  <a:srgbClr val="FF0000"/>
+                </a:solidFill>
+              </a:rPr>
+              <a:t>[because …]</a:t>
+            </a:r>
+            <a:endParaRPr lang="en-US" dirty="0" smtClean="0">
+              <a:solidFill>
+                <a:srgbClr val="FF0000"/>
+              </a:solidFill>
+            </a:endParaRPr>
           </a:p>
           <a:p>
             <a:endParaRPr lang="en-US" dirty="0" smtClean="0"/>
@@ -5710,6 +6731,13 @@
   <p:clrMapOvr>
     <a:masterClrMapping/>
   </p:clrMapOvr>
+  <p:timing>
+    <p:tnLst>
+      <p:par>
+        <p:cTn id="1" dur="indefinite" restart="never" nodeType="tmRoot"/>
+      </p:par>
+    </p:tnLst>
+  </p:timing>
 </p:sld>
 </file>
 
@@ -5742,14 +6770,27 @@
         </p:nvSpPr>
         <p:spPr/>
         <p:txBody>
-          <a:bodyPr/>
-          <a:lstStyle/>
-          <a:p>
-            <a:r>
-              <a:rPr lang="en-US" smtClean="0"/>
+          <a:bodyPr>
+            <a:normAutofit fontScale="90000"/>
+          </a:bodyPr>
+          <a:lstStyle/>
+          <a:p>
+            <a:r>
+              <a:rPr lang="en-US" dirty="0" smtClean="0"/>
               <a:t>Technical</a:t>
             </a:r>
-            <a:endParaRPr lang="en-US"/>
+            <a:br>
+              <a:rPr lang="en-US" dirty="0" smtClean="0"/>
+            </a:br>
+            <a:r>
+              <a:rPr lang="en-US" dirty="0" smtClean="0"/>
+              <a:t>	</a:t>
+            </a:r>
+            <a:r>
+              <a:rPr lang="en-US" dirty="0" smtClean="0"/>
+              <a:t>Running in real time</a:t>
+            </a:r>
+            <a:endParaRPr lang="en-US" dirty="0"/>
           </a:p>
         </p:txBody>
       </p:sp>
@@ -5766,10 +6807,13 @@
         <p:spPr/>
         <p:txBody>
           <a:bodyPr>
-            <a:normAutofit fontScale="92500" lnSpcReduction="10000"/>
+            <a:normAutofit lnSpcReduction="10000"/>
           </a:bodyPr>
           <a:lstStyle/>
           <a:p>
+            <a:pPr>
+              <a:buNone/>
+            </a:pPr>
             <a:r>
               <a:rPr lang="en-US" dirty="0" smtClean="0"/>
               <a:t>Everything must run at 30 fps to match </a:t>
@@ -5787,15 +6831,22 @@
             <a:endParaRPr lang="en-US" dirty="0" smtClean="0"/>
           </a:p>
           <a:p>
+            <a:pPr lvl="1"/>
             <a:r>
               <a:rPr lang="en-US" dirty="0" smtClean="0"/>
-              <a:t>Using the horsepower of the graphic card when possible (only simple tasks done on the CPU)</a:t>
-            </a:r>
-          </a:p>
-          <a:p>
+              <a:t>Using </a:t>
+            </a:r>
+            <a:r>
+              <a:rPr lang="en-US" dirty="0" smtClean="0"/>
+              <a:t>the horsepower of the graphic card when possible (only simple tasks done on the CPU)</a:t>
+            </a:r>
+          </a:p>
+          <a:p>
+            <a:pPr lvl="1"/>
             <a:endParaRPr lang="en-US" dirty="0" smtClean="0"/>
           </a:p>
           <a:p>
+            <a:pPr lvl="1"/>
             <a:r>
               <a:rPr lang="en-US" dirty="0" smtClean="0"/>
               <a:t>The 3D scene is again rendered and composed on the graphic card</a:t>
@@ -5833,6 +6884,13 @@
   <p:clrMapOvr>
     <a:masterClrMapping/>
   </p:clrMapOvr>
+  <p:timing>
+    <p:tnLst>
+      <p:par>
+        <p:cTn id="1" dur="indefinite" restart="never" nodeType="tmRoot"/>
+      </p:par>
+    </p:tnLst>
+  </p:timing>
 </p:sld>
 </file>
 

--- a/Pr�sentation/Pr�sentation_NUI.pptx
+++ b/Pr�sentation/Pr�sentation_NUI.pptx
@@ -4728,11 +4728,7 @@
             </a:br>
             <a:r>
               <a:rPr lang="en-US" dirty="0" smtClean="0"/>
-              <a:t>	</a:t>
-            </a:r>
-            <a:r>
-              <a:rPr lang="en-US" dirty="0" smtClean="0"/>
-              <a:t>Implemented algorithm</a:t>
+              <a:t>	Implemented algorithm</a:t>
             </a:r>
             <a:endParaRPr lang="en-US" dirty="0"/>
           </a:p>
@@ -4827,15 +4823,7 @@
           <a:p>
             <a:r>
               <a:rPr lang="en-US" dirty="0" smtClean="0"/>
-              <a:t>Tracking of the </a:t>
-            </a:r>
-            <a:r>
-              <a:rPr lang="en-US" dirty="0" smtClean="0"/>
-              <a:t>N </a:t>
-            </a:r>
-            <a:r>
-              <a:rPr lang="en-US" dirty="0" smtClean="0"/>
-              <a:t>main Blobs </a:t>
+              <a:t>Tracking of the N main Blobs </a:t>
             </a:r>
             <a:r>
               <a:rPr lang="en-US" dirty="0" smtClean="0">
@@ -5081,15 +5069,7 @@
                   <a:srgbClr val="FF0000"/>
                 </a:solidFill>
               </a:rPr>
-              <a:t>Total </a:t>
-            </a:r>
-            <a:r>
-              <a:rPr lang="fr-FR" sz="2400" dirty="0" smtClean="0">
-                <a:solidFill>
-                  <a:srgbClr val="FF0000"/>
-                </a:solidFill>
-              </a:rPr>
-              <a:t>Time of the </a:t>
+              <a:t>Total Time of the </a:t>
             </a:r>
             <a:r>
               <a:rPr lang="fr-FR" sz="2400" dirty="0" err="1" smtClean="0">
@@ -5105,23 +5085,7 @@
                   <a:srgbClr val="FF0000"/>
                 </a:solidFill>
               </a:rPr>
-              <a:t> </a:t>
-            </a:r>
-            <a:r>
-              <a:rPr lang="fr-FR" sz="2400" dirty="0" smtClean="0">
-                <a:solidFill>
-                  <a:srgbClr val="FF0000"/>
-                </a:solidFill>
-              </a:rPr>
-              <a:t>: 10 – 18 </a:t>
-            </a:r>
-            <a:r>
-              <a:rPr lang="fr-FR" sz="2400" dirty="0" smtClean="0">
-                <a:solidFill>
-                  <a:srgbClr val="FF0000"/>
-                </a:solidFill>
-              </a:rPr>
-              <a:t>ms</a:t>
+              <a:t> : 10 – 18 ms</a:t>
             </a:r>
             <a:br>
               <a:rPr lang="fr-FR" sz="2400" dirty="0" smtClean="0">
@@ -5168,15 +5132,7 @@
                   <a:srgbClr val="FF0000"/>
                 </a:solidFill>
               </a:rPr>
-              <a:t>Dire aussi ce qui se passe si on utilise que 2 blobs et pas 4, ou 6, etc. Genre un graph reco</a:t>
-            </a:r>
-            <a:r>
-              <a:rPr lang="fr-FR" sz="2400" dirty="0" smtClean="0">
-                <a:solidFill>
-                  <a:srgbClr val="FF0000"/>
-                </a:solidFill>
-              </a:rPr>
-              <a:t>gnition rate en fonction du nb de blobs</a:t>
+              <a:t>Dire aussi ce qui se passe si on utilise que 2 blobs et pas 4, ou 6, etc. Genre un graph recognition rate en fonction du nb de blobs</a:t>
             </a:r>
             <a:endParaRPr lang="fr-FR" sz="2400" dirty="0">
               <a:solidFill>
@@ -5810,7 +5766,7 @@
         <p:spPr>
           <a:xfrm>
             <a:off x="457200" y="1600200"/>
-            <a:ext cx="4186808" cy="4525963"/>
+            <a:ext cx="4330824" cy="4525963"/>
           </a:xfrm>
         </p:spPr>
         <p:txBody>
@@ -5854,7 +5810,7 @@
         </p:blipFill>
         <p:spPr>
           <a:xfrm>
-            <a:off x="4724400" y="2089245"/>
+            <a:off x="5148064" y="1916832"/>
             <a:ext cx="2743200" cy="3547872"/>
           </a:xfrm>
         </p:spPr>
@@ -5976,7 +5932,7 @@
             <a:pPr marL="852678" lvl="1" indent="-514350"/>
             <a:r>
               <a:rPr lang="en-US" dirty="0" smtClean="0"/>
-              <a:t>Web browser</a:t>
+              <a:t>Web browser using hands as Mouse cursor</a:t>
             </a:r>
           </a:p>
           <a:p>
@@ -6012,6 +5968,32 @@
           </a:p>
         </p:txBody>
       </p:sp>
+      <p:pic>
+        <p:nvPicPr>
+          <p:cNvPr id="1026" name="Picture 2" descr="C:\Users\Kevin\Documents\Projet Japon\kinect-1.jpg"/>
+          <p:cNvPicPr>
+            <a:picLocks noChangeAspect="1" noChangeArrowheads="1"/>
+          </p:cNvPicPr>
+          <p:nvPr/>
+        </p:nvPicPr>
+        <p:blipFill>
+          <a:blip r:embed="rId2" cstate="print"/>
+          <a:srcRect/>
+          <a:stretch>
+            <a:fillRect/>
+          </a:stretch>
+        </p:blipFill>
+        <p:spPr bwMode="auto">
+          <a:xfrm>
+            <a:off x="1475656" y="4293096"/>
+            <a:ext cx="5715000" cy="2133600"/>
+          </a:xfrm>
+          <a:prstGeom prst="rect">
+            <a:avLst/>
+          </a:prstGeom>
+          <a:noFill/>
+        </p:spPr>
+      </p:pic>
     </p:spTree>
   </p:cSld>
   <p:clrMapOvr>
@@ -6086,35 +6068,17 @@
           <a:p>
             <a:r>
               <a:rPr lang="en-US" dirty="0" smtClean="0"/>
-              <a:t>Must be responsive : running in Real </a:t>
-            </a:r>
+              <a:t>Must be responsive : running in Real Time (30 fps)</a:t>
+            </a:r>
+          </a:p>
+          <a:p>
+            <a:endParaRPr lang="en-US" dirty="0" smtClean="0"/>
+          </a:p>
+          <a:p>
             <a:r>
               <a:rPr lang="en-US" dirty="0" smtClean="0"/>
-              <a:t>Time (</a:t>
-            </a:r>
-            <a:r>
-              <a:rPr lang="en-US" dirty="0" smtClean="0"/>
-              <a:t>30 </a:t>
-            </a:r>
-            <a:r>
-              <a:rPr lang="en-US" dirty="0" smtClean="0"/>
-              <a:t>fps)</a:t>
-            </a:r>
-            <a:endParaRPr lang="en-US" dirty="0" smtClean="0"/>
-          </a:p>
-          <a:p>
-            <a:endParaRPr lang="en-US" dirty="0" smtClean="0"/>
-          </a:p>
-          <a:p>
-            <a:r>
-              <a:rPr lang="en-US" dirty="0" smtClean="0"/>
-              <a:t>Able to be bound with </a:t>
-            </a:r>
-            <a:r>
-              <a:rPr lang="en-US" dirty="0" smtClean="0"/>
-              <a:t>3D window system</a:t>
-            </a:r>
-            <a:endParaRPr lang="en-US" dirty="0" smtClean="0"/>
+              <a:t>Able to be bound with 3D window system</a:t>
+            </a:r>
           </a:p>
         </p:txBody>
       </p:sp>
@@ -6240,8 +6204,8 @@
         </p:blipFill>
         <p:spPr bwMode="auto">
           <a:xfrm>
-            <a:off x="467544" y="2924944"/>
-            <a:ext cx="7467600" cy="3039229"/>
+            <a:off x="1403648" y="3861048"/>
+            <a:ext cx="6402530" cy="2605757"/>
           </a:xfrm>
           <a:prstGeom prst="rect">
             <a:avLst/>
@@ -6439,24 +6403,7 @@
                 <a:ea typeface="+mn-ea"/>
                 <a:cs typeface="+mn-cs"/>
               </a:rPr>
-              <a:t>Recognition</a:t>
-            </a:r>
-            <a:r>
-              <a:rPr kumimoji="0" lang="en-US" sz="3000" b="0" i="0" u="none" strike="noStrike" kern="1200" cap="none" spc="0" normalizeH="0" baseline="0" noProof="0" dirty="0" smtClean="0">
-                <a:ln>
-                  <a:noFill/>
-                </a:ln>
-                <a:solidFill>
-                  <a:schemeClr val="tx1"/>
-                </a:solidFill>
-                <a:effectLst/>
-                <a:uLnTx/>
-                <a:uFillTx/>
-                <a:latin typeface="+mn-lt"/>
-                <a:ea typeface="+mn-ea"/>
-                <a:cs typeface="+mn-cs"/>
-              </a:rPr>
-              <a:t>…</a:t>
+              <a:t>Recognition…</a:t>
             </a:r>
           </a:p>
         </p:txBody>
@@ -6519,11 +6466,7 @@
             </a:br>
             <a:r>
               <a:rPr lang="en-US" dirty="0" smtClean="0"/>
-              <a:t>	</a:t>
-            </a:r>
-            <a:r>
-              <a:rPr lang="en-US" dirty="0" smtClean="0"/>
-              <a:t>Recognizing hand</a:t>
+              <a:t>	Recognizing hand</a:t>
             </a:r>
             <a:endParaRPr lang="en-US" dirty="0"/>
           </a:p>
@@ -6557,11 +6500,7 @@
           <a:p>
             <a:r>
               <a:rPr lang="en-US" dirty="0" smtClean="0"/>
-              <a:t>Pixels are filtered based on their distance from the sensor and grouped by </a:t>
-            </a:r>
-            <a:r>
-              <a:rPr lang="en-US" dirty="0" smtClean="0"/>
-              <a:t>blobs </a:t>
+              <a:t>Pixels are filtered based on their distance from the sensor and grouped by blobs </a:t>
             </a:r>
             <a:r>
               <a:rPr lang="en-US" dirty="0" smtClean="0">
@@ -6651,11 +6590,6 @@
               </a:rPr>
               <a:t> corps]</a:t>
             </a:r>
-            <a:endParaRPr lang="en-US" dirty="0" smtClean="0">
-              <a:solidFill>
-                <a:srgbClr val="FF0000"/>
-              </a:solidFill>
-            </a:endParaRPr>
           </a:p>
           <a:p>
             <a:endParaRPr lang="en-US" dirty="0" smtClean="0"/>
@@ -6663,19 +6597,7 @@
           <a:p>
             <a:r>
               <a:rPr lang="en-US" dirty="0" smtClean="0"/>
-              <a:t>The </a:t>
-            </a:r>
-            <a:r>
-              <a:rPr lang="en-US" dirty="0" smtClean="0"/>
-              <a:t>N biggest </a:t>
-            </a:r>
-            <a:r>
-              <a:rPr lang="en-US" dirty="0" smtClean="0"/>
-              <a:t>blobs are tracked by the software as potential </a:t>
-            </a:r>
-            <a:r>
-              <a:rPr lang="en-US" dirty="0" smtClean="0"/>
-              <a:t>hands candidates </a:t>
+              <a:t>The N biggest blobs are tracked by the software as potential hands candidates </a:t>
             </a:r>
             <a:r>
               <a:rPr lang="en-US" dirty="0" smtClean="0">
@@ -6685,11 +6607,6 @@
               </a:rPr>
               <a:t>[because …]</a:t>
             </a:r>
-            <a:endParaRPr lang="en-US" dirty="0" smtClean="0">
-              <a:solidFill>
-                <a:srgbClr val="FF0000"/>
-              </a:solidFill>
-            </a:endParaRPr>
           </a:p>
           <a:p>
             <a:endParaRPr lang="en-US" dirty="0" smtClean="0"/>
@@ -6784,11 +6701,7 @@
             </a:br>
             <a:r>
               <a:rPr lang="en-US" dirty="0" smtClean="0"/>
-              <a:t>	</a:t>
-            </a:r>
-            <a:r>
-              <a:rPr lang="en-US" dirty="0" smtClean="0"/>
-              <a:t>Running in real time</a:t>
+              <a:t>	Running in real time</a:t>
             </a:r>
             <a:endParaRPr lang="en-US" dirty="0"/>
           </a:p>
@@ -6834,11 +6747,7 @@
             <a:pPr lvl="1"/>
             <a:r>
               <a:rPr lang="en-US" dirty="0" smtClean="0"/>
-              <a:t>Using </a:t>
-            </a:r>
-            <a:r>
-              <a:rPr lang="en-US" dirty="0" smtClean="0"/>
-              <a:t>the horsepower of the graphic card when possible (only simple tasks done on the CPU)</a:t>
+              <a:t>Using the horsepower of the graphic card when possible (only simple tasks done on the CPU)</a:t>
             </a:r>
           </a:p>
           <a:p>

--- a/Pr�sentation/Pr�sentation_NUI.pptx
+++ b/Pr�sentation/Pr�sentation_NUI.pptx
@@ -206,7 +206,7 @@
             <a:fld id="{2203E90B-0CDC-4675-8BC8-ABC960C3C4BD}" type="datetimeFigureOut">
               <a:rPr lang="fr-FR" smtClean="0"/>
               <a:pPr/>
-              <a:t>15/12/2011</a:t>
+              <a:t>16/12/2011</a:t>
             </a:fld>
             <a:endParaRPr lang="fr-FR"/>
           </a:p>
@@ -1400,7 +1400,7 @@
             <a:fld id="{7FE745BF-AED8-4079-86B5-94776AA709CD}" type="datetime1">
               <a:rPr lang="fr-FR" smtClean="0"/>
               <a:pPr/>
-              <a:t>15/12/2011</a:t>
+              <a:t>16/12/2011</a:t>
             </a:fld>
             <a:endParaRPr lang="fr-FR" dirty="0"/>
           </a:p>
@@ -1567,7 +1567,7 @@
             <a:fld id="{8BADFC06-5AC4-476A-8FD2-54DE0E426D90}" type="datetime1">
               <a:rPr lang="fr-FR" smtClean="0"/>
               <a:pPr/>
-              <a:t>15/12/2011</a:t>
+              <a:t>16/12/2011</a:t>
             </a:fld>
             <a:endParaRPr lang="fr-FR" dirty="0"/>
           </a:p>
@@ -1744,7 +1744,7 @@
             <a:fld id="{271E89F4-7B08-401C-94CC-1E6E90A77743}" type="datetime1">
               <a:rPr lang="fr-FR" smtClean="0"/>
               <a:pPr/>
-              <a:t>15/12/2011</a:t>
+              <a:t>16/12/2011</a:t>
             </a:fld>
             <a:endParaRPr lang="fr-FR" dirty="0"/>
           </a:p>
@@ -1915,7 +1915,7 @@
             <a:fld id="{B8D51CD3-FD0B-4398-96D6-10844A344A7A}" type="datetime1">
               <a:rPr lang="fr-FR" smtClean="0"/>
               <a:pPr/>
-              <a:t>15/12/2011</a:t>
+              <a:t>16/12/2011</a:t>
             </a:fld>
             <a:endParaRPr lang="fr-FR" dirty="0"/>
           </a:p>
@@ -2372,7 +2372,7 @@
             <a:fld id="{5272A46D-708F-4429-9728-C0AAA1D8ED70}" type="datetime1">
               <a:rPr lang="fr-FR" smtClean="0"/>
               <a:pPr/>
-              <a:t>15/12/2011</a:t>
+              <a:t>16/12/2011</a:t>
             </a:fld>
             <a:endParaRPr lang="fr-FR" dirty="0"/>
           </a:p>
@@ -2638,7 +2638,7 @@
             <a:fld id="{85176319-0B46-44DD-88B8-E7F3AAD4F2DF}" type="datetime1">
               <a:rPr lang="fr-FR" smtClean="0"/>
               <a:pPr/>
-              <a:t>15/12/2011</a:t>
+              <a:t>16/12/2011</a:t>
             </a:fld>
             <a:endParaRPr lang="fr-FR" dirty="0"/>
           </a:p>
@@ -3014,7 +3014,7 @@
             <a:fld id="{2587345E-05A6-495C-A1A1-170A1A91A394}" type="datetime1">
               <a:rPr lang="fr-FR" smtClean="0"/>
               <a:pPr/>
-              <a:t>15/12/2011</a:t>
+              <a:t>16/12/2011</a:t>
             </a:fld>
             <a:endParaRPr lang="fr-FR" dirty="0"/>
           </a:p>
@@ -3138,7 +3138,7 @@
             <a:fld id="{172809C5-74F0-4FD7-9204-0F8A8FB1929B}" type="datetime1">
               <a:rPr lang="fr-FR" smtClean="0"/>
               <a:pPr/>
-              <a:t>15/12/2011</a:t>
+              <a:t>16/12/2011</a:t>
             </a:fld>
             <a:endParaRPr lang="fr-FR" dirty="0"/>
           </a:p>
@@ -3230,7 +3230,7 @@
             <a:fld id="{7786A093-8429-44F1-808A-11360C2CAA55}" type="datetime1">
               <a:rPr lang="fr-FR" smtClean="0"/>
               <a:pPr/>
-              <a:t>15/12/2011</a:t>
+              <a:t>16/12/2011</a:t>
             </a:fld>
             <a:endParaRPr lang="fr-FR" dirty="0"/>
           </a:p>
@@ -3481,7 +3481,7 @@
             <a:fld id="{FE18F5A1-6F3E-41A1-AC38-A5948C92E970}" type="datetime1">
               <a:rPr lang="fr-FR" smtClean="0"/>
               <a:pPr/>
-              <a:t>15/12/2011</a:t>
+              <a:t>16/12/2011</a:t>
             </a:fld>
             <a:endParaRPr lang="fr-FR" dirty="0"/>
           </a:p>
@@ -3742,7 +3742,7 @@
             <a:fld id="{42D0C6D8-1219-406E-8CD6-FA778B9D3E63}" type="datetime1">
               <a:rPr lang="fr-FR" smtClean="0"/>
               <a:pPr/>
-              <a:t>15/12/2011</a:t>
+              <a:t>16/12/2011</a:t>
             </a:fld>
             <a:endParaRPr lang="fr-FR" dirty="0"/>
           </a:p>
@@ -4148,7 +4148,7 @@
             <a:fld id="{CC7C295D-0E21-434D-B466-C466C8EF3B27}" type="datetime1">
               <a:rPr lang="fr-FR" smtClean="0"/>
               <a:pPr/>
-              <a:t>15/12/2011</a:t>
+              <a:t>16/12/2011</a:t>
             </a:fld>
             <a:endParaRPr lang="fr-FR" dirty="0"/>
           </a:p>
@@ -6068,8 +6068,13 @@
           <a:p>
             <a:r>
               <a:rPr lang="en-US" dirty="0" smtClean="0"/>
-              <a:t>Must be responsive : running in Real Time (30 fps)</a:t>
-            </a:r>
+              <a:t>Must be responsive : running in Real Time (30 </a:t>
+            </a:r>
+            <a:r>
+              <a:rPr lang="en-US" dirty="0" smtClean="0"/>
+              <a:t>frames per sec)</a:t>
+            </a:r>
+            <a:endParaRPr lang="en-US" dirty="0" smtClean="0"/>
           </a:p>
           <a:p>
             <a:endParaRPr lang="en-US" dirty="0" smtClean="0"/>
@@ -6204,7 +6209,7 @@
         </p:blipFill>
         <p:spPr bwMode="auto">
           <a:xfrm>
-            <a:off x="1403648" y="3861048"/>
+            <a:off x="1403648" y="3933056"/>
             <a:ext cx="6402530" cy="2605757"/>
           </a:xfrm>
           <a:prstGeom prst="rect">

--- a/Pr�sentation/Pr�sentation_NUI.pptx
+++ b/Pr�sentation/Pr�sentation_NUI.pptx
@@ -6068,16 +6068,8 @@
           <a:p>
             <a:r>
               <a:rPr lang="en-US" dirty="0" smtClean="0"/>
-              <a:t>Must be responsive : running in Real Time (30 </a:t>
-            </a:r>
-            <a:r>
-              <a:rPr lang="en-US" dirty="0" smtClean="0"/>
-              <a:t>frames per sec)</a:t>
-            </a:r>
-            <a:endParaRPr lang="en-US" dirty="0" smtClean="0"/>
-          </a:p>
-          <a:p>
-            <a:endParaRPr lang="en-US" dirty="0" smtClean="0"/>
+              <a:t>Must be responsive : running in Real Time (30 frames per sec)</a:t>
+            </a:r>
           </a:p>
           <a:p>
             <a:r>
@@ -6111,6 +6103,58 @@
           </a:p>
         </p:txBody>
       </p:sp>
+      <p:pic>
+        <p:nvPicPr>
+          <p:cNvPr id="1027" name="Picture 3" descr="C:\Users\Kevin\Documents\Projet Japon\2D window.png"/>
+          <p:cNvPicPr>
+            <a:picLocks noChangeAspect="1" noChangeArrowheads="1"/>
+          </p:cNvPicPr>
+          <p:nvPr/>
+        </p:nvPicPr>
+        <p:blipFill>
+          <a:blip r:embed="rId3" cstate="print"/>
+          <a:srcRect/>
+          <a:stretch>
+            <a:fillRect/>
+          </a:stretch>
+        </p:blipFill>
+        <p:spPr bwMode="auto">
+          <a:xfrm>
+            <a:off x="395536" y="3861048"/>
+            <a:ext cx="4141031" cy="2313534"/>
+          </a:xfrm>
+          <a:prstGeom prst="rect">
+            <a:avLst/>
+          </a:prstGeom>
+          <a:noFill/>
+        </p:spPr>
+      </p:pic>
+      <p:pic>
+        <p:nvPicPr>
+          <p:cNvPr id="1028" name="Picture 4" descr="C:\Users\Kevin\Documents\Projet Japon\3D window.png"/>
+          <p:cNvPicPr>
+            <a:picLocks noChangeAspect="1" noChangeArrowheads="1"/>
+          </p:cNvPicPr>
+          <p:nvPr/>
+        </p:nvPicPr>
+        <p:blipFill>
+          <a:blip r:embed="rId4" cstate="print"/>
+          <a:srcRect/>
+          <a:stretch>
+            <a:fillRect/>
+          </a:stretch>
+        </p:blipFill>
+        <p:spPr bwMode="auto">
+          <a:xfrm>
+            <a:off x="5004048" y="3717032"/>
+            <a:ext cx="3405068" cy="2591594"/>
+          </a:xfrm>
+          <a:prstGeom prst="rect">
+            <a:avLst/>
+          </a:prstGeom>
+          <a:noFill/>
+        </p:spPr>
+      </p:pic>
     </p:spTree>
   </p:cSld>
   <p:clrMapOvr>
@@ -6315,7 +6359,24 @@
                 <a:ea typeface="+mn-ea"/>
                 <a:cs typeface="+mn-cs"/>
               </a:rPr>
-              <a:t> limitations:</a:t>
+              <a:t> </a:t>
+            </a:r>
+            <a:r>
+              <a:rPr kumimoji="0" lang="en-US" sz="3000" b="0" i="0" u="none" strike="noStrike" kern="1200" cap="none" spc="0" normalizeH="0" baseline="0" noProof="0" dirty="0" smtClean="0">
+                <a:ln>
+                  <a:noFill/>
+                </a:ln>
+                <a:solidFill>
+                  <a:schemeClr val="tx1"/>
+                </a:solidFill>
+                <a:effectLst/>
+                <a:uLnTx/>
+                <a:uFillTx/>
+                <a:latin typeface="+mn-lt"/>
+                <a:ea typeface="+mn-ea"/>
+                <a:cs typeface="+mn-cs"/>
+              </a:rPr>
+              <a:t>limitations:</a:t>
             </a:r>
           </a:p>
           <a:p>
@@ -6408,8 +6469,22 @@
                 <a:ea typeface="+mn-ea"/>
                 <a:cs typeface="+mn-cs"/>
               </a:rPr>
-              <a:t>Recognition…</a:t>
-            </a:r>
+              <a:t>Recognition</a:t>
+            </a:r>
+            <a:endParaRPr kumimoji="0" lang="en-US" sz="3000" b="0" i="0" u="none" strike="noStrike" kern="1200" cap="none" spc="0" normalizeH="0" baseline="0" noProof="0" dirty="0" smtClean="0">
+              <a:ln>
+                <a:noFill/>
+              </a:ln>
+              <a:solidFill>
+                <a:schemeClr val="tx1"/>
+              </a:solidFill>
+              <a:effectLst/>
+              <a:uLnTx/>
+              <a:uFillTx/>
+              <a:latin typeface="+mn-lt"/>
+              <a:ea typeface="+mn-ea"/>
+              <a:cs typeface="+mn-cs"/>
+            </a:endParaRPr>
           </a:p>
         </p:txBody>
       </p:sp>

--- a/Pr�sentation/Pr�sentation_NUI.pptx
+++ b/Pr�sentation/Pr�sentation_NUI.pptx
@@ -5469,9 +5469,10 @@
           </a:p>
           <a:p>
             <a:r>
-              <a:rPr lang="en-US" dirty="0" smtClean="0"/>
-              <a:t>Implemented solution</a:t>
-            </a:r>
+              <a:rPr lang="en-US" smtClean="0"/>
+              <a:t>Solution</a:t>
+            </a:r>
+            <a:endParaRPr lang="en-US" dirty="0" smtClean="0"/>
           </a:p>
           <a:p>
             <a:r>
@@ -6359,24 +6360,7 @@
                 <a:ea typeface="+mn-ea"/>
                 <a:cs typeface="+mn-cs"/>
               </a:rPr>
-              <a:t> </a:t>
-            </a:r>
-            <a:r>
-              <a:rPr kumimoji="0" lang="en-US" sz="3000" b="0" i="0" u="none" strike="noStrike" kern="1200" cap="none" spc="0" normalizeH="0" baseline="0" noProof="0" dirty="0" smtClean="0">
-                <a:ln>
-                  <a:noFill/>
-                </a:ln>
-                <a:solidFill>
-                  <a:schemeClr val="tx1"/>
-                </a:solidFill>
-                <a:effectLst/>
-                <a:uLnTx/>
-                <a:uFillTx/>
-                <a:latin typeface="+mn-lt"/>
-                <a:ea typeface="+mn-ea"/>
-                <a:cs typeface="+mn-cs"/>
-              </a:rPr>
-              <a:t>limitations:</a:t>
+              <a:t> limitations:</a:t>
             </a:r>
           </a:p>
           <a:p>
@@ -6471,20 +6455,6 @@
               </a:rPr>
               <a:t>Recognition</a:t>
             </a:r>
-            <a:endParaRPr kumimoji="0" lang="en-US" sz="3000" b="0" i="0" u="none" strike="noStrike" kern="1200" cap="none" spc="0" normalizeH="0" baseline="0" noProof="0" dirty="0" smtClean="0">
-              <a:ln>
-                <a:noFill/>
-              </a:ln>
-              <a:solidFill>
-                <a:schemeClr val="tx1"/>
-              </a:solidFill>
-              <a:effectLst/>
-              <a:uLnTx/>
-              <a:uFillTx/>
-              <a:latin typeface="+mn-lt"/>
-              <a:ea typeface="+mn-ea"/>
-              <a:cs typeface="+mn-cs"/>
-            </a:endParaRPr>
           </a:p>
         </p:txBody>
       </p:sp>

--- a/Pr�sentation/Pr�sentation_NUI.pptx
+++ b/Pr�sentation/Pr�sentation_NUI.pptx
@@ -5,7 +5,7 @@
     <p:sldMasterId id="2147483684" r:id="rId1"/>
   </p:sldMasterIdLst>
   <p:notesMasterIdLst>
-    <p:notesMasterId r:id="rId16"/>
+    <p:notesMasterId r:id="rId17"/>
   </p:notesMasterIdLst>
   <p:sldIdLst>
     <p:sldId id="256" r:id="rId2"/>
@@ -17,11 +17,12 @@
     <p:sldId id="269" r:id="rId8"/>
     <p:sldId id="263" r:id="rId9"/>
     <p:sldId id="264" r:id="rId10"/>
-    <p:sldId id="267" r:id="rId11"/>
-    <p:sldId id="266" r:id="rId12"/>
-    <p:sldId id="262" r:id="rId13"/>
-    <p:sldId id="265" r:id="rId14"/>
-    <p:sldId id="268" r:id="rId15"/>
+    <p:sldId id="270" r:id="rId11"/>
+    <p:sldId id="267" r:id="rId12"/>
+    <p:sldId id="266" r:id="rId13"/>
+    <p:sldId id="262" r:id="rId14"/>
+    <p:sldId id="265" r:id="rId15"/>
+    <p:sldId id="268" r:id="rId16"/>
   </p:sldIdLst>
   <p:sldSz cx="9144000" cy="6858000" type="screen4x3"/>
   <p:notesSz cx="6858000" cy="9144000"/>
@@ -123,6 +124,263 @@
 </p:presentation>
 </file>
 
+<file path=ppt/charts/chart1.xml><?xml version="1.0" encoding="utf-8"?>
+<c:chartSpace xmlns:c="http://schemas.openxmlformats.org/drawingml/2006/chart" xmlns:a="http://schemas.openxmlformats.org/drawingml/2006/main" xmlns:r="http://schemas.openxmlformats.org/officeDocument/2006/relationships">
+  <c:lang val="fr-FR"/>
+  <c:chart>
+    <c:plotArea>
+      <c:layout/>
+      <c:lineChart>
+        <c:grouping val="standard"/>
+        <c:ser>
+          <c:idx val="0"/>
+          <c:order val="0"/>
+          <c:tx>
+            <c:strRef>
+              <c:f>Feuil1!$B$1</c:f>
+              <c:strCache>
+                <c:ptCount val="1"/>
+                <c:pt idx="0">
+                  <c:v>CPU</c:v>
+                </c:pt>
+              </c:strCache>
+            </c:strRef>
+          </c:tx>
+          <c:cat>
+            <c:strRef>
+              <c:f>Feuil1!$A$2:$A$7</c:f>
+              <c:strCache>
+                <c:ptCount val="6"/>
+                <c:pt idx="0">
+                  <c:v>4096 x 1024</c:v>
+                </c:pt>
+                <c:pt idx="1">
+                  <c:v>2048 x 512</c:v>
+                </c:pt>
+                <c:pt idx="2">
+                  <c:v>1024 x 256</c:v>
+                </c:pt>
+                <c:pt idx="3">
+                  <c:v>512 x 128</c:v>
+                </c:pt>
+                <c:pt idx="4">
+                  <c:v>256 x 64</c:v>
+                </c:pt>
+                <c:pt idx="5">
+                  <c:v>128 x 32</c:v>
+                </c:pt>
+              </c:strCache>
+            </c:strRef>
+          </c:cat>
+          <c:val>
+            <c:numRef>
+              <c:f>Feuil1!$B$2:$B$7</c:f>
+              <c:numCache>
+                <c:formatCode>General</c:formatCode>
+                <c:ptCount val="6"/>
+                <c:pt idx="0">
+                  <c:v>4.201918</c:v>
+                </c:pt>
+                <c:pt idx="1">
+                  <c:v>1.0630710999999999</c:v>
+                </c:pt>
+                <c:pt idx="2">
+                  <c:v>0.2838696</c:v>
+                </c:pt>
+                <c:pt idx="3">
+                  <c:v>0.15299750000000001</c:v>
+                </c:pt>
+                <c:pt idx="4">
+                  <c:v>4.9842999999999998E-2</c:v>
+                </c:pt>
+                <c:pt idx="5">
+                  <c:v>3.8114299999999997E-2</c:v>
+                </c:pt>
+              </c:numCache>
+            </c:numRef>
+          </c:val>
+        </c:ser>
+        <c:ser>
+          <c:idx val="1"/>
+          <c:order val="1"/>
+          <c:tx>
+            <c:strRef>
+              <c:f>Feuil1!$C$1</c:f>
+              <c:strCache>
+                <c:ptCount val="1"/>
+                <c:pt idx="0">
+                  <c:v>GPU</c:v>
+                </c:pt>
+              </c:strCache>
+            </c:strRef>
+          </c:tx>
+          <c:cat>
+            <c:strRef>
+              <c:f>Feuil1!$A$2:$A$7</c:f>
+              <c:strCache>
+                <c:ptCount val="6"/>
+                <c:pt idx="0">
+                  <c:v>4096 x 1024</c:v>
+                </c:pt>
+                <c:pt idx="1">
+                  <c:v>2048 x 512</c:v>
+                </c:pt>
+                <c:pt idx="2">
+                  <c:v>1024 x 256</c:v>
+                </c:pt>
+                <c:pt idx="3">
+                  <c:v>512 x 128</c:v>
+                </c:pt>
+                <c:pt idx="4">
+                  <c:v>256 x 64</c:v>
+                </c:pt>
+                <c:pt idx="5">
+                  <c:v>128 x 32</c:v>
+                </c:pt>
+              </c:strCache>
+            </c:strRef>
+          </c:cat>
+          <c:val>
+            <c:numRef>
+              <c:f>Feuil1!$C$2:$C$7</c:f>
+              <c:numCache>
+                <c:formatCode>General</c:formatCode>
+                <c:ptCount val="6"/>
+                <c:pt idx="0">
+                  <c:v>3.4600000000000001E-5</c:v>
+                </c:pt>
+                <c:pt idx="1">
+                  <c:v>3.4E-5</c:v>
+                </c:pt>
+                <c:pt idx="2">
+                  <c:v>3.0700000000000001E-5</c:v>
+                </c:pt>
+                <c:pt idx="3">
+                  <c:v>5.77E-5</c:v>
+                </c:pt>
+                <c:pt idx="4">
+                  <c:v>3.3300000000000003E-5</c:v>
+                </c:pt>
+                <c:pt idx="5">
+                  <c:v>3.4600000000000001E-5</c:v>
+                </c:pt>
+              </c:numCache>
+            </c:numRef>
+          </c:val>
+        </c:ser>
+        <c:marker val="1"/>
+        <c:axId val="76238848"/>
+        <c:axId val="79530240"/>
+      </c:lineChart>
+      <c:catAx>
+        <c:axId val="76238848"/>
+        <c:scaling>
+          <c:orientation val="minMax"/>
+        </c:scaling>
+        <c:axPos val="b"/>
+        <c:tickLblPos val="nextTo"/>
+        <c:txPr>
+          <a:bodyPr rot="-2160000"/>
+          <a:lstStyle/>
+          <a:p>
+            <a:pPr>
+              <a:defRPr/>
+            </a:pPr>
+            <a:endParaRPr lang="fr-FR"/>
+          </a:p>
+        </c:txPr>
+        <c:crossAx val="79530240"/>
+        <c:crossesAt val="1.0000000000000003E-5"/>
+        <c:auto val="1"/>
+        <c:lblAlgn val="ctr"/>
+        <c:lblOffset val="100"/>
+      </c:catAx>
+      <c:valAx>
+        <c:axId val="79530240"/>
+        <c:scaling>
+          <c:logBase val="10"/>
+          <c:orientation val="minMax"/>
+        </c:scaling>
+        <c:axPos val="l"/>
+        <c:majorGridlines/>
+        <c:numFmt formatCode="General" sourceLinked="1"/>
+        <c:minorTickMark val="in"/>
+        <c:tickLblPos val="nextTo"/>
+        <c:crossAx val="76238848"/>
+        <c:crosses val="autoZero"/>
+        <c:crossBetween val="between"/>
+      </c:valAx>
+    </c:plotArea>
+    <c:legend>
+      <c:legendPos val="r"/>
+      <c:layout/>
+    </c:legend>
+    <c:plotVisOnly val="1"/>
+  </c:chart>
+  <c:txPr>
+    <a:bodyPr/>
+    <a:lstStyle/>
+    <a:p>
+      <a:pPr>
+        <a:defRPr sz="1800"/>
+      </a:pPr>
+      <a:endParaRPr lang="fr-FR"/>
+    </a:p>
+  </c:txPr>
+  <c:externalData r:id="rId1"/>
+  <c:userShapes r:id="rId2"/>
+</c:chartSpace>
+</file>
+
+<file path=ppt/drawings/drawing1.xml><?xml version="1.0" encoding="utf-8"?>
+<c:userShapes xmlns:c="http://schemas.openxmlformats.org/drawingml/2006/chart">
+  <cdr:relSizeAnchor xmlns:cdr="http://schemas.openxmlformats.org/drawingml/2006/chartDrawing">
+    <cdr:from>
+      <cdr:x>0.84994</cdr:x>
+      <cdr:y>0.83364</cdr:y>
+    </cdr:from>
+    <cdr:to>
+      <cdr:x>0.96566</cdr:x>
+      <cdr:y>0.89728</cdr:y>
+    </cdr:to>
+    <cdr:sp macro="" textlink="">
+      <cdr:nvSpPr>
+        <cdr:cNvPr id="2" name="ZoneTexte 1"/>
+        <cdr:cNvSpPr txBox="1"/>
+      </cdr:nvSpPr>
+      <cdr:spPr>
+        <a:xfrm xmlns:a="http://schemas.openxmlformats.org/drawingml/2006/main">
+          <a:off x="6347048" y="3773016"/>
+          <a:ext cx="864096" cy="288032"/>
+        </a:xfrm>
+        <a:prstGeom xmlns:a="http://schemas.openxmlformats.org/drawingml/2006/main" prst="rect">
+          <a:avLst/>
+        </a:prstGeom>
+      </cdr:spPr>
+      <cdr:txBody>
+        <a:bodyPr xmlns:a="http://schemas.openxmlformats.org/drawingml/2006/main" vertOverflow="clip" wrap="square" rtlCol="0"/>
+        <a:lstStyle xmlns:a="http://schemas.openxmlformats.org/drawingml/2006/main"/>
+        <a:p xmlns:a="http://schemas.openxmlformats.org/drawingml/2006/main">
+          <a:r>
+            <a:rPr lang="fr-FR" sz="2000" dirty="0" smtClean="0">
+              <a:solidFill>
+                <a:schemeClr val="tx1"/>
+              </a:solidFill>
+            </a:rPr>
+            <a:t>Pixels</a:t>
+          </a:r>
+          <a:endParaRPr lang="fr-FR" sz="2000" dirty="0">
+            <a:solidFill>
+              <a:schemeClr val="tx1"/>
+            </a:solidFill>
+          </a:endParaRPr>
+        </a:p>
+      </cdr:txBody>
+    </cdr:sp>
+  </cdr:relSizeAnchor>
+</c:userShapes>
+</file>
+
 <file path=ppt/notesMasters/notesMaster1.xml><?xml version="1.0" encoding="utf-8"?>
 <p:notesMaster xmlns:a="http://schemas.openxmlformats.org/drawingml/2006/main" xmlns:r="http://schemas.openxmlformats.org/officeDocument/2006/relationships" xmlns:p="http://schemas.openxmlformats.org/presentationml/2006/main">
   <p:cSld>
@@ -206,7 +464,7 @@
             <a:fld id="{2203E90B-0CDC-4675-8BC8-ABC960C3C4BD}" type="datetimeFigureOut">
               <a:rPr lang="fr-FR" smtClean="0"/>
               <a:pPr/>
-              <a:t>16/12/2011</a:t>
+              <a:t>20/12/2011</a:t>
             </a:fld>
             <a:endParaRPr lang="fr-FR"/>
           </a:p>
@@ -518,18 +776,6 @@
           </a:bodyPr>
           <a:lstStyle/>
           <a:p>
-            <a:r>
-              <a:rPr lang="fr-FR" dirty="0" smtClean="0"/>
-              <a:t>Rajouter une image pour comparer les </a:t>
-            </a:r>
-            <a:r>
-              <a:rPr lang="fr-FR" dirty="0" err="1" smtClean="0"/>
-              <a:t>ui</a:t>
-            </a:r>
-            <a:r>
-              <a:rPr lang="fr-FR" dirty="0" smtClean="0"/>
-              <a:t> 2D et 3D</a:t>
-            </a:r>
             <a:endParaRPr lang="fr-FR" dirty="0"/>
           </a:p>
         </p:txBody>
@@ -649,15 +895,11 @@
           <a:p>
             <a:r>
               <a:rPr lang="fr-FR" baseline="0" dirty="0" smtClean="0"/>
-              <a:t>Dire quels sont les 3 types de data </a:t>
-            </a:r>
-            <a:r>
-              <a:rPr lang="fr-FR" baseline="0" dirty="0" err="1" smtClean="0"/>
-              <a:t>fournits</a:t>
+              <a:t>On </a:t>
             </a:r>
             <a:r>
               <a:rPr lang="fr-FR" baseline="0" dirty="0" smtClean="0"/>
-              <a:t> par la Kinect avant de dire qu’on utilise que le </a:t>
+              <a:t>utilise que le </a:t>
             </a:r>
             <a:r>
               <a:rPr lang="fr-FR" baseline="0" dirty="0" err="1" smtClean="0"/>
@@ -673,7 +915,15 @@
             </a:r>
             <a:r>
               <a:rPr lang="fr-FR" baseline="0" dirty="0" smtClean="0"/>
-              <a:t> et que c’est parce que la </a:t>
+              <a:t> </a:t>
+            </a:r>
+            <a:r>
+              <a:rPr lang="fr-FR" baseline="0" dirty="0" smtClean="0"/>
+              <a:t>parce </a:t>
+            </a:r>
+            <a:r>
+              <a:rPr lang="fr-FR" baseline="0" dirty="0" smtClean="0"/>
+              <a:t>que la </a:t>
             </a:r>
             <a:r>
               <a:rPr lang="fr-FR" baseline="0" dirty="0" err="1" smtClean="0"/>
@@ -761,26 +1011,133 @@
         <p:spPr/>
         <p:txBody>
           <a:bodyPr>
-            <a:normAutofit/>
+            <a:normAutofit lnSpcReduction="10000"/>
           </a:bodyPr>
           <a:lstStyle/>
           <a:p>
             <a:r>
               <a:rPr lang="fr-FR" dirty="0" smtClean="0"/>
-              <a:t>Dire que les 5 premières étapes sont les plus importantes du</a:t>
-            </a:r>
-            <a:r>
-              <a:rPr lang="fr-FR" baseline="0" dirty="0" smtClean="0"/>
-              <a:t> point de vue real time, et dire ensuite que je vais l’expliquer en détail dans le </a:t>
-            </a:r>
-            <a:r>
-              <a:rPr lang="fr-FR" baseline="0" dirty="0" err="1" smtClean="0"/>
-              <a:t>slide</a:t>
-            </a:r>
-            <a:r>
-              <a:rPr lang="fr-FR" baseline="0" dirty="0" smtClean="0"/>
-              <a:t> suivant</a:t>
-            </a:r>
+              <a:t>4096 x 1202</a:t>
+            </a:r>
+          </a:p>
+          <a:p>
+            <a:r>
+              <a:rPr lang="fr-FR" dirty="0" smtClean="0"/>
+              <a:t>CPU : 4.2019180</a:t>
+            </a:r>
+          </a:p>
+          <a:p>
+            <a:r>
+              <a:rPr lang="fr-FR" dirty="0" smtClean="0"/>
+              <a:t>GPU : 0.0000346</a:t>
+            </a:r>
+          </a:p>
+          <a:p>
+            <a:endParaRPr lang="fr-FR" dirty="0" smtClean="0"/>
+          </a:p>
+          <a:p>
+            <a:r>
+              <a:rPr lang="fr-FR" dirty="0" smtClean="0"/>
+              <a:t>2048 x 600</a:t>
+            </a:r>
+          </a:p>
+          <a:p>
+            <a:r>
+              <a:rPr lang="fr-FR" dirty="0" smtClean="0"/>
+              <a:t>CPU : 1.0630711</a:t>
+            </a:r>
+          </a:p>
+          <a:p>
+            <a:r>
+              <a:rPr lang="fr-FR" dirty="0" smtClean="0"/>
+              <a:t>GPU : 0.0000340</a:t>
+            </a:r>
+          </a:p>
+          <a:p>
+            <a:endParaRPr lang="fr-FR" dirty="0" smtClean="0"/>
+          </a:p>
+          <a:p>
+            <a:r>
+              <a:rPr lang="fr-FR" dirty="0" smtClean="0"/>
+              <a:t>1024 x 300</a:t>
+            </a:r>
+          </a:p>
+          <a:p>
+            <a:r>
+              <a:rPr lang="fr-FR" dirty="0" smtClean="0"/>
+              <a:t>CPU : 0.2838696</a:t>
+            </a:r>
+          </a:p>
+          <a:p>
+            <a:r>
+              <a:rPr lang="fr-FR" dirty="0" smtClean="0"/>
+              <a:t>GPU : 0.0000307</a:t>
+            </a:r>
+          </a:p>
+          <a:p>
+            <a:endParaRPr lang="fr-FR" dirty="0" smtClean="0"/>
+          </a:p>
+          <a:p>
+            <a:r>
+              <a:rPr lang="fr-FR" dirty="0" smtClean="0"/>
+              <a:t>512 x 150</a:t>
+            </a:r>
+          </a:p>
+          <a:p>
+            <a:r>
+              <a:rPr lang="fr-FR" dirty="0" smtClean="0"/>
+              <a:t>CPU : 0.1529975</a:t>
+            </a:r>
+          </a:p>
+          <a:p>
+            <a:r>
+              <a:rPr lang="fr-FR" dirty="0" smtClean="0"/>
+              <a:t>GPU : 0.0000577</a:t>
+            </a:r>
+          </a:p>
+          <a:p>
+            <a:endParaRPr lang="fr-FR" dirty="0" smtClean="0"/>
+          </a:p>
+          <a:p>
+            <a:r>
+              <a:rPr lang="fr-FR" dirty="0" smtClean="0"/>
+              <a:t>256 x 74</a:t>
+            </a:r>
+          </a:p>
+          <a:p>
+            <a:r>
+              <a:rPr lang="fr-FR" dirty="0" smtClean="0"/>
+              <a:t>CPU : 0.0498430</a:t>
+            </a:r>
+          </a:p>
+          <a:p>
+            <a:r>
+              <a:rPr lang="fr-FR" dirty="0" smtClean="0"/>
+              <a:t>GPU : 0.0000333</a:t>
+            </a:r>
+          </a:p>
+          <a:p>
+            <a:endParaRPr lang="fr-FR" dirty="0" smtClean="0"/>
+          </a:p>
+          <a:p>
+            <a:r>
+              <a:rPr lang="fr-FR" dirty="0" smtClean="0"/>
+              <a:t>128 x 36</a:t>
+            </a:r>
+          </a:p>
+          <a:p>
+            <a:r>
+              <a:rPr lang="fr-FR" dirty="0" smtClean="0"/>
+              <a:t>CPU : 0.0381143</a:t>
+            </a:r>
+          </a:p>
+          <a:p>
+            <a:r>
+              <a:rPr lang="fr-FR" smtClean="0"/>
+              <a:t>GPU : 0.0000346</a:t>
+            </a:r>
+          </a:p>
+          <a:p>
             <a:endParaRPr lang="fr-FR" dirty="0"/>
           </a:p>
         </p:txBody>
@@ -865,17 +1222,19 @@
           <a:p>
             <a:r>
               <a:rPr lang="fr-FR" dirty="0" smtClean="0"/>
-              <a:t>Mettre des légendes</a:t>
-            </a:r>
-          </a:p>
-          <a:p>
-            <a:r>
-              <a:rPr lang="fr-FR" dirty="0" smtClean="0"/>
-              <a:t>Expliquer</a:t>
+              <a:t>Dire que les 5 premières étapes sont les plus importantes du</a:t>
             </a:r>
             <a:r>
               <a:rPr lang="fr-FR" baseline="0" dirty="0" smtClean="0"/>
-              <a:t> que la main est obtenue à partir de la distance et de l’orientation des blobs</a:t>
+              <a:t> point de vue real time, et dire ensuite que je vais l’expliquer en détail dans le </a:t>
+            </a:r>
+            <a:r>
+              <a:rPr lang="fr-FR" baseline="0" dirty="0" err="1" smtClean="0"/>
+              <a:t>slide</a:t>
+            </a:r>
+            <a:r>
+              <a:rPr lang="fr-FR" baseline="0" dirty="0" smtClean="0"/>
+              <a:t> suivant</a:t>
             </a:r>
             <a:endParaRPr lang="fr-FR" dirty="0"/>
           </a:p>
@@ -961,6 +1320,184 @@
           <a:p>
             <a:r>
               <a:rPr lang="fr-FR" dirty="0" smtClean="0"/>
+              <a:t>Mettre des légendes</a:t>
+            </a:r>
+          </a:p>
+          <a:p>
+            <a:r>
+              <a:rPr lang="fr-FR" dirty="0" smtClean="0"/>
+              <a:t>Expliquer</a:t>
+            </a:r>
+            <a:r>
+              <a:rPr lang="fr-FR" baseline="0" dirty="0" smtClean="0"/>
+              <a:t> que la main est obtenue à partir de la distance et de l’orientation des blobs</a:t>
+            </a:r>
+            <a:endParaRPr lang="fr-FR" dirty="0"/>
+          </a:p>
+        </p:txBody>
+      </p:sp>
+      <p:sp>
+        <p:nvSpPr>
+          <p:cNvPr id="4" name="Espace réservé du numéro de diapositive 3"/>
+          <p:cNvSpPr>
+            <a:spLocks noGrp="1"/>
+          </p:cNvSpPr>
+          <p:nvPr>
+            <p:ph type="sldNum" sz="quarter" idx="10"/>
+          </p:nvPr>
+        </p:nvSpPr>
+        <p:spPr/>
+        <p:txBody>
+          <a:bodyPr/>
+          <a:lstStyle/>
+          <a:p>
+            <a:fld id="{2AC8731D-2D87-440C-8698-DB210FC0FD5A}" type="slidenum">
+              <a:rPr lang="fr-FR" smtClean="0"/>
+              <a:pPr/>
+              <a:t>12</a:t>
+            </a:fld>
+            <a:endParaRPr lang="fr-FR"/>
+          </a:p>
+        </p:txBody>
+      </p:sp>
+    </p:spTree>
+  </p:cSld>
+  <p:clrMapOvr>
+    <a:masterClrMapping/>
+  </p:clrMapOvr>
+</p:notes>
+</file>
+
+<file path=ppt/notesSlides/notesSlide6.xml><?xml version="1.0" encoding="utf-8"?>
+<p:notes xmlns:a="http://schemas.openxmlformats.org/drawingml/2006/main" xmlns:r="http://schemas.openxmlformats.org/officeDocument/2006/relationships" xmlns:p="http://schemas.openxmlformats.org/presentationml/2006/main">
+  <p:cSld>
+    <p:spTree>
+      <p:nvGrpSpPr>
+        <p:cNvPr id="1" name=""/>
+        <p:cNvGrpSpPr/>
+        <p:nvPr/>
+      </p:nvGrpSpPr>
+      <p:grpSpPr>
+        <a:xfrm>
+          <a:off x="0" y="0"/>
+          <a:ext cx="0" cy="0"/>
+          <a:chOff x="0" y="0"/>
+          <a:chExt cx="0" cy="0"/>
+        </a:xfrm>
+      </p:grpSpPr>
+      <p:sp>
+        <p:nvSpPr>
+          <p:cNvPr id="2" name="Espace réservé de l'image des diapositives 1"/>
+          <p:cNvSpPr>
+            <a:spLocks noGrp="1" noRot="1" noChangeAspect="1"/>
+          </p:cNvSpPr>
+          <p:nvPr>
+            <p:ph type="sldImg"/>
+          </p:nvPr>
+        </p:nvSpPr>
+        <p:spPr/>
+      </p:sp>
+      <p:sp>
+        <p:nvSpPr>
+          <p:cNvPr id="3" name="Espace réservé des commentaires 2"/>
+          <p:cNvSpPr>
+            <a:spLocks noGrp="1"/>
+          </p:cNvSpPr>
+          <p:nvPr>
+            <p:ph type="body" idx="1"/>
+          </p:nvPr>
+        </p:nvSpPr>
+        <p:spPr/>
+        <p:txBody>
+          <a:bodyPr>
+            <a:normAutofit lnSpcReduction="10000"/>
+          </a:bodyPr>
+          <a:lstStyle/>
+          <a:p>
+            <a:endParaRPr lang="fr-FR" dirty="0"/>
+          </a:p>
+        </p:txBody>
+      </p:sp>
+      <p:sp>
+        <p:nvSpPr>
+          <p:cNvPr id="4" name="Espace réservé du numéro de diapositive 3"/>
+          <p:cNvSpPr>
+            <a:spLocks noGrp="1"/>
+          </p:cNvSpPr>
+          <p:nvPr>
+            <p:ph type="sldNum" sz="quarter" idx="10"/>
+          </p:nvPr>
+        </p:nvSpPr>
+        <p:spPr/>
+        <p:txBody>
+          <a:bodyPr/>
+          <a:lstStyle/>
+          <a:p>
+            <a:fld id="{2AC8731D-2D87-440C-8698-DB210FC0FD5A}" type="slidenum">
+              <a:rPr lang="fr-FR" smtClean="0"/>
+              <a:pPr/>
+              <a:t>13</a:t>
+            </a:fld>
+            <a:endParaRPr lang="fr-FR"/>
+          </a:p>
+        </p:txBody>
+      </p:sp>
+    </p:spTree>
+  </p:cSld>
+  <p:clrMapOvr>
+    <a:masterClrMapping/>
+  </p:clrMapOvr>
+</p:notes>
+</file>
+
+<file path=ppt/notesSlides/notesSlide7.xml><?xml version="1.0" encoding="utf-8"?>
+<p:notes xmlns:a="http://schemas.openxmlformats.org/drawingml/2006/main" xmlns:r="http://schemas.openxmlformats.org/officeDocument/2006/relationships" xmlns:p="http://schemas.openxmlformats.org/presentationml/2006/main">
+  <p:cSld>
+    <p:spTree>
+      <p:nvGrpSpPr>
+        <p:cNvPr id="1" name=""/>
+        <p:cNvGrpSpPr/>
+        <p:nvPr/>
+      </p:nvGrpSpPr>
+      <p:grpSpPr>
+        <a:xfrm>
+          <a:off x="0" y="0"/>
+          <a:ext cx="0" cy="0"/>
+          <a:chOff x="0" y="0"/>
+          <a:chExt cx="0" cy="0"/>
+        </a:xfrm>
+      </p:grpSpPr>
+      <p:sp>
+        <p:nvSpPr>
+          <p:cNvPr id="2" name="Espace réservé de l'image des diapositives 1"/>
+          <p:cNvSpPr>
+            <a:spLocks noGrp="1" noRot="1" noChangeAspect="1"/>
+          </p:cNvSpPr>
+          <p:nvPr>
+            <p:ph type="sldImg"/>
+          </p:nvPr>
+        </p:nvSpPr>
+        <p:spPr/>
+      </p:sp>
+      <p:sp>
+        <p:nvSpPr>
+          <p:cNvPr id="3" name="Espace réservé des commentaires 2"/>
+          <p:cNvSpPr>
+            <a:spLocks noGrp="1"/>
+          </p:cNvSpPr>
+          <p:nvPr>
+            <p:ph type="body" idx="1"/>
+          </p:nvPr>
+        </p:nvSpPr>
+        <p:spPr/>
+        <p:txBody>
+          <a:bodyPr>
+            <a:normAutofit/>
+          </a:bodyPr>
+          <a:lstStyle/>
+          <a:p>
+            <a:r>
+              <a:rPr lang="fr-FR" dirty="0" smtClean="0"/>
               <a:t>Mettre les </a:t>
             </a:r>
             <a:r>
@@ -1001,7 +1538,7 @@
             <a:fld id="{2AC8731D-2D87-440C-8698-DB210FC0FD5A}" type="slidenum">
               <a:rPr lang="fr-FR" smtClean="0"/>
               <a:pPr/>
-              <a:t>13</a:t>
+              <a:t>14</a:t>
             </a:fld>
             <a:endParaRPr lang="fr-FR"/>
           </a:p>
@@ -1400,7 +1937,7 @@
             <a:fld id="{7FE745BF-AED8-4079-86B5-94776AA709CD}" type="datetime1">
               <a:rPr lang="fr-FR" smtClean="0"/>
               <a:pPr/>
-              <a:t>16/12/2011</a:t>
+              <a:t>20/12/2011</a:t>
             </a:fld>
             <a:endParaRPr lang="fr-FR" dirty="0"/>
           </a:p>
@@ -1567,7 +2104,7 @@
             <a:fld id="{8BADFC06-5AC4-476A-8FD2-54DE0E426D90}" type="datetime1">
               <a:rPr lang="fr-FR" smtClean="0"/>
               <a:pPr/>
-              <a:t>16/12/2011</a:t>
+              <a:t>20/12/2011</a:t>
             </a:fld>
             <a:endParaRPr lang="fr-FR" dirty="0"/>
           </a:p>
@@ -1744,7 +2281,7 @@
             <a:fld id="{271E89F4-7B08-401C-94CC-1E6E90A77743}" type="datetime1">
               <a:rPr lang="fr-FR" smtClean="0"/>
               <a:pPr/>
-              <a:t>16/12/2011</a:t>
+              <a:t>20/12/2011</a:t>
             </a:fld>
             <a:endParaRPr lang="fr-FR" dirty="0"/>
           </a:p>
@@ -1915,7 +2452,7 @@
             <a:fld id="{B8D51CD3-FD0B-4398-96D6-10844A344A7A}" type="datetime1">
               <a:rPr lang="fr-FR" smtClean="0"/>
               <a:pPr/>
-              <a:t>16/12/2011</a:t>
+              <a:t>20/12/2011</a:t>
             </a:fld>
             <a:endParaRPr lang="fr-FR" dirty="0"/>
           </a:p>
@@ -2372,7 +2909,7 @@
             <a:fld id="{5272A46D-708F-4429-9728-C0AAA1D8ED70}" type="datetime1">
               <a:rPr lang="fr-FR" smtClean="0"/>
               <a:pPr/>
-              <a:t>16/12/2011</a:t>
+              <a:t>20/12/2011</a:t>
             </a:fld>
             <a:endParaRPr lang="fr-FR" dirty="0"/>
           </a:p>
@@ -2638,7 +3175,7 @@
             <a:fld id="{85176319-0B46-44DD-88B8-E7F3AAD4F2DF}" type="datetime1">
               <a:rPr lang="fr-FR" smtClean="0"/>
               <a:pPr/>
-              <a:t>16/12/2011</a:t>
+              <a:t>20/12/2011</a:t>
             </a:fld>
             <a:endParaRPr lang="fr-FR" dirty="0"/>
           </a:p>
@@ -3014,7 +3551,7 @@
             <a:fld id="{2587345E-05A6-495C-A1A1-170A1A91A394}" type="datetime1">
               <a:rPr lang="fr-FR" smtClean="0"/>
               <a:pPr/>
-              <a:t>16/12/2011</a:t>
+              <a:t>20/12/2011</a:t>
             </a:fld>
             <a:endParaRPr lang="fr-FR" dirty="0"/>
           </a:p>
@@ -3138,7 +3675,7 @@
             <a:fld id="{172809C5-74F0-4FD7-9204-0F8A8FB1929B}" type="datetime1">
               <a:rPr lang="fr-FR" smtClean="0"/>
               <a:pPr/>
-              <a:t>16/12/2011</a:t>
+              <a:t>20/12/2011</a:t>
             </a:fld>
             <a:endParaRPr lang="fr-FR" dirty="0"/>
           </a:p>
@@ -3230,7 +3767,7 @@
             <a:fld id="{7786A093-8429-44F1-808A-11360C2CAA55}" type="datetime1">
               <a:rPr lang="fr-FR" smtClean="0"/>
               <a:pPr/>
-              <a:t>16/12/2011</a:t>
+              <a:t>20/12/2011</a:t>
             </a:fld>
             <a:endParaRPr lang="fr-FR" dirty="0"/>
           </a:p>
@@ -3481,7 +4018,7 @@
             <a:fld id="{FE18F5A1-6F3E-41A1-AC38-A5948C92E970}" type="datetime1">
               <a:rPr lang="fr-FR" smtClean="0"/>
               <a:pPr/>
-              <a:t>16/12/2011</a:t>
+              <a:t>20/12/2011</a:t>
             </a:fld>
             <a:endParaRPr lang="fr-FR" dirty="0"/>
           </a:p>
@@ -3742,7 +4279,7 @@
             <a:fld id="{42D0C6D8-1219-406E-8CD6-FA778B9D3E63}" type="datetime1">
               <a:rPr lang="fr-FR" smtClean="0"/>
               <a:pPr/>
-              <a:t>16/12/2011</a:t>
+              <a:t>20/12/2011</a:t>
             </a:fld>
             <a:endParaRPr lang="fr-FR" dirty="0"/>
           </a:p>
@@ -4148,7 +4685,7 @@
             <a:fld id="{CC7C295D-0E21-434D-B466-C466C8EF3B27}" type="datetime1">
               <a:rPr lang="fr-FR" smtClean="0"/>
               <a:pPr/>
-              <a:t>16/12/2011</a:t>
+              <a:t>20/12/2011</a:t>
             </a:fld>
             <a:endParaRPr lang="fr-FR" dirty="0"/>
           </a:p>
@@ -4661,20 +5198,312 @@
       </p:grpSpPr>
       <p:sp>
         <p:nvSpPr>
+          <p:cNvPr id="2" name="Titre 1"/>
+          <p:cNvSpPr>
+            <a:spLocks noGrp="1"/>
+          </p:cNvSpPr>
+          <p:nvPr>
+            <p:ph type="title"/>
+          </p:nvPr>
+        </p:nvSpPr>
+        <p:spPr/>
+        <p:txBody>
+          <a:bodyPr>
+            <a:normAutofit fontScale="90000"/>
+          </a:bodyPr>
+          <a:lstStyle/>
+          <a:p>
+            <a:r>
+              <a:rPr lang="en-US" dirty="0" smtClean="0"/>
+              <a:t>Technical</a:t>
+            </a:r>
+            <a:br>
+              <a:rPr lang="en-US" dirty="0" smtClean="0"/>
+            </a:br>
+            <a:r>
+              <a:rPr lang="en-US" dirty="0" smtClean="0"/>
+              <a:t>	CPU </a:t>
+            </a:r>
+            <a:r>
+              <a:rPr lang="en-US" dirty="0" err="1" smtClean="0"/>
+              <a:t>vs</a:t>
+            </a:r>
+            <a:r>
+              <a:rPr lang="en-US" dirty="0" smtClean="0"/>
+              <a:t> GPU</a:t>
+            </a:r>
+            <a:endParaRPr lang="en-US" dirty="0"/>
+          </a:p>
+        </p:txBody>
+      </p:sp>
+      <p:graphicFrame>
+        <p:nvGraphicFramePr>
+          <p:cNvPr id="5" name="Espace réservé du contenu 4"/>
+          <p:cNvGraphicFramePr>
+            <a:graphicFrameLocks noGrp="1"/>
+          </p:cNvGraphicFramePr>
+          <p:nvPr>
+            <p:ph idx="1"/>
+          </p:nvPr>
+        </p:nvGraphicFramePr>
+        <p:xfrm>
+          <a:off x="457200" y="1600200"/>
+          <a:ext cx="7467600" cy="4525963"/>
+        </p:xfrm>
+        <a:graphic>
+          <a:graphicData uri="http://schemas.openxmlformats.org/drawingml/2006/chart">
+            <c:chart xmlns:c="http://schemas.openxmlformats.org/drawingml/2006/chart" xmlns:r="http://schemas.openxmlformats.org/officeDocument/2006/relationships" r:id="rId3"/>
+          </a:graphicData>
+        </a:graphic>
+      </p:graphicFrame>
+      <p:sp>
+        <p:nvSpPr>
+          <p:cNvPr id="4" name="Espace réservé du numéro de diapositive 3"/>
+          <p:cNvSpPr>
+            <a:spLocks noGrp="1"/>
+          </p:cNvSpPr>
+          <p:nvPr>
+            <p:ph type="sldNum" sz="quarter" idx="12"/>
+          </p:nvPr>
+        </p:nvSpPr>
+        <p:spPr/>
+        <p:txBody>
+          <a:bodyPr/>
+          <a:lstStyle/>
+          <a:p>
+            <a:fld id="{AB9DB7C7-3B7A-421A-AF98-AB9FC2185CD3}" type="slidenum">
+              <a:rPr lang="fr-FR" smtClean="0"/>
+              <a:pPr/>
+              <a:t>10</a:t>
+            </a:fld>
+            <a:endParaRPr lang="fr-FR" dirty="0"/>
+          </a:p>
+        </p:txBody>
+      </p:sp>
+      <p:sp>
+        <p:nvSpPr>
+          <p:cNvPr id="6" name="ZoneTexte 1"/>
+          <p:cNvSpPr txBox="1"/>
+          <p:nvPr/>
+        </p:nvSpPr>
+        <p:spPr>
+          <a:xfrm>
+            <a:off x="0" y="1556792"/>
+            <a:ext cx="1187624" cy="360040"/>
+          </a:xfrm>
+          <a:prstGeom prst="rect">
+            <a:avLst/>
+          </a:prstGeom>
+        </p:spPr>
+        <p:txBody>
+          <a:bodyPr wrap="square" rtlCol="0"/>
+          <a:lstStyle>
+            <a:lvl1pPr marL="0" indent="0">
+              <a:defRPr sz="1100">
+                <a:latin typeface="+mn-lt"/>
+                <a:ea typeface="+mn-ea"/>
+                <a:cs typeface="+mn-cs"/>
+              </a:defRPr>
+            </a:lvl1pPr>
+            <a:lvl2pPr marL="457200" indent="0">
+              <a:defRPr sz="1100">
+                <a:latin typeface="+mn-lt"/>
+                <a:ea typeface="+mn-ea"/>
+                <a:cs typeface="+mn-cs"/>
+              </a:defRPr>
+            </a:lvl2pPr>
+            <a:lvl3pPr marL="914400" indent="0">
+              <a:defRPr sz="1100">
+                <a:latin typeface="+mn-lt"/>
+                <a:ea typeface="+mn-ea"/>
+                <a:cs typeface="+mn-cs"/>
+              </a:defRPr>
+            </a:lvl3pPr>
+            <a:lvl4pPr marL="1371600" indent="0">
+              <a:defRPr sz="1100">
+                <a:latin typeface="+mn-lt"/>
+                <a:ea typeface="+mn-ea"/>
+                <a:cs typeface="+mn-cs"/>
+              </a:defRPr>
+            </a:lvl4pPr>
+            <a:lvl5pPr marL="1828800" indent="0">
+              <a:defRPr sz="1100">
+                <a:latin typeface="+mn-lt"/>
+                <a:ea typeface="+mn-ea"/>
+                <a:cs typeface="+mn-cs"/>
+              </a:defRPr>
+            </a:lvl5pPr>
+            <a:lvl6pPr marL="2286000" indent="0">
+              <a:defRPr sz="1100">
+                <a:latin typeface="+mn-lt"/>
+                <a:ea typeface="+mn-ea"/>
+                <a:cs typeface="+mn-cs"/>
+              </a:defRPr>
+            </a:lvl6pPr>
+            <a:lvl7pPr marL="2743200" indent="0">
+              <a:defRPr sz="1100">
+                <a:latin typeface="+mn-lt"/>
+                <a:ea typeface="+mn-ea"/>
+                <a:cs typeface="+mn-cs"/>
+              </a:defRPr>
+            </a:lvl7pPr>
+            <a:lvl8pPr marL="3200400" indent="0">
+              <a:defRPr sz="1100">
+                <a:latin typeface="+mn-lt"/>
+                <a:ea typeface="+mn-ea"/>
+                <a:cs typeface="+mn-cs"/>
+              </a:defRPr>
+            </a:lvl8pPr>
+            <a:lvl9pPr marL="3657600" indent="0">
+              <a:defRPr sz="1100">
+                <a:latin typeface="+mn-lt"/>
+                <a:ea typeface="+mn-ea"/>
+                <a:cs typeface="+mn-cs"/>
+              </a:defRPr>
+            </a:lvl9pPr>
+          </a:lstStyle>
+          <a:p>
+            <a:r>
+              <a:rPr lang="fr-FR" sz="2000" dirty="0" smtClean="0">
+                <a:solidFill>
+                  <a:sysClr val="window" lastClr="FFFFFF"/>
+                </a:solidFill>
+              </a:rPr>
+              <a:t>Seconds</a:t>
+            </a:r>
+            <a:endParaRPr lang="fr-FR" sz="2000" dirty="0">
+              <a:solidFill>
+                <a:sysClr val="window" lastClr="FFFFFF"/>
+              </a:solidFill>
+            </a:endParaRPr>
+          </a:p>
+        </p:txBody>
+      </p:sp>
+      <p:sp>
+        <p:nvSpPr>
+          <p:cNvPr id="7" name="Rectangle 6"/>
+          <p:cNvSpPr/>
+          <p:nvPr/>
+        </p:nvSpPr>
+        <p:spPr>
+          <a:xfrm>
+            <a:off x="4644008" y="1556792"/>
+            <a:ext cx="1368152" cy="4320480"/>
+          </a:xfrm>
+          <a:prstGeom prst="rect">
+            <a:avLst/>
+          </a:prstGeom>
+          <a:noFill/>
+          <a:ln>
+            <a:prstDash val="sysDash"/>
+          </a:ln>
+        </p:spPr>
+        <p:style>
+          <a:lnRef idx="2">
+            <a:schemeClr val="accent1">
+              <a:shade val="50000"/>
+            </a:schemeClr>
+          </a:lnRef>
+          <a:fillRef idx="1">
+            <a:schemeClr val="accent1"/>
+          </a:fillRef>
+          <a:effectRef idx="0">
+            <a:schemeClr val="accent1"/>
+          </a:effectRef>
+          <a:fontRef idx="minor">
+            <a:schemeClr val="lt1"/>
+          </a:fontRef>
+        </p:style>
+        <p:txBody>
+          <a:bodyPr rtlCol="0" anchor="ctr"/>
+          <a:lstStyle/>
+          <a:p>
+            <a:pPr algn="ctr"/>
+            <a:endParaRPr lang="fr-FR"/>
+          </a:p>
+        </p:txBody>
+      </p:sp>
+      <p:sp>
+        <p:nvSpPr>
+          <p:cNvPr id="8" name="ZoneTexte 7"/>
+          <p:cNvSpPr txBox="1"/>
+          <p:nvPr/>
+        </p:nvSpPr>
+        <p:spPr>
+          <a:xfrm>
+            <a:off x="5004048" y="1124744"/>
+            <a:ext cx="1584176" cy="369332"/>
+          </a:xfrm>
+          <a:prstGeom prst="rect">
+            <a:avLst/>
+          </a:prstGeom>
+          <a:noFill/>
+        </p:spPr>
+        <p:txBody>
+          <a:bodyPr wrap="square" rtlCol="0">
+            <a:spAutoFit/>
+          </a:bodyPr>
+          <a:lstStyle/>
+          <a:p>
+            <a:r>
+              <a:rPr lang="en-US" dirty="0" smtClean="0">
+                <a:solidFill>
+                  <a:schemeClr val="tx2"/>
+                </a:solidFill>
+              </a:rPr>
+              <a:t>Used range</a:t>
+            </a:r>
+            <a:endParaRPr lang="en-US" dirty="0">
+              <a:solidFill>
+                <a:schemeClr val="tx2"/>
+              </a:solidFill>
+            </a:endParaRPr>
+          </a:p>
+        </p:txBody>
+      </p:sp>
+    </p:spTree>
+  </p:cSld>
+  <p:clrMapOvr>
+    <a:masterClrMapping/>
+  </p:clrMapOvr>
+</p:sld>
+</file>
+
+<file path=ppt/slides/slide11.xml><?xml version="1.0" encoding="utf-8"?>
+<p:sld xmlns:a="http://schemas.openxmlformats.org/drawingml/2006/main" xmlns:r="http://schemas.openxmlformats.org/officeDocument/2006/relationships" xmlns:p="http://schemas.openxmlformats.org/presentationml/2006/main">
+  <p:cSld>
+    <p:spTree>
+      <p:nvGrpSpPr>
+        <p:cNvPr id="1" name=""/>
+        <p:cNvGrpSpPr/>
+        <p:nvPr/>
+      </p:nvGrpSpPr>
+      <p:grpSpPr>
+        <a:xfrm>
+          <a:off x="0" y="0"/>
+          <a:ext cx="0" cy="0"/>
+          <a:chOff x="0" y="0"/>
+          <a:chExt cx="0" cy="0"/>
+        </a:xfrm>
+      </p:grpSpPr>
+      <p:sp>
+        <p:nvSpPr>
           <p:cNvPr id="6" name="Rectangle 5"/>
           <p:cNvSpPr/>
           <p:nvPr/>
         </p:nvSpPr>
         <p:spPr>
           <a:xfrm>
-            <a:off x="251520" y="1484784"/>
-            <a:ext cx="7128792" cy="2664296"/>
+            <a:off x="539552" y="1484784"/>
+            <a:ext cx="7416824" cy="2592288"/>
           </a:xfrm>
           <a:prstGeom prst="rect">
             <a:avLst/>
           </a:prstGeom>
           <a:solidFill>
-            <a:schemeClr val="accent2"/>
+            <a:schemeClr val="accent3">
+              <a:lumMod val="50000"/>
+            </a:schemeClr>
           </a:solidFill>
         </p:spPr>
         <p:style>
@@ -4887,7 +5716,7 @@
             <a:fld id="{AB9DB7C7-3B7A-421A-AF98-AB9FC2185CD3}" type="slidenum">
               <a:rPr lang="en-US" smtClean="0"/>
               <a:pPr/>
-              <a:t>10</a:t>
+              <a:t>11</a:t>
             </a:fld>
             <a:endParaRPr lang="en-US"/>
           </a:p>
@@ -4901,7 +5730,7 @@
 </p:sld>
 </file>
 
-<file path=ppt/slides/slide11.xml><?xml version="1.0" encoding="utf-8"?>
+<file path=ppt/slides/slide12.xml><?xml version="1.0" encoding="utf-8"?>
 <p:sld xmlns:a="http://schemas.openxmlformats.org/drawingml/2006/main" xmlns:r="http://schemas.openxmlformats.org/officeDocument/2006/relationships" xmlns:p="http://schemas.openxmlformats.org/presentationml/2006/main">
   <p:cSld>
     <p:spTree>
@@ -4969,88 +5798,16 @@
           </a:ln>
         </p:spPr>
       </p:pic>
-    </p:spTree>
-  </p:cSld>
-  <p:clrMapOvr>
-    <a:masterClrMapping/>
-  </p:clrMapOvr>
-</p:sld>
-</file>
-
-<file path=ppt/slides/slide12.xml><?xml version="1.0" encoding="utf-8"?>
-<p:sld xmlns:a="http://schemas.openxmlformats.org/drawingml/2006/main" xmlns:r="http://schemas.openxmlformats.org/officeDocument/2006/relationships" xmlns:p="http://schemas.openxmlformats.org/presentationml/2006/main">
-  <p:cSld>
-    <p:spTree>
-      <p:nvGrpSpPr>
-        <p:cNvPr id="1" name=""/>
-        <p:cNvGrpSpPr/>
-        <p:nvPr/>
-      </p:nvGrpSpPr>
-      <p:grpSpPr>
-        <a:xfrm>
-          <a:off x="0" y="0"/>
-          <a:ext cx="0" cy="0"/>
-          <a:chOff x="0" y="0"/>
-          <a:chExt cx="0" cy="0"/>
-        </a:xfrm>
-      </p:grpSpPr>
-      <p:sp>
-        <p:nvSpPr>
-          <p:cNvPr id="2" name="Titre 1"/>
-          <p:cNvSpPr>
-            <a:spLocks noGrp="1"/>
-          </p:cNvSpPr>
-          <p:nvPr>
-            <p:ph type="title"/>
-          </p:nvPr>
-        </p:nvSpPr>
-        <p:spPr/>
-        <p:txBody>
-          <a:bodyPr/>
-          <a:lstStyle/>
-          <a:p>
-            <a:r>
-              <a:rPr lang="en-US" smtClean="0"/>
-              <a:t>Results</a:t>
-            </a:r>
-            <a:endParaRPr lang="en-US"/>
-          </a:p>
-        </p:txBody>
-      </p:sp>
-      <p:sp>
-        <p:nvSpPr>
-          <p:cNvPr id="4" name="Espace réservé du numéro de diapositive 3"/>
-          <p:cNvSpPr>
-            <a:spLocks noGrp="1"/>
-          </p:cNvSpPr>
-          <p:nvPr>
-            <p:ph type="sldNum" sz="quarter" idx="12"/>
-          </p:nvPr>
-        </p:nvSpPr>
-        <p:spPr/>
-        <p:txBody>
-          <a:bodyPr/>
-          <a:lstStyle/>
-          <a:p>
-            <a:fld id="{AB9DB7C7-3B7A-421A-AF98-AB9FC2185CD3}" type="slidenum">
-              <a:rPr lang="en-US" smtClean="0"/>
-              <a:pPr/>
-              <a:t>12</a:t>
-            </a:fld>
-            <a:endParaRPr lang="en-US"/>
-          </a:p>
-        </p:txBody>
-      </p:sp>
-      <p:sp>
-        <p:nvSpPr>
-          <p:cNvPr id="5" name="ZoneTexte 4"/>
+      <p:sp>
+        <p:nvSpPr>
+          <p:cNvPr id="4" name="ZoneTexte 3"/>
           <p:cNvSpPr txBox="1"/>
           <p:nvPr/>
         </p:nvSpPr>
         <p:spPr>
           <a:xfrm>
-            <a:off x="611560" y="1484784"/>
-            <a:ext cx="7200800" cy="3416320"/>
+            <a:off x="2843808" y="188640"/>
+            <a:ext cx="3312368" cy="369332"/>
           </a:xfrm>
           <a:prstGeom prst="rect">
             <a:avLst/>
@@ -5064,80 +5821,365 @@
           <a:lstStyle/>
           <a:p>
             <a:r>
-              <a:rPr lang="fr-FR" sz="2400" dirty="0" smtClean="0">
+              <a:rPr lang="fr-FR" b="1" dirty="0" smtClean="0">
+                <a:ln w="12700">
+                  <a:solidFill>
+                    <a:schemeClr val="tx2">
+                      <a:satMod val="155000"/>
+                    </a:schemeClr>
+                  </a:solidFill>
+                  <a:prstDash val="solid"/>
+                </a:ln>
                 <a:solidFill>
-                  <a:srgbClr val="FF0000"/>
+                  <a:schemeClr val="bg1"/>
                 </a:solidFill>
+                <a:effectLst>
+                  <a:outerShdw blurRad="41275" dist="20320" dir="1800000" algn="tl" rotWithShape="0">
+                    <a:srgbClr val="000000">
+                      <a:alpha val="40000"/>
+                    </a:srgbClr>
+                  </a:outerShdw>
+                </a:effectLst>
               </a:rPr>
-              <a:t>Total Time of the </a:t>
-            </a:r>
-            <a:r>
-              <a:rPr lang="fr-FR" sz="2400" dirty="0" err="1" smtClean="0">
+              <a:t>Original Kinect </a:t>
+            </a:r>
+            <a:r>
+              <a:rPr lang="fr-FR" b="1" dirty="0" err="1" smtClean="0">
+                <a:ln w="12700">
+                  <a:solidFill>
+                    <a:schemeClr val="tx2">
+                      <a:satMod val="155000"/>
+                    </a:schemeClr>
+                  </a:solidFill>
+                  <a:prstDash val="solid"/>
+                </a:ln>
                 <a:solidFill>
-                  <a:srgbClr val="FF0000"/>
+                  <a:schemeClr val="bg1"/>
                 </a:solidFill>
+                <a:effectLst>
+                  <a:outerShdw blurRad="41275" dist="20320" dir="1800000" algn="tl" rotWithShape="0">
+                    <a:srgbClr val="000000">
+                      <a:alpha val="40000"/>
+                    </a:srgbClr>
+                  </a:outerShdw>
+                </a:effectLst>
               </a:rPr>
-              <a:t>Algorithm</a:t>
-            </a:r>
-            <a:r>
-              <a:rPr lang="fr-FR" sz="2400" dirty="0" smtClean="0">
+              <a:t>Depth</a:t>
+            </a:r>
+            <a:r>
+              <a:rPr lang="fr-FR" b="1" dirty="0" smtClean="0">
+                <a:ln w="12700">
+                  <a:solidFill>
+                    <a:schemeClr val="tx2">
+                      <a:satMod val="155000"/>
+                    </a:schemeClr>
+                  </a:solidFill>
+                  <a:prstDash val="solid"/>
+                </a:ln>
                 <a:solidFill>
-                  <a:srgbClr val="FF0000"/>
+                  <a:schemeClr val="bg1"/>
                 </a:solidFill>
+                <a:effectLst>
+                  <a:outerShdw blurRad="41275" dist="20320" dir="1800000" algn="tl" rotWithShape="0">
+                    <a:srgbClr val="000000">
+                      <a:alpha val="40000"/>
+                    </a:srgbClr>
+                  </a:outerShdw>
+                </a:effectLst>
               </a:rPr>
-              <a:t> : 10 – 18 ms</a:t>
-            </a:r>
-            <a:br>
-              <a:rPr lang="fr-FR" sz="2400" dirty="0" smtClean="0">
+              <a:t> Image</a:t>
+            </a:r>
+            <a:endParaRPr lang="fr-FR" b="1" dirty="0">
+              <a:ln w="12700">
                 <a:solidFill>
-                  <a:srgbClr val="FF0000"/>
+                  <a:schemeClr val="tx2">
+                    <a:satMod val="155000"/>
+                  </a:schemeClr>
                 </a:solidFill>
+                <a:prstDash val="solid"/>
+              </a:ln>
+              <a:solidFill>
+                <a:schemeClr val="bg1"/>
+              </a:solidFill>
+              <a:effectLst>
+                <a:outerShdw blurRad="41275" dist="20320" dir="1800000" algn="tl" rotWithShape="0">
+                  <a:srgbClr val="000000">
+                    <a:alpha val="40000"/>
+                  </a:srgbClr>
+                </a:outerShdw>
+              </a:effectLst>
+            </a:endParaRPr>
+          </a:p>
+        </p:txBody>
+      </p:sp>
+      <p:sp>
+        <p:nvSpPr>
+          <p:cNvPr id="5" name="ZoneTexte 4"/>
+          <p:cNvSpPr txBox="1"/>
+          <p:nvPr/>
+        </p:nvSpPr>
+        <p:spPr>
+          <a:xfrm>
+            <a:off x="3707904" y="2132856"/>
+            <a:ext cx="3312368" cy="369332"/>
+          </a:xfrm>
+          <a:prstGeom prst="rect">
+            <a:avLst/>
+          </a:prstGeom>
+          <a:noFill/>
+        </p:spPr>
+        <p:txBody>
+          <a:bodyPr wrap="square" rtlCol="0">
+            <a:spAutoFit/>
+          </a:bodyPr>
+          <a:lstStyle/>
+          <a:p>
+            <a:r>
+              <a:rPr lang="en-US" b="1" dirty="0" smtClean="0">
+                <a:ln w="12700">
+                  <a:solidFill>
+                    <a:schemeClr val="tx2">
+                      <a:satMod val="155000"/>
+                    </a:schemeClr>
+                  </a:solidFill>
+                  <a:prstDash val="solid"/>
+                </a:ln>
+                <a:solidFill>
+                  <a:schemeClr val="bg1"/>
+                </a:solidFill>
+                <a:effectLst>
+                  <a:outerShdw blurRad="41275" dist="20320" dir="1800000" algn="tl" rotWithShape="0">
+                    <a:srgbClr val="000000">
+                      <a:alpha val="40000"/>
+                    </a:srgbClr>
+                  </a:outerShdw>
+                </a:effectLst>
               </a:rPr>
-            </a:br>
-            <a:r>
-              <a:rPr lang="fr-FR" sz="2400" dirty="0" smtClean="0">
+              <a:t>Regions extraction</a:t>
+            </a:r>
+            <a:endParaRPr lang="en-US" b="1" dirty="0">
+              <a:ln w="12700">
                 <a:solidFill>
-                  <a:srgbClr val="FF0000"/>
+                  <a:schemeClr val="tx2">
+                    <a:satMod val="155000"/>
+                  </a:schemeClr>
                 </a:solidFill>
+                <a:prstDash val="solid"/>
+              </a:ln>
+              <a:solidFill>
+                <a:schemeClr val="bg1"/>
+              </a:solidFill>
+              <a:effectLst>
+                <a:outerShdw blurRad="41275" dist="20320" dir="1800000" algn="tl" rotWithShape="0">
+                  <a:srgbClr val="000000">
+                    <a:alpha val="40000"/>
+                  </a:srgbClr>
+                </a:outerShdw>
+              </a:effectLst>
+            </a:endParaRPr>
+          </a:p>
+        </p:txBody>
+      </p:sp>
+      <p:sp>
+        <p:nvSpPr>
+          <p:cNvPr id="6" name="ZoneTexte 5"/>
+          <p:cNvSpPr txBox="1"/>
+          <p:nvPr/>
+        </p:nvSpPr>
+        <p:spPr>
+          <a:xfrm>
+            <a:off x="7308304" y="2132856"/>
+            <a:ext cx="3312368" cy="369332"/>
+          </a:xfrm>
+          <a:prstGeom prst="rect">
+            <a:avLst/>
+          </a:prstGeom>
+          <a:noFill/>
+        </p:spPr>
+        <p:txBody>
+          <a:bodyPr wrap="square" rtlCol="0">
+            <a:spAutoFit/>
+          </a:bodyPr>
+          <a:lstStyle/>
+          <a:p>
+            <a:r>
+              <a:rPr lang="en-US" b="1" dirty="0" smtClean="0">
+                <a:ln w="12700">
+                  <a:solidFill>
+                    <a:schemeClr val="tx2">
+                      <a:satMod val="155000"/>
+                    </a:schemeClr>
+                  </a:solidFill>
+                  <a:prstDash val="solid"/>
+                </a:ln>
+                <a:solidFill>
+                  <a:schemeClr val="bg1"/>
+                </a:solidFill>
+                <a:effectLst>
+                  <a:outerShdw blurRad="41275" dist="20320" dir="1800000" algn="tl" rotWithShape="0">
+                    <a:srgbClr val="000000">
+                      <a:alpha val="40000"/>
+                    </a:srgbClr>
+                  </a:outerShdw>
+                </a:effectLst>
               </a:rPr>
-              <a:t/>
-            </a:r>
-            <a:br>
-              <a:rPr lang="fr-FR" sz="2400" dirty="0" smtClean="0">
+              <a:t>Borders gradients</a:t>
+            </a:r>
+            <a:endParaRPr lang="en-US" b="1" dirty="0">
+              <a:ln w="12700">
                 <a:solidFill>
-                  <a:srgbClr val="FF0000"/>
+                  <a:schemeClr val="tx2">
+                    <a:satMod val="155000"/>
+                  </a:schemeClr>
                 </a:solidFill>
+                <a:prstDash val="solid"/>
+              </a:ln>
+              <a:solidFill>
+                <a:schemeClr val="bg1"/>
+              </a:solidFill>
+              <a:effectLst>
+                <a:outerShdw blurRad="41275" dist="20320" dir="1800000" algn="tl" rotWithShape="0">
+                  <a:srgbClr val="000000">
+                    <a:alpha val="40000"/>
+                  </a:srgbClr>
+                </a:outerShdw>
+              </a:effectLst>
+            </a:endParaRPr>
+          </a:p>
+        </p:txBody>
+      </p:sp>
+      <p:sp>
+        <p:nvSpPr>
+          <p:cNvPr id="8" name="ZoneTexte 7"/>
+          <p:cNvSpPr txBox="1"/>
+          <p:nvPr/>
+        </p:nvSpPr>
+        <p:spPr>
+          <a:xfrm>
+            <a:off x="0" y="2132856"/>
+            <a:ext cx="3312368" cy="369332"/>
+          </a:xfrm>
+          <a:prstGeom prst="rect">
+            <a:avLst/>
+          </a:prstGeom>
+          <a:noFill/>
+        </p:spPr>
+        <p:txBody>
+          <a:bodyPr wrap="square" rtlCol="0">
+            <a:spAutoFit/>
+          </a:bodyPr>
+          <a:lstStyle/>
+          <a:p>
+            <a:r>
+              <a:rPr lang="en-US" b="1" dirty="0" smtClean="0">
+                <a:ln w="12700">
+                  <a:solidFill>
+                    <a:schemeClr val="tx2">
+                      <a:satMod val="155000"/>
+                    </a:schemeClr>
+                  </a:solidFill>
+                  <a:prstDash val="solid"/>
+                </a:ln>
+                <a:solidFill>
+                  <a:schemeClr val="bg1"/>
+                </a:solidFill>
+                <a:effectLst>
+                  <a:outerShdw blurRad="41275" dist="20320" dir="1800000" algn="tl" rotWithShape="0">
+                    <a:srgbClr val="000000">
+                      <a:alpha val="40000"/>
+                    </a:srgbClr>
+                  </a:outerShdw>
+                </a:effectLst>
               </a:rPr>
-            </a:br>
-            <a:r>
-              <a:rPr lang="fr-FR" sz="2400" dirty="0" smtClean="0">
+              <a:t>Filtered Depth</a:t>
+            </a:r>
+            <a:endParaRPr lang="en-US" b="1" dirty="0">
+              <a:ln w="12700">
                 <a:solidFill>
-                  <a:srgbClr val="FF0000"/>
+                  <a:schemeClr val="tx2">
+                    <a:satMod val="155000"/>
+                  </a:schemeClr>
                 </a:solidFill>
+                <a:prstDash val="solid"/>
+              </a:ln>
+              <a:solidFill>
+                <a:schemeClr val="bg1"/>
+              </a:solidFill>
+              <a:effectLst>
+                <a:outerShdw blurRad="41275" dist="20320" dir="1800000" algn="tl" rotWithShape="0">
+                  <a:srgbClr val="000000">
+                    <a:alpha val="40000"/>
+                  </a:srgbClr>
+                </a:outerShdw>
+              </a:effectLst>
+            </a:endParaRPr>
+          </a:p>
+        </p:txBody>
+      </p:sp>
+      <p:sp>
+        <p:nvSpPr>
+          <p:cNvPr id="9" name="ZoneTexte 8"/>
+          <p:cNvSpPr txBox="1"/>
+          <p:nvPr/>
+        </p:nvSpPr>
+        <p:spPr>
+          <a:xfrm>
+            <a:off x="611560" y="6309320"/>
+            <a:ext cx="4752528" cy="369332"/>
+          </a:xfrm>
+          <a:prstGeom prst="rect">
+            <a:avLst/>
+          </a:prstGeom>
+          <a:noFill/>
+        </p:spPr>
+        <p:txBody>
+          <a:bodyPr wrap="square" rtlCol="0">
+            <a:spAutoFit/>
+          </a:bodyPr>
+          <a:lstStyle/>
+          <a:p>
+            <a:r>
+              <a:rPr lang="en-US" b="1" dirty="0" smtClean="0">
+                <a:ln w="12700">
+                  <a:solidFill>
+                    <a:schemeClr val="tx2">
+                      <a:satMod val="155000"/>
+                    </a:schemeClr>
+                  </a:solidFill>
+                  <a:prstDash val="solid"/>
+                </a:ln>
+                <a:solidFill>
+                  <a:schemeClr val="bg1"/>
+                </a:solidFill>
+                <a:effectLst>
+                  <a:outerShdw blurRad="41275" dist="20320" dir="1800000" algn="tl" rotWithShape="0">
+                    <a:srgbClr val="000000">
+                      <a:alpha val="40000"/>
+                    </a:srgbClr>
+                  </a:outerShdw>
+                </a:effectLst>
               </a:rPr>
-              <a:t>Voir si on peut comparer avec un graph la vitesse d’exécution d’un filtre par exemple entre la CG et le CPU</a:t>
-            </a:r>
-          </a:p>
-          <a:p>
-            <a:endParaRPr lang="fr-FR" sz="2400" dirty="0" smtClean="0">
+              <a:t>Final data : blobs + borders + orientation</a:t>
+            </a:r>
+            <a:endParaRPr lang="en-US" b="1" dirty="0">
+              <a:ln w="12700">
+                <a:solidFill>
+                  <a:schemeClr val="tx2">
+                    <a:satMod val="155000"/>
+                  </a:schemeClr>
+                </a:solidFill>
+                <a:prstDash val="solid"/>
+              </a:ln>
               <a:solidFill>
-                <a:srgbClr val="FF0000"/>
+                <a:schemeClr val="bg1"/>
               </a:solidFill>
-            </a:endParaRPr>
-          </a:p>
-          <a:p>
-            <a:r>
-              <a:rPr lang="fr-FR" sz="2400" dirty="0" smtClean="0">
-                <a:solidFill>
-                  <a:srgbClr val="FF0000"/>
-                </a:solidFill>
-              </a:rPr>
-              <a:t>Dire aussi ce qui se passe si on utilise que 2 blobs et pas 4, ou 6, etc. Genre un graph recognition rate en fonction du nb de blobs</a:t>
-            </a:r>
-            <a:endParaRPr lang="fr-FR" sz="2400" dirty="0">
-              <a:solidFill>
-                <a:srgbClr val="FF0000"/>
-              </a:solidFill>
+              <a:effectLst>
+                <a:outerShdw blurRad="41275" dist="20320" dir="1800000" algn="tl" rotWithShape="0">
+                  <a:srgbClr val="000000">
+                    <a:alpha val="40000"/>
+                  </a:srgbClr>
+                </a:outerShdw>
+              </a:effectLst>
             </a:endParaRPr>
           </a:p>
         </p:txBody>
@@ -5183,105 +6225,10 @@
           <a:lstStyle/>
           <a:p>
             <a:r>
-              <a:rPr lang="fr-FR" dirty="0" smtClean="0"/>
-              <a:t>Conclusion</a:t>
-            </a:r>
-            <a:endParaRPr lang="fr-FR" dirty="0"/>
-          </a:p>
-        </p:txBody>
-      </p:sp>
-      <p:sp>
-        <p:nvSpPr>
-          <p:cNvPr id="3" name="Espace réservé du contenu 2"/>
-          <p:cNvSpPr>
-            <a:spLocks noGrp="1"/>
-          </p:cNvSpPr>
-          <p:nvPr>
-            <p:ph idx="1"/>
-          </p:nvPr>
-        </p:nvSpPr>
-        <p:spPr/>
-        <p:txBody>
-          <a:bodyPr>
-            <a:normAutofit fontScale="85000" lnSpcReduction="20000"/>
-          </a:bodyPr>
-          <a:lstStyle/>
-          <a:p>
-            <a:r>
-              <a:rPr lang="en-US" dirty="0" smtClean="0"/>
-              <a:t>Features offered by the Kinect</a:t>
-            </a:r>
-          </a:p>
-          <a:p>
-            <a:pPr lvl="1"/>
-            <a:r>
-              <a:rPr lang="en-US" dirty="0" smtClean="0"/>
-              <a:t>Depth data</a:t>
-            </a:r>
-          </a:p>
-          <a:p>
-            <a:pPr lvl="1"/>
-            <a:r>
-              <a:rPr lang="en-US" dirty="0" smtClean="0"/>
-              <a:t>Color data</a:t>
-            </a:r>
-          </a:p>
-          <a:p>
-            <a:pPr lvl="1"/>
-            <a:r>
-              <a:rPr lang="en-US" dirty="0" smtClean="0"/>
-              <a:t>Skeleton recognition</a:t>
-            </a:r>
-          </a:p>
-          <a:p>
-            <a:pPr lvl="1">
-              <a:buNone/>
-            </a:pPr>
-            <a:endParaRPr lang="en-US" dirty="0" smtClean="0"/>
-          </a:p>
-          <a:p>
-            <a:r>
-              <a:rPr lang="en-US" dirty="0" smtClean="0"/>
-              <a:t>Limitations</a:t>
-            </a:r>
-          </a:p>
-          <a:p>
-            <a:pPr lvl="1"/>
-            <a:r>
-              <a:rPr lang="en-US" dirty="0" smtClean="0"/>
-              <a:t>Distance</a:t>
-            </a:r>
-          </a:p>
-          <a:p>
-            <a:pPr lvl="1"/>
-            <a:r>
-              <a:rPr lang="en-US" dirty="0" smtClean="0"/>
-              <a:t>Accuracy when not standing up</a:t>
-            </a:r>
-          </a:p>
-          <a:p>
-            <a:pPr lvl="1">
-              <a:buNone/>
-            </a:pPr>
-            <a:endParaRPr lang="en-US" dirty="0" smtClean="0"/>
-          </a:p>
-          <a:p>
-            <a:r>
-              <a:rPr lang="en-US" dirty="0" smtClean="0"/>
-              <a:t>“Easy-to-use” camera</a:t>
-            </a:r>
-          </a:p>
-          <a:p>
-            <a:endParaRPr lang="en-US" dirty="0" smtClean="0"/>
-          </a:p>
-          <a:p>
-            <a:r>
-              <a:rPr lang="en-US" dirty="0" smtClean="0"/>
-              <a:t>Kinect 2 in development</a:t>
-            </a:r>
-          </a:p>
-          <a:p>
-            <a:endParaRPr lang="fr-FR" dirty="0"/>
+              <a:rPr lang="en-US" smtClean="0"/>
+              <a:t>Results</a:t>
+            </a:r>
+            <a:endParaRPr lang="en-US"/>
           </a:p>
         </p:txBody>
       </p:sp>
@@ -5301,11 +6248,211 @@
           <a:lstStyle/>
           <a:p>
             <a:fld id="{AB9DB7C7-3B7A-421A-AF98-AB9FC2185CD3}" type="slidenum">
-              <a:rPr lang="fr-FR" smtClean="0"/>
+              <a:rPr lang="en-US" smtClean="0"/>
               <a:pPr/>
               <a:t>13</a:t>
             </a:fld>
-            <a:endParaRPr lang="fr-FR" dirty="0"/>
+            <a:endParaRPr lang="en-US"/>
+          </a:p>
+        </p:txBody>
+      </p:sp>
+      <p:sp>
+        <p:nvSpPr>
+          <p:cNvPr id="5" name="ZoneTexte 4"/>
+          <p:cNvSpPr txBox="1"/>
+          <p:nvPr/>
+        </p:nvSpPr>
+        <p:spPr>
+          <a:xfrm>
+            <a:off x="611560" y="1484784"/>
+            <a:ext cx="7200800" cy="1938992"/>
+          </a:xfrm>
+          <a:prstGeom prst="rect">
+            <a:avLst/>
+          </a:prstGeom>
+          <a:noFill/>
+        </p:spPr>
+        <p:txBody>
+          <a:bodyPr wrap="square" rtlCol="0">
+            <a:spAutoFit/>
+          </a:bodyPr>
+          <a:lstStyle/>
+          <a:p>
+            <a:r>
+              <a:rPr lang="en-US" sz="2400" b="1" dirty="0" smtClean="0"/>
+              <a:t>Total Time of the Algorithm : 10 – 18 ms</a:t>
+            </a:r>
+            <a:endParaRPr lang="en-US" sz="2400" dirty="0" smtClean="0">
+              <a:solidFill>
+                <a:srgbClr val="FF0000"/>
+              </a:solidFill>
+            </a:endParaRPr>
+          </a:p>
+          <a:p>
+            <a:endParaRPr lang="en-US" sz="2400" dirty="0" smtClean="0">
+              <a:solidFill>
+                <a:srgbClr val="FF0000"/>
+              </a:solidFill>
+            </a:endParaRPr>
+          </a:p>
+          <a:p>
+            <a:r>
+              <a:rPr lang="en-US" sz="2400" dirty="0" smtClean="0">
+                <a:solidFill>
+                  <a:srgbClr val="FF0000"/>
+                </a:solidFill>
+              </a:rPr>
+              <a:t>Dire </a:t>
+            </a:r>
+            <a:r>
+              <a:rPr lang="en-US" sz="2400" dirty="0" err="1" smtClean="0">
+                <a:solidFill>
+                  <a:srgbClr val="FF0000"/>
+                </a:solidFill>
+              </a:rPr>
+              <a:t>aussi</a:t>
+            </a:r>
+            <a:r>
+              <a:rPr lang="en-US" sz="2400" dirty="0" smtClean="0">
+                <a:solidFill>
+                  <a:srgbClr val="FF0000"/>
+                </a:solidFill>
+              </a:rPr>
+              <a:t> </a:t>
+            </a:r>
+            <a:r>
+              <a:rPr lang="en-US" sz="2400" dirty="0" err="1" smtClean="0">
+                <a:solidFill>
+                  <a:srgbClr val="FF0000"/>
+                </a:solidFill>
+              </a:rPr>
+              <a:t>ce</a:t>
+            </a:r>
+            <a:r>
+              <a:rPr lang="en-US" sz="2400" dirty="0" smtClean="0">
+                <a:solidFill>
+                  <a:srgbClr val="FF0000"/>
+                </a:solidFill>
+              </a:rPr>
+              <a:t> qui se </a:t>
+            </a:r>
+            <a:r>
+              <a:rPr lang="en-US" sz="2400" dirty="0" err="1" smtClean="0">
+                <a:solidFill>
+                  <a:srgbClr val="FF0000"/>
+                </a:solidFill>
+              </a:rPr>
+              <a:t>passe</a:t>
+            </a:r>
+            <a:r>
+              <a:rPr lang="en-US" sz="2400" dirty="0" smtClean="0">
+                <a:solidFill>
+                  <a:srgbClr val="FF0000"/>
+                </a:solidFill>
+              </a:rPr>
+              <a:t> </a:t>
+            </a:r>
+            <a:r>
+              <a:rPr lang="en-US" sz="2400" dirty="0" err="1" smtClean="0">
+                <a:solidFill>
+                  <a:srgbClr val="FF0000"/>
+                </a:solidFill>
+              </a:rPr>
+              <a:t>si</a:t>
+            </a:r>
+            <a:r>
+              <a:rPr lang="en-US" sz="2400" dirty="0" smtClean="0">
+                <a:solidFill>
+                  <a:srgbClr val="FF0000"/>
+                </a:solidFill>
+              </a:rPr>
+              <a:t> on </a:t>
+            </a:r>
+            <a:r>
+              <a:rPr lang="en-US" sz="2400" dirty="0" err="1" smtClean="0">
+                <a:solidFill>
+                  <a:srgbClr val="FF0000"/>
+                </a:solidFill>
+              </a:rPr>
+              <a:t>utilise</a:t>
+            </a:r>
+            <a:r>
+              <a:rPr lang="en-US" sz="2400" dirty="0" smtClean="0">
+                <a:solidFill>
+                  <a:srgbClr val="FF0000"/>
+                </a:solidFill>
+              </a:rPr>
+              <a:t> </a:t>
+            </a:r>
+            <a:r>
+              <a:rPr lang="en-US" sz="2400" dirty="0" err="1" smtClean="0">
+                <a:solidFill>
+                  <a:srgbClr val="FF0000"/>
+                </a:solidFill>
+              </a:rPr>
+              <a:t>que</a:t>
+            </a:r>
+            <a:r>
+              <a:rPr lang="en-US" sz="2400" dirty="0" smtClean="0">
+                <a:solidFill>
+                  <a:srgbClr val="FF0000"/>
+                </a:solidFill>
+              </a:rPr>
+              <a:t> 2 blobs et pas 4, </a:t>
+            </a:r>
+            <a:r>
+              <a:rPr lang="en-US" sz="2400" dirty="0" err="1" smtClean="0">
+                <a:solidFill>
+                  <a:srgbClr val="FF0000"/>
+                </a:solidFill>
+              </a:rPr>
+              <a:t>ou</a:t>
+            </a:r>
+            <a:r>
+              <a:rPr lang="en-US" sz="2400" dirty="0" smtClean="0">
+                <a:solidFill>
+                  <a:srgbClr val="FF0000"/>
+                </a:solidFill>
+              </a:rPr>
+              <a:t> 6, etc. Genre un graph recognition rate en </a:t>
+            </a:r>
+            <a:r>
+              <a:rPr lang="en-US" sz="2400" dirty="0" err="1" smtClean="0">
+                <a:solidFill>
+                  <a:srgbClr val="FF0000"/>
+                </a:solidFill>
+              </a:rPr>
+              <a:t>fonction</a:t>
+            </a:r>
+            <a:r>
+              <a:rPr lang="en-US" sz="2400" dirty="0" smtClean="0">
+                <a:solidFill>
+                  <a:srgbClr val="FF0000"/>
+                </a:solidFill>
+              </a:rPr>
+              <a:t> du </a:t>
+            </a:r>
+            <a:r>
+              <a:rPr lang="en-US" sz="2400" dirty="0" err="1" smtClean="0">
+                <a:solidFill>
+                  <a:srgbClr val="FF0000"/>
+                </a:solidFill>
+              </a:rPr>
+              <a:t>nb</a:t>
+            </a:r>
+            <a:r>
+              <a:rPr lang="en-US" sz="2400" dirty="0" smtClean="0">
+                <a:solidFill>
+                  <a:srgbClr val="FF0000"/>
+                </a:solidFill>
+              </a:rPr>
+              <a:t> de blobs</a:t>
+            </a:r>
+            <a:endParaRPr lang="en-US" sz="2400" dirty="0">
+              <a:solidFill>
+                <a:srgbClr val="FF0000"/>
+              </a:solidFill>
+            </a:endParaRPr>
           </a:p>
         </p:txBody>
       </p:sp>
@@ -5336,6 +6483,181 @@
       </p:grpSpPr>
       <p:sp>
         <p:nvSpPr>
+          <p:cNvPr id="2" name="Titre 1"/>
+          <p:cNvSpPr>
+            <a:spLocks noGrp="1"/>
+          </p:cNvSpPr>
+          <p:nvPr>
+            <p:ph type="title"/>
+          </p:nvPr>
+        </p:nvSpPr>
+        <p:spPr/>
+        <p:txBody>
+          <a:bodyPr/>
+          <a:lstStyle/>
+          <a:p>
+            <a:r>
+              <a:rPr lang="fr-FR" dirty="0" smtClean="0"/>
+              <a:t>Conclusion</a:t>
+            </a:r>
+            <a:endParaRPr lang="fr-FR" dirty="0"/>
+          </a:p>
+        </p:txBody>
+      </p:sp>
+      <p:sp>
+        <p:nvSpPr>
+          <p:cNvPr id="3" name="Espace réservé du contenu 2"/>
+          <p:cNvSpPr>
+            <a:spLocks noGrp="1"/>
+          </p:cNvSpPr>
+          <p:nvPr>
+            <p:ph idx="1"/>
+          </p:nvPr>
+        </p:nvSpPr>
+        <p:spPr/>
+        <p:txBody>
+          <a:bodyPr>
+            <a:normAutofit fontScale="77500" lnSpcReduction="20000"/>
+          </a:bodyPr>
+          <a:lstStyle/>
+          <a:p>
+            <a:r>
+              <a:rPr lang="en-US" dirty="0" smtClean="0"/>
+              <a:t>Features offered by the Kinect</a:t>
+            </a:r>
+          </a:p>
+          <a:p>
+            <a:pPr lvl="1"/>
+            <a:r>
+              <a:rPr lang="en-US" dirty="0" smtClean="0"/>
+              <a:t>Depth data</a:t>
+            </a:r>
+          </a:p>
+          <a:p>
+            <a:pPr lvl="1"/>
+            <a:r>
+              <a:rPr lang="en-US" dirty="0" smtClean="0"/>
+              <a:t>Color data</a:t>
+            </a:r>
+          </a:p>
+          <a:p>
+            <a:pPr lvl="1"/>
+            <a:r>
+              <a:rPr lang="en-US" dirty="0" smtClean="0"/>
+              <a:t>Skeleton recognition</a:t>
+            </a:r>
+          </a:p>
+          <a:p>
+            <a:pPr lvl="1">
+              <a:buNone/>
+            </a:pPr>
+            <a:endParaRPr lang="en-US" dirty="0" smtClean="0"/>
+          </a:p>
+          <a:p>
+            <a:r>
+              <a:rPr lang="en-US" dirty="0" smtClean="0"/>
+              <a:t>Limitations</a:t>
+            </a:r>
+          </a:p>
+          <a:p>
+            <a:pPr lvl="1"/>
+            <a:r>
+              <a:rPr lang="en-US" dirty="0" smtClean="0"/>
+              <a:t>Distance</a:t>
+            </a:r>
+          </a:p>
+          <a:p>
+            <a:pPr lvl="1"/>
+            <a:r>
+              <a:rPr lang="en-US" dirty="0" smtClean="0"/>
+              <a:t>Accuracy when not standing up</a:t>
+            </a:r>
+          </a:p>
+          <a:p>
+            <a:pPr lvl="1">
+              <a:buNone/>
+            </a:pPr>
+            <a:endParaRPr lang="en-US" dirty="0" smtClean="0"/>
+          </a:p>
+          <a:p>
+            <a:r>
+              <a:rPr lang="en-US" dirty="0" smtClean="0"/>
+              <a:t>“Easy-to-use” camera</a:t>
+            </a:r>
+          </a:p>
+          <a:p>
+            <a:endParaRPr lang="en-US" dirty="0" smtClean="0"/>
+          </a:p>
+          <a:p>
+            <a:r>
+              <a:rPr lang="en-US" dirty="0" smtClean="0"/>
+              <a:t>PC Kinect in development</a:t>
+            </a:r>
+            <a:br>
+              <a:rPr lang="en-US" dirty="0" smtClean="0"/>
+            </a:br>
+            <a:r>
+              <a:rPr lang="en-US" dirty="0" smtClean="0"/>
+              <a:t>Minimum Depth : 50 cm (1m with the current Kinect)</a:t>
+            </a:r>
+            <a:endParaRPr lang="en-US" dirty="0" smtClean="0"/>
+          </a:p>
+          <a:p>
+            <a:endParaRPr lang="fr-FR" dirty="0"/>
+          </a:p>
+        </p:txBody>
+      </p:sp>
+      <p:sp>
+        <p:nvSpPr>
+          <p:cNvPr id="4" name="Espace réservé du numéro de diapositive 3"/>
+          <p:cNvSpPr>
+            <a:spLocks noGrp="1"/>
+          </p:cNvSpPr>
+          <p:nvPr>
+            <p:ph type="sldNum" sz="quarter" idx="12"/>
+          </p:nvPr>
+        </p:nvSpPr>
+        <p:spPr/>
+        <p:txBody>
+          <a:bodyPr/>
+          <a:lstStyle/>
+          <a:p>
+            <a:fld id="{AB9DB7C7-3B7A-421A-AF98-AB9FC2185CD3}" type="slidenum">
+              <a:rPr lang="fr-FR" smtClean="0"/>
+              <a:pPr/>
+              <a:t>14</a:t>
+            </a:fld>
+            <a:endParaRPr lang="fr-FR" dirty="0"/>
+          </a:p>
+        </p:txBody>
+      </p:sp>
+    </p:spTree>
+  </p:cSld>
+  <p:clrMapOvr>
+    <a:masterClrMapping/>
+  </p:clrMapOvr>
+</p:sld>
+</file>
+
+<file path=ppt/slides/slide15.xml><?xml version="1.0" encoding="utf-8"?>
+<p:sld xmlns:a="http://schemas.openxmlformats.org/drawingml/2006/main" xmlns:r="http://schemas.openxmlformats.org/officeDocument/2006/relationships" xmlns:p="http://schemas.openxmlformats.org/presentationml/2006/main">
+  <p:cSld>
+    <p:spTree>
+      <p:nvGrpSpPr>
+        <p:cNvPr id="1" name=""/>
+        <p:cNvGrpSpPr/>
+        <p:nvPr/>
+      </p:nvGrpSpPr>
+      <p:grpSpPr>
+        <a:xfrm>
+          <a:off x="0" y="0"/>
+          <a:ext cx="0" cy="0"/>
+          <a:chOff x="0" y="0"/>
+          <a:chExt cx="0" cy="0"/>
+        </a:xfrm>
+      </p:grpSpPr>
+      <p:sp>
+        <p:nvSpPr>
           <p:cNvPr id="5" name="Titre 4"/>
           <p:cNvSpPr>
             <a:spLocks noGrp="1"/>
@@ -5381,7 +6703,7 @@
             <a:fld id="{AB9DB7C7-3B7A-421A-AF98-AB9FC2185CD3}" type="slidenum">
               <a:rPr lang="fr-FR" smtClean="0"/>
               <a:pPr/>
-              <a:t>14</a:t>
+              <a:t>15</a:t>
             </a:fld>
             <a:endParaRPr lang="fr-FR" dirty="0"/>
           </a:p>
@@ -6535,111 +7857,48 @@
         <p:spPr/>
         <p:txBody>
           <a:bodyPr>
-            <a:normAutofit fontScale="92500" lnSpcReduction="20000"/>
+            <a:normAutofit fontScale="92500" lnSpcReduction="10000"/>
           </a:bodyPr>
           <a:lstStyle/>
           <a:p>
             <a:r>
               <a:rPr lang="en-US" dirty="0" smtClean="0"/>
-              <a:t>The algorithm requires only depth data from the Kinect</a:t>
-            </a:r>
-          </a:p>
-          <a:p>
+              <a:t>Kinect Output : Depth, Video and skeleton</a:t>
+            </a:r>
+          </a:p>
+          <a:p>
+            <a:pPr lvl="1"/>
+            <a:r>
+              <a:rPr lang="en-US" dirty="0" smtClean="0"/>
+              <a:t> The </a:t>
+            </a:r>
+            <a:r>
+              <a:rPr lang="en-US" dirty="0" smtClean="0"/>
+              <a:t>algorithm requires only depth </a:t>
+            </a:r>
+            <a:r>
+              <a:rPr lang="en-US" dirty="0" smtClean="0"/>
+              <a:t>data</a:t>
+            </a:r>
             <a:endParaRPr lang="en-US" dirty="0" smtClean="0"/>
           </a:p>
           <a:p>
+            <a:endParaRPr lang="en-US" dirty="0" smtClean="0"/>
+          </a:p>
+          <a:p>
             <a:r>
               <a:rPr lang="en-US" dirty="0" smtClean="0"/>
-              <a:t>Pixels are filtered based on their distance from the sensor and grouped by blobs </a:t>
-            </a:r>
-            <a:r>
-              <a:rPr lang="en-US" dirty="0" smtClean="0">
-                <a:solidFill>
-                  <a:srgbClr val="FF0000"/>
-                </a:solidFill>
-              </a:rPr>
-              <a:t>[because en </a:t>
-            </a:r>
-            <a:r>
-              <a:rPr lang="en-US" dirty="0" err="1" smtClean="0">
-                <a:solidFill>
-                  <a:srgbClr val="FF0000"/>
-                </a:solidFill>
-              </a:rPr>
-              <a:t>général</a:t>
-            </a:r>
-            <a:r>
-              <a:rPr lang="en-US" dirty="0" smtClean="0">
-                <a:solidFill>
-                  <a:srgbClr val="FF0000"/>
-                </a:solidFill>
-              </a:rPr>
-              <a:t> les gens </a:t>
-            </a:r>
-            <a:r>
-              <a:rPr lang="en-US" dirty="0" err="1" smtClean="0">
-                <a:solidFill>
-                  <a:srgbClr val="FF0000"/>
-                </a:solidFill>
-              </a:rPr>
-              <a:t>mettent</a:t>
-            </a:r>
-            <a:r>
-              <a:rPr lang="en-US" dirty="0" smtClean="0">
-                <a:solidFill>
-                  <a:srgbClr val="FF0000"/>
-                </a:solidFill>
-              </a:rPr>
-              <a:t> </a:t>
-            </a:r>
-            <a:r>
-              <a:rPr lang="en-US" dirty="0" err="1" smtClean="0">
-                <a:solidFill>
-                  <a:srgbClr val="FF0000"/>
-                </a:solidFill>
-              </a:rPr>
-              <a:t>leur</a:t>
-            </a:r>
-            <a:r>
-              <a:rPr lang="en-US" dirty="0" smtClean="0">
-                <a:solidFill>
-                  <a:srgbClr val="FF0000"/>
-                </a:solidFill>
-              </a:rPr>
-              <a:t> mains </a:t>
-            </a:r>
-            <a:r>
-              <a:rPr lang="en-US" dirty="0" err="1" smtClean="0">
-                <a:solidFill>
-                  <a:srgbClr val="FF0000"/>
-                </a:solidFill>
-              </a:rPr>
-              <a:t>devant</a:t>
-            </a:r>
-            <a:r>
-              <a:rPr lang="en-US" dirty="0" smtClean="0">
-                <a:solidFill>
-                  <a:srgbClr val="FF0000"/>
-                </a:solidFill>
-              </a:rPr>
-              <a:t> </a:t>
-            </a:r>
-            <a:r>
-              <a:rPr lang="en-US" dirty="0" err="1" smtClean="0">
-                <a:solidFill>
-                  <a:srgbClr val="FF0000"/>
-                </a:solidFill>
-              </a:rPr>
-              <a:t>leur</a:t>
-            </a:r>
-            <a:r>
-              <a:rPr lang="en-US" dirty="0" smtClean="0">
-                <a:solidFill>
-                  <a:srgbClr val="FF0000"/>
-                </a:solidFill>
-              </a:rPr>
-              <a:t> corps]</a:t>
-            </a:r>
+              <a:t>Pixels are filtered based on their distance from the sensor and grouped by </a:t>
+            </a:r>
+            <a:r>
+              <a:rPr lang="en-US" dirty="0" smtClean="0"/>
+              <a:t>blobs because closest blobs are more likely to be hands</a:t>
+            </a:r>
+            <a:endParaRPr lang="en-US" dirty="0" smtClean="0">
+              <a:solidFill>
+                <a:srgbClr val="FF0000"/>
+              </a:solidFill>
+            </a:endParaRPr>
           </a:p>
           <a:p>
             <a:endParaRPr lang="en-US" dirty="0" smtClean="0"/>
@@ -6647,16 +7906,17 @@
           <a:p>
             <a:r>
               <a:rPr lang="en-US" dirty="0" smtClean="0"/>
-              <a:t>The N biggest blobs are tracked by the software as potential hands candidates </a:t>
-            </a:r>
-            <a:r>
-              <a:rPr lang="en-US" dirty="0" smtClean="0">
-                <a:solidFill>
-                  <a:srgbClr val="FF0000"/>
-                </a:solidFill>
-              </a:rPr>
-              <a:t>[because …]</a:t>
-            </a:r>
+              <a:t>The N biggest blobs are tracked by the software as potential hands </a:t>
+            </a:r>
+            <a:r>
+              <a:rPr lang="en-US" dirty="0" smtClean="0"/>
+              <a:t>candidates</a:t>
+            </a:r>
+            <a:endParaRPr lang="en-US" dirty="0" smtClean="0">
+              <a:solidFill>
+                <a:srgbClr val="FF0000"/>
+              </a:solidFill>
+            </a:endParaRPr>
           </a:p>
           <a:p>
             <a:endParaRPr lang="en-US" dirty="0" smtClean="0"/>

--- a/Pr�sentation/Pr�sentation_NUI.pptx
+++ b/Pr�sentation/Pr�sentation_NUI.pptx
@@ -182,16 +182,16 @@
                   <c:v>4.201918</c:v>
                 </c:pt>
                 <c:pt idx="1">
-                  <c:v>1.0630710999999999</c:v>
+                  <c:v>1.0630710999999997</c:v>
                 </c:pt>
                 <c:pt idx="2">
-                  <c:v>0.2838696</c:v>
+                  <c:v>0.28386960000000006</c:v>
                 </c:pt>
                 <c:pt idx="3">
-                  <c:v>0.15299750000000001</c:v>
+                  <c:v>0.15299750000000004</c:v>
                 </c:pt>
                 <c:pt idx="4">
-                  <c:v>4.9842999999999998E-2</c:v>
+                  <c:v>4.9843000000000012E-2</c:v>
                 </c:pt>
                 <c:pt idx="5">
                   <c:v>3.8114299999999997E-2</c:v>
@@ -247,33 +247,33 @@
                 <c:formatCode>General</c:formatCode>
                 <c:ptCount val="6"/>
                 <c:pt idx="0">
-                  <c:v>3.4600000000000001E-5</c:v>
+                  <c:v>3.4600000000000014E-5</c:v>
                 </c:pt>
                 <c:pt idx="1">
-                  <c:v>3.4E-5</c:v>
+                  <c:v>3.4000000000000013E-5</c:v>
                 </c:pt>
                 <c:pt idx="2">
-                  <c:v>3.0700000000000001E-5</c:v>
+                  <c:v>3.0700000000000014E-5</c:v>
                 </c:pt>
                 <c:pt idx="3">
-                  <c:v>5.77E-5</c:v>
+                  <c:v>5.7700000000000027E-5</c:v>
                 </c:pt>
                 <c:pt idx="4">
-                  <c:v>3.3300000000000003E-5</c:v>
+                  <c:v>3.3300000000000017E-5</c:v>
                 </c:pt>
                 <c:pt idx="5">
-                  <c:v>3.4600000000000001E-5</c:v>
+                  <c:v>3.4600000000000014E-5</c:v>
                 </c:pt>
               </c:numCache>
             </c:numRef>
           </c:val>
         </c:ser>
         <c:marker val="1"/>
-        <c:axId val="76238848"/>
-        <c:axId val="79530240"/>
+        <c:axId val="66799104"/>
+        <c:axId val="66800640"/>
       </c:lineChart>
       <c:catAx>
-        <c:axId val="76238848"/>
+        <c:axId val="66799104"/>
         <c:scaling>
           <c:orientation val="minMax"/>
         </c:scaling>
@@ -289,14 +289,14 @@
             <a:endParaRPr lang="fr-FR"/>
           </a:p>
         </c:txPr>
-        <c:crossAx val="79530240"/>
-        <c:crossesAt val="1.0000000000000003E-5"/>
+        <c:crossAx val="66800640"/>
+        <c:crossesAt val="1.0000000000000006E-5"/>
         <c:auto val="1"/>
         <c:lblAlgn val="ctr"/>
         <c:lblOffset val="100"/>
       </c:catAx>
       <c:valAx>
-        <c:axId val="79530240"/>
+        <c:axId val="66800640"/>
         <c:scaling>
           <c:logBase val="10"/>
           <c:orientation val="minMax"/>
@@ -306,7 +306,7 @@
         <c:numFmt formatCode="General" sourceLinked="1"/>
         <c:minorTickMark val="in"/>
         <c:tickLblPos val="nextTo"/>
-        <c:crossAx val="76238848"/>
+        <c:crossAx val="66799104"/>
         <c:crosses val="autoZero"/>
         <c:crossBetween val="between"/>
       </c:valAx>
@@ -895,11 +895,7 @@
           <a:p>
             <a:r>
               <a:rPr lang="fr-FR" baseline="0" dirty="0" smtClean="0"/>
-              <a:t>On </a:t>
-            </a:r>
-            <a:r>
-              <a:rPr lang="fr-FR" baseline="0" dirty="0" smtClean="0"/>
-              <a:t>utilise que le </a:t>
+              <a:t>On utilise que le </a:t>
             </a:r>
             <a:r>
               <a:rPr lang="fr-FR" baseline="0" dirty="0" err="1" smtClean="0"/>
@@ -915,15 +911,7 @@
             </a:r>
             <a:r>
               <a:rPr lang="fr-FR" baseline="0" dirty="0" smtClean="0"/>
-              <a:t> </a:t>
-            </a:r>
-            <a:r>
-              <a:rPr lang="fr-FR" baseline="0" dirty="0" smtClean="0"/>
-              <a:t>parce </a:t>
-            </a:r>
-            <a:r>
-              <a:rPr lang="fr-FR" baseline="0" dirty="0" smtClean="0"/>
-              <a:t>que la </a:t>
+              <a:t> parce que la </a:t>
             </a:r>
             <a:r>
               <a:rPr lang="fr-FR" baseline="0" dirty="0" err="1" smtClean="0"/>
@@ -5844,7 +5832,7 @@
               <a:t>Original Kinect </a:t>
             </a:r>
             <a:r>
-              <a:rPr lang="fr-FR" b="1" dirty="0" err="1" smtClean="0">
+              <a:rPr lang="en-US" b="1" dirty="0" smtClean="0">
                 <a:ln w="12700">
                   <a:solidFill>
                     <a:schemeClr val="tx2">
@@ -5887,7 +5875,30 @@
                   </a:outerShdw>
                 </a:effectLst>
               </a:rPr>
-              <a:t> Image</a:t>
+              <a:t> </a:t>
+            </a:r>
+            <a:r>
+              <a:rPr lang="fr-FR" b="1" dirty="0" smtClean="0">
+                <a:ln w="12700">
+                  <a:solidFill>
+                    <a:schemeClr val="tx2">
+                      <a:satMod val="155000"/>
+                    </a:schemeClr>
+                  </a:solidFill>
+                  <a:prstDash val="solid"/>
+                </a:ln>
+                <a:solidFill>
+                  <a:schemeClr val="bg1"/>
+                </a:solidFill>
+                <a:effectLst>
+                  <a:outerShdw blurRad="41275" dist="20320" dir="1800000" algn="tl" rotWithShape="0">
+                    <a:srgbClr val="000000">
+                      <a:alpha val="40000"/>
+                    </a:srgbClr>
+                  </a:outerShdw>
+                </a:effectLst>
+              </a:rPr>
+              <a:t>Image</a:t>
             </a:r>
             <a:endParaRPr lang="fr-FR" b="1" dirty="0">
               <a:ln w="12700">
@@ -6600,7 +6611,6 @@
               <a:rPr lang="en-US" dirty="0" smtClean="0"/>
               <a:t>Minimum Depth : 50 cm (1m with the current Kinect)</a:t>
             </a:r>
-            <a:endParaRPr lang="en-US" dirty="0" smtClean="0"/>
           </a:p>
           <a:p>
             <a:endParaRPr lang="fr-FR" dirty="0"/>
@@ -7682,7 +7692,24 @@
                 <a:ea typeface="+mn-ea"/>
                 <a:cs typeface="+mn-cs"/>
               </a:rPr>
-              <a:t> limitations:</a:t>
+              <a:t> </a:t>
+            </a:r>
+            <a:r>
+              <a:rPr kumimoji="0" lang="en-US" sz="3000" b="0" i="0" u="none" strike="noStrike" kern="1200" cap="none" spc="0" normalizeH="0" baseline="0" noProof="0" dirty="0" smtClean="0">
+                <a:ln>
+                  <a:noFill/>
+                </a:ln>
+                <a:solidFill>
+                  <a:schemeClr val="tx1"/>
+                </a:solidFill>
+                <a:effectLst/>
+                <a:uLnTx/>
+                <a:uFillTx/>
+                <a:latin typeface="+mn-lt"/>
+                <a:ea typeface="+mn-ea"/>
+                <a:cs typeface="+mn-cs"/>
+              </a:rPr>
+              <a:t>limitations:</a:t>
             </a:r>
           </a:p>
           <a:p>
@@ -7863,36 +7890,28 @@
           <a:p>
             <a:r>
               <a:rPr lang="en-US" dirty="0" smtClean="0"/>
-              <a:t>Kinect Output : Depth, Video and skeleton</a:t>
-            </a:r>
+              <a:t>Kinect Output : Depth, Video and </a:t>
+            </a:r>
+            <a:r>
+              <a:rPr lang="en-US" dirty="0" smtClean="0"/>
+              <a:t>Skeleton</a:t>
+            </a:r>
+            <a:endParaRPr lang="en-US" dirty="0" smtClean="0"/>
           </a:p>
           <a:p>
             <a:pPr lvl="1"/>
             <a:r>
               <a:rPr lang="en-US" dirty="0" smtClean="0"/>
-              <a:t> The </a:t>
-            </a:r>
+              <a:t> The algorithm requires only depth data</a:t>
+            </a:r>
+          </a:p>
+          <a:p>
+            <a:endParaRPr lang="en-US" dirty="0" smtClean="0"/>
+          </a:p>
+          <a:p>
             <a:r>
               <a:rPr lang="en-US" dirty="0" smtClean="0"/>
-              <a:t>algorithm requires only depth </a:t>
-            </a:r>
-            <a:r>
-              <a:rPr lang="en-US" dirty="0" smtClean="0"/>
-              <a:t>data</a:t>
-            </a:r>
-            <a:endParaRPr lang="en-US" dirty="0" smtClean="0"/>
-          </a:p>
-          <a:p>
-            <a:endParaRPr lang="en-US" dirty="0" smtClean="0"/>
-          </a:p>
-          <a:p>
-            <a:r>
-              <a:rPr lang="en-US" dirty="0" smtClean="0"/>
-              <a:t>Pixels are filtered based on their distance from the sensor and grouped by </a:t>
-            </a:r>
-            <a:r>
-              <a:rPr lang="en-US" dirty="0" smtClean="0"/>
-              <a:t>blobs because closest blobs are more likely to be hands</a:t>
+              <a:t>Pixels are filtered based on their distance from the sensor and grouped by blobs because closest blobs are more likely to be hands</a:t>
             </a:r>
             <a:endParaRPr lang="en-US" dirty="0" smtClean="0">
               <a:solidFill>
@@ -7906,11 +7925,7 @@
           <a:p>
             <a:r>
               <a:rPr lang="en-US" dirty="0" smtClean="0"/>
-              <a:t>The N biggest blobs are tracked by the software as potential hands </a:t>
-            </a:r>
-            <a:r>
-              <a:rPr lang="en-US" dirty="0" smtClean="0"/>
-              <a:t>candidates</a:t>
+              <a:t>The N biggest blobs are tracked by the software as potential hands candidates</a:t>
             </a:r>
             <a:endParaRPr lang="en-US" dirty="0" smtClean="0">
               <a:solidFill>
@@ -8039,7 +8054,15 @@
             </a:pPr>
             <a:r>
               <a:rPr lang="en-US" dirty="0" smtClean="0"/>
-              <a:t>Everything must run at 30 fps to match </a:t>
+              <a:t>	Everything </a:t>
+            </a:r>
+            <a:r>
+              <a:rPr lang="en-US" dirty="0" smtClean="0"/>
+              <a:t>must run at 30 fps to </a:t>
+            </a:r>
+            <a:r>
+              <a:rPr lang="en-US" dirty="0" smtClean="0"/>
+              <a:t>match </a:t>
             </a:r>
             <a:r>
               <a:rPr lang="en-US" dirty="0" err="1" smtClean="0"/>
@@ -8047,7 +8070,11 @@
             </a:r>
             <a:r>
               <a:rPr lang="en-US" dirty="0" smtClean="0"/>
-              <a:t> Speed (approx. 33ms for everything)</a:t>
+              <a:t> </a:t>
+            </a:r>
+            <a:r>
+              <a:rPr lang="en-US" dirty="0" smtClean="0"/>
+              <a:t>Speed (approx. 33ms for everything)</a:t>
             </a:r>
           </a:p>
           <a:p>

--- a/Pr�sentation/Pr�sentation_NUI.pptx
+++ b/Pr�sentation/Pr�sentation_NUI.pptx
@@ -16,8 +16,8 @@
     <p:sldId id="261" r:id="rId7"/>
     <p:sldId id="269" r:id="rId8"/>
     <p:sldId id="263" r:id="rId9"/>
-    <p:sldId id="264" r:id="rId10"/>
-    <p:sldId id="270" r:id="rId11"/>
+    <p:sldId id="270" r:id="rId10"/>
+    <p:sldId id="264" r:id="rId11"/>
     <p:sldId id="267" r:id="rId12"/>
     <p:sldId id="266" r:id="rId13"/>
     <p:sldId id="262" r:id="rId14"/>
@@ -126,6 +126,7 @@
 
 <file path=ppt/charts/chart1.xml><?xml version="1.0" encoding="utf-8"?>
 <c:chartSpace xmlns:c="http://schemas.openxmlformats.org/drawingml/2006/chart" xmlns:a="http://schemas.openxmlformats.org/drawingml/2006/main" xmlns:r="http://schemas.openxmlformats.org/officeDocument/2006/relationships">
+  <c:date1904 val="1"/>
   <c:lang val="fr-FR"/>
   <c:chart>
     <c:plotArea>
@@ -182,16 +183,16 @@
                   <c:v>4.201918</c:v>
                 </c:pt>
                 <c:pt idx="1">
-                  <c:v>1.0630710999999997</c:v>
+                  <c:v>1.0630710999999995</c:v>
                 </c:pt>
                 <c:pt idx="2">
-                  <c:v>0.28386960000000006</c:v>
+                  <c:v>0.28386960000000011</c:v>
                 </c:pt>
                 <c:pt idx="3">
-                  <c:v>0.15299750000000004</c:v>
+                  <c:v>0.15299750000000006</c:v>
                 </c:pt>
                 <c:pt idx="4">
-                  <c:v>4.9843000000000012E-2</c:v>
+                  <c:v>4.9843000000000019E-2</c:v>
                 </c:pt>
                 <c:pt idx="5">
                   <c:v>3.8114299999999997E-2</c:v>
@@ -247,33 +248,33 @@
                 <c:formatCode>General</c:formatCode>
                 <c:ptCount val="6"/>
                 <c:pt idx="0">
-                  <c:v>3.4600000000000014E-5</c:v>
+                  <c:v>3.4600000000000028E-5</c:v>
                 </c:pt>
                 <c:pt idx="1">
-                  <c:v>3.4000000000000013E-5</c:v>
+                  <c:v>3.4000000000000027E-5</c:v>
                 </c:pt>
                 <c:pt idx="2">
-                  <c:v>3.0700000000000014E-5</c:v>
+                  <c:v>3.0700000000000028E-5</c:v>
                 </c:pt>
                 <c:pt idx="3">
-                  <c:v>5.7700000000000027E-5</c:v>
+                  <c:v>5.7700000000000054E-5</c:v>
                 </c:pt>
                 <c:pt idx="4">
-                  <c:v>3.3300000000000017E-5</c:v>
+                  <c:v>3.330000000000003E-5</c:v>
                 </c:pt>
                 <c:pt idx="5">
-                  <c:v>3.4600000000000014E-5</c:v>
+                  <c:v>3.4600000000000028E-5</c:v>
                 </c:pt>
               </c:numCache>
             </c:numRef>
           </c:val>
         </c:ser>
         <c:marker val="1"/>
-        <c:axId val="66799104"/>
-        <c:axId val="66800640"/>
+        <c:axId val="99304192"/>
+        <c:axId val="99305728"/>
       </c:lineChart>
       <c:catAx>
-        <c:axId val="66799104"/>
+        <c:axId val="99304192"/>
         <c:scaling>
           <c:orientation val="minMax"/>
         </c:scaling>
@@ -289,14 +290,14 @@
             <a:endParaRPr lang="fr-FR"/>
           </a:p>
         </c:txPr>
-        <c:crossAx val="66800640"/>
-        <c:crossesAt val="1.0000000000000006E-5"/>
+        <c:crossAx val="99305728"/>
+        <c:crossesAt val="1.0000000000000011E-5"/>
         <c:auto val="1"/>
         <c:lblAlgn val="ctr"/>
         <c:lblOffset val="100"/>
       </c:catAx>
       <c:valAx>
-        <c:axId val="66800640"/>
+        <c:axId val="99305728"/>
         <c:scaling>
           <c:logBase val="10"/>
           <c:orientation val="minMax"/>
@@ -306,7 +307,7 @@
         <c:numFmt formatCode="General" sourceLinked="1"/>
         <c:minorTickMark val="in"/>
         <c:tickLblPos val="nextTo"/>
-        <c:crossAx val="66799104"/>
+        <c:crossAx val="99304192"/>
         <c:crosses val="autoZero"/>
         <c:crossBetween val="between"/>
       </c:valAx>
@@ -1148,7 +1149,7 @@
             <a:fld id="{2AC8731D-2D87-440C-8698-DB210FC0FD5A}" type="slidenum">
               <a:rPr lang="fr-FR" smtClean="0"/>
               <a:pPr/>
-              <a:t>10</a:t>
+              <a:t>9</a:t>
             </a:fld>
             <a:endParaRPr lang="fr-FR"/>
           </a:p>
@@ -5210,40 +5211,69 @@
             </a:br>
             <a:r>
               <a:rPr lang="en-US" dirty="0" smtClean="0"/>
-              <a:t>	CPU </a:t>
+              <a:t>	Running in real time</a:t>
+            </a:r>
+            <a:endParaRPr lang="en-US" dirty="0"/>
+          </a:p>
+        </p:txBody>
+      </p:sp>
+      <p:sp>
+        <p:nvSpPr>
+          <p:cNvPr id="3" name="Espace réservé du contenu 2"/>
+          <p:cNvSpPr>
+            <a:spLocks noGrp="1"/>
+          </p:cNvSpPr>
+          <p:nvPr>
+            <p:ph idx="1"/>
+          </p:nvPr>
+        </p:nvSpPr>
+        <p:spPr/>
+        <p:txBody>
+          <a:bodyPr>
+            <a:normAutofit lnSpcReduction="10000"/>
+          </a:bodyPr>
+          <a:lstStyle/>
+          <a:p>
+            <a:pPr>
+              <a:buNone/>
+            </a:pPr>
+            <a:r>
+              <a:rPr lang="en-US" dirty="0" smtClean="0"/>
+              <a:t>	Everything must run at 30 fps to match </a:t>
             </a:r>
             <a:r>
               <a:rPr lang="en-US" dirty="0" err="1" smtClean="0"/>
-              <a:t>vs</a:t>
+              <a:t>Kinect’s</a:t>
             </a:r>
             <a:r>
               <a:rPr lang="en-US" dirty="0" smtClean="0"/>
-              <a:t> GPU</a:t>
+              <a:t> Speed (approx. 33ms for everything)</a:t>
+            </a:r>
+          </a:p>
+          <a:p>
+            <a:endParaRPr lang="en-US" dirty="0" smtClean="0"/>
+          </a:p>
+          <a:p>
+            <a:pPr lvl="1"/>
+            <a:r>
+              <a:rPr lang="en-US" dirty="0" smtClean="0"/>
+              <a:t>Using the horsepower of the graphic card when possible (only simple tasks done on the CPU)</a:t>
+            </a:r>
+          </a:p>
+          <a:p>
+            <a:pPr lvl="1"/>
+            <a:endParaRPr lang="en-US" dirty="0" smtClean="0"/>
+          </a:p>
+          <a:p>
+            <a:pPr lvl="1"/>
+            <a:r>
+              <a:rPr lang="en-US" dirty="0" smtClean="0"/>
+              <a:t>The 3D scene is again rendered and composed on the graphic card</a:t>
             </a:r>
             <a:endParaRPr lang="en-US" dirty="0"/>
           </a:p>
         </p:txBody>
       </p:sp>
-      <p:graphicFrame>
-        <p:nvGraphicFramePr>
-          <p:cNvPr id="5" name="Espace réservé du contenu 4"/>
-          <p:cNvGraphicFramePr>
-            <a:graphicFrameLocks noGrp="1"/>
-          </p:cNvGraphicFramePr>
-          <p:nvPr>
-            <p:ph idx="1"/>
-          </p:nvPr>
-        </p:nvGraphicFramePr>
-        <p:xfrm>
-          <a:off x="457200" y="1600200"/>
-          <a:ext cx="7467600" cy="4525963"/>
-        </p:xfrm>
-        <a:graphic>
-          <a:graphicData uri="http://schemas.openxmlformats.org/drawingml/2006/chart">
-            <c:chart xmlns:c="http://schemas.openxmlformats.org/drawingml/2006/chart" xmlns:r="http://schemas.openxmlformats.org/officeDocument/2006/relationships" r:id="rId3"/>
-          </a:graphicData>
-        </a:graphic>
-      </p:graphicFrame>
       <p:sp>
         <p:nvSpPr>
           <p:cNvPr id="4" name="Espace réservé du numéro de diapositive 3"/>
@@ -5260,192 +5290,11 @@
           <a:lstStyle/>
           <a:p>
             <a:fld id="{AB9DB7C7-3B7A-421A-AF98-AB9FC2185CD3}" type="slidenum">
-              <a:rPr lang="fr-FR" smtClean="0"/>
+              <a:rPr lang="en-US" smtClean="0"/>
               <a:pPr/>
               <a:t>10</a:t>
             </a:fld>
-            <a:endParaRPr lang="fr-FR" dirty="0"/>
-          </a:p>
-        </p:txBody>
-      </p:sp>
-      <p:sp>
-        <p:nvSpPr>
-          <p:cNvPr id="6" name="ZoneTexte 1"/>
-          <p:cNvSpPr txBox="1"/>
-          <p:nvPr/>
-        </p:nvSpPr>
-        <p:spPr>
-          <a:xfrm>
-            <a:off x="0" y="1556792"/>
-            <a:ext cx="1187624" cy="360040"/>
-          </a:xfrm>
-          <a:prstGeom prst="rect">
-            <a:avLst/>
-          </a:prstGeom>
-        </p:spPr>
-        <p:txBody>
-          <a:bodyPr wrap="square" rtlCol="0"/>
-          <a:lstStyle>
-            <a:lvl1pPr marL="0" indent="0">
-              <a:defRPr sz="1100">
-                <a:latin typeface="+mn-lt"/>
-                <a:ea typeface="+mn-ea"/>
-                <a:cs typeface="+mn-cs"/>
-              </a:defRPr>
-            </a:lvl1pPr>
-            <a:lvl2pPr marL="457200" indent="0">
-              <a:defRPr sz="1100">
-                <a:latin typeface="+mn-lt"/>
-                <a:ea typeface="+mn-ea"/>
-                <a:cs typeface="+mn-cs"/>
-              </a:defRPr>
-            </a:lvl2pPr>
-            <a:lvl3pPr marL="914400" indent="0">
-              <a:defRPr sz="1100">
-                <a:latin typeface="+mn-lt"/>
-                <a:ea typeface="+mn-ea"/>
-                <a:cs typeface="+mn-cs"/>
-              </a:defRPr>
-            </a:lvl3pPr>
-            <a:lvl4pPr marL="1371600" indent="0">
-              <a:defRPr sz="1100">
-                <a:latin typeface="+mn-lt"/>
-                <a:ea typeface="+mn-ea"/>
-                <a:cs typeface="+mn-cs"/>
-              </a:defRPr>
-            </a:lvl4pPr>
-            <a:lvl5pPr marL="1828800" indent="0">
-              <a:defRPr sz="1100">
-                <a:latin typeface="+mn-lt"/>
-                <a:ea typeface="+mn-ea"/>
-                <a:cs typeface="+mn-cs"/>
-              </a:defRPr>
-            </a:lvl5pPr>
-            <a:lvl6pPr marL="2286000" indent="0">
-              <a:defRPr sz="1100">
-                <a:latin typeface="+mn-lt"/>
-                <a:ea typeface="+mn-ea"/>
-                <a:cs typeface="+mn-cs"/>
-              </a:defRPr>
-            </a:lvl6pPr>
-            <a:lvl7pPr marL="2743200" indent="0">
-              <a:defRPr sz="1100">
-                <a:latin typeface="+mn-lt"/>
-                <a:ea typeface="+mn-ea"/>
-                <a:cs typeface="+mn-cs"/>
-              </a:defRPr>
-            </a:lvl7pPr>
-            <a:lvl8pPr marL="3200400" indent="0">
-              <a:defRPr sz="1100">
-                <a:latin typeface="+mn-lt"/>
-                <a:ea typeface="+mn-ea"/>
-                <a:cs typeface="+mn-cs"/>
-              </a:defRPr>
-            </a:lvl8pPr>
-            <a:lvl9pPr marL="3657600" indent="0">
-              <a:defRPr sz="1100">
-                <a:latin typeface="+mn-lt"/>
-                <a:ea typeface="+mn-ea"/>
-                <a:cs typeface="+mn-cs"/>
-              </a:defRPr>
-            </a:lvl9pPr>
-          </a:lstStyle>
-          <a:p>
-            <a:r>
-              <a:rPr lang="fr-FR" sz="2000" dirty="0" smtClean="0">
-                <a:solidFill>
-                  <a:sysClr val="window" lastClr="FFFFFF"/>
-                </a:solidFill>
-              </a:rPr>
-              <a:t>Seconds</a:t>
-            </a:r>
-            <a:endParaRPr lang="fr-FR" sz="2000" dirty="0">
-              <a:solidFill>
-                <a:sysClr val="window" lastClr="FFFFFF"/>
-              </a:solidFill>
-            </a:endParaRPr>
-          </a:p>
-        </p:txBody>
-      </p:sp>
-      <p:sp>
-        <p:nvSpPr>
-          <p:cNvPr id="7" name="Rectangle 6"/>
-          <p:cNvSpPr/>
-          <p:nvPr/>
-        </p:nvSpPr>
-        <p:spPr>
-          <a:xfrm>
-            <a:off x="4644008" y="1556792"/>
-            <a:ext cx="1368152" cy="4320480"/>
-          </a:xfrm>
-          <a:prstGeom prst="rect">
-            <a:avLst/>
-          </a:prstGeom>
-          <a:noFill/>
-          <a:ln>
-            <a:prstDash val="sysDash"/>
-          </a:ln>
-        </p:spPr>
-        <p:style>
-          <a:lnRef idx="2">
-            <a:schemeClr val="accent1">
-              <a:shade val="50000"/>
-            </a:schemeClr>
-          </a:lnRef>
-          <a:fillRef idx="1">
-            <a:schemeClr val="accent1"/>
-          </a:fillRef>
-          <a:effectRef idx="0">
-            <a:schemeClr val="accent1"/>
-          </a:effectRef>
-          <a:fontRef idx="minor">
-            <a:schemeClr val="lt1"/>
-          </a:fontRef>
-        </p:style>
-        <p:txBody>
-          <a:bodyPr rtlCol="0" anchor="ctr"/>
-          <a:lstStyle/>
-          <a:p>
-            <a:pPr algn="ctr"/>
-            <a:endParaRPr lang="fr-FR"/>
-          </a:p>
-        </p:txBody>
-      </p:sp>
-      <p:sp>
-        <p:nvSpPr>
-          <p:cNvPr id="8" name="ZoneTexte 7"/>
-          <p:cNvSpPr txBox="1"/>
-          <p:nvPr/>
-        </p:nvSpPr>
-        <p:spPr>
-          <a:xfrm>
-            <a:off x="5004048" y="1124744"/>
-            <a:ext cx="1584176" cy="369332"/>
-          </a:xfrm>
-          <a:prstGeom prst="rect">
-            <a:avLst/>
-          </a:prstGeom>
-          <a:noFill/>
-        </p:spPr>
-        <p:txBody>
-          <a:bodyPr wrap="square" rtlCol="0">
-            <a:spAutoFit/>
-          </a:bodyPr>
-          <a:lstStyle/>
-          <a:p>
-            <a:r>
-              <a:rPr lang="en-US" dirty="0" smtClean="0">
-                <a:solidFill>
-                  <a:schemeClr val="tx2"/>
-                </a:solidFill>
-              </a:rPr>
-              <a:t>Used range</a:t>
-            </a:r>
-            <a:endParaRPr lang="en-US" dirty="0">
-              <a:solidFill>
-                <a:schemeClr val="tx2"/>
-              </a:solidFill>
-            </a:endParaRPr>
+            <a:endParaRPr lang="en-US"/>
           </a:p>
         </p:txBody>
       </p:sp>
@@ -5454,6 +5303,13 @@
   <p:clrMapOvr>
     <a:masterClrMapping/>
   </p:clrMapOvr>
+  <p:timing>
+    <p:tnLst>
+      <p:par>
+        <p:cTn id="1" dur="indefinite" restart="never" nodeType="tmRoot"/>
+      </p:par>
+    </p:tnLst>
+  </p:timing>
 </p:sld>
 </file>
 
@@ -5875,30 +5731,7 @@
                   </a:outerShdw>
                 </a:effectLst>
               </a:rPr>
-              <a:t> </a:t>
-            </a:r>
-            <a:r>
-              <a:rPr lang="fr-FR" b="1" dirty="0" smtClean="0">
-                <a:ln w="12700">
-                  <a:solidFill>
-                    <a:schemeClr val="tx2">
-                      <a:satMod val="155000"/>
-                    </a:schemeClr>
-                  </a:solidFill>
-                  <a:prstDash val="solid"/>
-                </a:ln>
-                <a:solidFill>
-                  <a:schemeClr val="bg1"/>
-                </a:solidFill>
-                <a:effectLst>
-                  <a:outerShdw blurRad="41275" dist="20320" dir="1800000" algn="tl" rotWithShape="0">
-                    <a:srgbClr val="000000">
-                      <a:alpha val="40000"/>
-                    </a:srgbClr>
-                  </a:outerShdw>
-                </a:effectLst>
-              </a:rPr>
-              <a:t>Image</a:t>
+              <a:t> Image</a:t>
             </a:r>
             <a:endParaRPr lang="fr-FR" b="1" dirty="0">
               <a:ln w="12700">
@@ -6222,6 +6055,87 @@
       </p:grpSpPr>
       <p:sp>
         <p:nvSpPr>
+          <p:cNvPr id="6" name="Espace réservé du contenu 2"/>
+          <p:cNvSpPr>
+            <a:spLocks noGrp="1"/>
+          </p:cNvSpPr>
+          <p:nvPr>
+            <p:ph idx="1"/>
+          </p:nvPr>
+        </p:nvSpPr>
+        <p:spPr>
+          <a:xfrm>
+            <a:off x="457200" y="1600200"/>
+            <a:ext cx="7467600" cy="4525963"/>
+          </a:xfrm>
+        </p:spPr>
+        <p:txBody>
+          <a:bodyPr>
+            <a:normAutofit lnSpcReduction="10000"/>
+          </a:bodyPr>
+          <a:lstStyle/>
+          <a:p>
+            <a:r>
+              <a:rPr lang="en-US" dirty="0" smtClean="0"/>
+              <a:t>Total Execution Time : </a:t>
+            </a:r>
+            <a:r>
+              <a:rPr lang="en-US" dirty="0" smtClean="0">
+                <a:solidFill>
+                  <a:srgbClr val="FFC000"/>
+                </a:solidFill>
+              </a:rPr>
+              <a:t>10 – 18 ms</a:t>
+            </a:r>
+          </a:p>
+          <a:p>
+            <a:endParaRPr lang="en-US" dirty="0" smtClean="0">
+              <a:solidFill>
+                <a:srgbClr val="FFFF00"/>
+              </a:solidFill>
+            </a:endParaRPr>
+          </a:p>
+          <a:p>
+            <a:r>
+              <a:rPr lang="en-US" dirty="0" smtClean="0"/>
+              <a:t>We are tracking 4 blobs</a:t>
+            </a:r>
+          </a:p>
+          <a:p>
+            <a:pPr lvl="1"/>
+            <a:r>
+              <a:rPr lang="en-US" dirty="0" smtClean="0"/>
+              <a:t>Single user</a:t>
+            </a:r>
+          </a:p>
+          <a:p>
+            <a:pPr lvl="1"/>
+            <a:r>
+              <a:rPr lang="en-US" dirty="0" smtClean="0"/>
+              <a:t>Usually only both arms and the head are visible</a:t>
+            </a:r>
+          </a:p>
+          <a:p>
+            <a:pPr lvl="1"/>
+            <a:endParaRPr lang="en-US" dirty="0" smtClean="0"/>
+          </a:p>
+          <a:p>
+            <a:r>
+              <a:rPr lang="en-US" dirty="0" smtClean="0"/>
+              <a:t>Functional distance : 1m – 2m</a:t>
+            </a:r>
+          </a:p>
+          <a:p>
+            <a:pPr lvl="1"/>
+            <a:r>
+              <a:rPr lang="en-US" dirty="0" smtClean="0"/>
+              <a:t>1m is the minimum allowed by the Kinect, 2m was defined as a usability configuration</a:t>
+            </a:r>
+          </a:p>
+        </p:txBody>
+      </p:sp>
+      <p:sp>
+        <p:nvSpPr>
           <p:cNvPr id="2" name="Titre 1"/>
           <p:cNvSpPr>
             <a:spLocks noGrp="1"/>
@@ -6236,10 +6150,10 @@
           <a:lstStyle/>
           <a:p>
             <a:r>
-              <a:rPr lang="en-US" smtClean="0"/>
+              <a:rPr lang="en-US" dirty="0" smtClean="0"/>
               <a:t>Results</a:t>
             </a:r>
-            <a:endParaRPr lang="en-US"/>
+            <a:endParaRPr lang="en-US" dirty="0"/>
           </a:p>
         </p:txBody>
       </p:sp>
@@ -6264,206 +6178,6 @@
               <a:t>13</a:t>
             </a:fld>
             <a:endParaRPr lang="en-US"/>
-          </a:p>
-        </p:txBody>
-      </p:sp>
-      <p:sp>
-        <p:nvSpPr>
-          <p:cNvPr id="5" name="ZoneTexte 4"/>
-          <p:cNvSpPr txBox="1"/>
-          <p:nvPr/>
-        </p:nvSpPr>
-        <p:spPr>
-          <a:xfrm>
-            <a:off x="611560" y="1484784"/>
-            <a:ext cx="7200800" cy="1938992"/>
-          </a:xfrm>
-          <a:prstGeom prst="rect">
-            <a:avLst/>
-          </a:prstGeom>
-          <a:noFill/>
-        </p:spPr>
-        <p:txBody>
-          <a:bodyPr wrap="square" rtlCol="0">
-            <a:spAutoFit/>
-          </a:bodyPr>
-          <a:lstStyle/>
-          <a:p>
-            <a:r>
-              <a:rPr lang="en-US" sz="2400" b="1" dirty="0" smtClean="0"/>
-              <a:t>Total Time of the Algorithm : 10 – 18 ms</a:t>
-            </a:r>
-            <a:endParaRPr lang="en-US" sz="2400" dirty="0" smtClean="0">
-              <a:solidFill>
-                <a:srgbClr val="FF0000"/>
-              </a:solidFill>
-            </a:endParaRPr>
-          </a:p>
-          <a:p>
-            <a:endParaRPr lang="en-US" sz="2400" dirty="0" smtClean="0">
-              <a:solidFill>
-                <a:srgbClr val="FF0000"/>
-              </a:solidFill>
-            </a:endParaRPr>
-          </a:p>
-          <a:p>
-            <a:r>
-              <a:rPr lang="en-US" sz="2400" dirty="0" smtClean="0">
-                <a:solidFill>
-                  <a:srgbClr val="FF0000"/>
-                </a:solidFill>
-              </a:rPr>
-              <a:t>Dire </a:t>
-            </a:r>
-            <a:r>
-              <a:rPr lang="en-US" sz="2400" dirty="0" err="1" smtClean="0">
-                <a:solidFill>
-                  <a:srgbClr val="FF0000"/>
-                </a:solidFill>
-              </a:rPr>
-              <a:t>aussi</a:t>
-            </a:r>
-            <a:r>
-              <a:rPr lang="en-US" sz="2400" dirty="0" smtClean="0">
-                <a:solidFill>
-                  <a:srgbClr val="FF0000"/>
-                </a:solidFill>
-              </a:rPr>
-              <a:t> </a:t>
-            </a:r>
-            <a:r>
-              <a:rPr lang="en-US" sz="2400" dirty="0" err="1" smtClean="0">
-                <a:solidFill>
-                  <a:srgbClr val="FF0000"/>
-                </a:solidFill>
-              </a:rPr>
-              <a:t>ce</a:t>
-            </a:r>
-            <a:r>
-              <a:rPr lang="en-US" sz="2400" dirty="0" smtClean="0">
-                <a:solidFill>
-                  <a:srgbClr val="FF0000"/>
-                </a:solidFill>
-              </a:rPr>
-              <a:t> qui se </a:t>
-            </a:r>
-            <a:r>
-              <a:rPr lang="en-US" sz="2400" dirty="0" err="1" smtClean="0">
-                <a:solidFill>
-                  <a:srgbClr val="FF0000"/>
-                </a:solidFill>
-              </a:rPr>
-              <a:t>passe</a:t>
-            </a:r>
-            <a:r>
-              <a:rPr lang="en-US" sz="2400" dirty="0" smtClean="0">
-                <a:solidFill>
-                  <a:srgbClr val="FF0000"/>
-                </a:solidFill>
-              </a:rPr>
-              <a:t> </a:t>
-            </a:r>
-            <a:r>
-              <a:rPr lang="en-US" sz="2400" dirty="0" err="1" smtClean="0">
-                <a:solidFill>
-                  <a:srgbClr val="FF0000"/>
-                </a:solidFill>
-              </a:rPr>
-              <a:t>si</a:t>
-            </a:r>
-            <a:r>
-              <a:rPr lang="en-US" sz="2400" dirty="0" smtClean="0">
-                <a:solidFill>
-                  <a:srgbClr val="FF0000"/>
-                </a:solidFill>
-              </a:rPr>
-              <a:t> on </a:t>
-            </a:r>
-            <a:r>
-              <a:rPr lang="en-US" sz="2400" dirty="0" err="1" smtClean="0">
-                <a:solidFill>
-                  <a:srgbClr val="FF0000"/>
-                </a:solidFill>
-              </a:rPr>
-              <a:t>utilise</a:t>
-            </a:r>
-            <a:r>
-              <a:rPr lang="en-US" sz="2400" dirty="0" smtClean="0">
-                <a:solidFill>
-                  <a:srgbClr val="FF0000"/>
-                </a:solidFill>
-              </a:rPr>
-              <a:t> </a:t>
-            </a:r>
-            <a:r>
-              <a:rPr lang="en-US" sz="2400" dirty="0" err="1" smtClean="0">
-                <a:solidFill>
-                  <a:srgbClr val="FF0000"/>
-                </a:solidFill>
-              </a:rPr>
-              <a:t>que</a:t>
-            </a:r>
-            <a:r>
-              <a:rPr lang="en-US" sz="2400" dirty="0" smtClean="0">
-                <a:solidFill>
-                  <a:srgbClr val="FF0000"/>
-                </a:solidFill>
-              </a:rPr>
-              <a:t> 2 blobs et pas 4, </a:t>
-            </a:r>
-            <a:r>
-              <a:rPr lang="en-US" sz="2400" dirty="0" err="1" smtClean="0">
-                <a:solidFill>
-                  <a:srgbClr val="FF0000"/>
-                </a:solidFill>
-              </a:rPr>
-              <a:t>ou</a:t>
-            </a:r>
-            <a:r>
-              <a:rPr lang="en-US" sz="2400" dirty="0" smtClean="0">
-                <a:solidFill>
-                  <a:srgbClr val="FF0000"/>
-                </a:solidFill>
-              </a:rPr>
-              <a:t> 6, etc. Genre un graph recognition rate en </a:t>
-            </a:r>
-            <a:r>
-              <a:rPr lang="en-US" sz="2400" dirty="0" err="1" smtClean="0">
-                <a:solidFill>
-                  <a:srgbClr val="FF0000"/>
-                </a:solidFill>
-              </a:rPr>
-              <a:t>fonction</a:t>
-            </a:r>
-            <a:r>
-              <a:rPr lang="en-US" sz="2400" dirty="0" smtClean="0">
-                <a:solidFill>
-                  <a:srgbClr val="FF0000"/>
-                </a:solidFill>
-              </a:rPr>
-              <a:t> du </a:t>
-            </a:r>
-            <a:r>
-              <a:rPr lang="en-US" sz="2400" dirty="0" err="1" smtClean="0">
-                <a:solidFill>
-                  <a:srgbClr val="FF0000"/>
-                </a:solidFill>
-              </a:rPr>
-              <a:t>nb</a:t>
-            </a:r>
-            <a:r>
-              <a:rPr lang="en-US" sz="2400" dirty="0" smtClean="0">
-                <a:solidFill>
-                  <a:srgbClr val="FF0000"/>
-                </a:solidFill>
-              </a:rPr>
-              <a:t> de blobs</a:t>
-            </a:r>
-            <a:endParaRPr lang="en-US" sz="2400" dirty="0">
-              <a:solidFill>
-                <a:srgbClr val="FF0000"/>
-              </a:solidFill>
-            </a:endParaRPr>
           </a:p>
         </p:txBody>
       </p:sp>
@@ -7692,24 +7406,7 @@
                 <a:ea typeface="+mn-ea"/>
                 <a:cs typeface="+mn-cs"/>
               </a:rPr>
-              <a:t> </a:t>
-            </a:r>
-            <a:r>
-              <a:rPr kumimoji="0" lang="en-US" sz="3000" b="0" i="0" u="none" strike="noStrike" kern="1200" cap="none" spc="0" normalizeH="0" baseline="0" noProof="0" dirty="0" smtClean="0">
-                <a:ln>
-                  <a:noFill/>
-                </a:ln>
-                <a:solidFill>
-                  <a:schemeClr val="tx1"/>
-                </a:solidFill>
-                <a:effectLst/>
-                <a:uLnTx/>
-                <a:uFillTx/>
-                <a:latin typeface="+mn-lt"/>
-                <a:ea typeface="+mn-ea"/>
-                <a:cs typeface="+mn-cs"/>
-              </a:rPr>
-              <a:t>limitations:</a:t>
+              <a:t> limitations:</a:t>
             </a:r>
           </a:p>
           <a:p>
@@ -7890,13 +7587,8 @@
           <a:p>
             <a:r>
               <a:rPr lang="en-US" dirty="0" smtClean="0"/>
-              <a:t>Kinect Output : Depth, Video and </a:t>
-            </a:r>
-            <a:r>
-              <a:rPr lang="en-US" dirty="0" smtClean="0"/>
-              <a:t>Skeleton</a:t>
-            </a:r>
-            <a:endParaRPr lang="en-US" dirty="0" smtClean="0"/>
+              <a:t>Kinect Output : Depth, Video and Skeleton</a:t>
+            </a:r>
           </a:p>
           <a:p>
             <a:pPr lvl="1"/>
@@ -8026,81 +7718,40 @@
             </a:br>
             <a:r>
               <a:rPr lang="en-US" dirty="0" smtClean="0"/>
-              <a:t>	Running in real time</a:t>
+              <a:t>	CPU </a:t>
+            </a:r>
+            <a:r>
+              <a:rPr lang="en-US" dirty="0" err="1" smtClean="0"/>
+              <a:t>vs</a:t>
+            </a:r>
+            <a:r>
+              <a:rPr lang="en-US" dirty="0" smtClean="0"/>
+              <a:t> GPU</a:t>
             </a:r>
             <a:endParaRPr lang="en-US" dirty="0"/>
           </a:p>
         </p:txBody>
       </p:sp>
-      <p:sp>
-        <p:nvSpPr>
-          <p:cNvPr id="3" name="Espace réservé du contenu 2"/>
-          <p:cNvSpPr>
-            <a:spLocks noGrp="1"/>
-          </p:cNvSpPr>
+      <p:graphicFrame>
+        <p:nvGraphicFramePr>
+          <p:cNvPr id="5" name="Espace réservé du contenu 4"/>
+          <p:cNvGraphicFramePr>
+            <a:graphicFrameLocks noGrp="1"/>
+          </p:cNvGraphicFramePr>
           <p:nvPr>
             <p:ph idx="1"/>
           </p:nvPr>
-        </p:nvSpPr>
-        <p:spPr/>
-        <p:txBody>
-          <a:bodyPr>
-            <a:normAutofit lnSpcReduction="10000"/>
-          </a:bodyPr>
-          <a:lstStyle/>
-          <a:p>
-            <a:pPr>
-              <a:buNone/>
-            </a:pPr>
-            <a:r>
-              <a:rPr lang="en-US" dirty="0" smtClean="0"/>
-              <a:t>	Everything </a:t>
-            </a:r>
-            <a:r>
-              <a:rPr lang="en-US" dirty="0" smtClean="0"/>
-              <a:t>must run at 30 fps to </a:t>
-            </a:r>
-            <a:r>
-              <a:rPr lang="en-US" dirty="0" smtClean="0"/>
-              <a:t>match </a:t>
-            </a:r>
-            <a:r>
-              <a:rPr lang="en-US" dirty="0" err="1" smtClean="0"/>
-              <a:t>Kinect’s</a:t>
-            </a:r>
-            <a:r>
-              <a:rPr lang="en-US" dirty="0" smtClean="0"/>
-              <a:t> </a:t>
-            </a:r>
-            <a:r>
-              <a:rPr lang="en-US" dirty="0" smtClean="0"/>
-              <a:t>Speed (approx. 33ms for everything)</a:t>
-            </a:r>
-          </a:p>
-          <a:p>
-            <a:endParaRPr lang="en-US" dirty="0" smtClean="0"/>
-          </a:p>
-          <a:p>
-            <a:pPr lvl="1"/>
-            <a:r>
-              <a:rPr lang="en-US" dirty="0" smtClean="0"/>
-              <a:t>Using the horsepower of the graphic card when possible (only simple tasks done on the CPU)</a:t>
-            </a:r>
-          </a:p>
-          <a:p>
-            <a:pPr lvl="1"/>
-            <a:endParaRPr lang="en-US" dirty="0" smtClean="0"/>
-          </a:p>
-          <a:p>
-            <a:pPr lvl="1"/>
-            <a:r>
-              <a:rPr lang="en-US" dirty="0" smtClean="0"/>
-              <a:t>The 3D scene is again rendered and composed on the graphic card</a:t>
-            </a:r>
-            <a:endParaRPr lang="en-US" dirty="0"/>
-          </a:p>
-        </p:txBody>
-      </p:sp>
+        </p:nvGraphicFramePr>
+        <p:xfrm>
+          <a:off x="457200" y="1600200"/>
+          <a:ext cx="7467600" cy="4525963"/>
+        </p:xfrm>
+        <a:graphic>
+          <a:graphicData uri="http://schemas.openxmlformats.org/drawingml/2006/chart">
+            <c:chart xmlns:c="http://schemas.openxmlformats.org/drawingml/2006/chart" xmlns:r="http://schemas.openxmlformats.org/officeDocument/2006/relationships" r:id="rId3"/>
+          </a:graphicData>
+        </a:graphic>
+      </p:graphicFrame>
       <p:sp>
         <p:nvSpPr>
           <p:cNvPr id="4" name="Espace réservé du numéro de diapositive 3"/>
@@ -8117,11 +7768,192 @@
           <a:lstStyle/>
           <a:p>
             <a:fld id="{AB9DB7C7-3B7A-421A-AF98-AB9FC2185CD3}" type="slidenum">
-              <a:rPr lang="en-US" smtClean="0"/>
+              <a:rPr lang="fr-FR" smtClean="0"/>
               <a:pPr/>
               <a:t>9</a:t>
             </a:fld>
-            <a:endParaRPr lang="en-US"/>
+            <a:endParaRPr lang="fr-FR" dirty="0"/>
+          </a:p>
+        </p:txBody>
+      </p:sp>
+      <p:sp>
+        <p:nvSpPr>
+          <p:cNvPr id="6" name="ZoneTexte 1"/>
+          <p:cNvSpPr txBox="1"/>
+          <p:nvPr/>
+        </p:nvSpPr>
+        <p:spPr>
+          <a:xfrm>
+            <a:off x="0" y="1556792"/>
+            <a:ext cx="1187624" cy="360040"/>
+          </a:xfrm>
+          <a:prstGeom prst="rect">
+            <a:avLst/>
+          </a:prstGeom>
+        </p:spPr>
+        <p:txBody>
+          <a:bodyPr wrap="square" rtlCol="0"/>
+          <a:lstStyle>
+            <a:lvl1pPr marL="0" indent="0">
+              <a:defRPr sz="1100">
+                <a:latin typeface="+mn-lt"/>
+                <a:ea typeface="+mn-ea"/>
+                <a:cs typeface="+mn-cs"/>
+              </a:defRPr>
+            </a:lvl1pPr>
+            <a:lvl2pPr marL="457200" indent="0">
+              <a:defRPr sz="1100">
+                <a:latin typeface="+mn-lt"/>
+                <a:ea typeface="+mn-ea"/>
+                <a:cs typeface="+mn-cs"/>
+              </a:defRPr>
+            </a:lvl2pPr>
+            <a:lvl3pPr marL="914400" indent="0">
+              <a:defRPr sz="1100">
+                <a:latin typeface="+mn-lt"/>
+                <a:ea typeface="+mn-ea"/>
+                <a:cs typeface="+mn-cs"/>
+              </a:defRPr>
+            </a:lvl3pPr>
+            <a:lvl4pPr marL="1371600" indent="0">
+              <a:defRPr sz="1100">
+                <a:latin typeface="+mn-lt"/>
+                <a:ea typeface="+mn-ea"/>
+                <a:cs typeface="+mn-cs"/>
+              </a:defRPr>
+            </a:lvl4pPr>
+            <a:lvl5pPr marL="1828800" indent="0">
+              <a:defRPr sz="1100">
+                <a:latin typeface="+mn-lt"/>
+                <a:ea typeface="+mn-ea"/>
+                <a:cs typeface="+mn-cs"/>
+              </a:defRPr>
+            </a:lvl5pPr>
+            <a:lvl6pPr marL="2286000" indent="0">
+              <a:defRPr sz="1100">
+                <a:latin typeface="+mn-lt"/>
+                <a:ea typeface="+mn-ea"/>
+                <a:cs typeface="+mn-cs"/>
+              </a:defRPr>
+            </a:lvl6pPr>
+            <a:lvl7pPr marL="2743200" indent="0">
+              <a:defRPr sz="1100">
+                <a:latin typeface="+mn-lt"/>
+                <a:ea typeface="+mn-ea"/>
+                <a:cs typeface="+mn-cs"/>
+              </a:defRPr>
+            </a:lvl7pPr>
+            <a:lvl8pPr marL="3200400" indent="0">
+              <a:defRPr sz="1100">
+                <a:latin typeface="+mn-lt"/>
+                <a:ea typeface="+mn-ea"/>
+                <a:cs typeface="+mn-cs"/>
+              </a:defRPr>
+            </a:lvl8pPr>
+            <a:lvl9pPr marL="3657600" indent="0">
+              <a:defRPr sz="1100">
+                <a:latin typeface="+mn-lt"/>
+                <a:ea typeface="+mn-ea"/>
+                <a:cs typeface="+mn-cs"/>
+              </a:defRPr>
+            </a:lvl9pPr>
+          </a:lstStyle>
+          <a:p>
+            <a:r>
+              <a:rPr lang="fr-FR" sz="2000" dirty="0" smtClean="0">
+                <a:solidFill>
+                  <a:sysClr val="window" lastClr="FFFFFF"/>
+                </a:solidFill>
+              </a:rPr>
+              <a:t>Seconds</a:t>
+            </a:r>
+            <a:endParaRPr lang="fr-FR" sz="2000" dirty="0">
+              <a:solidFill>
+                <a:sysClr val="window" lastClr="FFFFFF"/>
+              </a:solidFill>
+            </a:endParaRPr>
+          </a:p>
+        </p:txBody>
+      </p:sp>
+      <p:sp>
+        <p:nvSpPr>
+          <p:cNvPr id="7" name="Rectangle 6"/>
+          <p:cNvSpPr/>
+          <p:nvPr/>
+        </p:nvSpPr>
+        <p:spPr>
+          <a:xfrm>
+            <a:off x="4644008" y="1556792"/>
+            <a:ext cx="1368152" cy="4320480"/>
+          </a:xfrm>
+          <a:prstGeom prst="rect">
+            <a:avLst/>
+          </a:prstGeom>
+          <a:noFill/>
+          <a:ln>
+            <a:prstDash val="sysDash"/>
+          </a:ln>
+        </p:spPr>
+        <p:style>
+          <a:lnRef idx="2">
+            <a:schemeClr val="accent1">
+              <a:shade val="50000"/>
+            </a:schemeClr>
+          </a:lnRef>
+          <a:fillRef idx="1">
+            <a:schemeClr val="accent1"/>
+          </a:fillRef>
+          <a:effectRef idx="0">
+            <a:schemeClr val="accent1"/>
+          </a:effectRef>
+          <a:fontRef idx="minor">
+            <a:schemeClr val="lt1"/>
+          </a:fontRef>
+        </p:style>
+        <p:txBody>
+          <a:bodyPr rtlCol="0" anchor="ctr"/>
+          <a:lstStyle/>
+          <a:p>
+            <a:pPr algn="ctr"/>
+            <a:endParaRPr lang="fr-FR"/>
+          </a:p>
+        </p:txBody>
+      </p:sp>
+      <p:sp>
+        <p:nvSpPr>
+          <p:cNvPr id="8" name="ZoneTexte 7"/>
+          <p:cNvSpPr txBox="1"/>
+          <p:nvPr/>
+        </p:nvSpPr>
+        <p:spPr>
+          <a:xfrm>
+            <a:off x="5004048" y="1124744"/>
+            <a:ext cx="1584176" cy="369332"/>
+          </a:xfrm>
+          <a:prstGeom prst="rect">
+            <a:avLst/>
+          </a:prstGeom>
+          <a:noFill/>
+        </p:spPr>
+        <p:txBody>
+          <a:bodyPr wrap="square" rtlCol="0">
+            <a:spAutoFit/>
+          </a:bodyPr>
+          <a:lstStyle/>
+          <a:p>
+            <a:r>
+              <a:rPr lang="en-US" dirty="0" smtClean="0">
+                <a:solidFill>
+                  <a:schemeClr val="tx2"/>
+                </a:solidFill>
+              </a:rPr>
+              <a:t>Used range</a:t>
+            </a:r>
+            <a:endParaRPr lang="en-US" dirty="0">
+              <a:solidFill>
+                <a:schemeClr val="tx2"/>
+              </a:solidFill>
+            </a:endParaRPr>
           </a:p>
         </p:txBody>
       </p:sp>
@@ -8130,13 +7962,6 @@
   <p:clrMapOvr>
     <a:masterClrMapping/>
   </p:clrMapOvr>
-  <p:timing>
-    <p:tnLst>
-      <p:par>
-        <p:cTn id="1" dur="indefinite" restart="never" nodeType="tmRoot"/>
-      </p:par>
-    </p:tnLst>
-  </p:timing>
 </p:sld>
 </file>
 

--- a/Pr�sentation/Pr�sentation_NUI.pptx
+++ b/Pr�sentation/Pr�sentation_NUI.pptx
@@ -183,16 +183,16 @@
                   <c:v>4.201918</c:v>
                 </c:pt>
                 <c:pt idx="1">
-                  <c:v>1.0630710999999995</c:v>
+                  <c:v>1.0630710999999993</c:v>
                 </c:pt>
                 <c:pt idx="2">
-                  <c:v>0.28386960000000011</c:v>
+                  <c:v>0.28386960000000017</c:v>
                 </c:pt>
                 <c:pt idx="3">
-                  <c:v>0.15299750000000006</c:v>
+                  <c:v>0.15299750000000009</c:v>
                 </c:pt>
                 <c:pt idx="4">
-                  <c:v>4.9843000000000019E-2</c:v>
+                  <c:v>4.9843000000000026E-2</c:v>
                 </c:pt>
                 <c:pt idx="5">
                   <c:v>3.8114299999999997E-2</c:v>
@@ -248,33 +248,33 @@
                 <c:formatCode>General</c:formatCode>
                 <c:ptCount val="6"/>
                 <c:pt idx="0">
-                  <c:v>3.4600000000000028E-5</c:v>
+                  <c:v>3.4600000000000048E-5</c:v>
                 </c:pt>
                 <c:pt idx="1">
-                  <c:v>3.4000000000000027E-5</c:v>
+                  <c:v>3.4000000000000047E-5</c:v>
                 </c:pt>
                 <c:pt idx="2">
-                  <c:v>3.0700000000000028E-5</c:v>
+                  <c:v>3.0700000000000041E-5</c:v>
                 </c:pt>
                 <c:pt idx="3">
-                  <c:v>5.7700000000000054E-5</c:v>
+                  <c:v>5.7700000000000081E-5</c:v>
                 </c:pt>
                 <c:pt idx="4">
-                  <c:v>3.330000000000003E-5</c:v>
+                  <c:v>3.3300000000000044E-5</c:v>
                 </c:pt>
                 <c:pt idx="5">
-                  <c:v>3.4600000000000028E-5</c:v>
+                  <c:v>3.4600000000000048E-5</c:v>
                 </c:pt>
               </c:numCache>
             </c:numRef>
           </c:val>
         </c:ser>
         <c:marker val="1"/>
-        <c:axId val="99304192"/>
-        <c:axId val="99305728"/>
+        <c:axId val="92082560"/>
+        <c:axId val="92084096"/>
       </c:lineChart>
       <c:catAx>
-        <c:axId val="99304192"/>
+        <c:axId val="92082560"/>
         <c:scaling>
           <c:orientation val="minMax"/>
         </c:scaling>
@@ -290,14 +290,14 @@
             <a:endParaRPr lang="fr-FR"/>
           </a:p>
         </c:txPr>
-        <c:crossAx val="99305728"/>
-        <c:crossesAt val="1.0000000000000011E-5"/>
+        <c:crossAx val="92084096"/>
+        <c:crossesAt val="1.0000000000000016E-5"/>
         <c:auto val="1"/>
         <c:lblAlgn val="ctr"/>
         <c:lblOffset val="100"/>
       </c:catAx>
       <c:valAx>
-        <c:axId val="99305728"/>
+        <c:axId val="92084096"/>
         <c:scaling>
           <c:logBase val="10"/>
           <c:orientation val="minMax"/>
@@ -307,7 +307,7 @@
         <c:numFmt formatCode="General" sourceLinked="1"/>
         <c:minorTickMark val="in"/>
         <c:tickLblPos val="nextTo"/>
-        <c:crossAx val="99304192"/>
+        <c:crossAx val="92082560"/>
         <c:crosses val="autoZero"/>
         <c:crossBetween val="between"/>
       </c:valAx>
@@ -6071,7 +6071,7 @@
         </p:spPr>
         <p:txBody>
           <a:bodyPr>
-            <a:normAutofit lnSpcReduction="10000"/>
+            <a:normAutofit fontScale="92500" lnSpcReduction="20000"/>
           </a:bodyPr>
           <a:lstStyle/>
           <a:p>
@@ -6112,8 +6112,28 @@
             <a:pPr lvl="1"/>
             <a:r>
               <a:rPr lang="en-US" dirty="0" smtClean="0"/>
-              <a:t>Usually only both arms and the head are visible</a:t>
-            </a:r>
+              <a:t>Usually only both arms and the head are </a:t>
+            </a:r>
+            <a:r>
+              <a:rPr lang="en-US" dirty="0" smtClean="0"/>
+              <a:t>visible</a:t>
+            </a:r>
+          </a:p>
+          <a:p>
+            <a:pPr lvl="1"/>
+            <a:r>
+              <a:rPr lang="en-US" dirty="0" smtClean="0"/>
+              <a:t>One blob added for safety considering the noise of </a:t>
+            </a:r>
+            <a:r>
+              <a:rPr lang="en-US" dirty="0" err="1" smtClean="0"/>
+              <a:t>Kinect’s</a:t>
+            </a:r>
+            <a:r>
+              <a:rPr lang="en-US" dirty="0" smtClean="0"/>
+              <a:t> sensors</a:t>
+            </a:r>
+            <a:endParaRPr lang="en-US" dirty="0" smtClean="0"/>
           </a:p>
           <a:p>
             <a:pPr lvl="1"/>

--- a/Pr�sentation/Pr�sentation_NUI.pptx
+++ b/Pr�sentation/Pr�sentation_NUI.pptx
@@ -183,16 +183,16 @@
                   <c:v>4.201918</c:v>
                 </c:pt>
                 <c:pt idx="1">
-                  <c:v>1.0630710999999993</c:v>
+                  <c:v>1.063071099999999</c:v>
                 </c:pt>
                 <c:pt idx="2">
-                  <c:v>0.28386960000000017</c:v>
+                  <c:v>0.28386960000000022</c:v>
                 </c:pt>
                 <c:pt idx="3">
-                  <c:v>0.15299750000000009</c:v>
+                  <c:v>0.15299750000000012</c:v>
                 </c:pt>
                 <c:pt idx="4">
-                  <c:v>4.9843000000000026E-2</c:v>
+                  <c:v>4.984300000000004E-2</c:v>
                 </c:pt>
                 <c:pt idx="5">
                   <c:v>3.8114299999999997E-2</c:v>
@@ -248,33 +248,33 @@
                 <c:formatCode>General</c:formatCode>
                 <c:ptCount val="6"/>
                 <c:pt idx="0">
-                  <c:v>3.4600000000000048E-5</c:v>
+                  <c:v>3.4600000000000062E-5</c:v>
                 </c:pt>
                 <c:pt idx="1">
-                  <c:v>3.4000000000000047E-5</c:v>
+                  <c:v>3.4000000000000061E-5</c:v>
                 </c:pt>
                 <c:pt idx="2">
-                  <c:v>3.0700000000000041E-5</c:v>
+                  <c:v>3.0700000000000048E-5</c:v>
                 </c:pt>
                 <c:pt idx="3">
-                  <c:v>5.7700000000000081E-5</c:v>
+                  <c:v>5.7700000000000108E-5</c:v>
                 </c:pt>
                 <c:pt idx="4">
-                  <c:v>3.3300000000000044E-5</c:v>
+                  <c:v>3.3300000000000057E-5</c:v>
                 </c:pt>
                 <c:pt idx="5">
-                  <c:v>3.4600000000000048E-5</c:v>
+                  <c:v>3.4600000000000062E-5</c:v>
                 </c:pt>
               </c:numCache>
             </c:numRef>
           </c:val>
         </c:ser>
         <c:marker val="1"/>
-        <c:axId val="92082560"/>
-        <c:axId val="92084096"/>
+        <c:axId val="65315200"/>
+        <c:axId val="65316736"/>
       </c:lineChart>
       <c:catAx>
-        <c:axId val="92082560"/>
+        <c:axId val="65315200"/>
         <c:scaling>
           <c:orientation val="minMax"/>
         </c:scaling>
@@ -290,14 +290,14 @@
             <a:endParaRPr lang="fr-FR"/>
           </a:p>
         </c:txPr>
-        <c:crossAx val="92084096"/>
-        <c:crossesAt val="1.0000000000000016E-5"/>
+        <c:crossAx val="65316736"/>
+        <c:crossesAt val="1.0000000000000021E-5"/>
         <c:auto val="1"/>
         <c:lblAlgn val="ctr"/>
         <c:lblOffset val="100"/>
       </c:catAx>
       <c:valAx>
-        <c:axId val="92084096"/>
+        <c:axId val="65316736"/>
         <c:scaling>
           <c:logBase val="10"/>
           <c:orientation val="minMax"/>
@@ -307,7 +307,7 @@
         <c:numFmt formatCode="General" sourceLinked="1"/>
         <c:minorTickMark val="in"/>
         <c:tickLblPos val="nextTo"/>
-        <c:crossAx val="92082560"/>
+        <c:crossAx val="65315200"/>
         <c:crosses val="autoZero"/>
         <c:crossBetween val="between"/>
       </c:valAx>
@@ -5101,7 +5101,11 @@
             </a:r>
             <a:r>
               <a:rPr lang="fr-FR" dirty="0" smtClean="0"/>
-              <a:t> Kinect</a:t>
+              <a:t> </a:t>
+            </a:r>
+            <a:r>
+              <a:rPr lang="fr-FR" dirty="0" smtClean="0"/>
+              <a:t>Microsoft Kinect</a:t>
             </a:r>
             <a:endParaRPr lang="fr-FR" dirty="0"/>
           </a:p>
@@ -6112,11 +6116,7 @@
             <a:pPr lvl="1"/>
             <a:r>
               <a:rPr lang="en-US" dirty="0" smtClean="0"/>
-              <a:t>Usually only both arms and the head are </a:t>
-            </a:r>
-            <a:r>
-              <a:rPr lang="en-US" dirty="0" smtClean="0"/>
-              <a:t>visible</a:t>
+              <a:t>Usually only both arms and the head are visible</a:t>
             </a:r>
           </a:p>
           <a:p>
@@ -6133,7 +6133,6 @@
               <a:rPr lang="en-US" dirty="0" smtClean="0"/>
               <a:t> sensors</a:t>
             </a:r>
-            <a:endParaRPr lang="en-US" dirty="0" smtClean="0"/>
           </a:p>
           <a:p>
             <a:pPr lvl="1"/>

--- a/Pr�sentation/Pr�sentation_NUI.pptx
+++ b/Pr�sentation/Pr�sentation_NUI.pptx
@@ -183,16 +183,16 @@
                   <c:v>4.201918</c:v>
                 </c:pt>
                 <c:pt idx="1">
-                  <c:v>1.063071099999999</c:v>
+                  <c:v>1.0630710999999988</c:v>
                 </c:pt>
                 <c:pt idx="2">
-                  <c:v>0.28386960000000022</c:v>
+                  <c:v>0.28386960000000028</c:v>
                 </c:pt>
                 <c:pt idx="3">
-                  <c:v>0.15299750000000012</c:v>
+                  <c:v>0.15299750000000018</c:v>
                 </c:pt>
                 <c:pt idx="4">
-                  <c:v>4.984300000000004E-2</c:v>
+                  <c:v>4.9843000000000054E-2</c:v>
                 </c:pt>
                 <c:pt idx="5">
                   <c:v>3.8114299999999997E-2</c:v>
@@ -248,33 +248,33 @@
                 <c:formatCode>General</c:formatCode>
                 <c:ptCount val="6"/>
                 <c:pt idx="0">
-                  <c:v>3.4600000000000062E-5</c:v>
+                  <c:v>3.4600000000000075E-5</c:v>
                 </c:pt>
                 <c:pt idx="1">
-                  <c:v>3.4000000000000061E-5</c:v>
+                  <c:v>3.4000000000000074E-5</c:v>
                 </c:pt>
                 <c:pt idx="2">
-                  <c:v>3.0700000000000048E-5</c:v>
+                  <c:v>3.0700000000000062E-5</c:v>
                 </c:pt>
                 <c:pt idx="3">
-                  <c:v>5.7700000000000108E-5</c:v>
+                  <c:v>5.7700000000000135E-5</c:v>
                 </c:pt>
                 <c:pt idx="4">
-                  <c:v>3.3300000000000057E-5</c:v>
+                  <c:v>3.3300000000000071E-5</c:v>
                 </c:pt>
                 <c:pt idx="5">
-                  <c:v>3.4600000000000062E-5</c:v>
+                  <c:v>3.4600000000000075E-5</c:v>
                 </c:pt>
               </c:numCache>
             </c:numRef>
           </c:val>
         </c:ser>
         <c:marker val="1"/>
-        <c:axId val="65315200"/>
-        <c:axId val="65316736"/>
+        <c:axId val="79018240"/>
+        <c:axId val="39301120"/>
       </c:lineChart>
       <c:catAx>
-        <c:axId val="65315200"/>
+        <c:axId val="79018240"/>
         <c:scaling>
           <c:orientation val="minMax"/>
         </c:scaling>
@@ -290,14 +290,14 @@
             <a:endParaRPr lang="fr-FR"/>
           </a:p>
         </c:txPr>
-        <c:crossAx val="65316736"/>
-        <c:crossesAt val="1.0000000000000021E-5"/>
+        <c:crossAx val="39301120"/>
+        <c:crossesAt val="1.0000000000000025E-5"/>
         <c:auto val="1"/>
         <c:lblAlgn val="ctr"/>
         <c:lblOffset val="100"/>
       </c:catAx>
       <c:valAx>
-        <c:axId val="65316736"/>
+        <c:axId val="39301120"/>
         <c:scaling>
           <c:logBase val="10"/>
           <c:orientation val="minMax"/>
@@ -307,7 +307,7 @@
         <c:numFmt formatCode="General" sourceLinked="1"/>
         <c:minorTickMark val="in"/>
         <c:tickLblPos val="nextTo"/>
-        <c:crossAx val="65315200"/>
+        <c:crossAx val="79018240"/>
         <c:crosses val="autoZero"/>
         <c:crossBetween val="between"/>
       </c:valAx>
@@ -5100,12 +5100,12 @@
               <a:t>using</a:t>
             </a:r>
             <a:r>
-              <a:rPr lang="fr-FR" dirty="0" smtClean="0"/>
+              <a:rPr lang="fr-FR" smtClean="0"/>
               <a:t> </a:t>
             </a:r>
             <a:r>
-              <a:rPr lang="fr-FR" dirty="0" smtClean="0"/>
-              <a:t>Microsoft Kinect</a:t>
+              <a:rPr lang="fr-FR" smtClean="0"/>
+              <a:t>Kinect</a:t>
             </a:r>
             <a:endParaRPr lang="fr-FR" dirty="0"/>
           </a:p>

--- a/Pr�sentation/Pr�sentation_NUI.pptx
+++ b/Pr�sentation/Pr�sentation_NUI.pptx
@@ -183,16 +183,16 @@
                   <c:v>4.201918</c:v>
                 </c:pt>
                 <c:pt idx="1">
-                  <c:v>1.0630710999999988</c:v>
+                  <c:v>1.0630710999999986</c:v>
                 </c:pt>
                 <c:pt idx="2">
-                  <c:v>0.28386960000000028</c:v>
+                  <c:v>0.28386960000000033</c:v>
                 </c:pt>
                 <c:pt idx="3">
-                  <c:v>0.15299750000000018</c:v>
+                  <c:v>0.15299750000000023</c:v>
                 </c:pt>
                 <c:pt idx="4">
-                  <c:v>4.9843000000000054E-2</c:v>
+                  <c:v>4.9843000000000068E-2</c:v>
                 </c:pt>
                 <c:pt idx="5">
                   <c:v>3.8114299999999997E-2</c:v>
@@ -248,33 +248,33 @@
                 <c:formatCode>General</c:formatCode>
                 <c:ptCount val="6"/>
                 <c:pt idx="0">
-                  <c:v>3.4600000000000075E-5</c:v>
+                  <c:v>3.4600000000000089E-5</c:v>
                 </c:pt>
                 <c:pt idx="1">
-                  <c:v>3.4000000000000074E-5</c:v>
+                  <c:v>3.4000000000000088E-5</c:v>
                 </c:pt>
                 <c:pt idx="2">
-                  <c:v>3.0700000000000062E-5</c:v>
+                  <c:v>3.0700000000000075E-5</c:v>
                 </c:pt>
                 <c:pt idx="3">
-                  <c:v>5.7700000000000135E-5</c:v>
+                  <c:v>5.7700000000000162E-5</c:v>
                 </c:pt>
                 <c:pt idx="4">
-                  <c:v>3.3300000000000071E-5</c:v>
+                  <c:v>3.3300000000000084E-5</c:v>
                 </c:pt>
                 <c:pt idx="5">
-                  <c:v>3.4600000000000075E-5</c:v>
+                  <c:v>3.4600000000000089E-5</c:v>
                 </c:pt>
               </c:numCache>
             </c:numRef>
           </c:val>
         </c:ser>
         <c:marker val="1"/>
-        <c:axId val="79018240"/>
-        <c:axId val="39301120"/>
+        <c:axId val="76101888"/>
+        <c:axId val="76115968"/>
       </c:lineChart>
       <c:catAx>
-        <c:axId val="79018240"/>
+        <c:axId val="76101888"/>
         <c:scaling>
           <c:orientation val="minMax"/>
         </c:scaling>
@@ -290,14 +290,14 @@
             <a:endParaRPr lang="fr-FR"/>
           </a:p>
         </c:txPr>
-        <c:crossAx val="39301120"/>
-        <c:crossesAt val="1.0000000000000025E-5"/>
+        <c:crossAx val="76115968"/>
+        <c:crossesAt val="1.0000000000000028E-5"/>
         <c:auto val="1"/>
         <c:lblAlgn val="ctr"/>
         <c:lblOffset val="100"/>
       </c:catAx>
       <c:valAx>
-        <c:axId val="39301120"/>
+        <c:axId val="76115968"/>
         <c:scaling>
           <c:logBase val="10"/>
           <c:orientation val="minMax"/>
@@ -307,7 +307,7 @@
         <c:numFmt formatCode="General" sourceLinked="1"/>
         <c:minorTickMark val="in"/>
         <c:tickLblPos val="nextTo"/>
-        <c:crossAx val="79018240"/>
+        <c:crossAx val="76101888"/>
         <c:crosses val="autoZero"/>
         <c:crossBetween val="between"/>
       </c:valAx>
@@ -465,7 +465,7 @@
             <a:fld id="{2203E90B-0CDC-4675-8BC8-ABC960C3C4BD}" type="datetimeFigureOut">
               <a:rPr lang="fr-FR" smtClean="0"/>
               <a:pPr/>
-              <a:t>20/12/2011</a:t>
+              <a:t>22/12/2011</a:t>
             </a:fld>
             <a:endParaRPr lang="fr-FR"/>
           </a:p>
@@ -1926,7 +1926,7 @@
             <a:fld id="{7FE745BF-AED8-4079-86B5-94776AA709CD}" type="datetime1">
               <a:rPr lang="fr-FR" smtClean="0"/>
               <a:pPr/>
-              <a:t>20/12/2011</a:t>
+              <a:t>22/12/2011</a:t>
             </a:fld>
             <a:endParaRPr lang="fr-FR" dirty="0"/>
           </a:p>
@@ -2093,7 +2093,7 @@
             <a:fld id="{8BADFC06-5AC4-476A-8FD2-54DE0E426D90}" type="datetime1">
               <a:rPr lang="fr-FR" smtClean="0"/>
               <a:pPr/>
-              <a:t>20/12/2011</a:t>
+              <a:t>22/12/2011</a:t>
             </a:fld>
             <a:endParaRPr lang="fr-FR" dirty="0"/>
           </a:p>
@@ -2270,7 +2270,7 @@
             <a:fld id="{271E89F4-7B08-401C-94CC-1E6E90A77743}" type="datetime1">
               <a:rPr lang="fr-FR" smtClean="0"/>
               <a:pPr/>
-              <a:t>20/12/2011</a:t>
+              <a:t>22/12/2011</a:t>
             </a:fld>
             <a:endParaRPr lang="fr-FR" dirty="0"/>
           </a:p>
@@ -2441,7 +2441,7 @@
             <a:fld id="{B8D51CD3-FD0B-4398-96D6-10844A344A7A}" type="datetime1">
               <a:rPr lang="fr-FR" smtClean="0"/>
               <a:pPr/>
-              <a:t>20/12/2011</a:t>
+              <a:t>22/12/2011</a:t>
             </a:fld>
             <a:endParaRPr lang="fr-FR" dirty="0"/>
           </a:p>
@@ -2898,7 +2898,7 @@
             <a:fld id="{5272A46D-708F-4429-9728-C0AAA1D8ED70}" type="datetime1">
               <a:rPr lang="fr-FR" smtClean="0"/>
               <a:pPr/>
-              <a:t>20/12/2011</a:t>
+              <a:t>22/12/2011</a:t>
             </a:fld>
             <a:endParaRPr lang="fr-FR" dirty="0"/>
           </a:p>
@@ -3164,7 +3164,7 @@
             <a:fld id="{85176319-0B46-44DD-88B8-E7F3AAD4F2DF}" type="datetime1">
               <a:rPr lang="fr-FR" smtClean="0"/>
               <a:pPr/>
-              <a:t>20/12/2011</a:t>
+              <a:t>22/12/2011</a:t>
             </a:fld>
             <a:endParaRPr lang="fr-FR" dirty="0"/>
           </a:p>
@@ -3540,7 +3540,7 @@
             <a:fld id="{2587345E-05A6-495C-A1A1-170A1A91A394}" type="datetime1">
               <a:rPr lang="fr-FR" smtClean="0"/>
               <a:pPr/>
-              <a:t>20/12/2011</a:t>
+              <a:t>22/12/2011</a:t>
             </a:fld>
             <a:endParaRPr lang="fr-FR" dirty="0"/>
           </a:p>
@@ -3664,7 +3664,7 @@
             <a:fld id="{172809C5-74F0-4FD7-9204-0F8A8FB1929B}" type="datetime1">
               <a:rPr lang="fr-FR" smtClean="0"/>
               <a:pPr/>
-              <a:t>20/12/2011</a:t>
+              <a:t>22/12/2011</a:t>
             </a:fld>
             <a:endParaRPr lang="fr-FR" dirty="0"/>
           </a:p>
@@ -3756,7 +3756,7 @@
             <a:fld id="{7786A093-8429-44F1-808A-11360C2CAA55}" type="datetime1">
               <a:rPr lang="fr-FR" smtClean="0"/>
               <a:pPr/>
-              <a:t>20/12/2011</a:t>
+              <a:t>22/12/2011</a:t>
             </a:fld>
             <a:endParaRPr lang="fr-FR" dirty="0"/>
           </a:p>
@@ -4007,7 +4007,7 @@
             <a:fld id="{FE18F5A1-6F3E-41A1-AC38-A5948C92E970}" type="datetime1">
               <a:rPr lang="fr-FR" smtClean="0"/>
               <a:pPr/>
-              <a:t>20/12/2011</a:t>
+              <a:t>22/12/2011</a:t>
             </a:fld>
             <a:endParaRPr lang="fr-FR" dirty="0"/>
           </a:p>
@@ -4268,7 +4268,7 @@
             <a:fld id="{42D0C6D8-1219-406E-8CD6-FA778B9D3E63}" type="datetime1">
               <a:rPr lang="fr-FR" smtClean="0"/>
               <a:pPr/>
-              <a:t>20/12/2011</a:t>
+              <a:t>22/12/2011</a:t>
             </a:fld>
             <a:endParaRPr lang="fr-FR" dirty="0"/>
           </a:p>
@@ -4674,7 +4674,7 @@
             <a:fld id="{CC7C295D-0E21-434D-B466-C466C8EF3B27}" type="datetime1">
               <a:rPr lang="fr-FR" smtClean="0"/>
               <a:pPr/>
-              <a:t>20/12/2011</a:t>
+              <a:t>22/12/2011</a:t>
             </a:fld>
             <a:endParaRPr lang="fr-FR" dirty="0"/>
           </a:p>
@@ -5101,11 +5101,7 @@
             </a:r>
             <a:r>
               <a:rPr lang="fr-FR" smtClean="0"/>
-              <a:t> </a:t>
-            </a:r>
-            <a:r>
-              <a:rPr lang="fr-FR" smtClean="0"/>
-              <a:t>Kinect</a:t>
+              <a:t> Kinect</a:t>
             </a:r>
             <a:endParaRPr lang="fr-FR" dirty="0"/>
           </a:p>
@@ -7186,7 +7182,7 @@
         </p:blipFill>
         <p:spPr bwMode="auto">
           <a:xfrm>
-            <a:off x="395536" y="3861048"/>
+            <a:off x="467544" y="3645024"/>
             <a:ext cx="4141031" cy="2313534"/>
           </a:xfrm>
           <a:prstGeom prst="rect">
@@ -7212,7 +7208,7 @@
         </p:blipFill>
         <p:spPr bwMode="auto">
           <a:xfrm>
-            <a:off x="5004048" y="3717032"/>
+            <a:off x="5004048" y="3356992"/>
             <a:ext cx="3405068" cy="2591594"/>
           </a:xfrm>
           <a:prstGeom prst="rect">
@@ -7221,6 +7217,82 @@
           <a:noFill/>
         </p:spPr>
       </p:pic>
+      <p:sp>
+        <p:nvSpPr>
+          <p:cNvPr id="7" name="ZoneTexte 6"/>
+          <p:cNvSpPr txBox="1"/>
+          <p:nvPr/>
+        </p:nvSpPr>
+        <p:spPr>
+          <a:xfrm>
+            <a:off x="971600" y="6021288"/>
+            <a:ext cx="3168352" cy="461665"/>
+          </a:xfrm>
+          <a:prstGeom prst="rect">
+            <a:avLst/>
+          </a:prstGeom>
+          <a:noFill/>
+        </p:spPr>
+        <p:txBody>
+          <a:bodyPr wrap="square" rtlCol="0">
+            <a:spAutoFit/>
+          </a:bodyPr>
+          <a:lstStyle/>
+          <a:p>
+            <a:r>
+              <a:rPr lang="fr-FR" sz="2400" dirty="0" smtClean="0"/>
+              <a:t>2D </a:t>
+            </a:r>
+            <a:r>
+              <a:rPr lang="fr-FR" sz="2400" dirty="0" err="1" smtClean="0"/>
+              <a:t>Window</a:t>
+            </a:r>
+            <a:r>
+              <a:rPr lang="fr-FR" sz="2400" dirty="0" smtClean="0"/>
+              <a:t> system</a:t>
+            </a:r>
+            <a:endParaRPr lang="fr-FR" sz="2400" dirty="0"/>
+          </a:p>
+        </p:txBody>
+      </p:sp>
+      <p:sp>
+        <p:nvSpPr>
+          <p:cNvPr id="8" name="ZoneTexte 7"/>
+          <p:cNvSpPr txBox="1"/>
+          <p:nvPr/>
+        </p:nvSpPr>
+        <p:spPr>
+          <a:xfrm>
+            <a:off x="5292080" y="6021288"/>
+            <a:ext cx="2880320" cy="461665"/>
+          </a:xfrm>
+          <a:prstGeom prst="rect">
+            <a:avLst/>
+          </a:prstGeom>
+          <a:noFill/>
+        </p:spPr>
+        <p:txBody>
+          <a:bodyPr wrap="square" rtlCol="0">
+            <a:spAutoFit/>
+          </a:bodyPr>
+          <a:lstStyle/>
+          <a:p>
+            <a:r>
+              <a:rPr lang="fr-FR" sz="2400" dirty="0" smtClean="0"/>
+              <a:t>3D </a:t>
+            </a:r>
+            <a:r>
+              <a:rPr lang="fr-FR" sz="2400" dirty="0" err="1" smtClean="0"/>
+              <a:t>Window</a:t>
+            </a:r>
+            <a:r>
+              <a:rPr lang="fr-FR" sz="2400" dirty="0" smtClean="0"/>
+              <a:t> system</a:t>
+            </a:r>
+            <a:endParaRPr lang="fr-FR" sz="2400" dirty="0"/>
+          </a:p>
+        </p:txBody>
+      </p:sp>
     </p:spTree>
   </p:cSld>
   <p:clrMapOvr>

--- a/Pr�sentation/Pr�sentation_NUI.pptx
+++ b/Pr�sentation/Pr�sentation_NUI.pptx
@@ -270,11 +270,11 @@
           </c:val>
         </c:ser>
         <c:marker val="1"/>
-        <c:axId val="76101888"/>
-        <c:axId val="76115968"/>
+        <c:axId val="104608128"/>
+        <c:axId val="104609664"/>
       </c:lineChart>
       <c:catAx>
-        <c:axId val="76101888"/>
+        <c:axId val="104608128"/>
         <c:scaling>
           <c:orientation val="minMax"/>
         </c:scaling>
@@ -290,14 +290,14 @@
             <a:endParaRPr lang="fr-FR"/>
           </a:p>
         </c:txPr>
-        <c:crossAx val="76115968"/>
+        <c:crossAx val="104609664"/>
         <c:crossesAt val="1.0000000000000028E-5"/>
         <c:auto val="1"/>
         <c:lblAlgn val="ctr"/>
         <c:lblOffset val="100"/>
       </c:catAx>
       <c:valAx>
-        <c:axId val="76115968"/>
+        <c:axId val="104609664"/>
         <c:scaling>
           <c:logBase val="10"/>
           <c:orientation val="minMax"/>
@@ -307,7 +307,7 @@
         <c:numFmt formatCode="General" sourceLinked="1"/>
         <c:minorTickMark val="in"/>
         <c:tickLblPos val="nextTo"/>
-        <c:crossAx val="76101888"/>
+        <c:crossAx val="104608128"/>
         <c:crosses val="autoZero"/>
         <c:crossBetween val="between"/>
       </c:valAx>
@@ -777,6 +777,10 @@
           </a:bodyPr>
           <a:lstStyle/>
           <a:p>
+            <a:r>
+              <a:rPr lang="fr-FR" dirty="0" smtClean="0"/>
+              <a:t>Rajouter légende 2D et 3D en dessous des images</a:t>
+            </a:r>
             <a:endParaRPr lang="fr-FR" dirty="0"/>
           </a:p>
         </p:txBody>
@@ -1006,7 +1010,28 @@
           <a:p>
             <a:r>
               <a:rPr lang="fr-FR" dirty="0" smtClean="0"/>
-              <a:t>4096 x 1202</a:t>
+              <a:t>Préciser que ces</a:t>
+            </a:r>
+            <a:r>
+              <a:rPr lang="fr-FR" baseline="0" dirty="0" smtClean="0"/>
+              <a:t> résultats sortent de nos expériences lors du prototypage et n’ont pas été copiées à partir d’un terre nette</a:t>
+            </a:r>
+            <a:endParaRPr lang="fr-FR" dirty="0" smtClean="0"/>
+          </a:p>
+          <a:p>
+            <a:endParaRPr lang="fr-FR" dirty="0" smtClean="0"/>
+          </a:p>
+          <a:p>
+            <a:endParaRPr lang="fr-FR" dirty="0" smtClean="0"/>
+          </a:p>
+          <a:p>
+            <a:r>
+              <a:rPr lang="fr-FR" dirty="0" smtClean="0"/>
+              <a:t>4096 </a:t>
+            </a:r>
+            <a:r>
+              <a:rPr lang="fr-FR" dirty="0" smtClean="0"/>
+              <a:t>x 1202</a:t>
             </a:r>
           </a:p>
           <a:p>
@@ -1122,7 +1147,7 @@
           </a:p>
           <a:p>
             <a:r>
-              <a:rPr lang="fr-FR" smtClean="0"/>
+              <a:rPr lang="fr-FR" dirty="0" smtClean="0"/>
               <a:t>GPU : 0.0000346</a:t>
             </a:r>
           </a:p>
@@ -1403,6 +1428,82 @@
           </a:bodyPr>
           <a:lstStyle/>
           <a:p>
+            <a:r>
+              <a:rPr lang="fr-FR" dirty="0" err="1" smtClean="0"/>
+              <a:t>Precise</a:t>
+            </a:r>
+            <a:r>
+              <a:rPr lang="fr-FR" dirty="0" smtClean="0"/>
+              <a:t> </a:t>
+            </a:r>
+            <a:r>
+              <a:rPr lang="fr-FR" dirty="0" err="1" smtClean="0"/>
+              <a:t>what</a:t>
+            </a:r>
+            <a:r>
+              <a:rPr lang="fr-FR" dirty="0" smtClean="0"/>
+              <a:t> are to </a:t>
+            </a:r>
+            <a:r>
+              <a:rPr lang="fr-FR" dirty="0" err="1" smtClean="0"/>
+              <a:t>strong</a:t>
+            </a:r>
+            <a:r>
+              <a:rPr lang="fr-FR" baseline="0" dirty="0" smtClean="0"/>
+              <a:t> and </a:t>
+            </a:r>
+            <a:r>
+              <a:rPr lang="fr-FR" baseline="0" dirty="0" err="1" smtClean="0"/>
+              <a:t>weak</a:t>
+            </a:r>
+            <a:r>
+              <a:rPr lang="fr-FR" baseline="0" dirty="0" smtClean="0"/>
+              <a:t> points of </a:t>
+            </a:r>
+            <a:r>
+              <a:rPr lang="fr-FR" baseline="0" dirty="0" err="1" smtClean="0"/>
+              <a:t>our</a:t>
+            </a:r>
+            <a:r>
+              <a:rPr lang="fr-FR" baseline="0" dirty="0" smtClean="0"/>
+              <a:t> </a:t>
+            </a:r>
+            <a:r>
+              <a:rPr lang="fr-FR" baseline="0" dirty="0" err="1" smtClean="0"/>
+              <a:t>method</a:t>
+            </a:r>
+            <a:r>
+              <a:rPr lang="fr-FR" baseline="0" dirty="0" smtClean="0"/>
+              <a:t>, the limitations and </a:t>
+            </a:r>
+            <a:r>
+              <a:rPr lang="fr-FR" baseline="0" dirty="0" err="1" smtClean="0"/>
+              <a:t>so</a:t>
+            </a:r>
+            <a:r>
+              <a:rPr lang="fr-FR" baseline="0" dirty="0" smtClean="0"/>
+              <a:t> on</a:t>
+            </a:r>
+          </a:p>
+          <a:p>
+            <a:r>
+              <a:rPr lang="fr-FR" baseline="0" dirty="0" smtClean="0"/>
+              <a:t>La plage d’</a:t>
+            </a:r>
+            <a:r>
+              <a:rPr lang="fr-FR" baseline="0" dirty="0" err="1" smtClean="0"/>
+              <a:t>usabilité</a:t>
+            </a:r>
+            <a:r>
+              <a:rPr lang="fr-FR" baseline="0" dirty="0" smtClean="0"/>
+              <a:t>, les moments où c’est complètement good ou complètement foireux</a:t>
+            </a:r>
+          </a:p>
+          <a:p>
+            <a:r>
+              <a:rPr lang="fr-FR" baseline="0" dirty="0" smtClean="0"/>
+              <a:t>Graph : précision en fonction de la distance ?</a:t>
+            </a:r>
             <a:endParaRPr lang="fr-FR" dirty="0"/>
           </a:p>
         </p:txBody>
@@ -5571,6 +5672,92 @@
   <p:clrMapOvr>
     <a:masterClrMapping/>
   </p:clrMapOvr>
+  <p:timing>
+    <p:tnLst>
+      <p:par>
+        <p:cTn id="1" dur="indefinite" restart="never" nodeType="tmRoot">
+          <p:childTnLst>
+            <p:seq concurrent="1" nextAc="seek">
+              <p:cTn id="2" dur="indefinite" nodeType="mainSeq">
+                <p:childTnLst>
+                  <p:par>
+                    <p:cTn id="3" fill="hold">
+                      <p:stCondLst>
+                        <p:cond delay="indefinite"/>
+                      </p:stCondLst>
+                      <p:childTnLst>
+                        <p:par>
+                          <p:cTn id="4" fill="hold">
+                            <p:stCondLst>
+                              <p:cond delay="0"/>
+                            </p:stCondLst>
+                            <p:childTnLst>
+                              <p:par>
+                                <p:cTn id="5" presetID="4" presetClass="entr" presetSubtype="16" fill="hold" grpId="0" nodeType="clickEffect">
+                                  <p:stCondLst>
+                                    <p:cond delay="0"/>
+                                  </p:stCondLst>
+                                  <p:childTnLst>
+                                    <p:set>
+                                      <p:cBhvr>
+                                        <p:cTn id="6" dur="1" fill="hold">
+                                          <p:stCondLst>
+                                            <p:cond delay="0"/>
+                                          </p:stCondLst>
+                                        </p:cTn>
+                                        <p:tgtEl>
+                                          <p:spTgt spid="6"/>
+                                        </p:tgtEl>
+                                        <p:attrNameLst>
+                                          <p:attrName>style.visibility</p:attrName>
+                                        </p:attrNameLst>
+                                      </p:cBhvr>
+                                      <p:to>
+                                        <p:strVal val="visible"/>
+                                      </p:to>
+                                    </p:set>
+                                    <p:animEffect transition="in" filter="box(in)">
+                                      <p:cBhvr>
+                                        <p:cTn id="7" dur="500"/>
+                                        <p:tgtEl>
+                                          <p:spTgt spid="6"/>
+                                        </p:tgtEl>
+                                      </p:cBhvr>
+                                    </p:animEffect>
+                                  </p:childTnLst>
+                                </p:cTn>
+                              </p:par>
+                            </p:childTnLst>
+                          </p:cTn>
+                        </p:par>
+                      </p:childTnLst>
+                    </p:cTn>
+                  </p:par>
+                </p:childTnLst>
+              </p:cTn>
+              <p:prevCondLst>
+                <p:cond evt="onPrev" delay="0">
+                  <p:tgtEl>
+                    <p:sldTgt/>
+                  </p:tgtEl>
+                </p:cond>
+              </p:prevCondLst>
+              <p:nextCondLst>
+                <p:cond evt="onNext" delay="0">
+                  <p:tgtEl>
+                    <p:sldTgt/>
+                  </p:tgtEl>
+                </p:cond>
+              </p:nextCondLst>
+            </p:seq>
+          </p:childTnLst>
+        </p:cTn>
+      </p:par>
+    </p:tnLst>
+    <p:bldLst>
+      <p:bldP spid="6" grpId="0" animBg="1"/>
+    </p:bldLst>
+  </p:timing>
 </p:sld>
 </file>
 
@@ -5765,7 +5952,7 @@
         <p:spPr>
           <a:xfrm>
             <a:off x="3707904" y="2132856"/>
-            <a:ext cx="3312368" cy="369332"/>
+            <a:ext cx="3312368" cy="646331"/>
           </a:xfrm>
           <a:prstGeom prst="rect">
             <a:avLst/>
@@ -5778,6 +5965,98 @@
           </a:bodyPr>
           <a:lstStyle/>
           <a:p>
+            <a:r>
+              <a:rPr lang="fr-FR" b="1" dirty="0" err="1" smtClean="0">
+                <a:ln w="12700">
+                  <a:solidFill>
+                    <a:schemeClr val="tx2">
+                      <a:satMod val="155000"/>
+                    </a:schemeClr>
+                  </a:solidFill>
+                  <a:prstDash val="solid"/>
+                </a:ln>
+                <a:solidFill>
+                  <a:schemeClr val="bg1"/>
+                </a:solidFill>
+                <a:effectLst>
+                  <a:outerShdw blurRad="41275" dist="20320" dir="1800000" algn="tl" rotWithShape="0">
+                    <a:srgbClr val="000000">
+                      <a:alpha val="40000"/>
+                    </a:srgbClr>
+                  </a:outerShdw>
+                </a:effectLst>
+              </a:rPr>
+              <a:t>Depth</a:t>
+            </a:r>
+            <a:r>
+              <a:rPr lang="fr-FR" b="1" dirty="0" smtClean="0">
+                <a:ln w="12700">
+                  <a:solidFill>
+                    <a:schemeClr val="tx2">
+                      <a:satMod val="155000"/>
+                    </a:schemeClr>
+                  </a:solidFill>
+                  <a:prstDash val="solid"/>
+                </a:ln>
+                <a:solidFill>
+                  <a:schemeClr val="bg1"/>
+                </a:solidFill>
+                <a:effectLst>
+                  <a:outerShdw blurRad="41275" dist="20320" dir="1800000" algn="tl" rotWithShape="0">
+                    <a:srgbClr val="000000">
+                      <a:alpha val="40000"/>
+                    </a:srgbClr>
+                  </a:outerShdw>
+                </a:effectLst>
+              </a:rPr>
+              <a:t> </a:t>
+            </a:r>
+            <a:r>
+              <a:rPr lang="fr-FR" b="1" dirty="0" err="1" smtClean="0">
+                <a:ln w="12700">
+                  <a:solidFill>
+                    <a:schemeClr val="tx2">
+                      <a:satMod val="155000"/>
+                    </a:schemeClr>
+                  </a:solidFill>
+                  <a:prstDash val="solid"/>
+                </a:ln>
+                <a:solidFill>
+                  <a:schemeClr val="bg1"/>
+                </a:solidFill>
+                <a:effectLst>
+                  <a:outerShdw blurRad="41275" dist="20320" dir="1800000" algn="tl" rotWithShape="0">
+                    <a:srgbClr val="000000">
+                      <a:alpha val="40000"/>
+                    </a:srgbClr>
+                  </a:outerShdw>
+                </a:effectLst>
+              </a:rPr>
+              <a:t>based</a:t>
+            </a:r>
+            <a:r>
+              <a:rPr lang="fr-FR" b="1" dirty="0" smtClean="0">
+                <a:ln w="12700">
+                  <a:solidFill>
+                    <a:schemeClr val="tx2">
+                      <a:satMod val="155000"/>
+                    </a:schemeClr>
+                  </a:solidFill>
+                  <a:prstDash val="solid"/>
+                </a:ln>
+                <a:solidFill>
+                  <a:schemeClr val="bg1"/>
+                </a:solidFill>
+                <a:effectLst>
+                  <a:outerShdw blurRad="41275" dist="20320" dir="1800000" algn="tl" rotWithShape="0">
+                    <a:srgbClr val="000000">
+                      <a:alpha val="40000"/>
+                    </a:srgbClr>
+                  </a:outerShdw>
+                </a:effectLst>
+              </a:rPr>
+              <a:t> </a:t>
+            </a:r>
             <a:r>
               <a:rPr lang="en-US" b="1" dirty="0" smtClean="0">
                 <a:ln w="12700">
@@ -5799,7 +6078,30 @@
                   </a:outerShdw>
                 </a:effectLst>
               </a:rPr>
-              <a:t>Regions extraction</a:t>
+              <a:t>Regions </a:t>
+            </a:r>
+            <a:r>
+              <a:rPr lang="en-US" b="1" dirty="0" smtClean="0">
+                <a:ln w="12700">
+                  <a:solidFill>
+                    <a:schemeClr val="tx2">
+                      <a:satMod val="155000"/>
+                    </a:schemeClr>
+                  </a:solidFill>
+                  <a:prstDash val="solid"/>
+                </a:ln>
+                <a:solidFill>
+                  <a:schemeClr val="bg1"/>
+                </a:solidFill>
+                <a:effectLst>
+                  <a:outerShdw blurRad="41275" dist="20320" dir="1800000" algn="tl" rotWithShape="0">
+                    <a:srgbClr val="000000">
+                      <a:alpha val="40000"/>
+                    </a:srgbClr>
+                  </a:outerShdw>
+                </a:effectLst>
+              </a:rPr>
+              <a:t>extraction</a:t>
             </a:r>
             <a:endParaRPr lang="en-US" b="1" dirty="0">
               <a:ln w="12700">
@@ -6033,6 +6335,13 @@
   <p:clrMapOvr>
     <a:masterClrMapping/>
   </p:clrMapOvr>
+  <p:timing>
+    <p:tnLst>
+      <p:par>
+        <p:cTn id="1" dur="indefinite" restart="never" nodeType="tmRoot"/>
+      </p:par>
+    </p:tnLst>
+  </p:timing>
 </p:sld>
 </file>
 
@@ -6201,6 +6510,13 @@
   <p:clrMapOvr>
     <a:masterClrMapping/>
   </p:clrMapOvr>
+  <p:timing>
+    <p:tnLst>
+      <p:par>
+        <p:cTn id="1" dur="indefinite" restart="never" nodeType="tmRoot"/>
+      </p:par>
+    </p:tnLst>
+  </p:timing>
 </p:sld>
 </file>
 
@@ -6375,6 +6691,13 @@
   <p:clrMapOvr>
     <a:masterClrMapping/>
   </p:clrMapOvr>
+  <p:timing>
+    <p:tnLst>
+      <p:par>
+        <p:cTn id="1" dur="indefinite" restart="never" nodeType="tmRoot"/>
+      </p:par>
+    </p:tnLst>
+  </p:timing>
 </p:sld>
 </file>
 
@@ -7182,7 +7505,7 @@
         </p:blipFill>
         <p:spPr bwMode="auto">
           <a:xfrm>
-            <a:off x="467544" y="3645024"/>
+            <a:off x="395536" y="3861048"/>
             <a:ext cx="4141031" cy="2313534"/>
           </a:xfrm>
           <a:prstGeom prst="rect">
@@ -7208,7 +7531,7 @@
         </p:blipFill>
         <p:spPr bwMode="auto">
           <a:xfrm>
-            <a:off x="5004048" y="3356992"/>
+            <a:off x="5004048" y="3717032"/>
             <a:ext cx="3405068" cy="2591594"/>
           </a:xfrm>
           <a:prstGeom prst="rect">
@@ -7217,82 +7540,6 @@
           <a:noFill/>
         </p:spPr>
       </p:pic>
-      <p:sp>
-        <p:nvSpPr>
-          <p:cNvPr id="7" name="ZoneTexte 6"/>
-          <p:cNvSpPr txBox="1"/>
-          <p:nvPr/>
-        </p:nvSpPr>
-        <p:spPr>
-          <a:xfrm>
-            <a:off x="971600" y="6021288"/>
-            <a:ext cx="3168352" cy="461665"/>
-          </a:xfrm>
-          <a:prstGeom prst="rect">
-            <a:avLst/>
-          </a:prstGeom>
-          <a:noFill/>
-        </p:spPr>
-        <p:txBody>
-          <a:bodyPr wrap="square" rtlCol="0">
-            <a:spAutoFit/>
-          </a:bodyPr>
-          <a:lstStyle/>
-          <a:p>
-            <a:r>
-              <a:rPr lang="fr-FR" sz="2400" dirty="0" smtClean="0"/>
-              <a:t>2D </a:t>
-            </a:r>
-            <a:r>
-              <a:rPr lang="fr-FR" sz="2400" dirty="0" err="1" smtClean="0"/>
-              <a:t>Window</a:t>
-            </a:r>
-            <a:r>
-              <a:rPr lang="fr-FR" sz="2400" dirty="0" smtClean="0"/>
-              <a:t> system</a:t>
-            </a:r>
-            <a:endParaRPr lang="fr-FR" sz="2400" dirty="0"/>
-          </a:p>
-        </p:txBody>
-      </p:sp>
-      <p:sp>
-        <p:nvSpPr>
-          <p:cNvPr id="8" name="ZoneTexte 7"/>
-          <p:cNvSpPr txBox="1"/>
-          <p:nvPr/>
-        </p:nvSpPr>
-        <p:spPr>
-          <a:xfrm>
-            <a:off x="5292080" y="6021288"/>
-            <a:ext cx="2880320" cy="461665"/>
-          </a:xfrm>
-          <a:prstGeom prst="rect">
-            <a:avLst/>
-          </a:prstGeom>
-          <a:noFill/>
-        </p:spPr>
-        <p:txBody>
-          <a:bodyPr wrap="square" rtlCol="0">
-            <a:spAutoFit/>
-          </a:bodyPr>
-          <a:lstStyle/>
-          <a:p>
-            <a:r>
-              <a:rPr lang="fr-FR" sz="2400" dirty="0" smtClean="0"/>
-              <a:t>3D </a:t>
-            </a:r>
-            <a:r>
-              <a:rPr lang="fr-FR" sz="2400" dirty="0" err="1" smtClean="0"/>
-              <a:t>Window</a:t>
-            </a:r>
-            <a:r>
-              <a:rPr lang="fr-FR" sz="2400" dirty="0" smtClean="0"/>
-              <a:t> system</a:t>
-            </a:r>
-            <a:endParaRPr lang="fr-FR" sz="2400" dirty="0"/>
-          </a:p>
-        </p:txBody>
-      </p:sp>
     </p:spTree>
   </p:cSld>
   <p:clrMapOvr>
@@ -8053,6 +8300,13 @@
   <p:clrMapOvr>
     <a:masterClrMapping/>
   </p:clrMapOvr>
+  <p:timing>
+    <p:tnLst>
+      <p:par>
+        <p:cTn id="1" dur="indefinite" restart="never" nodeType="tmRoot"/>
+      </p:par>
+    </p:tnLst>
+  </p:timing>
 </p:sld>
 </file>
 

--- a/Pr�sentation/Pr�sentation_NUI.pptx
+++ b/Pr�sentation/Pr�sentation_NUI.pptx
@@ -183,16 +183,16 @@
                   <c:v>4.201918</c:v>
                 </c:pt>
                 <c:pt idx="1">
-                  <c:v>1.0630710999999986</c:v>
+                  <c:v>1.0630710999999984</c:v>
                 </c:pt>
                 <c:pt idx="2">
-                  <c:v>0.28386960000000033</c:v>
+                  <c:v>0.28386960000000039</c:v>
                 </c:pt>
                 <c:pt idx="3">
-                  <c:v>0.15299750000000023</c:v>
+                  <c:v>0.15299750000000026</c:v>
                 </c:pt>
                 <c:pt idx="4">
-                  <c:v>4.9843000000000068E-2</c:v>
+                  <c:v>4.9843000000000082E-2</c:v>
                 </c:pt>
                 <c:pt idx="5">
                   <c:v>3.8114299999999997E-2</c:v>
@@ -248,33 +248,33 @@
                 <c:formatCode>General</c:formatCode>
                 <c:ptCount val="6"/>
                 <c:pt idx="0">
-                  <c:v>3.4600000000000089E-5</c:v>
+                  <c:v>3.4600000000000102E-5</c:v>
                 </c:pt>
                 <c:pt idx="1">
-                  <c:v>3.4000000000000088E-5</c:v>
+                  <c:v>3.4000000000000101E-5</c:v>
                 </c:pt>
                 <c:pt idx="2">
-                  <c:v>3.0700000000000075E-5</c:v>
+                  <c:v>3.0700000000000089E-5</c:v>
                 </c:pt>
                 <c:pt idx="3">
-                  <c:v>5.7700000000000162E-5</c:v>
+                  <c:v>5.770000000000019E-5</c:v>
                 </c:pt>
                 <c:pt idx="4">
-                  <c:v>3.3300000000000084E-5</c:v>
+                  <c:v>3.3300000000000098E-5</c:v>
                 </c:pt>
                 <c:pt idx="5">
-                  <c:v>3.4600000000000089E-5</c:v>
+                  <c:v>3.4600000000000102E-5</c:v>
                 </c:pt>
               </c:numCache>
             </c:numRef>
           </c:val>
         </c:ser>
         <c:marker val="1"/>
-        <c:axId val="104608128"/>
-        <c:axId val="104609664"/>
+        <c:axId val="65319296"/>
+        <c:axId val="65320832"/>
       </c:lineChart>
       <c:catAx>
-        <c:axId val="104608128"/>
+        <c:axId val="65319296"/>
         <c:scaling>
           <c:orientation val="minMax"/>
         </c:scaling>
@@ -290,14 +290,14 @@
             <a:endParaRPr lang="fr-FR"/>
           </a:p>
         </c:txPr>
-        <c:crossAx val="104609664"/>
-        <c:crossesAt val="1.0000000000000028E-5"/>
+        <c:crossAx val="65320832"/>
+        <c:crossesAt val="1.0000000000000033E-5"/>
         <c:auto val="1"/>
         <c:lblAlgn val="ctr"/>
         <c:lblOffset val="100"/>
       </c:catAx>
       <c:valAx>
-        <c:axId val="104609664"/>
+        <c:axId val="65320832"/>
         <c:scaling>
           <c:logBase val="10"/>
           <c:orientation val="minMax"/>
@@ -307,7 +307,7 @@
         <c:numFmt formatCode="General" sourceLinked="1"/>
         <c:minorTickMark val="in"/>
         <c:tickLblPos val="nextTo"/>
-        <c:crossAx val="104608128"/>
+        <c:crossAx val="65319296"/>
         <c:crosses val="autoZero"/>
         <c:crossBetween val="between"/>
       </c:valAx>
@@ -1027,11 +1027,7 @@
           <a:p>
             <a:r>
               <a:rPr lang="fr-FR" dirty="0" smtClean="0"/>
-              <a:t>4096 </a:t>
-            </a:r>
-            <a:r>
-              <a:rPr lang="fr-FR" dirty="0" smtClean="0"/>
-              <a:t>x 1202</a:t>
+              <a:t>4096 x 1202</a:t>
             </a:r>
           </a:p>
           <a:p>
@@ -6078,30 +6074,7 @@
                   </a:outerShdw>
                 </a:effectLst>
               </a:rPr>
-              <a:t>Regions </a:t>
-            </a:r>
-            <a:r>
-              <a:rPr lang="en-US" b="1" dirty="0" smtClean="0">
-                <a:ln w="12700">
-                  <a:solidFill>
-                    <a:schemeClr val="tx2">
-                      <a:satMod val="155000"/>
-                    </a:schemeClr>
-                  </a:solidFill>
-                  <a:prstDash val="solid"/>
-                </a:ln>
-                <a:solidFill>
-                  <a:schemeClr val="bg1"/>
-                </a:solidFill>
-                <a:effectLst>
-                  <a:outerShdw blurRad="41275" dist="20320" dir="1800000" algn="tl" rotWithShape="0">
-                    <a:srgbClr val="000000">
-                      <a:alpha val="40000"/>
-                    </a:srgbClr>
-                  </a:outerShdw>
-                </a:effectLst>
-              </a:rPr>
-              <a:t>extraction</a:t>
+              <a:t>Regions extraction</a:t>
             </a:r>
             <a:endParaRPr lang="en-US" b="1" dirty="0">
               <a:ln w="12700">
@@ -7505,7 +7478,7 @@
         </p:blipFill>
         <p:spPr bwMode="auto">
           <a:xfrm>
-            <a:off x="395536" y="3861048"/>
+            <a:off x="467544" y="3645024"/>
             <a:ext cx="4141031" cy="2313534"/>
           </a:xfrm>
           <a:prstGeom prst="rect">
@@ -7531,7 +7504,7 @@
         </p:blipFill>
         <p:spPr bwMode="auto">
           <a:xfrm>
-            <a:off x="5004048" y="3717032"/>
+            <a:off x="5004048" y="3356992"/>
             <a:ext cx="3405068" cy="2591594"/>
           </a:xfrm>
           <a:prstGeom prst="rect">
@@ -7540,6 +7513,82 @@
           <a:noFill/>
         </p:spPr>
       </p:pic>
+      <p:sp>
+        <p:nvSpPr>
+          <p:cNvPr id="7" name="ZoneTexte 6"/>
+          <p:cNvSpPr txBox="1"/>
+          <p:nvPr/>
+        </p:nvSpPr>
+        <p:spPr>
+          <a:xfrm>
+            <a:off x="1043608" y="6021288"/>
+            <a:ext cx="3024336" cy="461665"/>
+          </a:xfrm>
+          <a:prstGeom prst="rect">
+            <a:avLst/>
+          </a:prstGeom>
+          <a:noFill/>
+        </p:spPr>
+        <p:txBody>
+          <a:bodyPr wrap="square" rtlCol="0">
+            <a:spAutoFit/>
+          </a:bodyPr>
+          <a:lstStyle/>
+          <a:p>
+            <a:r>
+              <a:rPr lang="fr-FR" sz="2400" dirty="0" smtClean="0"/>
+              <a:t>2D </a:t>
+            </a:r>
+            <a:r>
+              <a:rPr lang="fr-FR" sz="2400" dirty="0" err="1" smtClean="0"/>
+              <a:t>window</a:t>
+            </a:r>
+            <a:r>
+              <a:rPr lang="fr-FR" sz="2400" dirty="0" smtClean="0"/>
+              <a:t> system</a:t>
+            </a:r>
+            <a:endParaRPr lang="fr-FR" sz="2400" dirty="0"/>
+          </a:p>
+        </p:txBody>
+      </p:sp>
+      <p:sp>
+        <p:nvSpPr>
+          <p:cNvPr id="8" name="ZoneTexte 7"/>
+          <p:cNvSpPr txBox="1"/>
+          <p:nvPr/>
+        </p:nvSpPr>
+        <p:spPr>
+          <a:xfrm>
+            <a:off x="5220072" y="6021288"/>
+            <a:ext cx="3419872" cy="461665"/>
+          </a:xfrm>
+          <a:prstGeom prst="rect">
+            <a:avLst/>
+          </a:prstGeom>
+          <a:noFill/>
+        </p:spPr>
+        <p:txBody>
+          <a:bodyPr wrap="square" rtlCol="0">
+            <a:spAutoFit/>
+          </a:bodyPr>
+          <a:lstStyle/>
+          <a:p>
+            <a:r>
+              <a:rPr lang="fr-FR" sz="2400" dirty="0" smtClean="0"/>
+              <a:t>3D </a:t>
+            </a:r>
+            <a:r>
+              <a:rPr lang="fr-FR" sz="2400" dirty="0" err="1" smtClean="0"/>
+              <a:t>window</a:t>
+            </a:r>
+            <a:r>
+              <a:rPr lang="fr-FR" sz="2400" dirty="0" smtClean="0"/>
+              <a:t> system</a:t>
+            </a:r>
+            <a:endParaRPr lang="fr-FR" sz="2400" dirty="0"/>
+          </a:p>
+        </p:txBody>
+      </p:sp>
     </p:spTree>
   </p:cSld>
   <p:clrMapOvr>

--- a/Pr�sentation/Pr�sentation_NUI.pptx
+++ b/Pr�sentation/Pr�sentation_NUI.pptx
@@ -183,16 +183,16 @@
                   <c:v>4.201918</c:v>
                 </c:pt>
                 <c:pt idx="1">
-                  <c:v>1.0630710999999984</c:v>
+                  <c:v>1.0630710999999982</c:v>
                 </c:pt>
                 <c:pt idx="2">
-                  <c:v>0.28386960000000039</c:v>
+                  <c:v>0.28386960000000044</c:v>
                 </c:pt>
                 <c:pt idx="3">
-                  <c:v>0.15299750000000026</c:v>
+                  <c:v>0.15299750000000029</c:v>
                 </c:pt>
                 <c:pt idx="4">
-                  <c:v>4.9843000000000082E-2</c:v>
+                  <c:v>4.9843000000000089E-2</c:v>
                 </c:pt>
                 <c:pt idx="5">
                   <c:v>3.8114299999999997E-2</c:v>
@@ -248,33 +248,33 @@
                 <c:formatCode>General</c:formatCode>
                 <c:ptCount val="6"/>
                 <c:pt idx="0">
-                  <c:v>3.4600000000000102E-5</c:v>
+                  <c:v>3.4600000000000116E-5</c:v>
                 </c:pt>
                 <c:pt idx="1">
-                  <c:v>3.4000000000000101E-5</c:v>
+                  <c:v>3.4000000000000115E-5</c:v>
                 </c:pt>
                 <c:pt idx="2">
-                  <c:v>3.0700000000000089E-5</c:v>
+                  <c:v>3.0700000000000102E-5</c:v>
                 </c:pt>
                 <c:pt idx="3">
-                  <c:v>5.770000000000019E-5</c:v>
+                  <c:v>5.7700000000000217E-5</c:v>
                 </c:pt>
                 <c:pt idx="4">
-                  <c:v>3.3300000000000098E-5</c:v>
+                  <c:v>3.3300000000000105E-5</c:v>
                 </c:pt>
                 <c:pt idx="5">
-                  <c:v>3.4600000000000102E-5</c:v>
+                  <c:v>3.4600000000000116E-5</c:v>
                 </c:pt>
               </c:numCache>
             </c:numRef>
           </c:val>
         </c:ser>
         <c:marker val="1"/>
-        <c:axId val="65319296"/>
-        <c:axId val="65320832"/>
+        <c:axId val="51283072"/>
+        <c:axId val="51284608"/>
       </c:lineChart>
       <c:catAx>
-        <c:axId val="65319296"/>
+        <c:axId val="51283072"/>
         <c:scaling>
           <c:orientation val="minMax"/>
         </c:scaling>
@@ -290,14 +290,14 @@
             <a:endParaRPr lang="fr-FR"/>
           </a:p>
         </c:txPr>
-        <c:crossAx val="65320832"/>
-        <c:crossesAt val="1.0000000000000033E-5"/>
+        <c:crossAx val="51284608"/>
+        <c:crossesAt val="1.0000000000000038E-5"/>
         <c:auto val="1"/>
         <c:lblAlgn val="ctr"/>
         <c:lblOffset val="100"/>
       </c:catAx>
       <c:valAx>
-        <c:axId val="65320832"/>
+        <c:axId val="51284608"/>
         <c:scaling>
           <c:logBase val="10"/>
           <c:orientation val="minMax"/>
@@ -307,7 +307,7 @@
         <c:numFmt formatCode="General" sourceLinked="1"/>
         <c:minorTickMark val="in"/>
         <c:tickLblPos val="nextTo"/>
-        <c:crossAx val="65319296"/>
+        <c:crossAx val="51283072"/>
         <c:crosses val="autoZero"/>
         <c:crossBetween val="between"/>
       </c:valAx>
@@ -465,7 +465,7 @@
             <a:fld id="{2203E90B-0CDC-4675-8BC8-ABC960C3C4BD}" type="datetimeFigureOut">
               <a:rPr lang="fr-FR" smtClean="0"/>
               <a:pPr/>
-              <a:t>22/12/2011</a:t>
+              <a:t>25/12/2011</a:t>
             </a:fld>
             <a:endParaRPr lang="fr-FR"/>
           </a:p>
@@ -2023,7 +2023,7 @@
             <a:fld id="{7FE745BF-AED8-4079-86B5-94776AA709CD}" type="datetime1">
               <a:rPr lang="fr-FR" smtClean="0"/>
               <a:pPr/>
-              <a:t>22/12/2011</a:t>
+              <a:t>25/12/2011</a:t>
             </a:fld>
             <a:endParaRPr lang="fr-FR" dirty="0"/>
           </a:p>
@@ -2190,7 +2190,7 @@
             <a:fld id="{8BADFC06-5AC4-476A-8FD2-54DE0E426D90}" type="datetime1">
               <a:rPr lang="fr-FR" smtClean="0"/>
               <a:pPr/>
-              <a:t>22/12/2011</a:t>
+              <a:t>25/12/2011</a:t>
             </a:fld>
             <a:endParaRPr lang="fr-FR" dirty="0"/>
           </a:p>
@@ -2367,7 +2367,7 @@
             <a:fld id="{271E89F4-7B08-401C-94CC-1E6E90A77743}" type="datetime1">
               <a:rPr lang="fr-FR" smtClean="0"/>
               <a:pPr/>
-              <a:t>22/12/2011</a:t>
+              <a:t>25/12/2011</a:t>
             </a:fld>
             <a:endParaRPr lang="fr-FR" dirty="0"/>
           </a:p>
@@ -2538,7 +2538,7 @@
             <a:fld id="{B8D51CD3-FD0B-4398-96D6-10844A344A7A}" type="datetime1">
               <a:rPr lang="fr-FR" smtClean="0"/>
               <a:pPr/>
-              <a:t>22/12/2011</a:t>
+              <a:t>25/12/2011</a:t>
             </a:fld>
             <a:endParaRPr lang="fr-FR" dirty="0"/>
           </a:p>
@@ -2995,7 +2995,7 @@
             <a:fld id="{5272A46D-708F-4429-9728-C0AAA1D8ED70}" type="datetime1">
               <a:rPr lang="fr-FR" smtClean="0"/>
               <a:pPr/>
-              <a:t>22/12/2011</a:t>
+              <a:t>25/12/2011</a:t>
             </a:fld>
             <a:endParaRPr lang="fr-FR" dirty="0"/>
           </a:p>
@@ -3261,7 +3261,7 @@
             <a:fld id="{85176319-0B46-44DD-88B8-E7F3AAD4F2DF}" type="datetime1">
               <a:rPr lang="fr-FR" smtClean="0"/>
               <a:pPr/>
-              <a:t>22/12/2011</a:t>
+              <a:t>25/12/2011</a:t>
             </a:fld>
             <a:endParaRPr lang="fr-FR" dirty="0"/>
           </a:p>
@@ -3637,7 +3637,7 @@
             <a:fld id="{2587345E-05A6-495C-A1A1-170A1A91A394}" type="datetime1">
               <a:rPr lang="fr-FR" smtClean="0"/>
               <a:pPr/>
-              <a:t>22/12/2011</a:t>
+              <a:t>25/12/2011</a:t>
             </a:fld>
             <a:endParaRPr lang="fr-FR" dirty="0"/>
           </a:p>
@@ -3761,7 +3761,7 @@
             <a:fld id="{172809C5-74F0-4FD7-9204-0F8A8FB1929B}" type="datetime1">
               <a:rPr lang="fr-FR" smtClean="0"/>
               <a:pPr/>
-              <a:t>22/12/2011</a:t>
+              <a:t>25/12/2011</a:t>
             </a:fld>
             <a:endParaRPr lang="fr-FR" dirty="0"/>
           </a:p>
@@ -3853,7 +3853,7 @@
             <a:fld id="{7786A093-8429-44F1-808A-11360C2CAA55}" type="datetime1">
               <a:rPr lang="fr-FR" smtClean="0"/>
               <a:pPr/>
-              <a:t>22/12/2011</a:t>
+              <a:t>25/12/2011</a:t>
             </a:fld>
             <a:endParaRPr lang="fr-FR" dirty="0"/>
           </a:p>
@@ -4104,7 +4104,7 @@
             <a:fld id="{FE18F5A1-6F3E-41A1-AC38-A5948C92E970}" type="datetime1">
               <a:rPr lang="fr-FR" smtClean="0"/>
               <a:pPr/>
-              <a:t>22/12/2011</a:t>
+              <a:t>25/12/2011</a:t>
             </a:fld>
             <a:endParaRPr lang="fr-FR" dirty="0"/>
           </a:p>
@@ -4365,7 +4365,7 @@
             <a:fld id="{42D0C6D8-1219-406E-8CD6-FA778B9D3E63}" type="datetime1">
               <a:rPr lang="fr-FR" smtClean="0"/>
               <a:pPr/>
-              <a:t>22/12/2011</a:t>
+              <a:t>25/12/2011</a:t>
             </a:fld>
             <a:endParaRPr lang="fr-FR" dirty="0"/>
           </a:p>
@@ -4771,7 +4771,7 @@
             <a:fld id="{CC7C295D-0E21-434D-B466-C466C8EF3B27}" type="datetime1">
               <a:rPr lang="fr-FR" smtClean="0"/>
               <a:pPr/>
-              <a:t>22/12/2011</a:t>
+              <a:t>25/12/2011</a:t>
             </a:fld>
             <a:endParaRPr lang="fr-FR" dirty="0"/>
           </a:p>
@@ -5197,7 +5197,7 @@
               <a:t>using</a:t>
             </a:r>
             <a:r>
-              <a:rPr lang="fr-FR" smtClean="0"/>
+              <a:rPr lang="fr-FR" dirty="0" smtClean="0"/>
               <a:t> Kinect</a:t>
             </a:r>
             <a:endParaRPr lang="fr-FR" dirty="0"/>
@@ -5776,20 +5776,49 @@
       </p:grpSpPr>
       <p:sp>
         <p:nvSpPr>
-          <p:cNvPr id="7" name="Espace réservé du contenu 6"/>
-          <p:cNvSpPr>
-            <a:spLocks noGrp="1"/>
-          </p:cNvSpPr>
-          <p:nvPr>
-            <p:ph idx="1"/>
-          </p:nvPr>
-        </p:nvSpPr>
-        <p:spPr/>
-        <p:txBody>
-          <a:bodyPr/>
-          <a:lstStyle/>
-          <a:p>
-            <a:endParaRPr lang="fr-FR" dirty="0"/>
+          <p:cNvPr id="10" name="Rectangle 9"/>
+          <p:cNvSpPr/>
+          <p:nvPr/>
+        </p:nvSpPr>
+        <p:spPr>
+          <a:xfrm>
+            <a:off x="-1044624" y="4941168"/>
+            <a:ext cx="11377264" cy="2736304"/>
+          </a:xfrm>
+          <a:prstGeom prst="rect">
+            <a:avLst/>
+          </a:prstGeom>
+          <a:solidFill>
+            <a:schemeClr val="tx1"/>
+          </a:solidFill>
+          <a:ln>
+            <a:solidFill>
+              <a:schemeClr val="tx1"/>
+            </a:solidFill>
+          </a:ln>
+        </p:spPr>
+        <p:style>
+          <a:lnRef idx="2">
+            <a:schemeClr val="accent1">
+              <a:shade val="50000"/>
+            </a:schemeClr>
+          </a:lnRef>
+          <a:fillRef idx="1">
+            <a:schemeClr val="accent1"/>
+          </a:fillRef>
+          <a:effectRef idx="0">
+            <a:schemeClr val="accent1"/>
+          </a:effectRef>
+          <a:fontRef idx="minor">
+            <a:schemeClr val="lt1"/>
+          </a:fontRef>
+        </p:style>
+        <p:txBody>
+          <a:bodyPr rtlCol="0" anchor="ctr"/>
+          <a:lstStyle/>
+          <a:p>
+            <a:pPr algn="ctr"/>
+            <a:endParaRPr lang="fr-FR"/>
           </a:p>
         </p:txBody>
       </p:sp>
@@ -5811,7 +5840,7 @@
         <p:spPr bwMode="auto">
           <a:xfrm>
             <a:off x="0" y="9525"/>
-            <a:ext cx="9963150" cy="6838950"/>
+            <a:ext cx="9144000" cy="6276665"/>
           </a:xfrm>
           <a:prstGeom prst="rect">
             <a:avLst/>
@@ -5947,7 +5976,7 @@
         </p:nvSpPr>
         <p:spPr>
           <a:xfrm>
-            <a:off x="3707904" y="2132856"/>
+            <a:off x="3419872" y="1700808"/>
             <a:ext cx="3312368" cy="646331"/>
           </a:xfrm>
           <a:prstGeom prst="rect">
@@ -5961,98 +5990,6 @@
           </a:bodyPr>
           <a:lstStyle/>
           <a:p>
-            <a:r>
-              <a:rPr lang="fr-FR" b="1" dirty="0" err="1" smtClean="0">
-                <a:ln w="12700">
-                  <a:solidFill>
-                    <a:schemeClr val="tx2">
-                      <a:satMod val="155000"/>
-                    </a:schemeClr>
-                  </a:solidFill>
-                  <a:prstDash val="solid"/>
-                </a:ln>
-                <a:solidFill>
-                  <a:schemeClr val="bg1"/>
-                </a:solidFill>
-                <a:effectLst>
-                  <a:outerShdw blurRad="41275" dist="20320" dir="1800000" algn="tl" rotWithShape="0">
-                    <a:srgbClr val="000000">
-                      <a:alpha val="40000"/>
-                    </a:srgbClr>
-                  </a:outerShdw>
-                </a:effectLst>
-              </a:rPr>
-              <a:t>Depth</a:t>
-            </a:r>
-            <a:r>
-              <a:rPr lang="fr-FR" b="1" dirty="0" smtClean="0">
-                <a:ln w="12700">
-                  <a:solidFill>
-                    <a:schemeClr val="tx2">
-                      <a:satMod val="155000"/>
-                    </a:schemeClr>
-                  </a:solidFill>
-                  <a:prstDash val="solid"/>
-                </a:ln>
-                <a:solidFill>
-                  <a:schemeClr val="bg1"/>
-                </a:solidFill>
-                <a:effectLst>
-                  <a:outerShdw blurRad="41275" dist="20320" dir="1800000" algn="tl" rotWithShape="0">
-                    <a:srgbClr val="000000">
-                      <a:alpha val="40000"/>
-                    </a:srgbClr>
-                  </a:outerShdw>
-                </a:effectLst>
-              </a:rPr>
-              <a:t> </a:t>
-            </a:r>
-            <a:r>
-              <a:rPr lang="fr-FR" b="1" dirty="0" err="1" smtClean="0">
-                <a:ln w="12700">
-                  <a:solidFill>
-                    <a:schemeClr val="tx2">
-                      <a:satMod val="155000"/>
-                    </a:schemeClr>
-                  </a:solidFill>
-                  <a:prstDash val="solid"/>
-                </a:ln>
-                <a:solidFill>
-                  <a:schemeClr val="bg1"/>
-                </a:solidFill>
-                <a:effectLst>
-                  <a:outerShdw blurRad="41275" dist="20320" dir="1800000" algn="tl" rotWithShape="0">
-                    <a:srgbClr val="000000">
-                      <a:alpha val="40000"/>
-                    </a:srgbClr>
-                  </a:outerShdw>
-                </a:effectLst>
-              </a:rPr>
-              <a:t>based</a:t>
-            </a:r>
-            <a:r>
-              <a:rPr lang="fr-FR" b="1" dirty="0" smtClean="0">
-                <a:ln w="12700">
-                  <a:solidFill>
-                    <a:schemeClr val="tx2">
-                      <a:satMod val="155000"/>
-                    </a:schemeClr>
-                  </a:solidFill>
-                  <a:prstDash val="solid"/>
-                </a:ln>
-                <a:solidFill>
-                  <a:schemeClr val="bg1"/>
-                </a:solidFill>
-                <a:effectLst>
-                  <a:outerShdw blurRad="41275" dist="20320" dir="1800000" algn="tl" rotWithShape="0">
-                    <a:srgbClr val="000000">
-                      <a:alpha val="40000"/>
-                    </a:srgbClr>
-                  </a:outerShdw>
-                </a:effectLst>
-              </a:rPr>
-              <a:t> </a:t>
-            </a:r>
             <a:r>
               <a:rPr lang="en-US" b="1" dirty="0" smtClean="0">
                 <a:ln w="12700">
@@ -6074,7 +6011,30 @@
                   </a:outerShdw>
                 </a:effectLst>
               </a:rPr>
-              <a:t>Regions extraction</a:t>
+              <a:t>Depth based Regions </a:t>
+            </a:r>
+            <a:r>
+              <a:rPr lang="en-US" b="1" dirty="0" smtClean="0">
+                <a:ln w="12700">
+                  <a:solidFill>
+                    <a:schemeClr val="tx2">
+                      <a:satMod val="155000"/>
+                    </a:schemeClr>
+                  </a:solidFill>
+                  <a:prstDash val="solid"/>
+                </a:ln>
+                <a:solidFill>
+                  <a:schemeClr val="bg1"/>
+                </a:solidFill>
+                <a:effectLst>
+                  <a:outerShdw blurRad="41275" dist="20320" dir="1800000" algn="tl" rotWithShape="0">
+                    <a:srgbClr val="000000">
+                      <a:alpha val="40000"/>
+                    </a:srgbClr>
+                  </a:outerShdw>
+                </a:effectLst>
+              </a:rPr>
+              <a:t>extraction</a:t>
             </a:r>
             <a:endParaRPr lang="en-US" b="1" dirty="0">
               <a:ln w="12700">
@@ -6107,7 +6067,7 @@
         </p:nvSpPr>
         <p:spPr>
           <a:xfrm>
-            <a:off x="7308304" y="2132856"/>
+            <a:off x="6732240" y="1844824"/>
             <a:ext cx="3312368" cy="369332"/>
           </a:xfrm>
           <a:prstGeom prst="rect">
@@ -6175,7 +6135,7 @@
         </p:nvSpPr>
         <p:spPr>
           <a:xfrm>
-            <a:off x="0" y="2132856"/>
+            <a:off x="0" y="1988840"/>
             <a:ext cx="3312368" cy="369332"/>
           </a:xfrm>
           <a:prstGeom prst="rect">
@@ -6243,7 +6203,7 @@
         </p:nvSpPr>
         <p:spPr>
           <a:xfrm>
-            <a:off x="611560" y="6309320"/>
+            <a:off x="395536" y="5301208"/>
             <a:ext cx="4752528" cy="369332"/>
           </a:xfrm>
           <a:prstGeom prst="rect">
@@ -6749,6 +6709,13 @@
   <p:clrMapOvr>
     <a:masterClrMapping/>
   </p:clrMapOvr>
+  <p:timing>
+    <p:tnLst>
+      <p:par>
+        <p:cTn id="1" dur="indefinite" restart="never" nodeType="tmRoot"/>
+      </p:par>
+    </p:tnLst>
+  </p:timing>
 </p:sld>
 </file>
 
@@ -7536,18 +7503,10 @@
           <a:lstStyle/>
           <a:p>
             <a:r>
-              <a:rPr lang="fr-FR" sz="2400" dirty="0" smtClean="0"/>
-              <a:t>2D </a:t>
-            </a:r>
-            <a:r>
-              <a:rPr lang="fr-FR" sz="2400" dirty="0" err="1" smtClean="0"/>
-              <a:t>window</a:t>
-            </a:r>
-            <a:r>
-              <a:rPr lang="fr-FR" sz="2400" dirty="0" smtClean="0"/>
-              <a:t> system</a:t>
-            </a:r>
-            <a:endParaRPr lang="fr-FR" sz="2400" dirty="0"/>
+              <a:rPr lang="en-US" sz="2400" dirty="0" smtClean="0"/>
+              <a:t>2D window system</a:t>
+            </a:r>
+            <a:endParaRPr lang="en-US" sz="2400" dirty="0"/>
           </a:p>
         </p:txBody>
       </p:sp>
@@ -7574,18 +7533,10 @@
           <a:lstStyle/>
           <a:p>
             <a:r>
-              <a:rPr lang="fr-FR" sz="2400" dirty="0" smtClean="0"/>
-              <a:t>3D </a:t>
-            </a:r>
-            <a:r>
-              <a:rPr lang="fr-FR" sz="2400" dirty="0" err="1" smtClean="0"/>
-              <a:t>window</a:t>
-            </a:r>
-            <a:r>
-              <a:rPr lang="fr-FR" sz="2400" dirty="0" smtClean="0"/>
-              <a:t> system</a:t>
-            </a:r>
-            <a:endParaRPr lang="fr-FR" sz="2400" dirty="0"/>
+              <a:rPr lang="en-US" sz="2400" dirty="0" smtClean="0"/>
+              <a:t>3D window system</a:t>
+            </a:r>
+            <a:endParaRPr lang="en-US" sz="2400" dirty="0"/>
           </a:p>
         </p:txBody>
       </p:sp>

--- a/Pr�sentation/Pr�sentation_NUI.pptx
+++ b/Pr�sentation/Pr�sentation_NUI.pptx
@@ -5,7 +5,7 @@
     <p:sldMasterId id="2147483684" r:id="rId1"/>
   </p:sldMasterIdLst>
   <p:notesMasterIdLst>
-    <p:notesMasterId r:id="rId17"/>
+    <p:notesMasterId r:id="rId24"/>
   </p:notesMasterIdLst>
   <p:sldIdLst>
     <p:sldId id="256" r:id="rId2"/>
@@ -20,9 +20,16 @@
     <p:sldId id="264" r:id="rId11"/>
     <p:sldId id="267" r:id="rId12"/>
     <p:sldId id="266" r:id="rId13"/>
-    <p:sldId id="262" r:id="rId14"/>
-    <p:sldId id="265" r:id="rId15"/>
-    <p:sldId id="268" r:id="rId16"/>
+    <p:sldId id="271" r:id="rId14"/>
+    <p:sldId id="272" r:id="rId15"/>
+    <p:sldId id="273" r:id="rId16"/>
+    <p:sldId id="274" r:id="rId17"/>
+    <p:sldId id="275" r:id="rId18"/>
+    <p:sldId id="276" r:id="rId19"/>
+    <p:sldId id="277" r:id="rId20"/>
+    <p:sldId id="262" r:id="rId21"/>
+    <p:sldId id="265" r:id="rId22"/>
+    <p:sldId id="268" r:id="rId23"/>
   </p:sldIdLst>
   <p:sldSz cx="9144000" cy="6858000" type="screen4x3"/>
   <p:notesSz cx="6858000" cy="9144000"/>
@@ -183,16 +190,16 @@
                   <c:v>4.201918</c:v>
                 </c:pt>
                 <c:pt idx="1">
-                  <c:v>1.0630710999999982</c:v>
+                  <c:v>1.0630710999999979</c:v>
                 </c:pt>
                 <c:pt idx="2">
-                  <c:v>0.28386960000000044</c:v>
+                  <c:v>0.2838696000000005</c:v>
                 </c:pt>
                 <c:pt idx="3">
-                  <c:v>0.15299750000000029</c:v>
+                  <c:v>0.15299750000000031</c:v>
                 </c:pt>
                 <c:pt idx="4">
-                  <c:v>4.9843000000000089E-2</c:v>
+                  <c:v>4.9843000000000103E-2</c:v>
                 </c:pt>
                 <c:pt idx="5">
                   <c:v>3.8114299999999997E-2</c:v>
@@ -248,33 +255,33 @@
                 <c:formatCode>General</c:formatCode>
                 <c:ptCount val="6"/>
                 <c:pt idx="0">
-                  <c:v>3.4600000000000116E-5</c:v>
+                  <c:v>3.460000000000013E-5</c:v>
                 </c:pt>
                 <c:pt idx="1">
-                  <c:v>3.4000000000000115E-5</c:v>
+                  <c:v>3.4000000000000128E-5</c:v>
                 </c:pt>
                 <c:pt idx="2">
-                  <c:v>3.0700000000000102E-5</c:v>
+                  <c:v>3.0700000000000116E-5</c:v>
                 </c:pt>
                 <c:pt idx="3">
-                  <c:v>5.7700000000000217E-5</c:v>
+                  <c:v>5.7700000000000251E-5</c:v>
                 </c:pt>
                 <c:pt idx="4">
-                  <c:v>3.3300000000000105E-5</c:v>
+                  <c:v>3.3300000000000118E-5</c:v>
                 </c:pt>
                 <c:pt idx="5">
-                  <c:v>3.4600000000000116E-5</c:v>
+                  <c:v>3.460000000000013E-5</c:v>
                 </c:pt>
               </c:numCache>
             </c:numRef>
           </c:val>
         </c:ser>
         <c:marker val="1"/>
-        <c:axId val="51283072"/>
-        <c:axId val="51284608"/>
+        <c:axId val="70034176"/>
+        <c:axId val="70035712"/>
       </c:lineChart>
       <c:catAx>
-        <c:axId val="51283072"/>
+        <c:axId val="70034176"/>
         <c:scaling>
           <c:orientation val="minMax"/>
         </c:scaling>
@@ -290,14 +297,14 @@
             <a:endParaRPr lang="fr-FR"/>
           </a:p>
         </c:txPr>
-        <c:crossAx val="51284608"/>
-        <c:crossesAt val="1.0000000000000038E-5"/>
+        <c:crossAx val="70035712"/>
+        <c:crossesAt val="1.0000000000000045E-5"/>
         <c:auto val="1"/>
         <c:lblAlgn val="ctr"/>
         <c:lblOffset val="100"/>
       </c:catAx>
       <c:valAx>
-        <c:axId val="51284608"/>
+        <c:axId val="70035712"/>
         <c:scaling>
           <c:logBase val="10"/>
           <c:orientation val="minMax"/>
@@ -307,7 +314,7 @@
         <c:numFmt formatCode="General" sourceLinked="1"/>
         <c:minorTickMark val="in"/>
         <c:tickLblPos val="nextTo"/>
-        <c:crossAx val="51283072"/>
+        <c:crossAx val="70034176"/>
         <c:crosses val="autoZero"/>
         <c:crossBetween val="between"/>
       </c:valAx>
@@ -330,6 +337,1214 @@
   </c:txPr>
   <c:externalData r:id="rId1"/>
   <c:userShapes r:id="rId2"/>
+</c:chartSpace>
+</file>
+
+<file path=ppt/charts/chart2.xml><?xml version="1.0" encoding="utf-8"?>
+<c:chartSpace xmlns:c="http://schemas.openxmlformats.org/drawingml/2006/chart" xmlns:a="http://schemas.openxmlformats.org/drawingml/2006/main" xmlns:r="http://schemas.openxmlformats.org/officeDocument/2006/relationships">
+  <c:date1904 val="1"/>
+  <c:lang val="fr-FR"/>
+  <c:chart>
+    <c:plotArea>
+      <c:layout/>
+      <c:lineChart>
+        <c:grouping val="standard"/>
+        <c:ser>
+          <c:idx val="0"/>
+          <c:order val="0"/>
+          <c:tx>
+            <c:v>Mouse</c:v>
+          </c:tx>
+          <c:marker>
+            <c:symbol val="none"/>
+          </c:marker>
+          <c:cat>
+            <c:numRef>
+              <c:f>Precision!$A$6:$A$11</c:f>
+              <c:numCache>
+                <c:formatCode>General</c:formatCode>
+                <c:ptCount val="6"/>
+                <c:pt idx="0">
+                  <c:v>24</c:v>
+                </c:pt>
+                <c:pt idx="1">
+                  <c:v>32</c:v>
+                </c:pt>
+                <c:pt idx="2">
+                  <c:v>64</c:v>
+                </c:pt>
+                <c:pt idx="3">
+                  <c:v>72</c:v>
+                </c:pt>
+                <c:pt idx="4">
+                  <c:v>92</c:v>
+                </c:pt>
+                <c:pt idx="5">
+                  <c:v>128</c:v>
+                </c:pt>
+              </c:numCache>
+            </c:numRef>
+          </c:cat>
+          <c:val>
+            <c:numRef>
+              <c:f>Precision!$B$6:$B$11</c:f>
+              <c:numCache>
+                <c:formatCode>General</c:formatCode>
+                <c:ptCount val="6"/>
+                <c:pt idx="0">
+                  <c:v>0.76500000000000123</c:v>
+                </c:pt>
+                <c:pt idx="1">
+                  <c:v>0.81799999999999995</c:v>
+                </c:pt>
+                <c:pt idx="2">
+                  <c:v>0.72800000000000065</c:v>
+                </c:pt>
+                <c:pt idx="3">
+                  <c:v>0.61100000000000065</c:v>
+                </c:pt>
+                <c:pt idx="4">
+                  <c:v>0.57099999999999995</c:v>
+                </c:pt>
+                <c:pt idx="5">
+                  <c:v>0.46400000000000002</c:v>
+                </c:pt>
+              </c:numCache>
+            </c:numRef>
+          </c:val>
+        </c:ser>
+        <c:ser>
+          <c:idx val="1"/>
+          <c:order val="1"/>
+          <c:tx>
+            <c:v>Kinect Hands</c:v>
+          </c:tx>
+          <c:marker>
+            <c:symbol val="none"/>
+          </c:marker>
+          <c:val>
+            <c:numRef>
+              <c:f>Precision!$B$15:$B$20</c:f>
+              <c:numCache>
+                <c:formatCode>General</c:formatCode>
+                <c:ptCount val="6"/>
+                <c:pt idx="0">
+                  <c:v>3.08</c:v>
+                </c:pt>
+                <c:pt idx="1">
+                  <c:v>2.92</c:v>
+                </c:pt>
+                <c:pt idx="2">
+                  <c:v>2.4499999999999997</c:v>
+                </c:pt>
+                <c:pt idx="3">
+                  <c:v>3.03</c:v>
+                </c:pt>
+                <c:pt idx="4">
+                  <c:v>2.23</c:v>
+                </c:pt>
+                <c:pt idx="5">
+                  <c:v>2.14</c:v>
+                </c:pt>
+              </c:numCache>
+            </c:numRef>
+          </c:val>
+        </c:ser>
+        <c:ser>
+          <c:idx val="2"/>
+          <c:order val="2"/>
+          <c:tx>
+            <c:v>Kinect Skeleton</c:v>
+          </c:tx>
+          <c:marker>
+            <c:symbol val="none"/>
+          </c:marker>
+          <c:val>
+            <c:numRef>
+              <c:f>Precision!$B$24:$B$29</c:f>
+              <c:numCache>
+                <c:formatCode>General</c:formatCode>
+                <c:ptCount val="6"/>
+                <c:pt idx="0">
+                  <c:v>3.226</c:v>
+                </c:pt>
+                <c:pt idx="1">
+                  <c:v>3.2229999999999999</c:v>
+                </c:pt>
+                <c:pt idx="2">
+                  <c:v>2.2890000000000001</c:v>
+                </c:pt>
+                <c:pt idx="3">
+                  <c:v>2.3509999999999978</c:v>
+                </c:pt>
+                <c:pt idx="4">
+                  <c:v>2.0840000000000001</c:v>
+                </c:pt>
+                <c:pt idx="5">
+                  <c:v>1.7749999999999975</c:v>
+                </c:pt>
+              </c:numCache>
+            </c:numRef>
+          </c:val>
+        </c:ser>
+        <c:marker val="1"/>
+        <c:axId val="48964352"/>
+        <c:axId val="59970688"/>
+      </c:lineChart>
+      <c:catAx>
+        <c:axId val="48964352"/>
+        <c:scaling>
+          <c:orientation val="minMax"/>
+        </c:scaling>
+        <c:axPos val="b"/>
+        <c:numFmt formatCode="General" sourceLinked="1"/>
+        <c:tickLblPos val="nextTo"/>
+        <c:crossAx val="59970688"/>
+        <c:crosses val="autoZero"/>
+        <c:auto val="1"/>
+        <c:lblAlgn val="ctr"/>
+        <c:lblOffset val="100"/>
+      </c:catAx>
+      <c:valAx>
+        <c:axId val="59970688"/>
+        <c:scaling>
+          <c:orientation val="minMax"/>
+        </c:scaling>
+        <c:axPos val="l"/>
+        <c:majorGridlines/>
+        <c:numFmt formatCode="General" sourceLinked="1"/>
+        <c:tickLblPos val="nextTo"/>
+        <c:crossAx val="48964352"/>
+        <c:crosses val="autoZero"/>
+        <c:crossBetween val="between"/>
+      </c:valAx>
+    </c:plotArea>
+    <c:legend>
+      <c:legendPos val="r"/>
+      <c:layout/>
+    </c:legend>
+    <c:plotVisOnly val="1"/>
+  </c:chart>
+  <c:externalData r:id="rId1"/>
+</c:chartSpace>
+</file>
+
+<file path=ppt/charts/chart3.xml><?xml version="1.0" encoding="utf-8"?>
+<c:chartSpace xmlns:c="http://schemas.openxmlformats.org/drawingml/2006/chart" xmlns:a="http://schemas.openxmlformats.org/drawingml/2006/main" xmlns:r="http://schemas.openxmlformats.org/officeDocument/2006/relationships">
+  <c:date1904 val="1"/>
+  <c:lang val="fr-FR"/>
+  <c:chart>
+    <c:plotArea>
+      <c:layout/>
+      <c:lineChart>
+        <c:grouping val="standard"/>
+        <c:ser>
+          <c:idx val="0"/>
+          <c:order val="0"/>
+          <c:tx>
+            <c:v>Mouse</c:v>
+          </c:tx>
+          <c:marker>
+            <c:symbol val="none"/>
+          </c:marker>
+          <c:cat>
+            <c:numRef>
+              <c:f>Precision!$A$6:$A$11</c:f>
+              <c:numCache>
+                <c:formatCode>General</c:formatCode>
+                <c:ptCount val="6"/>
+                <c:pt idx="0">
+                  <c:v>24</c:v>
+                </c:pt>
+                <c:pt idx="1">
+                  <c:v>32</c:v>
+                </c:pt>
+                <c:pt idx="2">
+                  <c:v>64</c:v>
+                </c:pt>
+                <c:pt idx="3">
+                  <c:v>72</c:v>
+                </c:pt>
+                <c:pt idx="4">
+                  <c:v>92</c:v>
+                </c:pt>
+                <c:pt idx="5">
+                  <c:v>128</c:v>
+                </c:pt>
+              </c:numCache>
+            </c:numRef>
+          </c:cat>
+          <c:val>
+            <c:numRef>
+              <c:f>Precision!$C$6:$C$11</c:f>
+              <c:numCache>
+                <c:formatCode>General</c:formatCode>
+                <c:ptCount val="6"/>
+                <c:pt idx="0">
+                  <c:v>4.6199999999999966</c:v>
+                </c:pt>
+                <c:pt idx="1">
+                  <c:v>4.71</c:v>
+                </c:pt>
+                <c:pt idx="2">
+                  <c:v>6.84</c:v>
+                </c:pt>
+                <c:pt idx="3">
+                  <c:v>11.97</c:v>
+                </c:pt>
+                <c:pt idx="4">
+                  <c:v>26.04</c:v>
+                </c:pt>
+                <c:pt idx="5">
+                  <c:v>50.11</c:v>
+                </c:pt>
+              </c:numCache>
+            </c:numRef>
+          </c:val>
+        </c:ser>
+        <c:ser>
+          <c:idx val="1"/>
+          <c:order val="1"/>
+          <c:tx>
+            <c:v>Kinect Hands</c:v>
+          </c:tx>
+          <c:marker>
+            <c:symbol val="none"/>
+          </c:marker>
+          <c:cat>
+            <c:numRef>
+              <c:f>Precision!$A$6:$A$11</c:f>
+              <c:numCache>
+                <c:formatCode>General</c:formatCode>
+                <c:ptCount val="6"/>
+                <c:pt idx="0">
+                  <c:v>24</c:v>
+                </c:pt>
+                <c:pt idx="1">
+                  <c:v>32</c:v>
+                </c:pt>
+                <c:pt idx="2">
+                  <c:v>64</c:v>
+                </c:pt>
+                <c:pt idx="3">
+                  <c:v>72</c:v>
+                </c:pt>
+                <c:pt idx="4">
+                  <c:v>92</c:v>
+                </c:pt>
+                <c:pt idx="5">
+                  <c:v>128</c:v>
+                </c:pt>
+              </c:numCache>
+            </c:numRef>
+          </c:cat>
+          <c:val>
+            <c:numRef>
+              <c:f>Precision!$C$15:$C$20</c:f>
+              <c:numCache>
+                <c:formatCode>General</c:formatCode>
+                <c:ptCount val="6"/>
+                <c:pt idx="0">
+                  <c:v>15.07</c:v>
+                </c:pt>
+                <c:pt idx="1">
+                  <c:v>21.16</c:v>
+                </c:pt>
+                <c:pt idx="2">
+                  <c:v>16.939999999999987</c:v>
+                </c:pt>
+                <c:pt idx="3">
+                  <c:v>24.99</c:v>
+                </c:pt>
+                <c:pt idx="4">
+                  <c:v>31.99</c:v>
+                </c:pt>
+                <c:pt idx="5">
+                  <c:v>57.39</c:v>
+                </c:pt>
+              </c:numCache>
+            </c:numRef>
+          </c:val>
+        </c:ser>
+        <c:ser>
+          <c:idx val="2"/>
+          <c:order val="2"/>
+          <c:tx>
+            <c:v>Kinect Skeleton</c:v>
+          </c:tx>
+          <c:marker>
+            <c:symbol val="none"/>
+          </c:marker>
+          <c:cat>
+            <c:numRef>
+              <c:f>Precision!$A$6:$A$11</c:f>
+              <c:numCache>
+                <c:formatCode>General</c:formatCode>
+                <c:ptCount val="6"/>
+                <c:pt idx="0">
+                  <c:v>24</c:v>
+                </c:pt>
+                <c:pt idx="1">
+                  <c:v>32</c:v>
+                </c:pt>
+                <c:pt idx="2">
+                  <c:v>64</c:v>
+                </c:pt>
+                <c:pt idx="3">
+                  <c:v>72</c:v>
+                </c:pt>
+                <c:pt idx="4">
+                  <c:v>92</c:v>
+                </c:pt>
+                <c:pt idx="5">
+                  <c:v>128</c:v>
+                </c:pt>
+              </c:numCache>
+            </c:numRef>
+          </c:cat>
+          <c:val>
+            <c:numRef>
+              <c:f>Precision!$C$24:$C$29</c:f>
+              <c:numCache>
+                <c:formatCode>General</c:formatCode>
+                <c:ptCount val="6"/>
+                <c:pt idx="0">
+                  <c:v>20.75</c:v>
+                </c:pt>
+                <c:pt idx="1">
+                  <c:v>17.27</c:v>
+                </c:pt>
+                <c:pt idx="2">
+                  <c:v>19.260000000000002</c:v>
+                </c:pt>
+                <c:pt idx="3">
+                  <c:v>26.03</c:v>
+                </c:pt>
+                <c:pt idx="4">
+                  <c:v>31.810000000000031</c:v>
+                </c:pt>
+                <c:pt idx="5">
+                  <c:v>57.44</c:v>
+                </c:pt>
+              </c:numCache>
+            </c:numRef>
+          </c:val>
+        </c:ser>
+        <c:marker val="1"/>
+        <c:axId val="47586304"/>
+        <c:axId val="48944256"/>
+      </c:lineChart>
+      <c:catAx>
+        <c:axId val="47586304"/>
+        <c:scaling>
+          <c:orientation val="minMax"/>
+        </c:scaling>
+        <c:axPos val="b"/>
+        <c:numFmt formatCode="General" sourceLinked="1"/>
+        <c:tickLblPos val="nextTo"/>
+        <c:crossAx val="48944256"/>
+        <c:crosses val="autoZero"/>
+        <c:auto val="1"/>
+        <c:lblAlgn val="ctr"/>
+        <c:lblOffset val="100"/>
+      </c:catAx>
+      <c:valAx>
+        <c:axId val="48944256"/>
+        <c:scaling>
+          <c:orientation val="minMax"/>
+        </c:scaling>
+        <c:axPos val="l"/>
+        <c:majorGridlines/>
+        <c:numFmt formatCode="General" sourceLinked="1"/>
+        <c:tickLblPos val="nextTo"/>
+        <c:crossAx val="47586304"/>
+        <c:crosses val="autoZero"/>
+        <c:crossBetween val="between"/>
+      </c:valAx>
+    </c:plotArea>
+    <c:legend>
+      <c:legendPos val="r"/>
+      <c:layout/>
+    </c:legend>
+    <c:plotVisOnly val="1"/>
+  </c:chart>
+  <c:externalData r:id="rId1"/>
+</c:chartSpace>
+</file>
+
+<file path=ppt/charts/chart4.xml><?xml version="1.0" encoding="utf-8"?>
+<c:chartSpace xmlns:c="http://schemas.openxmlformats.org/drawingml/2006/chart" xmlns:a="http://schemas.openxmlformats.org/drawingml/2006/main" xmlns:r="http://schemas.openxmlformats.org/officeDocument/2006/relationships">
+  <c:date1904 val="1"/>
+  <c:lang val="fr-FR"/>
+  <c:chart>
+    <c:plotArea>
+      <c:layout/>
+      <c:lineChart>
+        <c:grouping val="standard"/>
+        <c:ser>
+          <c:idx val="0"/>
+          <c:order val="0"/>
+          <c:tx>
+            <c:v>Mouse</c:v>
+          </c:tx>
+          <c:marker>
+            <c:symbol val="none"/>
+          </c:marker>
+          <c:cat>
+            <c:numRef>
+              <c:f>Precision!$A$6:$A$11</c:f>
+              <c:numCache>
+                <c:formatCode>General</c:formatCode>
+                <c:ptCount val="6"/>
+                <c:pt idx="0">
+                  <c:v>24</c:v>
+                </c:pt>
+                <c:pt idx="1">
+                  <c:v>32</c:v>
+                </c:pt>
+                <c:pt idx="2">
+                  <c:v>64</c:v>
+                </c:pt>
+                <c:pt idx="3">
+                  <c:v>72</c:v>
+                </c:pt>
+                <c:pt idx="4">
+                  <c:v>92</c:v>
+                </c:pt>
+                <c:pt idx="5">
+                  <c:v>128</c:v>
+                </c:pt>
+              </c:numCache>
+            </c:numRef>
+          </c:cat>
+          <c:val>
+            <c:numRef>
+              <c:f>Precision!$D$6:$D$11</c:f>
+              <c:numCache>
+                <c:formatCode>General</c:formatCode>
+                <c:ptCount val="6"/>
+                <c:pt idx="0">
+                  <c:v>99.88</c:v>
+                </c:pt>
+                <c:pt idx="1">
+                  <c:v>100</c:v>
+                </c:pt>
+                <c:pt idx="2">
+                  <c:v>100</c:v>
+                </c:pt>
+                <c:pt idx="3">
+                  <c:v>100</c:v>
+                </c:pt>
+                <c:pt idx="4">
+                  <c:v>100</c:v>
+                </c:pt>
+                <c:pt idx="5">
+                  <c:v>100</c:v>
+                </c:pt>
+              </c:numCache>
+            </c:numRef>
+          </c:val>
+        </c:ser>
+        <c:ser>
+          <c:idx val="1"/>
+          <c:order val="1"/>
+          <c:tx>
+            <c:v>Kinect Hands</c:v>
+          </c:tx>
+          <c:marker>
+            <c:symbol val="none"/>
+          </c:marker>
+          <c:val>
+            <c:numRef>
+              <c:f>Precision!$D$15:$D$20</c:f>
+              <c:numCache>
+                <c:formatCode>General</c:formatCode>
+                <c:ptCount val="6"/>
+                <c:pt idx="0">
+                  <c:v>74.86</c:v>
+                </c:pt>
+                <c:pt idx="1">
+                  <c:v>94.910000000000025</c:v>
+                </c:pt>
+                <c:pt idx="2">
+                  <c:v>95.34</c:v>
+                </c:pt>
+                <c:pt idx="3">
+                  <c:v>94.5</c:v>
+                </c:pt>
+                <c:pt idx="4">
+                  <c:v>100</c:v>
+                </c:pt>
+                <c:pt idx="5">
+                  <c:v>100</c:v>
+                </c:pt>
+              </c:numCache>
+            </c:numRef>
+          </c:val>
+        </c:ser>
+        <c:ser>
+          <c:idx val="2"/>
+          <c:order val="2"/>
+          <c:tx>
+            <c:v>Kinect Skeleton</c:v>
+          </c:tx>
+          <c:marker>
+            <c:symbol val="none"/>
+          </c:marker>
+          <c:val>
+            <c:numRef>
+              <c:f>Precision!$D$24:$D$29</c:f>
+              <c:numCache>
+                <c:formatCode>General</c:formatCode>
+                <c:ptCount val="6"/>
+                <c:pt idx="0">
+                  <c:v>64.09</c:v>
+                </c:pt>
+                <c:pt idx="1">
+                  <c:v>72.099999999999994</c:v>
+                </c:pt>
+                <c:pt idx="2">
+                  <c:v>97.26</c:v>
+                </c:pt>
+                <c:pt idx="3">
+                  <c:v>99.490000000000023</c:v>
+                </c:pt>
+                <c:pt idx="4">
+                  <c:v>100</c:v>
+                </c:pt>
+                <c:pt idx="5">
+                  <c:v>100</c:v>
+                </c:pt>
+              </c:numCache>
+            </c:numRef>
+          </c:val>
+        </c:ser>
+        <c:marker val="1"/>
+        <c:axId val="48685056"/>
+        <c:axId val="48687744"/>
+      </c:lineChart>
+      <c:catAx>
+        <c:axId val="48685056"/>
+        <c:scaling>
+          <c:orientation val="minMax"/>
+        </c:scaling>
+        <c:axPos val="b"/>
+        <c:numFmt formatCode="General" sourceLinked="1"/>
+        <c:tickLblPos val="nextTo"/>
+        <c:crossAx val="48687744"/>
+        <c:crosses val="autoZero"/>
+        <c:auto val="1"/>
+        <c:lblAlgn val="ctr"/>
+        <c:lblOffset val="100"/>
+      </c:catAx>
+      <c:valAx>
+        <c:axId val="48687744"/>
+        <c:scaling>
+          <c:orientation val="minMax"/>
+        </c:scaling>
+        <c:axPos val="l"/>
+        <c:majorGridlines/>
+        <c:numFmt formatCode="General" sourceLinked="1"/>
+        <c:tickLblPos val="nextTo"/>
+        <c:crossAx val="48685056"/>
+        <c:crosses val="autoZero"/>
+        <c:crossBetween val="between"/>
+      </c:valAx>
+    </c:plotArea>
+    <c:legend>
+      <c:legendPos val="r"/>
+      <c:layout/>
+    </c:legend>
+    <c:plotVisOnly val="1"/>
+  </c:chart>
+  <c:externalData r:id="rId1"/>
+</c:chartSpace>
+</file>
+
+<file path=ppt/charts/chart5.xml><?xml version="1.0" encoding="utf-8"?>
+<c:chartSpace xmlns:c="http://schemas.openxmlformats.org/drawingml/2006/chart" xmlns:a="http://schemas.openxmlformats.org/drawingml/2006/main" xmlns:r="http://schemas.openxmlformats.org/officeDocument/2006/relationships">
+  <c:date1904 val="1"/>
+  <c:lang val="fr-FR"/>
+  <c:chart>
+    <c:plotArea>
+      <c:layout/>
+      <c:lineChart>
+        <c:grouping val="standard"/>
+        <c:ser>
+          <c:idx val="0"/>
+          <c:order val="0"/>
+          <c:tx>
+            <c:v>Mouse</c:v>
+          </c:tx>
+          <c:marker>
+            <c:symbol val="none"/>
+          </c:marker>
+          <c:cat>
+            <c:numRef>
+              <c:f>Precision!$A$15:$A$20</c:f>
+              <c:numCache>
+                <c:formatCode>General</c:formatCode>
+                <c:ptCount val="6"/>
+                <c:pt idx="0">
+                  <c:v>24</c:v>
+                </c:pt>
+                <c:pt idx="1">
+                  <c:v>32</c:v>
+                </c:pt>
+                <c:pt idx="2">
+                  <c:v>64</c:v>
+                </c:pt>
+                <c:pt idx="3">
+                  <c:v>72</c:v>
+                </c:pt>
+                <c:pt idx="4">
+                  <c:v>92</c:v>
+                </c:pt>
+                <c:pt idx="5">
+                  <c:v>128</c:v>
+                </c:pt>
+              </c:numCache>
+            </c:numRef>
+          </c:cat>
+          <c:val>
+            <c:numRef>
+              <c:f>Precision!$F$6:$F$11</c:f>
+              <c:numCache>
+                <c:formatCode>General</c:formatCode>
+                <c:ptCount val="6"/>
+                <c:pt idx="0">
+                  <c:v>7.3900000000000006</c:v>
+                </c:pt>
+                <c:pt idx="1">
+                  <c:v>4.3100000000000005</c:v>
+                </c:pt>
+                <c:pt idx="2">
+                  <c:v>2.8309999999999977</c:v>
+                </c:pt>
+                <c:pt idx="3">
+                  <c:v>5.4539999999999997</c:v>
+                </c:pt>
+                <c:pt idx="4">
+                  <c:v>6.7319999999999993</c:v>
+                </c:pt>
+                <c:pt idx="5">
+                  <c:v>3.9630000000000001</c:v>
+                </c:pt>
+              </c:numCache>
+            </c:numRef>
+          </c:val>
+        </c:ser>
+        <c:ser>
+          <c:idx val="1"/>
+          <c:order val="1"/>
+          <c:tx>
+            <c:v>Kinect Hands</c:v>
+          </c:tx>
+          <c:marker>
+            <c:symbol val="none"/>
+          </c:marker>
+          <c:val>
+            <c:numRef>
+              <c:f>Precision!$F$15:$F$20</c:f>
+              <c:numCache>
+                <c:formatCode>General</c:formatCode>
+                <c:ptCount val="6"/>
+                <c:pt idx="0">
+                  <c:v>48.839000000000006</c:v>
+                </c:pt>
+                <c:pt idx="1">
+                  <c:v>49.285000000000011</c:v>
+                </c:pt>
+                <c:pt idx="2">
+                  <c:v>37.531000000000006</c:v>
+                </c:pt>
+                <c:pt idx="3">
+                  <c:v>49.551000000000002</c:v>
+                </c:pt>
+                <c:pt idx="4">
+                  <c:v>44.338000000000001</c:v>
+                </c:pt>
+                <c:pt idx="5">
+                  <c:v>57.416999999999994</c:v>
+                </c:pt>
+              </c:numCache>
+            </c:numRef>
+          </c:val>
+        </c:ser>
+        <c:ser>
+          <c:idx val="2"/>
+          <c:order val="2"/>
+          <c:tx>
+            <c:v>Kinect Skeleton</c:v>
+          </c:tx>
+          <c:marker>
+            <c:symbol val="none"/>
+          </c:marker>
+          <c:val>
+            <c:numRef>
+              <c:f>Precision!$F$24:$F$29</c:f>
+              <c:numCache>
+                <c:formatCode>General</c:formatCode>
+                <c:ptCount val="6"/>
+                <c:pt idx="0">
+                  <c:v>32.128000000000071</c:v>
+                </c:pt>
+                <c:pt idx="1">
+                  <c:v>33.488</c:v>
+                </c:pt>
+                <c:pt idx="2">
+                  <c:v>31.844000000000001</c:v>
+                </c:pt>
+                <c:pt idx="3">
+                  <c:v>34.085000000000001</c:v>
+                </c:pt>
+                <c:pt idx="4">
+                  <c:v>31.51</c:v>
+                </c:pt>
+                <c:pt idx="5">
+                  <c:v>33.220000000000013</c:v>
+                </c:pt>
+              </c:numCache>
+            </c:numRef>
+          </c:val>
+        </c:ser>
+        <c:marker val="1"/>
+        <c:axId val="48683648"/>
+        <c:axId val="60354560"/>
+      </c:lineChart>
+      <c:catAx>
+        <c:axId val="48683648"/>
+        <c:scaling>
+          <c:orientation val="minMax"/>
+        </c:scaling>
+        <c:axPos val="b"/>
+        <c:numFmt formatCode="General" sourceLinked="1"/>
+        <c:tickLblPos val="nextTo"/>
+        <c:crossAx val="60354560"/>
+        <c:crosses val="autoZero"/>
+        <c:auto val="1"/>
+        <c:lblAlgn val="ctr"/>
+        <c:lblOffset val="100"/>
+      </c:catAx>
+      <c:valAx>
+        <c:axId val="60354560"/>
+        <c:scaling>
+          <c:orientation val="minMax"/>
+        </c:scaling>
+        <c:axPos val="l"/>
+        <c:majorGridlines/>
+        <c:numFmt formatCode="General" sourceLinked="1"/>
+        <c:tickLblPos val="nextTo"/>
+        <c:crossAx val="48683648"/>
+        <c:crosses val="autoZero"/>
+        <c:crossBetween val="between"/>
+      </c:valAx>
+    </c:plotArea>
+    <c:legend>
+      <c:legendPos val="r"/>
+      <c:layout/>
+    </c:legend>
+    <c:plotVisOnly val="1"/>
+  </c:chart>
+  <c:externalData r:id="rId1"/>
+</c:chartSpace>
+</file>
+
+<file path=ppt/charts/chart6.xml><?xml version="1.0" encoding="utf-8"?>
+<c:chartSpace xmlns:c="http://schemas.openxmlformats.org/drawingml/2006/chart" xmlns:a="http://schemas.openxmlformats.org/drawingml/2006/main" xmlns:r="http://schemas.openxmlformats.org/officeDocument/2006/relationships">
+  <c:date1904 val="1"/>
+  <c:lang val="fr-FR"/>
+  <c:chart>
+    <c:plotArea>
+      <c:layout/>
+      <c:barChart>
+        <c:barDir val="col"/>
+        <c:grouping val="stacked"/>
+        <c:ser>
+          <c:idx val="0"/>
+          <c:order val="0"/>
+          <c:tx>
+            <c:v>Processing Time</c:v>
+          </c:tx>
+          <c:cat>
+            <c:strRef>
+              <c:f>Speed!$A$8:$A$11</c:f>
+              <c:strCache>
+                <c:ptCount val="4"/>
+                <c:pt idx="0">
+                  <c:v>PC1 Normal</c:v>
+                </c:pt>
+                <c:pt idx="1">
+                  <c:v>PC1 Eco</c:v>
+                </c:pt>
+                <c:pt idx="2">
+                  <c:v>PC2 Normal</c:v>
+                </c:pt>
+                <c:pt idx="3">
+                  <c:v>PC2 Eco</c:v>
+                </c:pt>
+              </c:strCache>
+            </c:strRef>
+          </c:cat>
+          <c:val>
+            <c:numRef>
+              <c:f>Speed!$B$8:$B$11</c:f>
+              <c:numCache>
+                <c:formatCode>General</c:formatCode>
+                <c:ptCount val="4"/>
+                <c:pt idx="0">
+                  <c:v>18</c:v>
+                </c:pt>
+                <c:pt idx="1">
+                  <c:v>30</c:v>
+                </c:pt>
+                <c:pt idx="2">
+                  <c:v>30</c:v>
+                </c:pt>
+                <c:pt idx="3">
+                  <c:v>50</c:v>
+                </c:pt>
+              </c:numCache>
+            </c:numRef>
+          </c:val>
+        </c:ser>
+        <c:ser>
+          <c:idx val="1"/>
+          <c:order val="1"/>
+          <c:tx>
+            <c:v>Rendering Time</c:v>
+          </c:tx>
+          <c:val>
+            <c:numRef>
+              <c:f>Speed!$C$8:$C$11</c:f>
+              <c:numCache>
+                <c:formatCode>General</c:formatCode>
+                <c:ptCount val="4"/>
+                <c:pt idx="0">
+                  <c:v>3</c:v>
+                </c:pt>
+                <c:pt idx="1">
+                  <c:v>52</c:v>
+                </c:pt>
+                <c:pt idx="2">
+                  <c:v>20</c:v>
+                </c:pt>
+                <c:pt idx="3">
+                  <c:v>40</c:v>
+                </c:pt>
+              </c:numCache>
+            </c:numRef>
+          </c:val>
+        </c:ser>
+        <c:overlap val="100"/>
+        <c:axId val="47683072"/>
+        <c:axId val="47710592"/>
+      </c:barChart>
+      <c:catAx>
+        <c:axId val="47683072"/>
+        <c:scaling>
+          <c:orientation val="minMax"/>
+        </c:scaling>
+        <c:axPos val="b"/>
+        <c:tickLblPos val="nextTo"/>
+        <c:crossAx val="47710592"/>
+        <c:crosses val="autoZero"/>
+        <c:auto val="1"/>
+        <c:lblAlgn val="ctr"/>
+        <c:lblOffset val="100"/>
+      </c:catAx>
+      <c:valAx>
+        <c:axId val="47710592"/>
+        <c:scaling>
+          <c:orientation val="minMax"/>
+        </c:scaling>
+        <c:axPos val="l"/>
+        <c:majorGridlines/>
+        <c:numFmt formatCode="General" sourceLinked="1"/>
+        <c:tickLblPos val="nextTo"/>
+        <c:crossAx val="47683072"/>
+        <c:crosses val="autoZero"/>
+        <c:crossBetween val="between"/>
+      </c:valAx>
+    </c:plotArea>
+    <c:legend>
+      <c:legendPos val="r"/>
+      <c:layout/>
+    </c:legend>
+    <c:plotVisOnly val="1"/>
+  </c:chart>
+  <c:externalData r:id="rId1"/>
+</c:chartSpace>
+</file>
+
+<file path=ppt/charts/chart7.xml><?xml version="1.0" encoding="utf-8"?>
+<c:chartSpace xmlns:c="http://schemas.openxmlformats.org/drawingml/2006/chart" xmlns:a="http://schemas.openxmlformats.org/drawingml/2006/main" xmlns:r="http://schemas.openxmlformats.org/officeDocument/2006/relationships">
+  <c:date1904 val="1"/>
+  <c:lang val="fr-FR"/>
+  <c:chart>
+    <c:plotArea>
+      <c:layout/>
+      <c:barChart>
+        <c:barDir val="col"/>
+        <c:grouping val="clustered"/>
+        <c:ser>
+          <c:idx val="0"/>
+          <c:order val="0"/>
+          <c:tx>
+            <c:v>Circular Keyboard</c:v>
+          </c:tx>
+          <c:cat>
+            <c:strRef>
+              <c:f>Keyboard!$B$2:$B$6</c:f>
+              <c:strCache>
+                <c:ptCount val="5"/>
+                <c:pt idx="0">
+                  <c:v>yes</c:v>
+                </c:pt>
+                <c:pt idx="1">
+                  <c:v>zero</c:v>
+                </c:pt>
+                <c:pt idx="2">
+                  <c:v>apple</c:v>
+                </c:pt>
+                <c:pt idx="3">
+                  <c:v>morning</c:v>
+                </c:pt>
+                <c:pt idx="4">
+                  <c:v>establishment</c:v>
+                </c:pt>
+              </c:strCache>
+            </c:strRef>
+          </c:cat>
+          <c:val>
+            <c:numRef>
+              <c:f>Keyboard!$C$2:$C$6</c:f>
+              <c:numCache>
+                <c:formatCode>General</c:formatCode>
+                <c:ptCount val="5"/>
+                <c:pt idx="0">
+                  <c:v>17.260000000000002</c:v>
+                </c:pt>
+                <c:pt idx="1">
+                  <c:v>20.2</c:v>
+                </c:pt>
+                <c:pt idx="2">
+                  <c:v>25.88</c:v>
+                </c:pt>
+                <c:pt idx="3">
+                  <c:v>22.110000000000031</c:v>
+                </c:pt>
+                <c:pt idx="4">
+                  <c:v>53.64</c:v>
+                </c:pt>
+              </c:numCache>
+            </c:numRef>
+          </c:val>
+        </c:ser>
+        <c:ser>
+          <c:idx val="1"/>
+          <c:order val="1"/>
+          <c:tx>
+            <c:v>T9 Keyboard</c:v>
+          </c:tx>
+          <c:val>
+            <c:numRef>
+              <c:f>Keyboard!$C$9:$C$13</c:f>
+              <c:numCache>
+                <c:formatCode>General</c:formatCode>
+                <c:ptCount val="5"/>
+                <c:pt idx="0">
+                  <c:v>14.54</c:v>
+                </c:pt>
+                <c:pt idx="1">
+                  <c:v>15.42</c:v>
+                </c:pt>
+                <c:pt idx="2">
+                  <c:v>17.86</c:v>
+                </c:pt>
+                <c:pt idx="3">
+                  <c:v>16.559999999999999</c:v>
+                </c:pt>
+                <c:pt idx="4">
+                  <c:v>17.479999999999986</c:v>
+                </c:pt>
+              </c:numCache>
+            </c:numRef>
+          </c:val>
+        </c:ser>
+        <c:axId val="64356352"/>
+        <c:axId val="64357888"/>
+      </c:barChart>
+      <c:catAx>
+        <c:axId val="64356352"/>
+        <c:scaling>
+          <c:orientation val="minMax"/>
+        </c:scaling>
+        <c:axPos val="b"/>
+        <c:tickLblPos val="nextTo"/>
+        <c:crossAx val="64357888"/>
+        <c:crosses val="autoZero"/>
+        <c:auto val="1"/>
+        <c:lblAlgn val="ctr"/>
+        <c:lblOffset val="100"/>
+      </c:catAx>
+      <c:valAx>
+        <c:axId val="64357888"/>
+        <c:scaling>
+          <c:orientation val="minMax"/>
+        </c:scaling>
+        <c:axPos val="l"/>
+        <c:majorGridlines/>
+        <c:numFmt formatCode="General" sourceLinked="1"/>
+        <c:tickLblPos val="nextTo"/>
+        <c:crossAx val="64356352"/>
+        <c:crosses val="autoZero"/>
+        <c:crossBetween val="between"/>
+      </c:valAx>
+    </c:plotArea>
+    <c:legend>
+      <c:legendPos val="r"/>
+      <c:layout/>
+    </c:legend>
+    <c:plotVisOnly val="1"/>
+  </c:chart>
+  <c:externalData r:id="rId1"/>
+</c:chartSpace>
+</file>
+
+<file path=ppt/charts/chart8.xml><?xml version="1.0" encoding="utf-8"?>
+<c:chartSpace xmlns:c="http://schemas.openxmlformats.org/drawingml/2006/chart" xmlns:a="http://schemas.openxmlformats.org/drawingml/2006/main" xmlns:r="http://schemas.openxmlformats.org/officeDocument/2006/relationships">
+  <c:date1904 val="1"/>
+  <c:lang val="fr-FR"/>
+  <c:chart>
+    <c:plotArea>
+      <c:layout/>
+      <c:barChart>
+        <c:barDir val="col"/>
+        <c:grouping val="clustered"/>
+        <c:ser>
+          <c:idx val="0"/>
+          <c:order val="0"/>
+          <c:tx>
+            <c:v>Circular Keyboard</c:v>
+          </c:tx>
+          <c:cat>
+            <c:strRef>
+              <c:f>Keyboard!$B$9:$B$13</c:f>
+              <c:strCache>
+                <c:ptCount val="5"/>
+                <c:pt idx="0">
+                  <c:v>yes</c:v>
+                </c:pt>
+                <c:pt idx="1">
+                  <c:v>zero</c:v>
+                </c:pt>
+                <c:pt idx="2">
+                  <c:v>apple</c:v>
+                </c:pt>
+                <c:pt idx="3">
+                  <c:v>morning</c:v>
+                </c:pt>
+                <c:pt idx="4">
+                  <c:v>establishment</c:v>
+                </c:pt>
+              </c:strCache>
+            </c:strRef>
+          </c:cat>
+          <c:val>
+            <c:numRef>
+              <c:f>Keyboard!$D$2:$D$6</c:f>
+              <c:numCache>
+                <c:formatCode>General</c:formatCode>
+                <c:ptCount val="5"/>
+                <c:pt idx="0">
+                  <c:v>4</c:v>
+                </c:pt>
+                <c:pt idx="1">
+                  <c:v>5</c:v>
+                </c:pt>
+                <c:pt idx="2">
+                  <c:v>5</c:v>
+                </c:pt>
+                <c:pt idx="3">
+                  <c:v>6</c:v>
+                </c:pt>
+                <c:pt idx="4">
+                  <c:v>11</c:v>
+                </c:pt>
+              </c:numCache>
+            </c:numRef>
+          </c:val>
+        </c:ser>
+        <c:ser>
+          <c:idx val="1"/>
+          <c:order val="1"/>
+          <c:tx>
+            <c:v>T9 Keyboard</c:v>
+          </c:tx>
+          <c:val>
+            <c:numRef>
+              <c:f>Keyboard!$D$9:$D$13</c:f>
+              <c:numCache>
+                <c:formatCode>General</c:formatCode>
+                <c:ptCount val="5"/>
+                <c:pt idx="0">
+                  <c:v>4</c:v>
+                </c:pt>
+                <c:pt idx="1">
+                  <c:v>5</c:v>
+                </c:pt>
+                <c:pt idx="2">
+                  <c:v>6</c:v>
+                </c:pt>
+                <c:pt idx="3">
+                  <c:v>5</c:v>
+                </c:pt>
+                <c:pt idx="4">
+                  <c:v>7</c:v>
+                </c:pt>
+              </c:numCache>
+            </c:numRef>
+          </c:val>
+        </c:ser>
+        <c:axId val="48077056"/>
+        <c:axId val="48095616"/>
+      </c:barChart>
+      <c:catAx>
+        <c:axId val="48077056"/>
+        <c:scaling>
+          <c:orientation val="minMax"/>
+        </c:scaling>
+        <c:axPos val="b"/>
+        <c:numFmt formatCode="General" sourceLinked="1"/>
+        <c:tickLblPos val="nextTo"/>
+        <c:crossAx val="48095616"/>
+        <c:crosses val="autoZero"/>
+        <c:auto val="1"/>
+        <c:lblAlgn val="ctr"/>
+        <c:lblOffset val="100"/>
+      </c:catAx>
+      <c:valAx>
+        <c:axId val="48095616"/>
+        <c:scaling>
+          <c:orientation val="minMax"/>
+        </c:scaling>
+        <c:axPos val="l"/>
+        <c:majorGridlines/>
+        <c:numFmt formatCode="General" sourceLinked="1"/>
+        <c:tickLblPos val="nextTo"/>
+        <c:crossAx val="48077056"/>
+        <c:crosses val="autoZero"/>
+        <c:crossBetween val="between"/>
+      </c:valAx>
+    </c:plotArea>
+    <c:legend>
+      <c:legendPos val="r"/>
+      <c:layout/>
+    </c:legend>
+    <c:plotVisOnly val="1"/>
+  </c:chart>
+  <c:externalData r:id="rId1"/>
 </c:chartSpace>
 </file>
 
@@ -465,7 +1680,7 @@
             <a:fld id="{2203E90B-0CDC-4675-8BC8-ABC960C3C4BD}" type="datetimeFigureOut">
               <a:rPr lang="fr-FR" smtClean="0"/>
               <a:pPr/>
-              <a:t>25/12/2011</a:t>
+              <a:t>18/03/2012</a:t>
             </a:fld>
             <a:endParaRPr lang="fr-FR"/>
           </a:p>
@@ -1522,7 +2737,7 @@
             <a:fld id="{2AC8731D-2D87-440C-8698-DB210FC0FD5A}" type="slidenum">
               <a:rPr lang="fr-FR" smtClean="0"/>
               <a:pPr/>
-              <a:t>13</a:t>
+              <a:t>20</a:t>
             </a:fld>
             <a:endParaRPr lang="fr-FR"/>
           </a:p>
@@ -1624,7 +2839,7 @@
             <a:fld id="{2AC8731D-2D87-440C-8698-DB210FC0FD5A}" type="slidenum">
               <a:rPr lang="fr-FR" smtClean="0"/>
               <a:pPr/>
-              <a:t>14</a:t>
+              <a:t>21</a:t>
             </a:fld>
             <a:endParaRPr lang="fr-FR"/>
           </a:p>
@@ -2023,7 +3238,7 @@
             <a:fld id="{7FE745BF-AED8-4079-86B5-94776AA709CD}" type="datetime1">
               <a:rPr lang="fr-FR" smtClean="0"/>
               <a:pPr/>
-              <a:t>25/12/2011</a:t>
+              <a:t>18/03/2012</a:t>
             </a:fld>
             <a:endParaRPr lang="fr-FR" dirty="0"/>
           </a:p>
@@ -2190,7 +3405,7 @@
             <a:fld id="{8BADFC06-5AC4-476A-8FD2-54DE0E426D90}" type="datetime1">
               <a:rPr lang="fr-FR" smtClean="0"/>
               <a:pPr/>
-              <a:t>25/12/2011</a:t>
+              <a:t>18/03/2012</a:t>
             </a:fld>
             <a:endParaRPr lang="fr-FR" dirty="0"/>
           </a:p>
@@ -2367,7 +3582,7 @@
             <a:fld id="{271E89F4-7B08-401C-94CC-1E6E90A77743}" type="datetime1">
               <a:rPr lang="fr-FR" smtClean="0"/>
               <a:pPr/>
-              <a:t>25/12/2011</a:t>
+              <a:t>18/03/2012</a:t>
             </a:fld>
             <a:endParaRPr lang="fr-FR" dirty="0"/>
           </a:p>
@@ -2538,7 +3753,7 @@
             <a:fld id="{B8D51CD3-FD0B-4398-96D6-10844A344A7A}" type="datetime1">
               <a:rPr lang="fr-FR" smtClean="0"/>
               <a:pPr/>
-              <a:t>25/12/2011</a:t>
+              <a:t>18/03/2012</a:t>
             </a:fld>
             <a:endParaRPr lang="fr-FR" dirty="0"/>
           </a:p>
@@ -2995,7 +4210,7 @@
             <a:fld id="{5272A46D-708F-4429-9728-C0AAA1D8ED70}" type="datetime1">
               <a:rPr lang="fr-FR" smtClean="0"/>
               <a:pPr/>
-              <a:t>25/12/2011</a:t>
+              <a:t>18/03/2012</a:t>
             </a:fld>
             <a:endParaRPr lang="fr-FR" dirty="0"/>
           </a:p>
@@ -3261,7 +4476,7 @@
             <a:fld id="{85176319-0B46-44DD-88B8-E7F3AAD4F2DF}" type="datetime1">
               <a:rPr lang="fr-FR" smtClean="0"/>
               <a:pPr/>
-              <a:t>25/12/2011</a:t>
+              <a:t>18/03/2012</a:t>
             </a:fld>
             <a:endParaRPr lang="fr-FR" dirty="0"/>
           </a:p>
@@ -3637,7 +4852,7 @@
             <a:fld id="{2587345E-05A6-495C-A1A1-170A1A91A394}" type="datetime1">
               <a:rPr lang="fr-FR" smtClean="0"/>
               <a:pPr/>
-              <a:t>25/12/2011</a:t>
+              <a:t>18/03/2012</a:t>
             </a:fld>
             <a:endParaRPr lang="fr-FR" dirty="0"/>
           </a:p>
@@ -3761,7 +4976,7 @@
             <a:fld id="{172809C5-74F0-4FD7-9204-0F8A8FB1929B}" type="datetime1">
               <a:rPr lang="fr-FR" smtClean="0"/>
               <a:pPr/>
-              <a:t>25/12/2011</a:t>
+              <a:t>18/03/2012</a:t>
             </a:fld>
             <a:endParaRPr lang="fr-FR" dirty="0"/>
           </a:p>
@@ -3853,7 +5068,7 @@
             <a:fld id="{7786A093-8429-44F1-808A-11360C2CAA55}" type="datetime1">
               <a:rPr lang="fr-FR" smtClean="0"/>
               <a:pPr/>
-              <a:t>25/12/2011</a:t>
+              <a:t>18/03/2012</a:t>
             </a:fld>
             <a:endParaRPr lang="fr-FR" dirty="0"/>
           </a:p>
@@ -4104,7 +5319,7 @@
             <a:fld id="{FE18F5A1-6F3E-41A1-AC38-A5948C92E970}" type="datetime1">
               <a:rPr lang="fr-FR" smtClean="0"/>
               <a:pPr/>
-              <a:t>25/12/2011</a:t>
+              <a:t>18/03/2012</a:t>
             </a:fld>
             <a:endParaRPr lang="fr-FR" dirty="0"/>
           </a:p>
@@ -4365,7 +5580,7 @@
             <a:fld id="{42D0C6D8-1219-406E-8CD6-FA778B9D3E63}" type="datetime1">
               <a:rPr lang="fr-FR" smtClean="0"/>
               <a:pPr/>
-              <a:t>25/12/2011</a:t>
+              <a:t>18/03/2012</a:t>
             </a:fld>
             <a:endParaRPr lang="fr-FR" dirty="0"/>
           </a:p>
@@ -4771,7 +5986,7 @@
             <a:fld id="{CC7C295D-0E21-434D-B466-C466C8EF3B27}" type="datetime1">
               <a:rPr lang="fr-FR" smtClean="0"/>
               <a:pPr/>
-              <a:t>25/12/2011</a:t>
+              <a:t>18/03/2012</a:t>
             </a:fld>
             <a:endParaRPr lang="fr-FR" dirty="0"/>
           </a:p>
@@ -6011,30 +7226,7 @@
                   </a:outerShdw>
                 </a:effectLst>
               </a:rPr>
-              <a:t>Depth based Regions </a:t>
-            </a:r>
-            <a:r>
-              <a:rPr lang="en-US" b="1" dirty="0" smtClean="0">
-                <a:ln w="12700">
-                  <a:solidFill>
-                    <a:schemeClr val="tx2">
-                      <a:satMod val="155000"/>
-                    </a:schemeClr>
-                  </a:solidFill>
-                  <a:prstDash val="solid"/>
-                </a:ln>
-                <a:solidFill>
-                  <a:schemeClr val="bg1"/>
-                </a:solidFill>
-                <a:effectLst>
-                  <a:outerShdw blurRad="41275" dist="20320" dir="1800000" algn="tl" rotWithShape="0">
-                    <a:srgbClr val="000000">
-                      <a:alpha val="40000"/>
-                    </a:srgbClr>
-                  </a:outerShdw>
-                </a:effectLst>
-              </a:rPr>
-              <a:t>extraction</a:t>
+              <a:t>Depth based Regions extraction</a:t>
             </a:r>
             <a:endParaRPr lang="en-US" b="1" dirty="0">
               <a:ln w="12700">
@@ -6297,7 +7489,30 @@
       </p:grpSpPr>
       <p:sp>
         <p:nvSpPr>
-          <p:cNvPr id="6" name="Espace réservé du contenu 2"/>
+          <p:cNvPr id="2" name="Titre 1"/>
+          <p:cNvSpPr>
+            <a:spLocks noGrp="1"/>
+          </p:cNvSpPr>
+          <p:nvPr>
+            <p:ph type="title"/>
+          </p:nvPr>
+        </p:nvSpPr>
+        <p:spPr/>
+        <p:txBody>
+          <a:bodyPr/>
+          <a:lstStyle/>
+          <a:p>
+            <a:r>
+              <a:rPr lang="fr-FR" dirty="0" smtClean="0"/>
+              <a:t>Evaluation</a:t>
+            </a:r>
+            <a:endParaRPr lang="fr-FR" dirty="0"/>
+          </a:p>
+        </p:txBody>
+      </p:sp>
+      <p:sp>
+        <p:nvSpPr>
+          <p:cNvPr id="3" name="Espace réservé du contenu 2"/>
           <p:cNvSpPr>
             <a:spLocks noGrp="1"/>
           </p:cNvSpPr>
@@ -6305,100 +7520,48 @@
             <p:ph idx="1"/>
           </p:nvPr>
         </p:nvSpPr>
-        <p:spPr>
-          <a:xfrm>
-            <a:off x="457200" y="1600200"/>
-            <a:ext cx="7467600" cy="4525963"/>
-          </a:xfrm>
-        </p:spPr>
-        <p:txBody>
-          <a:bodyPr>
-            <a:normAutofit fontScale="92500" lnSpcReduction="20000"/>
-          </a:bodyPr>
+        <p:spPr/>
+        <p:txBody>
+          <a:bodyPr/>
           <a:lstStyle/>
           <a:p>
             <a:r>
               <a:rPr lang="en-US" dirty="0" smtClean="0"/>
-              <a:t>Total Execution Time : </a:t>
-            </a:r>
-            <a:r>
-              <a:rPr lang="en-US" dirty="0" smtClean="0">
-                <a:solidFill>
-                  <a:srgbClr val="FFC000"/>
-                </a:solidFill>
-              </a:rPr>
-              <a:t>10 – 18 ms</a:t>
-            </a:r>
-          </a:p>
-          <a:p>
-            <a:endParaRPr lang="en-US" dirty="0" smtClean="0">
-              <a:solidFill>
-                <a:srgbClr val="FFFF00"/>
-              </a:solidFill>
-            </a:endParaRPr>
-          </a:p>
-          <a:p>
+              <a:t>3 types of evaluations:</a:t>
+            </a:r>
+          </a:p>
+          <a:p>
+            <a:pPr lvl="1"/>
             <a:r>
               <a:rPr lang="en-US" dirty="0" smtClean="0"/>
-              <a:t>We are tracking 4 blobs</a:t>
+              <a:t>Accuracy</a:t>
             </a:r>
           </a:p>
           <a:p>
             <a:pPr lvl="1"/>
             <a:r>
               <a:rPr lang="en-US" dirty="0" smtClean="0"/>
-              <a:t>Single user</a:t>
+              <a:t>Speed processing</a:t>
             </a:r>
           </a:p>
           <a:p>
             <a:pPr lvl="1"/>
             <a:r>
               <a:rPr lang="en-US" dirty="0" smtClean="0"/>
-              <a:t>Usually only both arms and the head are visible</a:t>
-            </a:r>
-          </a:p>
-          <a:p>
-            <a:pPr lvl="1"/>
-            <a:r>
-              <a:rPr lang="en-US" dirty="0" smtClean="0"/>
-              <a:t>One blob added for safety considering the noise of </a:t>
-            </a:r>
-            <a:r>
-              <a:rPr lang="en-US" dirty="0" err="1" smtClean="0"/>
-              <a:t>Kinect’s</a:t>
-            </a:r>
-            <a:r>
-              <a:rPr lang="en-US" dirty="0" smtClean="0"/>
-              <a:t> sensors</a:t>
-            </a:r>
-          </a:p>
-          <a:p>
-            <a:pPr lvl="1"/>
-            <a:endParaRPr lang="en-US" dirty="0" smtClean="0"/>
-          </a:p>
-          <a:p>
-            <a:r>
-              <a:rPr lang="en-US" dirty="0" smtClean="0"/>
-              <a:t>Functional distance : 1m – 2m</a:t>
-            </a:r>
-          </a:p>
-          <a:p>
-            <a:pPr lvl="1"/>
-            <a:r>
-              <a:rPr lang="en-US" dirty="0" smtClean="0"/>
-              <a:t>1m is the minimum allowed by the Kinect, 2m was defined as a usability configuration</a:t>
-            </a:r>
-          </a:p>
-        </p:txBody>
-      </p:sp>
-      <p:sp>
-        <p:nvSpPr>
-          <p:cNvPr id="2" name="Titre 1"/>
-          <p:cNvSpPr>
-            <a:spLocks noGrp="1"/>
-          </p:cNvSpPr>
-          <p:nvPr>
-            <p:ph type="title"/>
+              <a:t>Input word</a:t>
+            </a:r>
+            <a:endParaRPr lang="en-US" dirty="0"/>
+          </a:p>
+        </p:txBody>
+      </p:sp>
+      <p:sp>
+        <p:nvSpPr>
+          <p:cNvPr id="4" name="Espace réservé du numéro de diapositive 3"/>
+          <p:cNvSpPr>
+            <a:spLocks noGrp="1"/>
+          </p:cNvSpPr>
+          <p:nvPr>
+            <p:ph type="sldNum" sz="quarter" idx="12"/>
           </p:nvPr>
         </p:nvSpPr>
         <p:spPr/>
@@ -6406,35 +7569,12 @@
           <a:bodyPr/>
           <a:lstStyle/>
           <a:p>
-            <a:r>
-              <a:rPr lang="en-US" dirty="0" smtClean="0"/>
-              <a:t>Results</a:t>
-            </a:r>
-            <a:endParaRPr lang="en-US" dirty="0"/>
-          </a:p>
-        </p:txBody>
-      </p:sp>
-      <p:sp>
-        <p:nvSpPr>
-          <p:cNvPr id="4" name="Espace réservé du numéro de diapositive 3"/>
-          <p:cNvSpPr>
-            <a:spLocks noGrp="1"/>
-          </p:cNvSpPr>
-          <p:nvPr>
-            <p:ph type="sldNum" sz="quarter" idx="12"/>
-          </p:nvPr>
-        </p:nvSpPr>
-        <p:spPr/>
-        <p:txBody>
-          <a:bodyPr/>
-          <a:lstStyle/>
-          <a:p>
             <a:fld id="{AB9DB7C7-3B7A-421A-AF98-AB9FC2185CD3}" type="slidenum">
-              <a:rPr lang="en-US" smtClean="0"/>
+              <a:rPr lang="fr-FR" smtClean="0"/>
               <a:pPr/>
               <a:t>13</a:t>
             </a:fld>
-            <a:endParaRPr lang="en-US"/>
+            <a:endParaRPr lang="fr-FR" dirty="0"/>
           </a:p>
         </p:txBody>
       </p:sp>
@@ -6486,111 +7626,9 @@
           <a:lstStyle/>
           <a:p>
             <a:r>
-              <a:rPr lang="fr-FR" dirty="0" smtClean="0"/>
-              <a:t>Conclusion</a:t>
-            </a:r>
-            <a:endParaRPr lang="fr-FR" dirty="0"/>
-          </a:p>
-        </p:txBody>
-      </p:sp>
-      <p:sp>
-        <p:nvSpPr>
-          <p:cNvPr id="3" name="Espace réservé du contenu 2"/>
-          <p:cNvSpPr>
-            <a:spLocks noGrp="1"/>
-          </p:cNvSpPr>
-          <p:nvPr>
-            <p:ph idx="1"/>
-          </p:nvPr>
-        </p:nvSpPr>
-        <p:spPr/>
-        <p:txBody>
-          <a:bodyPr>
-            <a:normAutofit fontScale="77500" lnSpcReduction="20000"/>
-          </a:bodyPr>
-          <a:lstStyle/>
-          <a:p>
-            <a:r>
-              <a:rPr lang="en-US" dirty="0" smtClean="0"/>
-              <a:t>Features offered by the Kinect</a:t>
-            </a:r>
-          </a:p>
-          <a:p>
-            <a:pPr lvl="1"/>
-            <a:r>
-              <a:rPr lang="en-US" dirty="0" smtClean="0"/>
-              <a:t>Depth data</a:t>
-            </a:r>
-          </a:p>
-          <a:p>
-            <a:pPr lvl="1"/>
-            <a:r>
-              <a:rPr lang="en-US" dirty="0" smtClean="0"/>
-              <a:t>Color data</a:t>
-            </a:r>
-          </a:p>
-          <a:p>
-            <a:pPr lvl="1"/>
-            <a:r>
-              <a:rPr lang="en-US" dirty="0" smtClean="0"/>
-              <a:t>Skeleton recognition</a:t>
-            </a:r>
-          </a:p>
-          <a:p>
-            <a:pPr lvl="1">
-              <a:buNone/>
-            </a:pPr>
-            <a:endParaRPr lang="en-US" dirty="0" smtClean="0"/>
-          </a:p>
-          <a:p>
-            <a:r>
-              <a:rPr lang="en-US" dirty="0" smtClean="0"/>
-              <a:t>Limitations</a:t>
-            </a:r>
-          </a:p>
-          <a:p>
-            <a:pPr lvl="1"/>
-            <a:r>
-              <a:rPr lang="en-US" dirty="0" smtClean="0"/>
-              <a:t>Distance</a:t>
-            </a:r>
-          </a:p>
-          <a:p>
-            <a:pPr lvl="1"/>
-            <a:r>
-              <a:rPr lang="en-US" dirty="0" smtClean="0"/>
-              <a:t>Accuracy when not standing up</a:t>
-            </a:r>
-          </a:p>
-          <a:p>
-            <a:pPr lvl="1">
-              <a:buNone/>
-            </a:pPr>
-            <a:endParaRPr lang="en-US" dirty="0" smtClean="0"/>
-          </a:p>
-          <a:p>
-            <a:r>
-              <a:rPr lang="en-US" dirty="0" smtClean="0"/>
-              <a:t>“Easy-to-use” camera</a:t>
-            </a:r>
-          </a:p>
-          <a:p>
-            <a:endParaRPr lang="en-US" dirty="0" smtClean="0"/>
-          </a:p>
-          <a:p>
-            <a:r>
-              <a:rPr lang="en-US" dirty="0" smtClean="0"/>
-              <a:t>PC Kinect in development</a:t>
-            </a:r>
-            <a:br>
-              <a:rPr lang="en-US" dirty="0" smtClean="0"/>
-            </a:br>
-            <a:r>
-              <a:rPr lang="en-US" dirty="0" smtClean="0"/>
-              <a:t>Minimum Depth : 50 cm (1m with the current Kinect)</a:t>
-            </a:r>
-          </a:p>
-          <a:p>
+              <a:rPr lang="fr-FR" dirty="0" err="1" smtClean="0"/>
+              <a:t>Accuracy</a:t>
+            </a:r>
             <a:endParaRPr lang="fr-FR" dirty="0"/>
           </a:p>
         </p:txBody>
@@ -6619,6 +7657,74 @@
           </a:p>
         </p:txBody>
       </p:sp>
+      <p:pic>
+        <p:nvPicPr>
+          <p:cNvPr id="7" name="Espace réservé du contenu 6" descr="C:\Users\Kevin\Documents\Projet Japon\Report\Measure test 1.jpg"/>
+          <p:cNvPicPr>
+            <a:picLocks noGrp="1"/>
+          </p:cNvPicPr>
+          <p:nvPr>
+            <p:ph sz="half" idx="1"/>
+          </p:nvPr>
+        </p:nvPicPr>
+        <p:blipFill>
+          <a:blip r:embed="rId2" cstate="print"/>
+          <a:srcRect l="4801" t="1475" r="5464" b="5605"/>
+          <a:stretch>
+            <a:fillRect/>
+          </a:stretch>
+        </p:blipFill>
+        <p:spPr bwMode="auto">
+          <a:xfrm>
+            <a:off x="457200" y="2798489"/>
+            <a:ext cx="3657600" cy="2129385"/>
+          </a:xfrm>
+          <a:prstGeom prst="rect">
+            <a:avLst/>
+          </a:prstGeom>
+          <a:noFill/>
+          <a:ln w="9525">
+            <a:noFill/>
+            <a:miter lim="800000"/>
+            <a:headEnd/>
+            <a:tailEnd/>
+          </a:ln>
+        </p:spPr>
+      </p:pic>
+      <p:pic>
+        <p:nvPicPr>
+          <p:cNvPr id="8" name="Espace réservé du contenu 7" descr="C:\Users\Kevin\Documents\Projet Japon\Report\Measure test 2.jpg"/>
+          <p:cNvPicPr>
+            <a:picLocks noGrp="1"/>
+          </p:cNvPicPr>
+          <p:nvPr>
+            <p:ph sz="half" idx="2"/>
+          </p:nvPr>
+        </p:nvPicPr>
+        <p:blipFill>
+          <a:blip r:embed="rId3" cstate="print"/>
+          <a:srcRect l="4715" r="4828" b="5507"/>
+          <a:stretch>
+            <a:fillRect/>
+          </a:stretch>
+        </p:blipFill>
+        <p:spPr bwMode="auto">
+          <a:xfrm>
+            <a:off x="4267200" y="2789107"/>
+            <a:ext cx="3657600" cy="2148148"/>
+          </a:xfrm>
+          <a:prstGeom prst="rect">
+            <a:avLst/>
+          </a:prstGeom>
+          <a:noFill/>
+          <a:ln w="9525">
+            <a:noFill/>
+            <a:miter lim="800000"/>
+            <a:headEnd/>
+            <a:tailEnd/>
+          </a:ln>
+        </p:spPr>
+      </p:pic>
     </p:spTree>
   </p:cSld>
   <p:clrMapOvr>
@@ -6653,7 +7759,7 @@
       </p:grpSpPr>
       <p:sp>
         <p:nvSpPr>
-          <p:cNvPr id="5" name="Titre 4"/>
+          <p:cNvPr id="7" name="Titre 6"/>
           <p:cNvSpPr>
             <a:spLocks noGrp="1"/>
           </p:cNvSpPr>
@@ -6661,33 +7767,89 @@
             <p:ph type="title"/>
           </p:nvPr>
         </p:nvSpPr>
-        <p:spPr>
-          <a:xfrm>
-            <a:off x="611560" y="2708920"/>
-            <a:ext cx="7470648" cy="1143000"/>
-          </a:xfrm>
-        </p:spPr>
+        <p:spPr/>
         <p:txBody>
           <a:bodyPr/>
           <a:lstStyle/>
           <a:p>
-            <a:pPr algn="ctr"/>
-            <a:r>
-              <a:rPr lang="en-US" dirty="0" smtClean="0"/>
-              <a:t>Thank you for your attention</a:t>
-            </a:r>
-            <a:endParaRPr lang="en-US" dirty="0"/>
-          </a:p>
-        </p:txBody>
-      </p:sp>
-      <p:sp>
-        <p:nvSpPr>
-          <p:cNvPr id="4" name="Espace réservé du numéro de diapositive 3"/>
-          <p:cNvSpPr>
-            <a:spLocks noGrp="1"/>
-          </p:cNvSpPr>
-          <p:nvPr>
-            <p:ph type="sldNum" sz="quarter" idx="11"/>
+            <a:r>
+              <a:rPr lang="fr-FR" dirty="0" err="1" smtClean="0"/>
+              <a:t>Accuracy</a:t>
+            </a:r>
+            <a:endParaRPr lang="fr-FR" dirty="0"/>
+          </a:p>
+        </p:txBody>
+      </p:sp>
+      <p:sp>
+        <p:nvSpPr>
+          <p:cNvPr id="8" name="Espace réservé du texte 7"/>
+          <p:cNvSpPr>
+            <a:spLocks noGrp="1"/>
+          </p:cNvSpPr>
+          <p:nvPr>
+            <p:ph type="body" idx="1"/>
+          </p:nvPr>
+        </p:nvSpPr>
+        <p:spPr/>
+        <p:txBody>
+          <a:bodyPr/>
+          <a:lstStyle/>
+          <a:p>
+            <a:r>
+              <a:rPr lang="fr-FR" dirty="0" err="1" smtClean="0"/>
+              <a:t>Arrival</a:t>
+            </a:r>
+            <a:r>
+              <a:rPr lang="fr-FR" dirty="0" smtClean="0"/>
+              <a:t> </a:t>
+            </a:r>
+            <a:r>
+              <a:rPr lang="fr-FR" dirty="0" err="1" smtClean="0"/>
+              <a:t>duration</a:t>
+            </a:r>
+            <a:endParaRPr lang="fr-FR" dirty="0"/>
+          </a:p>
+        </p:txBody>
+      </p:sp>
+      <p:sp>
+        <p:nvSpPr>
+          <p:cNvPr id="10" name="Espace réservé du texte 9"/>
+          <p:cNvSpPr>
+            <a:spLocks noGrp="1"/>
+          </p:cNvSpPr>
+          <p:nvPr>
+            <p:ph type="body" sz="half" idx="3"/>
+          </p:nvPr>
+        </p:nvSpPr>
+        <p:spPr/>
+        <p:txBody>
+          <a:bodyPr/>
+          <a:lstStyle/>
+          <a:p>
+            <a:r>
+              <a:rPr lang="fr-FR" dirty="0" err="1" smtClean="0"/>
+              <a:t>Average</a:t>
+            </a:r>
+            <a:r>
+              <a:rPr lang="fr-FR" dirty="0" smtClean="0"/>
+              <a:t> </a:t>
+            </a:r>
+            <a:r>
+              <a:rPr lang="fr-FR" dirty="0" err="1" smtClean="0"/>
+              <a:t>error</a:t>
+            </a:r>
+            <a:endParaRPr lang="fr-FR" dirty="0"/>
+          </a:p>
+        </p:txBody>
+      </p:sp>
+      <p:sp>
+        <p:nvSpPr>
+          <p:cNvPr id="5" name="Espace réservé du numéro de diapositive 4"/>
+          <p:cNvSpPr>
+            <a:spLocks noGrp="1"/>
+          </p:cNvSpPr>
+          <p:nvPr>
+            <p:ph type="sldNum" sz="quarter" idx="12"/>
           </p:nvPr>
         </p:nvSpPr>
         <p:spPr/>
@@ -6704,6 +7866,824 @@
           </a:p>
         </p:txBody>
       </p:sp>
+      <p:graphicFrame>
+        <p:nvGraphicFramePr>
+          <p:cNvPr id="12" name="Espace réservé du contenu 11"/>
+          <p:cNvGraphicFramePr>
+            <a:graphicFrameLocks noGrp="1"/>
+          </p:cNvGraphicFramePr>
+          <p:nvPr>
+            <p:ph sz="quarter" idx="2"/>
+          </p:nvPr>
+        </p:nvGraphicFramePr>
+        <p:xfrm>
+          <a:off x="457200" y="1517650"/>
+          <a:ext cx="4040188" cy="3941763"/>
+        </p:xfrm>
+        <a:graphic>
+          <a:graphicData uri="http://schemas.openxmlformats.org/drawingml/2006/chart">
+            <c:chart xmlns:c="http://schemas.openxmlformats.org/drawingml/2006/chart" xmlns:r="http://schemas.openxmlformats.org/officeDocument/2006/relationships" r:id="rId2"/>
+          </a:graphicData>
+        </a:graphic>
+      </p:graphicFrame>
+      <p:graphicFrame>
+        <p:nvGraphicFramePr>
+          <p:cNvPr id="13" name="Espace réservé du contenu 12"/>
+          <p:cNvGraphicFramePr>
+            <a:graphicFrameLocks noGrp="1"/>
+          </p:cNvGraphicFramePr>
+          <p:nvPr>
+            <p:ph sz="quarter" idx="4"/>
+          </p:nvPr>
+        </p:nvGraphicFramePr>
+        <p:xfrm>
+          <a:off x="4645025" y="1517650"/>
+          <a:ext cx="4041775" cy="3941763"/>
+        </p:xfrm>
+        <a:graphic>
+          <a:graphicData uri="http://schemas.openxmlformats.org/drawingml/2006/chart">
+            <c:chart xmlns:c="http://schemas.openxmlformats.org/drawingml/2006/chart" xmlns:r="http://schemas.openxmlformats.org/officeDocument/2006/relationships" r:id="rId3"/>
+          </a:graphicData>
+        </a:graphic>
+      </p:graphicFrame>
+    </p:spTree>
+  </p:cSld>
+  <p:clrMapOvr>
+    <a:masterClrMapping/>
+  </p:clrMapOvr>
+  <p:timing>
+    <p:tnLst>
+      <p:par>
+        <p:cTn id="1" dur="indefinite" restart="never" nodeType="tmRoot"/>
+      </p:par>
+    </p:tnLst>
+  </p:timing>
+</p:sld>
+</file>
+
+<file path=ppt/slides/slide16.xml><?xml version="1.0" encoding="utf-8"?>
+<p:sld xmlns:a="http://schemas.openxmlformats.org/drawingml/2006/main" xmlns:r="http://schemas.openxmlformats.org/officeDocument/2006/relationships" xmlns:p="http://schemas.openxmlformats.org/presentationml/2006/main">
+  <p:cSld>
+    <p:spTree>
+      <p:nvGrpSpPr>
+        <p:cNvPr id="1" name=""/>
+        <p:cNvGrpSpPr/>
+        <p:nvPr/>
+      </p:nvGrpSpPr>
+      <p:grpSpPr>
+        <a:xfrm>
+          <a:off x="0" y="0"/>
+          <a:ext cx="0" cy="0"/>
+          <a:chOff x="0" y="0"/>
+          <a:chExt cx="0" cy="0"/>
+        </a:xfrm>
+      </p:grpSpPr>
+      <p:sp>
+        <p:nvSpPr>
+          <p:cNvPr id="2" name="Titre 1"/>
+          <p:cNvSpPr>
+            <a:spLocks noGrp="1"/>
+          </p:cNvSpPr>
+          <p:nvPr>
+            <p:ph type="title"/>
+          </p:nvPr>
+        </p:nvSpPr>
+        <p:spPr/>
+        <p:txBody>
+          <a:bodyPr/>
+          <a:lstStyle/>
+          <a:p>
+            <a:r>
+              <a:rPr lang="fr-FR" dirty="0" err="1" smtClean="0"/>
+              <a:t>Accuracy</a:t>
+            </a:r>
+            <a:endParaRPr lang="fr-FR" dirty="0"/>
+          </a:p>
+        </p:txBody>
+      </p:sp>
+      <p:sp>
+        <p:nvSpPr>
+          <p:cNvPr id="3" name="Espace réservé du texte 2"/>
+          <p:cNvSpPr>
+            <a:spLocks noGrp="1"/>
+          </p:cNvSpPr>
+          <p:nvPr>
+            <p:ph type="body" idx="1"/>
+          </p:nvPr>
+        </p:nvSpPr>
+        <p:spPr/>
+        <p:txBody>
+          <a:bodyPr/>
+          <a:lstStyle/>
+          <a:p>
+            <a:r>
+              <a:rPr lang="fr-FR" dirty="0" err="1" smtClean="0"/>
+              <a:t>Percentage</a:t>
+            </a:r>
+            <a:r>
+              <a:rPr lang="fr-FR" dirty="0" smtClean="0"/>
+              <a:t> </a:t>
+            </a:r>
+            <a:r>
+              <a:rPr lang="fr-FR" dirty="0" err="1" smtClean="0"/>
+              <a:t>error</a:t>
+            </a:r>
+            <a:endParaRPr lang="fr-FR" dirty="0"/>
+          </a:p>
+        </p:txBody>
+      </p:sp>
+      <p:sp>
+        <p:nvSpPr>
+          <p:cNvPr id="4" name="Espace réservé du texte 3"/>
+          <p:cNvSpPr>
+            <a:spLocks noGrp="1"/>
+          </p:cNvSpPr>
+          <p:nvPr>
+            <p:ph type="body" sz="half" idx="3"/>
+          </p:nvPr>
+        </p:nvSpPr>
+        <p:spPr/>
+        <p:txBody>
+          <a:bodyPr/>
+          <a:lstStyle/>
+          <a:p>
+            <a:r>
+              <a:rPr lang="fr-FR" dirty="0" smtClean="0"/>
+              <a:t>Distance </a:t>
+            </a:r>
+            <a:r>
+              <a:rPr lang="fr-FR" dirty="0" err="1" smtClean="0"/>
+              <a:t>moved</a:t>
+            </a:r>
+            <a:r>
+              <a:rPr lang="fr-FR" dirty="0" smtClean="0"/>
+              <a:t> in </a:t>
+            </a:r>
+            <a:r>
+              <a:rPr lang="fr-FR" dirty="0" err="1" smtClean="0"/>
+              <a:t>rest</a:t>
+            </a:r>
+            <a:endParaRPr lang="fr-FR" dirty="0"/>
+          </a:p>
+        </p:txBody>
+      </p:sp>
+      <p:sp>
+        <p:nvSpPr>
+          <p:cNvPr id="7" name="Espace réservé du numéro de diapositive 6"/>
+          <p:cNvSpPr>
+            <a:spLocks noGrp="1"/>
+          </p:cNvSpPr>
+          <p:nvPr>
+            <p:ph type="sldNum" sz="quarter" idx="12"/>
+          </p:nvPr>
+        </p:nvSpPr>
+        <p:spPr/>
+        <p:txBody>
+          <a:bodyPr/>
+          <a:lstStyle/>
+          <a:p>
+            <a:fld id="{AB9DB7C7-3B7A-421A-AF98-AB9FC2185CD3}" type="slidenum">
+              <a:rPr lang="fr-FR" smtClean="0"/>
+              <a:pPr/>
+              <a:t>16</a:t>
+            </a:fld>
+            <a:endParaRPr lang="fr-FR" dirty="0"/>
+          </a:p>
+        </p:txBody>
+      </p:sp>
+      <p:graphicFrame>
+        <p:nvGraphicFramePr>
+          <p:cNvPr id="8" name="Espace réservé du contenu 7"/>
+          <p:cNvGraphicFramePr>
+            <a:graphicFrameLocks noGrp="1"/>
+          </p:cNvGraphicFramePr>
+          <p:nvPr>
+            <p:ph sz="quarter" idx="2"/>
+          </p:nvPr>
+        </p:nvGraphicFramePr>
+        <p:xfrm>
+          <a:off x="457200" y="1517650"/>
+          <a:ext cx="4040188" cy="3941763"/>
+        </p:xfrm>
+        <a:graphic>
+          <a:graphicData uri="http://schemas.openxmlformats.org/drawingml/2006/chart">
+            <c:chart xmlns:c="http://schemas.openxmlformats.org/drawingml/2006/chart" xmlns:r="http://schemas.openxmlformats.org/officeDocument/2006/relationships" r:id="rId2"/>
+          </a:graphicData>
+        </a:graphic>
+      </p:graphicFrame>
+      <p:graphicFrame>
+        <p:nvGraphicFramePr>
+          <p:cNvPr id="9" name="Espace réservé du contenu 8"/>
+          <p:cNvGraphicFramePr>
+            <a:graphicFrameLocks noGrp="1"/>
+          </p:cNvGraphicFramePr>
+          <p:nvPr>
+            <p:ph sz="quarter" idx="4"/>
+          </p:nvPr>
+        </p:nvGraphicFramePr>
+        <p:xfrm>
+          <a:off x="4645025" y="1517650"/>
+          <a:ext cx="4041775" cy="3941763"/>
+        </p:xfrm>
+        <a:graphic>
+          <a:graphicData uri="http://schemas.openxmlformats.org/drawingml/2006/chart">
+            <c:chart xmlns:c="http://schemas.openxmlformats.org/drawingml/2006/chart" xmlns:r="http://schemas.openxmlformats.org/officeDocument/2006/relationships" r:id="rId3"/>
+          </a:graphicData>
+        </a:graphic>
+      </p:graphicFrame>
+    </p:spTree>
+  </p:cSld>
+  <p:clrMapOvr>
+    <a:masterClrMapping/>
+  </p:clrMapOvr>
+  <p:timing>
+    <p:tnLst>
+      <p:par>
+        <p:cTn id="1" dur="indefinite" restart="never" nodeType="tmRoot"/>
+      </p:par>
+    </p:tnLst>
+  </p:timing>
+</p:sld>
+</file>
+
+<file path=ppt/slides/slide17.xml><?xml version="1.0" encoding="utf-8"?>
+<p:sld xmlns:a="http://schemas.openxmlformats.org/drawingml/2006/main" xmlns:r="http://schemas.openxmlformats.org/officeDocument/2006/relationships" xmlns:p="http://schemas.openxmlformats.org/presentationml/2006/main">
+  <p:cSld>
+    <p:spTree>
+      <p:nvGrpSpPr>
+        <p:cNvPr id="1" name=""/>
+        <p:cNvGrpSpPr/>
+        <p:nvPr/>
+      </p:nvGrpSpPr>
+      <p:grpSpPr>
+        <a:xfrm>
+          <a:off x="0" y="0"/>
+          <a:ext cx="0" cy="0"/>
+          <a:chOff x="0" y="0"/>
+          <a:chExt cx="0" cy="0"/>
+        </a:xfrm>
+      </p:grpSpPr>
+      <p:sp>
+        <p:nvSpPr>
+          <p:cNvPr id="2" name="Titre 1"/>
+          <p:cNvSpPr>
+            <a:spLocks noGrp="1"/>
+          </p:cNvSpPr>
+          <p:nvPr>
+            <p:ph type="title"/>
+          </p:nvPr>
+        </p:nvSpPr>
+        <p:spPr/>
+        <p:txBody>
+          <a:bodyPr/>
+          <a:lstStyle/>
+          <a:p>
+            <a:r>
+              <a:rPr lang="fr-FR" dirty="0" smtClean="0"/>
+              <a:t>Speed </a:t>
+            </a:r>
+            <a:r>
+              <a:rPr lang="fr-FR" dirty="0" err="1" smtClean="0"/>
+              <a:t>processing</a:t>
+            </a:r>
+            <a:endParaRPr lang="fr-FR" dirty="0"/>
+          </a:p>
+        </p:txBody>
+      </p:sp>
+      <p:sp>
+        <p:nvSpPr>
+          <p:cNvPr id="10" name="Espace réservé du contenu 9"/>
+          <p:cNvSpPr>
+            <a:spLocks noGrp="1"/>
+          </p:cNvSpPr>
+          <p:nvPr>
+            <p:ph idx="1"/>
+          </p:nvPr>
+        </p:nvSpPr>
+        <p:spPr>
+          <a:xfrm>
+            <a:off x="467544" y="1484784"/>
+            <a:ext cx="7467600" cy="4525963"/>
+          </a:xfrm>
+        </p:spPr>
+        <p:txBody>
+          <a:bodyPr/>
+          <a:lstStyle/>
+          <a:p>
+            <a:pPr lvl="0"/>
+            <a:r>
+              <a:rPr lang="fr-FR" dirty="0" smtClean="0"/>
+              <a:t>PC1(Karim) </a:t>
+            </a:r>
+            <a:r>
+              <a:rPr lang="fr-FR" dirty="0" err="1" smtClean="0"/>
+              <a:t>Core</a:t>
+            </a:r>
+            <a:r>
+              <a:rPr lang="fr-FR" dirty="0" smtClean="0"/>
+              <a:t> </a:t>
+            </a:r>
+            <a:r>
+              <a:rPr lang="fr-FR" dirty="0" smtClean="0"/>
+              <a:t>i7 2 </a:t>
+            </a:r>
+            <a:r>
+              <a:rPr lang="fr-FR" dirty="0" err="1" smtClean="0"/>
+              <a:t>Ghz</a:t>
+            </a:r>
+            <a:endParaRPr lang="fr-FR" dirty="0" smtClean="0"/>
+          </a:p>
+          <a:p>
+            <a:pPr lvl="0">
+              <a:buNone/>
+            </a:pPr>
+            <a:r>
+              <a:rPr lang="fr-FR" dirty="0" smtClean="0"/>
+              <a:t>	</a:t>
+            </a:r>
+            <a:r>
+              <a:rPr lang="fr-FR" dirty="0" err="1" smtClean="0"/>
+              <a:t>Radeon</a:t>
+            </a:r>
+            <a:r>
+              <a:rPr lang="fr-FR" dirty="0" smtClean="0"/>
+              <a:t> </a:t>
+            </a:r>
+            <a:r>
+              <a:rPr lang="fr-FR" dirty="0" smtClean="0"/>
+              <a:t>HD 4650</a:t>
+            </a:r>
+          </a:p>
+          <a:p>
+            <a:pPr lvl="0"/>
+            <a:r>
+              <a:rPr lang="fr-FR" dirty="0" smtClean="0"/>
+              <a:t>PC 2 (</a:t>
+            </a:r>
+            <a:r>
+              <a:rPr lang="fr-FR" dirty="0" smtClean="0"/>
+              <a:t>Kevin) </a:t>
+            </a:r>
+            <a:r>
+              <a:rPr lang="fr-FR" dirty="0" err="1" smtClean="0"/>
+              <a:t>Core</a:t>
+            </a:r>
+            <a:r>
+              <a:rPr lang="fr-FR" dirty="0" smtClean="0"/>
+              <a:t> </a:t>
+            </a:r>
+            <a:r>
+              <a:rPr lang="fr-FR" dirty="0" smtClean="0"/>
+              <a:t>2 Duo 2,13 </a:t>
+            </a:r>
+            <a:r>
+              <a:rPr lang="fr-FR" dirty="0" err="1" smtClean="0"/>
+              <a:t>Ghz</a:t>
+            </a:r>
+            <a:r>
+              <a:rPr lang="fr-FR" dirty="0" smtClean="0"/>
+              <a:t> </a:t>
+            </a:r>
+            <a:r>
+              <a:rPr lang="fr-FR" dirty="0" err="1" smtClean="0"/>
+              <a:t>Radeon</a:t>
+            </a:r>
+            <a:r>
+              <a:rPr lang="fr-FR" dirty="0" smtClean="0"/>
+              <a:t> </a:t>
+            </a:r>
+            <a:r>
+              <a:rPr lang="fr-FR" dirty="0" smtClean="0"/>
+              <a:t>HD 4530</a:t>
+            </a:r>
+          </a:p>
+          <a:p>
+            <a:endParaRPr lang="fr-FR" dirty="0"/>
+          </a:p>
+        </p:txBody>
+      </p:sp>
+      <p:sp>
+        <p:nvSpPr>
+          <p:cNvPr id="7" name="Espace réservé du numéro de diapositive 6"/>
+          <p:cNvSpPr>
+            <a:spLocks noGrp="1"/>
+          </p:cNvSpPr>
+          <p:nvPr>
+            <p:ph type="sldNum" sz="quarter" idx="12"/>
+          </p:nvPr>
+        </p:nvSpPr>
+        <p:spPr/>
+        <p:txBody>
+          <a:bodyPr/>
+          <a:lstStyle/>
+          <a:p>
+            <a:fld id="{AB9DB7C7-3B7A-421A-AF98-AB9FC2185CD3}" type="slidenum">
+              <a:rPr lang="fr-FR" smtClean="0"/>
+              <a:pPr/>
+              <a:t>17</a:t>
+            </a:fld>
+            <a:endParaRPr lang="fr-FR" dirty="0"/>
+          </a:p>
+        </p:txBody>
+      </p:sp>
+      <p:graphicFrame>
+        <p:nvGraphicFramePr>
+          <p:cNvPr id="11" name="Graphique 10"/>
+          <p:cNvGraphicFramePr/>
+          <p:nvPr/>
+        </p:nvGraphicFramePr>
+        <p:xfrm>
+          <a:off x="1835696" y="3645024"/>
+          <a:ext cx="5328592" cy="2880320"/>
+        </p:xfrm>
+        <a:graphic>
+          <a:graphicData uri="http://schemas.openxmlformats.org/drawingml/2006/chart">
+            <c:chart xmlns:c="http://schemas.openxmlformats.org/drawingml/2006/chart" xmlns:r="http://schemas.openxmlformats.org/officeDocument/2006/relationships" r:id="rId2"/>
+          </a:graphicData>
+        </a:graphic>
+      </p:graphicFrame>
+    </p:spTree>
+  </p:cSld>
+  <p:clrMapOvr>
+    <a:masterClrMapping/>
+  </p:clrMapOvr>
+  <p:timing>
+    <p:tnLst>
+      <p:par>
+        <p:cTn id="1" dur="indefinite" restart="never" nodeType="tmRoot"/>
+      </p:par>
+    </p:tnLst>
+  </p:timing>
+</p:sld>
+</file>
+
+<file path=ppt/slides/slide18.xml><?xml version="1.0" encoding="utf-8"?>
+<p:sld xmlns:a="http://schemas.openxmlformats.org/drawingml/2006/main" xmlns:r="http://schemas.openxmlformats.org/officeDocument/2006/relationships" xmlns:p="http://schemas.openxmlformats.org/presentationml/2006/main">
+  <p:cSld>
+    <p:spTree>
+      <p:nvGrpSpPr>
+        <p:cNvPr id="1" name=""/>
+        <p:cNvGrpSpPr/>
+        <p:nvPr/>
+      </p:nvGrpSpPr>
+      <p:grpSpPr>
+        <a:xfrm>
+          <a:off x="0" y="0"/>
+          <a:ext cx="0" cy="0"/>
+          <a:chOff x="0" y="0"/>
+          <a:chExt cx="0" cy="0"/>
+        </a:xfrm>
+      </p:grpSpPr>
+      <p:sp>
+        <p:nvSpPr>
+          <p:cNvPr id="2" name="Titre 1"/>
+          <p:cNvSpPr>
+            <a:spLocks noGrp="1"/>
+          </p:cNvSpPr>
+          <p:nvPr>
+            <p:ph type="title"/>
+          </p:nvPr>
+        </p:nvSpPr>
+        <p:spPr/>
+        <p:txBody>
+          <a:bodyPr/>
+          <a:lstStyle/>
+          <a:p>
+            <a:r>
+              <a:rPr lang="fr-FR" dirty="0" smtClean="0"/>
+              <a:t>Input </a:t>
+            </a:r>
+            <a:r>
+              <a:rPr lang="fr-FR" dirty="0" err="1" smtClean="0"/>
+              <a:t>word</a:t>
+            </a:r>
+            <a:r>
+              <a:rPr lang="fr-FR" dirty="0" smtClean="0"/>
+              <a:t> speed</a:t>
+            </a:r>
+            <a:endParaRPr lang="fr-FR" dirty="0"/>
+          </a:p>
+        </p:txBody>
+      </p:sp>
+      <p:sp>
+        <p:nvSpPr>
+          <p:cNvPr id="5" name="Espace réservé du texte 4"/>
+          <p:cNvSpPr>
+            <a:spLocks noGrp="1"/>
+          </p:cNvSpPr>
+          <p:nvPr>
+            <p:ph type="body" idx="1"/>
+          </p:nvPr>
+        </p:nvSpPr>
+        <p:spPr/>
+        <p:txBody>
+          <a:bodyPr/>
+          <a:lstStyle/>
+          <a:p>
+            <a:r>
+              <a:rPr lang="fr-FR" dirty="0" err="1" smtClean="0"/>
+              <a:t>Circular</a:t>
+            </a:r>
+            <a:r>
+              <a:rPr lang="fr-FR" dirty="0" smtClean="0"/>
+              <a:t> Keyboard</a:t>
+            </a:r>
+            <a:endParaRPr lang="fr-FR" dirty="0"/>
+          </a:p>
+        </p:txBody>
+      </p:sp>
+      <p:sp>
+        <p:nvSpPr>
+          <p:cNvPr id="7" name="Espace réservé du texte 6"/>
+          <p:cNvSpPr>
+            <a:spLocks noGrp="1"/>
+          </p:cNvSpPr>
+          <p:nvPr>
+            <p:ph type="body" sz="half" idx="3"/>
+          </p:nvPr>
+        </p:nvSpPr>
+        <p:spPr/>
+        <p:txBody>
+          <a:bodyPr/>
+          <a:lstStyle/>
+          <a:p>
+            <a:r>
+              <a:rPr lang="fr-FR" dirty="0" smtClean="0"/>
+              <a:t>T9 Keyboard</a:t>
+            </a:r>
+            <a:endParaRPr lang="fr-FR" dirty="0"/>
+          </a:p>
+        </p:txBody>
+      </p:sp>
+      <p:sp>
+        <p:nvSpPr>
+          <p:cNvPr id="4" name="Espace réservé du numéro de diapositive 3"/>
+          <p:cNvSpPr>
+            <a:spLocks noGrp="1"/>
+          </p:cNvSpPr>
+          <p:nvPr>
+            <p:ph type="sldNum" sz="quarter" idx="12"/>
+          </p:nvPr>
+        </p:nvSpPr>
+        <p:spPr/>
+        <p:txBody>
+          <a:bodyPr/>
+          <a:lstStyle/>
+          <a:p>
+            <a:fld id="{AB9DB7C7-3B7A-421A-AF98-AB9FC2185CD3}" type="slidenum">
+              <a:rPr lang="fr-FR" smtClean="0"/>
+              <a:pPr/>
+              <a:t>18</a:t>
+            </a:fld>
+            <a:endParaRPr lang="fr-FR" dirty="0"/>
+          </a:p>
+        </p:txBody>
+      </p:sp>
+      <p:pic>
+        <p:nvPicPr>
+          <p:cNvPr id="9" name="Espace réservé du contenu 8"/>
+          <p:cNvPicPr>
+            <a:picLocks noGrp="1"/>
+          </p:cNvPicPr>
+          <p:nvPr>
+            <p:ph sz="quarter" idx="2"/>
+          </p:nvPr>
+        </p:nvPicPr>
+        <p:blipFill>
+          <a:blip r:embed="rId2" cstate="print"/>
+          <a:srcRect/>
+          <a:stretch>
+            <a:fillRect/>
+          </a:stretch>
+        </p:blipFill>
+        <p:spPr bwMode="auto">
+          <a:xfrm>
+            <a:off x="457200" y="2297383"/>
+            <a:ext cx="4040188" cy="2382296"/>
+          </a:xfrm>
+          <a:prstGeom prst="rect">
+            <a:avLst/>
+          </a:prstGeom>
+          <a:noFill/>
+          <a:ln w="9525">
+            <a:noFill/>
+            <a:miter lim="800000"/>
+            <a:headEnd/>
+            <a:tailEnd/>
+          </a:ln>
+        </p:spPr>
+      </p:pic>
+      <p:pic>
+        <p:nvPicPr>
+          <p:cNvPr id="10" name="Espace réservé du contenu 9"/>
+          <p:cNvPicPr>
+            <a:picLocks noGrp="1"/>
+          </p:cNvPicPr>
+          <p:nvPr>
+            <p:ph sz="quarter" idx="4"/>
+          </p:nvPr>
+        </p:nvPicPr>
+        <p:blipFill>
+          <a:blip r:embed="rId3" cstate="print"/>
+          <a:srcRect/>
+          <a:stretch>
+            <a:fillRect/>
+          </a:stretch>
+        </p:blipFill>
+        <p:spPr bwMode="auto">
+          <a:xfrm>
+            <a:off x="4645025" y="2296956"/>
+            <a:ext cx="4041775" cy="2383150"/>
+          </a:xfrm>
+          <a:prstGeom prst="rect">
+            <a:avLst/>
+          </a:prstGeom>
+          <a:noFill/>
+          <a:ln w="9525">
+            <a:noFill/>
+            <a:miter lim="800000"/>
+            <a:headEnd/>
+            <a:tailEnd/>
+          </a:ln>
+        </p:spPr>
+      </p:pic>
+    </p:spTree>
+  </p:cSld>
+  <p:clrMapOvr>
+    <a:masterClrMapping/>
+  </p:clrMapOvr>
+  <p:timing>
+    <p:tnLst>
+      <p:par>
+        <p:cTn id="1" dur="indefinite" restart="never" nodeType="tmRoot"/>
+      </p:par>
+    </p:tnLst>
+  </p:timing>
+</p:sld>
+</file>
+
+<file path=ppt/slides/slide19.xml><?xml version="1.0" encoding="utf-8"?>
+<p:sld xmlns:a="http://schemas.openxmlformats.org/drawingml/2006/main" xmlns:r="http://schemas.openxmlformats.org/officeDocument/2006/relationships" xmlns:p="http://schemas.openxmlformats.org/presentationml/2006/main">
+  <p:cSld>
+    <p:spTree>
+      <p:nvGrpSpPr>
+        <p:cNvPr id="1" name=""/>
+        <p:cNvGrpSpPr/>
+        <p:nvPr/>
+      </p:nvGrpSpPr>
+      <p:grpSpPr>
+        <a:xfrm>
+          <a:off x="0" y="0"/>
+          <a:ext cx="0" cy="0"/>
+          <a:chOff x="0" y="0"/>
+          <a:chExt cx="0" cy="0"/>
+        </a:xfrm>
+      </p:grpSpPr>
+      <p:sp>
+        <p:nvSpPr>
+          <p:cNvPr id="2" name="Titre 1"/>
+          <p:cNvSpPr>
+            <a:spLocks noGrp="1"/>
+          </p:cNvSpPr>
+          <p:nvPr>
+            <p:ph type="title"/>
+          </p:nvPr>
+        </p:nvSpPr>
+        <p:spPr/>
+        <p:txBody>
+          <a:bodyPr/>
+          <a:lstStyle/>
+          <a:p>
+            <a:r>
+              <a:rPr lang="fr-FR" dirty="0" smtClean="0"/>
+              <a:t>Input </a:t>
+            </a:r>
+            <a:r>
+              <a:rPr lang="fr-FR" dirty="0" err="1" smtClean="0"/>
+              <a:t>word</a:t>
+            </a:r>
+            <a:r>
+              <a:rPr lang="fr-FR" dirty="0" smtClean="0"/>
+              <a:t> speed</a:t>
+            </a:r>
+            <a:endParaRPr lang="fr-FR" dirty="0"/>
+          </a:p>
+        </p:txBody>
+      </p:sp>
+      <p:sp>
+        <p:nvSpPr>
+          <p:cNvPr id="11" name="Espace réservé du texte 10"/>
+          <p:cNvSpPr>
+            <a:spLocks noGrp="1"/>
+          </p:cNvSpPr>
+          <p:nvPr>
+            <p:ph type="body" idx="1"/>
+          </p:nvPr>
+        </p:nvSpPr>
+        <p:spPr/>
+        <p:txBody>
+          <a:bodyPr/>
+          <a:lstStyle/>
+          <a:p>
+            <a:r>
+              <a:rPr lang="fr-FR" dirty="0" smtClean="0"/>
+              <a:t>Time</a:t>
+            </a:r>
+            <a:endParaRPr lang="fr-FR" dirty="0"/>
+          </a:p>
+        </p:txBody>
+      </p:sp>
+      <p:sp>
+        <p:nvSpPr>
+          <p:cNvPr id="13" name="Espace réservé du texte 12"/>
+          <p:cNvSpPr>
+            <a:spLocks noGrp="1"/>
+          </p:cNvSpPr>
+          <p:nvPr>
+            <p:ph type="body" sz="half" idx="3"/>
+          </p:nvPr>
+        </p:nvSpPr>
+        <p:spPr/>
+        <p:txBody>
+          <a:bodyPr/>
+          <a:lstStyle/>
+          <a:p>
+            <a:r>
+              <a:rPr lang="fr-FR" dirty="0" err="1" smtClean="0"/>
+              <a:t>Number</a:t>
+            </a:r>
+            <a:r>
+              <a:rPr lang="fr-FR" dirty="0" smtClean="0"/>
+              <a:t> of clicks</a:t>
+            </a:r>
+            <a:endParaRPr lang="fr-FR" dirty="0"/>
+          </a:p>
+        </p:txBody>
+      </p:sp>
+      <p:sp>
+        <p:nvSpPr>
+          <p:cNvPr id="7" name="Espace réservé du numéro de diapositive 6"/>
+          <p:cNvSpPr>
+            <a:spLocks noGrp="1"/>
+          </p:cNvSpPr>
+          <p:nvPr>
+            <p:ph type="sldNum" sz="quarter" idx="12"/>
+          </p:nvPr>
+        </p:nvSpPr>
+        <p:spPr/>
+        <p:txBody>
+          <a:bodyPr/>
+          <a:lstStyle/>
+          <a:p>
+            <a:fld id="{AB9DB7C7-3B7A-421A-AF98-AB9FC2185CD3}" type="slidenum">
+              <a:rPr lang="fr-FR" smtClean="0"/>
+              <a:pPr/>
+              <a:t>19</a:t>
+            </a:fld>
+            <a:endParaRPr lang="fr-FR" dirty="0"/>
+          </a:p>
+        </p:txBody>
+      </p:sp>
+      <p:graphicFrame>
+        <p:nvGraphicFramePr>
+          <p:cNvPr id="15" name="Espace réservé du contenu 14"/>
+          <p:cNvGraphicFramePr>
+            <a:graphicFrameLocks noGrp="1"/>
+          </p:cNvGraphicFramePr>
+          <p:nvPr>
+            <p:ph sz="quarter" idx="2"/>
+          </p:nvPr>
+        </p:nvGraphicFramePr>
+        <p:xfrm>
+          <a:off x="457200" y="1517650"/>
+          <a:ext cx="4040188" cy="3941763"/>
+        </p:xfrm>
+        <a:graphic>
+          <a:graphicData uri="http://schemas.openxmlformats.org/drawingml/2006/chart">
+            <c:chart xmlns:c="http://schemas.openxmlformats.org/drawingml/2006/chart" xmlns:r="http://schemas.openxmlformats.org/officeDocument/2006/relationships" r:id="rId2"/>
+          </a:graphicData>
+        </a:graphic>
+      </p:graphicFrame>
+      <p:graphicFrame>
+        <p:nvGraphicFramePr>
+          <p:cNvPr id="16" name="Espace réservé du contenu 15"/>
+          <p:cNvGraphicFramePr>
+            <a:graphicFrameLocks noGrp="1"/>
+          </p:cNvGraphicFramePr>
+          <p:nvPr>
+            <p:ph sz="quarter" idx="4"/>
+          </p:nvPr>
+        </p:nvGraphicFramePr>
+        <p:xfrm>
+          <a:off x="4645025" y="1517650"/>
+          <a:ext cx="4041775" cy="3941763"/>
+        </p:xfrm>
+        <a:graphic>
+          <a:graphicData uri="http://schemas.openxmlformats.org/drawingml/2006/chart">
+            <c:chart xmlns:c="http://schemas.openxmlformats.org/drawingml/2006/chart" xmlns:r="http://schemas.openxmlformats.org/officeDocument/2006/relationships" r:id="rId3"/>
+          </a:graphicData>
+        </a:graphic>
+      </p:graphicFrame>
     </p:spTree>
   </p:cSld>
   <p:clrMapOvr>
@@ -6793,16 +8773,22 @@
           </a:p>
           <a:p>
             <a:r>
-              <a:rPr lang="en-US" smtClean="0"/>
+              <a:rPr lang="en-US" dirty="0" smtClean="0"/>
               <a:t>Solution</a:t>
             </a:r>
-            <a:endParaRPr lang="en-US" dirty="0" smtClean="0"/>
           </a:p>
           <a:p>
             <a:r>
               <a:rPr lang="en-US" dirty="0" smtClean="0"/>
               <a:t>Theory/Technical</a:t>
             </a:r>
+          </a:p>
+          <a:p>
+            <a:r>
+              <a:rPr lang="en-US" dirty="0" smtClean="0"/>
+              <a:t>Evaluation</a:t>
+            </a:r>
+            <a:endParaRPr lang="en-US" dirty="0" smtClean="0"/>
           </a:p>
           <a:p>
             <a:r>
@@ -6837,6 +8823,447 @@
               <a:rPr lang="fr-FR" smtClean="0"/>
               <a:pPr/>
               <a:t>2</a:t>
+            </a:fld>
+            <a:endParaRPr lang="fr-FR" dirty="0"/>
+          </a:p>
+        </p:txBody>
+      </p:sp>
+    </p:spTree>
+  </p:cSld>
+  <p:clrMapOvr>
+    <a:masterClrMapping/>
+  </p:clrMapOvr>
+  <p:timing>
+    <p:tnLst>
+      <p:par>
+        <p:cTn id="1" dur="indefinite" restart="never" nodeType="tmRoot"/>
+      </p:par>
+    </p:tnLst>
+  </p:timing>
+</p:sld>
+</file>
+
+<file path=ppt/slides/slide20.xml><?xml version="1.0" encoding="utf-8"?>
+<p:sld xmlns:a="http://schemas.openxmlformats.org/drawingml/2006/main" xmlns:r="http://schemas.openxmlformats.org/officeDocument/2006/relationships" xmlns:p="http://schemas.openxmlformats.org/presentationml/2006/main">
+  <p:cSld>
+    <p:spTree>
+      <p:nvGrpSpPr>
+        <p:cNvPr id="1" name=""/>
+        <p:cNvGrpSpPr/>
+        <p:nvPr/>
+      </p:nvGrpSpPr>
+      <p:grpSpPr>
+        <a:xfrm>
+          <a:off x="0" y="0"/>
+          <a:ext cx="0" cy="0"/>
+          <a:chOff x="0" y="0"/>
+          <a:chExt cx="0" cy="0"/>
+        </a:xfrm>
+      </p:grpSpPr>
+      <p:sp>
+        <p:nvSpPr>
+          <p:cNvPr id="6" name="Espace réservé du contenu 2"/>
+          <p:cNvSpPr>
+            <a:spLocks noGrp="1"/>
+          </p:cNvSpPr>
+          <p:nvPr>
+            <p:ph idx="1"/>
+          </p:nvPr>
+        </p:nvSpPr>
+        <p:spPr>
+          <a:xfrm>
+            <a:off x="457200" y="1600200"/>
+            <a:ext cx="7467600" cy="4525963"/>
+          </a:xfrm>
+        </p:spPr>
+        <p:txBody>
+          <a:bodyPr>
+            <a:normAutofit fontScale="92500" lnSpcReduction="20000"/>
+          </a:bodyPr>
+          <a:lstStyle/>
+          <a:p>
+            <a:r>
+              <a:rPr lang="en-US" dirty="0" smtClean="0"/>
+              <a:t>Total Execution Time : </a:t>
+            </a:r>
+            <a:r>
+              <a:rPr lang="en-US" dirty="0" smtClean="0">
+                <a:solidFill>
+                  <a:srgbClr val="FFC000"/>
+                </a:solidFill>
+              </a:rPr>
+              <a:t>10 – 18 ms</a:t>
+            </a:r>
+          </a:p>
+          <a:p>
+            <a:endParaRPr lang="en-US" dirty="0" smtClean="0">
+              <a:solidFill>
+                <a:srgbClr val="FFFF00"/>
+              </a:solidFill>
+            </a:endParaRPr>
+          </a:p>
+          <a:p>
+            <a:r>
+              <a:rPr lang="en-US" dirty="0" smtClean="0"/>
+              <a:t>We are tracking 4 blobs</a:t>
+            </a:r>
+          </a:p>
+          <a:p>
+            <a:pPr lvl="1"/>
+            <a:r>
+              <a:rPr lang="en-US" dirty="0" smtClean="0"/>
+              <a:t>Single user</a:t>
+            </a:r>
+          </a:p>
+          <a:p>
+            <a:pPr lvl="1"/>
+            <a:r>
+              <a:rPr lang="en-US" dirty="0" smtClean="0"/>
+              <a:t>Usually only both arms and the head are visible</a:t>
+            </a:r>
+          </a:p>
+          <a:p>
+            <a:pPr lvl="1"/>
+            <a:r>
+              <a:rPr lang="en-US" dirty="0" smtClean="0"/>
+              <a:t>One blob added for safety considering the noise of </a:t>
+            </a:r>
+            <a:r>
+              <a:rPr lang="en-US" dirty="0" err="1" smtClean="0"/>
+              <a:t>Kinect’s</a:t>
+            </a:r>
+            <a:r>
+              <a:rPr lang="en-US" dirty="0" smtClean="0"/>
+              <a:t> sensors</a:t>
+            </a:r>
+          </a:p>
+          <a:p>
+            <a:pPr lvl="1"/>
+            <a:endParaRPr lang="en-US" dirty="0" smtClean="0"/>
+          </a:p>
+          <a:p>
+            <a:r>
+              <a:rPr lang="en-US" dirty="0" smtClean="0"/>
+              <a:t>Functional distance : 1m – 2m</a:t>
+            </a:r>
+          </a:p>
+          <a:p>
+            <a:pPr lvl="1"/>
+            <a:r>
+              <a:rPr lang="en-US" dirty="0" smtClean="0"/>
+              <a:t>1m is the minimum allowed by the Kinect, 2m was defined as a usability configuration</a:t>
+            </a:r>
+          </a:p>
+        </p:txBody>
+      </p:sp>
+      <p:sp>
+        <p:nvSpPr>
+          <p:cNvPr id="2" name="Titre 1"/>
+          <p:cNvSpPr>
+            <a:spLocks noGrp="1"/>
+          </p:cNvSpPr>
+          <p:nvPr>
+            <p:ph type="title"/>
+          </p:nvPr>
+        </p:nvSpPr>
+        <p:spPr/>
+        <p:txBody>
+          <a:bodyPr/>
+          <a:lstStyle/>
+          <a:p>
+            <a:r>
+              <a:rPr lang="en-US" dirty="0" smtClean="0"/>
+              <a:t>Results</a:t>
+            </a:r>
+            <a:endParaRPr lang="en-US" dirty="0"/>
+          </a:p>
+        </p:txBody>
+      </p:sp>
+      <p:sp>
+        <p:nvSpPr>
+          <p:cNvPr id="4" name="Espace réservé du numéro de diapositive 3"/>
+          <p:cNvSpPr>
+            <a:spLocks noGrp="1"/>
+          </p:cNvSpPr>
+          <p:nvPr>
+            <p:ph type="sldNum" sz="quarter" idx="12"/>
+          </p:nvPr>
+        </p:nvSpPr>
+        <p:spPr/>
+        <p:txBody>
+          <a:bodyPr/>
+          <a:lstStyle/>
+          <a:p>
+            <a:fld id="{AB9DB7C7-3B7A-421A-AF98-AB9FC2185CD3}" type="slidenum">
+              <a:rPr lang="en-US" smtClean="0"/>
+              <a:pPr/>
+              <a:t>20</a:t>
+            </a:fld>
+            <a:endParaRPr lang="en-US"/>
+          </a:p>
+        </p:txBody>
+      </p:sp>
+    </p:spTree>
+  </p:cSld>
+  <p:clrMapOvr>
+    <a:masterClrMapping/>
+  </p:clrMapOvr>
+  <p:timing>
+    <p:tnLst>
+      <p:par>
+        <p:cTn id="1" dur="indefinite" restart="never" nodeType="tmRoot"/>
+      </p:par>
+    </p:tnLst>
+  </p:timing>
+</p:sld>
+</file>
+
+<file path=ppt/slides/slide21.xml><?xml version="1.0" encoding="utf-8"?>
+<p:sld xmlns:a="http://schemas.openxmlformats.org/drawingml/2006/main" xmlns:r="http://schemas.openxmlformats.org/officeDocument/2006/relationships" xmlns:p="http://schemas.openxmlformats.org/presentationml/2006/main">
+  <p:cSld>
+    <p:spTree>
+      <p:nvGrpSpPr>
+        <p:cNvPr id="1" name=""/>
+        <p:cNvGrpSpPr/>
+        <p:nvPr/>
+      </p:nvGrpSpPr>
+      <p:grpSpPr>
+        <a:xfrm>
+          <a:off x="0" y="0"/>
+          <a:ext cx="0" cy="0"/>
+          <a:chOff x="0" y="0"/>
+          <a:chExt cx="0" cy="0"/>
+        </a:xfrm>
+      </p:grpSpPr>
+      <p:sp>
+        <p:nvSpPr>
+          <p:cNvPr id="2" name="Titre 1"/>
+          <p:cNvSpPr>
+            <a:spLocks noGrp="1"/>
+          </p:cNvSpPr>
+          <p:nvPr>
+            <p:ph type="title"/>
+          </p:nvPr>
+        </p:nvSpPr>
+        <p:spPr/>
+        <p:txBody>
+          <a:bodyPr/>
+          <a:lstStyle/>
+          <a:p>
+            <a:r>
+              <a:rPr lang="fr-FR" dirty="0" smtClean="0"/>
+              <a:t>Conclusion</a:t>
+            </a:r>
+            <a:endParaRPr lang="fr-FR" dirty="0"/>
+          </a:p>
+        </p:txBody>
+      </p:sp>
+      <p:sp>
+        <p:nvSpPr>
+          <p:cNvPr id="3" name="Espace réservé du contenu 2"/>
+          <p:cNvSpPr>
+            <a:spLocks noGrp="1"/>
+          </p:cNvSpPr>
+          <p:nvPr>
+            <p:ph idx="1"/>
+          </p:nvPr>
+        </p:nvSpPr>
+        <p:spPr/>
+        <p:txBody>
+          <a:bodyPr>
+            <a:normAutofit fontScale="77500" lnSpcReduction="20000"/>
+          </a:bodyPr>
+          <a:lstStyle/>
+          <a:p>
+            <a:r>
+              <a:rPr lang="en-US" dirty="0" smtClean="0"/>
+              <a:t>Features offered by the Kinect</a:t>
+            </a:r>
+          </a:p>
+          <a:p>
+            <a:pPr lvl="1"/>
+            <a:r>
+              <a:rPr lang="en-US" dirty="0" smtClean="0"/>
+              <a:t>Depth data</a:t>
+            </a:r>
+          </a:p>
+          <a:p>
+            <a:pPr lvl="1"/>
+            <a:r>
+              <a:rPr lang="en-US" dirty="0" smtClean="0"/>
+              <a:t>Color data</a:t>
+            </a:r>
+          </a:p>
+          <a:p>
+            <a:pPr lvl="1"/>
+            <a:r>
+              <a:rPr lang="en-US" dirty="0" smtClean="0"/>
+              <a:t>Skeleton recognition</a:t>
+            </a:r>
+          </a:p>
+          <a:p>
+            <a:pPr lvl="1">
+              <a:buNone/>
+            </a:pPr>
+            <a:endParaRPr lang="en-US" dirty="0" smtClean="0"/>
+          </a:p>
+          <a:p>
+            <a:r>
+              <a:rPr lang="en-US" dirty="0" smtClean="0"/>
+              <a:t>Limitations</a:t>
+            </a:r>
+          </a:p>
+          <a:p>
+            <a:pPr lvl="1"/>
+            <a:r>
+              <a:rPr lang="en-US" dirty="0" smtClean="0"/>
+              <a:t>Distance</a:t>
+            </a:r>
+          </a:p>
+          <a:p>
+            <a:pPr lvl="1"/>
+            <a:r>
+              <a:rPr lang="en-US" dirty="0" smtClean="0"/>
+              <a:t>Accuracy when not standing up</a:t>
+            </a:r>
+          </a:p>
+          <a:p>
+            <a:pPr lvl="1">
+              <a:buNone/>
+            </a:pPr>
+            <a:endParaRPr lang="en-US" dirty="0" smtClean="0"/>
+          </a:p>
+          <a:p>
+            <a:r>
+              <a:rPr lang="en-US" dirty="0" smtClean="0"/>
+              <a:t>“Easy-to-use” camera</a:t>
+            </a:r>
+          </a:p>
+          <a:p>
+            <a:endParaRPr lang="en-US" dirty="0" smtClean="0"/>
+          </a:p>
+          <a:p>
+            <a:r>
+              <a:rPr lang="en-US" dirty="0" smtClean="0"/>
+              <a:t>PC Kinect in development</a:t>
+            </a:r>
+            <a:br>
+              <a:rPr lang="en-US" dirty="0" smtClean="0"/>
+            </a:br>
+            <a:r>
+              <a:rPr lang="en-US" dirty="0" smtClean="0"/>
+              <a:t>Minimum Depth : 50 cm (1m with the current Kinect)</a:t>
+            </a:r>
+          </a:p>
+          <a:p>
+            <a:endParaRPr lang="fr-FR" dirty="0"/>
+          </a:p>
+        </p:txBody>
+      </p:sp>
+      <p:sp>
+        <p:nvSpPr>
+          <p:cNvPr id="4" name="Espace réservé du numéro de diapositive 3"/>
+          <p:cNvSpPr>
+            <a:spLocks noGrp="1"/>
+          </p:cNvSpPr>
+          <p:nvPr>
+            <p:ph type="sldNum" sz="quarter" idx="12"/>
+          </p:nvPr>
+        </p:nvSpPr>
+        <p:spPr/>
+        <p:txBody>
+          <a:bodyPr/>
+          <a:lstStyle/>
+          <a:p>
+            <a:fld id="{AB9DB7C7-3B7A-421A-AF98-AB9FC2185CD3}" type="slidenum">
+              <a:rPr lang="fr-FR" smtClean="0"/>
+              <a:pPr/>
+              <a:t>21</a:t>
+            </a:fld>
+            <a:endParaRPr lang="fr-FR" dirty="0"/>
+          </a:p>
+        </p:txBody>
+      </p:sp>
+    </p:spTree>
+  </p:cSld>
+  <p:clrMapOvr>
+    <a:masterClrMapping/>
+  </p:clrMapOvr>
+  <p:timing>
+    <p:tnLst>
+      <p:par>
+        <p:cTn id="1" dur="indefinite" restart="never" nodeType="tmRoot"/>
+      </p:par>
+    </p:tnLst>
+  </p:timing>
+</p:sld>
+</file>
+
+<file path=ppt/slides/slide22.xml><?xml version="1.0" encoding="utf-8"?>
+<p:sld xmlns:a="http://schemas.openxmlformats.org/drawingml/2006/main" xmlns:r="http://schemas.openxmlformats.org/officeDocument/2006/relationships" xmlns:p="http://schemas.openxmlformats.org/presentationml/2006/main">
+  <p:cSld>
+    <p:spTree>
+      <p:nvGrpSpPr>
+        <p:cNvPr id="1" name=""/>
+        <p:cNvGrpSpPr/>
+        <p:nvPr/>
+      </p:nvGrpSpPr>
+      <p:grpSpPr>
+        <a:xfrm>
+          <a:off x="0" y="0"/>
+          <a:ext cx="0" cy="0"/>
+          <a:chOff x="0" y="0"/>
+          <a:chExt cx="0" cy="0"/>
+        </a:xfrm>
+      </p:grpSpPr>
+      <p:sp>
+        <p:nvSpPr>
+          <p:cNvPr id="5" name="Titre 4"/>
+          <p:cNvSpPr>
+            <a:spLocks noGrp="1"/>
+          </p:cNvSpPr>
+          <p:nvPr>
+            <p:ph type="title"/>
+          </p:nvPr>
+        </p:nvSpPr>
+        <p:spPr>
+          <a:xfrm>
+            <a:off x="611560" y="2708920"/>
+            <a:ext cx="7470648" cy="1143000"/>
+          </a:xfrm>
+        </p:spPr>
+        <p:txBody>
+          <a:bodyPr/>
+          <a:lstStyle/>
+          <a:p>
+            <a:pPr algn="ctr"/>
+            <a:r>
+              <a:rPr lang="en-US" dirty="0" smtClean="0"/>
+              <a:t>Thank you for your attention</a:t>
+            </a:r>
+            <a:endParaRPr lang="en-US" dirty="0"/>
+          </a:p>
+        </p:txBody>
+      </p:sp>
+      <p:sp>
+        <p:nvSpPr>
+          <p:cNvPr id="4" name="Espace réservé du numéro de diapositive 3"/>
+          <p:cNvSpPr>
+            <a:spLocks noGrp="1"/>
+          </p:cNvSpPr>
+          <p:nvPr>
+            <p:ph type="sldNum" sz="quarter" idx="11"/>
+          </p:nvPr>
+        </p:nvSpPr>
+        <p:spPr/>
+        <p:txBody>
+          <a:bodyPr/>
+          <a:lstStyle/>
+          <a:p>
+            <a:fld id="{AB9DB7C7-3B7A-421A-AF98-AB9FC2185CD3}" type="slidenum">
+              <a:rPr lang="fr-FR" smtClean="0"/>
+              <a:pPr/>
+              <a:t>22</a:t>
             </a:fld>
             <a:endParaRPr lang="fr-FR" dirty="0"/>
           </a:p>

--- a/Pr�sentation/Pr�sentation_NUI.pptx
+++ b/Pr�sentation/Pr�sentation_NUI.pptx
@@ -190,13 +190,13 @@
                   <c:v>4.201918</c:v>
                 </c:pt>
                 <c:pt idx="1">
-                  <c:v>1.0630710999999979</c:v>
+                  <c:v>1.0630710999999977</c:v>
                 </c:pt>
                 <c:pt idx="2">
-                  <c:v>0.2838696000000005</c:v>
+                  <c:v>0.28386960000000055</c:v>
                 </c:pt>
                 <c:pt idx="3">
-                  <c:v>0.15299750000000031</c:v>
+                  <c:v>0.15299750000000034</c:v>
                 </c:pt>
                 <c:pt idx="4">
                   <c:v>4.9843000000000103E-2</c:v>
@@ -255,33 +255,33 @@
                 <c:formatCode>General</c:formatCode>
                 <c:ptCount val="6"/>
                 <c:pt idx="0">
-                  <c:v>3.460000000000013E-5</c:v>
+                  <c:v>3.4600000000000143E-5</c:v>
                 </c:pt>
                 <c:pt idx="1">
-                  <c:v>3.4000000000000128E-5</c:v>
+                  <c:v>3.4000000000000142E-5</c:v>
                 </c:pt>
                 <c:pt idx="2">
-                  <c:v>3.0700000000000116E-5</c:v>
+                  <c:v>3.0700000000000123E-5</c:v>
                 </c:pt>
                 <c:pt idx="3">
-                  <c:v>5.7700000000000251E-5</c:v>
+                  <c:v>5.7700000000000278E-5</c:v>
                 </c:pt>
                 <c:pt idx="4">
-                  <c:v>3.3300000000000118E-5</c:v>
+                  <c:v>3.3300000000000125E-5</c:v>
                 </c:pt>
                 <c:pt idx="5">
-                  <c:v>3.460000000000013E-5</c:v>
+                  <c:v>3.4600000000000143E-5</c:v>
                 </c:pt>
               </c:numCache>
             </c:numRef>
           </c:val>
         </c:ser>
         <c:marker val="1"/>
-        <c:axId val="70034176"/>
-        <c:axId val="70035712"/>
+        <c:axId val="81281792"/>
+        <c:axId val="81283328"/>
       </c:lineChart>
       <c:catAx>
-        <c:axId val="70034176"/>
+        <c:axId val="81281792"/>
         <c:scaling>
           <c:orientation val="minMax"/>
         </c:scaling>
@@ -297,14 +297,14 @@
             <a:endParaRPr lang="fr-FR"/>
           </a:p>
         </c:txPr>
-        <c:crossAx val="70035712"/>
-        <c:crossesAt val="1.0000000000000045E-5"/>
+        <c:crossAx val="81283328"/>
+        <c:crossesAt val="1.0000000000000047E-5"/>
         <c:auto val="1"/>
         <c:lblAlgn val="ctr"/>
         <c:lblOffset val="100"/>
       </c:catAx>
       <c:valAx>
-        <c:axId val="70035712"/>
+        <c:axId val="81283328"/>
         <c:scaling>
           <c:logBase val="10"/>
           <c:orientation val="minMax"/>
@@ -314,7 +314,7 @@
         <c:numFmt formatCode="General" sourceLinked="1"/>
         <c:minorTickMark val="in"/>
         <c:tickLblPos val="nextTo"/>
-        <c:crossAx val="70034176"/>
+        <c:crossAx val="81281792"/>
         <c:crosses val="autoZero"/>
         <c:crossBetween val="between"/>
       </c:valAx>
@@ -342,7 +342,6 @@
 
 <file path=ppt/charts/chart2.xml><?xml version="1.0" encoding="utf-8"?>
 <c:chartSpace xmlns:c="http://schemas.openxmlformats.org/drawingml/2006/chart" xmlns:a="http://schemas.openxmlformats.org/drawingml/2006/main" xmlns:r="http://schemas.openxmlformats.org/officeDocument/2006/relationships">
-  <c:date1904 val="1"/>
   <c:lang val="fr-FR"/>
   <c:chart>
     <c:plotArea>
@@ -392,16 +391,16 @@
                 <c:formatCode>General</c:formatCode>
                 <c:ptCount val="6"/>
                 <c:pt idx="0">
-                  <c:v>0.76500000000000123</c:v>
+                  <c:v>0.76500000000000001</c:v>
                 </c:pt>
                 <c:pt idx="1">
                   <c:v>0.81799999999999995</c:v>
                 </c:pt>
                 <c:pt idx="2">
-                  <c:v>0.72800000000000065</c:v>
+                  <c:v>0.72799999999999998</c:v>
                 </c:pt>
                 <c:pt idx="3">
-                  <c:v>0.61100000000000065</c:v>
+                  <c:v>0.61099999999999999</c:v>
                 </c:pt>
                 <c:pt idx="4">
                   <c:v>0.57099999999999995</c:v>
@@ -435,7 +434,7 @@
                   <c:v>2.92</c:v>
                 </c:pt>
                 <c:pt idx="2">
-                  <c:v>2.4499999999999997</c:v>
+                  <c:v>2.4500000000000002</c:v>
                 </c:pt>
                 <c:pt idx="3">
                   <c:v>3.03</c:v>
@@ -475,38 +474,38 @@
                   <c:v>2.2890000000000001</c:v>
                 </c:pt>
                 <c:pt idx="3">
-                  <c:v>2.3509999999999978</c:v>
+                  <c:v>2.351</c:v>
                 </c:pt>
                 <c:pt idx="4">
                   <c:v>2.0840000000000001</c:v>
                 </c:pt>
                 <c:pt idx="5">
-                  <c:v>1.7749999999999975</c:v>
+                  <c:v>1.7749999999999999</c:v>
                 </c:pt>
               </c:numCache>
             </c:numRef>
           </c:val>
         </c:ser>
         <c:marker val="1"/>
-        <c:axId val="48964352"/>
-        <c:axId val="59970688"/>
+        <c:axId val="65650688"/>
+        <c:axId val="65652608"/>
       </c:lineChart>
       <c:catAx>
-        <c:axId val="48964352"/>
+        <c:axId val="65650688"/>
         <c:scaling>
           <c:orientation val="minMax"/>
         </c:scaling>
         <c:axPos val="b"/>
         <c:numFmt formatCode="General" sourceLinked="1"/>
         <c:tickLblPos val="nextTo"/>
-        <c:crossAx val="59970688"/>
+        <c:crossAx val="65652608"/>
         <c:crosses val="autoZero"/>
         <c:auto val="1"/>
         <c:lblAlgn val="ctr"/>
         <c:lblOffset val="100"/>
       </c:catAx>
       <c:valAx>
-        <c:axId val="59970688"/>
+        <c:axId val="65652608"/>
         <c:scaling>
           <c:orientation val="minMax"/>
         </c:scaling>
@@ -514,7 +513,7 @@
         <c:majorGridlines/>
         <c:numFmt formatCode="General" sourceLinked="1"/>
         <c:tickLblPos val="nextTo"/>
-        <c:crossAx val="48964352"/>
+        <c:crossAx val="65650688"/>
         <c:crosses val="autoZero"/>
         <c:crossBetween val="between"/>
       </c:valAx>
@@ -525,6 +524,16 @@
     </c:legend>
     <c:plotVisOnly val="1"/>
   </c:chart>
+  <c:txPr>
+    <a:bodyPr/>
+    <a:lstStyle/>
+    <a:p>
+      <a:pPr>
+        <a:defRPr sz="1800"/>
+      </a:pPr>
+      <a:endParaRPr lang="fr-FR"/>
+    </a:p>
+  </c:txPr>
   <c:externalData r:id="rId1"/>
 </c:chartSpace>
 </file>
@@ -731,25 +740,25 @@
           </c:val>
         </c:ser>
         <c:marker val="1"/>
-        <c:axId val="47586304"/>
-        <c:axId val="48944256"/>
+        <c:axId val="66735488"/>
+        <c:axId val="66737280"/>
       </c:lineChart>
       <c:catAx>
-        <c:axId val="47586304"/>
+        <c:axId val="66735488"/>
         <c:scaling>
           <c:orientation val="minMax"/>
         </c:scaling>
         <c:axPos val="b"/>
         <c:numFmt formatCode="General" sourceLinked="1"/>
         <c:tickLblPos val="nextTo"/>
-        <c:crossAx val="48944256"/>
+        <c:crossAx val="66737280"/>
         <c:crosses val="autoZero"/>
         <c:auto val="1"/>
         <c:lblAlgn val="ctr"/>
         <c:lblOffset val="100"/>
       </c:catAx>
       <c:valAx>
-        <c:axId val="48944256"/>
+        <c:axId val="66737280"/>
         <c:scaling>
           <c:orientation val="minMax"/>
         </c:scaling>
@@ -757,7 +766,7 @@
         <c:majorGridlines/>
         <c:numFmt formatCode="General" sourceLinked="1"/>
         <c:tickLblPos val="nextTo"/>
-        <c:crossAx val="47586304"/>
+        <c:crossAx val="66735488"/>
         <c:crosses val="autoZero"/>
         <c:crossBetween val="between"/>
       </c:valAx>
@@ -768,6 +777,16 @@
     </c:legend>
     <c:plotVisOnly val="1"/>
   </c:chart>
+  <c:txPr>
+    <a:bodyPr/>
+    <a:lstStyle/>
+    <a:p>
+      <a:pPr>
+        <a:defRPr sz="1800"/>
+      </a:pPr>
+      <a:endParaRPr lang="fr-FR"/>
+    </a:p>
+  </c:txPr>
   <c:externalData r:id="rId1"/>
 </c:chartSpace>
 </file>
@@ -920,25 +939,25 @@
           </c:val>
         </c:ser>
         <c:marker val="1"/>
-        <c:axId val="48685056"/>
-        <c:axId val="48687744"/>
+        <c:axId val="66775296"/>
+        <c:axId val="66793472"/>
       </c:lineChart>
       <c:catAx>
-        <c:axId val="48685056"/>
+        <c:axId val="66775296"/>
         <c:scaling>
           <c:orientation val="minMax"/>
         </c:scaling>
         <c:axPos val="b"/>
         <c:numFmt formatCode="General" sourceLinked="1"/>
         <c:tickLblPos val="nextTo"/>
-        <c:crossAx val="48687744"/>
+        <c:crossAx val="66793472"/>
         <c:crosses val="autoZero"/>
         <c:auto val="1"/>
         <c:lblAlgn val="ctr"/>
         <c:lblOffset val="100"/>
       </c:catAx>
       <c:valAx>
-        <c:axId val="48687744"/>
+        <c:axId val="66793472"/>
         <c:scaling>
           <c:orientation val="minMax"/>
         </c:scaling>
@@ -946,7 +965,7 @@
         <c:majorGridlines/>
         <c:numFmt formatCode="General" sourceLinked="1"/>
         <c:tickLblPos val="nextTo"/>
-        <c:crossAx val="48685056"/>
+        <c:crossAx val="66775296"/>
         <c:crosses val="autoZero"/>
         <c:crossBetween val="between"/>
       </c:valAx>
@@ -957,6 +976,16 @@
     </c:legend>
     <c:plotVisOnly val="1"/>
   </c:chart>
+  <c:txPr>
+    <a:bodyPr/>
+    <a:lstStyle/>
+    <a:p>
+      <a:pPr>
+        <a:defRPr sz="1800"/>
+      </a:pPr>
+      <a:endParaRPr lang="fr-FR"/>
+    </a:p>
+  </c:txPr>
   <c:externalData r:id="rId1"/>
 </c:chartSpace>
 </file>
@@ -1059,13 +1088,13 @@
                   <c:v>37.531000000000006</c:v>
                 </c:pt>
                 <c:pt idx="3">
-                  <c:v>49.551000000000002</c:v>
+                  <c:v>49.550999999999995</c:v>
                 </c:pt>
                 <c:pt idx="4">
                   <c:v>44.338000000000001</c:v>
                 </c:pt>
                 <c:pt idx="5">
-                  <c:v>57.416999999999994</c:v>
+                  <c:v>57.417000000000002</c:v>
                 </c:pt>
               </c:numCache>
             </c:numRef>
@@ -1087,7 +1116,7 @@
                 <c:formatCode>General</c:formatCode>
                 <c:ptCount val="6"/>
                 <c:pt idx="0">
-                  <c:v>32.128000000000071</c:v>
+                  <c:v>32.128000000000078</c:v>
                 </c:pt>
                 <c:pt idx="1">
                   <c:v>33.488</c:v>
@@ -1109,25 +1138,25 @@
           </c:val>
         </c:ser>
         <c:marker val="1"/>
-        <c:axId val="48683648"/>
-        <c:axId val="60354560"/>
+        <c:axId val="66806528"/>
+        <c:axId val="66808064"/>
       </c:lineChart>
       <c:catAx>
-        <c:axId val="48683648"/>
+        <c:axId val="66806528"/>
         <c:scaling>
           <c:orientation val="minMax"/>
         </c:scaling>
         <c:axPos val="b"/>
         <c:numFmt formatCode="General" sourceLinked="1"/>
         <c:tickLblPos val="nextTo"/>
-        <c:crossAx val="60354560"/>
+        <c:crossAx val="66808064"/>
         <c:crosses val="autoZero"/>
         <c:auto val="1"/>
         <c:lblAlgn val="ctr"/>
         <c:lblOffset val="100"/>
       </c:catAx>
       <c:valAx>
-        <c:axId val="60354560"/>
+        <c:axId val="66808064"/>
         <c:scaling>
           <c:orientation val="minMax"/>
         </c:scaling>
@@ -1135,7 +1164,7 @@
         <c:majorGridlines/>
         <c:numFmt formatCode="General" sourceLinked="1"/>
         <c:tickLblPos val="nextTo"/>
-        <c:crossAx val="48683648"/>
+        <c:crossAx val="66806528"/>
         <c:crosses val="autoZero"/>
         <c:crossBetween val="between"/>
       </c:valAx>
@@ -1146,6 +1175,16 @@
     </c:legend>
     <c:plotVisOnly val="1"/>
   </c:chart>
+  <c:txPr>
+    <a:bodyPr/>
+    <a:lstStyle/>
+    <a:p>
+      <a:pPr>
+        <a:defRPr sz="1800"/>
+      </a:pPr>
+      <a:endParaRPr lang="fr-FR"/>
+    </a:p>
+  </c:txPr>
   <c:externalData r:id="rId1"/>
 </c:chartSpace>
 </file>
@@ -1237,24 +1276,24 @@
           </c:val>
         </c:ser>
         <c:overlap val="100"/>
-        <c:axId val="47683072"/>
-        <c:axId val="47710592"/>
+        <c:axId val="66841216"/>
+        <c:axId val="66851200"/>
       </c:barChart>
       <c:catAx>
-        <c:axId val="47683072"/>
+        <c:axId val="66841216"/>
         <c:scaling>
           <c:orientation val="minMax"/>
         </c:scaling>
         <c:axPos val="b"/>
         <c:tickLblPos val="nextTo"/>
-        <c:crossAx val="47710592"/>
+        <c:crossAx val="66851200"/>
         <c:crosses val="autoZero"/>
         <c:auto val="1"/>
         <c:lblAlgn val="ctr"/>
         <c:lblOffset val="100"/>
       </c:catAx>
       <c:valAx>
-        <c:axId val="47710592"/>
+        <c:axId val="66851200"/>
         <c:scaling>
           <c:orientation val="minMax"/>
         </c:scaling>
@@ -1262,7 +1301,7 @@
         <c:majorGridlines/>
         <c:numFmt formatCode="General" sourceLinked="1"/>
         <c:tickLblPos val="nextTo"/>
-        <c:crossAx val="47683072"/>
+        <c:crossAx val="66841216"/>
         <c:crosses val="autoZero"/>
         <c:crossBetween val="between"/>
       </c:valAx>
@@ -1273,6 +1312,16 @@
     </c:legend>
     <c:plotVisOnly val="1"/>
   </c:chart>
+  <c:txPr>
+    <a:bodyPr/>
+    <a:lstStyle/>
+    <a:p>
+      <a:pPr>
+        <a:defRPr sz="1800"/>
+      </a:pPr>
+      <a:endParaRPr lang="fr-FR"/>
+    </a:p>
+  </c:txPr>
   <c:externalData r:id="rId1"/>
 </c:chartSpace>
 </file>
@@ -1372,24 +1421,24 @@
             </c:numRef>
           </c:val>
         </c:ser>
-        <c:axId val="64356352"/>
-        <c:axId val="64357888"/>
+        <c:axId val="66892544"/>
+        <c:axId val="66894080"/>
       </c:barChart>
       <c:catAx>
-        <c:axId val="64356352"/>
+        <c:axId val="66892544"/>
         <c:scaling>
           <c:orientation val="minMax"/>
         </c:scaling>
         <c:axPos val="b"/>
         <c:tickLblPos val="nextTo"/>
-        <c:crossAx val="64357888"/>
+        <c:crossAx val="66894080"/>
         <c:crosses val="autoZero"/>
         <c:auto val="1"/>
         <c:lblAlgn val="ctr"/>
         <c:lblOffset val="100"/>
       </c:catAx>
       <c:valAx>
-        <c:axId val="64357888"/>
+        <c:axId val="66894080"/>
         <c:scaling>
           <c:orientation val="minMax"/>
         </c:scaling>
@@ -1397,7 +1446,7 @@
         <c:majorGridlines/>
         <c:numFmt formatCode="General" sourceLinked="1"/>
         <c:tickLblPos val="nextTo"/>
-        <c:crossAx val="64356352"/>
+        <c:crossAx val="66892544"/>
         <c:crosses val="autoZero"/>
         <c:crossBetween val="between"/>
       </c:valAx>
@@ -1408,6 +1457,16 @@
     </c:legend>
     <c:plotVisOnly val="1"/>
   </c:chart>
+  <c:txPr>
+    <a:bodyPr/>
+    <a:lstStyle/>
+    <a:p>
+      <a:pPr>
+        <a:defRPr sz="1800"/>
+      </a:pPr>
+      <a:endParaRPr lang="fr-FR"/>
+    </a:p>
+  </c:txPr>
   <c:externalData r:id="rId1"/>
 </c:chartSpace>
 </file>
@@ -1507,25 +1566,25 @@
             </c:numRef>
           </c:val>
         </c:ser>
-        <c:axId val="48077056"/>
-        <c:axId val="48095616"/>
+        <c:axId val="67897600"/>
+        <c:axId val="67907584"/>
       </c:barChart>
       <c:catAx>
-        <c:axId val="48077056"/>
+        <c:axId val="67897600"/>
         <c:scaling>
           <c:orientation val="minMax"/>
         </c:scaling>
         <c:axPos val="b"/>
         <c:numFmt formatCode="General" sourceLinked="1"/>
         <c:tickLblPos val="nextTo"/>
-        <c:crossAx val="48095616"/>
+        <c:crossAx val="67907584"/>
         <c:crosses val="autoZero"/>
         <c:auto val="1"/>
         <c:lblAlgn val="ctr"/>
         <c:lblOffset val="100"/>
       </c:catAx>
       <c:valAx>
-        <c:axId val="48095616"/>
+        <c:axId val="67907584"/>
         <c:scaling>
           <c:orientation val="minMax"/>
         </c:scaling>
@@ -1533,7 +1592,7 @@
         <c:majorGridlines/>
         <c:numFmt formatCode="General" sourceLinked="1"/>
         <c:tickLblPos val="nextTo"/>
-        <c:crossAx val="48077056"/>
+        <c:crossAx val="67897600"/>
         <c:crosses val="autoZero"/>
         <c:crossBetween val="between"/>
       </c:valAx>
@@ -1544,6 +1603,16 @@
     </c:legend>
     <c:plotVisOnly val="1"/>
   </c:chart>
+  <c:txPr>
+    <a:bodyPr/>
+    <a:lstStyle/>
+    <a:p>
+      <a:pPr>
+        <a:defRPr sz="1800"/>
+      </a:pPr>
+      <a:endParaRPr lang="fr-FR"/>
+    </a:p>
+  </c:txPr>
   <c:externalData r:id="rId1"/>
 </c:chartSpace>
 </file>
@@ -1680,7 +1749,7 @@
             <a:fld id="{2203E90B-0CDC-4675-8BC8-ABC960C3C4BD}" type="datetimeFigureOut">
               <a:rPr lang="fr-FR" smtClean="0"/>
               <a:pPr/>
-              <a:t>18/03/2012</a:t>
+              <a:t>19/03/2012</a:t>
             </a:fld>
             <a:endParaRPr lang="fr-FR"/>
           </a:p>
@@ -3238,7 +3307,7 @@
             <a:fld id="{7FE745BF-AED8-4079-86B5-94776AA709CD}" type="datetime1">
               <a:rPr lang="fr-FR" smtClean="0"/>
               <a:pPr/>
-              <a:t>18/03/2012</a:t>
+              <a:t>19/03/2012</a:t>
             </a:fld>
             <a:endParaRPr lang="fr-FR" dirty="0"/>
           </a:p>
@@ -3405,7 +3474,7 @@
             <a:fld id="{8BADFC06-5AC4-476A-8FD2-54DE0E426D90}" type="datetime1">
               <a:rPr lang="fr-FR" smtClean="0"/>
               <a:pPr/>
-              <a:t>18/03/2012</a:t>
+              <a:t>19/03/2012</a:t>
             </a:fld>
             <a:endParaRPr lang="fr-FR" dirty="0"/>
           </a:p>
@@ -3582,7 +3651,7 @@
             <a:fld id="{271E89F4-7B08-401C-94CC-1E6E90A77743}" type="datetime1">
               <a:rPr lang="fr-FR" smtClean="0"/>
               <a:pPr/>
-              <a:t>18/03/2012</a:t>
+              <a:t>19/03/2012</a:t>
             </a:fld>
             <a:endParaRPr lang="fr-FR" dirty="0"/>
           </a:p>
@@ -3753,7 +3822,7 @@
             <a:fld id="{B8D51CD3-FD0B-4398-96D6-10844A344A7A}" type="datetime1">
               <a:rPr lang="fr-FR" smtClean="0"/>
               <a:pPr/>
-              <a:t>18/03/2012</a:t>
+              <a:t>19/03/2012</a:t>
             </a:fld>
             <a:endParaRPr lang="fr-FR" dirty="0"/>
           </a:p>
@@ -4210,7 +4279,7 @@
             <a:fld id="{5272A46D-708F-4429-9728-C0AAA1D8ED70}" type="datetime1">
               <a:rPr lang="fr-FR" smtClean="0"/>
               <a:pPr/>
-              <a:t>18/03/2012</a:t>
+              <a:t>19/03/2012</a:t>
             </a:fld>
             <a:endParaRPr lang="fr-FR" dirty="0"/>
           </a:p>
@@ -4476,7 +4545,7 @@
             <a:fld id="{85176319-0B46-44DD-88B8-E7F3AAD4F2DF}" type="datetime1">
               <a:rPr lang="fr-FR" smtClean="0"/>
               <a:pPr/>
-              <a:t>18/03/2012</a:t>
+              <a:t>19/03/2012</a:t>
             </a:fld>
             <a:endParaRPr lang="fr-FR" dirty="0"/>
           </a:p>
@@ -4852,7 +4921,7 @@
             <a:fld id="{2587345E-05A6-495C-A1A1-170A1A91A394}" type="datetime1">
               <a:rPr lang="fr-FR" smtClean="0"/>
               <a:pPr/>
-              <a:t>18/03/2012</a:t>
+              <a:t>19/03/2012</a:t>
             </a:fld>
             <a:endParaRPr lang="fr-FR" dirty="0"/>
           </a:p>
@@ -4976,7 +5045,7 @@
             <a:fld id="{172809C5-74F0-4FD7-9204-0F8A8FB1929B}" type="datetime1">
               <a:rPr lang="fr-FR" smtClean="0"/>
               <a:pPr/>
-              <a:t>18/03/2012</a:t>
+              <a:t>19/03/2012</a:t>
             </a:fld>
             <a:endParaRPr lang="fr-FR" dirty="0"/>
           </a:p>
@@ -5068,7 +5137,7 @@
             <a:fld id="{7786A093-8429-44F1-808A-11360C2CAA55}" type="datetime1">
               <a:rPr lang="fr-FR" smtClean="0"/>
               <a:pPr/>
-              <a:t>18/03/2012</a:t>
+              <a:t>19/03/2012</a:t>
             </a:fld>
             <a:endParaRPr lang="fr-FR" dirty="0"/>
           </a:p>
@@ -5319,7 +5388,7 @@
             <a:fld id="{FE18F5A1-6F3E-41A1-AC38-A5948C92E970}" type="datetime1">
               <a:rPr lang="fr-FR" smtClean="0"/>
               <a:pPr/>
-              <a:t>18/03/2012</a:t>
+              <a:t>19/03/2012</a:t>
             </a:fld>
             <a:endParaRPr lang="fr-FR" dirty="0"/>
           </a:p>
@@ -5580,7 +5649,7 @@
             <a:fld id="{42D0C6D8-1219-406E-8CD6-FA778B9D3E63}" type="datetime1">
               <a:rPr lang="fr-FR" smtClean="0"/>
               <a:pPr/>
-              <a:t>18/03/2012</a:t>
+              <a:t>19/03/2012</a:t>
             </a:fld>
             <a:endParaRPr lang="fr-FR" dirty="0"/>
           </a:p>
@@ -5986,7 +6055,7 @@
             <a:fld id="{CC7C295D-0E21-434D-B466-C466C8EF3B27}" type="datetime1">
               <a:rPr lang="fr-FR" smtClean="0"/>
               <a:pPr/>
-              <a:t>18/03/2012</a:t>
+              <a:t>19/03/2012</a:t>
             </a:fld>
             <a:endParaRPr lang="fr-FR" dirty="0"/>
           </a:p>
@@ -8181,11 +8250,7 @@
             </a:r>
             <a:r>
               <a:rPr lang="fr-FR" dirty="0" smtClean="0"/>
-              <a:t> </a:t>
-            </a:r>
-            <a:r>
-              <a:rPr lang="fr-FR" dirty="0" smtClean="0"/>
-              <a:t>i7 2 </a:t>
+              <a:t> i7 2 </a:t>
             </a:r>
             <a:r>
               <a:rPr lang="fr-FR" dirty="0" err="1" smtClean="0"/>
@@ -8207,22 +8272,14 @@
             </a:r>
             <a:r>
               <a:rPr lang="fr-FR" dirty="0" smtClean="0"/>
-              <a:t> </a:t>
-            </a:r>
+              <a:t> HD 4650</a:t>
+            </a:r>
+          </a:p>
+          <a:p>
+            <a:pPr lvl="0"/>
             <a:r>
               <a:rPr lang="fr-FR" dirty="0" smtClean="0"/>
-              <a:t>HD 4650</a:t>
-            </a:r>
-          </a:p>
-          <a:p>
-            <a:pPr lvl="0"/>
-            <a:r>
-              <a:rPr lang="fr-FR" dirty="0" smtClean="0"/>
-              <a:t>PC 2 (</a:t>
-            </a:r>
-            <a:r>
-              <a:rPr lang="fr-FR" dirty="0" smtClean="0"/>
-              <a:t>Kevin) </a:t>
+              <a:t>PC 2 (Kevin) </a:t>
             </a:r>
             <a:r>
               <a:rPr lang="fr-FR" dirty="0" err="1" smtClean="0"/>
@@ -8230,11 +8287,7 @@
             </a:r>
             <a:r>
               <a:rPr lang="fr-FR" dirty="0" smtClean="0"/>
-              <a:t> </a:t>
-            </a:r>
-            <a:r>
-              <a:rPr lang="fr-FR" dirty="0" smtClean="0"/>
-              <a:t>2 Duo 2,13 </a:t>
+              <a:t> 2 Duo 2,13 </a:t>
             </a:r>
             <a:r>
               <a:rPr lang="fr-FR" dirty="0" err="1" smtClean="0"/>
@@ -8250,11 +8303,7 @@
             </a:r>
             <a:r>
               <a:rPr lang="fr-FR" dirty="0" smtClean="0"/>
-              <a:t> </a:t>
-            </a:r>
-            <a:r>
-              <a:rPr lang="fr-FR" dirty="0" smtClean="0"/>
-              <a:t>HD 4530</a:t>
+              <a:t> HD 4530</a:t>
             </a:r>
           </a:p>
           <a:p>
@@ -8788,7 +8837,6 @@
               <a:rPr lang="en-US" dirty="0" smtClean="0"/>
               <a:t>Evaluation</a:t>
             </a:r>
-            <a:endParaRPr lang="en-US" dirty="0" smtClean="0"/>
           </a:p>
           <a:p>
             <a:r>
@@ -8878,13 +8926,30 @@
         </p:spPr>
         <p:txBody>
           <a:bodyPr>
-            <a:normAutofit fontScale="92500" lnSpcReduction="20000"/>
+            <a:normAutofit lnSpcReduction="10000"/>
           </a:bodyPr>
           <a:lstStyle/>
           <a:p>
             <a:r>
               <a:rPr lang="en-US" dirty="0" smtClean="0"/>
-              <a:t>Total Execution Time : </a:t>
+              <a:t>Stable and accurate cursor</a:t>
+            </a:r>
+          </a:p>
+          <a:p>
+            <a:r>
+              <a:rPr lang="en-US" dirty="0" smtClean="0"/>
+              <a:t>Hand recognition on par with Kinect Skeleton</a:t>
+            </a:r>
+            <a:endParaRPr lang="en-US" dirty="0" smtClean="0"/>
+          </a:p>
+          <a:p>
+            <a:r>
+              <a:rPr lang="en-US" dirty="0" smtClean="0"/>
+              <a:t>Total </a:t>
+            </a:r>
+            <a:r>
+              <a:rPr lang="en-US" dirty="0" smtClean="0"/>
+              <a:t>Execution Time : </a:t>
             </a:r>
             <a:r>
               <a:rPr lang="en-US" dirty="0" smtClean="0">
@@ -8892,10 +8957,16 @@
                   <a:srgbClr val="FFC000"/>
                 </a:solidFill>
               </a:rPr>
-              <a:t>10 – 18 ms</a:t>
-            </a:r>
-          </a:p>
-          <a:p>
+              <a:t>10 – 18 </a:t>
+            </a:r>
+            <a:r>
+              <a:rPr lang="en-US" dirty="0" smtClean="0">
+                <a:solidFill>
+                  <a:srgbClr val="FFC000"/>
+                </a:solidFill>
+              </a:rPr>
+              <a:t>ms</a:t>
+            </a:r>
             <a:endParaRPr lang="en-US" dirty="0" smtClean="0">
               <a:solidFill>
                 <a:srgbClr val="FFFF00"/>
@@ -8919,14 +8990,11 @@
             <a:pPr lvl="1"/>
             <a:r>
               <a:rPr lang="en-US" dirty="0" smtClean="0"/>
-              <a:t>Usually only both arms and the head are visible</a:t>
-            </a:r>
-          </a:p>
-          <a:p>
-            <a:pPr lvl="1"/>
+              <a:t>One </a:t>
+            </a:r>
             <a:r>
               <a:rPr lang="en-US" dirty="0" smtClean="0"/>
-              <a:t>One blob added for safety considering the noise of </a:t>
+              <a:t>blob added for safety considering the noise of </a:t>
             </a:r>
             <a:r>
               <a:rPr lang="en-US" dirty="0" err="1" smtClean="0"/>
@@ -8934,25 +9002,24 @@
             </a:r>
             <a:r>
               <a:rPr lang="en-US" dirty="0" smtClean="0"/>
-              <a:t> sensors</a:t>
-            </a:r>
-          </a:p>
-          <a:p>
-            <a:pPr lvl="1"/>
+              <a:t> </a:t>
+            </a:r>
+            <a:r>
+              <a:rPr lang="en-US" dirty="0" smtClean="0"/>
+              <a:t>sensors</a:t>
+            </a:r>
             <a:endParaRPr lang="en-US" dirty="0" smtClean="0"/>
           </a:p>
           <a:p>
             <a:r>
               <a:rPr lang="en-US" dirty="0" smtClean="0"/>
-              <a:t>Functional distance : 1m – 2m</a:t>
-            </a:r>
-          </a:p>
-          <a:p>
-            <a:pPr lvl="1"/>
+              <a:t>Functional distance : 1m – </a:t>
+            </a:r>
             <a:r>
               <a:rPr lang="en-US" dirty="0" smtClean="0"/>
-              <a:t>1m is the minimum allowed by the Kinect, 2m was defined as a usability configuration</a:t>
-            </a:r>
+              <a:t>2m</a:t>
+            </a:r>
+            <a:endParaRPr lang="en-US" dirty="0" smtClean="0"/>
           </a:p>
         </p:txBody>
       </p:sp>

--- a/Pr�sentation/Pr�sentation_NUI.pptx
+++ b/Pr�sentation/Pr�sentation_NUI.pptx
@@ -190,13 +190,13 @@
                   <c:v>4.201918</c:v>
                 </c:pt>
                 <c:pt idx="1">
-                  <c:v>1.0630710999999977</c:v>
+                  <c:v>1.0630710999999975</c:v>
                 </c:pt>
                 <c:pt idx="2">
-                  <c:v>0.28386960000000055</c:v>
+                  <c:v>0.28386960000000061</c:v>
                 </c:pt>
                 <c:pt idx="3">
-                  <c:v>0.15299750000000034</c:v>
+                  <c:v>0.15299750000000037</c:v>
                 </c:pt>
                 <c:pt idx="4">
                   <c:v>4.9843000000000103E-2</c:v>
@@ -255,33 +255,33 @@
                 <c:formatCode>General</c:formatCode>
                 <c:ptCount val="6"/>
                 <c:pt idx="0">
-                  <c:v>3.4600000000000143E-5</c:v>
+                  <c:v>3.4600000000000157E-5</c:v>
                 </c:pt>
                 <c:pt idx="1">
-                  <c:v>3.4000000000000142E-5</c:v>
+                  <c:v>3.4000000000000149E-5</c:v>
                 </c:pt>
                 <c:pt idx="2">
-                  <c:v>3.0700000000000123E-5</c:v>
+                  <c:v>3.0700000000000136E-5</c:v>
                 </c:pt>
                 <c:pt idx="3">
-                  <c:v>5.7700000000000278E-5</c:v>
+                  <c:v>5.7700000000000305E-5</c:v>
                 </c:pt>
                 <c:pt idx="4">
-                  <c:v>3.3300000000000125E-5</c:v>
+                  <c:v>3.3300000000000132E-5</c:v>
                 </c:pt>
                 <c:pt idx="5">
-                  <c:v>3.4600000000000143E-5</c:v>
+                  <c:v>3.4600000000000157E-5</c:v>
                 </c:pt>
               </c:numCache>
             </c:numRef>
           </c:val>
         </c:ser>
         <c:marker val="1"/>
-        <c:axId val="81281792"/>
-        <c:axId val="81283328"/>
+        <c:axId val="59724160"/>
+        <c:axId val="59725696"/>
       </c:lineChart>
       <c:catAx>
-        <c:axId val="81281792"/>
+        <c:axId val="59724160"/>
         <c:scaling>
           <c:orientation val="minMax"/>
         </c:scaling>
@@ -297,14 +297,14 @@
             <a:endParaRPr lang="fr-FR"/>
           </a:p>
         </c:txPr>
-        <c:crossAx val="81283328"/>
-        <c:crossesAt val="1.0000000000000047E-5"/>
+        <c:crossAx val="59725696"/>
+        <c:crossesAt val="1.000000000000005E-5"/>
         <c:auto val="1"/>
         <c:lblAlgn val="ctr"/>
         <c:lblOffset val="100"/>
       </c:catAx>
       <c:valAx>
-        <c:axId val="81283328"/>
+        <c:axId val="59725696"/>
         <c:scaling>
           <c:logBase val="10"/>
           <c:orientation val="minMax"/>
@@ -314,7 +314,7 @@
         <c:numFmt formatCode="General" sourceLinked="1"/>
         <c:minorTickMark val="in"/>
         <c:tickLblPos val="nextTo"/>
-        <c:crossAx val="81281792"/>
+        <c:crossAx val="59724160"/>
         <c:crosses val="autoZero"/>
         <c:crossBetween val="between"/>
       </c:valAx>
@@ -342,6 +342,7 @@
 
 <file path=ppt/charts/chart2.xml><?xml version="1.0" encoding="utf-8"?>
 <c:chartSpace xmlns:c="http://schemas.openxmlformats.org/drawingml/2006/chart" xmlns:a="http://schemas.openxmlformats.org/drawingml/2006/main" xmlns:r="http://schemas.openxmlformats.org/officeDocument/2006/relationships">
+  <c:date1904 val="1"/>
   <c:lang val="fr-FR"/>
   <c:chart>
     <c:plotArea>
@@ -391,16 +392,16 @@
                 <c:formatCode>General</c:formatCode>
                 <c:ptCount val="6"/>
                 <c:pt idx="0">
-                  <c:v>0.76500000000000001</c:v>
+                  <c:v>0.76500000000000012</c:v>
                 </c:pt>
                 <c:pt idx="1">
                   <c:v>0.81799999999999995</c:v>
                 </c:pt>
                 <c:pt idx="2">
-                  <c:v>0.72799999999999998</c:v>
+                  <c:v>0.72800000000000009</c:v>
                 </c:pt>
                 <c:pt idx="3">
-                  <c:v>0.61099999999999999</c:v>
+                  <c:v>0.6110000000000001</c:v>
                 </c:pt>
                 <c:pt idx="4">
                   <c:v>0.57099999999999995</c:v>
@@ -434,7 +435,7 @@
                   <c:v>2.92</c:v>
                 </c:pt>
                 <c:pt idx="2">
-                  <c:v>2.4500000000000002</c:v>
+                  <c:v>2.4499999999999997</c:v>
                 </c:pt>
                 <c:pt idx="3">
                   <c:v>3.03</c:v>
@@ -474,7 +475,7 @@
                   <c:v>2.2890000000000001</c:v>
                 </c:pt>
                 <c:pt idx="3">
-                  <c:v>2.351</c:v>
+                  <c:v>2.3509999999999995</c:v>
                 </c:pt>
                 <c:pt idx="4">
                   <c:v>2.0840000000000001</c:v>
@@ -487,25 +488,25 @@
           </c:val>
         </c:ser>
         <c:marker val="1"/>
-        <c:axId val="65650688"/>
-        <c:axId val="65652608"/>
+        <c:axId val="68655744"/>
+        <c:axId val="71573888"/>
       </c:lineChart>
       <c:catAx>
-        <c:axId val="65650688"/>
+        <c:axId val="68655744"/>
         <c:scaling>
           <c:orientation val="minMax"/>
         </c:scaling>
         <c:axPos val="b"/>
         <c:numFmt formatCode="General" sourceLinked="1"/>
         <c:tickLblPos val="nextTo"/>
-        <c:crossAx val="65652608"/>
+        <c:crossAx val="71573888"/>
         <c:crosses val="autoZero"/>
         <c:auto val="1"/>
         <c:lblAlgn val="ctr"/>
         <c:lblOffset val="100"/>
       </c:catAx>
       <c:valAx>
-        <c:axId val="65652608"/>
+        <c:axId val="71573888"/>
         <c:scaling>
           <c:orientation val="minMax"/>
         </c:scaling>
@@ -513,7 +514,7 @@
         <c:majorGridlines/>
         <c:numFmt formatCode="General" sourceLinked="1"/>
         <c:tickLblPos val="nextTo"/>
-        <c:crossAx val="65650688"/>
+        <c:crossAx val="68655744"/>
         <c:crosses val="autoZero"/>
         <c:crossBetween val="between"/>
       </c:valAx>
@@ -740,25 +741,25 @@
           </c:val>
         </c:ser>
         <c:marker val="1"/>
-        <c:axId val="66735488"/>
-        <c:axId val="66737280"/>
+        <c:axId val="71591040"/>
+        <c:axId val="71592576"/>
       </c:lineChart>
       <c:catAx>
-        <c:axId val="66735488"/>
+        <c:axId val="71591040"/>
         <c:scaling>
           <c:orientation val="minMax"/>
         </c:scaling>
         <c:axPos val="b"/>
         <c:numFmt formatCode="General" sourceLinked="1"/>
         <c:tickLblPos val="nextTo"/>
-        <c:crossAx val="66737280"/>
+        <c:crossAx val="71592576"/>
         <c:crosses val="autoZero"/>
         <c:auto val="1"/>
         <c:lblAlgn val="ctr"/>
         <c:lblOffset val="100"/>
       </c:catAx>
       <c:valAx>
-        <c:axId val="66737280"/>
+        <c:axId val="71592576"/>
         <c:scaling>
           <c:orientation val="minMax"/>
         </c:scaling>
@@ -766,7 +767,7 @@
         <c:majorGridlines/>
         <c:numFmt formatCode="General" sourceLinked="1"/>
         <c:tickLblPos val="nextTo"/>
-        <c:crossAx val="66735488"/>
+        <c:crossAx val="71591040"/>
         <c:crosses val="autoZero"/>
         <c:crossBetween val="between"/>
       </c:valAx>
@@ -939,25 +940,25 @@
           </c:val>
         </c:ser>
         <c:marker val="1"/>
-        <c:axId val="66775296"/>
-        <c:axId val="66793472"/>
+        <c:axId val="71643136"/>
+        <c:axId val="71644672"/>
       </c:lineChart>
       <c:catAx>
-        <c:axId val="66775296"/>
+        <c:axId val="71643136"/>
         <c:scaling>
           <c:orientation val="minMax"/>
         </c:scaling>
         <c:axPos val="b"/>
         <c:numFmt formatCode="General" sourceLinked="1"/>
         <c:tickLblPos val="nextTo"/>
-        <c:crossAx val="66793472"/>
+        <c:crossAx val="71644672"/>
         <c:crosses val="autoZero"/>
         <c:auto val="1"/>
         <c:lblAlgn val="ctr"/>
         <c:lblOffset val="100"/>
       </c:catAx>
       <c:valAx>
-        <c:axId val="66793472"/>
+        <c:axId val="71644672"/>
         <c:scaling>
           <c:orientation val="minMax"/>
         </c:scaling>
@@ -965,7 +966,7 @@
         <c:majorGridlines/>
         <c:numFmt formatCode="General" sourceLinked="1"/>
         <c:tickLblPos val="nextTo"/>
-        <c:crossAx val="66775296"/>
+        <c:crossAx val="71643136"/>
         <c:crosses val="autoZero"/>
         <c:crossBetween val="between"/>
       </c:valAx>
@@ -1088,13 +1089,13 @@
                   <c:v>37.531000000000006</c:v>
                 </c:pt>
                 <c:pt idx="3">
-                  <c:v>49.550999999999995</c:v>
+                  <c:v>49.551000000000002</c:v>
                 </c:pt>
                 <c:pt idx="4">
                   <c:v>44.338000000000001</c:v>
                 </c:pt>
                 <c:pt idx="5">
-                  <c:v>57.417000000000002</c:v>
+                  <c:v>57.416999999999994</c:v>
                 </c:pt>
               </c:numCache>
             </c:numRef>
@@ -1116,7 +1117,7 @@
                 <c:formatCode>General</c:formatCode>
                 <c:ptCount val="6"/>
                 <c:pt idx="0">
-                  <c:v>32.128000000000078</c:v>
+                  <c:v>32.128000000000085</c:v>
                 </c:pt>
                 <c:pt idx="1">
                   <c:v>33.488</c:v>
@@ -1138,25 +1139,25 @@
           </c:val>
         </c:ser>
         <c:marker val="1"/>
-        <c:axId val="66806528"/>
-        <c:axId val="66808064"/>
+        <c:axId val="71661824"/>
+        <c:axId val="71671808"/>
       </c:lineChart>
       <c:catAx>
-        <c:axId val="66806528"/>
+        <c:axId val="71661824"/>
         <c:scaling>
           <c:orientation val="minMax"/>
         </c:scaling>
         <c:axPos val="b"/>
         <c:numFmt formatCode="General" sourceLinked="1"/>
         <c:tickLblPos val="nextTo"/>
-        <c:crossAx val="66808064"/>
+        <c:crossAx val="71671808"/>
         <c:crosses val="autoZero"/>
         <c:auto val="1"/>
         <c:lblAlgn val="ctr"/>
         <c:lblOffset val="100"/>
       </c:catAx>
       <c:valAx>
-        <c:axId val="66808064"/>
+        <c:axId val="71671808"/>
         <c:scaling>
           <c:orientation val="minMax"/>
         </c:scaling>
@@ -1164,7 +1165,7 @@
         <c:majorGridlines/>
         <c:numFmt formatCode="General" sourceLinked="1"/>
         <c:tickLblPos val="nextTo"/>
-        <c:crossAx val="66806528"/>
+        <c:crossAx val="71661824"/>
         <c:crosses val="autoZero"/>
         <c:crossBetween val="between"/>
       </c:valAx>
@@ -1276,24 +1277,24 @@
           </c:val>
         </c:ser>
         <c:overlap val="100"/>
-        <c:axId val="66841216"/>
-        <c:axId val="66851200"/>
+        <c:axId val="71700864"/>
+        <c:axId val="71702400"/>
       </c:barChart>
       <c:catAx>
-        <c:axId val="66841216"/>
+        <c:axId val="71700864"/>
         <c:scaling>
           <c:orientation val="minMax"/>
         </c:scaling>
         <c:axPos val="b"/>
         <c:tickLblPos val="nextTo"/>
-        <c:crossAx val="66851200"/>
+        <c:crossAx val="71702400"/>
         <c:crosses val="autoZero"/>
         <c:auto val="1"/>
         <c:lblAlgn val="ctr"/>
         <c:lblOffset val="100"/>
       </c:catAx>
       <c:valAx>
-        <c:axId val="66851200"/>
+        <c:axId val="71702400"/>
         <c:scaling>
           <c:orientation val="minMax"/>
         </c:scaling>
@@ -1301,7 +1302,7 @@
         <c:majorGridlines/>
         <c:numFmt formatCode="General" sourceLinked="1"/>
         <c:tickLblPos val="nextTo"/>
-        <c:crossAx val="66841216"/>
+        <c:crossAx val="71700864"/>
         <c:crosses val="autoZero"/>
         <c:crossBetween val="between"/>
       </c:valAx>
@@ -1421,24 +1422,24 @@
             </c:numRef>
           </c:val>
         </c:ser>
-        <c:axId val="66892544"/>
-        <c:axId val="66894080"/>
+        <c:axId val="71756032"/>
+        <c:axId val="71761920"/>
       </c:barChart>
       <c:catAx>
-        <c:axId val="66892544"/>
+        <c:axId val="71756032"/>
         <c:scaling>
           <c:orientation val="minMax"/>
         </c:scaling>
         <c:axPos val="b"/>
         <c:tickLblPos val="nextTo"/>
-        <c:crossAx val="66894080"/>
+        <c:crossAx val="71761920"/>
         <c:crosses val="autoZero"/>
         <c:auto val="1"/>
         <c:lblAlgn val="ctr"/>
         <c:lblOffset val="100"/>
       </c:catAx>
       <c:valAx>
-        <c:axId val="66894080"/>
+        <c:axId val="71761920"/>
         <c:scaling>
           <c:orientation val="minMax"/>
         </c:scaling>
@@ -1446,7 +1447,7 @@
         <c:majorGridlines/>
         <c:numFmt formatCode="General" sourceLinked="1"/>
         <c:tickLblPos val="nextTo"/>
-        <c:crossAx val="66892544"/>
+        <c:crossAx val="71756032"/>
         <c:crosses val="autoZero"/>
         <c:crossBetween val="between"/>
       </c:valAx>
@@ -1566,25 +1567,25 @@
             </c:numRef>
           </c:val>
         </c:ser>
-        <c:axId val="67897600"/>
-        <c:axId val="67907584"/>
+        <c:axId val="71786496"/>
+        <c:axId val="71788032"/>
       </c:barChart>
       <c:catAx>
-        <c:axId val="67897600"/>
+        <c:axId val="71786496"/>
         <c:scaling>
           <c:orientation val="minMax"/>
         </c:scaling>
         <c:axPos val="b"/>
         <c:numFmt formatCode="General" sourceLinked="1"/>
         <c:tickLblPos val="nextTo"/>
-        <c:crossAx val="67907584"/>
+        <c:crossAx val="71788032"/>
         <c:crosses val="autoZero"/>
         <c:auto val="1"/>
         <c:lblAlgn val="ctr"/>
         <c:lblOffset val="100"/>
       </c:catAx>
       <c:valAx>
-        <c:axId val="67907584"/>
+        <c:axId val="71788032"/>
         <c:scaling>
           <c:orientation val="minMax"/>
         </c:scaling>
@@ -1592,7 +1593,7 @@
         <c:majorGridlines/>
         <c:numFmt formatCode="General" sourceLinked="1"/>
         <c:tickLblPos val="nextTo"/>
-        <c:crossAx val="67897600"/>
+        <c:crossAx val="71786496"/>
         <c:crosses val="autoZero"/>
         <c:crossBetween val="between"/>
       </c:valAx>
@@ -8940,16 +8941,11 @@
               <a:rPr lang="en-US" dirty="0" smtClean="0"/>
               <a:t>Hand recognition on par with Kinect Skeleton</a:t>
             </a:r>
-            <a:endParaRPr lang="en-US" dirty="0" smtClean="0"/>
           </a:p>
           <a:p>
             <a:r>
               <a:rPr lang="en-US" dirty="0" smtClean="0"/>
-              <a:t>Total </a:t>
-            </a:r>
-            <a:r>
-              <a:rPr lang="en-US" dirty="0" smtClean="0"/>
-              <a:t>Execution Time : </a:t>
+              <a:t>Total Execution Time : </a:t>
             </a:r>
             <a:r>
               <a:rPr lang="en-US" dirty="0" smtClean="0">
@@ -8957,15 +8953,7 @@
                   <a:srgbClr val="FFC000"/>
                 </a:solidFill>
               </a:rPr>
-              <a:t>10 – 18 </a:t>
-            </a:r>
-            <a:r>
-              <a:rPr lang="en-US" dirty="0" smtClean="0">
-                <a:solidFill>
-                  <a:srgbClr val="FFC000"/>
-                </a:solidFill>
-              </a:rPr>
-              <a:t>ms</a:t>
+              <a:t>10 – 18 ms</a:t>
             </a:r>
             <a:endParaRPr lang="en-US" dirty="0" smtClean="0">
               <a:solidFill>
@@ -8990,11 +8978,7 @@
             <a:pPr lvl="1"/>
             <a:r>
               <a:rPr lang="en-US" dirty="0" smtClean="0"/>
-              <a:t>One </a:t>
-            </a:r>
-            <a:r>
-              <a:rPr lang="en-US" dirty="0" smtClean="0"/>
-              <a:t>blob added for safety considering the noise of </a:t>
+              <a:t>One blob added for safety considering the noise of </a:t>
             </a:r>
             <a:r>
               <a:rPr lang="en-US" dirty="0" err="1" smtClean="0"/>
@@ -9002,24 +8986,14 @@
             </a:r>
             <a:r>
               <a:rPr lang="en-US" dirty="0" smtClean="0"/>
-              <a:t> </a:t>
-            </a:r>
+              <a:t> sensors</a:t>
+            </a:r>
+          </a:p>
+          <a:p>
             <a:r>
               <a:rPr lang="en-US" dirty="0" smtClean="0"/>
-              <a:t>sensors</a:t>
-            </a:r>
-            <a:endParaRPr lang="en-US" dirty="0" smtClean="0"/>
-          </a:p>
-          <a:p>
-            <a:r>
-              <a:rPr lang="en-US" dirty="0" smtClean="0"/>
-              <a:t>Functional distance : 1m – </a:t>
-            </a:r>
-            <a:r>
-              <a:rPr lang="en-US" dirty="0" smtClean="0"/>
-              <a:t>2m</a:t>
-            </a:r>
-            <a:endParaRPr lang="en-US" dirty="0" smtClean="0"/>
+              <a:t>Functional distance : 1m – 2m</a:t>
+            </a:r>
           </a:p>
         </p:txBody>
       </p:sp>

--- a/Pr�sentation/Pr�sentation_NUI.pptx
+++ b/Pr�sentation/Pr�sentation_NUI.pptx
@@ -5,7 +5,7 @@
     <p:sldMasterId id="2147483684" r:id="rId1"/>
   </p:sldMasterIdLst>
   <p:notesMasterIdLst>
-    <p:notesMasterId r:id="rId24"/>
+    <p:notesMasterId r:id="rId27"/>
   </p:notesMasterIdLst>
   <p:sldIdLst>
     <p:sldId id="256" r:id="rId2"/>
@@ -21,15 +21,18 @@
     <p:sldId id="267" r:id="rId12"/>
     <p:sldId id="266" r:id="rId13"/>
     <p:sldId id="271" r:id="rId14"/>
-    <p:sldId id="272" r:id="rId15"/>
-    <p:sldId id="273" r:id="rId16"/>
-    <p:sldId id="274" r:id="rId17"/>
-    <p:sldId id="275" r:id="rId18"/>
-    <p:sldId id="276" r:id="rId19"/>
-    <p:sldId id="277" r:id="rId20"/>
-    <p:sldId id="262" r:id="rId21"/>
-    <p:sldId id="265" r:id="rId22"/>
-    <p:sldId id="268" r:id="rId23"/>
+    <p:sldId id="280" r:id="rId15"/>
+    <p:sldId id="272" r:id="rId16"/>
+    <p:sldId id="273" r:id="rId17"/>
+    <p:sldId id="278" r:id="rId18"/>
+    <p:sldId id="274" r:id="rId19"/>
+    <p:sldId id="279" r:id="rId20"/>
+    <p:sldId id="275" r:id="rId21"/>
+    <p:sldId id="276" r:id="rId22"/>
+    <p:sldId id="277" r:id="rId23"/>
+    <p:sldId id="262" r:id="rId24"/>
+    <p:sldId id="265" r:id="rId25"/>
+    <p:sldId id="268" r:id="rId26"/>
   </p:sldIdLst>
   <p:sldSz cx="9144000" cy="6858000" type="screen4x3"/>
   <p:notesSz cx="6858000" cy="9144000"/>
@@ -190,13 +193,13 @@
                   <c:v>4.201918</c:v>
                 </c:pt>
                 <c:pt idx="1">
-                  <c:v>1.0630710999999975</c:v>
+                  <c:v>1.0630710999999973</c:v>
                 </c:pt>
                 <c:pt idx="2">
-                  <c:v>0.28386960000000061</c:v>
+                  <c:v>0.28386960000000067</c:v>
                 </c:pt>
                 <c:pt idx="3">
-                  <c:v>0.15299750000000037</c:v>
+                  <c:v>0.15299750000000042</c:v>
                 </c:pt>
                 <c:pt idx="4">
                   <c:v>4.9843000000000103E-2</c:v>
@@ -255,33 +258,33 @@
                 <c:formatCode>General</c:formatCode>
                 <c:ptCount val="6"/>
                 <c:pt idx="0">
-                  <c:v>3.4600000000000157E-5</c:v>
+                  <c:v>3.460000000000017E-5</c:v>
                 </c:pt>
                 <c:pt idx="1">
-                  <c:v>3.4000000000000149E-5</c:v>
+                  <c:v>3.4000000000000162E-5</c:v>
                 </c:pt>
                 <c:pt idx="2">
-                  <c:v>3.0700000000000136E-5</c:v>
+                  <c:v>3.0700000000000143E-5</c:v>
                 </c:pt>
                 <c:pt idx="3">
-                  <c:v>5.7700000000000305E-5</c:v>
+                  <c:v>5.7700000000000332E-5</c:v>
                 </c:pt>
                 <c:pt idx="4">
-                  <c:v>3.3300000000000132E-5</c:v>
+                  <c:v>3.3300000000000139E-5</c:v>
                 </c:pt>
                 <c:pt idx="5">
-                  <c:v>3.4600000000000157E-5</c:v>
+                  <c:v>3.460000000000017E-5</c:v>
                 </c:pt>
               </c:numCache>
             </c:numRef>
           </c:val>
         </c:ser>
         <c:marker val="1"/>
-        <c:axId val="59724160"/>
-        <c:axId val="59725696"/>
+        <c:axId val="68506368"/>
+        <c:axId val="68507904"/>
       </c:lineChart>
       <c:catAx>
-        <c:axId val="59724160"/>
+        <c:axId val="68506368"/>
         <c:scaling>
           <c:orientation val="minMax"/>
         </c:scaling>
@@ -297,14 +300,14 @@
             <a:endParaRPr lang="fr-FR"/>
           </a:p>
         </c:txPr>
-        <c:crossAx val="59725696"/>
-        <c:crossesAt val="1.000000000000005E-5"/>
+        <c:crossAx val="68507904"/>
+        <c:crossesAt val="1.0000000000000053E-5"/>
         <c:auto val="1"/>
         <c:lblAlgn val="ctr"/>
         <c:lblOffset val="100"/>
       </c:catAx>
       <c:valAx>
-        <c:axId val="59725696"/>
+        <c:axId val="68507904"/>
         <c:scaling>
           <c:logBase val="10"/>
           <c:orientation val="minMax"/>
@@ -314,7 +317,7 @@
         <c:numFmt formatCode="General" sourceLinked="1"/>
         <c:minorTickMark val="in"/>
         <c:tickLblPos val="nextTo"/>
-        <c:crossAx val="59724160"/>
+        <c:crossAx val="68506368"/>
         <c:crosses val="autoZero"/>
         <c:crossBetween val="between"/>
       </c:valAx>
@@ -392,16 +395,16 @@
                 <c:formatCode>General</c:formatCode>
                 <c:ptCount val="6"/>
                 <c:pt idx="0">
-                  <c:v>0.76500000000000012</c:v>
+                  <c:v>0.76500000000000024</c:v>
                 </c:pt>
                 <c:pt idx="1">
                   <c:v>0.81799999999999995</c:v>
                 </c:pt>
                 <c:pt idx="2">
-                  <c:v>0.72800000000000009</c:v>
+                  <c:v>0.7280000000000002</c:v>
                 </c:pt>
                 <c:pt idx="3">
-                  <c:v>0.6110000000000001</c:v>
+                  <c:v>0.61100000000000021</c:v>
                 </c:pt>
                 <c:pt idx="4">
                   <c:v>0.57099999999999995</c:v>
@@ -419,6 +422,13 @@
           <c:tx>
             <c:v>Kinect Hands</c:v>
           </c:tx>
+          <c:spPr>
+            <a:ln>
+              <a:solidFill>
+                <a:srgbClr val="FFFF00"/>
+              </a:solidFill>
+            </a:ln>
+          </c:spPr>
           <c:marker>
             <c:symbol val="none"/>
           </c:marker>
@@ -456,6 +466,13 @@
           <c:tx>
             <c:v>Kinect Skeleton</c:v>
           </c:tx>
+          <c:spPr>
+            <a:ln>
+              <a:solidFill>
+                <a:srgbClr val="FF0000"/>
+              </a:solidFill>
+            </a:ln>
+          </c:spPr>
           <c:marker>
             <c:symbol val="none"/>
           </c:marker>
@@ -475,38 +492,38 @@
                   <c:v>2.2890000000000001</c:v>
                 </c:pt>
                 <c:pt idx="3">
-                  <c:v>2.3509999999999995</c:v>
+                  <c:v>2.3509999999999991</c:v>
                 </c:pt>
                 <c:pt idx="4">
                   <c:v>2.0840000000000001</c:v>
                 </c:pt>
                 <c:pt idx="5">
-                  <c:v>1.7749999999999999</c:v>
+                  <c:v>1.7749999999999995</c:v>
                 </c:pt>
               </c:numCache>
             </c:numRef>
           </c:val>
         </c:ser>
         <c:marker val="1"/>
-        <c:axId val="68655744"/>
-        <c:axId val="71573888"/>
+        <c:axId val="77156352"/>
+        <c:axId val="77159040"/>
       </c:lineChart>
       <c:catAx>
-        <c:axId val="68655744"/>
+        <c:axId val="77156352"/>
         <c:scaling>
           <c:orientation val="minMax"/>
         </c:scaling>
         <c:axPos val="b"/>
         <c:numFmt formatCode="General" sourceLinked="1"/>
         <c:tickLblPos val="nextTo"/>
-        <c:crossAx val="71573888"/>
+        <c:crossAx val="77159040"/>
         <c:crosses val="autoZero"/>
         <c:auto val="1"/>
         <c:lblAlgn val="ctr"/>
         <c:lblOffset val="100"/>
       </c:catAx>
       <c:valAx>
-        <c:axId val="71573888"/>
+        <c:axId val="77159040"/>
         <c:scaling>
           <c:orientation val="minMax"/>
         </c:scaling>
@@ -514,7 +531,7 @@
         <c:majorGridlines/>
         <c:numFmt formatCode="General" sourceLinked="1"/>
         <c:tickLblPos val="nextTo"/>
-        <c:crossAx val="68655744"/>
+        <c:crossAx val="77156352"/>
         <c:crosses val="autoZero"/>
         <c:crossBetween val="between"/>
       </c:valAx>
@@ -682,6 +699,13 @@
           <c:tx>
             <c:v>Kinect Skeleton</c:v>
           </c:tx>
+          <c:spPr>
+            <a:ln>
+              <a:solidFill>
+                <a:srgbClr val="FF0000"/>
+              </a:solidFill>
+            </a:ln>
+          </c:spPr>
           <c:marker>
             <c:symbol val="none"/>
           </c:marker>
@@ -741,25 +765,25 @@
           </c:val>
         </c:ser>
         <c:marker val="1"/>
-        <c:axId val="71591040"/>
-        <c:axId val="71592576"/>
+        <c:axId val="63339904"/>
+        <c:axId val="63355904"/>
       </c:lineChart>
       <c:catAx>
-        <c:axId val="71591040"/>
+        <c:axId val="63339904"/>
         <c:scaling>
           <c:orientation val="minMax"/>
         </c:scaling>
         <c:axPos val="b"/>
         <c:numFmt formatCode="General" sourceLinked="1"/>
         <c:tickLblPos val="nextTo"/>
-        <c:crossAx val="71592576"/>
+        <c:crossAx val="63355904"/>
         <c:crosses val="autoZero"/>
         <c:auto val="1"/>
         <c:lblAlgn val="ctr"/>
         <c:lblOffset val="100"/>
       </c:catAx>
       <c:valAx>
-        <c:axId val="71592576"/>
+        <c:axId val="63355904"/>
         <c:scaling>
           <c:orientation val="minMax"/>
         </c:scaling>
@@ -767,7 +791,7 @@
         <c:majorGridlines/>
         <c:numFmt formatCode="General" sourceLinked="1"/>
         <c:tickLblPos val="nextTo"/>
-        <c:crossAx val="71591040"/>
+        <c:crossAx val="63339904"/>
         <c:crosses val="autoZero"/>
         <c:crossBetween val="between"/>
       </c:valAx>
@@ -908,6 +932,13 @@
           <c:tx>
             <c:v>Kinect Skeleton</c:v>
           </c:tx>
+          <c:spPr>
+            <a:ln>
+              <a:solidFill>
+                <a:srgbClr val="FF0000"/>
+              </a:solidFill>
+            </a:ln>
+          </c:spPr>
           <c:marker>
             <c:symbol val="none"/>
           </c:marker>
@@ -940,25 +971,25 @@
           </c:val>
         </c:ser>
         <c:marker val="1"/>
-        <c:axId val="71643136"/>
-        <c:axId val="71644672"/>
+        <c:axId val="67591552"/>
+        <c:axId val="77478528"/>
       </c:lineChart>
       <c:catAx>
-        <c:axId val="71643136"/>
+        <c:axId val="67591552"/>
         <c:scaling>
           <c:orientation val="minMax"/>
         </c:scaling>
         <c:axPos val="b"/>
         <c:numFmt formatCode="General" sourceLinked="1"/>
         <c:tickLblPos val="nextTo"/>
-        <c:crossAx val="71644672"/>
+        <c:crossAx val="77478528"/>
         <c:crosses val="autoZero"/>
         <c:auto val="1"/>
         <c:lblAlgn val="ctr"/>
         <c:lblOffset val="100"/>
       </c:catAx>
       <c:valAx>
-        <c:axId val="71644672"/>
+        <c:axId val="77478528"/>
         <c:scaling>
           <c:orientation val="minMax"/>
         </c:scaling>
@@ -966,7 +997,7 @@
         <c:majorGridlines/>
         <c:numFmt formatCode="General" sourceLinked="1"/>
         <c:tickLblPos val="nextTo"/>
-        <c:crossAx val="71643136"/>
+        <c:crossAx val="67591552"/>
         <c:crosses val="autoZero"/>
         <c:crossBetween val="between"/>
       </c:valAx>
@@ -1089,13 +1120,13 @@
                   <c:v>37.531000000000006</c:v>
                 </c:pt>
                 <c:pt idx="3">
-                  <c:v>49.551000000000002</c:v>
+                  <c:v>49.550999999999995</c:v>
                 </c:pt>
                 <c:pt idx="4">
                   <c:v>44.338000000000001</c:v>
                 </c:pt>
                 <c:pt idx="5">
-                  <c:v>57.416999999999994</c:v>
+                  <c:v>57.417000000000002</c:v>
                 </c:pt>
               </c:numCache>
             </c:numRef>
@@ -1107,6 +1138,13 @@
           <c:tx>
             <c:v>Kinect Skeleton</c:v>
           </c:tx>
+          <c:spPr>
+            <a:ln>
+              <a:solidFill>
+                <a:srgbClr val="FF0000"/>
+              </a:solidFill>
+            </a:ln>
+          </c:spPr>
           <c:marker>
             <c:symbol val="none"/>
           </c:marker>
@@ -1117,7 +1155,7 @@
                 <c:formatCode>General</c:formatCode>
                 <c:ptCount val="6"/>
                 <c:pt idx="0">
-                  <c:v>32.128000000000085</c:v>
+                  <c:v>32.128000000000107</c:v>
                 </c:pt>
                 <c:pt idx="1">
                   <c:v>33.488</c:v>
@@ -1139,25 +1177,25 @@
           </c:val>
         </c:ser>
         <c:marker val="1"/>
-        <c:axId val="71661824"/>
-        <c:axId val="71671808"/>
+        <c:axId val="77675136"/>
+        <c:axId val="77683712"/>
       </c:lineChart>
       <c:catAx>
-        <c:axId val="71661824"/>
+        <c:axId val="77675136"/>
         <c:scaling>
           <c:orientation val="minMax"/>
         </c:scaling>
         <c:axPos val="b"/>
         <c:numFmt formatCode="General" sourceLinked="1"/>
         <c:tickLblPos val="nextTo"/>
-        <c:crossAx val="71671808"/>
+        <c:crossAx val="77683712"/>
         <c:crosses val="autoZero"/>
         <c:auto val="1"/>
         <c:lblAlgn val="ctr"/>
         <c:lblOffset val="100"/>
       </c:catAx>
       <c:valAx>
-        <c:axId val="71671808"/>
+        <c:axId val="77683712"/>
         <c:scaling>
           <c:orientation val="minMax"/>
         </c:scaling>
@@ -1165,7 +1203,7 @@
         <c:majorGridlines/>
         <c:numFmt formatCode="General" sourceLinked="1"/>
         <c:tickLblPos val="nextTo"/>
-        <c:crossAx val="71661824"/>
+        <c:crossAx val="77675136"/>
         <c:crosses val="autoZero"/>
         <c:crossBetween val="between"/>
       </c:valAx>
@@ -1277,24 +1315,24 @@
           </c:val>
         </c:ser>
         <c:overlap val="100"/>
-        <c:axId val="71700864"/>
-        <c:axId val="71702400"/>
+        <c:axId val="67706880"/>
+        <c:axId val="67708416"/>
       </c:barChart>
       <c:catAx>
-        <c:axId val="71700864"/>
+        <c:axId val="67706880"/>
         <c:scaling>
           <c:orientation val="minMax"/>
         </c:scaling>
         <c:axPos val="b"/>
         <c:tickLblPos val="nextTo"/>
-        <c:crossAx val="71702400"/>
+        <c:crossAx val="67708416"/>
         <c:crosses val="autoZero"/>
         <c:auto val="1"/>
         <c:lblAlgn val="ctr"/>
         <c:lblOffset val="100"/>
       </c:catAx>
       <c:valAx>
-        <c:axId val="71702400"/>
+        <c:axId val="67708416"/>
         <c:scaling>
           <c:orientation val="minMax"/>
         </c:scaling>
@@ -1302,7 +1340,7 @@
         <c:majorGridlines/>
         <c:numFmt formatCode="General" sourceLinked="1"/>
         <c:tickLblPos val="nextTo"/>
-        <c:crossAx val="71700864"/>
+        <c:crossAx val="67706880"/>
         <c:crosses val="autoZero"/>
         <c:crossBetween val="between"/>
       </c:valAx>
@@ -1422,24 +1460,24 @@
             </c:numRef>
           </c:val>
         </c:ser>
-        <c:axId val="71756032"/>
-        <c:axId val="71761920"/>
+        <c:axId val="67757952"/>
+        <c:axId val="67759488"/>
       </c:barChart>
       <c:catAx>
-        <c:axId val="71756032"/>
+        <c:axId val="67757952"/>
         <c:scaling>
           <c:orientation val="minMax"/>
         </c:scaling>
         <c:axPos val="b"/>
         <c:tickLblPos val="nextTo"/>
-        <c:crossAx val="71761920"/>
+        <c:crossAx val="67759488"/>
         <c:crosses val="autoZero"/>
         <c:auto val="1"/>
         <c:lblAlgn val="ctr"/>
         <c:lblOffset val="100"/>
       </c:catAx>
       <c:valAx>
-        <c:axId val="71761920"/>
+        <c:axId val="67759488"/>
         <c:scaling>
           <c:orientation val="minMax"/>
         </c:scaling>
@@ -1447,7 +1485,7 @@
         <c:majorGridlines/>
         <c:numFmt formatCode="General" sourceLinked="1"/>
         <c:tickLblPos val="nextTo"/>
-        <c:crossAx val="71756032"/>
+        <c:crossAx val="67757952"/>
         <c:crosses val="autoZero"/>
         <c:crossBetween val="between"/>
       </c:valAx>
@@ -1567,25 +1605,25 @@
             </c:numRef>
           </c:val>
         </c:ser>
-        <c:axId val="71786496"/>
-        <c:axId val="71788032"/>
+        <c:axId val="67771776"/>
+        <c:axId val="67789952"/>
       </c:barChart>
       <c:catAx>
-        <c:axId val="71786496"/>
+        <c:axId val="67771776"/>
         <c:scaling>
           <c:orientation val="minMax"/>
         </c:scaling>
         <c:axPos val="b"/>
         <c:numFmt formatCode="General" sourceLinked="1"/>
         <c:tickLblPos val="nextTo"/>
-        <c:crossAx val="71788032"/>
+        <c:crossAx val="67789952"/>
         <c:crosses val="autoZero"/>
         <c:auto val="1"/>
         <c:lblAlgn val="ctr"/>
         <c:lblOffset val="100"/>
       </c:catAx>
       <c:valAx>
-        <c:axId val="71788032"/>
+        <c:axId val="67789952"/>
         <c:scaling>
           <c:orientation val="minMax"/>
         </c:scaling>
@@ -1593,7 +1631,7 @@
         <c:majorGridlines/>
         <c:numFmt formatCode="General" sourceLinked="1"/>
         <c:tickLblPos val="nextTo"/>
-        <c:crossAx val="71786496"/>
+        <c:crossAx val="67771776"/>
         <c:crosses val="autoZero"/>
         <c:crossBetween val="between"/>
       </c:valAx>
@@ -2705,13 +2743,13 @@
         <p:spPr/>
         <p:txBody>
           <a:bodyPr>
-            <a:normAutofit lnSpcReduction="10000"/>
+            <a:normAutofit/>
           </a:bodyPr>
           <a:lstStyle/>
           <a:p>
             <a:r>
               <a:rPr lang="fr-FR" dirty="0" err="1" smtClean="0"/>
-              <a:t>Precise</a:t>
+              <a:t>Make</a:t>
             </a:r>
             <a:r>
               <a:rPr lang="fr-FR" dirty="0" smtClean="0"/>
@@ -2719,71 +2757,19 @@
             </a:r>
             <a:r>
               <a:rPr lang="fr-FR" dirty="0" err="1" smtClean="0"/>
-              <a:t>what</a:t>
+              <a:t>some</a:t>
             </a:r>
             <a:r>
               <a:rPr lang="fr-FR" dirty="0" smtClean="0"/>
-              <a:t> are to </a:t>
+              <a:t> </a:t>
             </a:r>
             <a:r>
               <a:rPr lang="fr-FR" dirty="0" err="1" smtClean="0"/>
-              <a:t>strong</a:t>
-            </a:r>
-            <a:r>
-              <a:rPr lang="fr-FR" baseline="0" dirty="0" smtClean="0"/>
-              <a:t> and </a:t>
-            </a:r>
-            <a:r>
-              <a:rPr lang="fr-FR" baseline="0" dirty="0" err="1" smtClean="0"/>
-              <a:t>weak</a:t>
-            </a:r>
-            <a:r>
-              <a:rPr lang="fr-FR" baseline="0" dirty="0" smtClean="0"/>
-              <a:t> points of </a:t>
-            </a:r>
-            <a:r>
-              <a:rPr lang="fr-FR" baseline="0" dirty="0" err="1" smtClean="0"/>
-              <a:t>our</a:t>
-            </a:r>
-            <a:r>
-              <a:rPr lang="fr-FR" baseline="0" dirty="0" smtClean="0"/>
-              <a:t> </a:t>
-            </a:r>
-            <a:r>
-              <a:rPr lang="fr-FR" baseline="0" dirty="0" err="1" smtClean="0"/>
-              <a:t>method</a:t>
-            </a:r>
-            <a:r>
-              <a:rPr lang="fr-FR" baseline="0" dirty="0" smtClean="0"/>
-              <a:t>, the limitations and </a:t>
-            </a:r>
-            <a:r>
-              <a:rPr lang="fr-FR" baseline="0" dirty="0" err="1" smtClean="0"/>
-              <a:t>so</a:t>
-            </a:r>
-            <a:r>
-              <a:rPr lang="fr-FR" baseline="0" dirty="0" smtClean="0"/>
-              <a:t> on</a:t>
-            </a:r>
-          </a:p>
-          <a:p>
-            <a:r>
-              <a:rPr lang="fr-FR" baseline="0" dirty="0" smtClean="0"/>
-              <a:t>La plage d’</a:t>
-            </a:r>
-            <a:r>
-              <a:rPr lang="fr-FR" baseline="0" dirty="0" err="1" smtClean="0"/>
-              <a:t>usabilité</a:t>
-            </a:r>
-            <a:r>
-              <a:rPr lang="fr-FR" baseline="0" dirty="0" smtClean="0"/>
-              <a:t>, les moments où c’est complètement good ou complètement foireux</a:t>
-            </a:r>
-          </a:p>
-          <a:p>
-            <a:r>
-              <a:rPr lang="fr-FR" baseline="0" dirty="0" smtClean="0"/>
-              <a:t>Graph : précision en fonction de la distance ?</a:t>
+              <a:t>video</a:t>
+            </a:r>
+            <a:r>
+              <a:rPr lang="fr-FR" dirty="0" smtClean="0"/>
+              <a:t> où on utilise le truc</a:t>
             </a:r>
             <a:endParaRPr lang="fr-FR" dirty="0"/>
           </a:p>
@@ -2807,7 +2793,7 @@
             <a:fld id="{2AC8731D-2D87-440C-8698-DB210FC0FD5A}" type="slidenum">
               <a:rPr lang="fr-FR" smtClean="0"/>
               <a:pPr/>
-              <a:t>20</a:t>
+              <a:t>21</a:t>
             </a:fld>
             <a:endParaRPr lang="fr-FR"/>
           </a:p>
@@ -2863,29 +2849,85 @@
         <p:spPr/>
         <p:txBody>
           <a:bodyPr>
-            <a:normAutofit/>
+            <a:normAutofit lnSpcReduction="10000"/>
           </a:bodyPr>
           <a:lstStyle/>
           <a:p>
             <a:r>
+              <a:rPr lang="fr-FR" dirty="0" err="1" smtClean="0"/>
+              <a:t>Precise</a:t>
+            </a:r>
+            <a:r>
               <a:rPr lang="fr-FR" dirty="0" smtClean="0"/>
-              <a:t>Mettre les </a:t>
+              <a:t> </a:t>
             </a:r>
             <a:r>
               <a:rPr lang="fr-FR" dirty="0" err="1" smtClean="0"/>
-              <a:t>specs</a:t>
+              <a:t>what</a:t>
             </a:r>
             <a:r>
               <a:rPr lang="fr-FR" dirty="0" smtClean="0"/>
-              <a:t> « </a:t>
+              <a:t> are to </a:t>
             </a:r>
             <a:r>
               <a:rPr lang="fr-FR" dirty="0" err="1" smtClean="0"/>
-              <a:t>rumors</a:t>
-            </a:r>
-            <a:r>
-              <a:rPr lang="fr-FR" dirty="0" smtClean="0"/>
-              <a:t> » de la Kinect 2 (pour le fun)</a:t>
+              <a:t>strong</a:t>
+            </a:r>
+            <a:r>
+              <a:rPr lang="fr-FR" baseline="0" dirty="0" smtClean="0"/>
+              <a:t> and </a:t>
+            </a:r>
+            <a:r>
+              <a:rPr lang="fr-FR" baseline="0" dirty="0" err="1" smtClean="0"/>
+              <a:t>weak</a:t>
+            </a:r>
+            <a:r>
+              <a:rPr lang="fr-FR" baseline="0" dirty="0" smtClean="0"/>
+              <a:t> points of </a:t>
+            </a:r>
+            <a:r>
+              <a:rPr lang="fr-FR" baseline="0" dirty="0" err="1" smtClean="0"/>
+              <a:t>our</a:t>
+            </a:r>
+            <a:r>
+              <a:rPr lang="fr-FR" baseline="0" dirty="0" smtClean="0"/>
+              <a:t> </a:t>
+            </a:r>
+            <a:r>
+              <a:rPr lang="fr-FR" baseline="0" dirty="0" err="1" smtClean="0"/>
+              <a:t>method</a:t>
+            </a:r>
+            <a:r>
+              <a:rPr lang="fr-FR" baseline="0" dirty="0" smtClean="0"/>
+              <a:t>, the limitations and </a:t>
+            </a:r>
+            <a:r>
+              <a:rPr lang="fr-FR" baseline="0" dirty="0" err="1" smtClean="0"/>
+              <a:t>so</a:t>
+            </a:r>
+            <a:r>
+              <a:rPr lang="fr-FR" baseline="0" dirty="0" smtClean="0"/>
+              <a:t> on</a:t>
+            </a:r>
+          </a:p>
+          <a:p>
+            <a:r>
+              <a:rPr lang="fr-FR" baseline="0" dirty="0" smtClean="0"/>
+              <a:t>La plage d’</a:t>
+            </a:r>
+            <a:r>
+              <a:rPr lang="fr-FR" baseline="0" dirty="0" err="1" smtClean="0"/>
+              <a:t>usabilité</a:t>
+            </a:r>
+            <a:r>
+              <a:rPr lang="fr-FR" baseline="0" dirty="0" smtClean="0"/>
+              <a:t>, les moments où c’est complètement good ou complètement foireux</a:t>
+            </a:r>
+          </a:p>
+          <a:p>
+            <a:r>
+              <a:rPr lang="fr-FR" baseline="0" dirty="0" smtClean="0"/>
+              <a:t>Graph : précision en fonction de la distance ?</a:t>
             </a:r>
             <a:endParaRPr lang="fr-FR" dirty="0"/>
           </a:p>
@@ -2909,7 +2951,109 @@
             <a:fld id="{2AC8731D-2D87-440C-8698-DB210FC0FD5A}" type="slidenum">
               <a:rPr lang="fr-FR" smtClean="0"/>
               <a:pPr/>
-              <a:t>21</a:t>
+              <a:t>23</a:t>
+            </a:fld>
+            <a:endParaRPr lang="fr-FR"/>
+          </a:p>
+        </p:txBody>
+      </p:sp>
+    </p:spTree>
+  </p:cSld>
+  <p:clrMapOvr>
+    <a:masterClrMapping/>
+  </p:clrMapOvr>
+</p:notes>
+</file>
+
+<file path=ppt/notesSlides/notesSlide8.xml><?xml version="1.0" encoding="utf-8"?>
+<p:notes xmlns:a="http://schemas.openxmlformats.org/drawingml/2006/main" xmlns:r="http://schemas.openxmlformats.org/officeDocument/2006/relationships" xmlns:p="http://schemas.openxmlformats.org/presentationml/2006/main">
+  <p:cSld>
+    <p:spTree>
+      <p:nvGrpSpPr>
+        <p:cNvPr id="1" name=""/>
+        <p:cNvGrpSpPr/>
+        <p:nvPr/>
+      </p:nvGrpSpPr>
+      <p:grpSpPr>
+        <a:xfrm>
+          <a:off x="0" y="0"/>
+          <a:ext cx="0" cy="0"/>
+          <a:chOff x="0" y="0"/>
+          <a:chExt cx="0" cy="0"/>
+        </a:xfrm>
+      </p:grpSpPr>
+      <p:sp>
+        <p:nvSpPr>
+          <p:cNvPr id="2" name="Espace réservé de l'image des diapositives 1"/>
+          <p:cNvSpPr>
+            <a:spLocks noGrp="1" noRot="1" noChangeAspect="1"/>
+          </p:cNvSpPr>
+          <p:nvPr>
+            <p:ph type="sldImg"/>
+          </p:nvPr>
+        </p:nvSpPr>
+        <p:spPr/>
+      </p:sp>
+      <p:sp>
+        <p:nvSpPr>
+          <p:cNvPr id="3" name="Espace réservé des commentaires 2"/>
+          <p:cNvSpPr>
+            <a:spLocks noGrp="1"/>
+          </p:cNvSpPr>
+          <p:nvPr>
+            <p:ph type="body" idx="1"/>
+          </p:nvPr>
+        </p:nvSpPr>
+        <p:spPr/>
+        <p:txBody>
+          <a:bodyPr>
+            <a:normAutofit/>
+          </a:bodyPr>
+          <a:lstStyle/>
+          <a:p>
+            <a:r>
+              <a:rPr lang="fr-FR" dirty="0" smtClean="0"/>
+              <a:t>Mettre les </a:t>
+            </a:r>
+            <a:r>
+              <a:rPr lang="fr-FR" dirty="0" err="1" smtClean="0"/>
+              <a:t>specs</a:t>
+            </a:r>
+            <a:r>
+              <a:rPr lang="fr-FR" dirty="0" smtClean="0"/>
+              <a:t> « </a:t>
+            </a:r>
+            <a:r>
+              <a:rPr lang="fr-FR" dirty="0" err="1" smtClean="0"/>
+              <a:t>rumors</a:t>
+            </a:r>
+            <a:r>
+              <a:rPr lang="fr-FR" dirty="0" smtClean="0"/>
+              <a:t> » de la Kinect 2 (pour le fun)</a:t>
+            </a:r>
+            <a:endParaRPr lang="fr-FR" dirty="0"/>
+          </a:p>
+        </p:txBody>
+      </p:sp>
+      <p:sp>
+        <p:nvSpPr>
+          <p:cNvPr id="4" name="Espace réservé du numéro de diapositive 3"/>
+          <p:cNvSpPr>
+            <a:spLocks noGrp="1"/>
+          </p:cNvSpPr>
+          <p:nvPr>
+            <p:ph type="sldNum" sz="quarter" idx="10"/>
+          </p:nvPr>
+        </p:nvSpPr>
+        <p:spPr/>
+        <p:txBody>
+          <a:bodyPr/>
+          <a:lstStyle/>
+          <a:p>
+            <a:fld id="{2AC8731D-2D87-440C-8698-DB210FC0FD5A}" type="slidenum">
+              <a:rPr lang="fr-FR" smtClean="0"/>
+              <a:pPr/>
+              <a:t>24</a:t>
             </a:fld>
             <a:endParaRPr lang="fr-FR"/>
           </a:p>
@@ -7604,21 +7748,23 @@
             <a:pPr lvl="1"/>
             <a:r>
               <a:rPr lang="en-US" dirty="0" smtClean="0"/>
-              <a:t>Accuracy</a:t>
-            </a:r>
+              <a:t>Cursor accuracy</a:t>
+            </a:r>
+            <a:endParaRPr lang="en-US" dirty="0" smtClean="0"/>
           </a:p>
           <a:p>
             <a:pPr lvl="1"/>
             <a:r>
               <a:rPr lang="en-US" dirty="0" smtClean="0"/>
-              <a:t>Speed processing</a:t>
-            </a:r>
+              <a:t>Processing speed</a:t>
+            </a:r>
+            <a:endParaRPr lang="en-US" dirty="0" smtClean="0"/>
           </a:p>
           <a:p>
             <a:pPr lvl="1"/>
             <a:r>
               <a:rPr lang="en-US" dirty="0" smtClean="0"/>
-              <a:t>Input word</a:t>
+              <a:t>Word input speed</a:t>
             </a:r>
             <a:endParaRPr lang="en-US" dirty="0"/>
           </a:p>
@@ -7692,14 +7838,71 @@
         </p:nvSpPr>
         <p:spPr/>
         <p:txBody>
+          <a:bodyPr>
+            <a:normAutofit fontScale="90000"/>
+          </a:bodyPr>
+          <a:lstStyle/>
+          <a:p>
+            <a:r>
+              <a:rPr lang="fr-FR" dirty="0" smtClean="0"/>
+              <a:t>TODO: </a:t>
+            </a:r>
+            <a:r>
+              <a:rPr lang="fr-FR" dirty="0" err="1" smtClean="0"/>
+              <a:t>explains</a:t>
+            </a:r>
+            <a:r>
+              <a:rPr lang="fr-FR" dirty="0" smtClean="0"/>
+              <a:t> </a:t>
+            </a:r>
+            <a:r>
+              <a:rPr lang="fr-FR" dirty="0" err="1" smtClean="0"/>
+              <a:t>kinect</a:t>
+            </a:r>
+            <a:r>
+              <a:rPr lang="fr-FR" dirty="0" smtClean="0"/>
+              <a:t> hands, </a:t>
+            </a:r>
+            <a:r>
+              <a:rPr lang="fr-FR" dirty="0" err="1" smtClean="0"/>
+              <a:t>squeleton</a:t>
+            </a:r>
+            <a:r>
+              <a:rPr lang="fr-FR" dirty="0" smtClean="0"/>
+              <a:t> and </a:t>
+            </a:r>
+            <a:r>
+              <a:rPr lang="fr-FR" dirty="0" err="1" smtClean="0"/>
+              <a:t>present</a:t>
+            </a:r>
+            <a:r>
+              <a:rPr lang="fr-FR" dirty="0" smtClean="0"/>
+              <a:t> </a:t>
+            </a:r>
+            <a:r>
+              <a:rPr lang="fr-FR" dirty="0" err="1" smtClean="0"/>
+              <a:t>them</a:t>
+            </a:r>
+            <a:endParaRPr lang="fr-FR" dirty="0"/>
+          </a:p>
+        </p:txBody>
+      </p:sp>
+      <p:sp>
+        <p:nvSpPr>
+          <p:cNvPr id="3" name="Espace réservé du contenu 2"/>
+          <p:cNvSpPr>
+            <a:spLocks noGrp="1"/>
+          </p:cNvSpPr>
+          <p:nvPr>
+            <p:ph idx="1"/>
+          </p:nvPr>
+        </p:nvSpPr>
+        <p:spPr/>
+        <p:txBody>
           <a:bodyPr/>
           <a:lstStyle/>
           <a:p>
-            <a:r>
-              <a:rPr lang="fr-FR" dirty="0" err="1" smtClean="0"/>
-              <a:t>Accuracy</a:t>
-            </a:r>
-            <a:endParaRPr lang="fr-FR" dirty="0"/>
+            <a:endParaRPr lang="fr-FR"/>
           </a:p>
         </p:txBody>
       </p:sp>
@@ -7722,6 +7925,78 @@
               <a:rPr lang="fr-FR" smtClean="0"/>
               <a:pPr/>
               <a:t>14</a:t>
+            </a:fld>
+            <a:endParaRPr lang="fr-FR" dirty="0"/>
+          </a:p>
+        </p:txBody>
+      </p:sp>
+    </p:spTree>
+  </p:cSld>
+  <p:clrMapOvr>
+    <a:masterClrMapping/>
+  </p:clrMapOvr>
+</p:sld>
+</file>
+
+<file path=ppt/slides/slide15.xml><?xml version="1.0" encoding="utf-8"?>
+<p:sld xmlns:a="http://schemas.openxmlformats.org/drawingml/2006/main" xmlns:r="http://schemas.openxmlformats.org/officeDocument/2006/relationships" xmlns:p="http://schemas.openxmlformats.org/presentationml/2006/main">
+  <p:cSld>
+    <p:spTree>
+      <p:nvGrpSpPr>
+        <p:cNvPr id="1" name=""/>
+        <p:cNvGrpSpPr/>
+        <p:nvPr/>
+      </p:nvGrpSpPr>
+      <p:grpSpPr>
+        <a:xfrm>
+          <a:off x="0" y="0"/>
+          <a:ext cx="0" cy="0"/>
+          <a:chOff x="0" y="0"/>
+          <a:chExt cx="0" cy="0"/>
+        </a:xfrm>
+      </p:grpSpPr>
+      <p:sp>
+        <p:nvSpPr>
+          <p:cNvPr id="2" name="Titre 1"/>
+          <p:cNvSpPr>
+            <a:spLocks noGrp="1"/>
+          </p:cNvSpPr>
+          <p:nvPr>
+            <p:ph type="title"/>
+          </p:nvPr>
+        </p:nvSpPr>
+        <p:spPr/>
+        <p:txBody>
+          <a:bodyPr/>
+          <a:lstStyle/>
+          <a:p>
+            <a:r>
+              <a:rPr lang="fr-FR" dirty="0" err="1" smtClean="0"/>
+              <a:t>Accuracy</a:t>
+            </a:r>
+            <a:endParaRPr lang="fr-FR" dirty="0"/>
+          </a:p>
+        </p:txBody>
+      </p:sp>
+      <p:sp>
+        <p:nvSpPr>
+          <p:cNvPr id="4" name="Espace réservé du numéro de diapositive 3"/>
+          <p:cNvSpPr>
+            <a:spLocks noGrp="1"/>
+          </p:cNvSpPr>
+          <p:nvPr>
+            <p:ph type="sldNum" sz="quarter" idx="12"/>
+          </p:nvPr>
+        </p:nvSpPr>
+        <p:spPr/>
+        <p:txBody>
+          <a:bodyPr/>
+          <a:lstStyle/>
+          <a:p>
+            <a:fld id="{AB9DB7C7-3B7A-421A-AF98-AB9FC2185CD3}" type="slidenum">
+              <a:rPr lang="fr-FR" smtClean="0"/>
+              <a:pPr/>
+              <a:t>15</a:t>
             </a:fld>
             <a:endParaRPr lang="fr-FR" dirty="0"/>
           </a:p>
@@ -7795,187 +8070,69 @@
           </a:ln>
         </p:spPr>
       </p:pic>
-    </p:spTree>
-  </p:cSld>
-  <p:clrMapOvr>
-    <a:masterClrMapping/>
-  </p:clrMapOvr>
-  <p:timing>
-    <p:tnLst>
-      <p:par>
-        <p:cTn id="1" dur="indefinite" restart="never" nodeType="tmRoot"/>
-      </p:par>
-    </p:tnLst>
-  </p:timing>
-</p:sld>
-</file>
-
-<file path=ppt/slides/slide15.xml><?xml version="1.0" encoding="utf-8"?>
-<p:sld xmlns:a="http://schemas.openxmlformats.org/drawingml/2006/main" xmlns:r="http://schemas.openxmlformats.org/officeDocument/2006/relationships" xmlns:p="http://schemas.openxmlformats.org/presentationml/2006/main">
-  <p:cSld>
-    <p:spTree>
-      <p:nvGrpSpPr>
-        <p:cNvPr id="1" name=""/>
-        <p:cNvGrpSpPr/>
-        <p:nvPr/>
-      </p:nvGrpSpPr>
-      <p:grpSpPr>
-        <a:xfrm>
-          <a:off x="0" y="0"/>
-          <a:ext cx="0" cy="0"/>
-          <a:chOff x="0" y="0"/>
-          <a:chExt cx="0" cy="0"/>
-        </a:xfrm>
-      </p:grpSpPr>
-      <p:sp>
-        <p:nvSpPr>
-          <p:cNvPr id="7" name="Titre 6"/>
-          <p:cNvSpPr>
-            <a:spLocks noGrp="1"/>
-          </p:cNvSpPr>
-          <p:nvPr>
-            <p:ph type="title"/>
-          </p:nvPr>
-        </p:nvSpPr>
-        <p:spPr/>
-        <p:txBody>
-          <a:bodyPr/>
-          <a:lstStyle/>
-          <a:p>
-            <a:r>
-              <a:rPr lang="fr-FR" dirty="0" err="1" smtClean="0"/>
-              <a:t>Accuracy</a:t>
-            </a:r>
-            <a:endParaRPr lang="fr-FR" dirty="0"/>
-          </a:p>
-        </p:txBody>
-      </p:sp>
-      <p:sp>
-        <p:nvSpPr>
-          <p:cNvPr id="8" name="Espace réservé du texte 7"/>
-          <p:cNvSpPr>
-            <a:spLocks noGrp="1"/>
-          </p:cNvSpPr>
-          <p:nvPr>
-            <p:ph type="body" idx="1"/>
-          </p:nvPr>
-        </p:nvSpPr>
-        <p:spPr/>
-        <p:txBody>
-          <a:bodyPr/>
-          <a:lstStyle/>
-          <a:p>
-            <a:r>
-              <a:rPr lang="fr-FR" dirty="0" err="1" smtClean="0"/>
-              <a:t>Arrival</a:t>
-            </a:r>
-            <a:r>
-              <a:rPr lang="fr-FR" dirty="0" smtClean="0"/>
-              <a:t> </a:t>
-            </a:r>
-            <a:r>
-              <a:rPr lang="fr-FR" dirty="0" err="1" smtClean="0"/>
-              <a:t>duration</a:t>
-            </a:r>
-            <a:endParaRPr lang="fr-FR" dirty="0"/>
-          </a:p>
-        </p:txBody>
-      </p:sp>
-      <p:sp>
-        <p:nvSpPr>
-          <p:cNvPr id="10" name="Espace réservé du texte 9"/>
-          <p:cNvSpPr>
-            <a:spLocks noGrp="1"/>
-          </p:cNvSpPr>
-          <p:nvPr>
-            <p:ph type="body" sz="half" idx="3"/>
-          </p:nvPr>
-        </p:nvSpPr>
-        <p:spPr/>
-        <p:txBody>
-          <a:bodyPr/>
-          <a:lstStyle/>
-          <a:p>
-            <a:r>
-              <a:rPr lang="fr-FR" dirty="0" err="1" smtClean="0"/>
-              <a:t>Average</a:t>
-            </a:r>
-            <a:r>
-              <a:rPr lang="fr-FR" dirty="0" smtClean="0"/>
-              <a:t> </a:t>
-            </a:r>
-            <a:r>
-              <a:rPr lang="fr-FR" dirty="0" err="1" smtClean="0"/>
-              <a:t>error</a:t>
-            </a:r>
-            <a:endParaRPr lang="fr-FR" dirty="0"/>
-          </a:p>
-        </p:txBody>
-      </p:sp>
-      <p:sp>
-        <p:nvSpPr>
-          <p:cNvPr id="5" name="Espace réservé du numéro de diapositive 4"/>
-          <p:cNvSpPr>
-            <a:spLocks noGrp="1"/>
-          </p:cNvSpPr>
-          <p:nvPr>
-            <p:ph type="sldNum" sz="quarter" idx="12"/>
-          </p:nvPr>
-        </p:nvSpPr>
-        <p:spPr/>
-        <p:txBody>
-          <a:bodyPr/>
-          <a:lstStyle/>
-          <a:p>
-            <a:fld id="{AB9DB7C7-3B7A-421A-AF98-AB9FC2185CD3}" type="slidenum">
-              <a:rPr lang="fr-FR" smtClean="0"/>
-              <a:pPr/>
-              <a:t>15</a:t>
-            </a:fld>
-            <a:endParaRPr lang="fr-FR" dirty="0"/>
-          </a:p>
-        </p:txBody>
-      </p:sp>
-      <p:graphicFrame>
-        <p:nvGraphicFramePr>
-          <p:cNvPr id="12" name="Espace réservé du contenu 11"/>
-          <p:cNvGraphicFramePr>
-            <a:graphicFrameLocks noGrp="1"/>
-          </p:cNvGraphicFramePr>
-          <p:nvPr>
-            <p:ph sz="quarter" idx="2"/>
-          </p:nvPr>
-        </p:nvGraphicFramePr>
-        <p:xfrm>
-          <a:off x="457200" y="1517650"/>
-          <a:ext cx="4040188" cy="3941763"/>
-        </p:xfrm>
-        <a:graphic>
-          <a:graphicData uri="http://schemas.openxmlformats.org/drawingml/2006/chart">
-            <c:chart xmlns:c="http://schemas.openxmlformats.org/drawingml/2006/chart" xmlns:r="http://schemas.openxmlformats.org/officeDocument/2006/relationships" r:id="rId2"/>
-          </a:graphicData>
-        </a:graphic>
-      </p:graphicFrame>
-      <p:graphicFrame>
-        <p:nvGraphicFramePr>
-          <p:cNvPr id="13" name="Espace réservé du contenu 12"/>
-          <p:cNvGraphicFramePr>
-            <a:graphicFrameLocks noGrp="1"/>
-          </p:cNvGraphicFramePr>
-          <p:nvPr>
-            <p:ph sz="quarter" idx="4"/>
-          </p:nvPr>
-        </p:nvGraphicFramePr>
-        <p:xfrm>
-          <a:off x="4645025" y="1517650"/>
-          <a:ext cx="4041775" cy="3941763"/>
-        </p:xfrm>
-        <a:graphic>
-          <a:graphicData uri="http://schemas.openxmlformats.org/drawingml/2006/chart">
-            <c:chart xmlns:c="http://schemas.openxmlformats.org/drawingml/2006/chart" xmlns:r="http://schemas.openxmlformats.org/officeDocument/2006/relationships" r:id="rId3"/>
-          </a:graphicData>
-        </a:graphic>
-      </p:graphicFrame>
+      <p:sp>
+        <p:nvSpPr>
+          <p:cNvPr id="6" name="Espace réservé du contenu 2"/>
+          <p:cNvSpPr txBox="1">
+            <a:spLocks/>
+          </p:cNvSpPr>
+          <p:nvPr/>
+        </p:nvSpPr>
+        <p:spPr>
+          <a:xfrm>
+            <a:off x="457200" y="1600200"/>
+            <a:ext cx="7467600" cy="4525963"/>
+          </a:xfrm>
+          <a:prstGeom prst="rect">
+            <a:avLst/>
+          </a:prstGeom>
+        </p:spPr>
+        <p:txBody>
+          <a:bodyPr vert="horz">
+            <a:normAutofit/>
+          </a:bodyPr>
+          <a:lstStyle/>
+          <a:p>
+            <a:pPr marL="420624" marR="0" lvl="0" indent="-384048" algn="l" defTabSz="914400" rtl="0" eaLnBrk="1" fontAlgn="auto" latinLnBrk="0" hangingPunct="1">
+              <a:lnSpc>
+                <a:spcPct val="100000"/>
+              </a:lnSpc>
+              <a:spcBef>
+                <a:spcPct val="20000"/>
+              </a:spcBef>
+              <a:spcAft>
+                <a:spcPts val="0"/>
+              </a:spcAft>
+              <a:buClr>
+                <a:schemeClr val="accent1"/>
+              </a:buClr>
+              <a:buSzPct val="80000"/>
+              <a:buFont typeface="Wingdings 2"/>
+              <a:buChar char=""/>
+              <a:tabLst/>
+              <a:defRPr/>
+            </a:pPr>
+            <a:r>
+              <a:rPr lang="en-US" sz="2600" dirty="0" smtClean="0"/>
+              <a:t>Accuracy test:</a:t>
+            </a:r>
+            <a:endParaRPr kumimoji="0" lang="en-US" sz="2600" b="0" i="0" u="none" strike="noStrike" kern="1200" cap="none" spc="0" normalizeH="0" baseline="0" noProof="0" dirty="0" smtClean="0">
+              <a:ln>
+                <a:noFill/>
+              </a:ln>
+              <a:solidFill>
+                <a:schemeClr val="tx1"/>
+              </a:solidFill>
+              <a:effectLst/>
+              <a:uLnTx/>
+              <a:uFillTx/>
+              <a:latin typeface="+mn-lt"/>
+              <a:ea typeface="+mn-ea"/>
+              <a:cs typeface="+mn-cs"/>
+            </a:endParaRPr>
+          </a:p>
+        </p:txBody>
+      </p:sp>
     </p:spTree>
   </p:cSld>
   <p:clrMapOvr>
@@ -8010,7 +8167,7 @@
       </p:grpSpPr>
       <p:sp>
         <p:nvSpPr>
-          <p:cNvPr id="2" name="Titre 1"/>
+          <p:cNvPr id="7" name="Titre 6"/>
           <p:cNvSpPr>
             <a:spLocks noGrp="1"/>
           </p:cNvSpPr>
@@ -8027,28 +8184,13 @@
               <a:rPr lang="fr-FR" dirty="0" err="1" smtClean="0"/>
               <a:t>Accuracy</a:t>
             </a:r>
-            <a:endParaRPr lang="fr-FR" dirty="0"/>
-          </a:p>
-        </p:txBody>
-      </p:sp>
-      <p:sp>
-        <p:nvSpPr>
-          <p:cNvPr id="3" name="Espace réservé du texte 2"/>
-          <p:cNvSpPr>
-            <a:spLocks noGrp="1"/>
-          </p:cNvSpPr>
-          <p:nvPr>
-            <p:ph type="body" idx="1"/>
-          </p:nvPr>
-        </p:nvSpPr>
-        <p:spPr/>
-        <p:txBody>
-          <a:bodyPr/>
-          <a:lstStyle/>
-          <a:p>
+            <a:r>
+              <a:rPr lang="fr-FR" dirty="0" smtClean="0"/>
+              <a:t> : </a:t>
+            </a:r>
             <a:r>
               <a:rPr lang="fr-FR" dirty="0" err="1" smtClean="0"/>
-              <a:t>Percentage</a:t>
+              <a:t>arrival</a:t>
             </a:r>
             <a:r>
               <a:rPr lang="fr-FR" dirty="0" smtClean="0"/>
@@ -8056,7 +8198,7 @@
             </a:r>
             <a:r>
               <a:rPr lang="fr-FR" dirty="0" err="1" smtClean="0"/>
-              <a:t>error</a:t>
+              <a:t>duration</a:t>
             </a:r>
             <a:endParaRPr lang="fr-FR" dirty="0"/>
           </a:p>
@@ -8064,42 +8206,7 @@
       </p:sp>
       <p:sp>
         <p:nvSpPr>
-          <p:cNvPr id="4" name="Espace réservé du texte 3"/>
-          <p:cNvSpPr>
-            <a:spLocks noGrp="1"/>
-          </p:cNvSpPr>
-          <p:nvPr>
-            <p:ph type="body" sz="half" idx="3"/>
-          </p:nvPr>
-        </p:nvSpPr>
-        <p:spPr/>
-        <p:txBody>
-          <a:bodyPr/>
-          <a:lstStyle/>
-          <a:p>
-            <a:r>
-              <a:rPr lang="fr-FR" dirty="0" smtClean="0"/>
-              <a:t>Distance </a:t>
-            </a:r>
-            <a:r>
-              <a:rPr lang="fr-FR" dirty="0" err="1" smtClean="0"/>
-              <a:t>moved</a:t>
-            </a:r>
-            <a:r>
-              <a:rPr lang="fr-FR" dirty="0" smtClean="0"/>
-              <a:t> in </a:t>
-            </a:r>
-            <a:r>
-              <a:rPr lang="fr-FR" dirty="0" err="1" smtClean="0"/>
-              <a:t>rest</a:t>
-            </a:r>
-            <a:endParaRPr lang="fr-FR" dirty="0"/>
-          </a:p>
-        </p:txBody>
-      </p:sp>
-      <p:sp>
-        <p:nvSpPr>
-          <p:cNvPr id="7" name="Espace réservé du numéro de diapositive 6"/>
+          <p:cNvPr id="5" name="Espace réservé du numéro de diapositive 4"/>
           <p:cNvSpPr>
             <a:spLocks noGrp="1"/>
           </p:cNvSpPr>
@@ -8123,17 +8230,17 @@
       </p:sp>
       <p:graphicFrame>
         <p:nvGraphicFramePr>
-          <p:cNvPr id="8" name="Espace réservé du contenu 7"/>
+          <p:cNvPr id="16" name="Espace réservé du contenu 11"/>
           <p:cNvGraphicFramePr>
             <a:graphicFrameLocks noGrp="1"/>
           </p:cNvGraphicFramePr>
           <p:nvPr>
-            <p:ph sz="quarter" idx="2"/>
+            <p:ph idx="1"/>
           </p:nvPr>
         </p:nvGraphicFramePr>
         <p:xfrm>
-          <a:off x="457200" y="1517650"/>
-          <a:ext cx="4040188" cy="3941763"/>
+          <a:off x="457200" y="1600200"/>
+          <a:ext cx="7467600" cy="4525963"/>
         </p:xfrm>
         <a:graphic>
           <a:graphicData uri="http://schemas.openxmlformats.org/drawingml/2006/chart">
@@ -8141,26 +8248,74 @@
           </a:graphicData>
         </a:graphic>
       </p:graphicFrame>
-      <p:graphicFrame>
-        <p:nvGraphicFramePr>
-          <p:cNvPr id="9" name="Espace réservé du contenu 8"/>
-          <p:cNvGraphicFramePr>
-            <a:graphicFrameLocks noGrp="1"/>
-          </p:cNvGraphicFramePr>
-          <p:nvPr>
-            <p:ph sz="quarter" idx="4"/>
-          </p:nvPr>
-        </p:nvGraphicFramePr>
-        <p:xfrm>
-          <a:off x="4645025" y="1517650"/>
-          <a:ext cx="4041775" cy="3941763"/>
-        </p:xfrm>
-        <a:graphic>
-          <a:graphicData uri="http://schemas.openxmlformats.org/drawingml/2006/chart">
-            <c:chart xmlns:c="http://schemas.openxmlformats.org/drawingml/2006/chart" xmlns:r="http://schemas.openxmlformats.org/officeDocument/2006/relationships" r:id="rId3"/>
-          </a:graphicData>
-        </a:graphic>
-      </p:graphicFrame>
+      <p:sp>
+        <p:nvSpPr>
+          <p:cNvPr id="17" name="ZoneTexte 16"/>
+          <p:cNvSpPr txBox="1"/>
+          <p:nvPr/>
+        </p:nvSpPr>
+        <p:spPr>
+          <a:xfrm>
+            <a:off x="1619672" y="6381328"/>
+            <a:ext cx="3888432" cy="369332"/>
+          </a:xfrm>
+          <a:prstGeom prst="rect">
+            <a:avLst/>
+          </a:prstGeom>
+          <a:noFill/>
+        </p:spPr>
+        <p:txBody>
+          <a:bodyPr wrap="square" rtlCol="0">
+            <a:spAutoFit/>
+          </a:bodyPr>
+          <a:lstStyle/>
+          <a:p>
+            <a:r>
+              <a:rPr lang="fr-FR" dirty="0" err="1" smtClean="0"/>
+              <a:t>Diameter</a:t>
+            </a:r>
+            <a:r>
+              <a:rPr lang="fr-FR" dirty="0" smtClean="0"/>
+              <a:t> of the </a:t>
+            </a:r>
+            <a:r>
+              <a:rPr lang="fr-FR" dirty="0" err="1" smtClean="0"/>
+              <a:t>target</a:t>
+            </a:r>
+            <a:endParaRPr lang="fr-FR" dirty="0"/>
+          </a:p>
+        </p:txBody>
+      </p:sp>
+      <p:sp>
+        <p:nvSpPr>
+          <p:cNvPr id="18" name="ZoneTexte 17"/>
+          <p:cNvSpPr txBox="1"/>
+          <p:nvPr/>
+        </p:nvSpPr>
+        <p:spPr>
+          <a:xfrm>
+            <a:off x="0" y="1700808"/>
+            <a:ext cx="461665" cy="2592288"/>
+          </a:xfrm>
+          <a:prstGeom prst="rect">
+            <a:avLst/>
+          </a:prstGeom>
+          <a:noFill/>
+        </p:spPr>
+        <p:txBody>
+          <a:bodyPr vert="eaVert" wrap="square" rtlCol="0">
+            <a:spAutoFit/>
+          </a:bodyPr>
+          <a:lstStyle/>
+          <a:p>
+            <a:r>
+              <a:rPr lang="fr-FR" dirty="0" smtClean="0"/>
+              <a:t>Time in Seconds</a:t>
+            </a:r>
+            <a:endParaRPr lang="fr-FR" dirty="0"/>
+          </a:p>
+        </p:txBody>
+      </p:sp>
     </p:spTree>
   </p:cSld>
   <p:clrMapOvr>
@@ -8195,7 +8350,7 @@
       </p:grpSpPr>
       <p:sp>
         <p:nvSpPr>
-          <p:cNvPr id="2" name="Titre 1"/>
+          <p:cNvPr id="8" name="Titre 7"/>
           <p:cNvSpPr>
             <a:spLocks noGrp="1"/>
           </p:cNvSpPr>
@@ -8209,90 +8364,16 @@
           <a:lstStyle/>
           <a:p>
             <a:r>
+              <a:rPr lang="fr-FR" dirty="0" err="1" smtClean="0"/>
+              <a:t>Accuracy</a:t>
+            </a:r>
+            <a:r>
               <a:rPr lang="fr-FR" dirty="0" smtClean="0"/>
-              <a:t>Speed </a:t>
+              <a:t>: </a:t>
             </a:r>
             <a:r>
               <a:rPr lang="fr-FR" dirty="0" err="1" smtClean="0"/>
-              <a:t>processing</a:t>
-            </a:r>
-            <a:endParaRPr lang="fr-FR" dirty="0"/>
-          </a:p>
-        </p:txBody>
-      </p:sp>
-      <p:sp>
-        <p:nvSpPr>
-          <p:cNvPr id="10" name="Espace réservé du contenu 9"/>
-          <p:cNvSpPr>
-            <a:spLocks noGrp="1"/>
-          </p:cNvSpPr>
-          <p:nvPr>
-            <p:ph idx="1"/>
-          </p:nvPr>
-        </p:nvSpPr>
-        <p:spPr>
-          <a:xfrm>
-            <a:off x="467544" y="1484784"/>
-            <a:ext cx="7467600" cy="4525963"/>
-          </a:xfrm>
-        </p:spPr>
-        <p:txBody>
-          <a:bodyPr/>
-          <a:lstStyle/>
-          <a:p>
-            <a:pPr lvl="0"/>
-            <a:r>
-              <a:rPr lang="fr-FR" dirty="0" smtClean="0"/>
-              <a:t>PC1(Karim) </a:t>
-            </a:r>
-            <a:r>
-              <a:rPr lang="fr-FR" dirty="0" err="1" smtClean="0"/>
-              <a:t>Core</a:t>
-            </a:r>
-            <a:r>
-              <a:rPr lang="fr-FR" dirty="0" smtClean="0"/>
-              <a:t> i7 2 </a:t>
-            </a:r>
-            <a:r>
-              <a:rPr lang="fr-FR" dirty="0" err="1" smtClean="0"/>
-              <a:t>Ghz</a:t>
-            </a:r>
-            <a:endParaRPr lang="fr-FR" dirty="0" smtClean="0"/>
-          </a:p>
-          <a:p>
-            <a:pPr lvl="0">
-              <a:buNone/>
-            </a:pPr>
-            <a:r>
-              <a:rPr lang="fr-FR" dirty="0" smtClean="0"/>
-              <a:t>	</a:t>
-            </a:r>
-            <a:r>
-              <a:rPr lang="fr-FR" dirty="0" err="1" smtClean="0"/>
-              <a:t>Radeon</a:t>
-            </a:r>
-            <a:r>
-              <a:rPr lang="fr-FR" dirty="0" smtClean="0"/>
-              <a:t> HD 4650</a:t>
-            </a:r>
-          </a:p>
-          <a:p>
-            <a:pPr lvl="0"/>
-            <a:r>
-              <a:rPr lang="fr-FR" dirty="0" smtClean="0"/>
-              <a:t>PC 2 (Kevin) </a:t>
-            </a:r>
-            <a:r>
-              <a:rPr lang="fr-FR" dirty="0" err="1" smtClean="0"/>
-              <a:t>Core</a:t>
-            </a:r>
-            <a:r>
-              <a:rPr lang="fr-FR" dirty="0" smtClean="0"/>
-              <a:t> 2 Duo 2,13 </a:t>
-            </a:r>
-            <a:r>
-              <a:rPr lang="fr-FR" dirty="0" err="1" smtClean="0"/>
-              <a:t>Ghz</a:t>
+              <a:t>average</a:t>
             </a:r>
             <a:r>
               <a:rPr lang="fr-FR" dirty="0" smtClean="0"/>
@@ -8300,14 +8381,8 @@
             </a:r>
             <a:r>
               <a:rPr lang="fr-FR" dirty="0" err="1" smtClean="0"/>
-              <a:t>Radeon</a:t>
-            </a:r>
-            <a:r>
-              <a:rPr lang="fr-FR" dirty="0" smtClean="0"/>
-              <a:t> HD 4530</a:t>
-            </a:r>
-          </a:p>
-          <a:p>
+              <a:t>error</a:t>
+            </a:r>
             <a:endParaRPr lang="fr-FR" dirty="0"/>
           </a:p>
         </p:txBody>
@@ -8338,13 +8413,125 @@
       </p:sp>
       <p:graphicFrame>
         <p:nvGraphicFramePr>
-          <p:cNvPr id="11" name="Graphique 10"/>
-          <p:cNvGraphicFramePr/>
-          <p:nvPr/>
+          <p:cNvPr id="10" name="Espace réservé du contenu 12"/>
+          <p:cNvGraphicFramePr>
+            <a:graphicFrameLocks noGrp="1"/>
+          </p:cNvGraphicFramePr>
+          <p:nvPr>
+            <p:ph idx="1"/>
+          </p:nvPr>
         </p:nvGraphicFramePr>
         <p:xfrm>
-          <a:off x="1835696" y="3645024"/>
-          <a:ext cx="5328592" cy="2880320"/>
+          <a:off x="457200" y="1600200"/>
+          <a:ext cx="7467600" cy="4525963"/>
+        </p:xfrm>
+        <a:graphic>
+          <a:graphicData uri="http://schemas.openxmlformats.org/drawingml/2006/chart">
+            <c:chart xmlns:c="http://schemas.openxmlformats.org/drawingml/2006/chart" xmlns:r="http://schemas.openxmlformats.org/officeDocument/2006/relationships" r:id="rId2"/>
+          </a:graphicData>
+        </a:graphic>
+      </p:graphicFrame>
+    </p:spTree>
+  </p:cSld>
+  <p:clrMapOvr>
+    <a:masterClrMapping/>
+  </p:clrMapOvr>
+</p:sld>
+</file>
+
+<file path=ppt/slides/slide18.xml><?xml version="1.0" encoding="utf-8"?>
+<p:sld xmlns:a="http://schemas.openxmlformats.org/drawingml/2006/main" xmlns:r="http://schemas.openxmlformats.org/officeDocument/2006/relationships" xmlns:p="http://schemas.openxmlformats.org/presentationml/2006/main">
+  <p:cSld>
+    <p:spTree>
+      <p:nvGrpSpPr>
+        <p:cNvPr id="1" name=""/>
+        <p:cNvGrpSpPr/>
+        <p:nvPr/>
+      </p:nvGrpSpPr>
+      <p:grpSpPr>
+        <a:xfrm>
+          <a:off x="0" y="0"/>
+          <a:ext cx="0" cy="0"/>
+          <a:chOff x="0" y="0"/>
+          <a:chExt cx="0" cy="0"/>
+        </a:xfrm>
+      </p:grpSpPr>
+      <p:sp>
+        <p:nvSpPr>
+          <p:cNvPr id="2" name="Titre 1"/>
+          <p:cNvSpPr>
+            <a:spLocks noGrp="1"/>
+          </p:cNvSpPr>
+          <p:nvPr>
+            <p:ph type="title"/>
+          </p:nvPr>
+        </p:nvSpPr>
+        <p:spPr/>
+        <p:txBody>
+          <a:bodyPr/>
+          <a:lstStyle/>
+          <a:p>
+            <a:r>
+              <a:rPr lang="fr-FR" dirty="0" err="1" smtClean="0"/>
+              <a:t>Accuracy</a:t>
+            </a:r>
+            <a:r>
+              <a:rPr lang="fr-FR" dirty="0" smtClean="0"/>
+              <a:t>: </a:t>
+            </a:r>
+            <a:r>
+              <a:rPr lang="fr-FR" dirty="0" err="1" smtClean="0"/>
+              <a:t>percentage</a:t>
+            </a:r>
+            <a:r>
+              <a:rPr lang="fr-FR" dirty="0" smtClean="0"/>
+              <a:t> </a:t>
+            </a:r>
+            <a:r>
+              <a:rPr lang="fr-FR" dirty="0" err="1" smtClean="0"/>
+              <a:t>error</a:t>
+            </a:r>
+            <a:endParaRPr lang="fr-FR" dirty="0"/>
+          </a:p>
+        </p:txBody>
+      </p:sp>
+      <p:sp>
+        <p:nvSpPr>
+          <p:cNvPr id="7" name="Espace réservé du numéro de diapositive 6"/>
+          <p:cNvSpPr>
+            <a:spLocks noGrp="1"/>
+          </p:cNvSpPr>
+          <p:nvPr>
+            <p:ph type="sldNum" sz="quarter" idx="12"/>
+          </p:nvPr>
+        </p:nvSpPr>
+        <p:spPr/>
+        <p:txBody>
+          <a:bodyPr/>
+          <a:lstStyle/>
+          <a:p>
+            <a:fld id="{AB9DB7C7-3B7A-421A-AF98-AB9FC2185CD3}" type="slidenum">
+              <a:rPr lang="fr-FR" smtClean="0"/>
+              <a:pPr/>
+              <a:t>18</a:t>
+            </a:fld>
+            <a:endParaRPr lang="fr-FR" dirty="0"/>
+          </a:p>
+        </p:txBody>
+      </p:sp>
+      <p:graphicFrame>
+        <p:nvGraphicFramePr>
+          <p:cNvPr id="15" name="Espace réservé du contenu 7"/>
+          <p:cNvGraphicFramePr>
+            <a:graphicFrameLocks noGrp="1"/>
+          </p:cNvGraphicFramePr>
+          <p:nvPr>
+            <p:ph idx="1"/>
+          </p:nvPr>
+        </p:nvGraphicFramePr>
+        <p:xfrm>
+          <a:off x="457200" y="1600200"/>
+          <a:ext cx="7467600" cy="4525963"/>
         </p:xfrm>
         <a:graphic>
           <a:graphicData uri="http://schemas.openxmlformats.org/drawingml/2006/chart">
@@ -8367,7 +8554,7 @@
 </p:sld>
 </file>
 
-<file path=ppt/slides/slide18.xml><?xml version="1.0" encoding="utf-8"?>
+<file path=ppt/slides/slide19.xml><?xml version="1.0" encoding="utf-8"?>
 <p:sld xmlns:a="http://schemas.openxmlformats.org/drawingml/2006/main" xmlns:r="http://schemas.openxmlformats.org/officeDocument/2006/relationships" xmlns:p="http://schemas.openxmlformats.org/presentationml/2006/main">
   <p:cSld>
     <p:spTree>
@@ -8386,7 +8573,7 @@
       </p:grpSpPr>
       <p:sp>
         <p:nvSpPr>
-          <p:cNvPr id="2" name="Titre 1"/>
+          <p:cNvPr id="8" name="Titre 7"/>
           <p:cNvSpPr>
             <a:spLocks noGrp="1"/>
           </p:cNvSpPr>
@@ -8400,16 +8587,16 @@
           <a:lstStyle/>
           <a:p>
             <a:r>
+              <a:rPr lang="fr-FR" dirty="0" err="1" smtClean="0"/>
+              <a:t>Accuracy</a:t>
+            </a:r>
+            <a:r>
               <a:rPr lang="fr-FR" dirty="0" smtClean="0"/>
-              <a:t>Input </a:t>
+              <a:t>: </a:t>
             </a:r>
             <a:r>
               <a:rPr lang="fr-FR" dirty="0" err="1" smtClean="0"/>
-              <a:t>word</a:t>
-            </a:r>
-            <a:r>
-              <a:rPr lang="fr-FR" dirty="0" smtClean="0"/>
-              <a:t> speed</a:t>
+              <a:t>stability</a:t>
             </a:r>
             <a:endParaRPr lang="fr-FR" dirty="0"/>
           </a:p>
@@ -8417,57 +8604,7 @@
       </p:sp>
       <p:sp>
         <p:nvSpPr>
-          <p:cNvPr id="5" name="Espace réservé du texte 4"/>
-          <p:cNvSpPr>
-            <a:spLocks noGrp="1"/>
-          </p:cNvSpPr>
-          <p:nvPr>
-            <p:ph type="body" idx="1"/>
-          </p:nvPr>
-        </p:nvSpPr>
-        <p:spPr/>
-        <p:txBody>
-          <a:bodyPr/>
-          <a:lstStyle/>
-          <a:p>
-            <a:r>
-              <a:rPr lang="fr-FR" dirty="0" err="1" smtClean="0"/>
-              <a:t>Circular</a:t>
-            </a:r>
-            <a:r>
-              <a:rPr lang="fr-FR" dirty="0" smtClean="0"/>
-              <a:t> Keyboard</a:t>
-            </a:r>
-            <a:endParaRPr lang="fr-FR" dirty="0"/>
-          </a:p>
-        </p:txBody>
-      </p:sp>
-      <p:sp>
-        <p:nvSpPr>
-          <p:cNvPr id="7" name="Espace réservé du texte 6"/>
-          <p:cNvSpPr>
-            <a:spLocks noGrp="1"/>
-          </p:cNvSpPr>
-          <p:nvPr>
-            <p:ph type="body" sz="half" idx="3"/>
-          </p:nvPr>
-        </p:nvSpPr>
-        <p:spPr/>
-        <p:txBody>
-          <a:bodyPr/>
-          <a:lstStyle/>
-          <a:p>
-            <a:r>
-              <a:rPr lang="fr-FR" dirty="0" smtClean="0"/>
-              <a:t>T9 Keyboard</a:t>
-            </a:r>
-            <a:endParaRPr lang="fr-FR" dirty="0"/>
-          </a:p>
-        </p:txBody>
-      </p:sp>
-      <p:sp>
-        <p:nvSpPr>
-          <p:cNvPr id="4" name="Espace réservé du numéro de diapositive 3"/>
+          <p:cNvPr id="7" name="Espace réservé du numéro de diapositive 6"/>
           <p:cNvSpPr>
             <a:spLocks noGrp="1"/>
           </p:cNvSpPr>
@@ -8483,7 +8620,551 @@
             <a:fld id="{AB9DB7C7-3B7A-421A-AF98-AB9FC2185CD3}" type="slidenum">
               <a:rPr lang="fr-FR" smtClean="0"/>
               <a:pPr/>
-              <a:t>18</a:t>
+              <a:t>19</a:t>
+            </a:fld>
+            <a:endParaRPr lang="fr-FR" dirty="0"/>
+          </a:p>
+        </p:txBody>
+      </p:sp>
+      <p:graphicFrame>
+        <p:nvGraphicFramePr>
+          <p:cNvPr id="10" name="Espace réservé du contenu 8"/>
+          <p:cNvGraphicFramePr>
+            <a:graphicFrameLocks noGrp="1"/>
+          </p:cNvGraphicFramePr>
+          <p:nvPr>
+            <p:ph idx="1"/>
+          </p:nvPr>
+        </p:nvGraphicFramePr>
+        <p:xfrm>
+          <a:off x="457200" y="1600200"/>
+          <a:ext cx="7467600" cy="4525963"/>
+        </p:xfrm>
+        <a:graphic>
+          <a:graphicData uri="http://schemas.openxmlformats.org/drawingml/2006/chart">
+            <c:chart xmlns:c="http://schemas.openxmlformats.org/drawingml/2006/chart" xmlns:r="http://schemas.openxmlformats.org/officeDocument/2006/relationships" r:id="rId2"/>
+          </a:graphicData>
+        </a:graphic>
+      </p:graphicFrame>
+    </p:spTree>
+  </p:cSld>
+  <p:clrMapOvr>
+    <a:masterClrMapping/>
+  </p:clrMapOvr>
+</p:sld>
+</file>
+
+<file path=ppt/slides/slide2.xml><?xml version="1.0" encoding="utf-8"?>
+<p:sld xmlns:a="http://schemas.openxmlformats.org/drawingml/2006/main" xmlns:r="http://schemas.openxmlformats.org/officeDocument/2006/relationships" xmlns:p="http://schemas.openxmlformats.org/presentationml/2006/main">
+  <p:cSld>
+    <p:spTree>
+      <p:nvGrpSpPr>
+        <p:cNvPr id="1" name=""/>
+        <p:cNvGrpSpPr/>
+        <p:nvPr/>
+      </p:nvGrpSpPr>
+      <p:grpSpPr>
+        <a:xfrm>
+          <a:off x="0" y="0"/>
+          <a:ext cx="0" cy="0"/>
+          <a:chOff x="0" y="0"/>
+          <a:chExt cx="0" cy="0"/>
+        </a:xfrm>
+      </p:grpSpPr>
+      <p:sp>
+        <p:nvSpPr>
+          <p:cNvPr id="2" name="Titre 1"/>
+          <p:cNvSpPr>
+            <a:spLocks noGrp="1"/>
+          </p:cNvSpPr>
+          <p:nvPr>
+            <p:ph type="title"/>
+          </p:nvPr>
+        </p:nvSpPr>
+        <p:spPr/>
+        <p:txBody>
+          <a:bodyPr/>
+          <a:lstStyle/>
+          <a:p>
+            <a:r>
+              <a:rPr lang="en-US" dirty="0" smtClean="0"/>
+              <a:t>Summary</a:t>
+            </a:r>
+            <a:endParaRPr lang="en-US" dirty="0"/>
+          </a:p>
+        </p:txBody>
+      </p:sp>
+      <p:sp>
+        <p:nvSpPr>
+          <p:cNvPr id="3" name="Espace réservé du contenu 2"/>
+          <p:cNvSpPr>
+            <a:spLocks noGrp="1"/>
+          </p:cNvSpPr>
+          <p:nvPr>
+            <p:ph idx="1"/>
+          </p:nvPr>
+        </p:nvSpPr>
+        <p:spPr/>
+        <p:txBody>
+          <a:bodyPr/>
+          <a:lstStyle/>
+          <a:p>
+            <a:r>
+              <a:rPr lang="en-US" dirty="0" smtClean="0"/>
+              <a:t>Motivations</a:t>
+            </a:r>
+          </a:p>
+          <a:p>
+            <a:r>
+              <a:rPr lang="en-US" dirty="0" smtClean="0"/>
+              <a:t>Background</a:t>
+            </a:r>
+          </a:p>
+          <a:p>
+            <a:r>
+              <a:rPr lang="en-US" dirty="0" smtClean="0"/>
+              <a:t>Objectives</a:t>
+            </a:r>
+          </a:p>
+          <a:p>
+            <a:r>
+              <a:rPr lang="en-US" dirty="0" smtClean="0"/>
+              <a:t>Solution</a:t>
+            </a:r>
+          </a:p>
+          <a:p>
+            <a:r>
+              <a:rPr lang="en-US" dirty="0" smtClean="0"/>
+              <a:t>Theory/Technical</a:t>
+            </a:r>
+          </a:p>
+          <a:p>
+            <a:r>
+              <a:rPr lang="en-US" dirty="0" smtClean="0"/>
+              <a:t>Evaluation</a:t>
+            </a:r>
+          </a:p>
+          <a:p>
+            <a:r>
+              <a:rPr lang="en-US" dirty="0" smtClean="0"/>
+              <a:t>Results</a:t>
+            </a:r>
+          </a:p>
+          <a:p>
+            <a:r>
+              <a:rPr lang="en-US" dirty="0" smtClean="0"/>
+              <a:t>Conclusion</a:t>
+            </a:r>
+          </a:p>
+        </p:txBody>
+      </p:sp>
+      <p:sp>
+        <p:nvSpPr>
+          <p:cNvPr id="4" name="Espace réservé du numéro de diapositive 3"/>
+          <p:cNvSpPr>
+            <a:spLocks noGrp="1"/>
+          </p:cNvSpPr>
+          <p:nvPr>
+            <p:ph type="sldNum" sz="quarter" idx="12"/>
+          </p:nvPr>
+        </p:nvSpPr>
+        <p:spPr/>
+        <p:txBody>
+          <a:bodyPr/>
+          <a:lstStyle/>
+          <a:p>
+            <a:fld id="{AB9DB7C7-3B7A-421A-AF98-AB9FC2185CD3}" type="slidenum">
+              <a:rPr lang="fr-FR" smtClean="0"/>
+              <a:pPr/>
+              <a:t>2</a:t>
+            </a:fld>
+            <a:endParaRPr lang="fr-FR" dirty="0"/>
+          </a:p>
+        </p:txBody>
+      </p:sp>
+    </p:spTree>
+  </p:cSld>
+  <p:clrMapOvr>
+    <a:masterClrMapping/>
+  </p:clrMapOvr>
+  <p:timing>
+    <p:tnLst>
+      <p:par>
+        <p:cTn id="1" dur="indefinite" restart="never" nodeType="tmRoot"/>
+      </p:par>
+    </p:tnLst>
+  </p:timing>
+</p:sld>
+</file>
+
+<file path=ppt/slides/slide20.xml><?xml version="1.0" encoding="utf-8"?>
+<p:sld xmlns:a="http://schemas.openxmlformats.org/drawingml/2006/main" xmlns:r="http://schemas.openxmlformats.org/officeDocument/2006/relationships" xmlns:p="http://schemas.openxmlformats.org/presentationml/2006/main">
+  <p:cSld>
+    <p:spTree>
+      <p:nvGrpSpPr>
+        <p:cNvPr id="1" name=""/>
+        <p:cNvGrpSpPr/>
+        <p:nvPr/>
+      </p:nvGrpSpPr>
+      <p:grpSpPr>
+        <a:xfrm>
+          <a:off x="0" y="0"/>
+          <a:ext cx="0" cy="0"/>
+          <a:chOff x="0" y="0"/>
+          <a:chExt cx="0" cy="0"/>
+        </a:xfrm>
+      </p:grpSpPr>
+      <p:sp>
+        <p:nvSpPr>
+          <p:cNvPr id="2" name="Titre 1"/>
+          <p:cNvSpPr>
+            <a:spLocks noGrp="1"/>
+          </p:cNvSpPr>
+          <p:nvPr>
+            <p:ph type="title"/>
+          </p:nvPr>
+        </p:nvSpPr>
+        <p:spPr/>
+        <p:txBody>
+          <a:bodyPr/>
+          <a:lstStyle/>
+          <a:p>
+            <a:r>
+              <a:rPr lang="fr-FR" dirty="0" smtClean="0"/>
+              <a:t>Speed </a:t>
+            </a:r>
+            <a:r>
+              <a:rPr lang="fr-FR" dirty="0" err="1" smtClean="0"/>
+              <a:t>processing</a:t>
+            </a:r>
+            <a:endParaRPr lang="fr-FR" dirty="0"/>
+          </a:p>
+        </p:txBody>
+      </p:sp>
+      <p:sp>
+        <p:nvSpPr>
+          <p:cNvPr id="10" name="Espace réservé du contenu 9"/>
+          <p:cNvSpPr>
+            <a:spLocks noGrp="1"/>
+          </p:cNvSpPr>
+          <p:nvPr>
+            <p:ph idx="1"/>
+          </p:nvPr>
+        </p:nvSpPr>
+        <p:spPr>
+          <a:xfrm>
+            <a:off x="467544" y="1484784"/>
+            <a:ext cx="7467600" cy="4525963"/>
+          </a:xfrm>
+        </p:spPr>
+        <p:txBody>
+          <a:bodyPr/>
+          <a:lstStyle/>
+          <a:p>
+            <a:pPr lvl="0"/>
+            <a:r>
+              <a:rPr lang="fr-FR" dirty="0" smtClean="0"/>
+              <a:t>PC1Core </a:t>
+            </a:r>
+            <a:r>
+              <a:rPr lang="fr-FR" dirty="0" smtClean="0"/>
+              <a:t>i7 2 </a:t>
+            </a:r>
+            <a:r>
+              <a:rPr lang="fr-FR" dirty="0" err="1" smtClean="0"/>
+              <a:t>Ghz</a:t>
+            </a:r>
+            <a:r>
+              <a:rPr lang="fr-FR" dirty="0" smtClean="0"/>
+              <a:t>	</a:t>
+            </a:r>
+            <a:r>
+              <a:rPr lang="fr-FR" dirty="0" err="1" smtClean="0"/>
+              <a:t>Radeon</a:t>
+            </a:r>
+            <a:r>
+              <a:rPr lang="fr-FR" dirty="0" smtClean="0"/>
+              <a:t> HD 4650</a:t>
+            </a:r>
+          </a:p>
+          <a:p>
+            <a:pPr lvl="0"/>
+            <a:r>
+              <a:rPr lang="fr-FR" dirty="0" smtClean="0"/>
+              <a:t>PC </a:t>
+            </a:r>
+            <a:r>
+              <a:rPr lang="fr-FR" dirty="0" smtClean="0"/>
+              <a:t>2 </a:t>
+            </a:r>
+            <a:r>
+              <a:rPr lang="fr-FR" dirty="0" err="1" smtClean="0"/>
+              <a:t>Core</a:t>
+            </a:r>
+            <a:r>
+              <a:rPr lang="fr-FR" dirty="0" smtClean="0"/>
+              <a:t> 2 Duo 2,13 </a:t>
+            </a:r>
+            <a:r>
+              <a:rPr lang="fr-FR" dirty="0" err="1" smtClean="0"/>
+              <a:t>Ghz</a:t>
+            </a:r>
+            <a:r>
+              <a:rPr lang="fr-FR" dirty="0" smtClean="0"/>
+              <a:t> </a:t>
+            </a:r>
+            <a:r>
+              <a:rPr lang="fr-FR" dirty="0" err="1" smtClean="0"/>
+              <a:t>Radeon</a:t>
+            </a:r>
+            <a:r>
+              <a:rPr lang="fr-FR" dirty="0" smtClean="0"/>
+              <a:t> HD 4530</a:t>
+            </a:r>
+          </a:p>
+          <a:p>
+            <a:endParaRPr lang="fr-FR" dirty="0"/>
+          </a:p>
+        </p:txBody>
+      </p:sp>
+      <p:sp>
+        <p:nvSpPr>
+          <p:cNvPr id="7" name="Espace réservé du numéro de diapositive 6"/>
+          <p:cNvSpPr>
+            <a:spLocks noGrp="1"/>
+          </p:cNvSpPr>
+          <p:nvPr>
+            <p:ph type="sldNum" sz="quarter" idx="12"/>
+          </p:nvPr>
+        </p:nvSpPr>
+        <p:spPr/>
+        <p:txBody>
+          <a:bodyPr/>
+          <a:lstStyle/>
+          <a:p>
+            <a:fld id="{AB9DB7C7-3B7A-421A-AF98-AB9FC2185CD3}" type="slidenum">
+              <a:rPr lang="fr-FR" smtClean="0"/>
+              <a:pPr/>
+              <a:t>20</a:t>
+            </a:fld>
+            <a:endParaRPr lang="fr-FR" dirty="0"/>
+          </a:p>
+        </p:txBody>
+      </p:sp>
+      <p:graphicFrame>
+        <p:nvGraphicFramePr>
+          <p:cNvPr id="11" name="Graphique 10"/>
+          <p:cNvGraphicFramePr/>
+          <p:nvPr/>
+        </p:nvGraphicFramePr>
+        <p:xfrm>
+          <a:off x="1331640" y="3140968"/>
+          <a:ext cx="5832648" cy="3384376"/>
+        </p:xfrm>
+        <a:graphic>
+          <a:graphicData uri="http://schemas.openxmlformats.org/drawingml/2006/chart">
+            <c:chart xmlns:c="http://schemas.openxmlformats.org/drawingml/2006/chart" xmlns:r="http://schemas.openxmlformats.org/officeDocument/2006/relationships" r:id="rId2"/>
+          </a:graphicData>
+        </a:graphic>
+      </p:graphicFrame>
+      <p:cxnSp>
+        <p:nvCxnSpPr>
+          <p:cNvPr id="8" name="Connecteur droit 7"/>
+          <p:cNvCxnSpPr/>
+          <p:nvPr/>
+        </p:nvCxnSpPr>
+        <p:spPr>
+          <a:xfrm>
+            <a:off x="1475656" y="5013176"/>
+            <a:ext cx="4392488" cy="0"/>
+          </a:xfrm>
+          <a:prstGeom prst="line">
+            <a:avLst/>
+          </a:prstGeom>
+        </p:spPr>
+        <p:style>
+          <a:lnRef idx="1">
+            <a:schemeClr val="accent1"/>
+          </a:lnRef>
+          <a:fillRef idx="0">
+            <a:schemeClr val="accent1"/>
+          </a:fillRef>
+          <a:effectRef idx="0">
+            <a:schemeClr val="accent1"/>
+          </a:effectRef>
+          <a:fontRef idx="minor">
+            <a:schemeClr val="tx1"/>
+          </a:fontRef>
+        </p:style>
+      </p:cxnSp>
+      <p:sp>
+        <p:nvSpPr>
+          <p:cNvPr id="9" name="ZoneTexte 8"/>
+          <p:cNvSpPr txBox="1"/>
+          <p:nvPr/>
+        </p:nvSpPr>
+        <p:spPr>
+          <a:xfrm>
+            <a:off x="323528" y="4653136"/>
+            <a:ext cx="1152128" cy="646331"/>
+          </a:xfrm>
+          <a:prstGeom prst="rect">
+            <a:avLst/>
+          </a:prstGeom>
+          <a:noFill/>
+        </p:spPr>
+        <p:txBody>
+          <a:bodyPr wrap="square" rtlCol="0">
+            <a:spAutoFit/>
+          </a:bodyPr>
+          <a:lstStyle/>
+          <a:p>
+            <a:r>
+              <a:rPr lang="fr-FR" dirty="0" smtClean="0"/>
+              <a:t>30 </a:t>
+            </a:r>
+            <a:r>
+              <a:rPr lang="fr-FR" dirty="0" err="1" smtClean="0"/>
+              <a:t>fps</a:t>
+            </a:r>
+            <a:r>
+              <a:rPr lang="fr-FR" dirty="0" smtClean="0"/>
+              <a:t> Kinect</a:t>
+            </a:r>
+            <a:endParaRPr lang="fr-FR" dirty="0"/>
+          </a:p>
+        </p:txBody>
+      </p:sp>
+    </p:spTree>
+  </p:cSld>
+  <p:clrMapOvr>
+    <a:masterClrMapping/>
+  </p:clrMapOvr>
+  <p:timing>
+    <p:tnLst>
+      <p:par>
+        <p:cTn id="1" dur="indefinite" restart="never" nodeType="tmRoot"/>
+      </p:par>
+    </p:tnLst>
+  </p:timing>
+</p:sld>
+</file>
+
+<file path=ppt/slides/slide21.xml><?xml version="1.0" encoding="utf-8"?>
+<p:sld xmlns:a="http://schemas.openxmlformats.org/drawingml/2006/main" xmlns:r="http://schemas.openxmlformats.org/officeDocument/2006/relationships" xmlns:p="http://schemas.openxmlformats.org/presentationml/2006/main">
+  <p:cSld>
+    <p:spTree>
+      <p:nvGrpSpPr>
+        <p:cNvPr id="1" name=""/>
+        <p:cNvGrpSpPr/>
+        <p:nvPr/>
+      </p:nvGrpSpPr>
+      <p:grpSpPr>
+        <a:xfrm>
+          <a:off x="0" y="0"/>
+          <a:ext cx="0" cy="0"/>
+          <a:chOff x="0" y="0"/>
+          <a:chExt cx="0" cy="0"/>
+        </a:xfrm>
+      </p:grpSpPr>
+      <p:sp>
+        <p:nvSpPr>
+          <p:cNvPr id="2" name="Titre 1"/>
+          <p:cNvSpPr>
+            <a:spLocks noGrp="1"/>
+          </p:cNvSpPr>
+          <p:nvPr>
+            <p:ph type="title"/>
+          </p:nvPr>
+        </p:nvSpPr>
+        <p:spPr/>
+        <p:txBody>
+          <a:bodyPr>
+            <a:normAutofit/>
+          </a:bodyPr>
+          <a:lstStyle/>
+          <a:p>
+            <a:r>
+              <a:rPr lang="fr-FR" dirty="0" smtClean="0"/>
+              <a:t>Word i</a:t>
+            </a:r>
+            <a:r>
+              <a:rPr lang="fr-FR" dirty="0" smtClean="0"/>
+              <a:t>nput speed</a:t>
+            </a:r>
+            <a:endParaRPr lang="fr-FR" dirty="0"/>
+          </a:p>
+        </p:txBody>
+      </p:sp>
+      <p:sp>
+        <p:nvSpPr>
+          <p:cNvPr id="5" name="Espace réservé du texte 4"/>
+          <p:cNvSpPr>
+            <a:spLocks noGrp="1"/>
+          </p:cNvSpPr>
+          <p:nvPr>
+            <p:ph type="body" idx="1"/>
+          </p:nvPr>
+        </p:nvSpPr>
+        <p:spPr/>
+        <p:txBody>
+          <a:bodyPr/>
+          <a:lstStyle/>
+          <a:p>
+            <a:r>
+              <a:rPr lang="fr-FR" dirty="0" err="1" smtClean="0"/>
+              <a:t>Circular</a:t>
+            </a:r>
+            <a:r>
+              <a:rPr lang="fr-FR" dirty="0" smtClean="0"/>
+              <a:t> Keyboard</a:t>
+            </a:r>
+            <a:endParaRPr lang="fr-FR" dirty="0"/>
+          </a:p>
+        </p:txBody>
+      </p:sp>
+      <p:sp>
+        <p:nvSpPr>
+          <p:cNvPr id="7" name="Espace réservé du texte 6"/>
+          <p:cNvSpPr>
+            <a:spLocks noGrp="1"/>
+          </p:cNvSpPr>
+          <p:nvPr>
+            <p:ph type="body" sz="half" idx="3"/>
+          </p:nvPr>
+        </p:nvSpPr>
+        <p:spPr/>
+        <p:txBody>
+          <a:bodyPr/>
+          <a:lstStyle/>
+          <a:p>
+            <a:r>
+              <a:rPr lang="fr-FR" dirty="0" smtClean="0"/>
+              <a:t>T9 Keyboard</a:t>
+            </a:r>
+            <a:endParaRPr lang="fr-FR" dirty="0"/>
+          </a:p>
+        </p:txBody>
+      </p:sp>
+      <p:sp>
+        <p:nvSpPr>
+          <p:cNvPr id="4" name="Espace réservé du numéro de diapositive 3"/>
+          <p:cNvSpPr>
+            <a:spLocks noGrp="1"/>
+          </p:cNvSpPr>
+          <p:nvPr>
+            <p:ph type="sldNum" sz="quarter" idx="12"/>
+          </p:nvPr>
+        </p:nvSpPr>
+        <p:spPr/>
+        <p:txBody>
+          <a:bodyPr/>
+          <a:lstStyle/>
+          <a:p>
+            <a:fld id="{AB9DB7C7-3B7A-421A-AF98-AB9FC2185CD3}" type="slidenum">
+              <a:rPr lang="fr-FR" smtClean="0"/>
+              <a:pPr/>
+              <a:t>21</a:t>
             </a:fld>
             <a:endParaRPr lang="fr-FR" dirty="0"/>
           </a:p>
@@ -8500,7 +9181,7 @@
           </p:nvPr>
         </p:nvPicPr>
         <p:blipFill>
-          <a:blip r:embed="rId2" cstate="print"/>
+          <a:blip r:embed="rId3" cstate="print"/>
           <a:srcRect/>
           <a:stretch>
             <a:fillRect/>
@@ -8534,7 +9215,7 @@
           </p:nvPr>
         </p:nvPicPr>
         <p:blipFill>
-          <a:blip r:embed="rId3" cstate="print"/>
+          <a:blip r:embed="rId4" cstate="print"/>
           <a:srcRect/>
           <a:stretch>
             <a:fillRect/>
@@ -8572,7 +9253,7 @@
 </p:sld>
 </file>
 
-<file path=ppt/slides/slide19.xml><?xml version="1.0" encoding="utf-8"?>
+<file path=ppt/slides/slide22.xml><?xml version="1.0" encoding="utf-8"?>
 <p:sld xmlns:a="http://schemas.openxmlformats.org/drawingml/2006/main" xmlns:r="http://schemas.openxmlformats.org/officeDocument/2006/relationships" xmlns:p="http://schemas.openxmlformats.org/presentationml/2006/main">
   <p:cSld>
     <p:spTree>
@@ -8606,15 +9287,11 @@
           <a:p>
             <a:r>
               <a:rPr lang="fr-FR" dirty="0" smtClean="0"/>
-              <a:t>Input </a:t>
-            </a:r>
-            <a:r>
-              <a:rPr lang="fr-FR" dirty="0" err="1" smtClean="0"/>
-              <a:t>word</a:t>
+              <a:t>Word input </a:t>
             </a:r>
             <a:r>
               <a:rPr lang="fr-FR" dirty="0" smtClean="0"/>
-              <a:t> speed</a:t>
+              <a:t>speed</a:t>
             </a:r>
             <a:endParaRPr lang="fr-FR" dirty="0"/>
           </a:p>
@@ -8688,7 +9365,7 @@
             <a:fld id="{AB9DB7C7-3B7A-421A-AF98-AB9FC2185CD3}" type="slidenum">
               <a:rPr lang="fr-FR" smtClean="0"/>
               <a:pPr/>
-              <a:t>19</a:t>
+              <a:t>22</a:t>
             </a:fld>
             <a:endParaRPr lang="fr-FR" dirty="0"/>
           </a:p>
@@ -8749,7 +9426,7 @@
 </p:sld>
 </file>
 
-<file path=ppt/slides/slide2.xml><?xml version="1.0" encoding="utf-8"?>
+<file path=ppt/slides/slide23.xml><?xml version="1.0" encoding="utf-8"?>
 <p:sld xmlns:a="http://schemas.openxmlformats.org/drawingml/2006/main" xmlns:r="http://schemas.openxmlformats.org/officeDocument/2006/relationships" xmlns:p="http://schemas.openxmlformats.org/presentationml/2006/main">
   <p:cSld>
     <p:spTree>
@@ -8768,6 +9445,189 @@
       </p:grpSpPr>
       <p:sp>
         <p:nvSpPr>
+          <p:cNvPr id="6" name="Espace réservé du contenu 2"/>
+          <p:cNvSpPr>
+            <a:spLocks noGrp="1"/>
+          </p:cNvSpPr>
+          <p:nvPr>
+            <p:ph idx="1"/>
+          </p:nvPr>
+        </p:nvSpPr>
+        <p:spPr>
+          <a:xfrm>
+            <a:off x="457200" y="1600200"/>
+            <a:ext cx="7467600" cy="4525963"/>
+          </a:xfrm>
+        </p:spPr>
+        <p:txBody>
+          <a:bodyPr>
+            <a:normAutofit fontScale="92500" lnSpcReduction="20000"/>
+          </a:bodyPr>
+          <a:lstStyle/>
+          <a:p>
+            <a:r>
+              <a:rPr lang="en-US" dirty="0" smtClean="0"/>
+              <a:t>Stable and accurate cursor</a:t>
+            </a:r>
+          </a:p>
+          <a:p>
+            <a:r>
+              <a:rPr lang="en-US" dirty="0" smtClean="0"/>
+              <a:t>Hand recognition </a:t>
+            </a:r>
+            <a:r>
+              <a:rPr lang="en-US" dirty="0" smtClean="0"/>
+              <a:t>equivalent to </a:t>
+            </a:r>
+            <a:r>
+              <a:rPr lang="en-US" dirty="0" smtClean="0"/>
+              <a:t>Kinect </a:t>
+            </a:r>
+            <a:r>
+              <a:rPr lang="en-US" dirty="0" smtClean="0"/>
+              <a:t>Skeleton</a:t>
+            </a:r>
+          </a:p>
+          <a:p>
+            <a:r>
+              <a:rPr lang="en-US" dirty="0" smtClean="0"/>
+              <a:t>TODO: </a:t>
+            </a:r>
+            <a:r>
+              <a:rPr lang="en-US" dirty="0" err="1" smtClean="0"/>
+              <a:t>rajouter</a:t>
+            </a:r>
+            <a:r>
+              <a:rPr lang="en-US" dirty="0" smtClean="0"/>
+              <a:t> </a:t>
+            </a:r>
+            <a:r>
+              <a:rPr lang="en-US" dirty="0" err="1" smtClean="0"/>
+              <a:t>que</a:t>
+            </a:r>
+            <a:r>
+              <a:rPr lang="en-US" dirty="0" smtClean="0"/>
+              <a:t> </a:t>
+            </a:r>
+            <a:r>
+              <a:rPr lang="en-US" dirty="0" err="1" smtClean="0"/>
+              <a:t>notre</a:t>
+            </a:r>
+            <a:r>
+              <a:rPr lang="en-US" dirty="0" smtClean="0"/>
+              <a:t> </a:t>
+            </a:r>
+            <a:r>
+              <a:rPr lang="en-US" dirty="0" err="1" smtClean="0"/>
+              <a:t>truc</a:t>
+            </a:r>
+            <a:r>
+              <a:rPr lang="en-US" dirty="0" smtClean="0"/>
+              <a:t> </a:t>
+            </a:r>
+            <a:r>
+              <a:rPr lang="en-US" dirty="0" err="1" smtClean="0"/>
+              <a:t>roxxe</a:t>
+            </a:r>
+            <a:r>
+              <a:rPr lang="en-US" dirty="0" smtClean="0"/>
+              <a:t> </a:t>
+            </a:r>
+            <a:r>
+              <a:rPr lang="en-US" dirty="0" err="1" smtClean="0"/>
+              <a:t>parce</a:t>
+            </a:r>
+            <a:r>
+              <a:rPr lang="en-US" dirty="0" smtClean="0"/>
+              <a:t> </a:t>
+            </a:r>
+            <a:r>
+              <a:rPr lang="en-US" dirty="0" err="1" smtClean="0"/>
+              <a:t>qu’on</a:t>
+            </a:r>
+            <a:r>
+              <a:rPr lang="en-US" dirty="0" smtClean="0"/>
+              <a:t> a pas à </a:t>
+            </a:r>
+            <a:r>
+              <a:rPr lang="en-US" dirty="0" err="1" smtClean="0"/>
+              <a:t>être</a:t>
+            </a:r>
+            <a:r>
+              <a:rPr lang="en-US" dirty="0" smtClean="0"/>
+              <a:t> </a:t>
+            </a:r>
+            <a:r>
+              <a:rPr lang="en-US" dirty="0" err="1" smtClean="0"/>
+              <a:t>debout</a:t>
+            </a:r>
+            <a:r>
+              <a:rPr lang="en-US" dirty="0" smtClean="0"/>
+              <a:t> pour </a:t>
+            </a:r>
+            <a:r>
+              <a:rPr lang="en-US" dirty="0" err="1" smtClean="0"/>
+              <a:t>l’utiliser</a:t>
+            </a:r>
+            <a:endParaRPr lang="en-US" dirty="0" smtClean="0"/>
+          </a:p>
+          <a:p>
+            <a:r>
+              <a:rPr lang="en-US" dirty="0" smtClean="0"/>
+              <a:t>Total Execution Time : </a:t>
+            </a:r>
+            <a:r>
+              <a:rPr lang="en-US" dirty="0" smtClean="0">
+                <a:solidFill>
+                  <a:srgbClr val="FFC000"/>
+                </a:solidFill>
+              </a:rPr>
+              <a:t>10 – 18 ms</a:t>
+            </a:r>
+            <a:endParaRPr lang="en-US" dirty="0" smtClean="0">
+              <a:solidFill>
+                <a:srgbClr val="FFFF00"/>
+              </a:solidFill>
+            </a:endParaRPr>
+          </a:p>
+          <a:p>
+            <a:r>
+              <a:rPr lang="en-US" dirty="0" smtClean="0"/>
+              <a:t>We are tracking 4 blobs</a:t>
+            </a:r>
+          </a:p>
+          <a:p>
+            <a:pPr lvl="1"/>
+            <a:r>
+              <a:rPr lang="en-US" dirty="0" smtClean="0"/>
+              <a:t>Single user</a:t>
+            </a:r>
+          </a:p>
+          <a:p>
+            <a:pPr lvl="1"/>
+            <a:r>
+              <a:rPr lang="en-US" dirty="0" smtClean="0"/>
+              <a:t>One blob added for safety considering the noise of </a:t>
+            </a:r>
+            <a:r>
+              <a:rPr lang="en-US" dirty="0" err="1" smtClean="0"/>
+              <a:t>Kinect’s</a:t>
+            </a:r>
+            <a:r>
+              <a:rPr lang="en-US" dirty="0" smtClean="0"/>
+              <a:t> sensors</a:t>
+            </a:r>
+          </a:p>
+          <a:p>
+            <a:r>
+              <a:rPr lang="en-US" dirty="0" smtClean="0"/>
+              <a:t>Functional distance : 1m – 2m</a:t>
+            </a:r>
+          </a:p>
+        </p:txBody>
+      </p:sp>
+      <p:sp>
+        <p:nvSpPr>
           <p:cNvPr id="2" name="Titre 1"/>
           <p:cNvSpPr>
             <a:spLocks noGrp="1"/>
@@ -8780,76 +9640,12 @@
         <p:txBody>
           <a:bodyPr/>
           <a:lstStyle/>
-          <a:p>
-            <a:r>
-              <a:rPr lang="en-US" dirty="0" smtClean="0"/>
-              <a:t>Summary</a:t>
-            </a:r>
-            <a:endParaRPr lang="en-US" dirty="0"/>
-          </a:p>
-        </p:txBody>
-      </p:sp>
-      <p:sp>
-        <p:nvSpPr>
-          <p:cNvPr id="3" name="Espace réservé du contenu 2"/>
-          <p:cNvSpPr>
-            <a:spLocks noGrp="1"/>
-          </p:cNvSpPr>
-          <p:nvPr>
-            <p:ph idx="1"/>
-          </p:nvPr>
-        </p:nvSpPr>
-        <p:spPr/>
-        <p:txBody>
-          <a:bodyPr/>
-          <a:lstStyle/>
-          <a:p>
-            <a:r>
-              <a:rPr lang="en-US" dirty="0" smtClean="0"/>
-              <a:t>Motivations</a:t>
-            </a:r>
-          </a:p>
-          <a:p>
-            <a:r>
-              <a:rPr lang="en-US" dirty="0" smtClean="0"/>
-              <a:t>Background</a:t>
-            </a:r>
-          </a:p>
-          <a:p>
-            <a:r>
-              <a:rPr lang="en-US" dirty="0" smtClean="0"/>
-              <a:t>Objectives</a:t>
-            </a:r>
-          </a:p>
-          <a:p>
-            <a:r>
-              <a:rPr lang="en-US" dirty="0" smtClean="0"/>
-              <a:t>Solution</a:t>
-            </a:r>
-          </a:p>
-          <a:p>
-            <a:r>
-              <a:rPr lang="en-US" dirty="0" smtClean="0"/>
-              <a:t>Theory/Technical</a:t>
-            </a:r>
-          </a:p>
-          <a:p>
-            <a:r>
-              <a:rPr lang="en-US" dirty="0" smtClean="0"/>
-              <a:t>Evaluation</a:t>
-            </a:r>
-          </a:p>
           <a:p>
             <a:r>
               <a:rPr lang="en-US" dirty="0" smtClean="0"/>
               <a:t>Results</a:t>
             </a:r>
-          </a:p>
-          <a:p>
-            <a:r>
-              <a:rPr lang="en-US" dirty="0" smtClean="0"/>
-              <a:t>Conclusion</a:t>
-            </a:r>
+            <a:endParaRPr lang="en-US" dirty="0"/>
           </a:p>
         </p:txBody>
       </p:sp>
@@ -8869,11 +9665,11 @@
           <a:lstStyle/>
           <a:p>
             <a:fld id="{AB9DB7C7-3B7A-421A-AF98-AB9FC2185CD3}" type="slidenum">
-              <a:rPr lang="fr-FR" smtClean="0"/>
+              <a:rPr lang="en-US" smtClean="0"/>
               <a:pPr/>
-              <a:t>2</a:t>
+              <a:t>23</a:t>
             </a:fld>
-            <a:endParaRPr lang="fr-FR" dirty="0"/>
+            <a:endParaRPr lang="en-US"/>
           </a:p>
         </p:txBody>
       </p:sp>
@@ -8892,7 +9688,7 @@
 </p:sld>
 </file>
 
-<file path=ppt/slides/slide20.xml><?xml version="1.0" encoding="utf-8"?>
+<file path=ppt/slides/slide24.xml><?xml version="1.0" encoding="utf-8"?>
 <p:sld xmlns:a="http://schemas.openxmlformats.org/drawingml/2006/main" xmlns:r="http://schemas.openxmlformats.org/officeDocument/2006/relationships" xmlns:p="http://schemas.openxmlformats.org/presentationml/2006/main">
   <p:cSld>
     <p:spTree>
@@ -8911,7 +9707,30 @@
       </p:grpSpPr>
       <p:sp>
         <p:nvSpPr>
-          <p:cNvPr id="6" name="Espace réservé du contenu 2"/>
+          <p:cNvPr id="2" name="Titre 1"/>
+          <p:cNvSpPr>
+            <a:spLocks noGrp="1"/>
+          </p:cNvSpPr>
+          <p:nvPr>
+            <p:ph type="title"/>
+          </p:nvPr>
+        </p:nvSpPr>
+        <p:spPr/>
+        <p:txBody>
+          <a:bodyPr/>
+          <a:lstStyle/>
+          <a:p>
+            <a:r>
+              <a:rPr lang="fr-FR" dirty="0" smtClean="0"/>
+              <a:t>Conclusion</a:t>
+            </a:r>
+            <a:endParaRPr lang="fr-FR" dirty="0"/>
+          </a:p>
+        </p:txBody>
+      </p:sp>
+      <p:sp>
+        <p:nvSpPr>
+          <p:cNvPr id="3" name="Espace réservé du contenu 2"/>
           <p:cNvSpPr>
             <a:spLocks noGrp="1"/>
           </p:cNvSpPr>
@@ -8919,92 +9738,104 @@
             <p:ph idx="1"/>
           </p:nvPr>
         </p:nvSpPr>
-        <p:spPr>
-          <a:xfrm>
-            <a:off x="457200" y="1600200"/>
-            <a:ext cx="7467600" cy="4525963"/>
-          </a:xfrm>
-        </p:spPr>
+        <p:spPr/>
         <p:txBody>
           <a:bodyPr>
-            <a:normAutofit lnSpcReduction="10000"/>
+            <a:normAutofit fontScale="85000" lnSpcReduction="20000"/>
           </a:bodyPr>
           <a:lstStyle/>
           <a:p>
             <a:r>
               <a:rPr lang="en-US" dirty="0" smtClean="0"/>
-              <a:t>Stable and accurate cursor</a:t>
-            </a:r>
-          </a:p>
-          <a:p>
+              <a:t>Features offered by the Kinect</a:t>
+            </a:r>
+          </a:p>
+          <a:p>
+            <a:pPr lvl="1"/>
             <a:r>
               <a:rPr lang="en-US" dirty="0" smtClean="0"/>
-              <a:t>Hand recognition on par with Kinect Skeleton</a:t>
-            </a:r>
-          </a:p>
-          <a:p>
+              <a:t>Depth data</a:t>
+            </a:r>
+          </a:p>
+          <a:p>
+            <a:pPr lvl="1"/>
             <a:r>
               <a:rPr lang="en-US" dirty="0" smtClean="0"/>
-              <a:t>Total Execution Time : </a:t>
-            </a:r>
-            <a:r>
-              <a:rPr lang="en-US" dirty="0" smtClean="0">
-                <a:solidFill>
-                  <a:srgbClr val="FFC000"/>
-                </a:solidFill>
-              </a:rPr>
-              <a:t>10 – 18 ms</a:t>
-            </a:r>
-            <a:endParaRPr lang="en-US" dirty="0" smtClean="0">
-              <a:solidFill>
-                <a:srgbClr val="FFFF00"/>
-              </a:solidFill>
-            </a:endParaRPr>
-          </a:p>
-          <a:p>
+              <a:t>Color data</a:t>
+            </a:r>
+          </a:p>
+          <a:p>
+            <a:pPr lvl="1"/>
             <a:r>
               <a:rPr lang="en-US" dirty="0" smtClean="0"/>
-              <a:t>We are tracking 4 blobs</a:t>
+              <a:t>Skeleton recognition</a:t>
+            </a:r>
+          </a:p>
+          <a:p>
+            <a:pPr lvl="1">
+              <a:buNone/>
+            </a:pPr>
+            <a:endParaRPr lang="en-US" dirty="0" smtClean="0"/>
+          </a:p>
+          <a:p>
+            <a:r>
+              <a:rPr lang="en-US" dirty="0" smtClean="0"/>
+              <a:t>Limitations</a:t>
             </a:r>
           </a:p>
           <a:p>
             <a:pPr lvl="1"/>
             <a:r>
               <a:rPr lang="en-US" dirty="0" smtClean="0"/>
-              <a:t>Single user</a:t>
+              <a:t>Distance</a:t>
             </a:r>
           </a:p>
           <a:p>
             <a:pPr lvl="1"/>
             <a:r>
               <a:rPr lang="en-US" dirty="0" smtClean="0"/>
-              <a:t>One blob added for safety considering the noise of </a:t>
-            </a:r>
-            <a:r>
-              <a:rPr lang="en-US" dirty="0" err="1" smtClean="0"/>
-              <a:t>Kinect’s</a:t>
-            </a:r>
+              <a:t>Accuracy when not standing up</a:t>
+            </a:r>
+          </a:p>
+          <a:p>
+            <a:pPr lvl="1">
+              <a:buNone/>
+            </a:pPr>
+            <a:endParaRPr lang="en-US" dirty="0" smtClean="0"/>
+          </a:p>
+          <a:p>
             <a:r>
               <a:rPr lang="en-US" dirty="0" smtClean="0"/>
-              <a:t> sensors</a:t>
-            </a:r>
+              <a:t>“Easy-to-use” camera</a:t>
+            </a:r>
+          </a:p>
+          <a:p>
+            <a:endParaRPr lang="en-US" dirty="0" smtClean="0"/>
           </a:p>
           <a:p>
             <a:r>
               <a:rPr lang="en-US" dirty="0" smtClean="0"/>
-              <a:t>Functional distance : 1m – 2m</a:t>
-            </a:r>
-          </a:p>
-        </p:txBody>
-      </p:sp>
-      <p:sp>
-        <p:nvSpPr>
-          <p:cNvPr id="2" name="Titre 1"/>
-          <p:cNvSpPr>
-            <a:spLocks noGrp="1"/>
-          </p:cNvSpPr>
-          <p:nvPr>
-            <p:ph type="title"/>
+              <a:t>PC Kinect in </a:t>
+            </a:r>
+            <a:r>
+              <a:rPr lang="en-US" dirty="0" smtClean="0"/>
+              <a:t>released (TODO: specs)</a:t>
+            </a:r>
+            <a:endParaRPr lang="en-US" dirty="0" smtClean="0"/>
+          </a:p>
+          <a:p>
+            <a:endParaRPr lang="fr-FR" dirty="0"/>
+          </a:p>
+        </p:txBody>
+      </p:sp>
+      <p:sp>
+        <p:nvSpPr>
+          <p:cNvPr id="4" name="Espace réservé du numéro de diapositive 3"/>
+          <p:cNvSpPr>
+            <a:spLocks noGrp="1"/>
+          </p:cNvSpPr>
+          <p:nvPr>
+            <p:ph type="sldNum" sz="quarter" idx="12"/>
           </p:nvPr>
         </p:nvSpPr>
         <p:spPr/>
@@ -9012,35 +9843,12 @@
           <a:bodyPr/>
           <a:lstStyle/>
           <a:p>
-            <a:r>
-              <a:rPr lang="en-US" dirty="0" smtClean="0"/>
-              <a:t>Results</a:t>
-            </a:r>
-            <a:endParaRPr lang="en-US" dirty="0"/>
-          </a:p>
-        </p:txBody>
-      </p:sp>
-      <p:sp>
-        <p:nvSpPr>
-          <p:cNvPr id="4" name="Espace réservé du numéro de diapositive 3"/>
-          <p:cNvSpPr>
-            <a:spLocks noGrp="1"/>
-          </p:cNvSpPr>
-          <p:nvPr>
-            <p:ph type="sldNum" sz="quarter" idx="12"/>
-          </p:nvPr>
-        </p:nvSpPr>
-        <p:spPr/>
-        <p:txBody>
-          <a:bodyPr/>
-          <a:lstStyle/>
-          <a:p>
             <a:fld id="{AB9DB7C7-3B7A-421A-AF98-AB9FC2185CD3}" type="slidenum">
-              <a:rPr lang="en-US" smtClean="0"/>
+              <a:rPr lang="fr-FR" smtClean="0"/>
               <a:pPr/>
-              <a:t>20</a:t>
+              <a:t>24</a:t>
             </a:fld>
-            <a:endParaRPr lang="en-US"/>
+            <a:endParaRPr lang="fr-FR" dirty="0"/>
           </a:p>
         </p:txBody>
       </p:sp>
@@ -9059,7 +9867,7 @@
 </p:sld>
 </file>
 
-<file path=ppt/slides/slide21.xml><?xml version="1.0" encoding="utf-8"?>
+<file path=ppt/slides/slide25.xml><?xml version="1.0" encoding="utf-8"?>
 <p:sld xmlns:a="http://schemas.openxmlformats.org/drawingml/2006/main" xmlns:r="http://schemas.openxmlformats.org/officeDocument/2006/relationships" xmlns:p="http://schemas.openxmlformats.org/presentationml/2006/main">
   <p:cSld>
     <p:spTree>
@@ -9078,187 +9886,6 @@
       </p:grpSpPr>
       <p:sp>
         <p:nvSpPr>
-          <p:cNvPr id="2" name="Titre 1"/>
-          <p:cNvSpPr>
-            <a:spLocks noGrp="1"/>
-          </p:cNvSpPr>
-          <p:nvPr>
-            <p:ph type="title"/>
-          </p:nvPr>
-        </p:nvSpPr>
-        <p:spPr/>
-        <p:txBody>
-          <a:bodyPr/>
-          <a:lstStyle/>
-          <a:p>
-            <a:r>
-              <a:rPr lang="fr-FR" dirty="0" smtClean="0"/>
-              <a:t>Conclusion</a:t>
-            </a:r>
-            <a:endParaRPr lang="fr-FR" dirty="0"/>
-          </a:p>
-        </p:txBody>
-      </p:sp>
-      <p:sp>
-        <p:nvSpPr>
-          <p:cNvPr id="3" name="Espace réservé du contenu 2"/>
-          <p:cNvSpPr>
-            <a:spLocks noGrp="1"/>
-          </p:cNvSpPr>
-          <p:nvPr>
-            <p:ph idx="1"/>
-          </p:nvPr>
-        </p:nvSpPr>
-        <p:spPr/>
-        <p:txBody>
-          <a:bodyPr>
-            <a:normAutofit fontScale="77500" lnSpcReduction="20000"/>
-          </a:bodyPr>
-          <a:lstStyle/>
-          <a:p>
-            <a:r>
-              <a:rPr lang="en-US" dirty="0" smtClean="0"/>
-              <a:t>Features offered by the Kinect</a:t>
-            </a:r>
-          </a:p>
-          <a:p>
-            <a:pPr lvl="1"/>
-            <a:r>
-              <a:rPr lang="en-US" dirty="0" smtClean="0"/>
-              <a:t>Depth data</a:t>
-            </a:r>
-          </a:p>
-          <a:p>
-            <a:pPr lvl="1"/>
-            <a:r>
-              <a:rPr lang="en-US" dirty="0" smtClean="0"/>
-              <a:t>Color data</a:t>
-            </a:r>
-          </a:p>
-          <a:p>
-            <a:pPr lvl="1"/>
-            <a:r>
-              <a:rPr lang="en-US" dirty="0" smtClean="0"/>
-              <a:t>Skeleton recognition</a:t>
-            </a:r>
-          </a:p>
-          <a:p>
-            <a:pPr lvl="1">
-              <a:buNone/>
-            </a:pPr>
-            <a:endParaRPr lang="en-US" dirty="0" smtClean="0"/>
-          </a:p>
-          <a:p>
-            <a:r>
-              <a:rPr lang="en-US" dirty="0" smtClean="0"/>
-              <a:t>Limitations</a:t>
-            </a:r>
-          </a:p>
-          <a:p>
-            <a:pPr lvl="1"/>
-            <a:r>
-              <a:rPr lang="en-US" dirty="0" smtClean="0"/>
-              <a:t>Distance</a:t>
-            </a:r>
-          </a:p>
-          <a:p>
-            <a:pPr lvl="1"/>
-            <a:r>
-              <a:rPr lang="en-US" dirty="0" smtClean="0"/>
-              <a:t>Accuracy when not standing up</a:t>
-            </a:r>
-          </a:p>
-          <a:p>
-            <a:pPr lvl="1">
-              <a:buNone/>
-            </a:pPr>
-            <a:endParaRPr lang="en-US" dirty="0" smtClean="0"/>
-          </a:p>
-          <a:p>
-            <a:r>
-              <a:rPr lang="en-US" dirty="0" smtClean="0"/>
-              <a:t>“Easy-to-use” camera</a:t>
-            </a:r>
-          </a:p>
-          <a:p>
-            <a:endParaRPr lang="en-US" dirty="0" smtClean="0"/>
-          </a:p>
-          <a:p>
-            <a:r>
-              <a:rPr lang="en-US" dirty="0" smtClean="0"/>
-              <a:t>PC Kinect in development</a:t>
-            </a:r>
-            <a:br>
-              <a:rPr lang="en-US" dirty="0" smtClean="0"/>
-            </a:br>
-            <a:r>
-              <a:rPr lang="en-US" dirty="0" smtClean="0"/>
-              <a:t>Minimum Depth : 50 cm (1m with the current Kinect)</a:t>
-            </a:r>
-          </a:p>
-          <a:p>
-            <a:endParaRPr lang="fr-FR" dirty="0"/>
-          </a:p>
-        </p:txBody>
-      </p:sp>
-      <p:sp>
-        <p:nvSpPr>
-          <p:cNvPr id="4" name="Espace réservé du numéro de diapositive 3"/>
-          <p:cNvSpPr>
-            <a:spLocks noGrp="1"/>
-          </p:cNvSpPr>
-          <p:nvPr>
-            <p:ph type="sldNum" sz="quarter" idx="12"/>
-          </p:nvPr>
-        </p:nvSpPr>
-        <p:spPr/>
-        <p:txBody>
-          <a:bodyPr/>
-          <a:lstStyle/>
-          <a:p>
-            <a:fld id="{AB9DB7C7-3B7A-421A-AF98-AB9FC2185CD3}" type="slidenum">
-              <a:rPr lang="fr-FR" smtClean="0"/>
-              <a:pPr/>
-              <a:t>21</a:t>
-            </a:fld>
-            <a:endParaRPr lang="fr-FR" dirty="0"/>
-          </a:p>
-        </p:txBody>
-      </p:sp>
-    </p:spTree>
-  </p:cSld>
-  <p:clrMapOvr>
-    <a:masterClrMapping/>
-  </p:clrMapOvr>
-  <p:timing>
-    <p:tnLst>
-      <p:par>
-        <p:cTn id="1" dur="indefinite" restart="never" nodeType="tmRoot"/>
-      </p:par>
-    </p:tnLst>
-  </p:timing>
-</p:sld>
-</file>
-
-<file path=ppt/slides/slide22.xml><?xml version="1.0" encoding="utf-8"?>
-<p:sld xmlns:a="http://schemas.openxmlformats.org/drawingml/2006/main" xmlns:r="http://schemas.openxmlformats.org/officeDocument/2006/relationships" xmlns:p="http://schemas.openxmlformats.org/presentationml/2006/main">
-  <p:cSld>
-    <p:spTree>
-      <p:nvGrpSpPr>
-        <p:cNvPr id="1" name=""/>
-        <p:cNvGrpSpPr/>
-        <p:nvPr/>
-      </p:nvGrpSpPr>
-      <p:grpSpPr>
-        <a:xfrm>
-          <a:off x="0" y="0"/>
-          <a:ext cx="0" cy="0"/>
-          <a:chOff x="0" y="0"/>
-          <a:chExt cx="0" cy="0"/>
-        </a:xfrm>
-      </p:grpSpPr>
-      <p:sp>
-        <p:nvSpPr>
           <p:cNvPr id="5" name="Titre 4"/>
           <p:cNvSpPr>
             <a:spLocks noGrp="1"/>
@@ -9304,7 +9931,7 @@
             <a:fld id="{AB9DB7C7-3B7A-421A-AF98-AB9FC2185CD3}" type="slidenum">
               <a:rPr lang="fr-FR" smtClean="0"/>
               <a:pPr/>
-              <a:t>22</a:t>
+              <a:t>25</a:t>
             </a:fld>
             <a:endParaRPr lang="fr-FR" dirty="0"/>
           </a:p>

--- a/Pr�sentation/Pr�sentation_NUI.pptx
+++ b/Pr�sentation/Pr�sentation_NUI.pptx
@@ -193,13 +193,13 @@
                   <c:v>4.201918</c:v>
                 </c:pt>
                 <c:pt idx="1">
-                  <c:v>1.0630710999999973</c:v>
+                  <c:v>1.0630710999999968</c:v>
                 </c:pt>
                 <c:pt idx="2">
-                  <c:v>0.28386960000000067</c:v>
+                  <c:v>0.28386960000000078</c:v>
                 </c:pt>
                 <c:pt idx="3">
-                  <c:v>0.15299750000000042</c:v>
+                  <c:v>0.15299750000000048</c:v>
                 </c:pt>
                 <c:pt idx="4">
                   <c:v>4.9843000000000103E-2</c:v>
@@ -258,33 +258,33 @@
                 <c:formatCode>General</c:formatCode>
                 <c:ptCount val="6"/>
                 <c:pt idx="0">
-                  <c:v>3.460000000000017E-5</c:v>
+                  <c:v>3.4600000000000197E-5</c:v>
                 </c:pt>
                 <c:pt idx="1">
-                  <c:v>3.4000000000000162E-5</c:v>
+                  <c:v>3.4000000000000189E-5</c:v>
                 </c:pt>
                 <c:pt idx="2">
-                  <c:v>3.0700000000000143E-5</c:v>
+                  <c:v>3.0700000000000163E-5</c:v>
                 </c:pt>
                 <c:pt idx="3">
-                  <c:v>5.7700000000000332E-5</c:v>
+                  <c:v>5.7700000000000373E-5</c:v>
                 </c:pt>
                 <c:pt idx="4">
-                  <c:v>3.3300000000000139E-5</c:v>
+                  <c:v>3.3300000000000152E-5</c:v>
                 </c:pt>
                 <c:pt idx="5">
-                  <c:v>3.460000000000017E-5</c:v>
+                  <c:v>3.4600000000000197E-5</c:v>
                 </c:pt>
               </c:numCache>
             </c:numRef>
           </c:val>
         </c:ser>
         <c:marker val="1"/>
-        <c:axId val="68506368"/>
-        <c:axId val="68507904"/>
+        <c:axId val="95618176"/>
+        <c:axId val="95619712"/>
       </c:lineChart>
       <c:catAx>
-        <c:axId val="68506368"/>
+        <c:axId val="95618176"/>
         <c:scaling>
           <c:orientation val="minMax"/>
         </c:scaling>
@@ -300,14 +300,14 @@
             <a:endParaRPr lang="fr-FR"/>
           </a:p>
         </c:txPr>
-        <c:crossAx val="68507904"/>
-        <c:crossesAt val="1.0000000000000053E-5"/>
+        <c:crossAx val="95619712"/>
+        <c:crossesAt val="1.000000000000006E-5"/>
         <c:auto val="1"/>
         <c:lblAlgn val="ctr"/>
         <c:lblOffset val="100"/>
       </c:catAx>
       <c:valAx>
-        <c:axId val="68507904"/>
+        <c:axId val="95619712"/>
         <c:scaling>
           <c:logBase val="10"/>
           <c:orientation val="minMax"/>
@@ -317,7 +317,7 @@
         <c:numFmt formatCode="General" sourceLinked="1"/>
         <c:minorTickMark val="in"/>
         <c:tickLblPos val="nextTo"/>
-        <c:crossAx val="68506368"/>
+        <c:crossAx val="95618176"/>
         <c:crosses val="autoZero"/>
         <c:crossBetween val="between"/>
       </c:valAx>
@@ -345,7 +345,6 @@
 
 <file path=ppt/charts/chart2.xml><?xml version="1.0" encoding="utf-8"?>
 <c:chartSpace xmlns:c="http://schemas.openxmlformats.org/drawingml/2006/chart" xmlns:a="http://schemas.openxmlformats.org/drawingml/2006/main" xmlns:r="http://schemas.openxmlformats.org/officeDocument/2006/relationships">
-  <c:date1904 val="1"/>
   <c:lang val="fr-FR"/>
   <c:chart>
     <c:plotArea>
@@ -395,16 +394,16 @@
                 <c:formatCode>General</c:formatCode>
                 <c:ptCount val="6"/>
                 <c:pt idx="0">
-                  <c:v>0.76500000000000024</c:v>
+                  <c:v>0.76500000000000001</c:v>
                 </c:pt>
                 <c:pt idx="1">
                   <c:v>0.81799999999999995</c:v>
                 </c:pt>
                 <c:pt idx="2">
-                  <c:v>0.7280000000000002</c:v>
+                  <c:v>0.72799999999999998</c:v>
                 </c:pt>
                 <c:pt idx="3">
-                  <c:v>0.61100000000000021</c:v>
+                  <c:v>0.61099999999999999</c:v>
                 </c:pt>
                 <c:pt idx="4">
                   <c:v>0.57099999999999995</c:v>
@@ -420,15 +419,8 @@
           <c:idx val="1"/>
           <c:order val="1"/>
           <c:tx>
-            <c:v>Kinect Hands</c:v>
+            <c:v>Hand recognition system</c:v>
           </c:tx>
-          <c:spPr>
-            <a:ln>
-              <a:solidFill>
-                <a:srgbClr val="FFFF00"/>
-              </a:solidFill>
-            </a:ln>
-          </c:spPr>
           <c:marker>
             <c:symbol val="none"/>
           </c:marker>
@@ -445,7 +437,7 @@
                   <c:v>2.92</c:v>
                 </c:pt>
                 <c:pt idx="2">
-                  <c:v>2.4499999999999997</c:v>
+                  <c:v>2.4500000000000002</c:v>
                 </c:pt>
                 <c:pt idx="3">
                   <c:v>3.03</c:v>
@@ -492,38 +484,38 @@
                   <c:v>2.2890000000000001</c:v>
                 </c:pt>
                 <c:pt idx="3">
-                  <c:v>2.3509999999999991</c:v>
+                  <c:v>2.351</c:v>
                 </c:pt>
                 <c:pt idx="4">
                   <c:v>2.0840000000000001</c:v>
                 </c:pt>
                 <c:pt idx="5">
-                  <c:v>1.7749999999999995</c:v>
+                  <c:v>1.7749999999999999</c:v>
                 </c:pt>
               </c:numCache>
             </c:numRef>
           </c:val>
         </c:ser>
         <c:marker val="1"/>
-        <c:axId val="77156352"/>
-        <c:axId val="77159040"/>
+        <c:axId val="93372800"/>
+        <c:axId val="93374720"/>
       </c:lineChart>
       <c:catAx>
-        <c:axId val="77156352"/>
+        <c:axId val="93372800"/>
         <c:scaling>
           <c:orientation val="minMax"/>
         </c:scaling>
         <c:axPos val="b"/>
         <c:numFmt formatCode="General" sourceLinked="1"/>
         <c:tickLblPos val="nextTo"/>
-        <c:crossAx val="77159040"/>
+        <c:crossAx val="93374720"/>
         <c:crosses val="autoZero"/>
         <c:auto val="1"/>
         <c:lblAlgn val="ctr"/>
         <c:lblOffset val="100"/>
       </c:catAx>
       <c:valAx>
-        <c:axId val="77159040"/>
+        <c:axId val="93374720"/>
         <c:scaling>
           <c:orientation val="minMax"/>
         </c:scaling>
@@ -531,7 +523,7 @@
         <c:majorGridlines/>
         <c:numFmt formatCode="General" sourceLinked="1"/>
         <c:tickLblPos val="nextTo"/>
-        <c:crossAx val="77156352"/>
+        <c:crossAx val="93372800"/>
         <c:crosses val="autoZero"/>
         <c:crossBetween val="between"/>
       </c:valAx>
@@ -558,7 +550,6 @@
 
 <file path=ppt/charts/chart3.xml><?xml version="1.0" encoding="utf-8"?>
 <c:chartSpace xmlns:c="http://schemas.openxmlformats.org/drawingml/2006/chart" xmlns:a="http://schemas.openxmlformats.org/drawingml/2006/main" xmlns:r="http://schemas.openxmlformats.org/officeDocument/2006/relationships">
-  <c:date1904 val="1"/>
   <c:lang val="fr-FR"/>
   <c:chart>
     <c:plotArea>
@@ -608,7 +599,7 @@
                 <c:formatCode>General</c:formatCode>
                 <c:ptCount val="6"/>
                 <c:pt idx="0">
-                  <c:v>4.6199999999999966</c:v>
+                  <c:v>4.62</c:v>
                 </c:pt>
                 <c:pt idx="1">
                   <c:v>4.71</c:v>
@@ -633,7 +624,7 @@
           <c:idx val="1"/>
           <c:order val="1"/>
           <c:tx>
-            <c:v>Kinect Hands</c:v>
+            <c:v>Hand recognition system</c:v>
           </c:tx>
           <c:marker>
             <c:symbol val="none"/>
@@ -678,7 +669,7 @@
                   <c:v>21.16</c:v>
                 </c:pt>
                 <c:pt idx="2">
-                  <c:v>16.939999999999987</c:v>
+                  <c:v>16.940000000000001</c:v>
                 </c:pt>
                 <c:pt idx="3">
                   <c:v>24.99</c:v>
@@ -755,7 +746,7 @@
                   <c:v>26.03</c:v>
                 </c:pt>
                 <c:pt idx="4">
-                  <c:v>31.810000000000031</c:v>
+                  <c:v>31.81</c:v>
                 </c:pt>
                 <c:pt idx="5">
                   <c:v>57.44</c:v>
@@ -765,25 +756,25 @@
           </c:val>
         </c:ser>
         <c:marker val="1"/>
-        <c:axId val="63339904"/>
-        <c:axId val="63355904"/>
+        <c:axId val="76406144"/>
+        <c:axId val="77724288"/>
       </c:lineChart>
       <c:catAx>
-        <c:axId val="63339904"/>
+        <c:axId val="76406144"/>
         <c:scaling>
           <c:orientation val="minMax"/>
         </c:scaling>
         <c:axPos val="b"/>
         <c:numFmt formatCode="General" sourceLinked="1"/>
         <c:tickLblPos val="nextTo"/>
-        <c:crossAx val="63355904"/>
+        <c:crossAx val="77724288"/>
         <c:crosses val="autoZero"/>
         <c:auto val="1"/>
         <c:lblAlgn val="ctr"/>
         <c:lblOffset val="100"/>
       </c:catAx>
       <c:valAx>
-        <c:axId val="63355904"/>
+        <c:axId val="77724288"/>
         <c:scaling>
           <c:orientation val="minMax"/>
         </c:scaling>
@@ -791,7 +782,7 @@
         <c:majorGridlines/>
         <c:numFmt formatCode="General" sourceLinked="1"/>
         <c:tickLblPos val="nextTo"/>
-        <c:crossAx val="63339904"/>
+        <c:crossAx val="76406144"/>
         <c:crosses val="autoZero"/>
         <c:crossBetween val="between"/>
       </c:valAx>
@@ -818,7 +809,6 @@
 
 <file path=ppt/charts/chart4.xml><?xml version="1.0" encoding="utf-8"?>
 <c:chartSpace xmlns:c="http://schemas.openxmlformats.org/drawingml/2006/chart" xmlns:a="http://schemas.openxmlformats.org/drawingml/2006/main" xmlns:r="http://schemas.openxmlformats.org/officeDocument/2006/relationships">
-  <c:date1904 val="1"/>
   <c:lang val="fr-FR"/>
   <c:chart>
     <c:plotArea>
@@ -893,7 +883,7 @@
           <c:idx val="1"/>
           <c:order val="1"/>
           <c:tx>
-            <c:v>Kinect Hands</c:v>
+            <c:v>Hand recognition system</c:v>
           </c:tx>
           <c:marker>
             <c:symbol val="none"/>
@@ -908,7 +898,7 @@
                   <c:v>74.86</c:v>
                 </c:pt>
                 <c:pt idx="1">
-                  <c:v>94.910000000000025</c:v>
+                  <c:v>94.91</c:v>
                 </c:pt>
                 <c:pt idx="2">
                   <c:v>95.34</c:v>
@@ -958,7 +948,7 @@
                   <c:v>97.26</c:v>
                 </c:pt>
                 <c:pt idx="3">
-                  <c:v>99.490000000000023</c:v>
+                  <c:v>99.49</c:v>
                 </c:pt>
                 <c:pt idx="4">
                   <c:v>100</c:v>
@@ -971,25 +961,25 @@
           </c:val>
         </c:ser>
         <c:marker val="1"/>
-        <c:axId val="67591552"/>
-        <c:axId val="77478528"/>
+        <c:axId val="76378880"/>
+        <c:axId val="76380416"/>
       </c:lineChart>
       <c:catAx>
-        <c:axId val="67591552"/>
+        <c:axId val="76378880"/>
         <c:scaling>
           <c:orientation val="minMax"/>
         </c:scaling>
         <c:axPos val="b"/>
         <c:numFmt formatCode="General" sourceLinked="1"/>
         <c:tickLblPos val="nextTo"/>
-        <c:crossAx val="77478528"/>
+        <c:crossAx val="76380416"/>
         <c:crosses val="autoZero"/>
         <c:auto val="1"/>
         <c:lblAlgn val="ctr"/>
         <c:lblOffset val="100"/>
       </c:catAx>
       <c:valAx>
-        <c:axId val="77478528"/>
+        <c:axId val="76380416"/>
         <c:scaling>
           <c:orientation val="minMax"/>
         </c:scaling>
@@ -997,7 +987,7 @@
         <c:majorGridlines/>
         <c:numFmt formatCode="General" sourceLinked="1"/>
         <c:tickLblPos val="nextTo"/>
-        <c:crossAx val="67591552"/>
+        <c:crossAx val="76378880"/>
         <c:crosses val="autoZero"/>
         <c:crossBetween val="between"/>
       </c:valAx>
@@ -1024,7 +1014,6 @@
 
 <file path=ppt/charts/chart5.xml><?xml version="1.0" encoding="utf-8"?>
 <c:chartSpace xmlns:c="http://schemas.openxmlformats.org/drawingml/2006/chart" xmlns:a="http://schemas.openxmlformats.org/drawingml/2006/main" xmlns:r="http://schemas.openxmlformats.org/officeDocument/2006/relationships">
-  <c:date1904 val="1"/>
   <c:lang val="fr-FR"/>
   <c:chart>
     <c:plotArea>
@@ -1080,7 +1069,7 @@
                   <c:v>4.3100000000000005</c:v>
                 </c:pt>
                 <c:pt idx="2">
-                  <c:v>2.8309999999999977</c:v>
+                  <c:v>2.831</c:v>
                 </c:pt>
                 <c:pt idx="3">
                   <c:v>5.4539999999999997</c:v>
@@ -1099,7 +1088,7 @@
           <c:idx val="1"/>
           <c:order val="1"/>
           <c:tx>
-            <c:v>Kinect Hands</c:v>
+            <c:v>Hand recognition system</c:v>
           </c:tx>
           <c:marker>
             <c:symbol val="none"/>
@@ -1111,22 +1100,22 @@
                 <c:formatCode>General</c:formatCode>
                 <c:ptCount val="6"/>
                 <c:pt idx="0">
-                  <c:v>48.839000000000006</c:v>
+                  <c:v>48.838999999999999</c:v>
                 </c:pt>
                 <c:pt idx="1">
-                  <c:v>49.285000000000011</c:v>
+                  <c:v>49.285000000000004</c:v>
                 </c:pt>
                 <c:pt idx="2">
-                  <c:v>37.531000000000006</c:v>
+                  <c:v>37.530999999999999</c:v>
                 </c:pt>
                 <c:pt idx="3">
-                  <c:v>49.550999999999995</c:v>
+                  <c:v>49.551000000000002</c:v>
                 </c:pt>
                 <c:pt idx="4">
                   <c:v>44.338000000000001</c:v>
                 </c:pt>
                 <c:pt idx="5">
-                  <c:v>57.417000000000002</c:v>
+                  <c:v>57.416999999999994</c:v>
                 </c:pt>
               </c:numCache>
             </c:numRef>
@@ -1155,7 +1144,7 @@
                 <c:formatCode>General</c:formatCode>
                 <c:ptCount val="6"/>
                 <c:pt idx="0">
-                  <c:v>32.128000000000107</c:v>
+                  <c:v>32.128</c:v>
                 </c:pt>
                 <c:pt idx="1">
                   <c:v>33.488</c:v>
@@ -1170,32 +1159,32 @@
                   <c:v>31.51</c:v>
                 </c:pt>
                 <c:pt idx="5">
-                  <c:v>33.220000000000013</c:v>
+                  <c:v>33.22</c:v>
                 </c:pt>
               </c:numCache>
             </c:numRef>
           </c:val>
         </c:ser>
         <c:marker val="1"/>
-        <c:axId val="77675136"/>
-        <c:axId val="77683712"/>
+        <c:axId val="111431040"/>
+        <c:axId val="111473792"/>
       </c:lineChart>
       <c:catAx>
-        <c:axId val="77675136"/>
+        <c:axId val="111431040"/>
         <c:scaling>
           <c:orientation val="minMax"/>
         </c:scaling>
         <c:axPos val="b"/>
         <c:numFmt formatCode="General" sourceLinked="1"/>
         <c:tickLblPos val="nextTo"/>
-        <c:crossAx val="77683712"/>
+        <c:crossAx val="111473792"/>
         <c:crosses val="autoZero"/>
         <c:auto val="1"/>
         <c:lblAlgn val="ctr"/>
         <c:lblOffset val="100"/>
       </c:catAx>
       <c:valAx>
-        <c:axId val="77683712"/>
+        <c:axId val="111473792"/>
         <c:scaling>
           <c:orientation val="minMax"/>
         </c:scaling>
@@ -1203,7 +1192,7 @@
         <c:majorGridlines/>
         <c:numFmt formatCode="General" sourceLinked="1"/>
         <c:tickLblPos val="nextTo"/>
-        <c:crossAx val="77675136"/>
+        <c:crossAx val="111431040"/>
         <c:crosses val="autoZero"/>
         <c:crossBetween val="between"/>
       </c:valAx>
@@ -1315,24 +1304,24 @@
           </c:val>
         </c:ser>
         <c:overlap val="100"/>
-        <c:axId val="67706880"/>
-        <c:axId val="67708416"/>
+        <c:axId val="76256384"/>
+        <c:axId val="76257920"/>
       </c:barChart>
       <c:catAx>
-        <c:axId val="67706880"/>
+        <c:axId val="76256384"/>
         <c:scaling>
           <c:orientation val="minMax"/>
         </c:scaling>
         <c:axPos val="b"/>
         <c:tickLblPos val="nextTo"/>
-        <c:crossAx val="67708416"/>
+        <c:crossAx val="76257920"/>
         <c:crosses val="autoZero"/>
         <c:auto val="1"/>
         <c:lblAlgn val="ctr"/>
         <c:lblOffset val="100"/>
       </c:catAx>
       <c:valAx>
-        <c:axId val="67708416"/>
+        <c:axId val="76257920"/>
         <c:scaling>
           <c:orientation val="minMax"/>
         </c:scaling>
@@ -1340,14 +1329,23 @@
         <c:majorGridlines/>
         <c:numFmt formatCode="General" sourceLinked="1"/>
         <c:tickLblPos val="nextTo"/>
-        <c:crossAx val="67706880"/>
+        <c:crossAx val="76256384"/>
         <c:crosses val="autoZero"/>
         <c:crossBetween val="between"/>
       </c:valAx>
     </c:plotArea>
     <c:legend>
       <c:legendPos val="r"/>
-      <c:layout/>
+      <c:layout>
+        <c:manualLayout>
+          <c:xMode val="edge"/>
+          <c:yMode val="edge"/>
+          <c:x val="0.65360227464438136"/>
+          <c:y val="0.11007789914595775"/>
+          <c:w val="0.33986552934447628"/>
+          <c:h val="0.19444825279460679"/>
+        </c:manualLayout>
+      </c:layout>
     </c:legend>
     <c:plotVisOnly val="1"/>
   </c:chart>
@@ -1460,24 +1458,24 @@
             </c:numRef>
           </c:val>
         </c:ser>
-        <c:axId val="67757952"/>
-        <c:axId val="67759488"/>
+        <c:axId val="76430336"/>
+        <c:axId val="76436224"/>
       </c:barChart>
       <c:catAx>
-        <c:axId val="67757952"/>
+        <c:axId val="76430336"/>
         <c:scaling>
           <c:orientation val="minMax"/>
         </c:scaling>
         <c:axPos val="b"/>
         <c:tickLblPos val="nextTo"/>
-        <c:crossAx val="67759488"/>
+        <c:crossAx val="76436224"/>
         <c:crosses val="autoZero"/>
         <c:auto val="1"/>
         <c:lblAlgn val="ctr"/>
         <c:lblOffset val="100"/>
       </c:catAx>
       <c:valAx>
-        <c:axId val="67759488"/>
+        <c:axId val="76436224"/>
         <c:scaling>
           <c:orientation val="minMax"/>
         </c:scaling>
@@ -1485,7 +1483,7 @@
         <c:majorGridlines/>
         <c:numFmt formatCode="General" sourceLinked="1"/>
         <c:tickLblPos val="nextTo"/>
-        <c:crossAx val="67757952"/>
+        <c:crossAx val="76430336"/>
         <c:crosses val="autoZero"/>
         <c:crossBetween val="between"/>
       </c:valAx>
@@ -1605,25 +1603,25 @@
             </c:numRef>
           </c:val>
         </c:ser>
-        <c:axId val="67771776"/>
-        <c:axId val="67789952"/>
+        <c:axId val="76452608"/>
+        <c:axId val="76454144"/>
       </c:barChart>
       <c:catAx>
-        <c:axId val="67771776"/>
+        <c:axId val="76452608"/>
         <c:scaling>
           <c:orientation val="minMax"/>
         </c:scaling>
         <c:axPos val="b"/>
         <c:numFmt formatCode="General" sourceLinked="1"/>
         <c:tickLblPos val="nextTo"/>
-        <c:crossAx val="67789952"/>
+        <c:crossAx val="76454144"/>
         <c:crosses val="autoZero"/>
         <c:auto val="1"/>
         <c:lblAlgn val="ctr"/>
         <c:lblOffset val="100"/>
       </c:catAx>
       <c:valAx>
-        <c:axId val="67789952"/>
+        <c:axId val="76454144"/>
         <c:scaling>
           <c:orientation val="minMax"/>
         </c:scaling>
@@ -1631,7 +1629,7 @@
         <c:majorGridlines/>
         <c:numFmt formatCode="General" sourceLinked="1"/>
         <c:tickLblPos val="nextTo"/>
-        <c:crossAx val="67771776"/>
+        <c:crossAx val="76452608"/>
         <c:crosses val="autoZero"/>
         <c:crossBetween val="between"/>
       </c:valAx>
@@ -1788,7 +1786,7 @@
             <a:fld id="{2203E90B-0CDC-4675-8BC8-ABC960C3C4BD}" type="datetimeFigureOut">
               <a:rPr lang="fr-FR" smtClean="0"/>
               <a:pPr/>
-              <a:t>19/03/2012</a:t>
+              <a:t>20/03/2012</a:t>
             </a:fld>
             <a:endParaRPr lang="fr-FR"/>
           </a:p>
@@ -2748,28 +2746,12 @@
           <a:lstStyle/>
           <a:p>
             <a:r>
+              <a:rPr lang="fr-FR" dirty="0" smtClean="0"/>
+              <a:t>Changer et mettre des </a:t>
+            </a:r>
+            <a:r>
               <a:rPr lang="fr-FR" dirty="0" err="1" smtClean="0"/>
-              <a:t>Make</a:t>
-            </a:r>
-            <a:r>
-              <a:rPr lang="fr-FR" dirty="0" smtClean="0"/>
-              <a:t> </a:t>
-            </a:r>
-            <a:r>
-              <a:rPr lang="fr-FR" dirty="0" err="1" smtClean="0"/>
-              <a:t>some</a:t>
-            </a:r>
-            <a:r>
-              <a:rPr lang="fr-FR" dirty="0" smtClean="0"/>
-              <a:t> </a:t>
-            </a:r>
-            <a:r>
-              <a:rPr lang="fr-FR" dirty="0" err="1" smtClean="0"/>
-              <a:t>video</a:t>
-            </a:r>
-            <a:r>
-              <a:rPr lang="fr-FR" dirty="0" smtClean="0"/>
-              <a:t> où on utilise le truc</a:t>
+              <a:t>videos</a:t>
             </a:r>
             <a:endParaRPr lang="fr-FR" dirty="0"/>
           </a:p>
@@ -2793,7 +2775,7 @@
             <a:fld id="{2AC8731D-2D87-440C-8698-DB210FC0FD5A}" type="slidenum">
               <a:rPr lang="fr-FR" smtClean="0"/>
               <a:pPr/>
-              <a:t>21</a:t>
+              <a:t>15</a:t>
             </a:fld>
             <a:endParaRPr lang="fr-FR"/>
           </a:p>
@@ -2849,13 +2831,13 @@
         <p:spPr/>
         <p:txBody>
           <a:bodyPr>
-            <a:normAutofit lnSpcReduction="10000"/>
+            <a:normAutofit/>
           </a:bodyPr>
           <a:lstStyle/>
           <a:p>
             <a:r>
               <a:rPr lang="fr-FR" dirty="0" err="1" smtClean="0"/>
-              <a:t>Precise</a:t>
+              <a:t>Make</a:t>
             </a:r>
             <a:r>
               <a:rPr lang="fr-FR" dirty="0" smtClean="0"/>
@@ -2863,71 +2845,19 @@
             </a:r>
             <a:r>
               <a:rPr lang="fr-FR" dirty="0" err="1" smtClean="0"/>
-              <a:t>what</a:t>
+              <a:t>some</a:t>
             </a:r>
             <a:r>
               <a:rPr lang="fr-FR" dirty="0" smtClean="0"/>
-              <a:t> are to </a:t>
+              <a:t> </a:t>
             </a:r>
             <a:r>
               <a:rPr lang="fr-FR" dirty="0" err="1" smtClean="0"/>
-              <a:t>strong</a:t>
-            </a:r>
-            <a:r>
-              <a:rPr lang="fr-FR" baseline="0" dirty="0" smtClean="0"/>
-              <a:t> and </a:t>
-            </a:r>
-            <a:r>
-              <a:rPr lang="fr-FR" baseline="0" dirty="0" err="1" smtClean="0"/>
-              <a:t>weak</a:t>
-            </a:r>
-            <a:r>
-              <a:rPr lang="fr-FR" baseline="0" dirty="0" smtClean="0"/>
-              <a:t> points of </a:t>
-            </a:r>
-            <a:r>
-              <a:rPr lang="fr-FR" baseline="0" dirty="0" err="1" smtClean="0"/>
-              <a:t>our</a:t>
-            </a:r>
-            <a:r>
-              <a:rPr lang="fr-FR" baseline="0" dirty="0" smtClean="0"/>
-              <a:t> </a:t>
-            </a:r>
-            <a:r>
-              <a:rPr lang="fr-FR" baseline="0" dirty="0" err="1" smtClean="0"/>
-              <a:t>method</a:t>
-            </a:r>
-            <a:r>
-              <a:rPr lang="fr-FR" baseline="0" dirty="0" smtClean="0"/>
-              <a:t>, the limitations and </a:t>
-            </a:r>
-            <a:r>
-              <a:rPr lang="fr-FR" baseline="0" dirty="0" err="1" smtClean="0"/>
-              <a:t>so</a:t>
-            </a:r>
-            <a:r>
-              <a:rPr lang="fr-FR" baseline="0" dirty="0" smtClean="0"/>
-              <a:t> on</a:t>
-            </a:r>
-          </a:p>
-          <a:p>
-            <a:r>
-              <a:rPr lang="fr-FR" baseline="0" dirty="0" smtClean="0"/>
-              <a:t>La plage d’</a:t>
-            </a:r>
-            <a:r>
-              <a:rPr lang="fr-FR" baseline="0" dirty="0" err="1" smtClean="0"/>
-              <a:t>usabilité</a:t>
-            </a:r>
-            <a:r>
-              <a:rPr lang="fr-FR" baseline="0" dirty="0" smtClean="0"/>
-              <a:t>, les moments où c’est complètement good ou complètement foireux</a:t>
-            </a:r>
-          </a:p>
-          <a:p>
-            <a:r>
-              <a:rPr lang="fr-FR" baseline="0" dirty="0" smtClean="0"/>
-              <a:t>Graph : précision en fonction de la distance ?</a:t>
+              <a:t>video</a:t>
+            </a:r>
+            <a:r>
+              <a:rPr lang="fr-FR" dirty="0" smtClean="0"/>
+              <a:t> où on utilise le truc</a:t>
             </a:r>
             <a:endParaRPr lang="fr-FR" dirty="0"/>
           </a:p>
@@ -2951,7 +2881,7 @@
             <a:fld id="{2AC8731D-2D87-440C-8698-DB210FC0FD5A}" type="slidenum">
               <a:rPr lang="fr-FR" smtClean="0"/>
               <a:pPr/>
-              <a:t>23</a:t>
+              <a:t>21</a:t>
             </a:fld>
             <a:endParaRPr lang="fr-FR"/>
           </a:p>
@@ -2966,6 +2896,164 @@
 </file>
 
 <file path=ppt/notesSlides/notesSlide8.xml><?xml version="1.0" encoding="utf-8"?>
+<p:notes xmlns:a="http://schemas.openxmlformats.org/drawingml/2006/main" xmlns:r="http://schemas.openxmlformats.org/officeDocument/2006/relationships" xmlns:p="http://schemas.openxmlformats.org/presentationml/2006/main">
+  <p:cSld>
+    <p:spTree>
+      <p:nvGrpSpPr>
+        <p:cNvPr id="1" name=""/>
+        <p:cNvGrpSpPr/>
+        <p:nvPr/>
+      </p:nvGrpSpPr>
+      <p:grpSpPr>
+        <a:xfrm>
+          <a:off x="0" y="0"/>
+          <a:ext cx="0" cy="0"/>
+          <a:chOff x="0" y="0"/>
+          <a:chExt cx="0" cy="0"/>
+        </a:xfrm>
+      </p:grpSpPr>
+      <p:sp>
+        <p:nvSpPr>
+          <p:cNvPr id="2" name="Espace réservé de l'image des diapositives 1"/>
+          <p:cNvSpPr>
+            <a:spLocks noGrp="1" noRot="1" noChangeAspect="1"/>
+          </p:cNvSpPr>
+          <p:nvPr>
+            <p:ph type="sldImg"/>
+          </p:nvPr>
+        </p:nvSpPr>
+        <p:spPr/>
+      </p:sp>
+      <p:sp>
+        <p:nvSpPr>
+          <p:cNvPr id="3" name="Espace réservé des commentaires 2"/>
+          <p:cNvSpPr>
+            <a:spLocks noGrp="1"/>
+          </p:cNvSpPr>
+          <p:nvPr>
+            <p:ph type="body" idx="1"/>
+          </p:nvPr>
+        </p:nvSpPr>
+        <p:spPr/>
+        <p:txBody>
+          <a:bodyPr>
+            <a:normAutofit lnSpcReduction="10000"/>
+          </a:bodyPr>
+          <a:lstStyle/>
+          <a:p>
+            <a:r>
+              <a:rPr lang="fr-FR" dirty="0" err="1" smtClean="0"/>
+              <a:t>Precise</a:t>
+            </a:r>
+            <a:r>
+              <a:rPr lang="fr-FR" dirty="0" smtClean="0"/>
+              <a:t> </a:t>
+            </a:r>
+            <a:r>
+              <a:rPr lang="fr-FR" dirty="0" err="1" smtClean="0"/>
+              <a:t>what</a:t>
+            </a:r>
+            <a:r>
+              <a:rPr lang="fr-FR" dirty="0" smtClean="0"/>
+              <a:t> are to </a:t>
+            </a:r>
+            <a:r>
+              <a:rPr lang="fr-FR" dirty="0" err="1" smtClean="0"/>
+              <a:t>strong</a:t>
+            </a:r>
+            <a:r>
+              <a:rPr lang="fr-FR" baseline="0" dirty="0" smtClean="0"/>
+              <a:t> and </a:t>
+            </a:r>
+            <a:r>
+              <a:rPr lang="fr-FR" baseline="0" dirty="0" err="1" smtClean="0"/>
+              <a:t>weak</a:t>
+            </a:r>
+            <a:r>
+              <a:rPr lang="fr-FR" baseline="0" dirty="0" smtClean="0"/>
+              <a:t> points of </a:t>
+            </a:r>
+            <a:r>
+              <a:rPr lang="fr-FR" baseline="0" dirty="0" err="1" smtClean="0"/>
+              <a:t>our</a:t>
+            </a:r>
+            <a:r>
+              <a:rPr lang="fr-FR" baseline="0" dirty="0" smtClean="0"/>
+              <a:t> </a:t>
+            </a:r>
+            <a:r>
+              <a:rPr lang="fr-FR" baseline="0" dirty="0" err="1" smtClean="0"/>
+              <a:t>method</a:t>
+            </a:r>
+            <a:r>
+              <a:rPr lang="fr-FR" baseline="0" dirty="0" smtClean="0"/>
+              <a:t>, the limitations and </a:t>
+            </a:r>
+            <a:r>
+              <a:rPr lang="fr-FR" baseline="0" dirty="0" err="1" smtClean="0"/>
+              <a:t>so</a:t>
+            </a:r>
+            <a:r>
+              <a:rPr lang="fr-FR" baseline="0" dirty="0" smtClean="0"/>
+              <a:t> on</a:t>
+            </a:r>
+          </a:p>
+          <a:p>
+            <a:r>
+              <a:rPr lang="fr-FR" baseline="0" dirty="0" smtClean="0"/>
+              <a:t>La plage d’</a:t>
+            </a:r>
+            <a:r>
+              <a:rPr lang="fr-FR" baseline="0" dirty="0" err="1" smtClean="0"/>
+              <a:t>usabilité</a:t>
+            </a:r>
+            <a:r>
+              <a:rPr lang="fr-FR" baseline="0" dirty="0" smtClean="0"/>
+              <a:t>, les moments où c’est complètement good ou complètement foireux</a:t>
+            </a:r>
+          </a:p>
+          <a:p>
+            <a:r>
+              <a:rPr lang="fr-FR" baseline="0" dirty="0" smtClean="0"/>
+              <a:t>Graph : précision en fonction de la distance ?</a:t>
+            </a:r>
+            <a:endParaRPr lang="fr-FR" dirty="0"/>
+          </a:p>
+        </p:txBody>
+      </p:sp>
+      <p:sp>
+        <p:nvSpPr>
+          <p:cNvPr id="4" name="Espace réservé du numéro de diapositive 3"/>
+          <p:cNvSpPr>
+            <a:spLocks noGrp="1"/>
+          </p:cNvSpPr>
+          <p:nvPr>
+            <p:ph type="sldNum" sz="quarter" idx="10"/>
+          </p:nvPr>
+        </p:nvSpPr>
+        <p:spPr/>
+        <p:txBody>
+          <a:bodyPr/>
+          <a:lstStyle/>
+          <a:p>
+            <a:fld id="{2AC8731D-2D87-440C-8698-DB210FC0FD5A}" type="slidenum">
+              <a:rPr lang="fr-FR" smtClean="0"/>
+              <a:pPr/>
+              <a:t>23</a:t>
+            </a:fld>
+            <a:endParaRPr lang="fr-FR"/>
+          </a:p>
+        </p:txBody>
+      </p:sp>
+    </p:spTree>
+  </p:cSld>
+  <p:clrMapOvr>
+    <a:masterClrMapping/>
+  </p:clrMapOvr>
+</p:notes>
+</file>
+
+<file path=ppt/notesSlides/notesSlide9.xml><?xml version="1.0" encoding="utf-8"?>
 <p:notes xmlns:a="http://schemas.openxmlformats.org/drawingml/2006/main" xmlns:r="http://schemas.openxmlformats.org/officeDocument/2006/relationships" xmlns:p="http://schemas.openxmlformats.org/presentationml/2006/main">
   <p:cSld>
     <p:spTree>
@@ -3452,7 +3540,7 @@
             <a:fld id="{7FE745BF-AED8-4079-86B5-94776AA709CD}" type="datetime1">
               <a:rPr lang="fr-FR" smtClean="0"/>
               <a:pPr/>
-              <a:t>19/03/2012</a:t>
+              <a:t>20/03/2012</a:t>
             </a:fld>
             <a:endParaRPr lang="fr-FR" dirty="0"/>
           </a:p>
@@ -3619,7 +3707,7 @@
             <a:fld id="{8BADFC06-5AC4-476A-8FD2-54DE0E426D90}" type="datetime1">
               <a:rPr lang="fr-FR" smtClean="0"/>
               <a:pPr/>
-              <a:t>19/03/2012</a:t>
+              <a:t>20/03/2012</a:t>
             </a:fld>
             <a:endParaRPr lang="fr-FR" dirty="0"/>
           </a:p>
@@ -3796,7 +3884,7 @@
             <a:fld id="{271E89F4-7B08-401C-94CC-1E6E90A77743}" type="datetime1">
               <a:rPr lang="fr-FR" smtClean="0"/>
               <a:pPr/>
-              <a:t>19/03/2012</a:t>
+              <a:t>20/03/2012</a:t>
             </a:fld>
             <a:endParaRPr lang="fr-FR" dirty="0"/>
           </a:p>
@@ -3967,7 +4055,7 @@
             <a:fld id="{B8D51CD3-FD0B-4398-96D6-10844A344A7A}" type="datetime1">
               <a:rPr lang="fr-FR" smtClean="0"/>
               <a:pPr/>
-              <a:t>19/03/2012</a:t>
+              <a:t>20/03/2012</a:t>
             </a:fld>
             <a:endParaRPr lang="fr-FR" dirty="0"/>
           </a:p>
@@ -4424,7 +4512,7 @@
             <a:fld id="{5272A46D-708F-4429-9728-C0AAA1D8ED70}" type="datetime1">
               <a:rPr lang="fr-FR" smtClean="0"/>
               <a:pPr/>
-              <a:t>19/03/2012</a:t>
+              <a:t>20/03/2012</a:t>
             </a:fld>
             <a:endParaRPr lang="fr-FR" dirty="0"/>
           </a:p>
@@ -4690,7 +4778,7 @@
             <a:fld id="{85176319-0B46-44DD-88B8-E7F3AAD4F2DF}" type="datetime1">
               <a:rPr lang="fr-FR" smtClean="0"/>
               <a:pPr/>
-              <a:t>19/03/2012</a:t>
+              <a:t>20/03/2012</a:t>
             </a:fld>
             <a:endParaRPr lang="fr-FR" dirty="0"/>
           </a:p>
@@ -5066,7 +5154,7 @@
             <a:fld id="{2587345E-05A6-495C-A1A1-170A1A91A394}" type="datetime1">
               <a:rPr lang="fr-FR" smtClean="0"/>
               <a:pPr/>
-              <a:t>19/03/2012</a:t>
+              <a:t>20/03/2012</a:t>
             </a:fld>
             <a:endParaRPr lang="fr-FR" dirty="0"/>
           </a:p>
@@ -5190,7 +5278,7 @@
             <a:fld id="{172809C5-74F0-4FD7-9204-0F8A8FB1929B}" type="datetime1">
               <a:rPr lang="fr-FR" smtClean="0"/>
               <a:pPr/>
-              <a:t>19/03/2012</a:t>
+              <a:t>20/03/2012</a:t>
             </a:fld>
             <a:endParaRPr lang="fr-FR" dirty="0"/>
           </a:p>
@@ -5282,7 +5370,7 @@
             <a:fld id="{7786A093-8429-44F1-808A-11360C2CAA55}" type="datetime1">
               <a:rPr lang="fr-FR" smtClean="0"/>
               <a:pPr/>
-              <a:t>19/03/2012</a:t>
+              <a:t>20/03/2012</a:t>
             </a:fld>
             <a:endParaRPr lang="fr-FR" dirty="0"/>
           </a:p>
@@ -5533,7 +5621,7 @@
             <a:fld id="{FE18F5A1-6F3E-41A1-AC38-A5948C92E970}" type="datetime1">
               <a:rPr lang="fr-FR" smtClean="0"/>
               <a:pPr/>
-              <a:t>19/03/2012</a:t>
+              <a:t>20/03/2012</a:t>
             </a:fld>
             <a:endParaRPr lang="fr-FR" dirty="0"/>
           </a:p>
@@ -5794,7 +5882,7 @@
             <a:fld id="{42D0C6D8-1219-406E-8CD6-FA778B9D3E63}" type="datetime1">
               <a:rPr lang="fr-FR" smtClean="0"/>
               <a:pPr/>
-              <a:t>19/03/2012</a:t>
+              <a:t>20/03/2012</a:t>
             </a:fld>
             <a:endParaRPr lang="fr-FR" dirty="0"/>
           </a:p>
@@ -6200,7 +6288,7 @@
             <a:fld id="{CC7C295D-0E21-434D-B466-C466C8EF3B27}" type="datetime1">
               <a:rPr lang="fr-FR" smtClean="0"/>
               <a:pPr/>
-              <a:t>19/03/2012</a:t>
+              <a:t>20/03/2012</a:t>
             </a:fld>
             <a:endParaRPr lang="fr-FR" dirty="0"/>
           </a:p>
@@ -7741,7 +7829,20 @@
           <a:p>
             <a:r>
               <a:rPr lang="en-US" dirty="0" smtClean="0"/>
-              <a:t>3 types of evaluations:</a:t>
+              <a:t>Terms definition</a:t>
+            </a:r>
+          </a:p>
+          <a:p>
+            <a:endParaRPr lang="en-US" dirty="0" smtClean="0"/>
+          </a:p>
+          <a:p>
+            <a:r>
+              <a:rPr lang="en-US" dirty="0" smtClean="0"/>
+              <a:t>3 </a:t>
+            </a:r>
+            <a:r>
+              <a:rPr lang="en-US" dirty="0" smtClean="0"/>
+              <a:t>types of evaluations:</a:t>
             </a:r>
           </a:p>
           <a:p>
@@ -7750,7 +7851,6 @@
               <a:rPr lang="en-US" dirty="0" smtClean="0"/>
               <a:t>Cursor accuracy</a:t>
             </a:r>
-            <a:endParaRPr lang="en-US" dirty="0" smtClean="0"/>
           </a:p>
           <a:p>
             <a:pPr lvl="1"/>
@@ -7758,7 +7858,6 @@
               <a:rPr lang="en-US" dirty="0" smtClean="0"/>
               <a:t>Processing speed</a:t>
             </a:r>
-            <a:endParaRPr lang="en-US" dirty="0" smtClean="0"/>
           </a:p>
           <a:p>
             <a:pPr lvl="1"/>
@@ -7839,17 +7938,13 @@
         <p:spPr/>
         <p:txBody>
           <a:bodyPr>
-            <a:normAutofit fontScale="90000"/>
+            <a:normAutofit/>
           </a:bodyPr>
           <a:lstStyle/>
           <a:p>
             <a:r>
-              <a:rPr lang="fr-FR" dirty="0" smtClean="0"/>
-              <a:t>TODO: </a:t>
-            </a:r>
-            <a:r>
               <a:rPr lang="fr-FR" dirty="0" err="1" smtClean="0"/>
-              <a:t>explains</a:t>
+              <a:t>Terms</a:t>
             </a:r>
             <a:r>
               <a:rPr lang="fr-FR" dirty="0" smtClean="0"/>
@@ -7857,31 +7952,7 @@
             </a:r>
             <a:r>
               <a:rPr lang="fr-FR" dirty="0" err="1" smtClean="0"/>
-              <a:t>kinect</a:t>
-            </a:r>
-            <a:r>
-              <a:rPr lang="fr-FR" dirty="0" smtClean="0"/>
-              <a:t> hands, </a:t>
-            </a:r>
-            <a:r>
-              <a:rPr lang="fr-FR" dirty="0" err="1" smtClean="0"/>
-              <a:t>squeleton</a:t>
-            </a:r>
-            <a:r>
-              <a:rPr lang="fr-FR" dirty="0" smtClean="0"/>
-              <a:t> and </a:t>
-            </a:r>
-            <a:r>
-              <a:rPr lang="fr-FR" dirty="0" err="1" smtClean="0"/>
-              <a:t>present</a:t>
-            </a:r>
-            <a:r>
-              <a:rPr lang="fr-FR" dirty="0" smtClean="0"/>
-              <a:t> </a:t>
-            </a:r>
-            <a:r>
-              <a:rPr lang="fr-FR" dirty="0" err="1" smtClean="0"/>
-              <a:t>them</a:t>
+              <a:t>definition</a:t>
             </a:r>
             <a:endParaRPr lang="fr-FR" dirty="0"/>
           </a:p>
@@ -7902,7 +7973,31 @@
           <a:bodyPr/>
           <a:lstStyle/>
           <a:p>
-            <a:endParaRPr lang="fr-FR"/>
+            <a:r>
+              <a:rPr lang="en-US" b="1" dirty="0" smtClean="0"/>
+              <a:t>Hand recognition system</a:t>
+            </a:r>
+            <a:r>
+              <a:rPr lang="en-US" dirty="0" smtClean="0"/>
+              <a:t>: our project based on blob tracking from the Kinect depth data.</a:t>
+            </a:r>
+          </a:p>
+          <a:p>
+            <a:pPr>
+              <a:buNone/>
+            </a:pPr>
+            <a:endParaRPr lang="en-US" i="1" dirty="0" smtClean="0"/>
+          </a:p>
+          <a:p>
+            <a:r>
+              <a:rPr lang="en-US" b="1" dirty="0" smtClean="0"/>
+              <a:t>Kinect Skeleton</a:t>
+            </a:r>
+            <a:r>
+              <a:rPr lang="en-US" dirty="0" smtClean="0"/>
+              <a:t>: native skeleton data available when the user is recognized.</a:t>
+            </a:r>
+            <a:endParaRPr lang="en-US" dirty="0"/>
           </a:p>
         </p:txBody>
       </p:sp>
@@ -7972,7 +8067,15 @@
           <a:p>
             <a:r>
               <a:rPr lang="fr-FR" dirty="0" err="1" smtClean="0"/>
-              <a:t>Accuracy</a:t>
+              <a:t>Cursor</a:t>
+            </a:r>
+            <a:r>
+              <a:rPr lang="fr-FR" dirty="0" smtClean="0"/>
+              <a:t> </a:t>
+            </a:r>
+            <a:r>
+              <a:rPr lang="fr-FR" dirty="0" err="1" smtClean="0"/>
+              <a:t>accuracy</a:t>
             </a:r>
             <a:endParaRPr lang="fr-FR" dirty="0"/>
           </a:p>
@@ -8013,7 +8116,7 @@
           </p:nvPr>
         </p:nvPicPr>
         <p:blipFill>
-          <a:blip r:embed="rId2" cstate="print"/>
+          <a:blip r:embed="rId3" cstate="print"/>
           <a:srcRect l="4801" t="1475" r="5464" b="5605"/>
           <a:stretch>
             <a:fillRect/>
@@ -8047,7 +8150,7 @@
           </p:nvPr>
         </p:nvPicPr>
         <p:blipFill>
-          <a:blip r:embed="rId3" cstate="print"/>
+          <a:blip r:embed="rId4" cstate="print"/>
           <a:srcRect l="4715" r="4828" b="5507"/>
           <a:stretch>
             <a:fillRect/>
@@ -8177,16 +8280,26 @@
         </p:nvSpPr>
         <p:spPr/>
         <p:txBody>
-          <a:bodyPr/>
+          <a:bodyPr>
+            <a:normAutofit fontScale="90000"/>
+          </a:bodyPr>
           <a:lstStyle/>
           <a:p>
             <a:r>
               <a:rPr lang="fr-FR" dirty="0" err="1" smtClean="0"/>
-              <a:t>Accuracy</a:t>
+              <a:t>Cursor</a:t>
             </a:r>
             <a:r>
               <a:rPr lang="fr-FR" dirty="0" smtClean="0"/>
-              <a:t> : </a:t>
+              <a:t> </a:t>
+            </a:r>
+            <a:r>
+              <a:rPr lang="fr-FR" dirty="0" err="1" smtClean="0"/>
+              <a:t>accuracy</a:t>
+            </a:r>
+            <a:r>
+              <a:rPr lang="fr-FR" dirty="0" smtClean="0"/>
+              <a:t>: </a:t>
             </a:r>
             <a:r>
               <a:rPr lang="fr-FR" dirty="0" err="1" smtClean="0"/>
@@ -8228,9 +8341,77 @@
           </a:p>
         </p:txBody>
       </p:sp>
+      <p:sp>
+        <p:nvSpPr>
+          <p:cNvPr id="17" name="ZoneTexte 16"/>
+          <p:cNvSpPr txBox="1"/>
+          <p:nvPr/>
+        </p:nvSpPr>
+        <p:spPr>
+          <a:xfrm>
+            <a:off x="1619672" y="6381328"/>
+            <a:ext cx="3888432" cy="369332"/>
+          </a:xfrm>
+          <a:prstGeom prst="rect">
+            <a:avLst/>
+          </a:prstGeom>
+          <a:noFill/>
+        </p:spPr>
+        <p:txBody>
+          <a:bodyPr wrap="square" rtlCol="0">
+            <a:spAutoFit/>
+          </a:bodyPr>
+          <a:lstStyle/>
+          <a:p>
+            <a:r>
+              <a:rPr lang="fr-FR" dirty="0" err="1" smtClean="0"/>
+              <a:t>Diameter</a:t>
+            </a:r>
+            <a:r>
+              <a:rPr lang="fr-FR" dirty="0" smtClean="0"/>
+              <a:t> of the </a:t>
+            </a:r>
+            <a:r>
+              <a:rPr lang="fr-FR" dirty="0" err="1" smtClean="0"/>
+              <a:t>target</a:t>
+            </a:r>
+            <a:endParaRPr lang="fr-FR" dirty="0"/>
+          </a:p>
+        </p:txBody>
+      </p:sp>
+      <p:sp>
+        <p:nvSpPr>
+          <p:cNvPr id="18" name="ZoneTexte 17"/>
+          <p:cNvSpPr txBox="1"/>
+          <p:nvPr/>
+        </p:nvSpPr>
+        <p:spPr>
+          <a:xfrm>
+            <a:off x="0" y="1700808"/>
+            <a:ext cx="461665" cy="2592288"/>
+          </a:xfrm>
+          <a:prstGeom prst="rect">
+            <a:avLst/>
+          </a:prstGeom>
+          <a:noFill/>
+        </p:spPr>
+        <p:txBody>
+          <a:bodyPr vert="eaVert" wrap="square" rtlCol="0">
+            <a:spAutoFit/>
+          </a:bodyPr>
+          <a:lstStyle/>
+          <a:p>
+            <a:r>
+              <a:rPr lang="fr-FR" dirty="0" smtClean="0"/>
+              <a:t>Time in Seconds</a:t>
+            </a:r>
+            <a:endParaRPr lang="fr-FR" dirty="0"/>
+          </a:p>
+        </p:txBody>
+      </p:sp>
       <p:graphicFrame>
         <p:nvGraphicFramePr>
-          <p:cNvPr id="16" name="Espace réservé du contenu 11"/>
+          <p:cNvPr id="12" name="Espace réservé du contenu 11"/>
           <p:cNvGraphicFramePr>
             <a:graphicFrameLocks noGrp="1"/>
           </p:cNvGraphicFramePr>
@@ -8248,74 +8429,6 @@
           </a:graphicData>
         </a:graphic>
       </p:graphicFrame>
-      <p:sp>
-        <p:nvSpPr>
-          <p:cNvPr id="17" name="ZoneTexte 16"/>
-          <p:cNvSpPr txBox="1"/>
-          <p:nvPr/>
-        </p:nvSpPr>
-        <p:spPr>
-          <a:xfrm>
-            <a:off x="1619672" y="6381328"/>
-            <a:ext cx="3888432" cy="369332"/>
-          </a:xfrm>
-          <a:prstGeom prst="rect">
-            <a:avLst/>
-          </a:prstGeom>
-          <a:noFill/>
-        </p:spPr>
-        <p:txBody>
-          <a:bodyPr wrap="square" rtlCol="0">
-            <a:spAutoFit/>
-          </a:bodyPr>
-          <a:lstStyle/>
-          <a:p>
-            <a:r>
-              <a:rPr lang="fr-FR" dirty="0" err="1" smtClean="0"/>
-              <a:t>Diameter</a:t>
-            </a:r>
-            <a:r>
-              <a:rPr lang="fr-FR" dirty="0" smtClean="0"/>
-              <a:t> of the </a:t>
-            </a:r>
-            <a:r>
-              <a:rPr lang="fr-FR" dirty="0" err="1" smtClean="0"/>
-              <a:t>target</a:t>
-            </a:r>
-            <a:endParaRPr lang="fr-FR" dirty="0"/>
-          </a:p>
-        </p:txBody>
-      </p:sp>
-      <p:sp>
-        <p:nvSpPr>
-          <p:cNvPr id="18" name="ZoneTexte 17"/>
-          <p:cNvSpPr txBox="1"/>
-          <p:nvPr/>
-        </p:nvSpPr>
-        <p:spPr>
-          <a:xfrm>
-            <a:off x="0" y="1700808"/>
-            <a:ext cx="461665" cy="2592288"/>
-          </a:xfrm>
-          <a:prstGeom prst="rect">
-            <a:avLst/>
-          </a:prstGeom>
-          <a:noFill/>
-        </p:spPr>
-        <p:txBody>
-          <a:bodyPr vert="eaVert" wrap="square" rtlCol="0">
-            <a:spAutoFit/>
-          </a:bodyPr>
-          <a:lstStyle/>
-          <a:p>
-            <a:r>
-              <a:rPr lang="fr-FR" dirty="0" smtClean="0"/>
-              <a:t>Time in Seconds</a:t>
-            </a:r>
-            <a:endParaRPr lang="fr-FR" dirty="0"/>
-          </a:p>
-        </p:txBody>
-      </p:sp>
     </p:spTree>
   </p:cSld>
   <p:clrMapOvr>
@@ -8360,12 +8473,22 @@
         </p:nvSpPr>
         <p:spPr/>
         <p:txBody>
-          <a:bodyPr/>
+          <a:bodyPr>
+            <a:normAutofit fontScale="90000"/>
+          </a:bodyPr>
           <a:lstStyle/>
           <a:p>
             <a:r>
               <a:rPr lang="fr-FR" dirty="0" err="1" smtClean="0"/>
-              <a:t>Accuracy</a:t>
+              <a:t>Cursor</a:t>
+            </a:r>
+            <a:r>
+              <a:rPr lang="fr-FR" dirty="0" smtClean="0"/>
+              <a:t> </a:t>
+            </a:r>
+            <a:r>
+              <a:rPr lang="fr-FR" dirty="0" err="1" smtClean="0"/>
+              <a:t>accuracy</a:t>
             </a:r>
             <a:r>
               <a:rPr lang="fr-FR" dirty="0" smtClean="0"/>
@@ -8411,9 +8534,97 @@
           </a:p>
         </p:txBody>
       </p:sp>
+      <p:sp>
+        <p:nvSpPr>
+          <p:cNvPr id="5" name="ZoneTexte 4"/>
+          <p:cNvSpPr txBox="1"/>
+          <p:nvPr/>
+        </p:nvSpPr>
+        <p:spPr>
+          <a:xfrm>
+            <a:off x="1691680" y="6309320"/>
+            <a:ext cx="4176464" cy="369332"/>
+          </a:xfrm>
+          <a:prstGeom prst="rect">
+            <a:avLst/>
+          </a:prstGeom>
+          <a:noFill/>
+        </p:spPr>
+        <p:txBody>
+          <a:bodyPr wrap="square" rtlCol="0">
+            <a:spAutoFit/>
+          </a:bodyPr>
+          <a:lstStyle/>
+          <a:p>
+            <a:r>
+              <a:rPr lang="en-US" dirty="0" smtClean="0"/>
+              <a:t>Diameter</a:t>
+            </a:r>
+            <a:r>
+              <a:rPr lang="fr-FR" dirty="0" smtClean="0"/>
+              <a:t> of the </a:t>
+            </a:r>
+            <a:r>
+              <a:rPr lang="fr-FR" dirty="0" err="1" smtClean="0"/>
+              <a:t>target</a:t>
+            </a:r>
+            <a:endParaRPr lang="fr-FR" dirty="0"/>
+          </a:p>
+        </p:txBody>
+      </p:sp>
+      <p:sp>
+        <p:nvSpPr>
+          <p:cNvPr id="6" name="ZoneTexte 5"/>
+          <p:cNvSpPr txBox="1"/>
+          <p:nvPr/>
+        </p:nvSpPr>
+        <p:spPr>
+          <a:xfrm>
+            <a:off x="0" y="1700808"/>
+            <a:ext cx="738664" cy="4320480"/>
+          </a:xfrm>
+          <a:prstGeom prst="rect">
+            <a:avLst/>
+          </a:prstGeom>
+          <a:noFill/>
+        </p:spPr>
+        <p:txBody>
+          <a:bodyPr vert="eaVert" wrap="square" rtlCol="0">
+            <a:spAutoFit/>
+          </a:bodyPr>
+          <a:lstStyle/>
+          <a:p>
+            <a:r>
+              <a:rPr lang="en-US" dirty="0" smtClean="0"/>
+              <a:t>Accumulated</a:t>
+            </a:r>
+            <a:r>
+              <a:rPr lang="fr-FR" dirty="0" smtClean="0"/>
+              <a:t> distance </a:t>
+            </a:r>
+            <a:r>
+              <a:rPr lang="fr-FR" dirty="0" err="1" smtClean="0"/>
+              <a:t>from</a:t>
+            </a:r>
+            <a:r>
+              <a:rPr lang="fr-FR" dirty="0" smtClean="0"/>
+              <a:t> center of the </a:t>
+            </a:r>
+            <a:r>
+              <a:rPr lang="fr-FR" dirty="0" err="1" smtClean="0"/>
+              <a:t>target</a:t>
+            </a:r>
+            <a:r>
+              <a:rPr lang="fr-FR" dirty="0" smtClean="0"/>
+              <a:t> in pixel</a:t>
+            </a:r>
+            <a:endParaRPr lang="fr-FR" dirty="0"/>
+          </a:p>
+        </p:txBody>
+      </p:sp>
       <p:graphicFrame>
         <p:nvGraphicFramePr>
-          <p:cNvPr id="10" name="Espace réservé du contenu 12"/>
+          <p:cNvPr id="11" name="Espace réservé du contenu 10"/>
           <p:cNvGraphicFramePr>
             <a:graphicFrameLocks noGrp="1"/>
           </p:cNvGraphicFramePr>
@@ -8422,7 +8633,7 @@
           </p:nvPr>
         </p:nvGraphicFramePr>
         <p:xfrm>
-          <a:off x="457200" y="1600200"/>
+          <a:off x="827584" y="1556792"/>
           <a:ext cx="7467600" cy="4525963"/>
         </p:xfrm>
         <a:graphic>
@@ -8436,6 +8647,13 @@
   <p:clrMapOvr>
     <a:masterClrMapping/>
   </p:clrMapOvr>
+  <p:timing>
+    <p:tnLst>
+      <p:par>
+        <p:cTn id="1" dur="indefinite" restart="never" nodeType="tmRoot"/>
+      </p:par>
+    </p:tnLst>
+  </p:timing>
 </p:sld>
 </file>
 
@@ -8466,30 +8684,52 @@
             <p:ph type="title"/>
           </p:nvPr>
         </p:nvSpPr>
-        <p:spPr/>
-        <p:txBody>
-          <a:bodyPr/>
+        <p:spPr>
+          <a:xfrm>
+            <a:off x="457200" y="274638"/>
+            <a:ext cx="7787208" cy="1143000"/>
+          </a:xfrm>
+        </p:spPr>
+        <p:txBody>
+          <a:bodyPr>
+            <a:normAutofit fontScale="90000"/>
+          </a:bodyPr>
           <a:lstStyle/>
           <a:p>
             <a:r>
               <a:rPr lang="fr-FR" dirty="0" err="1" smtClean="0"/>
-              <a:t>Accuracy</a:t>
+              <a:t>Cursor</a:t>
+            </a:r>
+            <a:r>
+              <a:rPr lang="fr-FR" dirty="0" smtClean="0"/>
+              <a:t> </a:t>
+            </a:r>
+            <a:r>
+              <a:rPr lang="fr-FR" dirty="0" err="1" smtClean="0"/>
+              <a:t>accuracy</a:t>
             </a:r>
             <a:r>
               <a:rPr lang="fr-FR" dirty="0" smtClean="0"/>
               <a:t>: </a:t>
             </a:r>
+            <a:br>
+              <a:rPr lang="fr-FR" dirty="0" smtClean="0"/>
+            </a:br>
+            <a:r>
+              <a:rPr lang="fr-FR" dirty="0" smtClean="0"/>
+              <a:t>time </a:t>
+            </a:r>
             <a:r>
               <a:rPr lang="fr-FR" dirty="0" err="1" smtClean="0"/>
-              <a:t>percentage</a:t>
+              <a:t>spent</a:t>
             </a:r>
             <a:r>
               <a:rPr lang="fr-FR" dirty="0" smtClean="0"/>
-              <a:t> </a:t>
+              <a:t> in </a:t>
             </a:r>
             <a:r>
               <a:rPr lang="fr-FR" dirty="0" err="1" smtClean="0"/>
-              <a:t>error</a:t>
+              <a:t>target</a:t>
             </a:r>
             <a:endParaRPr lang="fr-FR" dirty="0"/>
           </a:p>
@@ -8519,9 +8759,77 @@
           </a:p>
         </p:txBody>
       </p:sp>
+      <p:sp>
+        <p:nvSpPr>
+          <p:cNvPr id="5" name="ZoneTexte 4"/>
+          <p:cNvSpPr txBox="1"/>
+          <p:nvPr/>
+        </p:nvSpPr>
+        <p:spPr>
+          <a:xfrm>
+            <a:off x="1691680" y="6309320"/>
+            <a:ext cx="4176464" cy="369332"/>
+          </a:xfrm>
+          <a:prstGeom prst="rect">
+            <a:avLst/>
+          </a:prstGeom>
+          <a:noFill/>
+        </p:spPr>
+        <p:txBody>
+          <a:bodyPr wrap="square" rtlCol="0">
+            <a:spAutoFit/>
+          </a:bodyPr>
+          <a:lstStyle/>
+          <a:p>
+            <a:r>
+              <a:rPr lang="en-US" dirty="0" smtClean="0"/>
+              <a:t>Diameter</a:t>
+            </a:r>
+            <a:r>
+              <a:rPr lang="fr-FR" dirty="0" smtClean="0"/>
+              <a:t> of the </a:t>
+            </a:r>
+            <a:r>
+              <a:rPr lang="fr-FR" dirty="0" err="1" smtClean="0"/>
+              <a:t>target</a:t>
+            </a:r>
+            <a:endParaRPr lang="fr-FR" dirty="0"/>
+          </a:p>
+        </p:txBody>
+      </p:sp>
+      <p:sp>
+        <p:nvSpPr>
+          <p:cNvPr id="6" name="ZoneTexte 5"/>
+          <p:cNvSpPr txBox="1"/>
+          <p:nvPr/>
+        </p:nvSpPr>
+        <p:spPr>
+          <a:xfrm>
+            <a:off x="0" y="1700808"/>
+            <a:ext cx="461665" cy="3240360"/>
+          </a:xfrm>
+          <a:prstGeom prst="rect">
+            <a:avLst/>
+          </a:prstGeom>
+          <a:noFill/>
+        </p:spPr>
+        <p:txBody>
+          <a:bodyPr vert="eaVert" wrap="square" rtlCol="0">
+            <a:spAutoFit/>
+          </a:bodyPr>
+          <a:lstStyle/>
+          <a:p>
+            <a:r>
+              <a:rPr lang="fr-FR" dirty="0" err="1" smtClean="0"/>
+              <a:t>Percentage</a:t>
+            </a:r>
+            <a:endParaRPr lang="fr-FR" dirty="0"/>
+          </a:p>
+        </p:txBody>
+      </p:sp>
       <p:graphicFrame>
         <p:nvGraphicFramePr>
-          <p:cNvPr id="15" name="Espace réservé du contenu 7"/>
+          <p:cNvPr id="9" name="Espace réservé du contenu 8"/>
           <p:cNvGraphicFramePr>
             <a:graphicFrameLocks noGrp="1"/>
           </p:cNvGraphicFramePr>
@@ -8588,7 +8896,15 @@
           <a:p>
             <a:r>
               <a:rPr lang="fr-FR" dirty="0" err="1" smtClean="0"/>
-              <a:t>Accuracy</a:t>
+              <a:t>Cursor</a:t>
+            </a:r>
+            <a:r>
+              <a:rPr lang="fr-FR" dirty="0" smtClean="0"/>
+              <a:t> </a:t>
+            </a:r>
+            <a:r>
+              <a:rPr lang="fr-FR" dirty="0" err="1" smtClean="0"/>
+              <a:t>accuracy</a:t>
             </a:r>
             <a:r>
               <a:rPr lang="fr-FR" dirty="0" smtClean="0"/>
@@ -8626,9 +8942,97 @@
           </a:p>
         </p:txBody>
       </p:sp>
+      <p:sp>
+        <p:nvSpPr>
+          <p:cNvPr id="5" name="ZoneTexte 4"/>
+          <p:cNvSpPr txBox="1"/>
+          <p:nvPr/>
+        </p:nvSpPr>
+        <p:spPr>
+          <a:xfrm>
+            <a:off x="1691680" y="6309320"/>
+            <a:ext cx="4176464" cy="369332"/>
+          </a:xfrm>
+          <a:prstGeom prst="rect">
+            <a:avLst/>
+          </a:prstGeom>
+          <a:noFill/>
+        </p:spPr>
+        <p:txBody>
+          <a:bodyPr wrap="square" rtlCol="0">
+            <a:spAutoFit/>
+          </a:bodyPr>
+          <a:lstStyle/>
+          <a:p>
+            <a:r>
+              <a:rPr lang="en-US" dirty="0" smtClean="0"/>
+              <a:t>Diameter</a:t>
+            </a:r>
+            <a:r>
+              <a:rPr lang="fr-FR" dirty="0" smtClean="0"/>
+              <a:t> of the </a:t>
+            </a:r>
+            <a:r>
+              <a:rPr lang="fr-FR" dirty="0" err="1" smtClean="0"/>
+              <a:t>target</a:t>
+            </a:r>
+            <a:endParaRPr lang="fr-FR" dirty="0"/>
+          </a:p>
+        </p:txBody>
+      </p:sp>
+      <p:sp>
+        <p:nvSpPr>
+          <p:cNvPr id="9" name="ZoneTexte 8"/>
+          <p:cNvSpPr txBox="1"/>
+          <p:nvPr/>
+        </p:nvSpPr>
+        <p:spPr>
+          <a:xfrm>
+            <a:off x="276999" y="1844824"/>
+            <a:ext cx="738664" cy="3744416"/>
+          </a:xfrm>
+          <a:prstGeom prst="rect">
+            <a:avLst/>
+          </a:prstGeom>
+          <a:noFill/>
+        </p:spPr>
+        <p:txBody>
+          <a:bodyPr vert="eaVert" wrap="square" rtlCol="0">
+            <a:spAutoFit/>
+          </a:bodyPr>
+          <a:lstStyle/>
+          <a:p>
+            <a:r>
+              <a:rPr lang="fr-FR" dirty="0" err="1" smtClean="0"/>
+              <a:t>Accumulated</a:t>
+            </a:r>
+            <a:r>
+              <a:rPr lang="fr-FR" dirty="0" smtClean="0"/>
+              <a:t> perturbations </a:t>
+            </a:r>
+            <a:r>
+              <a:rPr lang="fr-FR" dirty="0" err="1" smtClean="0"/>
+              <a:t>from</a:t>
+            </a:r>
+            <a:r>
+              <a:rPr lang="fr-FR" dirty="0" smtClean="0"/>
+              <a:t> the </a:t>
+            </a:r>
+            <a:r>
+              <a:rPr lang="fr-FR" dirty="0" err="1" smtClean="0"/>
+              <a:t>desired</a:t>
+            </a:r>
+            <a:r>
+              <a:rPr lang="fr-FR" dirty="0" smtClean="0"/>
+              <a:t> position in pixels</a:t>
+            </a:r>
+            <a:endParaRPr lang="fr-FR" dirty="0"/>
+          </a:p>
+        </p:txBody>
+      </p:sp>
       <p:graphicFrame>
         <p:nvGraphicFramePr>
-          <p:cNvPr id="10" name="Espace réservé du contenu 8"/>
+          <p:cNvPr id="12" name="Espace réservé du contenu 11"/>
           <p:cNvGraphicFramePr>
             <a:graphicFrameLocks noGrp="1"/>
           </p:cNvGraphicFramePr>
@@ -8637,7 +9041,7 @@
           </p:nvPr>
         </p:nvGraphicFramePr>
         <p:xfrm>
-          <a:off x="457200" y="1600200"/>
+          <a:off x="1043608" y="1628800"/>
           <a:ext cx="7467600" cy="4525963"/>
         </p:xfrm>
         <a:graphic>
@@ -8651,6 +9055,13 @@
   <p:clrMapOvr>
     <a:masterClrMapping/>
   </p:clrMapOvr>
+  <p:timing>
+    <p:tnLst>
+      <p:par>
+        <p:cTn id="1" dur="indefinite" restart="never" nodeType="tmRoot"/>
+      </p:par>
+    </p:tnLst>
+  </p:timing>
 </p:sld>
 </file>
 
@@ -8830,12 +9241,12 @@
           <a:lstStyle/>
           <a:p>
             <a:r>
+              <a:rPr lang="fr-FR" dirty="0" err="1" smtClean="0"/>
+              <a:t>Processing</a:t>
+            </a:r>
+            <a:r>
               <a:rPr lang="fr-FR" dirty="0" smtClean="0"/>
-              <a:t>Speed </a:t>
-            </a:r>
-            <a:r>
-              <a:rPr lang="fr-FR" dirty="0" err="1" smtClean="0"/>
-              <a:t>processing</a:t>
+              <a:t> speed</a:t>
             </a:r>
             <a:endParaRPr lang="fr-FR" dirty="0"/>
           </a:p>
@@ -8864,11 +9275,15 @@
             <a:pPr lvl="0"/>
             <a:r>
               <a:rPr lang="fr-FR" dirty="0" smtClean="0"/>
-              <a:t>PC1Core </a:t>
+              <a:t>PC 1 </a:t>
+            </a:r>
+            <a:r>
+              <a:rPr lang="fr-FR" dirty="0" err="1" smtClean="0"/>
+              <a:t>Core</a:t>
             </a:r>
             <a:r>
               <a:rPr lang="fr-FR" dirty="0" smtClean="0"/>
-              <a:t>i7 2 </a:t>
+              <a:t> i7 2 </a:t>
             </a:r>
             <a:r>
               <a:rPr lang="fr-FR" dirty="0" err="1" smtClean="0"/>
@@ -8876,7 +9291,7 @@
             </a:r>
             <a:r>
               <a:rPr lang="fr-FR" dirty="0" smtClean="0"/>
-              <a:t>	</a:t>
+              <a:t> </a:t>
             </a:r>
             <a:r>
               <a:rPr lang="fr-FR" dirty="0" err="1" smtClean="0"/>
@@ -8891,11 +9306,7 @@
             <a:pPr lvl="0"/>
             <a:r>
               <a:rPr lang="fr-FR" dirty="0" smtClean="0"/>
-              <a:t>PC </a:t>
-            </a:r>
-            <a:r>
-              <a:rPr lang="fr-FR" dirty="0" smtClean="0"/>
-              <a:t>2 </a:t>
+              <a:t>PC 2 </a:t>
             </a:r>
             <a:r>
               <a:rPr lang="fr-FR" dirty="0" err="1" smtClean="0"/>
@@ -8975,12 +9386,17 @@
         </p:nvCxnSpPr>
         <p:spPr>
           <a:xfrm>
-            <a:off x="1475656" y="5013176"/>
-            <a:ext cx="4392488" cy="0"/>
+            <a:off x="1331640" y="5013176"/>
+            <a:ext cx="4536504" cy="0"/>
           </a:xfrm>
           <a:prstGeom prst="line">
             <a:avLst/>
           </a:prstGeom>
+          <a:ln>
+            <a:solidFill>
+              <a:srgbClr val="FF0000"/>
+            </a:solidFill>
+          </a:ln>
         </p:spPr>
         <p:style>
           <a:lnRef idx="1">
@@ -9005,7 +9421,7 @@
         </p:nvSpPr>
         <p:spPr>
           <a:xfrm>
-            <a:off x="323528" y="4653136"/>
+            <a:off x="6084168" y="4725144"/>
             <a:ext cx="1152128" cy="646331"/>
           </a:xfrm>
           <a:prstGeom prst="rect">
@@ -9021,15 +9437,7 @@
           <a:p>
             <a:r>
               <a:rPr lang="fr-FR" dirty="0" smtClean="0"/>
-              <a:t>30 </a:t>
-            </a:r>
-            <a:r>
-              <a:rPr lang="fr-FR" dirty="0" err="1" smtClean="0"/>
-              <a:t>fps</a:t>
-            </a:r>
-            <a:r>
-              <a:rPr lang="fr-FR" dirty="0" smtClean="0"/>
-              <a:t> Kinect</a:t>
+              <a:t>30 FPS Kinect</a:t>
             </a:r>
             <a:endParaRPr lang="fr-FR" dirty="0"/>
           </a:p>
@@ -9086,11 +9494,7 @@
           <a:p>
             <a:r>
               <a:rPr lang="fr-FR" dirty="0" smtClean="0"/>
-              <a:t>Word i</a:t>
-            </a:r>
-            <a:r>
-              <a:rPr lang="fr-FR" dirty="0" smtClean="0"/>
-              <a:t>nput speed</a:t>
+              <a:t>Word input speed</a:t>
             </a:r>
             <a:endParaRPr lang="fr-FR" dirty="0"/>
           </a:p>
@@ -9287,11 +9691,30 @@
           <a:p>
             <a:r>
               <a:rPr lang="fr-FR" dirty="0" smtClean="0"/>
-              <a:t>Word input </a:t>
-            </a:r>
+              <a:t>Word input speed</a:t>
+            </a:r>
+            <a:endParaRPr lang="fr-FR" dirty="0"/>
+          </a:p>
+        </p:txBody>
+      </p:sp>
+      <p:sp>
+        <p:nvSpPr>
+          <p:cNvPr id="11" name="Espace réservé du texte 10"/>
+          <p:cNvSpPr>
+            <a:spLocks noGrp="1"/>
+          </p:cNvSpPr>
+          <p:nvPr>
+            <p:ph type="body" idx="1"/>
+          </p:nvPr>
+        </p:nvSpPr>
+        <p:spPr/>
+        <p:txBody>
+          <a:bodyPr/>
+          <a:lstStyle/>
+          <a:p>
             <a:r>
               <a:rPr lang="fr-FR" dirty="0" smtClean="0"/>
-              <a:t>speed</a:t>
+              <a:t>By time</a:t>
             </a:r>
             <a:endParaRPr lang="fr-FR" dirty="0"/>
           </a:p>
@@ -9299,12 +9722,12 @@
       </p:sp>
       <p:sp>
         <p:nvSpPr>
-          <p:cNvPr id="11" name="Espace réservé du texte 10"/>
-          <p:cNvSpPr>
-            <a:spLocks noGrp="1"/>
-          </p:cNvSpPr>
-          <p:nvPr>
-            <p:ph type="body" idx="1"/>
+          <p:cNvPr id="13" name="Espace réservé du texte 12"/>
+          <p:cNvSpPr>
+            <a:spLocks noGrp="1"/>
+          </p:cNvSpPr>
+          <p:nvPr>
+            <p:ph type="body" sz="half" idx="3"/>
           </p:nvPr>
         </p:nvSpPr>
         <p:spPr/>
@@ -9314,30 +9737,11 @@
           <a:p>
             <a:r>
               <a:rPr lang="fr-FR" dirty="0" smtClean="0"/>
-              <a:t>Time</a:t>
-            </a:r>
-            <a:endParaRPr lang="fr-FR" dirty="0"/>
-          </a:p>
-        </p:txBody>
-      </p:sp>
-      <p:sp>
-        <p:nvSpPr>
-          <p:cNvPr id="13" name="Espace réservé du texte 12"/>
-          <p:cNvSpPr>
-            <a:spLocks noGrp="1"/>
-          </p:cNvSpPr>
-          <p:nvPr>
-            <p:ph type="body" sz="half" idx="3"/>
-          </p:nvPr>
-        </p:nvSpPr>
-        <p:spPr/>
-        <p:txBody>
-          <a:bodyPr/>
-          <a:lstStyle/>
-          <a:p>
+              <a:t>By </a:t>
+            </a:r>
             <a:r>
               <a:rPr lang="fr-FR" dirty="0" err="1" smtClean="0"/>
-              <a:t>Number</a:t>
+              <a:t>number</a:t>
             </a:r>
             <a:r>
               <a:rPr lang="fr-FR" dirty="0" smtClean="0"/>
@@ -9402,7 +9806,7 @@
           </p:nvPr>
         </p:nvGraphicFramePr>
         <p:xfrm>
-          <a:off x="4645025" y="1517650"/>
+          <a:off x="4860032" y="1556792"/>
           <a:ext cx="4041775" cy="3941763"/>
         </p:xfrm>
         <a:graphic>
@@ -9411,6 +9815,70 @@
           </a:graphicData>
         </a:graphic>
       </p:graphicFrame>
+      <p:sp>
+        <p:nvSpPr>
+          <p:cNvPr id="8" name="ZoneTexte 7"/>
+          <p:cNvSpPr txBox="1"/>
+          <p:nvPr/>
+        </p:nvSpPr>
+        <p:spPr>
+          <a:xfrm>
+            <a:off x="5879" y="1628800"/>
+            <a:ext cx="461665" cy="2592288"/>
+          </a:xfrm>
+          <a:prstGeom prst="rect">
+            <a:avLst/>
+          </a:prstGeom>
+          <a:noFill/>
+        </p:spPr>
+        <p:txBody>
+          <a:bodyPr vert="eaVert" wrap="square" rtlCol="0">
+            <a:spAutoFit/>
+          </a:bodyPr>
+          <a:lstStyle/>
+          <a:p>
+            <a:r>
+              <a:rPr lang="fr-FR" dirty="0" smtClean="0"/>
+              <a:t>Time in seconds</a:t>
+            </a:r>
+            <a:endParaRPr lang="fr-FR" dirty="0"/>
+          </a:p>
+        </p:txBody>
+      </p:sp>
+      <p:sp>
+        <p:nvSpPr>
+          <p:cNvPr id="10" name="ZoneTexte 9"/>
+          <p:cNvSpPr txBox="1"/>
+          <p:nvPr/>
+        </p:nvSpPr>
+        <p:spPr>
+          <a:xfrm>
+            <a:off x="4499992" y="1628800"/>
+            <a:ext cx="461665" cy="2520280"/>
+          </a:xfrm>
+          <a:prstGeom prst="rect">
+            <a:avLst/>
+          </a:prstGeom>
+          <a:noFill/>
+        </p:spPr>
+        <p:txBody>
+          <a:bodyPr vert="eaVert" wrap="square" rtlCol="0">
+            <a:spAutoFit/>
+          </a:bodyPr>
+          <a:lstStyle/>
+          <a:p>
+            <a:r>
+              <a:rPr lang="fr-FR" dirty="0" err="1" smtClean="0"/>
+              <a:t>Number</a:t>
+            </a:r>
+            <a:r>
+              <a:rPr lang="fr-FR" dirty="0" smtClean="0"/>
+              <a:t> of clicks</a:t>
+            </a:r>
+            <a:endParaRPr lang="fr-FR" dirty="0"/>
+          </a:p>
+        </p:txBody>
+      </p:sp>
     </p:spTree>
   </p:cSld>
   <p:clrMapOvr>
@@ -9473,103 +9941,20 @@
           <a:p>
             <a:r>
               <a:rPr lang="en-US" dirty="0" smtClean="0"/>
-              <a:t>Hand recognition </a:t>
-            </a:r>
+              <a:t>Hand recognition equivalent to Kinect Skeleton in precision</a:t>
+            </a:r>
+          </a:p>
+          <a:p>
             <a:r>
               <a:rPr lang="en-US" dirty="0" smtClean="0"/>
-              <a:t>equivalent to </a:t>
-            </a:r>
+              <a:t>Hand recognition usable even while being sat down</a:t>
+            </a:r>
+          </a:p>
+          <a:p>
             <a:r>
               <a:rPr lang="en-US" dirty="0" smtClean="0"/>
-              <a:t>Kinect </a:t>
-            </a:r>
-            <a:r>
-              <a:rPr lang="en-US" dirty="0" smtClean="0"/>
-              <a:t>Skeleton</a:t>
-            </a:r>
-          </a:p>
-          <a:p>
-            <a:r>
-              <a:rPr lang="en-US" dirty="0" smtClean="0"/>
-              <a:t>TODO: </a:t>
-            </a:r>
-            <a:r>
-              <a:rPr lang="en-US" dirty="0" err="1" smtClean="0"/>
-              <a:t>rajouter</a:t>
-            </a:r>
-            <a:r>
-              <a:rPr lang="en-US" dirty="0" smtClean="0"/>
-              <a:t> </a:t>
-            </a:r>
-            <a:r>
-              <a:rPr lang="en-US" dirty="0" err="1" smtClean="0"/>
-              <a:t>que</a:t>
-            </a:r>
-            <a:r>
-              <a:rPr lang="en-US" dirty="0" smtClean="0"/>
-              <a:t> </a:t>
-            </a:r>
-            <a:r>
-              <a:rPr lang="en-US" dirty="0" err="1" smtClean="0"/>
-              <a:t>notre</a:t>
-            </a:r>
-            <a:r>
-              <a:rPr lang="en-US" dirty="0" smtClean="0"/>
-              <a:t> </a:t>
-            </a:r>
-            <a:r>
-              <a:rPr lang="en-US" dirty="0" err="1" smtClean="0"/>
-              <a:t>truc</a:t>
-            </a:r>
-            <a:r>
-              <a:rPr lang="en-US" dirty="0" smtClean="0"/>
-              <a:t> </a:t>
-            </a:r>
-            <a:r>
-              <a:rPr lang="en-US" dirty="0" err="1" smtClean="0"/>
-              <a:t>roxxe</a:t>
-            </a:r>
-            <a:r>
-              <a:rPr lang="en-US" dirty="0" smtClean="0"/>
-              <a:t> </a:t>
-            </a:r>
-            <a:r>
-              <a:rPr lang="en-US" dirty="0" err="1" smtClean="0"/>
-              <a:t>parce</a:t>
-            </a:r>
-            <a:r>
-              <a:rPr lang="en-US" dirty="0" smtClean="0"/>
-              <a:t> </a:t>
-            </a:r>
-            <a:r>
-              <a:rPr lang="en-US" dirty="0" err="1" smtClean="0"/>
-              <a:t>qu’on</a:t>
-            </a:r>
-            <a:r>
-              <a:rPr lang="en-US" dirty="0" smtClean="0"/>
-              <a:t> a pas à </a:t>
-            </a:r>
-            <a:r>
-              <a:rPr lang="en-US" dirty="0" err="1" smtClean="0"/>
-              <a:t>être</a:t>
-            </a:r>
-            <a:r>
-              <a:rPr lang="en-US" dirty="0" smtClean="0"/>
-              <a:t> </a:t>
-            </a:r>
-            <a:r>
-              <a:rPr lang="en-US" dirty="0" err="1" smtClean="0"/>
-              <a:t>debout</a:t>
-            </a:r>
-            <a:r>
-              <a:rPr lang="en-US" dirty="0" smtClean="0"/>
-              <a:t> pour </a:t>
-            </a:r>
-            <a:r>
-              <a:rPr lang="en-US" dirty="0" err="1" smtClean="0"/>
-              <a:t>l’utiliser</a:t>
-            </a:r>
-            <a:endParaRPr lang="en-US" dirty="0" smtClean="0"/>
+              <a:t>Functional distance : 1m – 2m</a:t>
+            </a:r>
           </a:p>
           <a:p>
             <a:r>
@@ -9616,12 +10001,6 @@
             <a:r>
               <a:rPr lang="en-US" dirty="0" smtClean="0"/>
               <a:t> sensors</a:t>
-            </a:r>
-          </a:p>
-          <a:p>
-            <a:r>
-              <a:rPr lang="en-US" dirty="0" smtClean="0"/>
-              <a:t>Functional distance : 1m – 2m</a:t>
             </a:r>
           </a:p>
         </p:txBody>
@@ -9741,7 +10120,7 @@
         <p:spPr/>
         <p:txBody>
           <a:bodyPr>
-            <a:normAutofit fontScale="85000" lnSpcReduction="20000"/>
+            <a:normAutofit fontScale="77500" lnSpcReduction="20000"/>
           </a:bodyPr>
           <a:lstStyle/>
           <a:p>
@@ -9815,13 +10194,38 @@
           <a:p>
             <a:r>
               <a:rPr lang="en-US" dirty="0" smtClean="0"/>
-              <a:t>PC Kinect in </a:t>
-            </a:r>
+              <a:t>PC Kinect released</a:t>
+            </a:r>
+          </a:p>
+          <a:p>
+            <a:pPr lvl="1"/>
             <a:r>
               <a:rPr lang="en-US" dirty="0" smtClean="0"/>
-              <a:t>released (TODO: specs)</a:t>
-            </a:r>
-            <a:endParaRPr lang="en-US" dirty="0" smtClean="0"/>
+              <a:t>Resolution improved: 640x480 </a:t>
+            </a:r>
+            <a:r>
+              <a:rPr lang="en-US" dirty="0" err="1" smtClean="0"/>
+              <a:t>px</a:t>
+            </a:r>
+            <a:r>
+              <a:rPr lang="en-US" dirty="0" smtClean="0"/>
+              <a:t> (old: 320x240 </a:t>
+            </a:r>
+            <a:r>
+              <a:rPr lang="en-US" dirty="0" err="1" smtClean="0"/>
+              <a:t>px</a:t>
+            </a:r>
+            <a:r>
+              <a:rPr lang="en-US" dirty="0" smtClean="0"/>
+              <a:t>)</a:t>
+            </a:r>
+          </a:p>
+          <a:p>
+            <a:pPr lvl="1"/>
+            <a:r>
+              <a:rPr lang="en-US" dirty="0" smtClean="0"/>
+              <a:t>Near mode: from 50 -- 300 cm (far mode: 80 – 400 cm)</a:t>
+            </a:r>
           </a:p>
           <a:p>
             <a:endParaRPr lang="fr-FR" dirty="0"/>

--- a/Pr�sentation/Pr�sentation_NUI.pptx
+++ b/Pr�sentation/Pr�sentation_NUI.pptx
@@ -5,7 +5,7 @@
     <p:sldMasterId id="2147483684" r:id="rId1"/>
   </p:sldMasterIdLst>
   <p:notesMasterIdLst>
-    <p:notesMasterId r:id="rId27"/>
+    <p:notesMasterId r:id="rId29"/>
   </p:notesMasterIdLst>
   <p:sldIdLst>
     <p:sldId id="256" r:id="rId2"/>
@@ -15,24 +15,26 @@
     <p:sldId id="260" r:id="rId6"/>
     <p:sldId id="261" r:id="rId7"/>
     <p:sldId id="269" r:id="rId8"/>
-    <p:sldId id="263" r:id="rId9"/>
-    <p:sldId id="270" r:id="rId10"/>
-    <p:sldId id="264" r:id="rId11"/>
-    <p:sldId id="267" r:id="rId12"/>
-    <p:sldId id="266" r:id="rId13"/>
-    <p:sldId id="271" r:id="rId14"/>
-    <p:sldId id="280" r:id="rId15"/>
-    <p:sldId id="272" r:id="rId16"/>
-    <p:sldId id="273" r:id="rId17"/>
-    <p:sldId id="278" r:id="rId18"/>
-    <p:sldId id="274" r:id="rId19"/>
-    <p:sldId id="279" r:id="rId20"/>
-    <p:sldId id="275" r:id="rId21"/>
-    <p:sldId id="276" r:id="rId22"/>
-    <p:sldId id="277" r:id="rId23"/>
-    <p:sldId id="262" r:id="rId24"/>
-    <p:sldId id="265" r:id="rId25"/>
-    <p:sldId id="268" r:id="rId26"/>
+    <p:sldId id="281" r:id="rId9"/>
+    <p:sldId id="263" r:id="rId10"/>
+    <p:sldId id="270" r:id="rId11"/>
+    <p:sldId id="264" r:id="rId12"/>
+    <p:sldId id="267" r:id="rId13"/>
+    <p:sldId id="266" r:id="rId14"/>
+    <p:sldId id="271" r:id="rId15"/>
+    <p:sldId id="280" r:id="rId16"/>
+    <p:sldId id="275" r:id="rId17"/>
+    <p:sldId id="272" r:id="rId18"/>
+    <p:sldId id="273" r:id="rId19"/>
+    <p:sldId id="278" r:id="rId20"/>
+    <p:sldId id="274" r:id="rId21"/>
+    <p:sldId id="279" r:id="rId22"/>
+    <p:sldId id="276" r:id="rId23"/>
+    <p:sldId id="282" r:id="rId24"/>
+    <p:sldId id="277" r:id="rId25"/>
+    <p:sldId id="262" r:id="rId26"/>
+    <p:sldId id="265" r:id="rId27"/>
+    <p:sldId id="268" r:id="rId28"/>
   </p:sldIdLst>
   <p:sldSz cx="9144000" cy="6858000" type="screen4x3"/>
   <p:notesSz cx="6858000" cy="9144000"/>
@@ -193,13 +195,13 @@
                   <c:v>4.201918</c:v>
                 </c:pt>
                 <c:pt idx="1">
-                  <c:v>1.0630710999999968</c:v>
+                  <c:v>1.0630710999999959</c:v>
                 </c:pt>
                 <c:pt idx="2">
-                  <c:v>0.28386960000000078</c:v>
+                  <c:v>0.283869600000001</c:v>
                 </c:pt>
                 <c:pt idx="3">
-                  <c:v>0.15299750000000048</c:v>
+                  <c:v>0.15299750000000059</c:v>
                 </c:pt>
                 <c:pt idx="4">
                   <c:v>4.9843000000000103E-2</c:v>
@@ -258,33 +260,33 @@
                 <c:formatCode>General</c:formatCode>
                 <c:ptCount val="6"/>
                 <c:pt idx="0">
-                  <c:v>3.4600000000000197E-5</c:v>
+                  <c:v>3.4600000000000238E-5</c:v>
                 </c:pt>
                 <c:pt idx="1">
-                  <c:v>3.4000000000000189E-5</c:v>
+                  <c:v>3.4000000000000217E-5</c:v>
                 </c:pt>
                 <c:pt idx="2">
-                  <c:v>3.0700000000000163E-5</c:v>
+                  <c:v>3.0700000000000204E-5</c:v>
                 </c:pt>
                 <c:pt idx="3">
-                  <c:v>5.7700000000000373E-5</c:v>
+                  <c:v>5.7700000000000447E-5</c:v>
                 </c:pt>
                 <c:pt idx="4">
-                  <c:v>3.3300000000000152E-5</c:v>
+                  <c:v>3.3300000000000179E-5</c:v>
                 </c:pt>
                 <c:pt idx="5">
-                  <c:v>3.4600000000000197E-5</c:v>
+                  <c:v>3.4600000000000238E-5</c:v>
                 </c:pt>
               </c:numCache>
             </c:numRef>
           </c:val>
         </c:ser>
         <c:marker val="1"/>
-        <c:axId val="95618176"/>
-        <c:axId val="95619712"/>
+        <c:axId val="80050432"/>
+        <c:axId val="82345984"/>
       </c:lineChart>
       <c:catAx>
-        <c:axId val="95618176"/>
+        <c:axId val="80050432"/>
         <c:scaling>
           <c:orientation val="minMax"/>
         </c:scaling>
@@ -300,14 +302,14 @@
             <a:endParaRPr lang="fr-FR"/>
           </a:p>
         </c:txPr>
-        <c:crossAx val="95619712"/>
-        <c:crossesAt val="1.000000000000006E-5"/>
+        <c:crossAx val="82345984"/>
+        <c:crossesAt val="1.0000000000000069E-5"/>
         <c:auto val="1"/>
         <c:lblAlgn val="ctr"/>
         <c:lblOffset val="100"/>
       </c:catAx>
       <c:valAx>
-        <c:axId val="95619712"/>
+        <c:axId val="82345984"/>
         <c:scaling>
           <c:logBase val="10"/>
           <c:orientation val="minMax"/>
@@ -317,7 +319,7 @@
         <c:numFmt formatCode="General" sourceLinked="1"/>
         <c:minorTickMark val="in"/>
         <c:tickLblPos val="nextTo"/>
-        <c:crossAx val="95618176"/>
+        <c:crossAx val="80050432"/>
         <c:crosses val="autoZero"/>
         <c:crossBetween val="between"/>
       </c:valAx>
@@ -345,6 +347,153 @@
 
 <file path=ppt/charts/chart2.xml><?xml version="1.0" encoding="utf-8"?>
 <c:chartSpace xmlns:c="http://schemas.openxmlformats.org/drawingml/2006/chart" xmlns:a="http://schemas.openxmlformats.org/drawingml/2006/main" xmlns:r="http://schemas.openxmlformats.org/officeDocument/2006/relationships">
+  <c:date1904 val="1"/>
+  <c:lang val="fr-FR"/>
+  <c:chart>
+    <c:plotArea>
+      <c:layout/>
+      <c:barChart>
+        <c:barDir val="col"/>
+        <c:grouping val="stacked"/>
+        <c:ser>
+          <c:idx val="0"/>
+          <c:order val="0"/>
+          <c:tx>
+            <c:v>Processing Time</c:v>
+          </c:tx>
+          <c:cat>
+            <c:strRef>
+              <c:f>Speed!$A$8:$A$11</c:f>
+              <c:strCache>
+                <c:ptCount val="4"/>
+                <c:pt idx="0">
+                  <c:v>PC1 Normal</c:v>
+                </c:pt>
+                <c:pt idx="1">
+                  <c:v>PC1 Eco</c:v>
+                </c:pt>
+                <c:pt idx="2">
+                  <c:v>PC2 Normal</c:v>
+                </c:pt>
+                <c:pt idx="3">
+                  <c:v>PC2 Eco</c:v>
+                </c:pt>
+              </c:strCache>
+            </c:strRef>
+          </c:cat>
+          <c:val>
+            <c:numRef>
+              <c:f>Speed!$B$8:$B$11</c:f>
+              <c:numCache>
+                <c:formatCode>General</c:formatCode>
+                <c:ptCount val="4"/>
+                <c:pt idx="0">
+                  <c:v>18</c:v>
+                </c:pt>
+                <c:pt idx="1">
+                  <c:v>30</c:v>
+                </c:pt>
+                <c:pt idx="2">
+                  <c:v>30</c:v>
+                </c:pt>
+                <c:pt idx="3">
+                  <c:v>50</c:v>
+                </c:pt>
+              </c:numCache>
+            </c:numRef>
+          </c:val>
+        </c:ser>
+        <c:ser>
+          <c:idx val="1"/>
+          <c:order val="1"/>
+          <c:tx>
+            <c:v>Rendering Time</c:v>
+          </c:tx>
+          <c:val>
+            <c:numRef>
+              <c:f>Speed!$C$8:$C$11</c:f>
+              <c:numCache>
+                <c:formatCode>General</c:formatCode>
+                <c:ptCount val="4"/>
+                <c:pt idx="0">
+                  <c:v>3</c:v>
+                </c:pt>
+                <c:pt idx="1">
+                  <c:v>52</c:v>
+                </c:pt>
+                <c:pt idx="2">
+                  <c:v>20</c:v>
+                </c:pt>
+                <c:pt idx="3">
+                  <c:v>40</c:v>
+                </c:pt>
+              </c:numCache>
+            </c:numRef>
+          </c:val>
+        </c:ser>
+        <c:overlap val="100"/>
+        <c:axId val="64200704"/>
+        <c:axId val="64203008"/>
+      </c:barChart>
+      <c:catAx>
+        <c:axId val="64200704"/>
+        <c:scaling>
+          <c:orientation val="minMax"/>
+        </c:scaling>
+        <c:axPos val="b"/>
+        <c:tickLblPos val="nextTo"/>
+        <c:crossAx val="64203008"/>
+        <c:crosses val="autoZero"/>
+        <c:auto val="1"/>
+        <c:lblAlgn val="ctr"/>
+        <c:lblOffset val="100"/>
+      </c:catAx>
+      <c:valAx>
+        <c:axId val="64203008"/>
+        <c:scaling>
+          <c:orientation val="minMax"/>
+        </c:scaling>
+        <c:axPos val="l"/>
+        <c:majorGridlines/>
+        <c:numFmt formatCode="General" sourceLinked="1"/>
+        <c:tickLblPos val="nextTo"/>
+        <c:crossAx val="64200704"/>
+        <c:crosses val="autoZero"/>
+        <c:crossBetween val="between"/>
+      </c:valAx>
+    </c:plotArea>
+    <c:legend>
+      <c:legendPos val="r"/>
+      <c:layout>
+        <c:manualLayout>
+          <c:xMode val="edge"/>
+          <c:yMode val="edge"/>
+          <c:x val="0.65360227464438236"/>
+          <c:y val="0.11007789914595766"/>
+          <c:w val="0.33986552934447695"/>
+          <c:h val="0.19444825279460695"/>
+        </c:manualLayout>
+      </c:layout>
+    </c:legend>
+    <c:plotVisOnly val="1"/>
+  </c:chart>
+  <c:txPr>
+    <a:bodyPr/>
+    <a:lstStyle/>
+    <a:p>
+      <a:pPr>
+        <a:defRPr sz="1800"/>
+      </a:pPr>
+      <a:endParaRPr lang="fr-FR"/>
+    </a:p>
+  </c:txPr>
+  <c:externalData r:id="rId1"/>
+</c:chartSpace>
+</file>
+
+<file path=ppt/charts/chart3.xml><?xml version="1.0" encoding="utf-8"?>
+<c:chartSpace xmlns:c="http://schemas.openxmlformats.org/drawingml/2006/chart" xmlns:a="http://schemas.openxmlformats.org/drawingml/2006/main" xmlns:r="http://schemas.openxmlformats.org/officeDocument/2006/relationships">
+  <c:date1904 val="1"/>
   <c:lang val="fr-FR"/>
   <c:chart>
     <c:plotArea>
@@ -394,16 +543,16 @@
                 <c:formatCode>General</c:formatCode>
                 <c:ptCount val="6"/>
                 <c:pt idx="0">
-                  <c:v>0.76500000000000001</c:v>
+                  <c:v>0.76500000000000046</c:v>
                 </c:pt>
                 <c:pt idx="1">
                   <c:v>0.81799999999999995</c:v>
                 </c:pt>
                 <c:pt idx="2">
-                  <c:v>0.72799999999999998</c:v>
+                  <c:v>0.72800000000000042</c:v>
                 </c:pt>
                 <c:pt idx="3">
-                  <c:v>0.61099999999999999</c:v>
+                  <c:v>0.61100000000000043</c:v>
                 </c:pt>
                 <c:pt idx="4">
                   <c:v>0.57099999999999995</c:v>
@@ -437,7 +586,7 @@
                   <c:v>2.92</c:v>
                 </c:pt>
                 <c:pt idx="2">
-                  <c:v>2.4500000000000002</c:v>
+                  <c:v>2.4499999999999997</c:v>
                 </c:pt>
                 <c:pt idx="3">
                   <c:v>3.03</c:v>
@@ -484,38 +633,38 @@
                   <c:v>2.2890000000000001</c:v>
                 </c:pt>
                 <c:pt idx="3">
-                  <c:v>2.351</c:v>
+                  <c:v>2.3509999999999982</c:v>
                 </c:pt>
                 <c:pt idx="4">
                   <c:v>2.0840000000000001</c:v>
                 </c:pt>
                 <c:pt idx="5">
-                  <c:v>1.7749999999999999</c:v>
+                  <c:v>1.7749999999999995</c:v>
                 </c:pt>
               </c:numCache>
             </c:numRef>
           </c:val>
         </c:ser>
         <c:marker val="1"/>
-        <c:axId val="93372800"/>
-        <c:axId val="93374720"/>
+        <c:axId val="63619456"/>
+        <c:axId val="63620992"/>
       </c:lineChart>
       <c:catAx>
-        <c:axId val="93372800"/>
+        <c:axId val="63619456"/>
         <c:scaling>
           <c:orientation val="minMax"/>
         </c:scaling>
         <c:axPos val="b"/>
         <c:numFmt formatCode="General" sourceLinked="1"/>
         <c:tickLblPos val="nextTo"/>
-        <c:crossAx val="93374720"/>
+        <c:crossAx val="63620992"/>
         <c:crosses val="autoZero"/>
         <c:auto val="1"/>
         <c:lblAlgn val="ctr"/>
         <c:lblOffset val="100"/>
       </c:catAx>
       <c:valAx>
-        <c:axId val="93374720"/>
+        <c:axId val="63620992"/>
         <c:scaling>
           <c:orientation val="minMax"/>
         </c:scaling>
@@ -523,266 +672,7 @@
         <c:majorGridlines/>
         <c:numFmt formatCode="General" sourceLinked="1"/>
         <c:tickLblPos val="nextTo"/>
-        <c:crossAx val="93372800"/>
-        <c:crosses val="autoZero"/>
-        <c:crossBetween val="between"/>
-      </c:valAx>
-    </c:plotArea>
-    <c:legend>
-      <c:legendPos val="r"/>
-      <c:layout/>
-    </c:legend>
-    <c:plotVisOnly val="1"/>
-  </c:chart>
-  <c:txPr>
-    <a:bodyPr/>
-    <a:lstStyle/>
-    <a:p>
-      <a:pPr>
-        <a:defRPr sz="1800"/>
-      </a:pPr>
-      <a:endParaRPr lang="fr-FR"/>
-    </a:p>
-  </c:txPr>
-  <c:externalData r:id="rId1"/>
-</c:chartSpace>
-</file>
-
-<file path=ppt/charts/chart3.xml><?xml version="1.0" encoding="utf-8"?>
-<c:chartSpace xmlns:c="http://schemas.openxmlformats.org/drawingml/2006/chart" xmlns:a="http://schemas.openxmlformats.org/drawingml/2006/main" xmlns:r="http://schemas.openxmlformats.org/officeDocument/2006/relationships">
-  <c:lang val="fr-FR"/>
-  <c:chart>
-    <c:plotArea>
-      <c:layout/>
-      <c:lineChart>
-        <c:grouping val="standard"/>
-        <c:ser>
-          <c:idx val="0"/>
-          <c:order val="0"/>
-          <c:tx>
-            <c:v>Mouse</c:v>
-          </c:tx>
-          <c:marker>
-            <c:symbol val="none"/>
-          </c:marker>
-          <c:cat>
-            <c:numRef>
-              <c:f>Precision!$A$6:$A$11</c:f>
-              <c:numCache>
-                <c:formatCode>General</c:formatCode>
-                <c:ptCount val="6"/>
-                <c:pt idx="0">
-                  <c:v>24</c:v>
-                </c:pt>
-                <c:pt idx="1">
-                  <c:v>32</c:v>
-                </c:pt>
-                <c:pt idx="2">
-                  <c:v>64</c:v>
-                </c:pt>
-                <c:pt idx="3">
-                  <c:v>72</c:v>
-                </c:pt>
-                <c:pt idx="4">
-                  <c:v>92</c:v>
-                </c:pt>
-                <c:pt idx="5">
-                  <c:v>128</c:v>
-                </c:pt>
-              </c:numCache>
-            </c:numRef>
-          </c:cat>
-          <c:val>
-            <c:numRef>
-              <c:f>Precision!$C$6:$C$11</c:f>
-              <c:numCache>
-                <c:formatCode>General</c:formatCode>
-                <c:ptCount val="6"/>
-                <c:pt idx="0">
-                  <c:v>4.62</c:v>
-                </c:pt>
-                <c:pt idx="1">
-                  <c:v>4.71</c:v>
-                </c:pt>
-                <c:pt idx="2">
-                  <c:v>6.84</c:v>
-                </c:pt>
-                <c:pt idx="3">
-                  <c:v>11.97</c:v>
-                </c:pt>
-                <c:pt idx="4">
-                  <c:v>26.04</c:v>
-                </c:pt>
-                <c:pt idx="5">
-                  <c:v>50.11</c:v>
-                </c:pt>
-              </c:numCache>
-            </c:numRef>
-          </c:val>
-        </c:ser>
-        <c:ser>
-          <c:idx val="1"/>
-          <c:order val="1"/>
-          <c:tx>
-            <c:v>Hand recognition system</c:v>
-          </c:tx>
-          <c:marker>
-            <c:symbol val="none"/>
-          </c:marker>
-          <c:cat>
-            <c:numRef>
-              <c:f>Precision!$A$6:$A$11</c:f>
-              <c:numCache>
-                <c:formatCode>General</c:formatCode>
-                <c:ptCount val="6"/>
-                <c:pt idx="0">
-                  <c:v>24</c:v>
-                </c:pt>
-                <c:pt idx="1">
-                  <c:v>32</c:v>
-                </c:pt>
-                <c:pt idx="2">
-                  <c:v>64</c:v>
-                </c:pt>
-                <c:pt idx="3">
-                  <c:v>72</c:v>
-                </c:pt>
-                <c:pt idx="4">
-                  <c:v>92</c:v>
-                </c:pt>
-                <c:pt idx="5">
-                  <c:v>128</c:v>
-                </c:pt>
-              </c:numCache>
-            </c:numRef>
-          </c:cat>
-          <c:val>
-            <c:numRef>
-              <c:f>Precision!$C$15:$C$20</c:f>
-              <c:numCache>
-                <c:formatCode>General</c:formatCode>
-                <c:ptCount val="6"/>
-                <c:pt idx="0">
-                  <c:v>15.07</c:v>
-                </c:pt>
-                <c:pt idx="1">
-                  <c:v>21.16</c:v>
-                </c:pt>
-                <c:pt idx="2">
-                  <c:v>16.940000000000001</c:v>
-                </c:pt>
-                <c:pt idx="3">
-                  <c:v>24.99</c:v>
-                </c:pt>
-                <c:pt idx="4">
-                  <c:v>31.99</c:v>
-                </c:pt>
-                <c:pt idx="5">
-                  <c:v>57.39</c:v>
-                </c:pt>
-              </c:numCache>
-            </c:numRef>
-          </c:val>
-        </c:ser>
-        <c:ser>
-          <c:idx val="2"/>
-          <c:order val="2"/>
-          <c:tx>
-            <c:v>Kinect Skeleton</c:v>
-          </c:tx>
-          <c:spPr>
-            <a:ln>
-              <a:solidFill>
-                <a:srgbClr val="FF0000"/>
-              </a:solidFill>
-            </a:ln>
-          </c:spPr>
-          <c:marker>
-            <c:symbol val="none"/>
-          </c:marker>
-          <c:cat>
-            <c:numRef>
-              <c:f>Precision!$A$6:$A$11</c:f>
-              <c:numCache>
-                <c:formatCode>General</c:formatCode>
-                <c:ptCount val="6"/>
-                <c:pt idx="0">
-                  <c:v>24</c:v>
-                </c:pt>
-                <c:pt idx="1">
-                  <c:v>32</c:v>
-                </c:pt>
-                <c:pt idx="2">
-                  <c:v>64</c:v>
-                </c:pt>
-                <c:pt idx="3">
-                  <c:v>72</c:v>
-                </c:pt>
-                <c:pt idx="4">
-                  <c:v>92</c:v>
-                </c:pt>
-                <c:pt idx="5">
-                  <c:v>128</c:v>
-                </c:pt>
-              </c:numCache>
-            </c:numRef>
-          </c:cat>
-          <c:val>
-            <c:numRef>
-              <c:f>Precision!$C$24:$C$29</c:f>
-              <c:numCache>
-                <c:formatCode>General</c:formatCode>
-                <c:ptCount val="6"/>
-                <c:pt idx="0">
-                  <c:v>20.75</c:v>
-                </c:pt>
-                <c:pt idx="1">
-                  <c:v>17.27</c:v>
-                </c:pt>
-                <c:pt idx="2">
-                  <c:v>19.260000000000002</c:v>
-                </c:pt>
-                <c:pt idx="3">
-                  <c:v>26.03</c:v>
-                </c:pt>
-                <c:pt idx="4">
-                  <c:v>31.81</c:v>
-                </c:pt>
-                <c:pt idx="5">
-                  <c:v>57.44</c:v>
-                </c:pt>
-              </c:numCache>
-            </c:numRef>
-          </c:val>
-        </c:ser>
-        <c:marker val="1"/>
-        <c:axId val="76406144"/>
-        <c:axId val="77724288"/>
-      </c:lineChart>
-      <c:catAx>
-        <c:axId val="76406144"/>
-        <c:scaling>
-          <c:orientation val="minMax"/>
-        </c:scaling>
-        <c:axPos val="b"/>
-        <c:numFmt formatCode="General" sourceLinked="1"/>
-        <c:tickLblPos val="nextTo"/>
-        <c:crossAx val="77724288"/>
-        <c:crosses val="autoZero"/>
-        <c:auto val="1"/>
-        <c:lblAlgn val="ctr"/>
-        <c:lblOffset val="100"/>
-      </c:catAx>
-      <c:valAx>
-        <c:axId val="77724288"/>
-        <c:scaling>
-          <c:orientation val="minMax"/>
-        </c:scaling>
-        <c:axPos val="l"/>
-        <c:majorGridlines/>
-        <c:numFmt formatCode="General" sourceLinked="1"/>
-        <c:tickLblPos val="nextTo"/>
-        <c:crossAx val="76406144"/>
+        <c:crossAx val="63619456"/>
         <c:crosses val="autoZero"/>
         <c:crossBetween val="between"/>
       </c:valAx>
@@ -853,6 +743,266 @@
           </c:cat>
           <c:val>
             <c:numRef>
+              <c:f>Precision!$C$6:$C$11</c:f>
+              <c:numCache>
+                <c:formatCode>General</c:formatCode>
+                <c:ptCount val="6"/>
+                <c:pt idx="0">
+                  <c:v>4.6199999999999966</c:v>
+                </c:pt>
+                <c:pt idx="1">
+                  <c:v>4.71</c:v>
+                </c:pt>
+                <c:pt idx="2">
+                  <c:v>6.84</c:v>
+                </c:pt>
+                <c:pt idx="3">
+                  <c:v>11.97</c:v>
+                </c:pt>
+                <c:pt idx="4">
+                  <c:v>26.04</c:v>
+                </c:pt>
+                <c:pt idx="5">
+                  <c:v>50.11</c:v>
+                </c:pt>
+              </c:numCache>
+            </c:numRef>
+          </c:val>
+        </c:ser>
+        <c:ser>
+          <c:idx val="1"/>
+          <c:order val="1"/>
+          <c:tx>
+            <c:v>Hand recognition system</c:v>
+          </c:tx>
+          <c:marker>
+            <c:symbol val="none"/>
+          </c:marker>
+          <c:cat>
+            <c:numRef>
+              <c:f>Precision!$A$6:$A$11</c:f>
+              <c:numCache>
+                <c:formatCode>General</c:formatCode>
+                <c:ptCount val="6"/>
+                <c:pt idx="0">
+                  <c:v>24</c:v>
+                </c:pt>
+                <c:pt idx="1">
+                  <c:v>32</c:v>
+                </c:pt>
+                <c:pt idx="2">
+                  <c:v>64</c:v>
+                </c:pt>
+                <c:pt idx="3">
+                  <c:v>72</c:v>
+                </c:pt>
+                <c:pt idx="4">
+                  <c:v>92</c:v>
+                </c:pt>
+                <c:pt idx="5">
+                  <c:v>128</c:v>
+                </c:pt>
+              </c:numCache>
+            </c:numRef>
+          </c:cat>
+          <c:val>
+            <c:numRef>
+              <c:f>Precision!$C$15:$C$20</c:f>
+              <c:numCache>
+                <c:formatCode>General</c:formatCode>
+                <c:ptCount val="6"/>
+                <c:pt idx="0">
+                  <c:v>15.07</c:v>
+                </c:pt>
+                <c:pt idx="1">
+                  <c:v>21.16</c:v>
+                </c:pt>
+                <c:pt idx="2">
+                  <c:v>16.939999999999987</c:v>
+                </c:pt>
+                <c:pt idx="3">
+                  <c:v>24.99</c:v>
+                </c:pt>
+                <c:pt idx="4">
+                  <c:v>31.99</c:v>
+                </c:pt>
+                <c:pt idx="5">
+                  <c:v>57.39</c:v>
+                </c:pt>
+              </c:numCache>
+            </c:numRef>
+          </c:val>
+        </c:ser>
+        <c:ser>
+          <c:idx val="2"/>
+          <c:order val="2"/>
+          <c:tx>
+            <c:v>Kinect Skeleton</c:v>
+          </c:tx>
+          <c:spPr>
+            <a:ln>
+              <a:solidFill>
+                <a:srgbClr val="FF0000"/>
+              </a:solidFill>
+            </a:ln>
+          </c:spPr>
+          <c:marker>
+            <c:symbol val="none"/>
+          </c:marker>
+          <c:cat>
+            <c:numRef>
+              <c:f>Precision!$A$6:$A$11</c:f>
+              <c:numCache>
+                <c:formatCode>General</c:formatCode>
+                <c:ptCount val="6"/>
+                <c:pt idx="0">
+                  <c:v>24</c:v>
+                </c:pt>
+                <c:pt idx="1">
+                  <c:v>32</c:v>
+                </c:pt>
+                <c:pt idx="2">
+                  <c:v>64</c:v>
+                </c:pt>
+                <c:pt idx="3">
+                  <c:v>72</c:v>
+                </c:pt>
+                <c:pt idx="4">
+                  <c:v>92</c:v>
+                </c:pt>
+                <c:pt idx="5">
+                  <c:v>128</c:v>
+                </c:pt>
+              </c:numCache>
+            </c:numRef>
+          </c:cat>
+          <c:val>
+            <c:numRef>
+              <c:f>Precision!$C$24:$C$29</c:f>
+              <c:numCache>
+                <c:formatCode>General</c:formatCode>
+                <c:ptCount val="6"/>
+                <c:pt idx="0">
+                  <c:v>20.75</c:v>
+                </c:pt>
+                <c:pt idx="1">
+                  <c:v>17.27</c:v>
+                </c:pt>
+                <c:pt idx="2">
+                  <c:v>19.260000000000002</c:v>
+                </c:pt>
+                <c:pt idx="3">
+                  <c:v>26.03</c:v>
+                </c:pt>
+                <c:pt idx="4">
+                  <c:v>31.810000000000013</c:v>
+                </c:pt>
+                <c:pt idx="5">
+                  <c:v>57.44</c:v>
+                </c:pt>
+              </c:numCache>
+            </c:numRef>
+          </c:val>
+        </c:ser>
+        <c:marker val="1"/>
+        <c:axId val="61959168"/>
+        <c:axId val="61965056"/>
+      </c:lineChart>
+      <c:catAx>
+        <c:axId val="61959168"/>
+        <c:scaling>
+          <c:orientation val="minMax"/>
+        </c:scaling>
+        <c:axPos val="b"/>
+        <c:numFmt formatCode="General" sourceLinked="1"/>
+        <c:tickLblPos val="nextTo"/>
+        <c:crossAx val="61965056"/>
+        <c:crosses val="autoZero"/>
+        <c:auto val="1"/>
+        <c:lblAlgn val="ctr"/>
+        <c:lblOffset val="100"/>
+      </c:catAx>
+      <c:valAx>
+        <c:axId val="61965056"/>
+        <c:scaling>
+          <c:orientation val="minMax"/>
+        </c:scaling>
+        <c:axPos val="l"/>
+        <c:majorGridlines/>
+        <c:numFmt formatCode="General" sourceLinked="1"/>
+        <c:tickLblPos val="nextTo"/>
+        <c:crossAx val="61959168"/>
+        <c:crosses val="autoZero"/>
+        <c:crossBetween val="between"/>
+      </c:valAx>
+    </c:plotArea>
+    <c:legend>
+      <c:legendPos val="r"/>
+      <c:layout/>
+    </c:legend>
+    <c:plotVisOnly val="1"/>
+  </c:chart>
+  <c:txPr>
+    <a:bodyPr/>
+    <a:lstStyle/>
+    <a:p>
+      <a:pPr>
+        <a:defRPr sz="1800"/>
+      </a:pPr>
+      <a:endParaRPr lang="fr-FR"/>
+    </a:p>
+  </c:txPr>
+  <c:externalData r:id="rId1"/>
+</c:chartSpace>
+</file>
+
+<file path=ppt/charts/chart5.xml><?xml version="1.0" encoding="utf-8"?>
+<c:chartSpace xmlns:c="http://schemas.openxmlformats.org/drawingml/2006/chart" xmlns:a="http://schemas.openxmlformats.org/drawingml/2006/main" xmlns:r="http://schemas.openxmlformats.org/officeDocument/2006/relationships">
+  <c:date1904 val="1"/>
+  <c:lang val="fr-FR"/>
+  <c:chart>
+    <c:plotArea>
+      <c:layout/>
+      <c:lineChart>
+        <c:grouping val="standard"/>
+        <c:ser>
+          <c:idx val="0"/>
+          <c:order val="0"/>
+          <c:tx>
+            <c:v>Mouse</c:v>
+          </c:tx>
+          <c:marker>
+            <c:symbol val="none"/>
+          </c:marker>
+          <c:cat>
+            <c:numRef>
+              <c:f>Precision!$A$6:$A$11</c:f>
+              <c:numCache>
+                <c:formatCode>General</c:formatCode>
+                <c:ptCount val="6"/>
+                <c:pt idx="0">
+                  <c:v>24</c:v>
+                </c:pt>
+                <c:pt idx="1">
+                  <c:v>32</c:v>
+                </c:pt>
+                <c:pt idx="2">
+                  <c:v>64</c:v>
+                </c:pt>
+                <c:pt idx="3">
+                  <c:v>72</c:v>
+                </c:pt>
+                <c:pt idx="4">
+                  <c:v>92</c:v>
+                </c:pt>
+                <c:pt idx="5">
+                  <c:v>128</c:v>
+                </c:pt>
+              </c:numCache>
+            </c:numRef>
+          </c:cat>
+          <c:val>
+            <c:numRef>
               <c:f>Precision!$D$6:$D$11</c:f>
               <c:numCache>
                 <c:formatCode>General</c:formatCode>
@@ -898,7 +1048,7 @@
                   <c:v>74.86</c:v>
                 </c:pt>
                 <c:pt idx="1">
-                  <c:v>94.91</c:v>
+                  <c:v>94.910000000000025</c:v>
                 </c:pt>
                 <c:pt idx="2">
                   <c:v>95.34</c:v>
@@ -948,7 +1098,7 @@
                   <c:v>97.26</c:v>
                 </c:pt>
                 <c:pt idx="3">
-                  <c:v>99.49</c:v>
+                  <c:v>99.490000000000023</c:v>
                 </c:pt>
                 <c:pt idx="4">
                   <c:v>100</c:v>
@@ -961,25 +1111,25 @@
           </c:val>
         </c:ser>
         <c:marker val="1"/>
-        <c:axId val="76378880"/>
-        <c:axId val="76380416"/>
+        <c:axId val="63637760"/>
+        <c:axId val="63651840"/>
       </c:lineChart>
       <c:catAx>
-        <c:axId val="76378880"/>
+        <c:axId val="63637760"/>
         <c:scaling>
           <c:orientation val="minMax"/>
         </c:scaling>
         <c:axPos val="b"/>
         <c:numFmt formatCode="General" sourceLinked="1"/>
         <c:tickLblPos val="nextTo"/>
-        <c:crossAx val="76380416"/>
+        <c:crossAx val="63651840"/>
         <c:crosses val="autoZero"/>
         <c:auto val="1"/>
         <c:lblAlgn val="ctr"/>
         <c:lblOffset val="100"/>
       </c:catAx>
       <c:valAx>
-        <c:axId val="76380416"/>
+        <c:axId val="63651840"/>
         <c:scaling>
           <c:orientation val="minMax"/>
         </c:scaling>
@@ -987,7 +1137,7 @@
         <c:majorGridlines/>
         <c:numFmt formatCode="General" sourceLinked="1"/>
         <c:tickLblPos val="nextTo"/>
-        <c:crossAx val="76378880"/>
+        <c:crossAx val="63637760"/>
         <c:crosses val="autoZero"/>
         <c:crossBetween val="between"/>
       </c:valAx>
@@ -1012,7 +1162,7 @@
 </c:chartSpace>
 </file>
 
-<file path=ppt/charts/chart5.xml><?xml version="1.0" encoding="utf-8"?>
+<file path=ppt/charts/chart6.xml><?xml version="1.0" encoding="utf-8"?>
 <c:chartSpace xmlns:c="http://schemas.openxmlformats.org/drawingml/2006/chart" xmlns:a="http://schemas.openxmlformats.org/drawingml/2006/main" xmlns:r="http://schemas.openxmlformats.org/officeDocument/2006/relationships">
   <c:lang val="fr-FR"/>
   <c:chart>
@@ -1069,7 +1219,7 @@
                   <c:v>4.3100000000000005</c:v>
                 </c:pt>
                 <c:pt idx="2">
-                  <c:v>2.831</c:v>
+                  <c:v>2.8309999999999982</c:v>
                 </c:pt>
                 <c:pt idx="3">
                   <c:v>5.4539999999999997</c:v>
@@ -1100,13 +1250,13 @@
                 <c:formatCode>General</c:formatCode>
                 <c:ptCount val="6"/>
                 <c:pt idx="0">
-                  <c:v>48.838999999999999</c:v>
+                  <c:v>48.839000000000006</c:v>
                 </c:pt>
                 <c:pt idx="1">
-                  <c:v>49.285000000000004</c:v>
+                  <c:v>49.285000000000011</c:v>
                 </c:pt>
                 <c:pt idx="2">
-                  <c:v>37.530999999999999</c:v>
+                  <c:v>37.531000000000006</c:v>
                 </c:pt>
                 <c:pt idx="3">
                   <c:v>49.551000000000002</c:v>
@@ -1144,7 +1294,7 @@
                 <c:formatCode>General</c:formatCode>
                 <c:ptCount val="6"/>
                 <c:pt idx="0">
-                  <c:v>32.128</c:v>
+                  <c:v>32.128000000000029</c:v>
                 </c:pt>
                 <c:pt idx="1">
                   <c:v>33.488</c:v>
@@ -1159,32 +1309,32 @@
                   <c:v>31.51</c:v>
                 </c:pt>
                 <c:pt idx="5">
-                  <c:v>33.22</c:v>
+                  <c:v>33.220000000000013</c:v>
                 </c:pt>
               </c:numCache>
             </c:numRef>
           </c:val>
         </c:ser>
         <c:marker val="1"/>
-        <c:axId val="111431040"/>
-        <c:axId val="111473792"/>
+        <c:axId val="63697664"/>
+        <c:axId val="63699200"/>
       </c:lineChart>
       <c:catAx>
-        <c:axId val="111431040"/>
+        <c:axId val="63697664"/>
         <c:scaling>
           <c:orientation val="minMax"/>
         </c:scaling>
         <c:axPos val="b"/>
         <c:numFmt formatCode="General" sourceLinked="1"/>
         <c:tickLblPos val="nextTo"/>
-        <c:crossAx val="111473792"/>
+        <c:crossAx val="63699200"/>
         <c:crosses val="autoZero"/>
         <c:auto val="1"/>
         <c:lblAlgn val="ctr"/>
         <c:lblOffset val="100"/>
       </c:catAx>
       <c:valAx>
-        <c:axId val="111473792"/>
+        <c:axId val="63699200"/>
         <c:scaling>
           <c:orientation val="minMax"/>
         </c:scaling>
@@ -1192,7 +1342,7 @@
         <c:majorGridlines/>
         <c:numFmt formatCode="General" sourceLinked="1"/>
         <c:tickLblPos val="nextTo"/>
-        <c:crossAx val="111431040"/>
+        <c:crossAx val="63697664"/>
         <c:crosses val="autoZero"/>
         <c:crossBetween val="between"/>
       </c:valAx>
@@ -1200,152 +1350,6 @@
     <c:legend>
       <c:legendPos val="r"/>
       <c:layout/>
-    </c:legend>
-    <c:plotVisOnly val="1"/>
-  </c:chart>
-  <c:txPr>
-    <a:bodyPr/>
-    <a:lstStyle/>
-    <a:p>
-      <a:pPr>
-        <a:defRPr sz="1800"/>
-      </a:pPr>
-      <a:endParaRPr lang="fr-FR"/>
-    </a:p>
-  </c:txPr>
-  <c:externalData r:id="rId1"/>
-</c:chartSpace>
-</file>
-
-<file path=ppt/charts/chart6.xml><?xml version="1.0" encoding="utf-8"?>
-<c:chartSpace xmlns:c="http://schemas.openxmlformats.org/drawingml/2006/chart" xmlns:a="http://schemas.openxmlformats.org/drawingml/2006/main" xmlns:r="http://schemas.openxmlformats.org/officeDocument/2006/relationships">
-  <c:date1904 val="1"/>
-  <c:lang val="fr-FR"/>
-  <c:chart>
-    <c:plotArea>
-      <c:layout/>
-      <c:barChart>
-        <c:barDir val="col"/>
-        <c:grouping val="stacked"/>
-        <c:ser>
-          <c:idx val="0"/>
-          <c:order val="0"/>
-          <c:tx>
-            <c:v>Processing Time</c:v>
-          </c:tx>
-          <c:cat>
-            <c:strRef>
-              <c:f>Speed!$A$8:$A$11</c:f>
-              <c:strCache>
-                <c:ptCount val="4"/>
-                <c:pt idx="0">
-                  <c:v>PC1 Normal</c:v>
-                </c:pt>
-                <c:pt idx="1">
-                  <c:v>PC1 Eco</c:v>
-                </c:pt>
-                <c:pt idx="2">
-                  <c:v>PC2 Normal</c:v>
-                </c:pt>
-                <c:pt idx="3">
-                  <c:v>PC2 Eco</c:v>
-                </c:pt>
-              </c:strCache>
-            </c:strRef>
-          </c:cat>
-          <c:val>
-            <c:numRef>
-              <c:f>Speed!$B$8:$B$11</c:f>
-              <c:numCache>
-                <c:formatCode>General</c:formatCode>
-                <c:ptCount val="4"/>
-                <c:pt idx="0">
-                  <c:v>18</c:v>
-                </c:pt>
-                <c:pt idx="1">
-                  <c:v>30</c:v>
-                </c:pt>
-                <c:pt idx="2">
-                  <c:v>30</c:v>
-                </c:pt>
-                <c:pt idx="3">
-                  <c:v>50</c:v>
-                </c:pt>
-              </c:numCache>
-            </c:numRef>
-          </c:val>
-        </c:ser>
-        <c:ser>
-          <c:idx val="1"/>
-          <c:order val="1"/>
-          <c:tx>
-            <c:v>Rendering Time</c:v>
-          </c:tx>
-          <c:val>
-            <c:numRef>
-              <c:f>Speed!$C$8:$C$11</c:f>
-              <c:numCache>
-                <c:formatCode>General</c:formatCode>
-                <c:ptCount val="4"/>
-                <c:pt idx="0">
-                  <c:v>3</c:v>
-                </c:pt>
-                <c:pt idx="1">
-                  <c:v>52</c:v>
-                </c:pt>
-                <c:pt idx="2">
-                  <c:v>20</c:v>
-                </c:pt>
-                <c:pt idx="3">
-                  <c:v>40</c:v>
-                </c:pt>
-              </c:numCache>
-            </c:numRef>
-          </c:val>
-        </c:ser>
-        <c:overlap val="100"/>
-        <c:axId val="76256384"/>
-        <c:axId val="76257920"/>
-      </c:barChart>
-      <c:catAx>
-        <c:axId val="76256384"/>
-        <c:scaling>
-          <c:orientation val="minMax"/>
-        </c:scaling>
-        <c:axPos val="b"/>
-        <c:tickLblPos val="nextTo"/>
-        <c:crossAx val="76257920"/>
-        <c:crosses val="autoZero"/>
-        <c:auto val="1"/>
-        <c:lblAlgn val="ctr"/>
-        <c:lblOffset val="100"/>
-      </c:catAx>
-      <c:valAx>
-        <c:axId val="76257920"/>
-        <c:scaling>
-          <c:orientation val="minMax"/>
-        </c:scaling>
-        <c:axPos val="l"/>
-        <c:majorGridlines/>
-        <c:numFmt formatCode="General" sourceLinked="1"/>
-        <c:tickLblPos val="nextTo"/>
-        <c:crossAx val="76256384"/>
-        <c:crosses val="autoZero"/>
-        <c:crossBetween val="between"/>
-      </c:valAx>
-    </c:plotArea>
-    <c:legend>
-      <c:legendPos val="r"/>
-      <c:layout>
-        <c:manualLayout>
-          <c:xMode val="edge"/>
-          <c:yMode val="edge"/>
-          <c:x val="0.65360227464438136"/>
-          <c:y val="0.11007789914595775"/>
-          <c:w val="0.33986552934447628"/>
-          <c:h val="0.19444825279460679"/>
-        </c:manualLayout>
-      </c:layout>
     </c:legend>
     <c:plotVisOnly val="1"/>
   </c:chart>
@@ -1458,24 +1462,24 @@
             </c:numRef>
           </c:val>
         </c:ser>
-        <c:axId val="76430336"/>
-        <c:axId val="76436224"/>
+        <c:axId val="65555072"/>
+        <c:axId val="65560960"/>
       </c:barChart>
       <c:catAx>
-        <c:axId val="76430336"/>
+        <c:axId val="65555072"/>
         <c:scaling>
           <c:orientation val="minMax"/>
         </c:scaling>
         <c:axPos val="b"/>
         <c:tickLblPos val="nextTo"/>
-        <c:crossAx val="76436224"/>
+        <c:crossAx val="65560960"/>
         <c:crosses val="autoZero"/>
         <c:auto val="1"/>
         <c:lblAlgn val="ctr"/>
         <c:lblOffset val="100"/>
       </c:catAx>
       <c:valAx>
-        <c:axId val="76436224"/>
+        <c:axId val="65560960"/>
         <c:scaling>
           <c:orientation val="minMax"/>
         </c:scaling>
@@ -1483,7 +1487,7 @@
         <c:majorGridlines/>
         <c:numFmt formatCode="General" sourceLinked="1"/>
         <c:tickLblPos val="nextTo"/>
-        <c:crossAx val="76430336"/>
+        <c:crossAx val="65555072"/>
         <c:crosses val="autoZero"/>
         <c:crossBetween val="between"/>
       </c:valAx>
@@ -1603,25 +1607,25 @@
             </c:numRef>
           </c:val>
         </c:ser>
-        <c:axId val="76452608"/>
-        <c:axId val="76454144"/>
+        <c:axId val="65581440"/>
+        <c:axId val="65582976"/>
       </c:barChart>
       <c:catAx>
-        <c:axId val="76452608"/>
+        <c:axId val="65581440"/>
         <c:scaling>
           <c:orientation val="minMax"/>
         </c:scaling>
         <c:axPos val="b"/>
         <c:numFmt formatCode="General" sourceLinked="1"/>
         <c:tickLblPos val="nextTo"/>
-        <c:crossAx val="76454144"/>
+        <c:crossAx val="65582976"/>
         <c:crosses val="autoZero"/>
         <c:auto val="1"/>
         <c:lblAlgn val="ctr"/>
         <c:lblOffset val="100"/>
       </c:catAx>
       <c:valAx>
-        <c:axId val="76454144"/>
+        <c:axId val="65582976"/>
         <c:scaling>
           <c:orientation val="minMax"/>
         </c:scaling>
@@ -1629,7 +1633,7 @@
         <c:majorGridlines/>
         <c:numFmt formatCode="General" sourceLinked="1"/>
         <c:tickLblPos val="nextTo"/>
-        <c:crossAx val="76452608"/>
+        <c:crossAx val="65581440"/>
         <c:crosses val="autoZero"/>
         <c:crossBetween val="between"/>
       </c:valAx>
@@ -1786,7 +1790,7 @@
             <a:fld id="{2203E90B-0CDC-4675-8BC8-ABC960C3C4BD}" type="datetimeFigureOut">
               <a:rPr lang="fr-FR" smtClean="0"/>
               <a:pPr/>
-              <a:t>20/03/2012</a:t>
+              <a:t>21/03/2012</a:t>
             </a:fld>
             <a:endParaRPr lang="fr-FR"/>
           </a:p>
@@ -2269,7 +2273,7 @@
             <a:fld id="{2AC8731D-2D87-440C-8698-DB210FC0FD5A}" type="slidenum">
               <a:rPr lang="fr-FR" smtClean="0"/>
               <a:pPr/>
-              <a:t>8</a:t>
+              <a:t>9</a:t>
             </a:fld>
             <a:endParaRPr lang="fr-FR"/>
           </a:p>
@@ -2491,7 +2495,7 @@
             <a:fld id="{2AC8731D-2D87-440C-8698-DB210FC0FD5A}" type="slidenum">
               <a:rPr lang="fr-FR" smtClean="0"/>
               <a:pPr/>
-              <a:t>9</a:t>
+              <a:t>10</a:t>
             </a:fld>
             <a:endParaRPr lang="fr-FR"/>
           </a:p>
@@ -2589,7 +2593,7 @@
             <a:fld id="{2AC8731D-2D87-440C-8698-DB210FC0FD5A}" type="slidenum">
               <a:rPr lang="fr-FR" smtClean="0"/>
               <a:pPr/>
-              <a:t>11</a:t>
+              <a:t>12</a:t>
             </a:fld>
             <a:endParaRPr lang="fr-FR"/>
           </a:p>
@@ -2685,7 +2689,7 @@
             <a:fld id="{2AC8731D-2D87-440C-8698-DB210FC0FD5A}" type="slidenum">
               <a:rPr lang="fr-FR" smtClean="0"/>
               <a:pPr/>
-              <a:t>12</a:t>
+              <a:t>13</a:t>
             </a:fld>
             <a:endParaRPr lang="fr-FR"/>
           </a:p>
@@ -2775,7 +2779,7 @@
             <a:fld id="{2AC8731D-2D87-440C-8698-DB210FC0FD5A}" type="slidenum">
               <a:rPr lang="fr-FR" smtClean="0"/>
               <a:pPr/>
-              <a:t>15</a:t>
+              <a:t>17</a:t>
             </a:fld>
             <a:endParaRPr lang="fr-FR"/>
           </a:p>
@@ -2881,7 +2885,7 @@
             <a:fld id="{2AC8731D-2D87-440C-8698-DB210FC0FD5A}" type="slidenum">
               <a:rPr lang="fr-FR" smtClean="0"/>
               <a:pPr/>
-              <a:t>21</a:t>
+              <a:t>22</a:t>
             </a:fld>
             <a:endParaRPr lang="fr-FR"/>
           </a:p>
@@ -3039,7 +3043,7 @@
             <a:fld id="{2AC8731D-2D87-440C-8698-DB210FC0FD5A}" type="slidenum">
               <a:rPr lang="fr-FR" smtClean="0"/>
               <a:pPr/>
-              <a:t>23</a:t>
+              <a:t>25</a:t>
             </a:fld>
             <a:endParaRPr lang="fr-FR"/>
           </a:p>
@@ -3141,7 +3145,7 @@
             <a:fld id="{2AC8731D-2D87-440C-8698-DB210FC0FD5A}" type="slidenum">
               <a:rPr lang="fr-FR" smtClean="0"/>
               <a:pPr/>
-              <a:t>24</a:t>
+              <a:t>26</a:t>
             </a:fld>
             <a:endParaRPr lang="fr-FR"/>
           </a:p>
@@ -3540,7 +3544,7 @@
             <a:fld id="{7FE745BF-AED8-4079-86B5-94776AA709CD}" type="datetime1">
               <a:rPr lang="fr-FR" smtClean="0"/>
               <a:pPr/>
-              <a:t>20/03/2012</a:t>
+              <a:t>21/03/2012</a:t>
             </a:fld>
             <a:endParaRPr lang="fr-FR" dirty="0"/>
           </a:p>
@@ -3707,7 +3711,7 @@
             <a:fld id="{8BADFC06-5AC4-476A-8FD2-54DE0E426D90}" type="datetime1">
               <a:rPr lang="fr-FR" smtClean="0"/>
               <a:pPr/>
-              <a:t>20/03/2012</a:t>
+              <a:t>21/03/2012</a:t>
             </a:fld>
             <a:endParaRPr lang="fr-FR" dirty="0"/>
           </a:p>
@@ -3884,7 +3888,7 @@
             <a:fld id="{271E89F4-7B08-401C-94CC-1E6E90A77743}" type="datetime1">
               <a:rPr lang="fr-FR" smtClean="0"/>
               <a:pPr/>
-              <a:t>20/03/2012</a:t>
+              <a:t>21/03/2012</a:t>
             </a:fld>
             <a:endParaRPr lang="fr-FR" dirty="0"/>
           </a:p>
@@ -4055,7 +4059,7 @@
             <a:fld id="{B8D51CD3-FD0B-4398-96D6-10844A344A7A}" type="datetime1">
               <a:rPr lang="fr-FR" smtClean="0"/>
               <a:pPr/>
-              <a:t>20/03/2012</a:t>
+              <a:t>21/03/2012</a:t>
             </a:fld>
             <a:endParaRPr lang="fr-FR" dirty="0"/>
           </a:p>
@@ -4512,7 +4516,7 @@
             <a:fld id="{5272A46D-708F-4429-9728-C0AAA1D8ED70}" type="datetime1">
               <a:rPr lang="fr-FR" smtClean="0"/>
               <a:pPr/>
-              <a:t>20/03/2012</a:t>
+              <a:t>21/03/2012</a:t>
             </a:fld>
             <a:endParaRPr lang="fr-FR" dirty="0"/>
           </a:p>
@@ -4778,7 +4782,7 @@
             <a:fld id="{85176319-0B46-44DD-88B8-E7F3AAD4F2DF}" type="datetime1">
               <a:rPr lang="fr-FR" smtClean="0"/>
               <a:pPr/>
-              <a:t>20/03/2012</a:t>
+              <a:t>21/03/2012</a:t>
             </a:fld>
             <a:endParaRPr lang="fr-FR" dirty="0"/>
           </a:p>
@@ -5154,7 +5158,7 @@
             <a:fld id="{2587345E-05A6-495C-A1A1-170A1A91A394}" type="datetime1">
               <a:rPr lang="fr-FR" smtClean="0"/>
               <a:pPr/>
-              <a:t>20/03/2012</a:t>
+              <a:t>21/03/2012</a:t>
             </a:fld>
             <a:endParaRPr lang="fr-FR" dirty="0"/>
           </a:p>
@@ -5278,7 +5282,7 @@
             <a:fld id="{172809C5-74F0-4FD7-9204-0F8A8FB1929B}" type="datetime1">
               <a:rPr lang="fr-FR" smtClean="0"/>
               <a:pPr/>
-              <a:t>20/03/2012</a:t>
+              <a:t>21/03/2012</a:t>
             </a:fld>
             <a:endParaRPr lang="fr-FR" dirty="0"/>
           </a:p>
@@ -5370,7 +5374,7 @@
             <a:fld id="{7786A093-8429-44F1-808A-11360C2CAA55}" type="datetime1">
               <a:rPr lang="fr-FR" smtClean="0"/>
               <a:pPr/>
-              <a:t>20/03/2012</a:t>
+              <a:t>21/03/2012</a:t>
             </a:fld>
             <a:endParaRPr lang="fr-FR" dirty="0"/>
           </a:p>
@@ -5621,7 +5625,7 @@
             <a:fld id="{FE18F5A1-6F3E-41A1-AC38-A5948C92E970}" type="datetime1">
               <a:rPr lang="fr-FR" smtClean="0"/>
               <a:pPr/>
-              <a:t>20/03/2012</a:t>
+              <a:t>21/03/2012</a:t>
             </a:fld>
             <a:endParaRPr lang="fr-FR" dirty="0"/>
           </a:p>
@@ -5882,7 +5886,7 @@
             <a:fld id="{42D0C6D8-1219-406E-8CD6-FA778B9D3E63}" type="datetime1">
               <a:rPr lang="fr-FR" smtClean="0"/>
               <a:pPr/>
-              <a:t>20/03/2012</a:t>
+              <a:t>21/03/2012</a:t>
             </a:fld>
             <a:endParaRPr lang="fr-FR" dirty="0"/>
           </a:p>
@@ -6288,7 +6292,7 @@
             <a:fld id="{CC7C295D-0E21-434D-B466-C466C8EF3B27}" type="datetime1">
               <a:rPr lang="fr-FR" smtClean="0"/>
               <a:pPr/>
-              <a:t>20/03/2012</a:t>
+              <a:t>21/03/2012</a:t>
             </a:fld>
             <a:endParaRPr lang="fr-FR" dirty="0"/>
           </a:p>
@@ -6825,90 +6829,242 @@
             </a:br>
             <a:r>
               <a:rPr lang="en-US" dirty="0" smtClean="0"/>
-              <a:t>	Running in real time</a:t>
+              <a:t>	CPU </a:t>
+            </a:r>
+            <a:r>
+              <a:rPr lang="en-US" dirty="0" err="1" smtClean="0"/>
+              <a:t>vs</a:t>
+            </a:r>
+            <a:r>
+              <a:rPr lang="en-US" dirty="0" smtClean="0"/>
+              <a:t> GPU</a:t>
             </a:r>
             <a:endParaRPr lang="en-US" dirty="0"/>
           </a:p>
         </p:txBody>
       </p:sp>
-      <p:sp>
-        <p:nvSpPr>
-          <p:cNvPr id="3" name="Espace réservé du contenu 2"/>
-          <p:cNvSpPr>
-            <a:spLocks noGrp="1"/>
-          </p:cNvSpPr>
+      <p:graphicFrame>
+        <p:nvGraphicFramePr>
+          <p:cNvPr id="5" name="Espace réservé du contenu 4"/>
+          <p:cNvGraphicFramePr>
+            <a:graphicFrameLocks noGrp="1"/>
+          </p:cNvGraphicFramePr>
           <p:nvPr>
             <p:ph idx="1"/>
           </p:nvPr>
+        </p:nvGraphicFramePr>
+        <p:xfrm>
+          <a:off x="457200" y="1600200"/>
+          <a:ext cx="7467600" cy="4525963"/>
+        </p:xfrm>
+        <a:graphic>
+          <a:graphicData uri="http://schemas.openxmlformats.org/drawingml/2006/chart">
+            <c:chart xmlns:c="http://schemas.openxmlformats.org/drawingml/2006/chart" xmlns:r="http://schemas.openxmlformats.org/officeDocument/2006/relationships" r:id="rId3"/>
+          </a:graphicData>
+        </a:graphic>
+      </p:graphicFrame>
+      <p:sp>
+        <p:nvSpPr>
+          <p:cNvPr id="4" name="Espace réservé du numéro de diapositive 3"/>
+          <p:cNvSpPr>
+            <a:spLocks noGrp="1"/>
+          </p:cNvSpPr>
+          <p:nvPr>
+            <p:ph type="sldNum" sz="quarter" idx="12"/>
+          </p:nvPr>
         </p:nvSpPr>
         <p:spPr/>
         <p:txBody>
-          <a:bodyPr>
-            <a:normAutofit lnSpcReduction="10000"/>
-          </a:bodyPr>
-          <a:lstStyle/>
-          <a:p>
-            <a:pPr>
-              <a:buNone/>
-            </a:pPr>
-            <a:r>
-              <a:rPr lang="en-US" dirty="0" smtClean="0"/>
-              <a:t>	Everything must run at 30 fps to match </a:t>
-            </a:r>
-            <a:r>
-              <a:rPr lang="en-US" dirty="0" err="1" smtClean="0"/>
-              <a:t>Kinect’s</a:t>
-            </a:r>
-            <a:r>
-              <a:rPr lang="en-US" dirty="0" smtClean="0"/>
-              <a:t> Speed (approx. 33ms for everything)</a:t>
-            </a:r>
-          </a:p>
-          <a:p>
-            <a:endParaRPr lang="en-US" dirty="0" smtClean="0"/>
-          </a:p>
-          <a:p>
-            <a:pPr lvl="1"/>
-            <a:r>
-              <a:rPr lang="en-US" dirty="0" smtClean="0"/>
-              <a:t>Using the horsepower of the graphic card when possible (only simple tasks done on the CPU)</a:t>
-            </a:r>
-          </a:p>
-          <a:p>
-            <a:pPr lvl="1"/>
-            <a:endParaRPr lang="en-US" dirty="0" smtClean="0"/>
-          </a:p>
-          <a:p>
-            <a:pPr lvl="1"/>
-            <a:r>
-              <a:rPr lang="en-US" dirty="0" smtClean="0"/>
-              <a:t>The 3D scene is again rendered and composed on the graphic card</a:t>
-            </a:r>
-            <a:endParaRPr lang="en-US" dirty="0"/>
-          </a:p>
-        </p:txBody>
-      </p:sp>
-      <p:sp>
-        <p:nvSpPr>
-          <p:cNvPr id="4" name="Espace réservé du numéro de diapositive 3"/>
-          <p:cNvSpPr>
-            <a:spLocks noGrp="1"/>
-          </p:cNvSpPr>
-          <p:nvPr>
-            <p:ph type="sldNum" sz="quarter" idx="12"/>
-          </p:nvPr>
-        </p:nvSpPr>
-        <p:spPr/>
-        <p:txBody>
           <a:bodyPr/>
           <a:lstStyle/>
           <a:p>
             <a:fld id="{AB9DB7C7-3B7A-421A-AF98-AB9FC2185CD3}" type="slidenum">
-              <a:rPr lang="en-US" smtClean="0"/>
+              <a:rPr lang="fr-FR" smtClean="0"/>
               <a:pPr/>
               <a:t>10</a:t>
             </a:fld>
-            <a:endParaRPr lang="en-US"/>
+            <a:endParaRPr lang="fr-FR" dirty="0"/>
+          </a:p>
+        </p:txBody>
+      </p:sp>
+      <p:sp>
+        <p:nvSpPr>
+          <p:cNvPr id="6" name="ZoneTexte 1"/>
+          <p:cNvSpPr txBox="1"/>
+          <p:nvPr/>
+        </p:nvSpPr>
+        <p:spPr>
+          <a:xfrm>
+            <a:off x="0" y="1556792"/>
+            <a:ext cx="1187624" cy="360040"/>
+          </a:xfrm>
+          <a:prstGeom prst="rect">
+            <a:avLst/>
+          </a:prstGeom>
+        </p:spPr>
+        <p:txBody>
+          <a:bodyPr wrap="square" rtlCol="0"/>
+          <a:lstStyle>
+            <a:lvl1pPr marL="0" indent="0">
+              <a:defRPr sz="1100">
+                <a:latin typeface="+mn-lt"/>
+                <a:ea typeface="+mn-ea"/>
+                <a:cs typeface="+mn-cs"/>
+              </a:defRPr>
+            </a:lvl1pPr>
+            <a:lvl2pPr marL="457200" indent="0">
+              <a:defRPr sz="1100">
+                <a:latin typeface="+mn-lt"/>
+                <a:ea typeface="+mn-ea"/>
+                <a:cs typeface="+mn-cs"/>
+              </a:defRPr>
+            </a:lvl2pPr>
+            <a:lvl3pPr marL="914400" indent="0">
+              <a:defRPr sz="1100">
+                <a:latin typeface="+mn-lt"/>
+                <a:ea typeface="+mn-ea"/>
+                <a:cs typeface="+mn-cs"/>
+              </a:defRPr>
+            </a:lvl3pPr>
+            <a:lvl4pPr marL="1371600" indent="0">
+              <a:defRPr sz="1100">
+                <a:latin typeface="+mn-lt"/>
+                <a:ea typeface="+mn-ea"/>
+                <a:cs typeface="+mn-cs"/>
+              </a:defRPr>
+            </a:lvl4pPr>
+            <a:lvl5pPr marL="1828800" indent="0">
+              <a:defRPr sz="1100">
+                <a:latin typeface="+mn-lt"/>
+                <a:ea typeface="+mn-ea"/>
+                <a:cs typeface="+mn-cs"/>
+              </a:defRPr>
+            </a:lvl5pPr>
+            <a:lvl6pPr marL="2286000" indent="0">
+              <a:defRPr sz="1100">
+                <a:latin typeface="+mn-lt"/>
+                <a:ea typeface="+mn-ea"/>
+                <a:cs typeface="+mn-cs"/>
+              </a:defRPr>
+            </a:lvl6pPr>
+            <a:lvl7pPr marL="2743200" indent="0">
+              <a:defRPr sz="1100">
+                <a:latin typeface="+mn-lt"/>
+                <a:ea typeface="+mn-ea"/>
+                <a:cs typeface="+mn-cs"/>
+              </a:defRPr>
+            </a:lvl7pPr>
+            <a:lvl8pPr marL="3200400" indent="0">
+              <a:defRPr sz="1100">
+                <a:latin typeface="+mn-lt"/>
+                <a:ea typeface="+mn-ea"/>
+                <a:cs typeface="+mn-cs"/>
+              </a:defRPr>
+            </a:lvl8pPr>
+            <a:lvl9pPr marL="3657600" indent="0">
+              <a:defRPr sz="1100">
+                <a:latin typeface="+mn-lt"/>
+                <a:ea typeface="+mn-ea"/>
+                <a:cs typeface="+mn-cs"/>
+              </a:defRPr>
+            </a:lvl9pPr>
+          </a:lstStyle>
+          <a:p>
+            <a:r>
+              <a:rPr lang="fr-FR" sz="2000" dirty="0" smtClean="0">
+                <a:solidFill>
+                  <a:sysClr val="window" lastClr="FFFFFF"/>
+                </a:solidFill>
+              </a:rPr>
+              <a:t>Seconds</a:t>
+            </a:r>
+            <a:endParaRPr lang="fr-FR" sz="2000" dirty="0">
+              <a:solidFill>
+                <a:sysClr val="window" lastClr="FFFFFF"/>
+              </a:solidFill>
+            </a:endParaRPr>
+          </a:p>
+        </p:txBody>
+      </p:sp>
+      <p:sp>
+        <p:nvSpPr>
+          <p:cNvPr id="7" name="Rectangle 6"/>
+          <p:cNvSpPr/>
+          <p:nvPr/>
+        </p:nvSpPr>
+        <p:spPr>
+          <a:xfrm>
+            <a:off x="4644008" y="1556792"/>
+            <a:ext cx="1368152" cy="4320480"/>
+          </a:xfrm>
+          <a:prstGeom prst="rect">
+            <a:avLst/>
+          </a:prstGeom>
+          <a:noFill/>
+          <a:ln>
+            <a:prstDash val="sysDash"/>
+          </a:ln>
+        </p:spPr>
+        <p:style>
+          <a:lnRef idx="2">
+            <a:schemeClr val="accent1">
+              <a:shade val="50000"/>
+            </a:schemeClr>
+          </a:lnRef>
+          <a:fillRef idx="1">
+            <a:schemeClr val="accent1"/>
+          </a:fillRef>
+          <a:effectRef idx="0">
+            <a:schemeClr val="accent1"/>
+          </a:effectRef>
+          <a:fontRef idx="minor">
+            <a:schemeClr val="lt1"/>
+          </a:fontRef>
+        </p:style>
+        <p:txBody>
+          <a:bodyPr rtlCol="0" anchor="ctr"/>
+          <a:lstStyle/>
+          <a:p>
+            <a:pPr algn="ctr"/>
+            <a:endParaRPr lang="fr-FR"/>
+          </a:p>
+        </p:txBody>
+      </p:sp>
+      <p:sp>
+        <p:nvSpPr>
+          <p:cNvPr id="8" name="ZoneTexte 7"/>
+          <p:cNvSpPr txBox="1"/>
+          <p:nvPr/>
+        </p:nvSpPr>
+        <p:spPr>
+          <a:xfrm>
+            <a:off x="5004048" y="1124744"/>
+            <a:ext cx="1584176" cy="369332"/>
+          </a:xfrm>
+          <a:prstGeom prst="rect">
+            <a:avLst/>
+          </a:prstGeom>
+          <a:noFill/>
+        </p:spPr>
+        <p:txBody>
+          <a:bodyPr wrap="square" rtlCol="0">
+            <a:spAutoFit/>
+          </a:bodyPr>
+          <a:lstStyle/>
+          <a:p>
+            <a:r>
+              <a:rPr lang="en-US" dirty="0" smtClean="0">
+                <a:solidFill>
+                  <a:schemeClr val="tx2"/>
+                </a:solidFill>
+              </a:rPr>
+              <a:t>Used range</a:t>
+            </a:r>
+            <a:endParaRPr lang="en-US" dirty="0">
+              <a:solidFill>
+                <a:schemeClr val="tx2"/>
+              </a:solidFill>
+            </a:endParaRPr>
           </a:p>
         </p:txBody>
       </p:sp>
@@ -6946,6 +7102,151 @@
       </p:grpSpPr>
       <p:sp>
         <p:nvSpPr>
+          <p:cNvPr id="2" name="Titre 1"/>
+          <p:cNvSpPr>
+            <a:spLocks noGrp="1"/>
+          </p:cNvSpPr>
+          <p:nvPr>
+            <p:ph type="title"/>
+          </p:nvPr>
+        </p:nvSpPr>
+        <p:spPr/>
+        <p:txBody>
+          <a:bodyPr>
+            <a:normAutofit fontScale="90000"/>
+          </a:bodyPr>
+          <a:lstStyle/>
+          <a:p>
+            <a:r>
+              <a:rPr lang="en-US" dirty="0" smtClean="0"/>
+              <a:t>Technical</a:t>
+            </a:r>
+            <a:br>
+              <a:rPr lang="en-US" dirty="0" smtClean="0"/>
+            </a:br>
+            <a:r>
+              <a:rPr lang="en-US" dirty="0" smtClean="0"/>
+              <a:t>	Running in real time</a:t>
+            </a:r>
+            <a:endParaRPr lang="en-US" dirty="0"/>
+          </a:p>
+        </p:txBody>
+      </p:sp>
+      <p:sp>
+        <p:nvSpPr>
+          <p:cNvPr id="3" name="Espace réservé du contenu 2"/>
+          <p:cNvSpPr>
+            <a:spLocks noGrp="1"/>
+          </p:cNvSpPr>
+          <p:nvPr>
+            <p:ph idx="1"/>
+          </p:nvPr>
+        </p:nvSpPr>
+        <p:spPr/>
+        <p:txBody>
+          <a:bodyPr>
+            <a:normAutofit lnSpcReduction="10000"/>
+          </a:bodyPr>
+          <a:lstStyle/>
+          <a:p>
+            <a:pPr>
+              <a:buNone/>
+            </a:pPr>
+            <a:r>
+              <a:rPr lang="en-US" dirty="0" smtClean="0"/>
+              <a:t>	Everything must run at 30 fps to match </a:t>
+            </a:r>
+            <a:r>
+              <a:rPr lang="en-US" dirty="0" err="1" smtClean="0"/>
+              <a:t>Kinect’s</a:t>
+            </a:r>
+            <a:r>
+              <a:rPr lang="en-US" dirty="0" smtClean="0"/>
+              <a:t> Speed (approx. 33ms for everything)</a:t>
+            </a:r>
+          </a:p>
+          <a:p>
+            <a:endParaRPr lang="en-US" dirty="0" smtClean="0"/>
+          </a:p>
+          <a:p>
+            <a:pPr lvl="1"/>
+            <a:r>
+              <a:rPr lang="en-US" dirty="0" smtClean="0"/>
+              <a:t>Using the horsepower of the graphic card when possible (only simple tasks done on the CPU)</a:t>
+            </a:r>
+          </a:p>
+          <a:p>
+            <a:pPr lvl="1"/>
+            <a:endParaRPr lang="en-US" dirty="0" smtClean="0"/>
+          </a:p>
+          <a:p>
+            <a:pPr lvl="1"/>
+            <a:r>
+              <a:rPr lang="en-US" dirty="0" smtClean="0"/>
+              <a:t>The 3D scene is again rendered and composed on the graphic card</a:t>
+            </a:r>
+            <a:endParaRPr lang="en-US" dirty="0"/>
+          </a:p>
+        </p:txBody>
+      </p:sp>
+      <p:sp>
+        <p:nvSpPr>
+          <p:cNvPr id="4" name="Espace réservé du numéro de diapositive 3"/>
+          <p:cNvSpPr>
+            <a:spLocks noGrp="1"/>
+          </p:cNvSpPr>
+          <p:nvPr>
+            <p:ph type="sldNum" sz="quarter" idx="12"/>
+          </p:nvPr>
+        </p:nvSpPr>
+        <p:spPr/>
+        <p:txBody>
+          <a:bodyPr/>
+          <a:lstStyle/>
+          <a:p>
+            <a:fld id="{AB9DB7C7-3B7A-421A-AF98-AB9FC2185CD3}" type="slidenum">
+              <a:rPr lang="en-US" smtClean="0"/>
+              <a:pPr/>
+              <a:t>11</a:t>
+            </a:fld>
+            <a:endParaRPr lang="en-US"/>
+          </a:p>
+        </p:txBody>
+      </p:sp>
+    </p:spTree>
+  </p:cSld>
+  <p:clrMapOvr>
+    <a:masterClrMapping/>
+  </p:clrMapOvr>
+  <p:timing>
+    <p:tnLst>
+      <p:par>
+        <p:cTn id="1" dur="indefinite" restart="never" nodeType="tmRoot"/>
+      </p:par>
+    </p:tnLst>
+  </p:timing>
+</p:sld>
+</file>
+
+<file path=ppt/slides/slide12.xml><?xml version="1.0" encoding="utf-8"?>
+<p:sld xmlns:a="http://schemas.openxmlformats.org/drawingml/2006/main" xmlns:r="http://schemas.openxmlformats.org/officeDocument/2006/relationships" xmlns:p="http://schemas.openxmlformats.org/presentationml/2006/main">
+  <p:cSld>
+    <p:spTree>
+      <p:nvGrpSpPr>
+        <p:cNvPr id="1" name=""/>
+        <p:cNvGrpSpPr/>
+        <p:nvPr/>
+      </p:nvGrpSpPr>
+      <p:grpSpPr>
+        <a:xfrm>
+          <a:off x="0" y="0"/>
+          <a:ext cx="0" cy="0"/>
+          <a:chOff x="0" y="0"/>
+          <a:chExt cx="0" cy="0"/>
+        </a:xfrm>
+      </p:grpSpPr>
+      <p:sp>
+        <p:nvSpPr>
           <p:cNvPr id="6" name="Rectangle 5"/>
           <p:cNvSpPr/>
           <p:nvPr/>
@@ -7174,7 +7475,7 @@
             <a:fld id="{AB9DB7C7-3B7A-421A-AF98-AB9FC2185CD3}" type="slidenum">
               <a:rPr lang="en-US" smtClean="0"/>
               <a:pPr/>
-              <a:t>11</a:t>
+              <a:t>12</a:t>
             </a:fld>
             <a:endParaRPr lang="en-US"/>
           </a:p>
@@ -7274,7 +7575,7 @@
 </p:sld>
 </file>
 
-<file path=ppt/slides/slide12.xml><?xml version="1.0" encoding="utf-8"?>
+<file path=ppt/slides/slide13.xml><?xml version="1.0" encoding="utf-8"?>
 <p:sld xmlns:a="http://schemas.openxmlformats.org/drawingml/2006/main" xmlns:r="http://schemas.openxmlformats.org/officeDocument/2006/relationships" xmlns:p="http://schemas.openxmlformats.org/presentationml/2006/main">
   <p:cSld>
     <p:spTree>
@@ -7772,142 +8073,6 @@
 </p:sld>
 </file>
 
-<file path=ppt/slides/slide13.xml><?xml version="1.0" encoding="utf-8"?>
-<p:sld xmlns:a="http://schemas.openxmlformats.org/drawingml/2006/main" xmlns:r="http://schemas.openxmlformats.org/officeDocument/2006/relationships" xmlns:p="http://schemas.openxmlformats.org/presentationml/2006/main">
-  <p:cSld>
-    <p:spTree>
-      <p:nvGrpSpPr>
-        <p:cNvPr id="1" name=""/>
-        <p:cNvGrpSpPr/>
-        <p:nvPr/>
-      </p:nvGrpSpPr>
-      <p:grpSpPr>
-        <a:xfrm>
-          <a:off x="0" y="0"/>
-          <a:ext cx="0" cy="0"/>
-          <a:chOff x="0" y="0"/>
-          <a:chExt cx="0" cy="0"/>
-        </a:xfrm>
-      </p:grpSpPr>
-      <p:sp>
-        <p:nvSpPr>
-          <p:cNvPr id="2" name="Titre 1"/>
-          <p:cNvSpPr>
-            <a:spLocks noGrp="1"/>
-          </p:cNvSpPr>
-          <p:nvPr>
-            <p:ph type="title"/>
-          </p:nvPr>
-        </p:nvSpPr>
-        <p:spPr/>
-        <p:txBody>
-          <a:bodyPr/>
-          <a:lstStyle/>
-          <a:p>
-            <a:r>
-              <a:rPr lang="fr-FR" dirty="0" smtClean="0"/>
-              <a:t>Evaluation</a:t>
-            </a:r>
-            <a:endParaRPr lang="fr-FR" dirty="0"/>
-          </a:p>
-        </p:txBody>
-      </p:sp>
-      <p:sp>
-        <p:nvSpPr>
-          <p:cNvPr id="3" name="Espace réservé du contenu 2"/>
-          <p:cNvSpPr>
-            <a:spLocks noGrp="1"/>
-          </p:cNvSpPr>
-          <p:nvPr>
-            <p:ph idx="1"/>
-          </p:nvPr>
-        </p:nvSpPr>
-        <p:spPr/>
-        <p:txBody>
-          <a:bodyPr/>
-          <a:lstStyle/>
-          <a:p>
-            <a:r>
-              <a:rPr lang="en-US" dirty="0" smtClean="0"/>
-              <a:t>Terms definition</a:t>
-            </a:r>
-          </a:p>
-          <a:p>
-            <a:endParaRPr lang="en-US" dirty="0" smtClean="0"/>
-          </a:p>
-          <a:p>
-            <a:r>
-              <a:rPr lang="en-US" dirty="0" smtClean="0"/>
-              <a:t>3 </a:t>
-            </a:r>
-            <a:r>
-              <a:rPr lang="en-US" dirty="0" smtClean="0"/>
-              <a:t>types of evaluations:</a:t>
-            </a:r>
-          </a:p>
-          <a:p>
-            <a:pPr lvl="1"/>
-            <a:r>
-              <a:rPr lang="en-US" dirty="0" smtClean="0"/>
-              <a:t>Cursor accuracy</a:t>
-            </a:r>
-          </a:p>
-          <a:p>
-            <a:pPr lvl="1"/>
-            <a:r>
-              <a:rPr lang="en-US" dirty="0" smtClean="0"/>
-              <a:t>Processing speed</a:t>
-            </a:r>
-          </a:p>
-          <a:p>
-            <a:pPr lvl="1"/>
-            <a:r>
-              <a:rPr lang="en-US" dirty="0" smtClean="0"/>
-              <a:t>Word input speed</a:t>
-            </a:r>
-            <a:endParaRPr lang="en-US" dirty="0"/>
-          </a:p>
-        </p:txBody>
-      </p:sp>
-      <p:sp>
-        <p:nvSpPr>
-          <p:cNvPr id="4" name="Espace réservé du numéro de diapositive 3"/>
-          <p:cNvSpPr>
-            <a:spLocks noGrp="1"/>
-          </p:cNvSpPr>
-          <p:nvPr>
-            <p:ph type="sldNum" sz="quarter" idx="12"/>
-          </p:nvPr>
-        </p:nvSpPr>
-        <p:spPr/>
-        <p:txBody>
-          <a:bodyPr/>
-          <a:lstStyle/>
-          <a:p>
-            <a:fld id="{AB9DB7C7-3B7A-421A-AF98-AB9FC2185CD3}" type="slidenum">
-              <a:rPr lang="fr-FR" smtClean="0"/>
-              <a:pPr/>
-              <a:t>13</a:t>
-            </a:fld>
-            <a:endParaRPr lang="fr-FR" dirty="0"/>
-          </a:p>
-        </p:txBody>
-      </p:sp>
-    </p:spTree>
-  </p:cSld>
-  <p:clrMapOvr>
-    <a:masterClrMapping/>
-  </p:clrMapOvr>
-  <p:timing>
-    <p:tnLst>
-      <p:par>
-        <p:cTn id="1" dur="indefinite" restart="never" nodeType="tmRoot"/>
-      </p:par>
-    </p:tnLst>
-  </p:timing>
-</p:sld>
-</file>
-
 <file path=ppt/slides/slide14.xml><?xml version="1.0" encoding="utf-8"?>
 <p:sld xmlns:a="http://schemas.openxmlformats.org/drawingml/2006/main" xmlns:r="http://schemas.openxmlformats.org/officeDocument/2006/relationships" xmlns:p="http://schemas.openxmlformats.org/presentationml/2006/main">
   <p:cSld>
@@ -7937,22 +8102,12 @@
         </p:nvSpPr>
         <p:spPr/>
         <p:txBody>
-          <a:bodyPr>
-            <a:normAutofit/>
-          </a:bodyPr>
-          <a:lstStyle/>
-          <a:p>
-            <a:r>
-              <a:rPr lang="fr-FR" dirty="0" err="1" smtClean="0"/>
-              <a:t>Terms</a:t>
-            </a:r>
+          <a:bodyPr/>
+          <a:lstStyle/>
+          <a:p>
             <a:r>
               <a:rPr lang="fr-FR" dirty="0" smtClean="0"/>
-              <a:t> </a:t>
-            </a:r>
-            <a:r>
-              <a:rPr lang="fr-FR" dirty="0" err="1" smtClean="0"/>
-              <a:t>definition</a:t>
+              <a:t>Evaluation</a:t>
             </a:r>
             <a:endParaRPr lang="fr-FR" dirty="0"/>
           </a:p>
@@ -7974,28 +8129,38 @@
           <a:lstStyle/>
           <a:p>
             <a:r>
-              <a:rPr lang="en-US" b="1" dirty="0" smtClean="0"/>
-              <a:t>Hand recognition system</a:t>
-            </a:r>
-            <a:r>
               <a:rPr lang="en-US" dirty="0" smtClean="0"/>
-              <a:t>: our project based on blob tracking from the Kinect depth data.</a:t>
-            </a:r>
-          </a:p>
-          <a:p>
-            <a:pPr>
-              <a:buNone/>
-            </a:pPr>
-            <a:endParaRPr lang="en-US" i="1" dirty="0" smtClean="0"/>
-          </a:p>
-          <a:p>
-            <a:r>
-              <a:rPr lang="en-US" b="1" dirty="0" smtClean="0"/>
-              <a:t>Kinect Skeleton</a:t>
-            </a:r>
+              <a:t>Terms definition</a:t>
+            </a:r>
+          </a:p>
+          <a:p>
+            <a:endParaRPr lang="en-US" dirty="0" smtClean="0"/>
+          </a:p>
+          <a:p>
             <a:r>
               <a:rPr lang="en-US" dirty="0" smtClean="0"/>
-              <a:t>: native skeleton data available when the user is recognized.</a:t>
+              <a:t>3 types of evaluations:</a:t>
+            </a:r>
+          </a:p>
+          <a:p>
+            <a:pPr lvl="1"/>
+            <a:r>
+              <a:rPr lang="en-US" dirty="0" smtClean="0"/>
+              <a:t>Processing speed</a:t>
+            </a:r>
+          </a:p>
+          <a:p>
+            <a:pPr lvl="1"/>
+            <a:r>
+              <a:rPr lang="en-US" dirty="0" smtClean="0"/>
+              <a:t>Cursor accuracy</a:t>
+            </a:r>
+          </a:p>
+          <a:p>
+            <a:pPr lvl="1"/>
+            <a:r>
+              <a:rPr lang="en-US" dirty="0" smtClean="0"/>
+              <a:t>Word input speed</a:t>
             </a:r>
             <a:endParaRPr lang="en-US" dirty="0"/>
           </a:p>
@@ -8030,6 +8195,13 @@
   <p:clrMapOvr>
     <a:masterClrMapping/>
   </p:clrMapOvr>
+  <p:timing>
+    <p:tnLst>
+      <p:par>
+        <p:cTn id="1" dur="indefinite" restart="never" nodeType="tmRoot"/>
+      </p:par>
+    </p:tnLst>
+  </p:timing>
 </p:sld>
 </file>
 
@@ -8062,12 +8234,14 @@
         </p:nvSpPr>
         <p:spPr/>
         <p:txBody>
-          <a:bodyPr/>
+          <a:bodyPr>
+            <a:normAutofit/>
+          </a:bodyPr>
           <a:lstStyle/>
           <a:p>
             <a:r>
               <a:rPr lang="fr-FR" dirty="0" err="1" smtClean="0"/>
-              <a:t>Cursor</a:t>
+              <a:t>Terms</a:t>
             </a:r>
             <a:r>
               <a:rPr lang="fr-FR" dirty="0" smtClean="0"/>
@@ -8075,9 +8249,52 @@
             </a:r>
             <a:r>
               <a:rPr lang="fr-FR" dirty="0" err="1" smtClean="0"/>
-              <a:t>accuracy</a:t>
+              <a:t>definition</a:t>
             </a:r>
             <a:endParaRPr lang="fr-FR" dirty="0"/>
+          </a:p>
+        </p:txBody>
+      </p:sp>
+      <p:sp>
+        <p:nvSpPr>
+          <p:cNvPr id="3" name="Espace réservé du contenu 2"/>
+          <p:cNvSpPr>
+            <a:spLocks noGrp="1"/>
+          </p:cNvSpPr>
+          <p:nvPr>
+            <p:ph idx="1"/>
+          </p:nvPr>
+        </p:nvSpPr>
+        <p:spPr/>
+        <p:txBody>
+          <a:bodyPr/>
+          <a:lstStyle/>
+          <a:p>
+            <a:r>
+              <a:rPr lang="en-US" b="1" dirty="0" smtClean="0"/>
+              <a:t>Hand recognition system</a:t>
+            </a:r>
+            <a:r>
+              <a:rPr lang="en-US" dirty="0" smtClean="0"/>
+              <a:t>: our project based on blob tracking from the Kinect depth data.</a:t>
+            </a:r>
+          </a:p>
+          <a:p>
+            <a:pPr>
+              <a:buNone/>
+            </a:pPr>
+            <a:endParaRPr lang="en-US" i="1" dirty="0" smtClean="0"/>
+          </a:p>
+          <a:p>
+            <a:r>
+              <a:rPr lang="en-US" b="1" dirty="0" smtClean="0"/>
+              <a:t>Kinect Skeleton</a:t>
+            </a:r>
+            <a:r>
+              <a:rPr lang="en-US" dirty="0" smtClean="0"/>
+              <a:t>: native skeleton data available when the user is recognized.</a:t>
+            </a:r>
+            <a:endParaRPr lang="en-US" dirty="0"/>
           </a:p>
         </p:txBody>
       </p:sp>
@@ -8102,137 +8319,6 @@
               <a:t>15</a:t>
             </a:fld>
             <a:endParaRPr lang="fr-FR" dirty="0"/>
-          </a:p>
-        </p:txBody>
-      </p:sp>
-      <p:pic>
-        <p:nvPicPr>
-          <p:cNvPr id="7" name="Espace réservé du contenu 6" descr="C:\Users\Kevin\Documents\Projet Japon\Report\Measure test 1.jpg"/>
-          <p:cNvPicPr>
-            <a:picLocks noGrp="1"/>
-          </p:cNvPicPr>
-          <p:nvPr>
-            <p:ph sz="half" idx="1"/>
-          </p:nvPr>
-        </p:nvPicPr>
-        <p:blipFill>
-          <a:blip r:embed="rId3" cstate="print"/>
-          <a:srcRect l="4801" t="1475" r="5464" b="5605"/>
-          <a:stretch>
-            <a:fillRect/>
-          </a:stretch>
-        </p:blipFill>
-        <p:spPr bwMode="auto">
-          <a:xfrm>
-            <a:off x="457200" y="2798489"/>
-            <a:ext cx="3657600" cy="2129385"/>
-          </a:xfrm>
-          <a:prstGeom prst="rect">
-            <a:avLst/>
-          </a:prstGeom>
-          <a:noFill/>
-          <a:ln w="9525">
-            <a:noFill/>
-            <a:miter lim="800000"/>
-            <a:headEnd/>
-            <a:tailEnd/>
-          </a:ln>
-        </p:spPr>
-      </p:pic>
-      <p:pic>
-        <p:nvPicPr>
-          <p:cNvPr id="8" name="Espace réservé du contenu 7" descr="C:\Users\Kevin\Documents\Projet Japon\Report\Measure test 2.jpg"/>
-          <p:cNvPicPr>
-            <a:picLocks noGrp="1"/>
-          </p:cNvPicPr>
-          <p:nvPr>
-            <p:ph sz="half" idx="2"/>
-          </p:nvPr>
-        </p:nvPicPr>
-        <p:blipFill>
-          <a:blip r:embed="rId4" cstate="print"/>
-          <a:srcRect l="4715" r="4828" b="5507"/>
-          <a:stretch>
-            <a:fillRect/>
-          </a:stretch>
-        </p:blipFill>
-        <p:spPr bwMode="auto">
-          <a:xfrm>
-            <a:off x="4267200" y="2789107"/>
-            <a:ext cx="3657600" cy="2148148"/>
-          </a:xfrm>
-          <a:prstGeom prst="rect">
-            <a:avLst/>
-          </a:prstGeom>
-          <a:noFill/>
-          <a:ln w="9525">
-            <a:noFill/>
-            <a:miter lim="800000"/>
-            <a:headEnd/>
-            <a:tailEnd/>
-          </a:ln>
-        </p:spPr>
-      </p:pic>
-      <p:sp>
-        <p:nvSpPr>
-          <p:cNvPr id="6" name="Espace réservé du contenu 2"/>
-          <p:cNvSpPr txBox="1">
-            <a:spLocks/>
-          </p:cNvSpPr>
-          <p:nvPr/>
-        </p:nvSpPr>
-        <p:spPr>
-          <a:xfrm>
-            <a:off x="457200" y="1600200"/>
-            <a:ext cx="7467600" cy="4525963"/>
-          </a:xfrm>
-          <a:prstGeom prst="rect">
-            <a:avLst/>
-          </a:prstGeom>
-        </p:spPr>
-        <p:txBody>
-          <a:bodyPr vert="horz">
-            <a:normAutofit/>
-          </a:bodyPr>
-          <a:lstStyle/>
-          <a:p>
-            <a:pPr marL="420624" marR="0" lvl="0" indent="-384048" algn="l" defTabSz="914400" rtl="0" eaLnBrk="1" fontAlgn="auto" latinLnBrk="0" hangingPunct="1">
-              <a:lnSpc>
-                <a:spcPct val="100000"/>
-              </a:lnSpc>
-              <a:spcBef>
-                <a:spcPct val="20000"/>
-              </a:spcBef>
-              <a:spcAft>
-                <a:spcPts val="0"/>
-              </a:spcAft>
-              <a:buClr>
-                <a:schemeClr val="accent1"/>
-              </a:buClr>
-              <a:buSzPct val="80000"/>
-              <a:buFont typeface="Wingdings 2"/>
-              <a:buChar char=""/>
-              <a:tabLst/>
-              <a:defRPr/>
-            </a:pPr>
-            <a:r>
-              <a:rPr lang="en-US" sz="2600" dirty="0" smtClean="0"/>
-              <a:t>Accuracy test:</a:t>
-            </a:r>
-            <a:endParaRPr kumimoji="0" lang="en-US" sz="2600" b="0" i="0" u="none" strike="noStrike" kern="1200" cap="none" spc="0" normalizeH="0" baseline="0" noProof="0" dirty="0" smtClean="0">
-              <a:ln>
-                <a:noFill/>
-              </a:ln>
-              <a:solidFill>
-                <a:schemeClr val="tx1"/>
-              </a:solidFill>
-              <a:effectLst/>
-              <a:uLnTx/>
-              <a:uFillTx/>
-              <a:latin typeface="+mn-lt"/>
-              <a:ea typeface="+mn-ea"/>
-              <a:cs typeface="+mn-cs"/>
-            </a:endParaRPr>
           </a:p>
         </p:txBody>
       </p:sp>
@@ -8270,963 +8356,6 @@
       </p:grpSpPr>
       <p:sp>
         <p:nvSpPr>
-          <p:cNvPr id="7" name="Titre 6"/>
-          <p:cNvSpPr>
-            <a:spLocks noGrp="1"/>
-          </p:cNvSpPr>
-          <p:nvPr>
-            <p:ph type="title"/>
-          </p:nvPr>
-        </p:nvSpPr>
-        <p:spPr/>
-        <p:txBody>
-          <a:bodyPr>
-            <a:normAutofit fontScale="90000"/>
-          </a:bodyPr>
-          <a:lstStyle/>
-          <a:p>
-            <a:r>
-              <a:rPr lang="fr-FR" dirty="0" err="1" smtClean="0"/>
-              <a:t>Cursor</a:t>
-            </a:r>
-            <a:r>
-              <a:rPr lang="fr-FR" dirty="0" smtClean="0"/>
-              <a:t> </a:t>
-            </a:r>
-            <a:r>
-              <a:rPr lang="fr-FR" dirty="0" err="1" smtClean="0"/>
-              <a:t>accuracy</a:t>
-            </a:r>
-            <a:r>
-              <a:rPr lang="fr-FR" dirty="0" smtClean="0"/>
-              <a:t>: </a:t>
-            </a:r>
-            <a:r>
-              <a:rPr lang="fr-FR" dirty="0" err="1" smtClean="0"/>
-              <a:t>arrival</a:t>
-            </a:r>
-            <a:r>
-              <a:rPr lang="fr-FR" dirty="0" smtClean="0"/>
-              <a:t> </a:t>
-            </a:r>
-            <a:r>
-              <a:rPr lang="fr-FR" dirty="0" err="1" smtClean="0"/>
-              <a:t>duration</a:t>
-            </a:r>
-            <a:endParaRPr lang="fr-FR" dirty="0"/>
-          </a:p>
-        </p:txBody>
-      </p:sp>
-      <p:sp>
-        <p:nvSpPr>
-          <p:cNvPr id="5" name="Espace réservé du numéro de diapositive 4"/>
-          <p:cNvSpPr>
-            <a:spLocks noGrp="1"/>
-          </p:cNvSpPr>
-          <p:nvPr>
-            <p:ph type="sldNum" sz="quarter" idx="12"/>
-          </p:nvPr>
-        </p:nvSpPr>
-        <p:spPr/>
-        <p:txBody>
-          <a:bodyPr/>
-          <a:lstStyle/>
-          <a:p>
-            <a:fld id="{AB9DB7C7-3B7A-421A-AF98-AB9FC2185CD3}" type="slidenum">
-              <a:rPr lang="fr-FR" smtClean="0"/>
-              <a:pPr/>
-              <a:t>16</a:t>
-            </a:fld>
-            <a:endParaRPr lang="fr-FR" dirty="0"/>
-          </a:p>
-        </p:txBody>
-      </p:sp>
-      <p:sp>
-        <p:nvSpPr>
-          <p:cNvPr id="17" name="ZoneTexte 16"/>
-          <p:cNvSpPr txBox="1"/>
-          <p:nvPr/>
-        </p:nvSpPr>
-        <p:spPr>
-          <a:xfrm>
-            <a:off x="1619672" y="6381328"/>
-            <a:ext cx="3888432" cy="369332"/>
-          </a:xfrm>
-          <a:prstGeom prst="rect">
-            <a:avLst/>
-          </a:prstGeom>
-          <a:noFill/>
-        </p:spPr>
-        <p:txBody>
-          <a:bodyPr wrap="square" rtlCol="0">
-            <a:spAutoFit/>
-          </a:bodyPr>
-          <a:lstStyle/>
-          <a:p>
-            <a:r>
-              <a:rPr lang="fr-FR" dirty="0" err="1" smtClean="0"/>
-              <a:t>Diameter</a:t>
-            </a:r>
-            <a:r>
-              <a:rPr lang="fr-FR" dirty="0" smtClean="0"/>
-              <a:t> of the </a:t>
-            </a:r>
-            <a:r>
-              <a:rPr lang="fr-FR" dirty="0" err="1" smtClean="0"/>
-              <a:t>target</a:t>
-            </a:r>
-            <a:endParaRPr lang="fr-FR" dirty="0"/>
-          </a:p>
-        </p:txBody>
-      </p:sp>
-      <p:sp>
-        <p:nvSpPr>
-          <p:cNvPr id="18" name="ZoneTexte 17"/>
-          <p:cNvSpPr txBox="1"/>
-          <p:nvPr/>
-        </p:nvSpPr>
-        <p:spPr>
-          <a:xfrm>
-            <a:off x="0" y="1700808"/>
-            <a:ext cx="461665" cy="2592288"/>
-          </a:xfrm>
-          <a:prstGeom prst="rect">
-            <a:avLst/>
-          </a:prstGeom>
-          <a:noFill/>
-        </p:spPr>
-        <p:txBody>
-          <a:bodyPr vert="eaVert" wrap="square" rtlCol="0">
-            <a:spAutoFit/>
-          </a:bodyPr>
-          <a:lstStyle/>
-          <a:p>
-            <a:r>
-              <a:rPr lang="fr-FR" dirty="0" smtClean="0"/>
-              <a:t>Time in Seconds</a:t>
-            </a:r>
-            <a:endParaRPr lang="fr-FR" dirty="0"/>
-          </a:p>
-        </p:txBody>
-      </p:sp>
-      <p:graphicFrame>
-        <p:nvGraphicFramePr>
-          <p:cNvPr id="12" name="Espace réservé du contenu 11"/>
-          <p:cNvGraphicFramePr>
-            <a:graphicFrameLocks noGrp="1"/>
-          </p:cNvGraphicFramePr>
-          <p:nvPr>
-            <p:ph idx="1"/>
-          </p:nvPr>
-        </p:nvGraphicFramePr>
-        <p:xfrm>
-          <a:off x="457200" y="1600200"/>
-          <a:ext cx="7467600" cy="4525963"/>
-        </p:xfrm>
-        <a:graphic>
-          <a:graphicData uri="http://schemas.openxmlformats.org/drawingml/2006/chart">
-            <c:chart xmlns:c="http://schemas.openxmlformats.org/drawingml/2006/chart" xmlns:r="http://schemas.openxmlformats.org/officeDocument/2006/relationships" r:id="rId2"/>
-          </a:graphicData>
-        </a:graphic>
-      </p:graphicFrame>
-    </p:spTree>
-  </p:cSld>
-  <p:clrMapOvr>
-    <a:masterClrMapping/>
-  </p:clrMapOvr>
-  <p:timing>
-    <p:tnLst>
-      <p:par>
-        <p:cTn id="1" dur="indefinite" restart="never" nodeType="tmRoot"/>
-      </p:par>
-    </p:tnLst>
-  </p:timing>
-</p:sld>
-</file>
-
-<file path=ppt/slides/slide17.xml><?xml version="1.0" encoding="utf-8"?>
-<p:sld xmlns:a="http://schemas.openxmlformats.org/drawingml/2006/main" xmlns:r="http://schemas.openxmlformats.org/officeDocument/2006/relationships" xmlns:p="http://schemas.openxmlformats.org/presentationml/2006/main">
-  <p:cSld>
-    <p:spTree>
-      <p:nvGrpSpPr>
-        <p:cNvPr id="1" name=""/>
-        <p:cNvGrpSpPr/>
-        <p:nvPr/>
-      </p:nvGrpSpPr>
-      <p:grpSpPr>
-        <a:xfrm>
-          <a:off x="0" y="0"/>
-          <a:ext cx="0" cy="0"/>
-          <a:chOff x="0" y="0"/>
-          <a:chExt cx="0" cy="0"/>
-        </a:xfrm>
-      </p:grpSpPr>
-      <p:sp>
-        <p:nvSpPr>
-          <p:cNvPr id="8" name="Titre 7"/>
-          <p:cNvSpPr>
-            <a:spLocks noGrp="1"/>
-          </p:cNvSpPr>
-          <p:nvPr>
-            <p:ph type="title"/>
-          </p:nvPr>
-        </p:nvSpPr>
-        <p:spPr/>
-        <p:txBody>
-          <a:bodyPr>
-            <a:normAutofit fontScale="90000"/>
-          </a:bodyPr>
-          <a:lstStyle/>
-          <a:p>
-            <a:r>
-              <a:rPr lang="fr-FR" dirty="0" err="1" smtClean="0"/>
-              <a:t>Cursor</a:t>
-            </a:r>
-            <a:r>
-              <a:rPr lang="fr-FR" dirty="0" smtClean="0"/>
-              <a:t> </a:t>
-            </a:r>
-            <a:r>
-              <a:rPr lang="fr-FR" dirty="0" err="1" smtClean="0"/>
-              <a:t>accuracy</a:t>
-            </a:r>
-            <a:r>
-              <a:rPr lang="fr-FR" dirty="0" smtClean="0"/>
-              <a:t>: </a:t>
-            </a:r>
-            <a:r>
-              <a:rPr lang="fr-FR" dirty="0" err="1" smtClean="0"/>
-              <a:t>average</a:t>
-            </a:r>
-            <a:r>
-              <a:rPr lang="fr-FR" dirty="0" smtClean="0"/>
-              <a:t> </a:t>
-            </a:r>
-            <a:r>
-              <a:rPr lang="fr-FR" dirty="0" err="1" smtClean="0"/>
-              <a:t>error</a:t>
-            </a:r>
-            <a:endParaRPr lang="fr-FR" dirty="0"/>
-          </a:p>
-        </p:txBody>
-      </p:sp>
-      <p:sp>
-        <p:nvSpPr>
-          <p:cNvPr id="7" name="Espace réservé du numéro de diapositive 6"/>
-          <p:cNvSpPr>
-            <a:spLocks noGrp="1"/>
-          </p:cNvSpPr>
-          <p:nvPr>
-            <p:ph type="sldNum" sz="quarter" idx="12"/>
-          </p:nvPr>
-        </p:nvSpPr>
-        <p:spPr/>
-        <p:txBody>
-          <a:bodyPr/>
-          <a:lstStyle/>
-          <a:p>
-            <a:fld id="{AB9DB7C7-3B7A-421A-AF98-AB9FC2185CD3}" type="slidenum">
-              <a:rPr lang="fr-FR" smtClean="0"/>
-              <a:pPr/>
-              <a:t>17</a:t>
-            </a:fld>
-            <a:endParaRPr lang="fr-FR" dirty="0"/>
-          </a:p>
-        </p:txBody>
-      </p:sp>
-      <p:sp>
-        <p:nvSpPr>
-          <p:cNvPr id="5" name="ZoneTexte 4"/>
-          <p:cNvSpPr txBox="1"/>
-          <p:nvPr/>
-        </p:nvSpPr>
-        <p:spPr>
-          <a:xfrm>
-            <a:off x="1691680" y="6309320"/>
-            <a:ext cx="4176464" cy="369332"/>
-          </a:xfrm>
-          <a:prstGeom prst="rect">
-            <a:avLst/>
-          </a:prstGeom>
-          <a:noFill/>
-        </p:spPr>
-        <p:txBody>
-          <a:bodyPr wrap="square" rtlCol="0">
-            <a:spAutoFit/>
-          </a:bodyPr>
-          <a:lstStyle/>
-          <a:p>
-            <a:r>
-              <a:rPr lang="en-US" dirty="0" smtClean="0"/>
-              <a:t>Diameter</a:t>
-            </a:r>
-            <a:r>
-              <a:rPr lang="fr-FR" dirty="0" smtClean="0"/>
-              <a:t> of the </a:t>
-            </a:r>
-            <a:r>
-              <a:rPr lang="fr-FR" dirty="0" err="1" smtClean="0"/>
-              <a:t>target</a:t>
-            </a:r>
-            <a:endParaRPr lang="fr-FR" dirty="0"/>
-          </a:p>
-        </p:txBody>
-      </p:sp>
-      <p:sp>
-        <p:nvSpPr>
-          <p:cNvPr id="6" name="ZoneTexte 5"/>
-          <p:cNvSpPr txBox="1"/>
-          <p:nvPr/>
-        </p:nvSpPr>
-        <p:spPr>
-          <a:xfrm>
-            <a:off x="0" y="1700808"/>
-            <a:ext cx="738664" cy="4320480"/>
-          </a:xfrm>
-          <a:prstGeom prst="rect">
-            <a:avLst/>
-          </a:prstGeom>
-          <a:noFill/>
-        </p:spPr>
-        <p:txBody>
-          <a:bodyPr vert="eaVert" wrap="square" rtlCol="0">
-            <a:spAutoFit/>
-          </a:bodyPr>
-          <a:lstStyle/>
-          <a:p>
-            <a:r>
-              <a:rPr lang="en-US" dirty="0" smtClean="0"/>
-              <a:t>Accumulated</a:t>
-            </a:r>
-            <a:r>
-              <a:rPr lang="fr-FR" dirty="0" smtClean="0"/>
-              <a:t> distance </a:t>
-            </a:r>
-            <a:r>
-              <a:rPr lang="fr-FR" dirty="0" err="1" smtClean="0"/>
-              <a:t>from</a:t>
-            </a:r>
-            <a:r>
-              <a:rPr lang="fr-FR" dirty="0" smtClean="0"/>
-              <a:t> center of the </a:t>
-            </a:r>
-            <a:r>
-              <a:rPr lang="fr-FR" dirty="0" err="1" smtClean="0"/>
-              <a:t>target</a:t>
-            </a:r>
-            <a:r>
-              <a:rPr lang="fr-FR" dirty="0" smtClean="0"/>
-              <a:t> in pixel</a:t>
-            </a:r>
-            <a:endParaRPr lang="fr-FR" dirty="0"/>
-          </a:p>
-        </p:txBody>
-      </p:sp>
-      <p:graphicFrame>
-        <p:nvGraphicFramePr>
-          <p:cNvPr id="11" name="Espace réservé du contenu 10"/>
-          <p:cNvGraphicFramePr>
-            <a:graphicFrameLocks noGrp="1"/>
-          </p:cNvGraphicFramePr>
-          <p:nvPr>
-            <p:ph idx="1"/>
-          </p:nvPr>
-        </p:nvGraphicFramePr>
-        <p:xfrm>
-          <a:off x="827584" y="1556792"/>
-          <a:ext cx="7467600" cy="4525963"/>
-        </p:xfrm>
-        <a:graphic>
-          <a:graphicData uri="http://schemas.openxmlformats.org/drawingml/2006/chart">
-            <c:chart xmlns:c="http://schemas.openxmlformats.org/drawingml/2006/chart" xmlns:r="http://schemas.openxmlformats.org/officeDocument/2006/relationships" r:id="rId2"/>
-          </a:graphicData>
-        </a:graphic>
-      </p:graphicFrame>
-    </p:spTree>
-  </p:cSld>
-  <p:clrMapOvr>
-    <a:masterClrMapping/>
-  </p:clrMapOvr>
-  <p:timing>
-    <p:tnLst>
-      <p:par>
-        <p:cTn id="1" dur="indefinite" restart="never" nodeType="tmRoot"/>
-      </p:par>
-    </p:tnLst>
-  </p:timing>
-</p:sld>
-</file>
-
-<file path=ppt/slides/slide18.xml><?xml version="1.0" encoding="utf-8"?>
-<p:sld xmlns:a="http://schemas.openxmlformats.org/drawingml/2006/main" xmlns:r="http://schemas.openxmlformats.org/officeDocument/2006/relationships" xmlns:p="http://schemas.openxmlformats.org/presentationml/2006/main">
-  <p:cSld>
-    <p:spTree>
-      <p:nvGrpSpPr>
-        <p:cNvPr id="1" name=""/>
-        <p:cNvGrpSpPr/>
-        <p:nvPr/>
-      </p:nvGrpSpPr>
-      <p:grpSpPr>
-        <a:xfrm>
-          <a:off x="0" y="0"/>
-          <a:ext cx="0" cy="0"/>
-          <a:chOff x="0" y="0"/>
-          <a:chExt cx="0" cy="0"/>
-        </a:xfrm>
-      </p:grpSpPr>
-      <p:sp>
-        <p:nvSpPr>
-          <p:cNvPr id="2" name="Titre 1"/>
-          <p:cNvSpPr>
-            <a:spLocks noGrp="1"/>
-          </p:cNvSpPr>
-          <p:nvPr>
-            <p:ph type="title"/>
-          </p:nvPr>
-        </p:nvSpPr>
-        <p:spPr>
-          <a:xfrm>
-            <a:off x="457200" y="274638"/>
-            <a:ext cx="7787208" cy="1143000"/>
-          </a:xfrm>
-        </p:spPr>
-        <p:txBody>
-          <a:bodyPr>
-            <a:normAutofit fontScale="90000"/>
-          </a:bodyPr>
-          <a:lstStyle/>
-          <a:p>
-            <a:r>
-              <a:rPr lang="fr-FR" dirty="0" err="1" smtClean="0"/>
-              <a:t>Cursor</a:t>
-            </a:r>
-            <a:r>
-              <a:rPr lang="fr-FR" dirty="0" smtClean="0"/>
-              <a:t> </a:t>
-            </a:r>
-            <a:r>
-              <a:rPr lang="fr-FR" dirty="0" err="1" smtClean="0"/>
-              <a:t>accuracy</a:t>
-            </a:r>
-            <a:r>
-              <a:rPr lang="fr-FR" dirty="0" smtClean="0"/>
-              <a:t>: </a:t>
-            </a:r>
-            <a:br>
-              <a:rPr lang="fr-FR" dirty="0" smtClean="0"/>
-            </a:br>
-            <a:r>
-              <a:rPr lang="fr-FR" dirty="0" smtClean="0"/>
-              <a:t>time </a:t>
-            </a:r>
-            <a:r>
-              <a:rPr lang="fr-FR" dirty="0" err="1" smtClean="0"/>
-              <a:t>spent</a:t>
-            </a:r>
-            <a:r>
-              <a:rPr lang="fr-FR" dirty="0" smtClean="0"/>
-              <a:t> in </a:t>
-            </a:r>
-            <a:r>
-              <a:rPr lang="fr-FR" dirty="0" err="1" smtClean="0"/>
-              <a:t>target</a:t>
-            </a:r>
-            <a:endParaRPr lang="fr-FR" dirty="0"/>
-          </a:p>
-        </p:txBody>
-      </p:sp>
-      <p:sp>
-        <p:nvSpPr>
-          <p:cNvPr id="7" name="Espace réservé du numéro de diapositive 6"/>
-          <p:cNvSpPr>
-            <a:spLocks noGrp="1"/>
-          </p:cNvSpPr>
-          <p:nvPr>
-            <p:ph type="sldNum" sz="quarter" idx="12"/>
-          </p:nvPr>
-        </p:nvSpPr>
-        <p:spPr/>
-        <p:txBody>
-          <a:bodyPr/>
-          <a:lstStyle/>
-          <a:p>
-            <a:fld id="{AB9DB7C7-3B7A-421A-AF98-AB9FC2185CD3}" type="slidenum">
-              <a:rPr lang="fr-FR" smtClean="0"/>
-              <a:pPr/>
-              <a:t>18</a:t>
-            </a:fld>
-            <a:endParaRPr lang="fr-FR" dirty="0"/>
-          </a:p>
-        </p:txBody>
-      </p:sp>
-      <p:sp>
-        <p:nvSpPr>
-          <p:cNvPr id="5" name="ZoneTexte 4"/>
-          <p:cNvSpPr txBox="1"/>
-          <p:nvPr/>
-        </p:nvSpPr>
-        <p:spPr>
-          <a:xfrm>
-            <a:off x="1691680" y="6309320"/>
-            <a:ext cx="4176464" cy="369332"/>
-          </a:xfrm>
-          <a:prstGeom prst="rect">
-            <a:avLst/>
-          </a:prstGeom>
-          <a:noFill/>
-        </p:spPr>
-        <p:txBody>
-          <a:bodyPr wrap="square" rtlCol="0">
-            <a:spAutoFit/>
-          </a:bodyPr>
-          <a:lstStyle/>
-          <a:p>
-            <a:r>
-              <a:rPr lang="en-US" dirty="0" smtClean="0"/>
-              <a:t>Diameter</a:t>
-            </a:r>
-            <a:r>
-              <a:rPr lang="fr-FR" dirty="0" smtClean="0"/>
-              <a:t> of the </a:t>
-            </a:r>
-            <a:r>
-              <a:rPr lang="fr-FR" dirty="0" err="1" smtClean="0"/>
-              <a:t>target</a:t>
-            </a:r>
-            <a:endParaRPr lang="fr-FR" dirty="0"/>
-          </a:p>
-        </p:txBody>
-      </p:sp>
-      <p:sp>
-        <p:nvSpPr>
-          <p:cNvPr id="6" name="ZoneTexte 5"/>
-          <p:cNvSpPr txBox="1"/>
-          <p:nvPr/>
-        </p:nvSpPr>
-        <p:spPr>
-          <a:xfrm>
-            <a:off x="0" y="1700808"/>
-            <a:ext cx="461665" cy="3240360"/>
-          </a:xfrm>
-          <a:prstGeom prst="rect">
-            <a:avLst/>
-          </a:prstGeom>
-          <a:noFill/>
-        </p:spPr>
-        <p:txBody>
-          <a:bodyPr vert="eaVert" wrap="square" rtlCol="0">
-            <a:spAutoFit/>
-          </a:bodyPr>
-          <a:lstStyle/>
-          <a:p>
-            <a:r>
-              <a:rPr lang="fr-FR" dirty="0" err="1" smtClean="0"/>
-              <a:t>Percentage</a:t>
-            </a:r>
-            <a:endParaRPr lang="fr-FR" dirty="0"/>
-          </a:p>
-        </p:txBody>
-      </p:sp>
-      <p:graphicFrame>
-        <p:nvGraphicFramePr>
-          <p:cNvPr id="9" name="Espace réservé du contenu 8"/>
-          <p:cNvGraphicFramePr>
-            <a:graphicFrameLocks noGrp="1"/>
-          </p:cNvGraphicFramePr>
-          <p:nvPr>
-            <p:ph idx="1"/>
-          </p:nvPr>
-        </p:nvGraphicFramePr>
-        <p:xfrm>
-          <a:off x="457200" y="1600200"/>
-          <a:ext cx="7467600" cy="4525963"/>
-        </p:xfrm>
-        <a:graphic>
-          <a:graphicData uri="http://schemas.openxmlformats.org/drawingml/2006/chart">
-            <c:chart xmlns:c="http://schemas.openxmlformats.org/drawingml/2006/chart" xmlns:r="http://schemas.openxmlformats.org/officeDocument/2006/relationships" r:id="rId2"/>
-          </a:graphicData>
-        </a:graphic>
-      </p:graphicFrame>
-    </p:spTree>
-  </p:cSld>
-  <p:clrMapOvr>
-    <a:masterClrMapping/>
-  </p:clrMapOvr>
-  <p:timing>
-    <p:tnLst>
-      <p:par>
-        <p:cTn id="1" dur="indefinite" restart="never" nodeType="tmRoot"/>
-      </p:par>
-    </p:tnLst>
-  </p:timing>
-</p:sld>
-</file>
-
-<file path=ppt/slides/slide19.xml><?xml version="1.0" encoding="utf-8"?>
-<p:sld xmlns:a="http://schemas.openxmlformats.org/drawingml/2006/main" xmlns:r="http://schemas.openxmlformats.org/officeDocument/2006/relationships" xmlns:p="http://schemas.openxmlformats.org/presentationml/2006/main">
-  <p:cSld>
-    <p:spTree>
-      <p:nvGrpSpPr>
-        <p:cNvPr id="1" name=""/>
-        <p:cNvGrpSpPr/>
-        <p:nvPr/>
-      </p:nvGrpSpPr>
-      <p:grpSpPr>
-        <a:xfrm>
-          <a:off x="0" y="0"/>
-          <a:ext cx="0" cy="0"/>
-          <a:chOff x="0" y="0"/>
-          <a:chExt cx="0" cy="0"/>
-        </a:xfrm>
-      </p:grpSpPr>
-      <p:sp>
-        <p:nvSpPr>
-          <p:cNvPr id="8" name="Titre 7"/>
-          <p:cNvSpPr>
-            <a:spLocks noGrp="1"/>
-          </p:cNvSpPr>
-          <p:nvPr>
-            <p:ph type="title"/>
-          </p:nvPr>
-        </p:nvSpPr>
-        <p:spPr/>
-        <p:txBody>
-          <a:bodyPr/>
-          <a:lstStyle/>
-          <a:p>
-            <a:r>
-              <a:rPr lang="fr-FR" dirty="0" err="1" smtClean="0"/>
-              <a:t>Cursor</a:t>
-            </a:r>
-            <a:r>
-              <a:rPr lang="fr-FR" dirty="0" smtClean="0"/>
-              <a:t> </a:t>
-            </a:r>
-            <a:r>
-              <a:rPr lang="fr-FR" dirty="0" err="1" smtClean="0"/>
-              <a:t>accuracy</a:t>
-            </a:r>
-            <a:r>
-              <a:rPr lang="fr-FR" dirty="0" smtClean="0"/>
-              <a:t>: </a:t>
-            </a:r>
-            <a:r>
-              <a:rPr lang="fr-FR" dirty="0" err="1" smtClean="0"/>
-              <a:t>stability</a:t>
-            </a:r>
-            <a:endParaRPr lang="fr-FR" dirty="0"/>
-          </a:p>
-        </p:txBody>
-      </p:sp>
-      <p:sp>
-        <p:nvSpPr>
-          <p:cNvPr id="7" name="Espace réservé du numéro de diapositive 6"/>
-          <p:cNvSpPr>
-            <a:spLocks noGrp="1"/>
-          </p:cNvSpPr>
-          <p:nvPr>
-            <p:ph type="sldNum" sz="quarter" idx="12"/>
-          </p:nvPr>
-        </p:nvSpPr>
-        <p:spPr/>
-        <p:txBody>
-          <a:bodyPr/>
-          <a:lstStyle/>
-          <a:p>
-            <a:fld id="{AB9DB7C7-3B7A-421A-AF98-AB9FC2185CD3}" type="slidenum">
-              <a:rPr lang="fr-FR" smtClean="0"/>
-              <a:pPr/>
-              <a:t>19</a:t>
-            </a:fld>
-            <a:endParaRPr lang="fr-FR" dirty="0"/>
-          </a:p>
-        </p:txBody>
-      </p:sp>
-      <p:sp>
-        <p:nvSpPr>
-          <p:cNvPr id="5" name="ZoneTexte 4"/>
-          <p:cNvSpPr txBox="1"/>
-          <p:nvPr/>
-        </p:nvSpPr>
-        <p:spPr>
-          <a:xfrm>
-            <a:off x="1691680" y="6309320"/>
-            <a:ext cx="4176464" cy="369332"/>
-          </a:xfrm>
-          <a:prstGeom prst="rect">
-            <a:avLst/>
-          </a:prstGeom>
-          <a:noFill/>
-        </p:spPr>
-        <p:txBody>
-          <a:bodyPr wrap="square" rtlCol="0">
-            <a:spAutoFit/>
-          </a:bodyPr>
-          <a:lstStyle/>
-          <a:p>
-            <a:r>
-              <a:rPr lang="en-US" dirty="0" smtClean="0"/>
-              <a:t>Diameter</a:t>
-            </a:r>
-            <a:r>
-              <a:rPr lang="fr-FR" dirty="0" smtClean="0"/>
-              <a:t> of the </a:t>
-            </a:r>
-            <a:r>
-              <a:rPr lang="fr-FR" dirty="0" err="1" smtClean="0"/>
-              <a:t>target</a:t>
-            </a:r>
-            <a:endParaRPr lang="fr-FR" dirty="0"/>
-          </a:p>
-        </p:txBody>
-      </p:sp>
-      <p:sp>
-        <p:nvSpPr>
-          <p:cNvPr id="9" name="ZoneTexte 8"/>
-          <p:cNvSpPr txBox="1"/>
-          <p:nvPr/>
-        </p:nvSpPr>
-        <p:spPr>
-          <a:xfrm>
-            <a:off x="276999" y="1844824"/>
-            <a:ext cx="738664" cy="3744416"/>
-          </a:xfrm>
-          <a:prstGeom prst="rect">
-            <a:avLst/>
-          </a:prstGeom>
-          <a:noFill/>
-        </p:spPr>
-        <p:txBody>
-          <a:bodyPr vert="eaVert" wrap="square" rtlCol="0">
-            <a:spAutoFit/>
-          </a:bodyPr>
-          <a:lstStyle/>
-          <a:p>
-            <a:r>
-              <a:rPr lang="fr-FR" dirty="0" err="1" smtClean="0"/>
-              <a:t>Accumulated</a:t>
-            </a:r>
-            <a:r>
-              <a:rPr lang="fr-FR" dirty="0" smtClean="0"/>
-              <a:t> perturbations </a:t>
-            </a:r>
-            <a:r>
-              <a:rPr lang="fr-FR" dirty="0" err="1" smtClean="0"/>
-              <a:t>from</a:t>
-            </a:r>
-            <a:r>
-              <a:rPr lang="fr-FR" dirty="0" smtClean="0"/>
-              <a:t> the </a:t>
-            </a:r>
-            <a:r>
-              <a:rPr lang="fr-FR" dirty="0" err="1" smtClean="0"/>
-              <a:t>desired</a:t>
-            </a:r>
-            <a:r>
-              <a:rPr lang="fr-FR" dirty="0" smtClean="0"/>
-              <a:t> position in pixels</a:t>
-            </a:r>
-            <a:endParaRPr lang="fr-FR" dirty="0"/>
-          </a:p>
-        </p:txBody>
-      </p:sp>
-      <p:graphicFrame>
-        <p:nvGraphicFramePr>
-          <p:cNvPr id="12" name="Espace réservé du contenu 11"/>
-          <p:cNvGraphicFramePr>
-            <a:graphicFrameLocks noGrp="1"/>
-          </p:cNvGraphicFramePr>
-          <p:nvPr>
-            <p:ph idx="1"/>
-          </p:nvPr>
-        </p:nvGraphicFramePr>
-        <p:xfrm>
-          <a:off x="1043608" y="1628800"/>
-          <a:ext cx="7467600" cy="4525963"/>
-        </p:xfrm>
-        <a:graphic>
-          <a:graphicData uri="http://schemas.openxmlformats.org/drawingml/2006/chart">
-            <c:chart xmlns:c="http://schemas.openxmlformats.org/drawingml/2006/chart" xmlns:r="http://schemas.openxmlformats.org/officeDocument/2006/relationships" r:id="rId2"/>
-          </a:graphicData>
-        </a:graphic>
-      </p:graphicFrame>
-    </p:spTree>
-  </p:cSld>
-  <p:clrMapOvr>
-    <a:masterClrMapping/>
-  </p:clrMapOvr>
-  <p:timing>
-    <p:tnLst>
-      <p:par>
-        <p:cTn id="1" dur="indefinite" restart="never" nodeType="tmRoot"/>
-      </p:par>
-    </p:tnLst>
-  </p:timing>
-</p:sld>
-</file>
-
-<file path=ppt/slides/slide2.xml><?xml version="1.0" encoding="utf-8"?>
-<p:sld xmlns:a="http://schemas.openxmlformats.org/drawingml/2006/main" xmlns:r="http://schemas.openxmlformats.org/officeDocument/2006/relationships" xmlns:p="http://schemas.openxmlformats.org/presentationml/2006/main">
-  <p:cSld>
-    <p:spTree>
-      <p:nvGrpSpPr>
-        <p:cNvPr id="1" name=""/>
-        <p:cNvGrpSpPr/>
-        <p:nvPr/>
-      </p:nvGrpSpPr>
-      <p:grpSpPr>
-        <a:xfrm>
-          <a:off x="0" y="0"/>
-          <a:ext cx="0" cy="0"/>
-          <a:chOff x="0" y="0"/>
-          <a:chExt cx="0" cy="0"/>
-        </a:xfrm>
-      </p:grpSpPr>
-      <p:sp>
-        <p:nvSpPr>
-          <p:cNvPr id="2" name="Titre 1"/>
-          <p:cNvSpPr>
-            <a:spLocks noGrp="1"/>
-          </p:cNvSpPr>
-          <p:nvPr>
-            <p:ph type="title"/>
-          </p:nvPr>
-        </p:nvSpPr>
-        <p:spPr/>
-        <p:txBody>
-          <a:bodyPr/>
-          <a:lstStyle/>
-          <a:p>
-            <a:r>
-              <a:rPr lang="en-US" dirty="0" smtClean="0"/>
-              <a:t>Summary</a:t>
-            </a:r>
-            <a:endParaRPr lang="en-US" dirty="0"/>
-          </a:p>
-        </p:txBody>
-      </p:sp>
-      <p:sp>
-        <p:nvSpPr>
-          <p:cNvPr id="3" name="Espace réservé du contenu 2"/>
-          <p:cNvSpPr>
-            <a:spLocks noGrp="1"/>
-          </p:cNvSpPr>
-          <p:nvPr>
-            <p:ph idx="1"/>
-          </p:nvPr>
-        </p:nvSpPr>
-        <p:spPr/>
-        <p:txBody>
-          <a:bodyPr/>
-          <a:lstStyle/>
-          <a:p>
-            <a:r>
-              <a:rPr lang="en-US" dirty="0" smtClean="0"/>
-              <a:t>Motivations</a:t>
-            </a:r>
-          </a:p>
-          <a:p>
-            <a:r>
-              <a:rPr lang="en-US" dirty="0" smtClean="0"/>
-              <a:t>Background</a:t>
-            </a:r>
-          </a:p>
-          <a:p>
-            <a:r>
-              <a:rPr lang="en-US" dirty="0" smtClean="0"/>
-              <a:t>Objectives</a:t>
-            </a:r>
-          </a:p>
-          <a:p>
-            <a:r>
-              <a:rPr lang="en-US" dirty="0" smtClean="0"/>
-              <a:t>Solution</a:t>
-            </a:r>
-          </a:p>
-          <a:p>
-            <a:r>
-              <a:rPr lang="en-US" dirty="0" smtClean="0"/>
-              <a:t>Theory/Technical</a:t>
-            </a:r>
-          </a:p>
-          <a:p>
-            <a:r>
-              <a:rPr lang="en-US" dirty="0" smtClean="0"/>
-              <a:t>Evaluation</a:t>
-            </a:r>
-          </a:p>
-          <a:p>
-            <a:r>
-              <a:rPr lang="en-US" dirty="0" smtClean="0"/>
-              <a:t>Results</a:t>
-            </a:r>
-          </a:p>
-          <a:p>
-            <a:r>
-              <a:rPr lang="en-US" dirty="0" smtClean="0"/>
-              <a:t>Conclusion</a:t>
-            </a:r>
-          </a:p>
-        </p:txBody>
-      </p:sp>
-      <p:sp>
-        <p:nvSpPr>
-          <p:cNvPr id="4" name="Espace réservé du numéro de diapositive 3"/>
-          <p:cNvSpPr>
-            <a:spLocks noGrp="1"/>
-          </p:cNvSpPr>
-          <p:nvPr>
-            <p:ph type="sldNum" sz="quarter" idx="12"/>
-          </p:nvPr>
-        </p:nvSpPr>
-        <p:spPr/>
-        <p:txBody>
-          <a:bodyPr/>
-          <a:lstStyle/>
-          <a:p>
-            <a:fld id="{AB9DB7C7-3B7A-421A-AF98-AB9FC2185CD3}" type="slidenum">
-              <a:rPr lang="fr-FR" smtClean="0"/>
-              <a:pPr/>
-              <a:t>2</a:t>
-            </a:fld>
-            <a:endParaRPr lang="fr-FR" dirty="0"/>
-          </a:p>
-        </p:txBody>
-      </p:sp>
-    </p:spTree>
-  </p:cSld>
-  <p:clrMapOvr>
-    <a:masterClrMapping/>
-  </p:clrMapOvr>
-  <p:timing>
-    <p:tnLst>
-      <p:par>
-        <p:cTn id="1" dur="indefinite" restart="never" nodeType="tmRoot"/>
-      </p:par>
-    </p:tnLst>
-  </p:timing>
-</p:sld>
-</file>
-
-<file path=ppt/slides/slide20.xml><?xml version="1.0" encoding="utf-8"?>
-<p:sld xmlns:a="http://schemas.openxmlformats.org/drawingml/2006/main" xmlns:r="http://schemas.openxmlformats.org/officeDocument/2006/relationships" xmlns:p="http://schemas.openxmlformats.org/presentationml/2006/main">
-  <p:cSld>
-    <p:spTree>
-      <p:nvGrpSpPr>
-        <p:cNvPr id="1" name=""/>
-        <p:cNvGrpSpPr/>
-        <p:nvPr/>
-      </p:nvGrpSpPr>
-      <p:grpSpPr>
-        <a:xfrm>
-          <a:off x="0" y="0"/>
-          <a:ext cx="0" cy="0"/>
-          <a:chOff x="0" y="0"/>
-          <a:chExt cx="0" cy="0"/>
-        </a:xfrm>
-      </p:grpSpPr>
-      <p:sp>
-        <p:nvSpPr>
           <p:cNvPr id="2" name="Titre 1"/>
           <p:cNvSpPr>
             <a:spLocks noGrp="1"/>
@@ -9356,7 +8485,7 @@
             <a:fld id="{AB9DB7C7-3B7A-421A-AF98-AB9FC2185CD3}" type="slidenum">
               <a:rPr lang="fr-FR" smtClean="0"/>
               <a:pPr/>
-              <a:t>20</a:t>
+              <a:t>16</a:t>
             </a:fld>
             <a:endParaRPr lang="fr-FR" dirty="0"/>
           </a:p>
@@ -9458,6 +8587,961 @@
 </p:sld>
 </file>
 
+<file path=ppt/slides/slide17.xml><?xml version="1.0" encoding="utf-8"?>
+<p:sld xmlns:a="http://schemas.openxmlformats.org/drawingml/2006/main" xmlns:r="http://schemas.openxmlformats.org/officeDocument/2006/relationships" xmlns:p="http://schemas.openxmlformats.org/presentationml/2006/main">
+  <p:cSld>
+    <p:spTree>
+      <p:nvGrpSpPr>
+        <p:cNvPr id="1" name=""/>
+        <p:cNvGrpSpPr/>
+        <p:nvPr/>
+      </p:nvGrpSpPr>
+      <p:grpSpPr>
+        <a:xfrm>
+          <a:off x="0" y="0"/>
+          <a:ext cx="0" cy="0"/>
+          <a:chOff x="0" y="0"/>
+          <a:chExt cx="0" cy="0"/>
+        </a:xfrm>
+      </p:grpSpPr>
+      <p:sp>
+        <p:nvSpPr>
+          <p:cNvPr id="2" name="Titre 1"/>
+          <p:cNvSpPr>
+            <a:spLocks noGrp="1"/>
+          </p:cNvSpPr>
+          <p:nvPr>
+            <p:ph type="title"/>
+          </p:nvPr>
+        </p:nvSpPr>
+        <p:spPr/>
+        <p:txBody>
+          <a:bodyPr/>
+          <a:lstStyle/>
+          <a:p>
+            <a:r>
+              <a:rPr lang="fr-FR" dirty="0" err="1" smtClean="0"/>
+              <a:t>Cursor</a:t>
+            </a:r>
+            <a:r>
+              <a:rPr lang="fr-FR" dirty="0" smtClean="0"/>
+              <a:t> </a:t>
+            </a:r>
+            <a:r>
+              <a:rPr lang="fr-FR" dirty="0" err="1" smtClean="0"/>
+              <a:t>accuracy</a:t>
+            </a:r>
+            <a:endParaRPr lang="fr-FR" dirty="0"/>
+          </a:p>
+        </p:txBody>
+      </p:sp>
+      <p:sp>
+        <p:nvSpPr>
+          <p:cNvPr id="4" name="Espace réservé du numéro de diapositive 3"/>
+          <p:cNvSpPr>
+            <a:spLocks noGrp="1"/>
+          </p:cNvSpPr>
+          <p:nvPr>
+            <p:ph type="sldNum" sz="quarter" idx="12"/>
+          </p:nvPr>
+        </p:nvSpPr>
+        <p:spPr/>
+        <p:txBody>
+          <a:bodyPr/>
+          <a:lstStyle/>
+          <a:p>
+            <a:fld id="{AB9DB7C7-3B7A-421A-AF98-AB9FC2185CD3}" type="slidenum">
+              <a:rPr lang="fr-FR" smtClean="0"/>
+              <a:pPr/>
+              <a:t>17</a:t>
+            </a:fld>
+            <a:endParaRPr lang="fr-FR" dirty="0"/>
+          </a:p>
+        </p:txBody>
+      </p:sp>
+      <p:pic>
+        <p:nvPicPr>
+          <p:cNvPr id="6" name="FinalAccuracyTest.wmv">
+            <a:hlinkClick r:id="" action="ppaction://media"/>
+          </p:cNvPr>
+          <p:cNvPicPr>
+            <a:picLocks noGrp="1" noRot="1" noChangeAspect="1"/>
+          </p:cNvPicPr>
+          <p:nvPr>
+            <p:ph idx="1"/>
+            <a:videoFile r:link="rId1"/>
+          </p:nvPr>
+        </p:nvPicPr>
+        <p:blipFill>
+          <a:blip r:embed="rId4" cstate="print"/>
+          <a:stretch>
+            <a:fillRect/>
+          </a:stretch>
+        </p:blipFill>
+        <p:spPr>
+          <a:xfrm>
+            <a:off x="1143000" y="1576388"/>
+            <a:ext cx="6096000" cy="4572000"/>
+          </a:xfrm>
+          <a:prstGeom prst="rect">
+            <a:avLst/>
+          </a:prstGeom>
+        </p:spPr>
+      </p:pic>
+    </p:spTree>
+  </p:cSld>
+  <p:clrMapOvr>
+    <a:masterClrMapping/>
+  </p:clrMapOvr>
+  <p:timing>
+    <p:tnLst>
+      <p:par>
+        <p:cTn id="1" dur="indefinite" restart="never" nodeType="tmRoot">
+          <p:childTnLst>
+            <p:seq concurrent="1" nextAc="seek">
+              <p:cTn id="2" restart="whenNotActive" fill="hold" evtFilter="cancelBubble" nodeType="interactiveSeq">
+                <p:stCondLst>
+                  <p:cond evt="onClick" delay="0">
+                    <p:tgtEl>
+                      <p:spTgt spid="6"/>
+                    </p:tgtEl>
+                  </p:cond>
+                </p:stCondLst>
+                <p:endSync evt="end" delay="0">
+                  <p:rtn val="all"/>
+                </p:endSync>
+                <p:childTnLst>
+                  <p:par>
+                    <p:cTn id="3" fill="hold">
+                      <p:stCondLst>
+                        <p:cond delay="0"/>
+                      </p:stCondLst>
+                      <p:childTnLst>
+                        <p:par>
+                          <p:cTn id="4" fill="hold">
+                            <p:stCondLst>
+                              <p:cond delay="0"/>
+                            </p:stCondLst>
+                            <p:childTnLst>
+                              <p:par>
+                                <p:cTn id="5" presetID="2" presetClass="mediacall" presetSubtype="0" fill="hold" nodeType="clickEffect">
+                                  <p:stCondLst>
+                                    <p:cond delay="0"/>
+                                  </p:stCondLst>
+                                  <p:childTnLst>
+                                    <p:cmd type="call" cmd="togglePause">
+                                      <p:cBhvr>
+                                        <p:cTn id="6" dur="1" fill="hold"/>
+                                        <p:tgtEl>
+                                          <p:spTgt spid="6"/>
+                                        </p:tgtEl>
+                                      </p:cBhvr>
+                                    </p:cmd>
+                                  </p:childTnLst>
+                                </p:cTn>
+                              </p:par>
+                            </p:childTnLst>
+                          </p:cTn>
+                        </p:par>
+                      </p:childTnLst>
+                    </p:cTn>
+                  </p:par>
+                </p:childTnLst>
+              </p:cTn>
+              <p:nextCondLst>
+                <p:cond evt="onClick" delay="0">
+                  <p:tgtEl>
+                    <p:spTgt spid="6"/>
+                  </p:tgtEl>
+                </p:cond>
+              </p:nextCondLst>
+            </p:seq>
+            <p:video>
+              <p:cMediaNode>
+                <p:cTn id="7" fill="hold" display="0">
+                  <p:stCondLst>
+                    <p:cond delay="indefinite"/>
+                  </p:stCondLst>
+                  <p:endCondLst>
+                    <p:cond evt="onNext" delay="0">
+                      <p:tgtEl>
+                        <p:sldTgt/>
+                      </p:tgtEl>
+                    </p:cond>
+                    <p:cond evt="onPrev" delay="0">
+                      <p:tgtEl>
+                        <p:sldTgt/>
+                      </p:tgtEl>
+                    </p:cond>
+                  </p:endCondLst>
+                </p:cTn>
+                <p:tgtEl>
+                  <p:spTgt spid="6"/>
+                </p:tgtEl>
+              </p:cMediaNode>
+            </p:video>
+          </p:childTnLst>
+        </p:cTn>
+      </p:par>
+    </p:tnLst>
+  </p:timing>
+</p:sld>
+</file>
+
+<file path=ppt/slides/slide18.xml><?xml version="1.0" encoding="utf-8"?>
+<p:sld xmlns:a="http://schemas.openxmlformats.org/drawingml/2006/main" xmlns:r="http://schemas.openxmlformats.org/officeDocument/2006/relationships" xmlns:p="http://schemas.openxmlformats.org/presentationml/2006/main">
+  <p:cSld>
+    <p:spTree>
+      <p:nvGrpSpPr>
+        <p:cNvPr id="1" name=""/>
+        <p:cNvGrpSpPr/>
+        <p:nvPr/>
+      </p:nvGrpSpPr>
+      <p:grpSpPr>
+        <a:xfrm>
+          <a:off x="0" y="0"/>
+          <a:ext cx="0" cy="0"/>
+          <a:chOff x="0" y="0"/>
+          <a:chExt cx="0" cy="0"/>
+        </a:xfrm>
+      </p:grpSpPr>
+      <p:sp>
+        <p:nvSpPr>
+          <p:cNvPr id="7" name="Titre 6"/>
+          <p:cNvSpPr>
+            <a:spLocks noGrp="1"/>
+          </p:cNvSpPr>
+          <p:nvPr>
+            <p:ph type="title"/>
+          </p:nvPr>
+        </p:nvSpPr>
+        <p:spPr/>
+        <p:txBody>
+          <a:bodyPr>
+            <a:normAutofit fontScale="90000"/>
+          </a:bodyPr>
+          <a:lstStyle/>
+          <a:p>
+            <a:r>
+              <a:rPr lang="fr-FR" dirty="0" err="1" smtClean="0"/>
+              <a:t>Cursor</a:t>
+            </a:r>
+            <a:r>
+              <a:rPr lang="fr-FR" dirty="0" smtClean="0"/>
+              <a:t> </a:t>
+            </a:r>
+            <a:r>
+              <a:rPr lang="fr-FR" dirty="0" err="1" smtClean="0"/>
+              <a:t>accuracy</a:t>
+            </a:r>
+            <a:r>
+              <a:rPr lang="fr-FR" dirty="0" smtClean="0"/>
+              <a:t>: </a:t>
+            </a:r>
+            <a:r>
+              <a:rPr lang="fr-FR" dirty="0" err="1" smtClean="0"/>
+              <a:t>arrival</a:t>
+            </a:r>
+            <a:r>
+              <a:rPr lang="fr-FR" dirty="0" smtClean="0"/>
+              <a:t> </a:t>
+            </a:r>
+            <a:r>
+              <a:rPr lang="fr-FR" dirty="0" err="1" smtClean="0"/>
+              <a:t>duration</a:t>
+            </a:r>
+            <a:endParaRPr lang="fr-FR" dirty="0"/>
+          </a:p>
+        </p:txBody>
+      </p:sp>
+      <p:sp>
+        <p:nvSpPr>
+          <p:cNvPr id="5" name="Espace réservé du numéro de diapositive 4"/>
+          <p:cNvSpPr>
+            <a:spLocks noGrp="1"/>
+          </p:cNvSpPr>
+          <p:nvPr>
+            <p:ph type="sldNum" sz="quarter" idx="12"/>
+          </p:nvPr>
+        </p:nvSpPr>
+        <p:spPr/>
+        <p:txBody>
+          <a:bodyPr/>
+          <a:lstStyle/>
+          <a:p>
+            <a:fld id="{AB9DB7C7-3B7A-421A-AF98-AB9FC2185CD3}" type="slidenum">
+              <a:rPr lang="fr-FR" smtClean="0"/>
+              <a:pPr/>
+              <a:t>18</a:t>
+            </a:fld>
+            <a:endParaRPr lang="fr-FR" dirty="0"/>
+          </a:p>
+        </p:txBody>
+      </p:sp>
+      <p:sp>
+        <p:nvSpPr>
+          <p:cNvPr id="17" name="ZoneTexte 16"/>
+          <p:cNvSpPr txBox="1"/>
+          <p:nvPr/>
+        </p:nvSpPr>
+        <p:spPr>
+          <a:xfrm>
+            <a:off x="1619672" y="6381328"/>
+            <a:ext cx="3888432" cy="369332"/>
+          </a:xfrm>
+          <a:prstGeom prst="rect">
+            <a:avLst/>
+          </a:prstGeom>
+          <a:noFill/>
+        </p:spPr>
+        <p:txBody>
+          <a:bodyPr wrap="square" rtlCol="0">
+            <a:spAutoFit/>
+          </a:bodyPr>
+          <a:lstStyle/>
+          <a:p>
+            <a:r>
+              <a:rPr lang="fr-FR" dirty="0" err="1" smtClean="0"/>
+              <a:t>Diameter</a:t>
+            </a:r>
+            <a:r>
+              <a:rPr lang="fr-FR" dirty="0" smtClean="0"/>
+              <a:t> of the </a:t>
+            </a:r>
+            <a:r>
+              <a:rPr lang="fr-FR" dirty="0" err="1" smtClean="0"/>
+              <a:t>target</a:t>
+            </a:r>
+            <a:endParaRPr lang="fr-FR" dirty="0"/>
+          </a:p>
+        </p:txBody>
+      </p:sp>
+      <p:sp>
+        <p:nvSpPr>
+          <p:cNvPr id="18" name="ZoneTexte 17"/>
+          <p:cNvSpPr txBox="1"/>
+          <p:nvPr/>
+        </p:nvSpPr>
+        <p:spPr>
+          <a:xfrm>
+            <a:off x="0" y="1700808"/>
+            <a:ext cx="461665" cy="2592288"/>
+          </a:xfrm>
+          <a:prstGeom prst="rect">
+            <a:avLst/>
+          </a:prstGeom>
+          <a:noFill/>
+        </p:spPr>
+        <p:txBody>
+          <a:bodyPr vert="eaVert" wrap="square" rtlCol="0">
+            <a:spAutoFit/>
+          </a:bodyPr>
+          <a:lstStyle/>
+          <a:p>
+            <a:r>
+              <a:rPr lang="fr-FR" dirty="0" smtClean="0"/>
+              <a:t>Time in Seconds</a:t>
+            </a:r>
+            <a:endParaRPr lang="fr-FR" dirty="0"/>
+          </a:p>
+        </p:txBody>
+      </p:sp>
+      <p:graphicFrame>
+        <p:nvGraphicFramePr>
+          <p:cNvPr id="12" name="Espace réservé du contenu 11"/>
+          <p:cNvGraphicFramePr>
+            <a:graphicFrameLocks noGrp="1"/>
+          </p:cNvGraphicFramePr>
+          <p:nvPr>
+            <p:ph idx="1"/>
+          </p:nvPr>
+        </p:nvGraphicFramePr>
+        <p:xfrm>
+          <a:off x="457200" y="1600200"/>
+          <a:ext cx="7467600" cy="4525963"/>
+        </p:xfrm>
+        <a:graphic>
+          <a:graphicData uri="http://schemas.openxmlformats.org/drawingml/2006/chart">
+            <c:chart xmlns:c="http://schemas.openxmlformats.org/drawingml/2006/chart" xmlns:r="http://schemas.openxmlformats.org/officeDocument/2006/relationships" r:id="rId2"/>
+          </a:graphicData>
+        </a:graphic>
+      </p:graphicFrame>
+    </p:spTree>
+  </p:cSld>
+  <p:clrMapOvr>
+    <a:masterClrMapping/>
+  </p:clrMapOvr>
+  <p:timing>
+    <p:tnLst>
+      <p:par>
+        <p:cTn id="1" dur="indefinite" restart="never" nodeType="tmRoot"/>
+      </p:par>
+    </p:tnLst>
+  </p:timing>
+</p:sld>
+</file>
+
+<file path=ppt/slides/slide19.xml><?xml version="1.0" encoding="utf-8"?>
+<p:sld xmlns:a="http://schemas.openxmlformats.org/drawingml/2006/main" xmlns:r="http://schemas.openxmlformats.org/officeDocument/2006/relationships" xmlns:p="http://schemas.openxmlformats.org/presentationml/2006/main">
+  <p:cSld>
+    <p:spTree>
+      <p:nvGrpSpPr>
+        <p:cNvPr id="1" name=""/>
+        <p:cNvGrpSpPr/>
+        <p:nvPr/>
+      </p:nvGrpSpPr>
+      <p:grpSpPr>
+        <a:xfrm>
+          <a:off x="0" y="0"/>
+          <a:ext cx="0" cy="0"/>
+          <a:chOff x="0" y="0"/>
+          <a:chExt cx="0" cy="0"/>
+        </a:xfrm>
+      </p:grpSpPr>
+      <p:sp>
+        <p:nvSpPr>
+          <p:cNvPr id="8" name="Titre 7"/>
+          <p:cNvSpPr>
+            <a:spLocks noGrp="1"/>
+          </p:cNvSpPr>
+          <p:nvPr>
+            <p:ph type="title"/>
+          </p:nvPr>
+        </p:nvSpPr>
+        <p:spPr/>
+        <p:txBody>
+          <a:bodyPr>
+            <a:normAutofit fontScale="90000"/>
+          </a:bodyPr>
+          <a:lstStyle/>
+          <a:p>
+            <a:r>
+              <a:rPr lang="fr-FR" dirty="0" err="1" smtClean="0"/>
+              <a:t>Cursor</a:t>
+            </a:r>
+            <a:r>
+              <a:rPr lang="fr-FR" dirty="0" smtClean="0"/>
+              <a:t> </a:t>
+            </a:r>
+            <a:r>
+              <a:rPr lang="fr-FR" dirty="0" err="1" smtClean="0"/>
+              <a:t>accuracy</a:t>
+            </a:r>
+            <a:r>
+              <a:rPr lang="fr-FR" dirty="0" smtClean="0"/>
+              <a:t>: </a:t>
+            </a:r>
+            <a:r>
+              <a:rPr lang="fr-FR" dirty="0" err="1" smtClean="0"/>
+              <a:t>average</a:t>
+            </a:r>
+            <a:r>
+              <a:rPr lang="fr-FR" dirty="0" smtClean="0"/>
+              <a:t> </a:t>
+            </a:r>
+            <a:r>
+              <a:rPr lang="fr-FR" dirty="0" err="1" smtClean="0"/>
+              <a:t>error</a:t>
+            </a:r>
+            <a:endParaRPr lang="fr-FR" dirty="0"/>
+          </a:p>
+        </p:txBody>
+      </p:sp>
+      <p:sp>
+        <p:nvSpPr>
+          <p:cNvPr id="7" name="Espace réservé du numéro de diapositive 6"/>
+          <p:cNvSpPr>
+            <a:spLocks noGrp="1"/>
+          </p:cNvSpPr>
+          <p:nvPr>
+            <p:ph type="sldNum" sz="quarter" idx="12"/>
+          </p:nvPr>
+        </p:nvSpPr>
+        <p:spPr/>
+        <p:txBody>
+          <a:bodyPr/>
+          <a:lstStyle/>
+          <a:p>
+            <a:fld id="{AB9DB7C7-3B7A-421A-AF98-AB9FC2185CD3}" type="slidenum">
+              <a:rPr lang="fr-FR" smtClean="0"/>
+              <a:pPr/>
+              <a:t>19</a:t>
+            </a:fld>
+            <a:endParaRPr lang="fr-FR" dirty="0"/>
+          </a:p>
+        </p:txBody>
+      </p:sp>
+      <p:sp>
+        <p:nvSpPr>
+          <p:cNvPr id="5" name="ZoneTexte 4"/>
+          <p:cNvSpPr txBox="1"/>
+          <p:nvPr/>
+        </p:nvSpPr>
+        <p:spPr>
+          <a:xfrm>
+            <a:off x="1691680" y="6309320"/>
+            <a:ext cx="4176464" cy="369332"/>
+          </a:xfrm>
+          <a:prstGeom prst="rect">
+            <a:avLst/>
+          </a:prstGeom>
+          <a:noFill/>
+        </p:spPr>
+        <p:txBody>
+          <a:bodyPr wrap="square" rtlCol="0">
+            <a:spAutoFit/>
+          </a:bodyPr>
+          <a:lstStyle/>
+          <a:p>
+            <a:r>
+              <a:rPr lang="en-US" dirty="0" smtClean="0"/>
+              <a:t>Diameter</a:t>
+            </a:r>
+            <a:r>
+              <a:rPr lang="fr-FR" dirty="0" smtClean="0"/>
+              <a:t> of the </a:t>
+            </a:r>
+            <a:r>
+              <a:rPr lang="fr-FR" dirty="0" err="1" smtClean="0"/>
+              <a:t>target</a:t>
+            </a:r>
+            <a:endParaRPr lang="fr-FR" dirty="0"/>
+          </a:p>
+        </p:txBody>
+      </p:sp>
+      <p:sp>
+        <p:nvSpPr>
+          <p:cNvPr id="6" name="ZoneTexte 5"/>
+          <p:cNvSpPr txBox="1"/>
+          <p:nvPr/>
+        </p:nvSpPr>
+        <p:spPr>
+          <a:xfrm>
+            <a:off x="0" y="1700808"/>
+            <a:ext cx="738664" cy="4320480"/>
+          </a:xfrm>
+          <a:prstGeom prst="rect">
+            <a:avLst/>
+          </a:prstGeom>
+          <a:noFill/>
+        </p:spPr>
+        <p:txBody>
+          <a:bodyPr vert="eaVert" wrap="square" rtlCol="0">
+            <a:spAutoFit/>
+          </a:bodyPr>
+          <a:lstStyle/>
+          <a:p>
+            <a:r>
+              <a:rPr lang="en-US" dirty="0" smtClean="0"/>
+              <a:t>Accumulated</a:t>
+            </a:r>
+            <a:r>
+              <a:rPr lang="fr-FR" dirty="0" smtClean="0"/>
+              <a:t> distance </a:t>
+            </a:r>
+            <a:r>
+              <a:rPr lang="fr-FR" dirty="0" err="1" smtClean="0"/>
+              <a:t>from</a:t>
+            </a:r>
+            <a:r>
+              <a:rPr lang="fr-FR" dirty="0" smtClean="0"/>
+              <a:t> center of the </a:t>
+            </a:r>
+            <a:r>
+              <a:rPr lang="fr-FR" dirty="0" err="1" smtClean="0"/>
+              <a:t>target</a:t>
+            </a:r>
+            <a:r>
+              <a:rPr lang="fr-FR" dirty="0" smtClean="0"/>
+              <a:t> in pixel</a:t>
+            </a:r>
+            <a:endParaRPr lang="fr-FR" dirty="0"/>
+          </a:p>
+        </p:txBody>
+      </p:sp>
+      <p:graphicFrame>
+        <p:nvGraphicFramePr>
+          <p:cNvPr id="11" name="Espace réservé du contenu 10"/>
+          <p:cNvGraphicFramePr>
+            <a:graphicFrameLocks noGrp="1"/>
+          </p:cNvGraphicFramePr>
+          <p:nvPr>
+            <p:ph idx="1"/>
+          </p:nvPr>
+        </p:nvGraphicFramePr>
+        <p:xfrm>
+          <a:off x="827584" y="1556792"/>
+          <a:ext cx="7467600" cy="4525963"/>
+        </p:xfrm>
+        <a:graphic>
+          <a:graphicData uri="http://schemas.openxmlformats.org/drawingml/2006/chart">
+            <c:chart xmlns:c="http://schemas.openxmlformats.org/drawingml/2006/chart" xmlns:r="http://schemas.openxmlformats.org/officeDocument/2006/relationships" r:id="rId2"/>
+          </a:graphicData>
+        </a:graphic>
+      </p:graphicFrame>
+    </p:spTree>
+  </p:cSld>
+  <p:clrMapOvr>
+    <a:masterClrMapping/>
+  </p:clrMapOvr>
+  <p:timing>
+    <p:tnLst>
+      <p:par>
+        <p:cTn id="1" dur="indefinite" restart="never" nodeType="tmRoot"/>
+      </p:par>
+    </p:tnLst>
+  </p:timing>
+</p:sld>
+</file>
+
+<file path=ppt/slides/slide2.xml><?xml version="1.0" encoding="utf-8"?>
+<p:sld xmlns:a="http://schemas.openxmlformats.org/drawingml/2006/main" xmlns:r="http://schemas.openxmlformats.org/officeDocument/2006/relationships" xmlns:p="http://schemas.openxmlformats.org/presentationml/2006/main">
+  <p:cSld>
+    <p:spTree>
+      <p:nvGrpSpPr>
+        <p:cNvPr id="1" name=""/>
+        <p:cNvGrpSpPr/>
+        <p:nvPr/>
+      </p:nvGrpSpPr>
+      <p:grpSpPr>
+        <a:xfrm>
+          <a:off x="0" y="0"/>
+          <a:ext cx="0" cy="0"/>
+          <a:chOff x="0" y="0"/>
+          <a:chExt cx="0" cy="0"/>
+        </a:xfrm>
+      </p:grpSpPr>
+      <p:sp>
+        <p:nvSpPr>
+          <p:cNvPr id="2" name="Titre 1"/>
+          <p:cNvSpPr>
+            <a:spLocks noGrp="1"/>
+          </p:cNvSpPr>
+          <p:nvPr>
+            <p:ph type="title"/>
+          </p:nvPr>
+        </p:nvSpPr>
+        <p:spPr/>
+        <p:txBody>
+          <a:bodyPr/>
+          <a:lstStyle/>
+          <a:p>
+            <a:r>
+              <a:rPr lang="en-US" dirty="0" smtClean="0"/>
+              <a:t>Summary</a:t>
+            </a:r>
+            <a:endParaRPr lang="en-US" dirty="0"/>
+          </a:p>
+        </p:txBody>
+      </p:sp>
+      <p:sp>
+        <p:nvSpPr>
+          <p:cNvPr id="3" name="Espace réservé du contenu 2"/>
+          <p:cNvSpPr>
+            <a:spLocks noGrp="1"/>
+          </p:cNvSpPr>
+          <p:nvPr>
+            <p:ph idx="1"/>
+          </p:nvPr>
+        </p:nvSpPr>
+        <p:spPr/>
+        <p:txBody>
+          <a:bodyPr/>
+          <a:lstStyle/>
+          <a:p>
+            <a:r>
+              <a:rPr lang="en-US" dirty="0" smtClean="0"/>
+              <a:t>Motivations</a:t>
+            </a:r>
+          </a:p>
+          <a:p>
+            <a:r>
+              <a:rPr lang="en-US" dirty="0" smtClean="0"/>
+              <a:t>Background</a:t>
+            </a:r>
+          </a:p>
+          <a:p>
+            <a:r>
+              <a:rPr lang="en-US" dirty="0" smtClean="0"/>
+              <a:t>Objectives</a:t>
+            </a:r>
+          </a:p>
+          <a:p>
+            <a:r>
+              <a:rPr lang="en-US" dirty="0" smtClean="0"/>
+              <a:t>Solution</a:t>
+            </a:r>
+          </a:p>
+          <a:p>
+            <a:r>
+              <a:rPr lang="en-US" dirty="0" smtClean="0"/>
+              <a:t>Theory/Technical</a:t>
+            </a:r>
+          </a:p>
+          <a:p>
+            <a:r>
+              <a:rPr lang="en-US" dirty="0" smtClean="0"/>
+              <a:t>Evaluation</a:t>
+            </a:r>
+          </a:p>
+          <a:p>
+            <a:r>
+              <a:rPr lang="en-US" dirty="0" smtClean="0"/>
+              <a:t>Results</a:t>
+            </a:r>
+          </a:p>
+          <a:p>
+            <a:r>
+              <a:rPr lang="en-US" dirty="0" smtClean="0"/>
+              <a:t>Conclusion</a:t>
+            </a:r>
+          </a:p>
+        </p:txBody>
+      </p:sp>
+      <p:sp>
+        <p:nvSpPr>
+          <p:cNvPr id="4" name="Espace réservé du numéro de diapositive 3"/>
+          <p:cNvSpPr>
+            <a:spLocks noGrp="1"/>
+          </p:cNvSpPr>
+          <p:nvPr>
+            <p:ph type="sldNum" sz="quarter" idx="12"/>
+          </p:nvPr>
+        </p:nvSpPr>
+        <p:spPr/>
+        <p:txBody>
+          <a:bodyPr/>
+          <a:lstStyle/>
+          <a:p>
+            <a:fld id="{AB9DB7C7-3B7A-421A-AF98-AB9FC2185CD3}" type="slidenum">
+              <a:rPr lang="fr-FR" smtClean="0"/>
+              <a:pPr/>
+              <a:t>2</a:t>
+            </a:fld>
+            <a:endParaRPr lang="fr-FR" dirty="0"/>
+          </a:p>
+        </p:txBody>
+      </p:sp>
+    </p:spTree>
+  </p:cSld>
+  <p:clrMapOvr>
+    <a:masterClrMapping/>
+  </p:clrMapOvr>
+  <p:timing>
+    <p:tnLst>
+      <p:par>
+        <p:cTn id="1" dur="indefinite" restart="never" nodeType="tmRoot"/>
+      </p:par>
+    </p:tnLst>
+  </p:timing>
+</p:sld>
+</file>
+
+<file path=ppt/slides/slide20.xml><?xml version="1.0" encoding="utf-8"?>
+<p:sld xmlns:a="http://schemas.openxmlformats.org/drawingml/2006/main" xmlns:r="http://schemas.openxmlformats.org/officeDocument/2006/relationships" xmlns:p="http://schemas.openxmlformats.org/presentationml/2006/main">
+  <p:cSld>
+    <p:spTree>
+      <p:nvGrpSpPr>
+        <p:cNvPr id="1" name=""/>
+        <p:cNvGrpSpPr/>
+        <p:nvPr/>
+      </p:nvGrpSpPr>
+      <p:grpSpPr>
+        <a:xfrm>
+          <a:off x="0" y="0"/>
+          <a:ext cx="0" cy="0"/>
+          <a:chOff x="0" y="0"/>
+          <a:chExt cx="0" cy="0"/>
+        </a:xfrm>
+      </p:grpSpPr>
+      <p:sp>
+        <p:nvSpPr>
+          <p:cNvPr id="2" name="Titre 1"/>
+          <p:cNvSpPr>
+            <a:spLocks noGrp="1"/>
+          </p:cNvSpPr>
+          <p:nvPr>
+            <p:ph type="title"/>
+          </p:nvPr>
+        </p:nvSpPr>
+        <p:spPr>
+          <a:xfrm>
+            <a:off x="457200" y="274638"/>
+            <a:ext cx="7787208" cy="1143000"/>
+          </a:xfrm>
+        </p:spPr>
+        <p:txBody>
+          <a:bodyPr>
+            <a:normAutofit fontScale="90000"/>
+          </a:bodyPr>
+          <a:lstStyle/>
+          <a:p>
+            <a:r>
+              <a:rPr lang="fr-FR" dirty="0" err="1" smtClean="0"/>
+              <a:t>Cursor</a:t>
+            </a:r>
+            <a:r>
+              <a:rPr lang="fr-FR" dirty="0" smtClean="0"/>
+              <a:t> </a:t>
+            </a:r>
+            <a:r>
+              <a:rPr lang="fr-FR" dirty="0" err="1" smtClean="0"/>
+              <a:t>accuracy</a:t>
+            </a:r>
+            <a:r>
+              <a:rPr lang="fr-FR" dirty="0" smtClean="0"/>
+              <a:t>: </a:t>
+            </a:r>
+            <a:br>
+              <a:rPr lang="fr-FR" dirty="0" smtClean="0"/>
+            </a:br>
+            <a:r>
+              <a:rPr lang="fr-FR" dirty="0" smtClean="0"/>
+              <a:t>time </a:t>
+            </a:r>
+            <a:r>
+              <a:rPr lang="fr-FR" dirty="0" err="1" smtClean="0"/>
+              <a:t>spent</a:t>
+            </a:r>
+            <a:r>
+              <a:rPr lang="fr-FR" dirty="0" smtClean="0"/>
+              <a:t> in </a:t>
+            </a:r>
+            <a:r>
+              <a:rPr lang="fr-FR" dirty="0" err="1" smtClean="0"/>
+              <a:t>target</a:t>
+            </a:r>
+            <a:endParaRPr lang="fr-FR" dirty="0"/>
+          </a:p>
+        </p:txBody>
+      </p:sp>
+      <p:sp>
+        <p:nvSpPr>
+          <p:cNvPr id="7" name="Espace réservé du numéro de diapositive 6"/>
+          <p:cNvSpPr>
+            <a:spLocks noGrp="1"/>
+          </p:cNvSpPr>
+          <p:nvPr>
+            <p:ph type="sldNum" sz="quarter" idx="12"/>
+          </p:nvPr>
+        </p:nvSpPr>
+        <p:spPr/>
+        <p:txBody>
+          <a:bodyPr/>
+          <a:lstStyle/>
+          <a:p>
+            <a:fld id="{AB9DB7C7-3B7A-421A-AF98-AB9FC2185CD3}" type="slidenum">
+              <a:rPr lang="fr-FR" smtClean="0"/>
+              <a:pPr/>
+              <a:t>20</a:t>
+            </a:fld>
+            <a:endParaRPr lang="fr-FR" dirty="0"/>
+          </a:p>
+        </p:txBody>
+      </p:sp>
+      <p:sp>
+        <p:nvSpPr>
+          <p:cNvPr id="5" name="ZoneTexte 4"/>
+          <p:cNvSpPr txBox="1"/>
+          <p:nvPr/>
+        </p:nvSpPr>
+        <p:spPr>
+          <a:xfrm>
+            <a:off x="1691680" y="6309320"/>
+            <a:ext cx="4176464" cy="369332"/>
+          </a:xfrm>
+          <a:prstGeom prst="rect">
+            <a:avLst/>
+          </a:prstGeom>
+          <a:noFill/>
+        </p:spPr>
+        <p:txBody>
+          <a:bodyPr wrap="square" rtlCol="0">
+            <a:spAutoFit/>
+          </a:bodyPr>
+          <a:lstStyle/>
+          <a:p>
+            <a:r>
+              <a:rPr lang="en-US" dirty="0" smtClean="0"/>
+              <a:t>Diameter</a:t>
+            </a:r>
+            <a:r>
+              <a:rPr lang="fr-FR" dirty="0" smtClean="0"/>
+              <a:t> of the </a:t>
+            </a:r>
+            <a:r>
+              <a:rPr lang="fr-FR" dirty="0" err="1" smtClean="0"/>
+              <a:t>target</a:t>
+            </a:r>
+            <a:endParaRPr lang="fr-FR" dirty="0"/>
+          </a:p>
+        </p:txBody>
+      </p:sp>
+      <p:sp>
+        <p:nvSpPr>
+          <p:cNvPr id="6" name="ZoneTexte 5"/>
+          <p:cNvSpPr txBox="1"/>
+          <p:nvPr/>
+        </p:nvSpPr>
+        <p:spPr>
+          <a:xfrm>
+            <a:off x="0" y="1700808"/>
+            <a:ext cx="461665" cy="3240360"/>
+          </a:xfrm>
+          <a:prstGeom prst="rect">
+            <a:avLst/>
+          </a:prstGeom>
+          <a:noFill/>
+        </p:spPr>
+        <p:txBody>
+          <a:bodyPr vert="eaVert" wrap="square" rtlCol="0">
+            <a:spAutoFit/>
+          </a:bodyPr>
+          <a:lstStyle/>
+          <a:p>
+            <a:r>
+              <a:rPr lang="fr-FR" dirty="0" err="1" smtClean="0"/>
+              <a:t>Percentage</a:t>
+            </a:r>
+            <a:endParaRPr lang="fr-FR" dirty="0"/>
+          </a:p>
+        </p:txBody>
+      </p:sp>
+      <p:graphicFrame>
+        <p:nvGraphicFramePr>
+          <p:cNvPr id="9" name="Espace réservé du contenu 8"/>
+          <p:cNvGraphicFramePr>
+            <a:graphicFrameLocks noGrp="1"/>
+          </p:cNvGraphicFramePr>
+          <p:nvPr>
+            <p:ph idx="1"/>
+          </p:nvPr>
+        </p:nvGraphicFramePr>
+        <p:xfrm>
+          <a:off x="457200" y="1600200"/>
+          <a:ext cx="7467600" cy="4525963"/>
+        </p:xfrm>
+        <a:graphic>
+          <a:graphicData uri="http://schemas.openxmlformats.org/drawingml/2006/chart">
+            <c:chart xmlns:c="http://schemas.openxmlformats.org/drawingml/2006/chart" xmlns:r="http://schemas.openxmlformats.org/officeDocument/2006/relationships" r:id="rId2"/>
+          </a:graphicData>
+        </a:graphic>
+      </p:graphicFrame>
+    </p:spTree>
+  </p:cSld>
+  <p:clrMapOvr>
+    <a:masterClrMapping/>
+  </p:clrMapOvr>
+  <p:timing>
+    <p:tnLst>
+      <p:par>
+        <p:cTn id="1" dur="indefinite" restart="never" nodeType="tmRoot"/>
+      </p:par>
+    </p:tnLst>
+  </p:timing>
+</p:sld>
+</file>
+
 <file path=ppt/slides/slide21.xml><?xml version="1.0" encoding="utf-8"?>
 <p:sld xmlns:a="http://schemas.openxmlformats.org/drawingml/2006/main" xmlns:r="http://schemas.openxmlformats.org/officeDocument/2006/relationships" xmlns:p="http://schemas.openxmlformats.org/presentationml/2006/main">
   <p:cSld>
@@ -9477,7 +9561,7 @@
       </p:grpSpPr>
       <p:sp>
         <p:nvSpPr>
-          <p:cNvPr id="2" name="Titre 1"/>
+          <p:cNvPr id="8" name="Titre 7"/>
           <p:cNvSpPr>
             <a:spLocks noGrp="1"/>
           </p:cNvSpPr>
@@ -9487,14 +9571,28 @@
         </p:nvSpPr>
         <p:spPr/>
         <p:txBody>
-          <a:bodyPr>
-            <a:normAutofit/>
-          </a:bodyPr>
-          <a:lstStyle/>
-          <a:p>
+          <a:bodyPr/>
+          <a:lstStyle/>
+          <a:p>
+            <a:r>
+              <a:rPr lang="fr-FR" dirty="0" err="1" smtClean="0"/>
+              <a:t>Cursor</a:t>
+            </a:r>
             <a:r>
               <a:rPr lang="fr-FR" dirty="0" smtClean="0"/>
-              <a:t>Word input speed</a:t>
+              <a:t> </a:t>
+            </a:r>
+            <a:r>
+              <a:rPr lang="fr-FR" dirty="0" err="1" smtClean="0"/>
+              <a:t>accuracy</a:t>
+            </a:r>
+            <a:r>
+              <a:rPr lang="fr-FR" dirty="0" smtClean="0"/>
+              <a:t>: </a:t>
+            </a:r>
+            <a:r>
+              <a:rPr lang="fr-FR" dirty="0" err="1" smtClean="0"/>
+              <a:t>stability</a:t>
             </a:r>
             <a:endParaRPr lang="fr-FR" dirty="0"/>
           </a:p>
@@ -9502,57 +9600,7 @@
       </p:sp>
       <p:sp>
         <p:nvSpPr>
-          <p:cNvPr id="5" name="Espace réservé du texte 4"/>
-          <p:cNvSpPr>
-            <a:spLocks noGrp="1"/>
-          </p:cNvSpPr>
-          <p:nvPr>
-            <p:ph type="body" idx="1"/>
-          </p:nvPr>
-        </p:nvSpPr>
-        <p:spPr/>
-        <p:txBody>
-          <a:bodyPr/>
-          <a:lstStyle/>
-          <a:p>
-            <a:r>
-              <a:rPr lang="fr-FR" dirty="0" err="1" smtClean="0"/>
-              <a:t>Circular</a:t>
-            </a:r>
-            <a:r>
-              <a:rPr lang="fr-FR" dirty="0" smtClean="0"/>
-              <a:t> Keyboard</a:t>
-            </a:r>
-            <a:endParaRPr lang="fr-FR" dirty="0"/>
-          </a:p>
-        </p:txBody>
-      </p:sp>
-      <p:sp>
-        <p:nvSpPr>
-          <p:cNvPr id="7" name="Espace réservé du texte 6"/>
-          <p:cNvSpPr>
-            <a:spLocks noGrp="1"/>
-          </p:cNvSpPr>
-          <p:nvPr>
-            <p:ph type="body" sz="half" idx="3"/>
-          </p:nvPr>
-        </p:nvSpPr>
-        <p:spPr/>
-        <p:txBody>
-          <a:bodyPr/>
-          <a:lstStyle/>
-          <a:p>
-            <a:r>
-              <a:rPr lang="fr-FR" dirty="0" smtClean="0"/>
-              <a:t>T9 Keyboard</a:t>
-            </a:r>
-            <a:endParaRPr lang="fr-FR" dirty="0"/>
-          </a:p>
-        </p:txBody>
-      </p:sp>
-      <p:sp>
-        <p:nvSpPr>
-          <p:cNvPr id="4" name="Espace réservé du numéro de diapositive 3"/>
+          <p:cNvPr id="7" name="Espace réservé du numéro de diapositive 6"/>
           <p:cNvSpPr>
             <a:spLocks noGrp="1"/>
           </p:cNvSpPr>
@@ -9574,74 +9622,114 @@
           </a:p>
         </p:txBody>
       </p:sp>
-      <p:pic>
-        <p:nvPicPr>
-          <p:cNvPr id="9" name="Espace réservé du contenu 8"/>
-          <p:cNvPicPr>
-            <a:picLocks noGrp="1"/>
-          </p:cNvPicPr>
-          <p:nvPr>
-            <p:ph sz="quarter" idx="2"/>
-          </p:nvPr>
-        </p:nvPicPr>
-        <p:blipFill>
-          <a:blip r:embed="rId3" cstate="print"/>
-          <a:srcRect/>
-          <a:stretch>
-            <a:fillRect/>
-          </a:stretch>
-        </p:blipFill>
-        <p:spPr bwMode="auto">
+      <p:sp>
+        <p:nvSpPr>
+          <p:cNvPr id="5" name="ZoneTexte 4"/>
+          <p:cNvSpPr txBox="1"/>
+          <p:nvPr/>
+        </p:nvSpPr>
+        <p:spPr>
           <a:xfrm>
-            <a:off x="457200" y="2297383"/>
-            <a:ext cx="4040188" cy="2382296"/>
+            <a:off x="1691680" y="6309320"/>
+            <a:ext cx="4176464" cy="369332"/>
           </a:xfrm>
           <a:prstGeom prst="rect">
             <a:avLst/>
           </a:prstGeom>
           <a:noFill/>
-          <a:ln w="9525">
-            <a:noFill/>
-            <a:miter lim="800000"/>
-            <a:headEnd/>
-            <a:tailEnd/>
-          </a:ln>
         </p:spPr>
-      </p:pic>
-      <p:pic>
-        <p:nvPicPr>
-          <p:cNvPr id="10" name="Espace réservé du contenu 9"/>
-          <p:cNvPicPr>
-            <a:picLocks noGrp="1"/>
-          </p:cNvPicPr>
-          <p:nvPr>
-            <p:ph sz="quarter" idx="4"/>
-          </p:nvPr>
-        </p:nvPicPr>
-        <p:blipFill>
-          <a:blip r:embed="rId4" cstate="print"/>
-          <a:srcRect/>
-          <a:stretch>
-            <a:fillRect/>
-          </a:stretch>
-        </p:blipFill>
-        <p:spPr bwMode="auto">
+        <p:txBody>
+          <a:bodyPr wrap="square" rtlCol="0">
+            <a:spAutoFit/>
+          </a:bodyPr>
+          <a:lstStyle/>
+          <a:p>
+            <a:r>
+              <a:rPr lang="en-US" dirty="0" smtClean="0"/>
+              <a:t>Diameter</a:t>
+            </a:r>
+            <a:r>
+              <a:rPr lang="fr-FR" dirty="0" smtClean="0"/>
+              <a:t> of the </a:t>
+            </a:r>
+            <a:r>
+              <a:rPr lang="fr-FR" dirty="0" err="1" smtClean="0"/>
+              <a:t>target</a:t>
+            </a:r>
+            <a:endParaRPr lang="fr-FR" dirty="0"/>
+          </a:p>
+        </p:txBody>
+      </p:sp>
+      <p:sp>
+        <p:nvSpPr>
+          <p:cNvPr id="9" name="ZoneTexte 8"/>
+          <p:cNvSpPr txBox="1"/>
+          <p:nvPr/>
+        </p:nvSpPr>
+        <p:spPr>
           <a:xfrm>
-            <a:off x="4645025" y="2296956"/>
-            <a:ext cx="4041775" cy="2383150"/>
+            <a:off x="276999" y="1844824"/>
+            <a:ext cx="738664" cy="3744416"/>
           </a:xfrm>
           <a:prstGeom prst="rect">
             <a:avLst/>
           </a:prstGeom>
           <a:noFill/>
-          <a:ln w="9525">
-            <a:noFill/>
-            <a:miter lim="800000"/>
-            <a:headEnd/>
-            <a:tailEnd/>
-          </a:ln>
         </p:spPr>
-      </p:pic>
+        <p:txBody>
+          <a:bodyPr vert="eaVert" wrap="square" rtlCol="0">
+            <a:spAutoFit/>
+          </a:bodyPr>
+          <a:lstStyle/>
+          <a:p>
+            <a:r>
+              <a:rPr lang="fr-FR" dirty="0" err="1" smtClean="0"/>
+              <a:t>Accumulated</a:t>
+            </a:r>
+            <a:r>
+              <a:rPr lang="fr-FR" dirty="0" smtClean="0"/>
+              <a:t> perturbations </a:t>
+            </a:r>
+            <a:r>
+              <a:rPr lang="fr-FR" dirty="0" err="1" smtClean="0"/>
+              <a:t>from</a:t>
+            </a:r>
+            <a:r>
+              <a:rPr lang="fr-FR" dirty="0" smtClean="0"/>
+              <a:t> the </a:t>
+            </a:r>
+            <a:r>
+              <a:rPr lang="fr-FR" dirty="0" err="1" smtClean="0"/>
+              <a:t>desired</a:t>
+            </a:r>
+            <a:r>
+              <a:rPr lang="fr-FR" dirty="0" smtClean="0"/>
+              <a:t> position in pixels</a:t>
+            </a:r>
+            <a:endParaRPr lang="fr-FR" dirty="0"/>
+          </a:p>
+        </p:txBody>
+      </p:sp>
+      <p:graphicFrame>
+        <p:nvGraphicFramePr>
+          <p:cNvPr id="12" name="Espace réservé du contenu 11"/>
+          <p:cNvGraphicFramePr>
+            <a:graphicFrameLocks noGrp="1"/>
+          </p:cNvGraphicFramePr>
+          <p:nvPr>
+            <p:ph idx="1"/>
+          </p:nvPr>
+        </p:nvGraphicFramePr>
+        <p:xfrm>
+          <a:off x="1043608" y="1628800"/>
+          <a:ext cx="7467600" cy="4525963"/>
+        </p:xfrm>
+        <a:graphic>
+          <a:graphicData uri="http://schemas.openxmlformats.org/drawingml/2006/chart">
+            <c:chart xmlns:c="http://schemas.openxmlformats.org/drawingml/2006/chart" xmlns:r="http://schemas.openxmlformats.org/officeDocument/2006/relationships" r:id="rId2"/>
+          </a:graphicData>
+        </a:graphic>
+      </p:graphicFrame>
     </p:spTree>
   </p:cSld>
   <p:clrMapOvr>
@@ -9686,12 +9774,29 @@
         </p:nvSpPr>
         <p:spPr/>
         <p:txBody>
-          <a:bodyPr/>
+          <a:bodyPr>
+            <a:normAutofit fontScale="90000"/>
+          </a:bodyPr>
           <a:lstStyle/>
           <a:p>
             <a:r>
               <a:rPr lang="fr-FR" dirty="0" smtClean="0"/>
-              <a:t>Word input speed</a:t>
+              <a:t>Word input </a:t>
+            </a:r>
+            <a:r>
+              <a:rPr lang="fr-FR" dirty="0" smtClean="0"/>
+              <a:t>speed: </a:t>
+            </a:r>
+            <a:br>
+              <a:rPr lang="fr-FR" dirty="0" smtClean="0"/>
+            </a:br>
+            <a:r>
+              <a:rPr lang="fr-FR" dirty="0" err="1" smtClean="0"/>
+              <a:t>Circular</a:t>
+            </a:r>
+            <a:r>
+              <a:rPr lang="fr-FR" dirty="0" smtClean="0"/>
+              <a:t> Keyboard</a:t>
             </a:r>
             <a:endParaRPr lang="fr-FR" dirty="0"/>
           </a:p>
@@ -9699,61 +9804,7 @@
       </p:sp>
       <p:sp>
         <p:nvSpPr>
-          <p:cNvPr id="11" name="Espace réservé du texte 10"/>
-          <p:cNvSpPr>
-            <a:spLocks noGrp="1"/>
-          </p:cNvSpPr>
-          <p:nvPr>
-            <p:ph type="body" idx="1"/>
-          </p:nvPr>
-        </p:nvSpPr>
-        <p:spPr/>
-        <p:txBody>
-          <a:bodyPr/>
-          <a:lstStyle/>
-          <a:p>
-            <a:r>
-              <a:rPr lang="fr-FR" dirty="0" smtClean="0"/>
-              <a:t>By time</a:t>
-            </a:r>
-            <a:endParaRPr lang="fr-FR" dirty="0"/>
-          </a:p>
-        </p:txBody>
-      </p:sp>
-      <p:sp>
-        <p:nvSpPr>
-          <p:cNvPr id="13" name="Espace réservé du texte 12"/>
-          <p:cNvSpPr>
-            <a:spLocks noGrp="1"/>
-          </p:cNvSpPr>
-          <p:nvPr>
-            <p:ph type="body" sz="half" idx="3"/>
-          </p:nvPr>
-        </p:nvSpPr>
-        <p:spPr/>
-        <p:txBody>
-          <a:bodyPr/>
-          <a:lstStyle/>
-          <a:p>
-            <a:r>
-              <a:rPr lang="fr-FR" dirty="0" smtClean="0"/>
-              <a:t>By </a:t>
-            </a:r>
-            <a:r>
-              <a:rPr lang="fr-FR" dirty="0" err="1" smtClean="0"/>
-              <a:t>number</a:t>
-            </a:r>
-            <a:r>
-              <a:rPr lang="fr-FR" dirty="0" smtClean="0"/>
-              <a:t> of clicks</a:t>
-            </a:r>
-            <a:endParaRPr lang="fr-FR" dirty="0"/>
-          </a:p>
-        </p:txBody>
-      </p:sp>
-      <p:sp>
-        <p:nvSpPr>
-          <p:cNvPr id="7" name="Espace réservé du numéro de diapositive 6"/>
+          <p:cNvPr id="4" name="Espace réservé du numéro de diapositive 3"/>
           <p:cNvSpPr>
             <a:spLocks noGrp="1"/>
           </p:cNvSpPr>
@@ -9775,110 +9826,35 @@
           </a:p>
         </p:txBody>
       </p:sp>
-      <p:graphicFrame>
-        <p:nvGraphicFramePr>
-          <p:cNvPr id="15" name="Espace réservé du contenu 14"/>
-          <p:cNvGraphicFramePr>
-            <a:graphicFrameLocks noGrp="1"/>
-          </p:cNvGraphicFramePr>
-          <p:nvPr>
-            <p:ph sz="quarter" idx="2"/>
-          </p:nvPr>
-        </p:nvGraphicFramePr>
-        <p:xfrm>
-          <a:off x="457200" y="1517650"/>
-          <a:ext cx="4040188" cy="3941763"/>
-        </p:xfrm>
-        <a:graphic>
-          <a:graphicData uri="http://schemas.openxmlformats.org/drawingml/2006/chart">
-            <c:chart xmlns:c="http://schemas.openxmlformats.org/drawingml/2006/chart" xmlns:r="http://schemas.openxmlformats.org/officeDocument/2006/relationships" r:id="rId2"/>
-          </a:graphicData>
-        </a:graphic>
-      </p:graphicFrame>
-      <p:graphicFrame>
-        <p:nvGraphicFramePr>
-          <p:cNvPr id="16" name="Espace réservé du contenu 15"/>
-          <p:cNvGraphicFramePr>
-            <a:graphicFrameLocks noGrp="1"/>
-          </p:cNvGraphicFramePr>
-          <p:nvPr>
-            <p:ph sz="quarter" idx="4"/>
-          </p:nvPr>
-        </p:nvGraphicFramePr>
-        <p:xfrm>
-          <a:off x="4860032" y="1556792"/>
-          <a:ext cx="4041775" cy="3941763"/>
-        </p:xfrm>
-        <a:graphic>
-          <a:graphicData uri="http://schemas.openxmlformats.org/drawingml/2006/chart">
-            <c:chart xmlns:c="http://schemas.openxmlformats.org/drawingml/2006/chart" xmlns:r="http://schemas.openxmlformats.org/officeDocument/2006/relationships" r:id="rId3"/>
-          </a:graphicData>
-        </a:graphic>
-      </p:graphicFrame>
-      <p:sp>
-        <p:nvSpPr>
-          <p:cNvPr id="8" name="ZoneTexte 7"/>
-          <p:cNvSpPr txBox="1"/>
-          <p:nvPr/>
-        </p:nvSpPr>
+      <p:pic>
+        <p:nvPicPr>
+          <p:cNvPr id="6" name="FinalCircularKeyboard.wmv">
+            <a:hlinkClick r:id="" action="ppaction://media"/>
+          </p:cNvPr>
+          <p:cNvPicPr>
+            <a:picLocks noGrp="1" noRot="1" noChangeAspect="1"/>
+          </p:cNvPicPr>
+          <p:nvPr>
+            <p:ph idx="1"/>
+            <a:videoFile r:link="rId1"/>
+          </p:nvPr>
+        </p:nvPicPr>
+        <p:blipFill>
+          <a:blip r:embed="rId4" cstate="print"/>
+          <a:stretch>
+            <a:fillRect/>
+          </a:stretch>
+        </p:blipFill>
         <p:spPr>
           <a:xfrm>
-            <a:off x="5879" y="1628800"/>
-            <a:ext cx="461665" cy="2592288"/>
+            <a:off x="1187624" y="1772816"/>
+            <a:ext cx="6096000" cy="4572000"/>
           </a:xfrm>
           <a:prstGeom prst="rect">
             <a:avLst/>
           </a:prstGeom>
-          <a:noFill/>
         </p:spPr>
-        <p:txBody>
-          <a:bodyPr vert="eaVert" wrap="square" rtlCol="0">
-            <a:spAutoFit/>
-          </a:bodyPr>
-          <a:lstStyle/>
-          <a:p>
-            <a:r>
-              <a:rPr lang="fr-FR" dirty="0" smtClean="0"/>
-              <a:t>Time in seconds</a:t>
-            </a:r>
-            <a:endParaRPr lang="fr-FR" dirty="0"/>
-          </a:p>
-        </p:txBody>
-      </p:sp>
-      <p:sp>
-        <p:nvSpPr>
-          <p:cNvPr id="10" name="ZoneTexte 9"/>
-          <p:cNvSpPr txBox="1"/>
-          <p:nvPr/>
-        </p:nvSpPr>
-        <p:spPr>
-          <a:xfrm>
-            <a:off x="4499992" y="1628800"/>
-            <a:ext cx="461665" cy="2520280"/>
-          </a:xfrm>
-          <a:prstGeom prst="rect">
-            <a:avLst/>
-          </a:prstGeom>
-          <a:noFill/>
-        </p:spPr>
-        <p:txBody>
-          <a:bodyPr vert="eaVert" wrap="square" rtlCol="0">
-            <a:spAutoFit/>
-          </a:bodyPr>
-          <a:lstStyle/>
-          <a:p>
-            <a:r>
-              <a:rPr lang="fr-FR" dirty="0" err="1" smtClean="0"/>
-              <a:t>Number</a:t>
-            </a:r>
-            <a:r>
-              <a:rPr lang="fr-FR" dirty="0" smtClean="0"/>
-              <a:t> of clicks</a:t>
-            </a:r>
-            <a:endParaRPr lang="fr-FR" dirty="0"/>
-          </a:p>
-        </p:txBody>
-      </p:sp>
+      </p:pic>
     </p:spTree>
   </p:cSld>
   <p:clrMapOvr>
@@ -9887,7 +9863,92 @@
   <p:timing>
     <p:tnLst>
       <p:par>
-        <p:cTn id="1" dur="indefinite" restart="never" nodeType="tmRoot"/>
+        <p:cTn id="1" dur="indefinite" restart="never" nodeType="tmRoot">
+          <p:childTnLst>
+            <p:seq concurrent="1" nextAc="seek">
+              <p:cTn id="2" restart="whenNotActive" fill="hold" evtFilter="cancelBubble" nodeType="interactiveSeq">
+                <p:stCondLst>
+                  <p:cond evt="onClick" delay="0">
+                    <p:tgtEl>
+                      <p:spTgt spid="6"/>
+                    </p:tgtEl>
+                  </p:cond>
+                </p:stCondLst>
+                <p:endSync evt="end" delay="0">
+                  <p:rtn val="all"/>
+                </p:endSync>
+                <p:childTnLst>
+                  <p:par>
+                    <p:cTn id="3" fill="hold">
+                      <p:stCondLst>
+                        <p:cond delay="0"/>
+                      </p:stCondLst>
+                      <p:childTnLst>
+                        <p:par>
+                          <p:cTn id="4" fill="hold">
+                            <p:stCondLst>
+                              <p:cond delay="0"/>
+                            </p:stCondLst>
+                            <p:childTnLst>
+                              <p:par>
+                                <p:cTn id="5" presetID="2" presetClass="mediacall" presetSubtype="0" fill="hold" nodeType="clickEffect">
+                                  <p:stCondLst>
+                                    <p:cond delay="0"/>
+                                  </p:stCondLst>
+                                  <p:childTnLst>
+                                    <p:cmd type="call" cmd="togglePause">
+                                      <p:cBhvr>
+                                        <p:cTn id="6" dur="1" fill="hold"/>
+                                        <p:tgtEl>
+                                          <p:spTgt spid="6"/>
+                                        </p:tgtEl>
+                                      </p:cBhvr>
+                                    </p:cmd>
+                                  </p:childTnLst>
+                                </p:cTn>
+                              </p:par>
+                            </p:childTnLst>
+                          </p:cTn>
+                        </p:par>
+                      </p:childTnLst>
+                    </p:cTn>
+                  </p:par>
+                </p:childTnLst>
+              </p:cTn>
+              <p:nextCondLst>
+                <p:cond evt="onClick" delay="0">
+                  <p:tgtEl>
+                    <p:spTgt spid="6"/>
+                  </p:tgtEl>
+                </p:cond>
+              </p:nextCondLst>
+            </p:seq>
+            <p:video>
+              <p:cMediaNode>
+                <p:cTn id="7" fill="hold" display="0">
+                  <p:stCondLst>
+                    <p:cond delay="indefinite"/>
+                  </p:stCondLst>
+                  <p:endCondLst>
+                    <p:cond evt="onNext" delay="0">
+                      <p:tgtEl>
+                        <p:sldTgt/>
+                      </p:tgtEl>
+                    </p:cond>
+                    <p:cond evt="onPrev" delay="0">
+                      <p:tgtEl>
+                        <p:sldTgt/>
+                      </p:tgtEl>
+                    </p:cond>
+                  </p:endCondLst>
+                </p:cTn>
+                <p:tgtEl>
+                  <p:spTgt spid="6"/>
+                </p:tgtEl>
+              </p:cMediaNode>
+            </p:video>
+          </p:childTnLst>
+        </p:cTn>
       </p:par>
     </p:tnLst>
   </p:timing>
@@ -9913,106 +9974,48 @@
       </p:grpSpPr>
       <p:sp>
         <p:nvSpPr>
-          <p:cNvPr id="6" name="Espace réservé du contenu 2"/>
-          <p:cNvSpPr>
-            <a:spLocks noGrp="1"/>
-          </p:cNvSpPr>
-          <p:nvPr>
-            <p:ph idx="1"/>
-          </p:nvPr>
-        </p:nvSpPr>
-        <p:spPr>
-          <a:xfrm>
-            <a:off x="457200" y="1600200"/>
-            <a:ext cx="7467600" cy="4525963"/>
-          </a:xfrm>
-        </p:spPr>
+          <p:cNvPr id="2" name="Titre 1"/>
+          <p:cNvSpPr>
+            <a:spLocks noGrp="1"/>
+          </p:cNvSpPr>
+          <p:nvPr>
+            <p:ph type="title"/>
+          </p:nvPr>
+        </p:nvSpPr>
+        <p:spPr/>
         <p:txBody>
           <a:bodyPr>
-            <a:normAutofit fontScale="92500" lnSpcReduction="20000"/>
+            <a:normAutofit fontScale="90000"/>
           </a:bodyPr>
           <a:lstStyle/>
           <a:p>
             <a:r>
-              <a:rPr lang="en-US" dirty="0" smtClean="0"/>
-              <a:t>Stable and accurate cursor</a:t>
-            </a:r>
-          </a:p>
-          <a:p>
-            <a:r>
-              <a:rPr lang="en-US" dirty="0" smtClean="0"/>
-              <a:t>Hand recognition equivalent to Kinect Skeleton in precision</a:t>
-            </a:r>
-          </a:p>
-          <a:p>
-            <a:r>
-              <a:rPr lang="en-US" dirty="0" smtClean="0"/>
-              <a:t>Hand recognition usable even while being sat down</a:t>
-            </a:r>
-          </a:p>
-          <a:p>
-            <a:r>
-              <a:rPr lang="en-US" dirty="0" smtClean="0"/>
-              <a:t>Functional distance : 1m – 2m</a:t>
-            </a:r>
-          </a:p>
-          <a:p>
-            <a:r>
-              <a:rPr lang="en-US" dirty="0" smtClean="0"/>
-              <a:t>Total Execution Time : </a:t>
-            </a:r>
-            <a:r>
-              <a:rPr lang="en-US" dirty="0" smtClean="0">
-                <a:solidFill>
-                  <a:srgbClr val="FFC000"/>
-                </a:solidFill>
-              </a:rPr>
-              <a:t>10 – 18 ms</a:t>
-            </a:r>
-            <a:endParaRPr lang="en-US" dirty="0" smtClean="0">
-              <a:solidFill>
-                <a:srgbClr val="FFFF00"/>
-              </a:solidFill>
-            </a:endParaRPr>
-          </a:p>
-          <a:p>
-            <a:r>
-              <a:rPr lang="en-US" dirty="0" smtClean="0"/>
-              <a:t>We are tracking 4 blobs</a:t>
-            </a:r>
-          </a:p>
-          <a:p>
-            <a:pPr lvl="1"/>
-            <a:r>
-              <a:rPr lang="en-US" dirty="0" smtClean="0"/>
-              <a:t>Single user</a:t>
-            </a:r>
-          </a:p>
-          <a:p>
-            <a:pPr lvl="1"/>
-            <a:r>
-              <a:rPr lang="en-US" dirty="0" smtClean="0"/>
-              <a:t>One blob added for safety considering the noise of </a:t>
-            </a:r>
-            <a:r>
-              <a:rPr lang="en-US" dirty="0" err="1" smtClean="0"/>
-              <a:t>Kinect’s</a:t>
-            </a:r>
-            <a:r>
-              <a:rPr lang="en-US" dirty="0" smtClean="0"/>
-              <a:t> sensors</a:t>
-            </a:r>
-          </a:p>
-        </p:txBody>
-      </p:sp>
-      <p:sp>
-        <p:nvSpPr>
-          <p:cNvPr id="2" name="Titre 1"/>
-          <p:cNvSpPr>
-            <a:spLocks noGrp="1"/>
-          </p:cNvSpPr>
-          <p:nvPr>
-            <p:ph type="title"/>
+              <a:rPr lang="fr-FR" dirty="0" smtClean="0"/>
+              <a:t>Word input </a:t>
+            </a:r>
+            <a:r>
+              <a:rPr lang="fr-FR" dirty="0" smtClean="0"/>
+              <a:t>speed:</a:t>
+            </a:r>
+            <a:br>
+              <a:rPr lang="fr-FR" dirty="0" smtClean="0"/>
+            </a:br>
+            <a:r>
+              <a:rPr lang="fr-FR" dirty="0" smtClean="0"/>
+              <a:t>T9 Keyboard</a:t>
+            </a:r>
+            <a:endParaRPr lang="fr-FR" dirty="0"/>
+          </a:p>
+        </p:txBody>
+      </p:sp>
+      <p:sp>
+        <p:nvSpPr>
+          <p:cNvPr id="4" name="Espace réservé du numéro de diapositive 3"/>
+          <p:cNvSpPr>
+            <a:spLocks noGrp="1"/>
+          </p:cNvSpPr>
+          <p:nvPr>
+            <p:ph type="sldNum" sz="quarter" idx="12"/>
           </p:nvPr>
         </p:nvSpPr>
         <p:spPr/>
@@ -10020,38 +10023,44 @@
           <a:bodyPr/>
           <a:lstStyle/>
           <a:p>
-            <a:r>
-              <a:rPr lang="en-US" dirty="0" smtClean="0"/>
-              <a:t>Results</a:t>
-            </a:r>
-            <a:endParaRPr lang="en-US" dirty="0"/>
-          </a:p>
-        </p:txBody>
-      </p:sp>
-      <p:sp>
-        <p:nvSpPr>
-          <p:cNvPr id="4" name="Espace réservé du numéro de diapositive 3"/>
-          <p:cNvSpPr>
-            <a:spLocks noGrp="1"/>
-          </p:cNvSpPr>
-          <p:nvPr>
-            <p:ph type="sldNum" sz="quarter" idx="12"/>
-          </p:nvPr>
-        </p:nvSpPr>
-        <p:spPr/>
-        <p:txBody>
-          <a:bodyPr/>
-          <a:lstStyle/>
-          <a:p>
             <a:fld id="{AB9DB7C7-3B7A-421A-AF98-AB9FC2185CD3}" type="slidenum">
-              <a:rPr lang="en-US" smtClean="0"/>
+              <a:rPr lang="fr-FR" smtClean="0"/>
               <a:pPr/>
               <a:t>23</a:t>
             </a:fld>
-            <a:endParaRPr lang="en-US"/>
-          </a:p>
-        </p:txBody>
-      </p:sp>
+            <a:endParaRPr lang="fr-FR" dirty="0"/>
+          </a:p>
+        </p:txBody>
+      </p:sp>
+      <p:pic>
+        <p:nvPicPr>
+          <p:cNvPr id="7" name="FinalT9Keyboard.wmv">
+            <a:hlinkClick r:id="" action="ppaction://media"/>
+          </p:cNvPr>
+          <p:cNvPicPr>
+            <a:picLocks noGrp="1" noRot="1" noChangeAspect="1"/>
+          </p:cNvPicPr>
+          <p:nvPr>
+            <p:ph idx="1"/>
+            <a:videoFile r:link="rId1"/>
+          </p:nvPr>
+        </p:nvPicPr>
+        <p:blipFill>
+          <a:blip r:embed="rId3" cstate="print"/>
+          <a:stretch>
+            <a:fillRect/>
+          </a:stretch>
+        </p:blipFill>
+        <p:spPr>
+          <a:xfrm>
+            <a:off x="1259632" y="1772816"/>
+            <a:ext cx="6096000" cy="4572000"/>
+          </a:xfrm>
+          <a:prstGeom prst="rect">
+            <a:avLst/>
+          </a:prstGeom>
+        </p:spPr>
+      </p:pic>
     </p:spTree>
   </p:cSld>
   <p:clrMapOvr>
@@ -10060,7 +10069,92 @@
   <p:timing>
     <p:tnLst>
       <p:par>
-        <p:cTn id="1" dur="indefinite" restart="never" nodeType="tmRoot"/>
+        <p:cTn id="1" dur="indefinite" restart="never" nodeType="tmRoot">
+          <p:childTnLst>
+            <p:seq concurrent="1" nextAc="seek">
+              <p:cTn id="2" restart="whenNotActive" fill="hold" evtFilter="cancelBubble" nodeType="interactiveSeq">
+                <p:stCondLst>
+                  <p:cond evt="onClick" delay="0">
+                    <p:tgtEl>
+                      <p:spTgt spid="7"/>
+                    </p:tgtEl>
+                  </p:cond>
+                </p:stCondLst>
+                <p:endSync evt="end" delay="0">
+                  <p:rtn val="all"/>
+                </p:endSync>
+                <p:childTnLst>
+                  <p:par>
+                    <p:cTn id="3" fill="hold">
+                      <p:stCondLst>
+                        <p:cond delay="0"/>
+                      </p:stCondLst>
+                      <p:childTnLst>
+                        <p:par>
+                          <p:cTn id="4" fill="hold">
+                            <p:stCondLst>
+                              <p:cond delay="0"/>
+                            </p:stCondLst>
+                            <p:childTnLst>
+                              <p:par>
+                                <p:cTn id="5" presetID="2" presetClass="mediacall" presetSubtype="0" fill="hold" nodeType="clickEffect">
+                                  <p:stCondLst>
+                                    <p:cond delay="0"/>
+                                  </p:stCondLst>
+                                  <p:childTnLst>
+                                    <p:cmd type="call" cmd="togglePause">
+                                      <p:cBhvr>
+                                        <p:cTn id="6" dur="1" fill="hold"/>
+                                        <p:tgtEl>
+                                          <p:spTgt spid="7"/>
+                                        </p:tgtEl>
+                                      </p:cBhvr>
+                                    </p:cmd>
+                                  </p:childTnLst>
+                                </p:cTn>
+                              </p:par>
+                            </p:childTnLst>
+                          </p:cTn>
+                        </p:par>
+                      </p:childTnLst>
+                    </p:cTn>
+                  </p:par>
+                </p:childTnLst>
+              </p:cTn>
+              <p:nextCondLst>
+                <p:cond evt="onClick" delay="0">
+                  <p:tgtEl>
+                    <p:spTgt spid="7"/>
+                  </p:tgtEl>
+                </p:cond>
+              </p:nextCondLst>
+            </p:seq>
+            <p:video>
+              <p:cMediaNode>
+                <p:cTn id="7" fill="hold" display="0">
+                  <p:stCondLst>
+                    <p:cond delay="indefinite"/>
+                  </p:stCondLst>
+                  <p:endCondLst>
+                    <p:cond evt="onNext" delay="0">
+                      <p:tgtEl>
+                        <p:sldTgt/>
+                      </p:tgtEl>
+                    </p:cond>
+                    <p:cond evt="onPrev" delay="0">
+                      <p:tgtEl>
+                        <p:sldTgt/>
+                      </p:tgtEl>
+                    </p:cond>
+                  </p:endCondLst>
+                </p:cTn>
+                <p:tgtEl>
+                  <p:spTgt spid="7"/>
+                </p:tgtEl>
+              </p:cMediaNode>
+            </p:video>
+          </p:childTnLst>
+        </p:cTn>
       </p:par>
     </p:tnLst>
   </p:timing>
@@ -10101,7 +10195,7 @@
           <a:p>
             <a:r>
               <a:rPr lang="fr-FR" dirty="0" smtClean="0"/>
-              <a:t>Conclusion</a:t>
+              <a:t>Word input speed</a:t>
             </a:r>
             <a:endParaRPr lang="fr-FR" dirty="0"/>
           </a:p>
@@ -10109,132 +10203,61 @@
       </p:sp>
       <p:sp>
         <p:nvSpPr>
-          <p:cNvPr id="3" name="Espace réservé du contenu 2"/>
-          <p:cNvSpPr>
-            <a:spLocks noGrp="1"/>
-          </p:cNvSpPr>
-          <p:nvPr>
-            <p:ph idx="1"/>
+          <p:cNvPr id="11" name="Espace réservé du texte 10"/>
+          <p:cNvSpPr>
+            <a:spLocks noGrp="1"/>
+          </p:cNvSpPr>
+          <p:nvPr>
+            <p:ph type="body" idx="1"/>
           </p:nvPr>
         </p:nvSpPr>
         <p:spPr/>
         <p:txBody>
-          <a:bodyPr>
-            <a:normAutofit fontScale="77500" lnSpcReduction="20000"/>
-          </a:bodyPr>
-          <a:lstStyle/>
-          <a:p>
-            <a:r>
-              <a:rPr lang="en-US" dirty="0" smtClean="0"/>
-              <a:t>Features offered by the Kinect</a:t>
-            </a:r>
-          </a:p>
-          <a:p>
-            <a:pPr lvl="1"/>
-            <a:r>
-              <a:rPr lang="en-US" dirty="0" smtClean="0"/>
-              <a:t>Depth data</a:t>
-            </a:r>
-          </a:p>
-          <a:p>
-            <a:pPr lvl="1"/>
-            <a:r>
-              <a:rPr lang="en-US" dirty="0" smtClean="0"/>
-              <a:t>Color data</a:t>
-            </a:r>
-          </a:p>
-          <a:p>
-            <a:pPr lvl="1"/>
-            <a:r>
-              <a:rPr lang="en-US" dirty="0" smtClean="0"/>
-              <a:t>Skeleton recognition</a:t>
-            </a:r>
-          </a:p>
-          <a:p>
-            <a:pPr lvl="1">
-              <a:buNone/>
-            </a:pPr>
-            <a:endParaRPr lang="en-US" dirty="0" smtClean="0"/>
-          </a:p>
-          <a:p>
-            <a:r>
-              <a:rPr lang="en-US" dirty="0" smtClean="0"/>
-              <a:t>Limitations</a:t>
-            </a:r>
-          </a:p>
-          <a:p>
-            <a:pPr lvl="1"/>
-            <a:r>
-              <a:rPr lang="en-US" dirty="0" smtClean="0"/>
-              <a:t>Distance</a:t>
-            </a:r>
-          </a:p>
-          <a:p>
-            <a:pPr lvl="1"/>
-            <a:r>
-              <a:rPr lang="en-US" dirty="0" smtClean="0"/>
-              <a:t>Accuracy when not standing up</a:t>
-            </a:r>
-          </a:p>
-          <a:p>
-            <a:pPr lvl="1">
-              <a:buNone/>
-            </a:pPr>
-            <a:endParaRPr lang="en-US" dirty="0" smtClean="0"/>
-          </a:p>
-          <a:p>
-            <a:r>
-              <a:rPr lang="en-US" dirty="0" smtClean="0"/>
-              <a:t>“Easy-to-use” camera</a:t>
-            </a:r>
-          </a:p>
-          <a:p>
-            <a:endParaRPr lang="en-US" dirty="0" smtClean="0"/>
-          </a:p>
-          <a:p>
-            <a:r>
-              <a:rPr lang="en-US" dirty="0" smtClean="0"/>
-              <a:t>PC Kinect released</a:t>
-            </a:r>
-          </a:p>
-          <a:p>
-            <a:pPr lvl="1"/>
-            <a:r>
-              <a:rPr lang="en-US" dirty="0" smtClean="0"/>
-              <a:t>Resolution improved: 640x480 </a:t>
-            </a:r>
-            <a:r>
-              <a:rPr lang="en-US" dirty="0" err="1" smtClean="0"/>
-              <a:t>px</a:t>
-            </a:r>
-            <a:r>
-              <a:rPr lang="en-US" dirty="0" smtClean="0"/>
-              <a:t> (old: 320x240 </a:t>
-            </a:r>
-            <a:r>
-              <a:rPr lang="en-US" dirty="0" err="1" smtClean="0"/>
-              <a:t>px</a:t>
-            </a:r>
-            <a:r>
-              <a:rPr lang="en-US" dirty="0" smtClean="0"/>
-              <a:t>)</a:t>
-            </a:r>
-          </a:p>
-          <a:p>
-            <a:pPr lvl="1"/>
-            <a:r>
-              <a:rPr lang="en-US" dirty="0" smtClean="0"/>
-              <a:t>Near mode: from 50 -- 300 cm (far mode: 80 – 400 cm)</a:t>
-            </a:r>
-          </a:p>
-          <a:p>
+          <a:bodyPr/>
+          <a:lstStyle/>
+          <a:p>
+            <a:r>
+              <a:rPr lang="fr-FR" dirty="0" smtClean="0"/>
+              <a:t>By time</a:t>
+            </a:r>
             <a:endParaRPr lang="fr-FR" dirty="0"/>
           </a:p>
         </p:txBody>
       </p:sp>
       <p:sp>
         <p:nvSpPr>
-          <p:cNvPr id="4" name="Espace réservé du numéro de diapositive 3"/>
+          <p:cNvPr id="13" name="Espace réservé du texte 12"/>
+          <p:cNvSpPr>
+            <a:spLocks noGrp="1"/>
+          </p:cNvSpPr>
+          <p:nvPr>
+            <p:ph type="body" sz="half" idx="3"/>
+          </p:nvPr>
+        </p:nvSpPr>
+        <p:spPr/>
+        <p:txBody>
+          <a:bodyPr/>
+          <a:lstStyle/>
+          <a:p>
+            <a:r>
+              <a:rPr lang="fr-FR" dirty="0" smtClean="0"/>
+              <a:t>By </a:t>
+            </a:r>
+            <a:r>
+              <a:rPr lang="fr-FR" dirty="0" err="1" smtClean="0"/>
+              <a:t>number</a:t>
+            </a:r>
+            <a:r>
+              <a:rPr lang="fr-FR" dirty="0" smtClean="0"/>
+              <a:t> of clicks</a:t>
+            </a:r>
+            <a:endParaRPr lang="fr-FR" dirty="0"/>
+          </a:p>
+        </p:txBody>
+      </p:sp>
+      <p:sp>
+        <p:nvSpPr>
+          <p:cNvPr id="7" name="Espace réservé du numéro de diapositive 6"/>
           <p:cNvSpPr>
             <a:spLocks noGrp="1"/>
           </p:cNvSpPr>
@@ -10252,6 +10275,110 @@
               <a:pPr/>
               <a:t>24</a:t>
             </a:fld>
+            <a:endParaRPr lang="fr-FR" dirty="0"/>
+          </a:p>
+        </p:txBody>
+      </p:sp>
+      <p:graphicFrame>
+        <p:nvGraphicFramePr>
+          <p:cNvPr id="15" name="Espace réservé du contenu 14"/>
+          <p:cNvGraphicFramePr>
+            <a:graphicFrameLocks noGrp="1"/>
+          </p:cNvGraphicFramePr>
+          <p:nvPr>
+            <p:ph sz="quarter" idx="2"/>
+          </p:nvPr>
+        </p:nvGraphicFramePr>
+        <p:xfrm>
+          <a:off x="457200" y="1517650"/>
+          <a:ext cx="4040188" cy="3941763"/>
+        </p:xfrm>
+        <a:graphic>
+          <a:graphicData uri="http://schemas.openxmlformats.org/drawingml/2006/chart">
+            <c:chart xmlns:c="http://schemas.openxmlformats.org/drawingml/2006/chart" xmlns:r="http://schemas.openxmlformats.org/officeDocument/2006/relationships" r:id="rId2"/>
+          </a:graphicData>
+        </a:graphic>
+      </p:graphicFrame>
+      <p:graphicFrame>
+        <p:nvGraphicFramePr>
+          <p:cNvPr id="16" name="Espace réservé du contenu 15"/>
+          <p:cNvGraphicFramePr>
+            <a:graphicFrameLocks noGrp="1"/>
+          </p:cNvGraphicFramePr>
+          <p:nvPr>
+            <p:ph sz="quarter" idx="4"/>
+          </p:nvPr>
+        </p:nvGraphicFramePr>
+        <p:xfrm>
+          <a:off x="4860032" y="1556792"/>
+          <a:ext cx="4041775" cy="3941763"/>
+        </p:xfrm>
+        <a:graphic>
+          <a:graphicData uri="http://schemas.openxmlformats.org/drawingml/2006/chart">
+            <c:chart xmlns:c="http://schemas.openxmlformats.org/drawingml/2006/chart" xmlns:r="http://schemas.openxmlformats.org/officeDocument/2006/relationships" r:id="rId3"/>
+          </a:graphicData>
+        </a:graphic>
+      </p:graphicFrame>
+      <p:sp>
+        <p:nvSpPr>
+          <p:cNvPr id="8" name="ZoneTexte 7"/>
+          <p:cNvSpPr txBox="1"/>
+          <p:nvPr/>
+        </p:nvSpPr>
+        <p:spPr>
+          <a:xfrm>
+            <a:off x="5879" y="1628800"/>
+            <a:ext cx="461665" cy="2592288"/>
+          </a:xfrm>
+          <a:prstGeom prst="rect">
+            <a:avLst/>
+          </a:prstGeom>
+          <a:noFill/>
+        </p:spPr>
+        <p:txBody>
+          <a:bodyPr vert="eaVert" wrap="square" rtlCol="0">
+            <a:spAutoFit/>
+          </a:bodyPr>
+          <a:lstStyle/>
+          <a:p>
+            <a:r>
+              <a:rPr lang="fr-FR" dirty="0" smtClean="0"/>
+              <a:t>Time in seconds</a:t>
+            </a:r>
+            <a:endParaRPr lang="fr-FR" dirty="0"/>
+          </a:p>
+        </p:txBody>
+      </p:sp>
+      <p:sp>
+        <p:nvSpPr>
+          <p:cNvPr id="10" name="ZoneTexte 9"/>
+          <p:cNvSpPr txBox="1"/>
+          <p:nvPr/>
+        </p:nvSpPr>
+        <p:spPr>
+          <a:xfrm>
+            <a:off x="4499992" y="1628800"/>
+            <a:ext cx="461665" cy="2520280"/>
+          </a:xfrm>
+          <a:prstGeom prst="rect">
+            <a:avLst/>
+          </a:prstGeom>
+          <a:noFill/>
+        </p:spPr>
+        <p:txBody>
+          <a:bodyPr vert="eaVert" wrap="square" rtlCol="0">
+            <a:spAutoFit/>
+          </a:bodyPr>
+          <a:lstStyle/>
+          <a:p>
+            <a:r>
+              <a:rPr lang="fr-FR" dirty="0" err="1" smtClean="0"/>
+              <a:t>Number</a:t>
+            </a:r>
+            <a:r>
+              <a:rPr lang="fr-FR" dirty="0" smtClean="0"/>
+              <a:t> of clicks</a:t>
+            </a:r>
             <a:endParaRPr lang="fr-FR" dirty="0"/>
           </a:p>
         </p:txBody>
@@ -10290,6 +10417,383 @@
       </p:grpSpPr>
       <p:sp>
         <p:nvSpPr>
+          <p:cNvPr id="6" name="Espace réservé du contenu 2"/>
+          <p:cNvSpPr>
+            <a:spLocks noGrp="1"/>
+          </p:cNvSpPr>
+          <p:nvPr>
+            <p:ph idx="1"/>
+          </p:nvPr>
+        </p:nvSpPr>
+        <p:spPr>
+          <a:xfrm>
+            <a:off x="457200" y="1600200"/>
+            <a:ext cx="7467600" cy="4525963"/>
+          </a:xfrm>
+        </p:spPr>
+        <p:txBody>
+          <a:bodyPr>
+            <a:normAutofit fontScale="92500" lnSpcReduction="20000"/>
+          </a:bodyPr>
+          <a:lstStyle/>
+          <a:p>
+            <a:r>
+              <a:rPr lang="en-US" dirty="0" smtClean="0"/>
+              <a:t>Stable and accurate cursor</a:t>
+            </a:r>
+          </a:p>
+          <a:p>
+            <a:r>
+              <a:rPr lang="en-US" dirty="0" smtClean="0"/>
+              <a:t>Hand recognition equivalent to Kinect Skeleton in precision</a:t>
+            </a:r>
+          </a:p>
+          <a:p>
+            <a:r>
+              <a:rPr lang="en-US" dirty="0" smtClean="0"/>
+              <a:t>Hand recognition usable even while being sat down</a:t>
+            </a:r>
+          </a:p>
+          <a:p>
+            <a:r>
+              <a:rPr lang="en-US" dirty="0" smtClean="0"/>
+              <a:t>Functional distance : 1m – 2m</a:t>
+            </a:r>
+          </a:p>
+          <a:p>
+            <a:r>
+              <a:rPr lang="en-US" dirty="0" smtClean="0"/>
+              <a:t>Total Execution Time : </a:t>
+            </a:r>
+            <a:r>
+              <a:rPr lang="en-US" dirty="0" smtClean="0">
+                <a:solidFill>
+                  <a:srgbClr val="FFC000"/>
+                </a:solidFill>
+              </a:rPr>
+              <a:t>10 – 18 ms</a:t>
+            </a:r>
+            <a:endParaRPr lang="en-US" dirty="0" smtClean="0">
+              <a:solidFill>
+                <a:srgbClr val="FFFF00"/>
+              </a:solidFill>
+            </a:endParaRPr>
+          </a:p>
+          <a:p>
+            <a:r>
+              <a:rPr lang="en-US" dirty="0" smtClean="0"/>
+              <a:t>We are tracking 4 blobs</a:t>
+            </a:r>
+          </a:p>
+          <a:p>
+            <a:pPr lvl="1"/>
+            <a:r>
+              <a:rPr lang="en-US" dirty="0" smtClean="0"/>
+              <a:t>Single user</a:t>
+            </a:r>
+          </a:p>
+          <a:p>
+            <a:pPr lvl="1"/>
+            <a:r>
+              <a:rPr lang="en-US" dirty="0" smtClean="0"/>
+              <a:t>One blob added for safety considering the noise of </a:t>
+            </a:r>
+            <a:r>
+              <a:rPr lang="en-US" dirty="0" err="1" smtClean="0"/>
+              <a:t>Kinect’s</a:t>
+            </a:r>
+            <a:r>
+              <a:rPr lang="en-US" dirty="0" smtClean="0"/>
+              <a:t> sensors</a:t>
+            </a:r>
+          </a:p>
+        </p:txBody>
+      </p:sp>
+      <p:sp>
+        <p:nvSpPr>
+          <p:cNvPr id="2" name="Titre 1"/>
+          <p:cNvSpPr>
+            <a:spLocks noGrp="1"/>
+          </p:cNvSpPr>
+          <p:nvPr>
+            <p:ph type="title"/>
+          </p:nvPr>
+        </p:nvSpPr>
+        <p:spPr/>
+        <p:txBody>
+          <a:bodyPr/>
+          <a:lstStyle/>
+          <a:p>
+            <a:r>
+              <a:rPr lang="en-US" dirty="0" smtClean="0"/>
+              <a:t>Results</a:t>
+            </a:r>
+            <a:endParaRPr lang="en-US" dirty="0"/>
+          </a:p>
+        </p:txBody>
+      </p:sp>
+      <p:sp>
+        <p:nvSpPr>
+          <p:cNvPr id="4" name="Espace réservé du numéro de diapositive 3"/>
+          <p:cNvSpPr>
+            <a:spLocks noGrp="1"/>
+          </p:cNvSpPr>
+          <p:nvPr>
+            <p:ph type="sldNum" sz="quarter" idx="12"/>
+          </p:nvPr>
+        </p:nvSpPr>
+        <p:spPr/>
+        <p:txBody>
+          <a:bodyPr/>
+          <a:lstStyle/>
+          <a:p>
+            <a:fld id="{AB9DB7C7-3B7A-421A-AF98-AB9FC2185CD3}" type="slidenum">
+              <a:rPr lang="en-US" smtClean="0"/>
+              <a:pPr/>
+              <a:t>25</a:t>
+            </a:fld>
+            <a:endParaRPr lang="en-US"/>
+          </a:p>
+        </p:txBody>
+      </p:sp>
+    </p:spTree>
+  </p:cSld>
+  <p:clrMapOvr>
+    <a:masterClrMapping/>
+  </p:clrMapOvr>
+  <p:timing>
+    <p:tnLst>
+      <p:par>
+        <p:cTn id="1" dur="indefinite" restart="never" nodeType="tmRoot"/>
+      </p:par>
+    </p:tnLst>
+  </p:timing>
+</p:sld>
+</file>
+
+<file path=ppt/slides/slide26.xml><?xml version="1.0" encoding="utf-8"?>
+<p:sld xmlns:a="http://schemas.openxmlformats.org/drawingml/2006/main" xmlns:r="http://schemas.openxmlformats.org/officeDocument/2006/relationships" xmlns:p="http://schemas.openxmlformats.org/presentationml/2006/main">
+  <p:cSld>
+    <p:spTree>
+      <p:nvGrpSpPr>
+        <p:cNvPr id="1" name=""/>
+        <p:cNvGrpSpPr/>
+        <p:nvPr/>
+      </p:nvGrpSpPr>
+      <p:grpSpPr>
+        <a:xfrm>
+          <a:off x="0" y="0"/>
+          <a:ext cx="0" cy="0"/>
+          <a:chOff x="0" y="0"/>
+          <a:chExt cx="0" cy="0"/>
+        </a:xfrm>
+      </p:grpSpPr>
+      <p:sp>
+        <p:nvSpPr>
+          <p:cNvPr id="2" name="Titre 1"/>
+          <p:cNvSpPr>
+            <a:spLocks noGrp="1"/>
+          </p:cNvSpPr>
+          <p:nvPr>
+            <p:ph type="title"/>
+          </p:nvPr>
+        </p:nvSpPr>
+        <p:spPr/>
+        <p:txBody>
+          <a:bodyPr/>
+          <a:lstStyle/>
+          <a:p>
+            <a:r>
+              <a:rPr lang="fr-FR" dirty="0" smtClean="0"/>
+              <a:t>Conclusion</a:t>
+            </a:r>
+            <a:endParaRPr lang="fr-FR" dirty="0"/>
+          </a:p>
+        </p:txBody>
+      </p:sp>
+      <p:sp>
+        <p:nvSpPr>
+          <p:cNvPr id="3" name="Espace réservé du contenu 2"/>
+          <p:cNvSpPr>
+            <a:spLocks noGrp="1"/>
+          </p:cNvSpPr>
+          <p:nvPr>
+            <p:ph idx="1"/>
+          </p:nvPr>
+        </p:nvSpPr>
+        <p:spPr/>
+        <p:txBody>
+          <a:bodyPr>
+            <a:normAutofit fontScale="77500" lnSpcReduction="20000"/>
+          </a:bodyPr>
+          <a:lstStyle/>
+          <a:p>
+            <a:r>
+              <a:rPr lang="en-US" dirty="0" smtClean="0"/>
+              <a:t>Features offered by the Kinect</a:t>
+            </a:r>
+          </a:p>
+          <a:p>
+            <a:pPr lvl="1"/>
+            <a:r>
+              <a:rPr lang="en-US" dirty="0" smtClean="0"/>
+              <a:t>Depth data</a:t>
+            </a:r>
+          </a:p>
+          <a:p>
+            <a:pPr lvl="1"/>
+            <a:r>
+              <a:rPr lang="en-US" dirty="0" smtClean="0"/>
+              <a:t>Color data</a:t>
+            </a:r>
+          </a:p>
+          <a:p>
+            <a:pPr lvl="1"/>
+            <a:r>
+              <a:rPr lang="en-US" dirty="0" smtClean="0"/>
+              <a:t>Skeleton recognition</a:t>
+            </a:r>
+          </a:p>
+          <a:p>
+            <a:pPr lvl="1">
+              <a:buNone/>
+            </a:pPr>
+            <a:endParaRPr lang="en-US" dirty="0" smtClean="0"/>
+          </a:p>
+          <a:p>
+            <a:r>
+              <a:rPr lang="en-US" dirty="0" smtClean="0"/>
+              <a:t>Limitations</a:t>
+            </a:r>
+          </a:p>
+          <a:p>
+            <a:pPr lvl="1"/>
+            <a:r>
+              <a:rPr lang="en-US" dirty="0" smtClean="0"/>
+              <a:t>Distance</a:t>
+            </a:r>
+          </a:p>
+          <a:p>
+            <a:pPr lvl="1"/>
+            <a:r>
+              <a:rPr lang="en-US" dirty="0" smtClean="0"/>
+              <a:t>Accuracy when not standing up</a:t>
+            </a:r>
+          </a:p>
+          <a:p>
+            <a:pPr lvl="1">
+              <a:buNone/>
+            </a:pPr>
+            <a:endParaRPr lang="en-US" dirty="0" smtClean="0"/>
+          </a:p>
+          <a:p>
+            <a:r>
+              <a:rPr lang="en-US" dirty="0" smtClean="0"/>
+              <a:t>“Easy-to-use” camera</a:t>
+            </a:r>
+          </a:p>
+          <a:p>
+            <a:endParaRPr lang="en-US" dirty="0" smtClean="0"/>
+          </a:p>
+          <a:p>
+            <a:r>
+              <a:rPr lang="en-US" dirty="0" smtClean="0"/>
+              <a:t>PC Kinect released</a:t>
+            </a:r>
+          </a:p>
+          <a:p>
+            <a:pPr lvl="1"/>
+            <a:r>
+              <a:rPr lang="en-US" dirty="0" smtClean="0"/>
+              <a:t>Resolution improved: 640x480 </a:t>
+            </a:r>
+            <a:r>
+              <a:rPr lang="en-US" dirty="0" err="1" smtClean="0"/>
+              <a:t>px</a:t>
+            </a:r>
+            <a:r>
+              <a:rPr lang="en-US" dirty="0" smtClean="0"/>
+              <a:t> (old: 320x240 </a:t>
+            </a:r>
+            <a:r>
+              <a:rPr lang="en-US" dirty="0" err="1" smtClean="0"/>
+              <a:t>px</a:t>
+            </a:r>
+            <a:r>
+              <a:rPr lang="en-US" dirty="0" smtClean="0"/>
+              <a:t>)</a:t>
+            </a:r>
+          </a:p>
+          <a:p>
+            <a:pPr lvl="1"/>
+            <a:r>
+              <a:rPr lang="en-US" dirty="0" smtClean="0"/>
+              <a:t>Near mode: from 50 -- 300 cm (far mode: 80 – 400 cm)</a:t>
+            </a:r>
+          </a:p>
+          <a:p>
+            <a:endParaRPr lang="fr-FR" dirty="0"/>
+          </a:p>
+        </p:txBody>
+      </p:sp>
+      <p:sp>
+        <p:nvSpPr>
+          <p:cNvPr id="4" name="Espace réservé du numéro de diapositive 3"/>
+          <p:cNvSpPr>
+            <a:spLocks noGrp="1"/>
+          </p:cNvSpPr>
+          <p:nvPr>
+            <p:ph type="sldNum" sz="quarter" idx="12"/>
+          </p:nvPr>
+        </p:nvSpPr>
+        <p:spPr/>
+        <p:txBody>
+          <a:bodyPr/>
+          <a:lstStyle/>
+          <a:p>
+            <a:fld id="{AB9DB7C7-3B7A-421A-AF98-AB9FC2185CD3}" type="slidenum">
+              <a:rPr lang="fr-FR" smtClean="0"/>
+              <a:pPr/>
+              <a:t>26</a:t>
+            </a:fld>
+            <a:endParaRPr lang="fr-FR" dirty="0"/>
+          </a:p>
+        </p:txBody>
+      </p:sp>
+    </p:spTree>
+  </p:cSld>
+  <p:clrMapOvr>
+    <a:masterClrMapping/>
+  </p:clrMapOvr>
+  <p:timing>
+    <p:tnLst>
+      <p:par>
+        <p:cTn id="1" dur="indefinite" restart="never" nodeType="tmRoot"/>
+      </p:par>
+    </p:tnLst>
+  </p:timing>
+</p:sld>
+</file>
+
+<file path=ppt/slides/slide27.xml><?xml version="1.0" encoding="utf-8"?>
+<p:sld xmlns:a="http://schemas.openxmlformats.org/drawingml/2006/main" xmlns:r="http://schemas.openxmlformats.org/officeDocument/2006/relationships" xmlns:p="http://schemas.openxmlformats.org/presentationml/2006/main">
+  <p:cSld>
+    <p:spTree>
+      <p:nvGrpSpPr>
+        <p:cNvPr id="1" name=""/>
+        <p:cNvGrpSpPr/>
+        <p:nvPr/>
+      </p:nvGrpSpPr>
+      <p:grpSpPr>
+        <a:xfrm>
+          <a:off x="0" y="0"/>
+          <a:ext cx="0" cy="0"/>
+          <a:chOff x="0" y="0"/>
+          <a:chExt cx="0" cy="0"/>
+        </a:xfrm>
+      </p:grpSpPr>
+      <p:sp>
+        <p:nvSpPr>
           <p:cNvPr id="5" name="Titre 4"/>
           <p:cNvSpPr>
             <a:spLocks noGrp="1"/>
@@ -10335,7 +10839,7 @@
             <a:fld id="{AB9DB7C7-3B7A-421A-AF98-AB9FC2185CD3}" type="slidenum">
               <a:rPr lang="fr-FR" smtClean="0"/>
               <a:pPr/>
-              <a:t>25</a:t>
+              <a:t>27</a:t>
             </a:fld>
             <a:endParaRPr lang="fr-FR" dirty="0"/>
           </a:p>
@@ -11385,118 +11889,70 @@
         </p:nvSpPr>
         <p:spPr/>
         <p:txBody>
-          <a:bodyPr>
-            <a:normAutofit fontScale="90000"/>
-          </a:bodyPr>
-          <a:lstStyle/>
-          <a:p>
-            <a:r>
-              <a:rPr lang="en-US" dirty="0" smtClean="0"/>
-              <a:t>Theory</a:t>
-            </a:r>
-            <a:br>
-              <a:rPr lang="en-US" dirty="0" smtClean="0"/>
-            </a:br>
-            <a:r>
-              <a:rPr lang="en-US" dirty="0" smtClean="0"/>
-              <a:t>	Recognizing hand</a:t>
-            </a:r>
-            <a:endParaRPr lang="en-US" dirty="0"/>
-          </a:p>
-        </p:txBody>
-      </p:sp>
-      <p:sp>
-        <p:nvSpPr>
-          <p:cNvPr id="3" name="Espace réservé du contenu 2"/>
-          <p:cNvSpPr>
-            <a:spLocks noGrp="1"/>
-          </p:cNvSpPr>
-          <p:nvPr>
-            <p:ph idx="1"/>
+          <a:bodyPr/>
+          <a:lstStyle/>
+          <a:p>
+            <a:r>
+              <a:rPr lang="fr-FR" dirty="0" smtClean="0"/>
+              <a:t>Solution</a:t>
+            </a:r>
+            <a:endParaRPr lang="fr-FR" dirty="0"/>
+          </a:p>
+        </p:txBody>
+      </p:sp>
+      <p:sp>
+        <p:nvSpPr>
+          <p:cNvPr id="4" name="Espace réservé du numéro de diapositive 3"/>
+          <p:cNvSpPr>
+            <a:spLocks noGrp="1"/>
+          </p:cNvSpPr>
+          <p:nvPr>
+            <p:ph type="sldNum" sz="quarter" idx="12"/>
           </p:nvPr>
         </p:nvSpPr>
         <p:spPr/>
         <p:txBody>
-          <a:bodyPr>
-            <a:normAutofit fontScale="92500" lnSpcReduction="10000"/>
-          </a:bodyPr>
-          <a:lstStyle/>
-          <a:p>
-            <a:r>
-              <a:rPr lang="en-US" dirty="0" smtClean="0"/>
-              <a:t>Kinect Output : Depth, Video and Skeleton</a:t>
-            </a:r>
-          </a:p>
-          <a:p>
-            <a:pPr lvl="1"/>
-            <a:r>
-              <a:rPr lang="en-US" dirty="0" smtClean="0"/>
-              <a:t> The algorithm requires only depth data</a:t>
-            </a:r>
-          </a:p>
-          <a:p>
-            <a:endParaRPr lang="en-US" dirty="0" smtClean="0"/>
-          </a:p>
-          <a:p>
-            <a:r>
-              <a:rPr lang="en-US" dirty="0" smtClean="0"/>
-              <a:t>Pixels are filtered based on their distance from the sensor and grouped by blobs because closest blobs are more likely to be hands</a:t>
-            </a:r>
-            <a:endParaRPr lang="en-US" dirty="0" smtClean="0">
-              <a:solidFill>
-                <a:srgbClr val="FF0000"/>
-              </a:solidFill>
-            </a:endParaRPr>
-          </a:p>
-          <a:p>
-            <a:endParaRPr lang="en-US" dirty="0" smtClean="0"/>
-          </a:p>
-          <a:p>
-            <a:r>
-              <a:rPr lang="en-US" dirty="0" smtClean="0"/>
-              <a:t>The N biggest blobs are tracked by the software as potential hands candidates</a:t>
-            </a:r>
-            <a:endParaRPr lang="en-US" dirty="0" smtClean="0">
-              <a:solidFill>
-                <a:srgbClr val="FF0000"/>
-              </a:solidFill>
-            </a:endParaRPr>
-          </a:p>
-          <a:p>
-            <a:endParaRPr lang="en-US" dirty="0" smtClean="0"/>
-          </a:p>
-          <a:p>
-            <a:endParaRPr lang="en-US" dirty="0" smtClean="0"/>
-          </a:p>
-          <a:p>
-            <a:endParaRPr lang="en-US" dirty="0"/>
-          </a:p>
-        </p:txBody>
-      </p:sp>
-      <p:sp>
-        <p:nvSpPr>
-          <p:cNvPr id="4" name="Espace réservé du numéro de diapositive 3"/>
-          <p:cNvSpPr>
-            <a:spLocks noGrp="1"/>
-          </p:cNvSpPr>
-          <p:nvPr>
-            <p:ph type="sldNum" sz="quarter" idx="12"/>
-          </p:nvPr>
-        </p:nvSpPr>
-        <p:spPr/>
-        <p:txBody>
           <a:bodyPr/>
           <a:lstStyle/>
           <a:p>
             <a:fld id="{AB9DB7C7-3B7A-421A-AF98-AB9FC2185CD3}" type="slidenum">
-              <a:rPr lang="en-US" smtClean="0"/>
+              <a:rPr lang="fr-FR" smtClean="0"/>
               <a:pPr/>
               <a:t>8</a:t>
             </a:fld>
-            <a:endParaRPr lang="en-US"/>
-          </a:p>
-        </p:txBody>
-      </p:sp>
+            <a:endParaRPr lang="fr-FR" dirty="0"/>
+          </a:p>
+        </p:txBody>
+      </p:sp>
+      <p:pic>
+        <p:nvPicPr>
+          <p:cNvPr id="6" name="FinalPrézGénérale.wmv">
+            <a:hlinkClick r:id="" action="ppaction://media"/>
+          </p:cNvPr>
+          <p:cNvPicPr>
+            <a:picLocks noGrp="1" noRot="1" noChangeAspect="1"/>
+          </p:cNvPicPr>
+          <p:nvPr>
+            <p:ph idx="1"/>
+            <a:videoFile r:link="rId1"/>
+          </p:nvPr>
+        </p:nvPicPr>
+        <p:blipFill>
+          <a:blip r:embed="rId3" cstate="print"/>
+          <a:stretch>
+            <a:fillRect/>
+          </a:stretch>
+        </p:blipFill>
+        <p:spPr>
+          <a:xfrm>
+            <a:off x="1143000" y="1576388"/>
+            <a:ext cx="6096000" cy="4572000"/>
+          </a:xfrm>
+          <a:prstGeom prst="rect">
+            <a:avLst/>
+          </a:prstGeom>
+        </p:spPr>
+      </p:pic>
     </p:spTree>
   </p:cSld>
   <p:clrMapOvr>
@@ -11505,7 +11961,92 @@
   <p:timing>
     <p:tnLst>
       <p:par>
-        <p:cTn id="1" dur="indefinite" restart="never" nodeType="tmRoot"/>
+        <p:cTn id="1" dur="indefinite" restart="never" nodeType="tmRoot">
+          <p:childTnLst>
+            <p:seq concurrent="1" nextAc="seek">
+              <p:cTn id="2" restart="whenNotActive" fill="hold" evtFilter="cancelBubble" nodeType="interactiveSeq">
+                <p:stCondLst>
+                  <p:cond evt="onClick" delay="0">
+                    <p:tgtEl>
+                      <p:spTgt spid="6"/>
+                    </p:tgtEl>
+                  </p:cond>
+                </p:stCondLst>
+                <p:endSync evt="end" delay="0">
+                  <p:rtn val="all"/>
+                </p:endSync>
+                <p:childTnLst>
+                  <p:par>
+                    <p:cTn id="3" fill="hold">
+                      <p:stCondLst>
+                        <p:cond delay="0"/>
+                      </p:stCondLst>
+                      <p:childTnLst>
+                        <p:par>
+                          <p:cTn id="4" fill="hold">
+                            <p:stCondLst>
+                              <p:cond delay="0"/>
+                            </p:stCondLst>
+                            <p:childTnLst>
+                              <p:par>
+                                <p:cTn id="5" presetID="2" presetClass="mediacall" presetSubtype="0" fill="hold" nodeType="clickEffect">
+                                  <p:stCondLst>
+                                    <p:cond delay="0"/>
+                                  </p:stCondLst>
+                                  <p:childTnLst>
+                                    <p:cmd type="call" cmd="togglePause">
+                                      <p:cBhvr>
+                                        <p:cTn id="6" dur="1" fill="hold"/>
+                                        <p:tgtEl>
+                                          <p:spTgt spid="6"/>
+                                        </p:tgtEl>
+                                      </p:cBhvr>
+                                    </p:cmd>
+                                  </p:childTnLst>
+                                </p:cTn>
+                              </p:par>
+                            </p:childTnLst>
+                          </p:cTn>
+                        </p:par>
+                      </p:childTnLst>
+                    </p:cTn>
+                  </p:par>
+                </p:childTnLst>
+              </p:cTn>
+              <p:nextCondLst>
+                <p:cond evt="onClick" delay="0">
+                  <p:tgtEl>
+                    <p:spTgt spid="6"/>
+                  </p:tgtEl>
+                </p:cond>
+              </p:nextCondLst>
+            </p:seq>
+            <p:video>
+              <p:cMediaNode>
+                <p:cTn id="7" fill="hold" display="0">
+                  <p:stCondLst>
+                    <p:cond delay="indefinite"/>
+                  </p:stCondLst>
+                  <p:endCondLst>
+                    <p:cond evt="onNext" delay="0">
+                      <p:tgtEl>
+                        <p:sldTgt/>
+                      </p:tgtEl>
+                    </p:cond>
+                    <p:cond evt="onPrev" delay="0">
+                      <p:tgtEl>
+                        <p:sldTgt/>
+                      </p:tgtEl>
+                    </p:cond>
+                  </p:endCondLst>
+                </p:cTn>
+                <p:tgtEl>
+                  <p:spTgt spid="6"/>
+                </p:tgtEl>
+              </p:cMediaNode>
+            </p:video>
+          </p:childTnLst>
+        </p:cTn>
       </p:par>
     </p:tnLst>
   </p:timing>
@@ -11548,47 +12089,87 @@
           <a:p>
             <a:r>
               <a:rPr lang="en-US" dirty="0" smtClean="0"/>
-              <a:t>Technical</a:t>
+              <a:t>Theory</a:t>
             </a:r>
             <a:br>
               <a:rPr lang="en-US" dirty="0" smtClean="0"/>
             </a:br>
             <a:r>
               <a:rPr lang="en-US" dirty="0" smtClean="0"/>
-              <a:t>	CPU </a:t>
-            </a:r>
-            <a:r>
-              <a:rPr lang="en-US" dirty="0" err="1" smtClean="0"/>
-              <a:t>vs</a:t>
-            </a:r>
+              <a:t>	Recognizing hand</a:t>
+            </a:r>
+            <a:endParaRPr lang="en-US" dirty="0"/>
+          </a:p>
+        </p:txBody>
+      </p:sp>
+      <p:sp>
+        <p:nvSpPr>
+          <p:cNvPr id="3" name="Espace réservé du contenu 2"/>
+          <p:cNvSpPr>
+            <a:spLocks noGrp="1"/>
+          </p:cNvSpPr>
+          <p:nvPr>
+            <p:ph idx="1"/>
+          </p:nvPr>
+        </p:nvSpPr>
+        <p:spPr/>
+        <p:txBody>
+          <a:bodyPr>
+            <a:normAutofit fontScale="92500" lnSpcReduction="10000"/>
+          </a:bodyPr>
+          <a:lstStyle/>
+          <a:p>
             <a:r>
               <a:rPr lang="en-US" dirty="0" smtClean="0"/>
-              <a:t> GPU</a:t>
-            </a:r>
+              <a:t>Kinect Output : Depth, Video and Skeleton</a:t>
+            </a:r>
+          </a:p>
+          <a:p>
+            <a:pPr lvl="1"/>
+            <a:r>
+              <a:rPr lang="en-US" dirty="0" smtClean="0"/>
+              <a:t> The algorithm requires only depth data</a:t>
+            </a:r>
+          </a:p>
+          <a:p>
+            <a:endParaRPr lang="en-US" dirty="0" smtClean="0"/>
+          </a:p>
+          <a:p>
+            <a:r>
+              <a:rPr lang="en-US" dirty="0" smtClean="0"/>
+              <a:t>Pixels are filtered based on their distance from the sensor and grouped by blobs because closest blobs are more likely to be hands</a:t>
+            </a:r>
+            <a:endParaRPr lang="en-US" dirty="0" smtClean="0">
+              <a:solidFill>
+                <a:srgbClr val="FF0000"/>
+              </a:solidFill>
+            </a:endParaRPr>
+          </a:p>
+          <a:p>
+            <a:endParaRPr lang="en-US" dirty="0" smtClean="0"/>
+          </a:p>
+          <a:p>
+            <a:r>
+              <a:rPr lang="en-US" dirty="0" smtClean="0"/>
+              <a:t>The N biggest blobs are tracked by the software as potential hands candidates</a:t>
+            </a:r>
+            <a:endParaRPr lang="en-US" dirty="0" smtClean="0">
+              <a:solidFill>
+                <a:srgbClr val="FF0000"/>
+              </a:solidFill>
+            </a:endParaRPr>
+          </a:p>
+          <a:p>
+            <a:endParaRPr lang="en-US" dirty="0" smtClean="0"/>
+          </a:p>
+          <a:p>
+            <a:endParaRPr lang="en-US" dirty="0" smtClean="0"/>
+          </a:p>
+          <a:p>
             <a:endParaRPr lang="en-US" dirty="0"/>
           </a:p>
         </p:txBody>
       </p:sp>
-      <p:graphicFrame>
-        <p:nvGraphicFramePr>
-          <p:cNvPr id="5" name="Espace réservé du contenu 4"/>
-          <p:cNvGraphicFramePr>
-            <a:graphicFrameLocks noGrp="1"/>
-          </p:cNvGraphicFramePr>
-          <p:nvPr>
-            <p:ph idx="1"/>
-          </p:nvPr>
-        </p:nvGraphicFramePr>
-        <p:xfrm>
-          <a:off x="457200" y="1600200"/>
-          <a:ext cx="7467600" cy="4525963"/>
-        </p:xfrm>
-        <a:graphic>
-          <a:graphicData uri="http://schemas.openxmlformats.org/drawingml/2006/chart">
-            <c:chart xmlns:c="http://schemas.openxmlformats.org/drawingml/2006/chart" xmlns:r="http://schemas.openxmlformats.org/officeDocument/2006/relationships" r:id="rId3"/>
-          </a:graphicData>
-        </a:graphic>
-      </p:graphicFrame>
       <p:sp>
         <p:nvSpPr>
           <p:cNvPr id="4" name="Espace réservé du numéro de diapositive 3"/>
@@ -11605,192 +12186,11 @@
           <a:lstStyle/>
           <a:p>
             <a:fld id="{AB9DB7C7-3B7A-421A-AF98-AB9FC2185CD3}" type="slidenum">
-              <a:rPr lang="fr-FR" smtClean="0"/>
+              <a:rPr lang="en-US" smtClean="0"/>
               <a:pPr/>
               <a:t>9</a:t>
             </a:fld>
-            <a:endParaRPr lang="fr-FR" dirty="0"/>
-          </a:p>
-        </p:txBody>
-      </p:sp>
-      <p:sp>
-        <p:nvSpPr>
-          <p:cNvPr id="6" name="ZoneTexte 1"/>
-          <p:cNvSpPr txBox="1"/>
-          <p:nvPr/>
-        </p:nvSpPr>
-        <p:spPr>
-          <a:xfrm>
-            <a:off x="0" y="1556792"/>
-            <a:ext cx="1187624" cy="360040"/>
-          </a:xfrm>
-          <a:prstGeom prst="rect">
-            <a:avLst/>
-          </a:prstGeom>
-        </p:spPr>
-        <p:txBody>
-          <a:bodyPr wrap="square" rtlCol="0"/>
-          <a:lstStyle>
-            <a:lvl1pPr marL="0" indent="0">
-              <a:defRPr sz="1100">
-                <a:latin typeface="+mn-lt"/>
-                <a:ea typeface="+mn-ea"/>
-                <a:cs typeface="+mn-cs"/>
-              </a:defRPr>
-            </a:lvl1pPr>
-            <a:lvl2pPr marL="457200" indent="0">
-              <a:defRPr sz="1100">
-                <a:latin typeface="+mn-lt"/>
-                <a:ea typeface="+mn-ea"/>
-                <a:cs typeface="+mn-cs"/>
-              </a:defRPr>
-            </a:lvl2pPr>
-            <a:lvl3pPr marL="914400" indent="0">
-              <a:defRPr sz="1100">
-                <a:latin typeface="+mn-lt"/>
-                <a:ea typeface="+mn-ea"/>
-                <a:cs typeface="+mn-cs"/>
-              </a:defRPr>
-            </a:lvl3pPr>
-            <a:lvl4pPr marL="1371600" indent="0">
-              <a:defRPr sz="1100">
-                <a:latin typeface="+mn-lt"/>
-                <a:ea typeface="+mn-ea"/>
-                <a:cs typeface="+mn-cs"/>
-              </a:defRPr>
-            </a:lvl4pPr>
-            <a:lvl5pPr marL="1828800" indent="0">
-              <a:defRPr sz="1100">
-                <a:latin typeface="+mn-lt"/>
-                <a:ea typeface="+mn-ea"/>
-                <a:cs typeface="+mn-cs"/>
-              </a:defRPr>
-            </a:lvl5pPr>
-            <a:lvl6pPr marL="2286000" indent="0">
-              <a:defRPr sz="1100">
-                <a:latin typeface="+mn-lt"/>
-                <a:ea typeface="+mn-ea"/>
-                <a:cs typeface="+mn-cs"/>
-              </a:defRPr>
-            </a:lvl6pPr>
-            <a:lvl7pPr marL="2743200" indent="0">
-              <a:defRPr sz="1100">
-                <a:latin typeface="+mn-lt"/>
-                <a:ea typeface="+mn-ea"/>
-                <a:cs typeface="+mn-cs"/>
-              </a:defRPr>
-            </a:lvl7pPr>
-            <a:lvl8pPr marL="3200400" indent="0">
-              <a:defRPr sz="1100">
-                <a:latin typeface="+mn-lt"/>
-                <a:ea typeface="+mn-ea"/>
-                <a:cs typeface="+mn-cs"/>
-              </a:defRPr>
-            </a:lvl8pPr>
-            <a:lvl9pPr marL="3657600" indent="0">
-              <a:defRPr sz="1100">
-                <a:latin typeface="+mn-lt"/>
-                <a:ea typeface="+mn-ea"/>
-                <a:cs typeface="+mn-cs"/>
-              </a:defRPr>
-            </a:lvl9pPr>
-          </a:lstStyle>
-          <a:p>
-            <a:r>
-              <a:rPr lang="fr-FR" sz="2000" dirty="0" smtClean="0">
-                <a:solidFill>
-                  <a:sysClr val="window" lastClr="FFFFFF"/>
-                </a:solidFill>
-              </a:rPr>
-              <a:t>Seconds</a:t>
-            </a:r>
-            <a:endParaRPr lang="fr-FR" sz="2000" dirty="0">
-              <a:solidFill>
-                <a:sysClr val="window" lastClr="FFFFFF"/>
-              </a:solidFill>
-            </a:endParaRPr>
-          </a:p>
-        </p:txBody>
-      </p:sp>
-      <p:sp>
-        <p:nvSpPr>
-          <p:cNvPr id="7" name="Rectangle 6"/>
-          <p:cNvSpPr/>
-          <p:nvPr/>
-        </p:nvSpPr>
-        <p:spPr>
-          <a:xfrm>
-            <a:off x="4644008" y="1556792"/>
-            <a:ext cx="1368152" cy="4320480"/>
-          </a:xfrm>
-          <a:prstGeom prst="rect">
-            <a:avLst/>
-          </a:prstGeom>
-          <a:noFill/>
-          <a:ln>
-            <a:prstDash val="sysDash"/>
-          </a:ln>
-        </p:spPr>
-        <p:style>
-          <a:lnRef idx="2">
-            <a:schemeClr val="accent1">
-              <a:shade val="50000"/>
-            </a:schemeClr>
-          </a:lnRef>
-          <a:fillRef idx="1">
-            <a:schemeClr val="accent1"/>
-          </a:fillRef>
-          <a:effectRef idx="0">
-            <a:schemeClr val="accent1"/>
-          </a:effectRef>
-          <a:fontRef idx="minor">
-            <a:schemeClr val="lt1"/>
-          </a:fontRef>
-        </p:style>
-        <p:txBody>
-          <a:bodyPr rtlCol="0" anchor="ctr"/>
-          <a:lstStyle/>
-          <a:p>
-            <a:pPr algn="ctr"/>
-            <a:endParaRPr lang="fr-FR"/>
-          </a:p>
-        </p:txBody>
-      </p:sp>
-      <p:sp>
-        <p:nvSpPr>
-          <p:cNvPr id="8" name="ZoneTexte 7"/>
-          <p:cNvSpPr txBox="1"/>
-          <p:nvPr/>
-        </p:nvSpPr>
-        <p:spPr>
-          <a:xfrm>
-            <a:off x="5004048" y="1124744"/>
-            <a:ext cx="1584176" cy="369332"/>
-          </a:xfrm>
-          <a:prstGeom prst="rect">
-            <a:avLst/>
-          </a:prstGeom>
-          <a:noFill/>
-        </p:spPr>
-        <p:txBody>
-          <a:bodyPr wrap="square" rtlCol="0">
-            <a:spAutoFit/>
-          </a:bodyPr>
-          <a:lstStyle/>
-          <a:p>
-            <a:r>
-              <a:rPr lang="en-US" dirty="0" smtClean="0">
-                <a:solidFill>
-                  <a:schemeClr val="tx2"/>
-                </a:solidFill>
-              </a:rPr>
-              <a:t>Used range</a:t>
-            </a:r>
-            <a:endParaRPr lang="en-US" dirty="0">
-              <a:solidFill>
-                <a:schemeClr val="tx2"/>
-              </a:solidFill>
-            </a:endParaRPr>
+            <a:endParaRPr lang="en-US"/>
           </a:p>
         </p:txBody>
       </p:sp>
